--- a/PPT/진짜 준비자료.pptx
+++ b/PPT/진짜 준비자료.pptx
@@ -5,14 +5,16 @@
     <p:sldMasterId id="2147483648" r:id="rId1"/>
   </p:sldMasterIdLst>
   <p:notesMasterIdLst>
-    <p:notesMasterId r:id="rId7"/>
+    <p:notesMasterId r:id="rId9"/>
   </p:notesMasterIdLst>
   <p:sldIdLst>
     <p:sldId id="256" r:id="rId2"/>
     <p:sldId id="257" r:id="rId3"/>
     <p:sldId id="258" r:id="rId4"/>
-    <p:sldId id="259" r:id="rId5"/>
-    <p:sldId id="260" r:id="rId6"/>
+    <p:sldId id="261" r:id="rId5"/>
+    <p:sldId id="262" r:id="rId6"/>
+    <p:sldId id="263" r:id="rId7"/>
+    <p:sldId id="264" r:id="rId8"/>
   </p:sldIdLst>
   <p:sldSz cx="12192000" cy="6858000"/>
   <p:notesSz cx="6858000" cy="9144000"/>
@@ -114,7 +116,7 @@
   <p:extLst>
     <p:ext uri="{EFAFB233-063F-42B5-8137-9DF3F51BA10A}">
       <p15:sldGuideLst xmlns:p15="http://schemas.microsoft.com/office/powerpoint/2012/main">
-        <p15:guide id="1" pos="3840" userDrawn="1">
+        <p15:guide id="1" pos="665" userDrawn="1">
           <p15:clr>
             <a:srgbClr val="A4A3A4"/>
           </p15:clr>
@@ -125,6 +127,9 @@
           </p15:clr>
         </p15:guide>
       </p15:sldGuideLst>
+    </p:ext>
+    <p:ext uri="{2D200454-40CA-4A62-9FC3-DE9A4176ACB9}">
+      <p15:notesGuideLst xmlns:p15="http://schemas.microsoft.com/office/powerpoint/2012/main"/>
     </p:ext>
   </p:extLst>
 </p:presentation>
@@ -2511,7 +2516,7 @@
               <a:pPr/>
               <a:t>‹#›</a:t>
             </a:fld>
-            <a:endParaRPr lang="ko-KR" altLang="en-US"/>
+            <a:endParaRPr lang="ko-KR" altLang="en-US" dirty="0"/>
           </a:p>
         </p:txBody>
       </p:sp>
@@ -4346,84 +4351,6 @@
           </a:p>
         </p:txBody>
       </p:sp>
-      <p:sp>
-        <p:nvSpPr>
-          <p:cNvPr id="33" name="TextBox 10">
-            <a:extLst>
-              <a:ext uri="{FF2B5EF4-FFF2-40B4-BE49-F238E27FC236}">
-                <a16:creationId xmlns:a16="http://schemas.microsoft.com/office/drawing/2014/main" id="{B346EA75-28FE-33C7-6D7C-16239D4DFC1D}"/>
-              </a:ext>
-            </a:extLst>
-          </p:cNvPr>
-          <p:cNvSpPr txBox="1"/>
-          <p:nvPr/>
-        </p:nvSpPr>
-        <p:spPr>
-          <a:xfrm>
-            <a:off x="7158703" y="6772275"/>
-            <a:ext cx="11493500" cy="660400"/>
-          </a:xfrm>
-          <a:prstGeom prst="rect">
-            <a:avLst/>
-          </a:prstGeom>
-        </p:spPr>
-        <p:txBody>
-          <a:bodyPr lIns="0" tIns="47413" rIns="0" bIns="47413" rtlCol="0" anchor="ctr"/>
-          <a:lstStyle/>
-          <a:p>
-            <a:pPr lvl="0" algn="l">
-              <a:lnSpc>
-                <a:spcPct val="99600"/>
-              </a:lnSpc>
-            </a:pPr>
-            <a:r>
-              <a:rPr lang="ko-KR" altLang="en-US" sz="3733" b="0" i="0" u="none" strike="noStrike" dirty="0">
-                <a:solidFill>
-                  <a:srgbClr val="000000"/>
-                </a:solidFill>
-                <a:ea typeface="Pretendard SemiBold"/>
-              </a:rPr>
-              <a:t>결론 및 향후 방향성 </a:t>
-            </a:r>
-            <a:endParaRPr lang="en-US" sz="3733" b="0" i="0" u="none" strike="noStrike" dirty="0">
-              <a:solidFill>
-                <a:srgbClr val="000000"/>
-              </a:solidFill>
-              <a:latin typeface="Pretendard SemiBold"/>
-            </a:endParaRPr>
-          </a:p>
-        </p:txBody>
-      </p:sp>
-      <p:pic>
-        <p:nvPicPr>
-          <p:cNvPr id="34" name="Picture 11">
-            <a:extLst>
-              <a:ext uri="{FF2B5EF4-FFF2-40B4-BE49-F238E27FC236}">
-                <a16:creationId xmlns:a16="http://schemas.microsoft.com/office/drawing/2014/main" id="{FD822AA1-A0C3-5940-415F-891FF231CA94}"/>
-              </a:ext>
-            </a:extLst>
-          </p:cNvPr>
-          <p:cNvPicPr>
-            <a:picLocks noChangeAspect="1"/>
-          </p:cNvPicPr>
-          <p:nvPr/>
-        </p:nvPicPr>
-        <p:blipFill>
-          <a:blip r:embed="rId2"/>
-          <a:stretch>
-            <a:fillRect/>
-          </a:stretch>
-        </p:blipFill>
-        <p:spPr>
-          <a:xfrm>
-            <a:off x="4999703" y="6518275"/>
-            <a:ext cx="1346200" cy="1155700"/>
-          </a:xfrm>
-          <a:prstGeom prst="rect">
-            <a:avLst/>
-          </a:prstGeom>
-        </p:spPr>
-      </p:pic>
       <p:grpSp>
         <p:nvGrpSpPr>
           <p:cNvPr id="61" name="그룹 60">
@@ -4533,385 +4460,6 @@
           </p:txBody>
         </p:sp>
       </p:grpSp>
-      <p:sp>
-        <p:nvSpPr>
-          <p:cNvPr id="37" name="TextBox 15">
-            <a:extLst>
-              <a:ext uri="{FF2B5EF4-FFF2-40B4-BE49-F238E27FC236}">
-                <a16:creationId xmlns:a16="http://schemas.microsoft.com/office/drawing/2014/main" id="{C70818A1-263E-329B-2412-8CAE466EAE63}"/>
-              </a:ext>
-            </a:extLst>
-          </p:cNvPr>
-          <p:cNvSpPr txBox="1"/>
-          <p:nvPr/>
-        </p:nvSpPr>
-        <p:spPr>
-          <a:xfrm>
-            <a:off x="7171403" y="-923925"/>
-            <a:ext cx="11493500" cy="660400"/>
-          </a:xfrm>
-          <a:prstGeom prst="rect">
-            <a:avLst/>
-          </a:prstGeom>
-        </p:spPr>
-        <p:txBody>
-          <a:bodyPr lIns="0" tIns="47413" rIns="0" bIns="47413" rtlCol="0" anchor="ctr"/>
-          <a:lstStyle/>
-          <a:p>
-            <a:pPr lvl="0" algn="l">
-              <a:lnSpc>
-                <a:spcPct val="99600"/>
-              </a:lnSpc>
-            </a:pPr>
-            <a:r>
-              <a:rPr lang="ko-KR" altLang="en-US" sz="3733" b="0" i="0" u="none" strike="noStrike" dirty="0">
-                <a:solidFill>
-                  <a:srgbClr val="000000"/>
-                </a:solidFill>
-                <a:latin typeface="Pretendard SemiBold"/>
-                <a:ea typeface="Pretendard SemiBold"/>
-              </a:rPr>
-              <a:t>주제 선택 배경</a:t>
-            </a:r>
-            <a:endParaRPr lang="en-US" sz="3733" b="0" i="0" u="none" strike="noStrike" dirty="0">
-              <a:solidFill>
-                <a:srgbClr val="000000"/>
-              </a:solidFill>
-              <a:latin typeface="Pretendard SemiBold"/>
-            </a:endParaRPr>
-          </a:p>
-        </p:txBody>
-      </p:sp>
-      <p:pic>
-        <p:nvPicPr>
-          <p:cNvPr id="38" name="Picture 16">
-            <a:extLst>
-              <a:ext uri="{FF2B5EF4-FFF2-40B4-BE49-F238E27FC236}">
-                <a16:creationId xmlns:a16="http://schemas.microsoft.com/office/drawing/2014/main" id="{6D96E547-DA2C-360B-0EE8-AF0754DFAF9D}"/>
-              </a:ext>
-            </a:extLst>
-          </p:cNvPr>
-          <p:cNvPicPr>
-            <a:picLocks noChangeAspect="1"/>
-          </p:cNvPicPr>
-          <p:nvPr/>
-        </p:nvPicPr>
-        <p:blipFill>
-          <a:blip r:embed="rId3"/>
-          <a:stretch>
-            <a:fillRect/>
-          </a:stretch>
-        </p:blipFill>
-        <p:spPr>
-          <a:xfrm>
-            <a:off x="5012403" y="-1177925"/>
-            <a:ext cx="1346200" cy="1155700"/>
-          </a:xfrm>
-          <a:prstGeom prst="rect">
-            <a:avLst/>
-          </a:prstGeom>
-        </p:spPr>
-      </p:pic>
-      <p:sp>
-        <p:nvSpPr>
-          <p:cNvPr id="39" name="TextBox 17">
-            <a:extLst>
-              <a:ext uri="{FF2B5EF4-FFF2-40B4-BE49-F238E27FC236}">
-                <a16:creationId xmlns:a16="http://schemas.microsoft.com/office/drawing/2014/main" id="{8B2CC752-3005-1112-F6A4-9B3833920961}"/>
-              </a:ext>
-            </a:extLst>
-          </p:cNvPr>
-          <p:cNvSpPr txBox="1"/>
-          <p:nvPr/>
-        </p:nvSpPr>
-        <p:spPr>
-          <a:xfrm>
-            <a:off x="7171403" y="993775"/>
-            <a:ext cx="11493500" cy="660400"/>
-          </a:xfrm>
-          <a:prstGeom prst="rect">
-            <a:avLst/>
-          </a:prstGeom>
-        </p:spPr>
-        <p:txBody>
-          <a:bodyPr lIns="0" tIns="47413" rIns="0" bIns="47413" rtlCol="0" anchor="ctr"/>
-          <a:lstStyle/>
-          <a:p>
-            <a:pPr lvl="0" algn="l">
-              <a:lnSpc>
-                <a:spcPct val="99600"/>
-              </a:lnSpc>
-            </a:pPr>
-            <a:r>
-              <a:rPr lang="en-US" altLang="ko-KR" sz="3733" b="0" i="0" u="none" strike="noStrike" dirty="0">
-                <a:solidFill>
-                  <a:srgbClr val="000000"/>
-                </a:solidFill>
-                <a:latin typeface="Pretendard Bold" panose="020B0600000101010101" charset="-127"/>
-                <a:ea typeface="Pretendard Bold" panose="020B0600000101010101" charset="-127"/>
-              </a:rPr>
-              <a:t>OCR</a:t>
-            </a:r>
-            <a:r>
-              <a:rPr lang="ko-KR" altLang="en-US" sz="3733" b="0" i="0" u="none" strike="noStrike" dirty="0">
-                <a:solidFill>
-                  <a:srgbClr val="000000"/>
-                </a:solidFill>
-                <a:ea typeface="Pretendard SemiBold"/>
-              </a:rPr>
-              <a:t>이란 어떤 기술인가</a:t>
-            </a:r>
-            <a:r>
-              <a:rPr lang="en-US" altLang="ko-KR" sz="3733" b="0" i="0" u="none" strike="noStrike" dirty="0">
-                <a:solidFill>
-                  <a:srgbClr val="000000"/>
-                </a:solidFill>
-                <a:ea typeface="Pretendard SemiBold"/>
-              </a:rPr>
-              <a:t>?</a:t>
-            </a:r>
-            <a:endParaRPr lang="en-US" sz="3733" b="0" i="0" u="none" strike="noStrike" dirty="0">
-              <a:solidFill>
-                <a:srgbClr val="000000"/>
-              </a:solidFill>
-              <a:latin typeface="Pretendard SemiBold"/>
-            </a:endParaRPr>
-          </a:p>
-        </p:txBody>
-      </p:sp>
-      <p:pic>
-        <p:nvPicPr>
-          <p:cNvPr id="40" name="Picture 18">
-            <a:extLst>
-              <a:ext uri="{FF2B5EF4-FFF2-40B4-BE49-F238E27FC236}">
-                <a16:creationId xmlns:a16="http://schemas.microsoft.com/office/drawing/2014/main" id="{C1283B5A-975D-A37B-75FC-98893BCA9126}"/>
-              </a:ext>
-            </a:extLst>
-          </p:cNvPr>
-          <p:cNvPicPr>
-            <a:picLocks noChangeAspect="1"/>
-          </p:cNvPicPr>
-          <p:nvPr/>
-        </p:nvPicPr>
-        <p:blipFill>
-          <a:blip r:embed="rId4"/>
-          <a:stretch>
-            <a:fillRect/>
-          </a:stretch>
-        </p:blipFill>
-        <p:spPr>
-          <a:xfrm>
-            <a:off x="5012403" y="752475"/>
-            <a:ext cx="1346200" cy="1155700"/>
-          </a:xfrm>
-          <a:prstGeom prst="rect">
-            <a:avLst/>
-          </a:prstGeom>
-        </p:spPr>
-      </p:pic>
-      <p:sp>
-        <p:nvSpPr>
-          <p:cNvPr id="41" name="TextBox 19">
-            <a:extLst>
-              <a:ext uri="{FF2B5EF4-FFF2-40B4-BE49-F238E27FC236}">
-                <a16:creationId xmlns:a16="http://schemas.microsoft.com/office/drawing/2014/main" id="{C63507F6-41CD-EA03-1DB1-E8ED478CD1CF}"/>
-              </a:ext>
-            </a:extLst>
-          </p:cNvPr>
-          <p:cNvSpPr txBox="1"/>
-          <p:nvPr/>
-        </p:nvSpPr>
-        <p:spPr>
-          <a:xfrm>
-            <a:off x="7171403" y="2924175"/>
-            <a:ext cx="11493500" cy="660400"/>
-          </a:xfrm>
-          <a:prstGeom prst="rect">
-            <a:avLst/>
-          </a:prstGeom>
-        </p:spPr>
-        <p:txBody>
-          <a:bodyPr lIns="0" tIns="47413" rIns="0" bIns="47413" rtlCol="0" anchor="ctr"/>
-          <a:lstStyle/>
-          <a:p>
-            <a:pPr lvl="0" algn="l">
-              <a:lnSpc>
-                <a:spcPct val="99600"/>
-              </a:lnSpc>
-            </a:pPr>
-            <a:r>
-              <a:rPr lang="ko-KR" altLang="en-US" sz="3733" b="0" i="0" u="none" strike="noStrike" dirty="0">
-                <a:solidFill>
-                  <a:srgbClr val="000000"/>
-                </a:solidFill>
-                <a:ea typeface="Pretendard SemiBold"/>
-              </a:rPr>
-              <a:t>여러가지 데이터로 </a:t>
-            </a:r>
-            <a:r>
-              <a:rPr lang="en-US" altLang="ko-KR" sz="3733" b="0" i="0" u="none" strike="noStrike" dirty="0">
-                <a:solidFill>
-                  <a:srgbClr val="000000"/>
-                </a:solidFill>
-                <a:latin typeface="Pretendard Bold" panose="020B0600000101010101" charset="-127"/>
-                <a:ea typeface="Pretendard Bold" panose="020B0600000101010101" charset="-127"/>
-              </a:rPr>
-              <a:t>OCR</a:t>
-            </a:r>
-            <a:r>
-              <a:rPr lang="en-US" altLang="ko-KR" sz="3733" b="0" i="0" u="none" strike="noStrike" dirty="0">
-                <a:solidFill>
-                  <a:srgbClr val="000000"/>
-                </a:solidFill>
-                <a:ea typeface="Pretendard SemiBold"/>
-              </a:rPr>
-              <a:t> </a:t>
-            </a:r>
-            <a:r>
-              <a:rPr lang="ko-KR" altLang="en-US" sz="3733" b="0" i="0" u="none" strike="noStrike" dirty="0">
-                <a:solidFill>
-                  <a:srgbClr val="000000"/>
-                </a:solidFill>
-                <a:ea typeface="Pretendard SemiBold"/>
-              </a:rPr>
-              <a:t>해보기</a:t>
-            </a:r>
-            <a:endParaRPr lang="en-US" sz="3733" b="0" i="0" u="none" strike="noStrike" dirty="0">
-              <a:solidFill>
-                <a:srgbClr val="000000"/>
-              </a:solidFill>
-              <a:latin typeface="Pretendard SemiBold"/>
-            </a:endParaRPr>
-          </a:p>
-        </p:txBody>
-      </p:sp>
-      <p:pic>
-        <p:nvPicPr>
-          <p:cNvPr id="42" name="Picture 20">
-            <a:extLst>
-              <a:ext uri="{FF2B5EF4-FFF2-40B4-BE49-F238E27FC236}">
-                <a16:creationId xmlns:a16="http://schemas.microsoft.com/office/drawing/2014/main" id="{F8FEB3CC-C8D9-63A3-F6B9-30D1B60566F8}"/>
-              </a:ext>
-            </a:extLst>
-          </p:cNvPr>
-          <p:cNvPicPr>
-            <a:picLocks noChangeAspect="1"/>
-          </p:cNvPicPr>
-          <p:nvPr/>
-        </p:nvPicPr>
-        <p:blipFill>
-          <a:blip r:embed="rId5"/>
-          <a:stretch>
-            <a:fillRect/>
-          </a:stretch>
-        </p:blipFill>
-        <p:spPr>
-          <a:xfrm>
-            <a:off x="5012403" y="2670175"/>
-            <a:ext cx="1346200" cy="1155700"/>
-          </a:xfrm>
-          <a:prstGeom prst="rect">
-            <a:avLst/>
-          </a:prstGeom>
-        </p:spPr>
-      </p:pic>
-      <p:sp>
-        <p:nvSpPr>
-          <p:cNvPr id="43" name="TextBox 21">
-            <a:extLst>
-              <a:ext uri="{FF2B5EF4-FFF2-40B4-BE49-F238E27FC236}">
-                <a16:creationId xmlns:a16="http://schemas.microsoft.com/office/drawing/2014/main" id="{7DE03A64-2640-AFD0-465C-A08D1678BA56}"/>
-              </a:ext>
-            </a:extLst>
-          </p:cNvPr>
-          <p:cNvSpPr txBox="1"/>
-          <p:nvPr/>
-        </p:nvSpPr>
-        <p:spPr>
-          <a:xfrm>
-            <a:off x="7171403" y="4841875"/>
-            <a:ext cx="11493500" cy="660400"/>
-          </a:xfrm>
-          <a:prstGeom prst="rect">
-            <a:avLst/>
-          </a:prstGeom>
-        </p:spPr>
-        <p:txBody>
-          <a:bodyPr lIns="0" tIns="47413" rIns="0" bIns="47413" rtlCol="0" anchor="ctr"/>
-          <a:lstStyle/>
-          <a:p>
-            <a:pPr lvl="0" algn="l">
-              <a:lnSpc>
-                <a:spcPct val="99600"/>
-              </a:lnSpc>
-            </a:pPr>
-            <a:r>
-              <a:rPr lang="en-US" altLang="ko-KR" sz="3733" b="0" i="0" u="none" strike="noStrike" dirty="0">
-                <a:solidFill>
-                  <a:srgbClr val="000000"/>
-                </a:solidFill>
-                <a:latin typeface="Pretendard Bold" panose="020B0600000101010101" charset="-127"/>
-                <a:ea typeface="Pretendard Bold" panose="020B0600000101010101" charset="-127"/>
-              </a:rPr>
-              <a:t>OCR</a:t>
-            </a:r>
-            <a:r>
-              <a:rPr lang="en-US" altLang="ko-KR" sz="3733" b="0" i="0" u="none" strike="noStrike" dirty="0">
-                <a:solidFill>
-                  <a:srgbClr val="000000"/>
-                </a:solidFill>
-                <a:ea typeface="Pretendard SemiBold"/>
-              </a:rPr>
-              <a:t> </a:t>
-            </a:r>
-            <a:r>
-              <a:rPr lang="ko-KR" altLang="en-US" sz="3733" b="0" i="0" u="none" strike="noStrike" dirty="0">
-                <a:solidFill>
-                  <a:srgbClr val="000000"/>
-                </a:solidFill>
-                <a:ea typeface="Pretendard SemiBold"/>
-              </a:rPr>
-              <a:t>응용 기술들</a:t>
-            </a:r>
-            <a:endParaRPr lang="en-US" sz="3733" b="0" i="0" u="none" strike="noStrike" dirty="0">
-              <a:solidFill>
-                <a:srgbClr val="000000"/>
-              </a:solidFill>
-              <a:latin typeface="Pretendard SemiBold"/>
-            </a:endParaRPr>
-          </a:p>
-        </p:txBody>
-      </p:sp>
-      <p:pic>
-        <p:nvPicPr>
-          <p:cNvPr id="44" name="Picture 22">
-            <a:extLst>
-              <a:ext uri="{FF2B5EF4-FFF2-40B4-BE49-F238E27FC236}">
-                <a16:creationId xmlns:a16="http://schemas.microsoft.com/office/drawing/2014/main" id="{04DB430C-F468-83C7-5FDF-B956D0254875}"/>
-              </a:ext>
-            </a:extLst>
-          </p:cNvPr>
-          <p:cNvPicPr>
-            <a:picLocks noChangeAspect="1"/>
-          </p:cNvPicPr>
-          <p:nvPr/>
-        </p:nvPicPr>
-        <p:blipFill>
-          <a:blip r:embed="rId6"/>
-          <a:stretch>
-            <a:fillRect/>
-          </a:stretch>
-        </p:blipFill>
-        <p:spPr>
-          <a:xfrm>
-            <a:off x="5012403" y="4600575"/>
-            <a:ext cx="1346200" cy="1155700"/>
-          </a:xfrm>
-          <a:prstGeom prst="rect">
-            <a:avLst/>
-          </a:prstGeom>
-        </p:spPr>
-      </p:pic>
       <p:grpSp>
         <p:nvGrpSpPr>
           <p:cNvPr id="45" name="그룹 44">
@@ -4926,18 +4474,12 @@
         </p:nvGrpSpPr>
         <p:grpSpPr>
           <a:xfrm>
-            <a:off x="5050503" y="-1323975"/>
-            <a:ext cx="14732000" cy="1460500"/>
+            <a:off x="3939847" y="1553561"/>
+            <a:ext cx="7556829" cy="824071"/>
             <a:chOff x="7581900" y="2971800"/>
-            <a:chExt cx="14732000" cy="1460500"/>
+            <a:chExt cx="13392960" cy="1460500"/>
           </a:xfrm>
-          <a:effectLst>
-            <a:outerShdw blurRad="50800" dist="152400" dir="5400000" algn="t" rotWithShape="0">
-              <a:prstClr val="black">
-                <a:alpha val="15000"/>
-              </a:prstClr>
-            </a:outerShdw>
-          </a:effectLst>
+          <a:effectLst/>
         </p:grpSpPr>
         <p:sp>
           <p:nvSpPr>
@@ -4953,8 +4495,8 @@
           </p:nvSpPr>
           <p:spPr>
             <a:xfrm>
-              <a:off x="9372600" y="2971800"/>
-              <a:ext cx="12941300" cy="1460500"/>
+              <a:off x="9372601" y="2971800"/>
+              <a:ext cx="11602259" cy="1460500"/>
             </a:xfrm>
             <a:prstGeom prst="rect">
               <a:avLst/>
@@ -4962,7 +4504,7 @@
             <a:solidFill>
               <a:srgbClr val="EEEEEE"/>
             </a:solidFill>
-            <a:ln w="76200">
+            <a:ln w="50800">
               <a:solidFill>
                 <a:schemeClr val="tx1"/>
               </a:solidFill>
@@ -4988,9 +4530,9 @@
             <a:bodyPr rtlCol="0" anchor="ctr"/>
             <a:lstStyle/>
             <a:p>
-              <a:pPr marL="540000"/>
+              <a:pPr marL="288000"/>
               <a:r>
-                <a:rPr lang="ko-KR" altLang="en-US" sz="3730" dirty="0">
+                <a:rPr lang="ko-KR" altLang="en-US" sz="2800" dirty="0">
                   <a:solidFill>
                     <a:schemeClr val="tx1"/>
                   </a:solidFill>
@@ -5025,7 +4567,7 @@
             <a:solidFill>
               <a:srgbClr val="007BC8"/>
             </a:solidFill>
-            <a:ln w="76200">
+            <a:ln w="50800">
               <a:solidFill>
                 <a:schemeClr val="tx1"/>
               </a:solidFill>
@@ -5053,7 +4595,7 @@
             <a:p>
               <a:pPr algn="ctr"/>
               <a:r>
-                <a:rPr lang="en-US" altLang="ko-KR" sz="4650" dirty="0">
+                <a:rPr lang="en-US" altLang="ko-KR" sz="3600" dirty="0">
                   <a:ln w="25400">
                     <a:solidFill>
                       <a:schemeClr val="tx1"/>
@@ -5064,7 +4606,7 @@
                 </a:rPr>
                 <a:t>01</a:t>
               </a:r>
-              <a:endParaRPr lang="ko-KR" altLang="en-US" sz="4650" dirty="0">
+              <a:endParaRPr lang="ko-KR" altLang="en-US" sz="3600" dirty="0">
                 <a:ln w="25400">
                   <a:solidFill>
                     <a:schemeClr val="tx1"/>
@@ -5079,10 +4621,10 @@
       </p:grpSp>
       <p:grpSp>
         <p:nvGrpSpPr>
-          <p:cNvPr id="48" name="그룹 47">
-            <a:extLst>
-              <a:ext uri="{FF2B5EF4-FFF2-40B4-BE49-F238E27FC236}">
-                <a16:creationId xmlns:a16="http://schemas.microsoft.com/office/drawing/2014/main" id="{24CE5E0A-9DCD-357B-59D2-8640BCFEDB11}"/>
+          <p:cNvPr id="3" name="그룹 2">
+            <a:extLst>
+              <a:ext uri="{FF2B5EF4-FFF2-40B4-BE49-F238E27FC236}">
+                <a16:creationId xmlns:a16="http://schemas.microsoft.com/office/drawing/2014/main" id="{C6419C6E-DC8D-6A2B-4C23-2C96DCD9D7DC}"/>
               </a:ext>
             </a:extLst>
           </p:cNvPr>
@@ -5091,25 +4633,19 @@
         </p:nvGrpSpPr>
         <p:grpSpPr>
           <a:xfrm>
-            <a:off x="5050503" y="583565"/>
-            <a:ext cx="14732000" cy="1460500"/>
+            <a:off x="3939847" y="2780477"/>
+            <a:ext cx="7556828" cy="824071"/>
             <a:chOff x="7581900" y="2971800"/>
-            <a:chExt cx="14732000" cy="1460500"/>
+            <a:chExt cx="13392956" cy="1460500"/>
           </a:xfrm>
-          <a:effectLst>
-            <a:outerShdw blurRad="50800" dist="152400" dir="5400000" algn="t" rotWithShape="0">
-              <a:prstClr val="black">
-                <a:alpha val="15000"/>
-              </a:prstClr>
-            </a:outerShdw>
-          </a:effectLst>
+          <a:effectLst/>
         </p:grpSpPr>
         <p:sp>
           <p:nvSpPr>
-            <p:cNvPr id="49" name="직사각형 48">
+            <p:cNvPr id="4" name="직사각형 3">
               <a:extLst>
                 <a:ext uri="{FF2B5EF4-FFF2-40B4-BE49-F238E27FC236}">
-                  <a16:creationId xmlns:a16="http://schemas.microsoft.com/office/drawing/2014/main" id="{BC0084B6-C6BC-D5CE-379C-64F12F847356}"/>
+                  <a16:creationId xmlns:a16="http://schemas.microsoft.com/office/drawing/2014/main" id="{DD5F5DF5-82EB-EA3E-6579-11323B469A8D}"/>
                 </a:ext>
               </a:extLst>
             </p:cNvPr>
@@ -5118,8 +4654,8 @@
           </p:nvSpPr>
           <p:spPr>
             <a:xfrm>
-              <a:off x="9372600" y="2971800"/>
-              <a:ext cx="12941300" cy="1460500"/>
+              <a:off x="9372602" y="2971800"/>
+              <a:ext cx="11602254" cy="1460500"/>
             </a:xfrm>
             <a:prstGeom prst="rect">
               <a:avLst/>
@@ -5127,7 +4663,7 @@
             <a:solidFill>
               <a:srgbClr val="EEEEEE"/>
             </a:solidFill>
-            <a:ln w="76200">
+            <a:ln w="50800">
               <a:solidFill>
                 <a:schemeClr val="tx1"/>
               </a:solidFill>
@@ -5153,15 +4689,11 @@
             <a:bodyPr rtlCol="0" anchor="ctr"/>
             <a:lstStyle/>
             <a:p>
-              <a:pPr marL="540000" lvl="0">
-                <a:lnSpc>
-                  <a:spcPct val="99600"/>
-                </a:lnSpc>
-              </a:pPr>
+              <a:pPr marL="288000"/>
               <a:r>
-                <a:rPr lang="en-US" altLang="ko-KR" sz="3730" dirty="0">
+                <a:rPr lang="en-US" altLang="ko-KR" sz="2800" b="1" dirty="0">
                   <a:solidFill>
-                    <a:srgbClr val="000000"/>
+                    <a:schemeClr val="tx1"/>
                   </a:solidFill>
                   <a:latin typeface="Pretendard Bold" panose="020B0600000101010101" charset="-127"/>
                   <a:ea typeface="Pretendard Bold" panose="020B0600000101010101" charset="-127"/>
@@ -5169,38 +4701,41 @@
                 <a:t>OCR</a:t>
               </a:r>
               <a:r>
-                <a:rPr lang="ko-KR" altLang="en-US" sz="3730" dirty="0">
+                <a:rPr lang="ko-KR" altLang="en-US" sz="2800" dirty="0">
                   <a:solidFill>
-                    <a:srgbClr val="000000"/>
+                    <a:schemeClr val="tx1"/>
                   </a:solidFill>
-                  <a:ea typeface="Pretendard SemiBold"/>
+                  <a:latin typeface="Pretendard Bold" panose="020B0600000101010101" charset="-127"/>
+                  <a:ea typeface="Pretendard Bold" panose="020B0600000101010101" charset="-127"/>
                 </a:rPr>
                 <a:t>이란 어떤 기술인가</a:t>
               </a:r>
               <a:r>
-                <a:rPr lang="en-US" altLang="ko-KR" sz="3730" dirty="0">
+                <a:rPr lang="en-US" altLang="ko-KR" sz="2800" dirty="0">
                   <a:solidFill>
-                    <a:srgbClr val="000000"/>
+                    <a:schemeClr val="tx1"/>
                   </a:solidFill>
-                  <a:ea typeface="Pretendard SemiBold"/>
+                  <a:latin typeface="Pretendard Bold" panose="020B0600000101010101" charset="-127"/>
+                  <a:ea typeface="Pretendard Bold" panose="020B0600000101010101" charset="-127"/>
                 </a:rPr>
                 <a:t>?</a:t>
               </a:r>
-              <a:endParaRPr lang="en-US" altLang="ko-KR" sz="3730" dirty="0">
+              <a:endParaRPr lang="ko-KR" altLang="en-US" sz="2800" dirty="0">
                 <a:solidFill>
-                  <a:srgbClr val="000000"/>
+                  <a:schemeClr val="tx1"/>
                 </a:solidFill>
-                <a:latin typeface="Pretendard SemiBold"/>
+                <a:latin typeface="Pretendard Bold" panose="020B0600000101010101" charset="-127"/>
+                <a:ea typeface="Pretendard Bold" panose="020B0600000101010101" charset="-127"/>
               </a:endParaRPr>
             </a:p>
           </p:txBody>
         </p:sp>
         <p:sp>
           <p:nvSpPr>
-            <p:cNvPr id="50" name="직사각형 49">
+            <p:cNvPr id="5" name="직사각형 4">
               <a:extLst>
                 <a:ext uri="{FF2B5EF4-FFF2-40B4-BE49-F238E27FC236}">
-                  <a16:creationId xmlns:a16="http://schemas.microsoft.com/office/drawing/2014/main" id="{B79E40EE-7074-F27D-324F-9F64D622B5C3}"/>
+                  <a16:creationId xmlns:a16="http://schemas.microsoft.com/office/drawing/2014/main" id="{239E92B5-6C0C-8617-1409-EF1C39DAEC66}"/>
                 </a:ext>
               </a:extLst>
             </p:cNvPr>
@@ -5218,7 +4753,7 @@
             <a:solidFill>
               <a:srgbClr val="007BC8"/>
             </a:solidFill>
-            <a:ln w="76200">
+            <a:ln w="50800">
               <a:solidFill>
                 <a:schemeClr val="tx1"/>
               </a:solidFill>
@@ -5246,7 +4781,7 @@
             <a:p>
               <a:pPr algn="ctr"/>
               <a:r>
-                <a:rPr lang="en-US" altLang="ko-KR" sz="4650" dirty="0">
+                <a:rPr lang="en-US" altLang="ko-KR" sz="3600" dirty="0">
                   <a:ln w="25400">
                     <a:solidFill>
                       <a:schemeClr val="tx1"/>
@@ -5257,7 +4792,7 @@
                 </a:rPr>
                 <a:t>02</a:t>
               </a:r>
-              <a:endParaRPr lang="ko-KR" altLang="en-US" sz="4650" dirty="0">
+              <a:endParaRPr lang="ko-KR" altLang="en-US" sz="3600" dirty="0">
                 <a:ln w="25400">
                   <a:solidFill>
                     <a:schemeClr val="tx1"/>
@@ -5272,10 +4807,10 @@
       </p:grpSp>
       <p:grpSp>
         <p:nvGrpSpPr>
-          <p:cNvPr id="51" name="그룹 50">
-            <a:extLst>
-              <a:ext uri="{FF2B5EF4-FFF2-40B4-BE49-F238E27FC236}">
-                <a16:creationId xmlns:a16="http://schemas.microsoft.com/office/drawing/2014/main" id="{42B4B490-4CB5-50A8-71AF-93F6AA66A916}"/>
+          <p:cNvPr id="6" name="그룹 5">
+            <a:extLst>
+              <a:ext uri="{FF2B5EF4-FFF2-40B4-BE49-F238E27FC236}">
+                <a16:creationId xmlns:a16="http://schemas.microsoft.com/office/drawing/2014/main" id="{A468D86B-2DE2-EE4A-DA59-3938C0B72325}"/>
               </a:ext>
             </a:extLst>
           </p:cNvPr>
@@ -5284,25 +4819,19 @@
         </p:nvGrpSpPr>
         <p:grpSpPr>
           <a:xfrm>
-            <a:off x="5050503" y="2536825"/>
-            <a:ext cx="14732000" cy="1460500"/>
+            <a:off x="3939847" y="3973941"/>
+            <a:ext cx="7556826" cy="824071"/>
             <a:chOff x="7581900" y="2971800"/>
-            <a:chExt cx="14732000" cy="1460500"/>
+            <a:chExt cx="13392952" cy="1460500"/>
           </a:xfrm>
-          <a:effectLst>
-            <a:outerShdw blurRad="50800" dist="152400" dir="5400000" algn="t" rotWithShape="0">
-              <a:prstClr val="black">
-                <a:alpha val="15000"/>
-              </a:prstClr>
-            </a:outerShdw>
-          </a:effectLst>
+          <a:effectLst/>
         </p:grpSpPr>
         <p:sp>
           <p:nvSpPr>
-            <p:cNvPr id="52" name="직사각형 51">
+            <p:cNvPr id="7" name="직사각형 6">
               <a:extLst>
                 <a:ext uri="{FF2B5EF4-FFF2-40B4-BE49-F238E27FC236}">
-                  <a16:creationId xmlns:a16="http://schemas.microsoft.com/office/drawing/2014/main" id="{2C395DDF-F6DB-351E-7632-845F1FB2A4A6}"/>
+                  <a16:creationId xmlns:a16="http://schemas.microsoft.com/office/drawing/2014/main" id="{7E39ADD4-774B-DF55-59CB-3A4F47AB7BA6}"/>
                 </a:ext>
               </a:extLst>
             </p:cNvPr>
@@ -5312,7 +4841,7 @@
           <p:spPr>
             <a:xfrm>
               <a:off x="9372600" y="2971800"/>
-              <a:ext cx="12941300" cy="1460500"/>
+              <a:ext cx="11602252" cy="1460500"/>
             </a:xfrm>
             <a:prstGeom prst="rect">
               <a:avLst/>
@@ -5320,7 +4849,7 @@
             <a:solidFill>
               <a:srgbClr val="EEEEEE"/>
             </a:solidFill>
-            <a:ln w="76200">
+            <a:ln w="50800">
               <a:solidFill>
                 <a:schemeClr val="tx1"/>
               </a:solidFill>
@@ -5346,24 +4875,21 @@
             <a:bodyPr rtlCol="0" anchor="ctr"/>
             <a:lstStyle/>
             <a:p>
-              <a:pPr marL="540000" lvl="0">
-                <a:lnSpc>
-                  <a:spcPct val="99600"/>
-                </a:lnSpc>
-              </a:pPr>
+              <a:pPr marL="288000"/>
               <a:r>
-                <a:rPr lang="ko-KR" altLang="en-US" sz="3730" dirty="0">
+                <a:rPr lang="ko-KR" altLang="en-US" sz="2800" dirty="0">
                   <a:solidFill>
-                    <a:srgbClr val="000000"/>
+                    <a:schemeClr val="tx1"/>
                   </a:solidFill>
-                  <a:ea typeface="Pretendard SemiBold"/>
+                  <a:latin typeface="Pretendard Bold" panose="020B0600000101010101" charset="-127"/>
+                  <a:ea typeface="Pretendard Bold" panose="020B0600000101010101" charset="-127"/>
                 </a:rPr>
                 <a:t>여러가지 데이터로 </a:t>
               </a:r>
               <a:r>
-                <a:rPr lang="en-US" altLang="ko-KR" sz="3730" dirty="0">
+                <a:rPr lang="en-US" altLang="ko-KR" sz="2800" b="1" dirty="0">
                   <a:solidFill>
-                    <a:srgbClr val="000000"/>
+                    <a:schemeClr val="tx1"/>
                   </a:solidFill>
                   <a:latin typeface="Pretendard Bold" panose="020B0600000101010101" charset="-127"/>
                   <a:ea typeface="Pretendard Bold" panose="020B0600000101010101" charset="-127"/>
@@ -5371,38 +4897,34 @@
                 <a:t>OCR</a:t>
               </a:r>
               <a:r>
-                <a:rPr lang="en-US" altLang="ko-KR" sz="3730" dirty="0">
+                <a:rPr lang="en-US" altLang="ko-KR" sz="2800" dirty="0">
                   <a:solidFill>
-                    <a:srgbClr val="000000"/>
+                    <a:schemeClr val="tx1"/>
                   </a:solidFill>
-                  <a:ea typeface="Pretendard SemiBold"/>
+                  <a:latin typeface="Pretendard Bold" panose="020B0600000101010101" charset="-127"/>
+                  <a:ea typeface="Pretendard Bold" panose="020B0600000101010101" charset="-127"/>
                 </a:rPr>
                 <a:t> </a:t>
               </a:r>
               <a:r>
-                <a:rPr lang="ko-KR" altLang="en-US" sz="3730" dirty="0">
+                <a:rPr lang="ko-KR" altLang="en-US" sz="2800" dirty="0">
                   <a:solidFill>
-                    <a:srgbClr val="000000"/>
+                    <a:schemeClr val="tx1"/>
                   </a:solidFill>
-                  <a:ea typeface="Pretendard SemiBold"/>
+                  <a:latin typeface="Pretendard Bold" panose="020B0600000101010101" charset="-127"/>
+                  <a:ea typeface="Pretendard Bold" panose="020B0600000101010101" charset="-127"/>
                 </a:rPr>
                 <a:t>해보기</a:t>
               </a:r>
-              <a:endParaRPr lang="en-US" altLang="ko-KR" sz="3730" dirty="0">
-                <a:solidFill>
-                  <a:srgbClr val="000000"/>
-                </a:solidFill>
-                <a:latin typeface="Pretendard SemiBold"/>
-              </a:endParaRPr>
             </a:p>
           </p:txBody>
         </p:sp>
         <p:sp>
           <p:nvSpPr>
-            <p:cNvPr id="53" name="직사각형 52">
+            <p:cNvPr id="8" name="직사각형 7">
               <a:extLst>
                 <a:ext uri="{FF2B5EF4-FFF2-40B4-BE49-F238E27FC236}">
-                  <a16:creationId xmlns:a16="http://schemas.microsoft.com/office/drawing/2014/main" id="{B6D3F783-0552-0236-CC2B-582FC85639B5}"/>
+                  <a16:creationId xmlns:a16="http://schemas.microsoft.com/office/drawing/2014/main" id="{5E42B0BA-896E-AE3E-A3A2-B65B2A53798B}"/>
                 </a:ext>
               </a:extLst>
             </p:cNvPr>
@@ -5420,7 +4942,7 @@
             <a:solidFill>
               <a:srgbClr val="007BC8"/>
             </a:solidFill>
-            <a:ln w="76200">
+            <a:ln w="50800">
               <a:solidFill>
                 <a:schemeClr val="tx1"/>
               </a:solidFill>
@@ -5448,7 +4970,7 @@
             <a:p>
               <a:pPr algn="ctr"/>
               <a:r>
-                <a:rPr lang="en-US" altLang="ko-KR" sz="4650" dirty="0">
+                <a:rPr lang="en-US" altLang="ko-KR" sz="3600" dirty="0">
                   <a:ln w="25400">
                     <a:solidFill>
                       <a:schemeClr val="tx1"/>
@@ -5459,7 +4981,7 @@
                 </a:rPr>
                 <a:t>03</a:t>
               </a:r>
-              <a:endParaRPr lang="ko-KR" altLang="en-US" sz="4650" dirty="0">
+              <a:endParaRPr lang="ko-KR" altLang="en-US" sz="3600" dirty="0">
                 <a:ln w="25400">
                   <a:solidFill>
                     <a:schemeClr val="tx1"/>
@@ -5474,10 +4996,10 @@
       </p:grpSp>
       <p:grpSp>
         <p:nvGrpSpPr>
-          <p:cNvPr id="54" name="그룹 53">
-            <a:extLst>
-              <a:ext uri="{FF2B5EF4-FFF2-40B4-BE49-F238E27FC236}">
-                <a16:creationId xmlns:a16="http://schemas.microsoft.com/office/drawing/2014/main" id="{EDB8ED0E-CE76-EB4B-CE50-7BB161EBC76F}"/>
+          <p:cNvPr id="9" name="그룹 8">
+            <a:extLst>
+              <a:ext uri="{FF2B5EF4-FFF2-40B4-BE49-F238E27FC236}">
+                <a16:creationId xmlns:a16="http://schemas.microsoft.com/office/drawing/2014/main" id="{72361F42-8CC4-BCB9-1DBF-0F2B44BC900D}"/>
               </a:ext>
             </a:extLst>
           </p:cNvPr>
@@ -5486,25 +5008,19 @@
         </p:nvGrpSpPr>
         <p:grpSpPr>
           <a:xfrm>
-            <a:off x="5050503" y="4441825"/>
-            <a:ext cx="14732000" cy="1460500"/>
+            <a:off x="3939847" y="5200857"/>
+            <a:ext cx="7556826" cy="824071"/>
             <a:chOff x="7581900" y="2971800"/>
-            <a:chExt cx="14732000" cy="1460500"/>
+            <a:chExt cx="13392953" cy="1460500"/>
           </a:xfrm>
-          <a:effectLst>
-            <a:outerShdw blurRad="50800" dist="152400" dir="5400000" algn="t" rotWithShape="0">
-              <a:prstClr val="black">
-                <a:alpha val="15000"/>
-              </a:prstClr>
-            </a:outerShdw>
-          </a:effectLst>
+          <a:effectLst/>
         </p:grpSpPr>
         <p:sp>
           <p:nvSpPr>
-            <p:cNvPr id="55" name="직사각형 54">
+            <p:cNvPr id="10" name="직사각형 9">
               <a:extLst>
                 <a:ext uri="{FF2B5EF4-FFF2-40B4-BE49-F238E27FC236}">
-                  <a16:creationId xmlns:a16="http://schemas.microsoft.com/office/drawing/2014/main" id="{CA18DE97-654A-F490-AF9E-63B176CD623F}"/>
+                  <a16:creationId xmlns:a16="http://schemas.microsoft.com/office/drawing/2014/main" id="{733978C9-1BB4-DB50-E4A3-EFEAB626AED7}"/>
                 </a:ext>
               </a:extLst>
             </p:cNvPr>
@@ -5513,8 +5029,8 @@
           </p:nvSpPr>
           <p:spPr>
             <a:xfrm>
-              <a:off x="9372600" y="2971800"/>
-              <a:ext cx="12941300" cy="1460500"/>
+              <a:off x="9372602" y="2971800"/>
+              <a:ext cx="11602251" cy="1460500"/>
             </a:xfrm>
             <a:prstGeom prst="rect">
               <a:avLst/>
@@ -5522,7 +5038,7 @@
             <a:solidFill>
               <a:srgbClr val="EEEEEE"/>
             </a:solidFill>
-            <a:ln w="76200">
+            <a:ln w="50800">
               <a:solidFill>
                 <a:schemeClr val="tx1"/>
               </a:solidFill>
@@ -5548,54 +5064,26 @@
             <a:bodyPr rtlCol="0" anchor="ctr"/>
             <a:lstStyle/>
             <a:p>
-              <a:pPr marL="540000" lvl="0">
-                <a:lnSpc>
-                  <a:spcPct val="99600"/>
-                </a:lnSpc>
-              </a:pPr>
+              <a:pPr marL="288000"/>
               <a:r>
-                <a:rPr lang="en-US" altLang="ko-KR" sz="3730" dirty="0">
+                <a:rPr lang="ko-KR" altLang="en-US" sz="2800" dirty="0">
                   <a:solidFill>
-                    <a:srgbClr val="000000"/>
+                    <a:schemeClr val="tx1"/>
                   </a:solidFill>
                   <a:latin typeface="Pretendard Bold" panose="020B0600000101010101" charset="-127"/>
                   <a:ea typeface="Pretendard Bold" panose="020B0600000101010101" charset="-127"/>
                 </a:rPr>
-                <a:t>OCR</a:t>
+                <a:t>결론 및 향후 방향성</a:t>
               </a:r>
-              <a:r>
-                <a:rPr lang="en-US" altLang="ko-KR" sz="3730" dirty="0">
-                  <a:solidFill>
-                    <a:srgbClr val="000000"/>
-                  </a:solidFill>
-                  <a:ea typeface="Pretendard SemiBold"/>
-                </a:rPr>
-                <a:t> </a:t>
-              </a:r>
-              <a:r>
-                <a:rPr lang="ko-KR" altLang="en-US" sz="3730" dirty="0">
-                  <a:solidFill>
-                    <a:srgbClr val="000000"/>
-                  </a:solidFill>
-                  <a:ea typeface="Pretendard SemiBold"/>
-                </a:rPr>
-                <a:t>응용 기술들</a:t>
-              </a:r>
-              <a:endParaRPr lang="en-US" altLang="ko-KR" sz="3730" dirty="0">
-                <a:solidFill>
-                  <a:srgbClr val="000000"/>
-                </a:solidFill>
-                <a:latin typeface="Pretendard SemiBold"/>
-              </a:endParaRPr>
             </a:p>
           </p:txBody>
         </p:sp>
         <p:sp>
           <p:nvSpPr>
-            <p:cNvPr id="56" name="직사각형 55">
+            <p:cNvPr id="11" name="직사각형 10">
               <a:extLst>
                 <a:ext uri="{FF2B5EF4-FFF2-40B4-BE49-F238E27FC236}">
-                  <a16:creationId xmlns:a16="http://schemas.microsoft.com/office/drawing/2014/main" id="{87F92292-92FD-3B96-D5AD-4C7131E04872}"/>
+                  <a16:creationId xmlns:a16="http://schemas.microsoft.com/office/drawing/2014/main" id="{A20A0375-B8EE-634E-74BE-E9FC04692362}"/>
                 </a:ext>
               </a:extLst>
             </p:cNvPr>
@@ -5613,7 +5101,7 @@
             <a:solidFill>
               <a:srgbClr val="007BC8"/>
             </a:solidFill>
-            <a:ln w="76200">
+            <a:ln w="50800">
               <a:solidFill>
                 <a:schemeClr val="tx1"/>
               </a:solidFill>
@@ -5641,7 +5129,7 @@
             <a:p>
               <a:pPr algn="ctr"/>
               <a:r>
-                <a:rPr lang="en-US" altLang="ko-KR" sz="4600" dirty="0">
+                <a:rPr lang="en-US" altLang="ko-KR" sz="3600" dirty="0">
                   <a:ln w="25400">
                     <a:solidFill>
                       <a:schemeClr val="tx1"/>
@@ -5652,181 +5140,7 @@
                 </a:rPr>
                 <a:t>04</a:t>
               </a:r>
-              <a:endParaRPr lang="ko-KR" altLang="en-US" sz="4600" dirty="0">
-                <a:ln w="25400">
-                  <a:solidFill>
-                    <a:schemeClr val="tx1"/>
-                  </a:solidFill>
-                </a:ln>
-                <a:latin typeface="CookieRun Bold" panose="020B0600000101010101" pitchFamily="50" charset="-127"/>
-                <a:ea typeface="CookieRun Bold" panose="020B0600000101010101" pitchFamily="50" charset="-127"/>
-              </a:endParaRPr>
-            </a:p>
-          </p:txBody>
-        </p:sp>
-      </p:grpSp>
-      <p:grpSp>
-        <p:nvGrpSpPr>
-          <p:cNvPr id="57" name="그룹 56">
-            <a:extLst>
-              <a:ext uri="{FF2B5EF4-FFF2-40B4-BE49-F238E27FC236}">
-                <a16:creationId xmlns:a16="http://schemas.microsoft.com/office/drawing/2014/main" id="{63697E20-1B89-7F17-F1A6-D0959C1498A8}"/>
-              </a:ext>
-            </a:extLst>
-          </p:cNvPr>
-          <p:cNvGrpSpPr/>
-          <p:nvPr/>
-        </p:nvGrpSpPr>
-        <p:grpSpPr>
-          <a:xfrm>
-            <a:off x="5050503" y="6344444"/>
-            <a:ext cx="14732000" cy="1460500"/>
-            <a:chOff x="7581900" y="2971800"/>
-            <a:chExt cx="14732000" cy="1460500"/>
-          </a:xfrm>
-          <a:effectLst>
-            <a:outerShdw blurRad="50800" dist="152400" dir="5400000" algn="t" rotWithShape="0">
-              <a:prstClr val="black">
-                <a:alpha val="15000"/>
-              </a:prstClr>
-            </a:outerShdw>
-          </a:effectLst>
-        </p:grpSpPr>
-        <p:sp>
-          <p:nvSpPr>
-            <p:cNvPr id="58" name="직사각형 57">
-              <a:extLst>
-                <a:ext uri="{FF2B5EF4-FFF2-40B4-BE49-F238E27FC236}">
-                  <a16:creationId xmlns:a16="http://schemas.microsoft.com/office/drawing/2014/main" id="{7001FE9F-BBC5-7C77-A8FA-8A795C61D62F}"/>
-                </a:ext>
-              </a:extLst>
-            </p:cNvPr>
-            <p:cNvSpPr/>
-            <p:nvPr/>
-          </p:nvSpPr>
-          <p:spPr>
-            <a:xfrm>
-              <a:off x="9372600" y="2971800"/>
-              <a:ext cx="12941300" cy="1460500"/>
-            </a:xfrm>
-            <a:prstGeom prst="rect">
-              <a:avLst/>
-            </a:prstGeom>
-            <a:solidFill>
-              <a:srgbClr val="EEEEEE"/>
-            </a:solidFill>
-            <a:ln w="76200">
-              <a:solidFill>
-                <a:schemeClr val="tx1"/>
-              </a:solidFill>
-            </a:ln>
-          </p:spPr>
-          <p:style>
-            <a:lnRef idx="2">
-              <a:schemeClr val="accent1">
-                <a:shade val="15000"/>
-              </a:schemeClr>
-            </a:lnRef>
-            <a:fillRef idx="1">
-              <a:schemeClr val="accent1"/>
-            </a:fillRef>
-            <a:effectRef idx="0">
-              <a:schemeClr val="accent1"/>
-            </a:effectRef>
-            <a:fontRef idx="minor">
-              <a:schemeClr val="lt1"/>
-            </a:fontRef>
-          </p:style>
-          <p:txBody>
-            <a:bodyPr rtlCol="0" anchor="ctr"/>
-            <a:lstStyle/>
-            <a:p>
-              <a:pPr marL="540000" lvl="0">
-                <a:lnSpc>
-                  <a:spcPct val="99600"/>
-                </a:lnSpc>
-              </a:pPr>
-              <a:r>
-                <a:rPr lang="ko-KR" altLang="en-US" sz="3730" dirty="0">
-                  <a:solidFill>
-                    <a:srgbClr val="000000"/>
-                  </a:solidFill>
-                  <a:ea typeface="Pretendard SemiBold"/>
-                </a:rPr>
-                <a:t>결론 및 향후 방향성 </a:t>
-              </a:r>
-              <a:endParaRPr lang="en-US" altLang="ko-KR" sz="3730" dirty="0">
-                <a:solidFill>
-                  <a:srgbClr val="000000"/>
-                </a:solidFill>
-                <a:latin typeface="Pretendard SemiBold"/>
-              </a:endParaRPr>
-            </a:p>
-          </p:txBody>
-        </p:sp>
-        <p:sp>
-          <p:nvSpPr>
-            <p:cNvPr id="59" name="직사각형 58">
-              <a:extLst>
-                <a:ext uri="{FF2B5EF4-FFF2-40B4-BE49-F238E27FC236}">
-                  <a16:creationId xmlns:a16="http://schemas.microsoft.com/office/drawing/2014/main" id="{2B32CB35-E43C-7873-2FF5-F5698645AA32}"/>
-                </a:ext>
-              </a:extLst>
-            </p:cNvPr>
-            <p:cNvSpPr/>
-            <p:nvPr/>
-          </p:nvSpPr>
-          <p:spPr>
-            <a:xfrm>
-              <a:off x="7581900" y="2971800"/>
-              <a:ext cx="1790700" cy="1460500"/>
-            </a:xfrm>
-            <a:prstGeom prst="rect">
-              <a:avLst/>
-            </a:prstGeom>
-            <a:solidFill>
-              <a:srgbClr val="007BC8"/>
-            </a:solidFill>
-            <a:ln w="76200">
-              <a:solidFill>
-                <a:schemeClr val="tx1"/>
-              </a:solidFill>
-            </a:ln>
-          </p:spPr>
-          <p:style>
-            <a:lnRef idx="2">
-              <a:schemeClr val="accent1">
-                <a:shade val="15000"/>
-              </a:schemeClr>
-            </a:lnRef>
-            <a:fillRef idx="1">
-              <a:schemeClr val="accent1"/>
-            </a:fillRef>
-            <a:effectRef idx="0">
-              <a:schemeClr val="accent1"/>
-            </a:effectRef>
-            <a:fontRef idx="minor">
-              <a:schemeClr val="lt1"/>
-            </a:fontRef>
-          </p:style>
-          <p:txBody>
-            <a:bodyPr rtlCol="0" anchor="ctr"/>
-            <a:lstStyle/>
-            <a:p>
-              <a:pPr algn="ctr"/>
-              <a:r>
-                <a:rPr lang="en-US" altLang="ko-KR" sz="4650" dirty="0">
-                  <a:ln w="25400">
-                    <a:solidFill>
-                      <a:schemeClr val="tx1"/>
-                    </a:solidFill>
-                  </a:ln>
-                  <a:latin typeface="CookieRun Bold" panose="020B0600000101010101" pitchFamily="50" charset="-127"/>
-                  <a:ea typeface="CookieRun Bold" panose="020B0600000101010101" pitchFamily="50" charset="-127"/>
-                </a:rPr>
-                <a:t>05</a:t>
-              </a:r>
-              <a:endParaRPr lang="ko-KR" altLang="en-US" sz="4650" dirty="0">
+              <a:endParaRPr lang="ko-KR" altLang="en-US" sz="3600" dirty="0">
                 <a:ln w="25400">
                   <a:solidFill>
                     <a:schemeClr val="tx1"/>
@@ -5899,6 +5213,224 @@
           </a:p>
         </p:txBody>
       </p:sp>
+      <p:pic>
+        <p:nvPicPr>
+          <p:cNvPr id="3" name="그림 2">
+            <a:extLst>
+              <a:ext uri="{FF2B5EF4-FFF2-40B4-BE49-F238E27FC236}">
+                <a16:creationId xmlns:a16="http://schemas.microsoft.com/office/drawing/2014/main" id="{361340A3-B6C8-3CF5-1170-42221D5DF31D}"/>
+              </a:ext>
+            </a:extLst>
+          </p:cNvPr>
+          <p:cNvPicPr>
+            <a:picLocks noChangeAspect="1"/>
+          </p:cNvPicPr>
+          <p:nvPr/>
+        </p:nvPicPr>
+        <p:blipFill>
+          <a:blip r:embed="rId2"/>
+          <a:stretch>
+            <a:fillRect/>
+          </a:stretch>
+        </p:blipFill>
+        <p:spPr>
+          <a:xfrm>
+            <a:off x="15240" y="0"/>
+            <a:ext cx="12192000" cy="6858000"/>
+          </a:xfrm>
+          <a:prstGeom prst="rect">
+            <a:avLst/>
+          </a:prstGeom>
+          <a:noFill/>
+        </p:spPr>
+      </p:pic>
+      <p:sp>
+        <p:nvSpPr>
+          <p:cNvPr id="4" name="직사각형 3">
+            <a:extLst>
+              <a:ext uri="{FF2B5EF4-FFF2-40B4-BE49-F238E27FC236}">
+                <a16:creationId xmlns:a16="http://schemas.microsoft.com/office/drawing/2014/main" id="{C238BF38-BF47-B96C-AD3A-E8138F115312}"/>
+              </a:ext>
+            </a:extLst>
+          </p:cNvPr>
+          <p:cNvSpPr/>
+          <p:nvPr/>
+        </p:nvSpPr>
+        <p:spPr>
+          <a:xfrm>
+            <a:off x="0" y="0"/>
+            <a:ext cx="12292314" cy="6858000"/>
+          </a:xfrm>
+          <a:prstGeom prst="rect">
+            <a:avLst/>
+          </a:prstGeom>
+          <a:gradFill flip="none" rotWithShape="1">
+            <a:gsLst>
+              <a:gs pos="66000">
+                <a:srgbClr val="2C92D2">
+                  <a:alpha val="90000"/>
+                </a:srgbClr>
+              </a:gs>
+              <a:gs pos="33000">
+                <a:srgbClr val="58A8DB">
+                  <a:alpha val="80000"/>
+                </a:srgbClr>
+              </a:gs>
+              <a:gs pos="0">
+                <a:schemeClr val="accent1">
+                  <a:lumMod val="5000"/>
+                  <a:lumOff val="95000"/>
+                  <a:alpha val="60000"/>
+                </a:schemeClr>
+              </a:gs>
+              <a:gs pos="100000">
+                <a:srgbClr val="007BC8"/>
+              </a:gs>
+            </a:gsLst>
+            <a:lin ang="10800000" scaled="0"/>
+            <a:tileRect/>
+          </a:gradFill>
+          <a:ln>
+            <a:noFill/>
+          </a:ln>
+        </p:spPr>
+        <p:style>
+          <a:lnRef idx="2">
+            <a:schemeClr val="accent1">
+              <a:shade val="15000"/>
+            </a:schemeClr>
+          </a:lnRef>
+          <a:fillRef idx="1">
+            <a:schemeClr val="accent1"/>
+          </a:fillRef>
+          <a:effectRef idx="0">
+            <a:schemeClr val="accent1"/>
+          </a:effectRef>
+          <a:fontRef idx="minor">
+            <a:schemeClr val="lt1"/>
+          </a:fontRef>
+        </p:style>
+        <p:txBody>
+          <a:bodyPr rtlCol="0" anchor="ctr"/>
+          <a:lstStyle/>
+          <a:p>
+            <a:pPr algn="ctr"/>
+            <a:endParaRPr lang="ko-KR" altLang="en-US"/>
+          </a:p>
+        </p:txBody>
+      </p:sp>
+      <p:sp>
+        <p:nvSpPr>
+          <p:cNvPr id="5" name="TextBox 9">
+            <a:extLst>
+              <a:ext uri="{FF2B5EF4-FFF2-40B4-BE49-F238E27FC236}">
+                <a16:creationId xmlns:a16="http://schemas.microsoft.com/office/drawing/2014/main" id="{4B21D984-500F-2451-8CDF-6B49C2C079E1}"/>
+              </a:ext>
+            </a:extLst>
+          </p:cNvPr>
+          <p:cNvSpPr txBox="1"/>
+          <p:nvPr/>
+        </p:nvSpPr>
+        <p:spPr>
+          <a:xfrm>
+            <a:off x="1055688" y="4226050"/>
+            <a:ext cx="5844149" cy="991870"/>
+          </a:xfrm>
+          <a:prstGeom prst="rect">
+            <a:avLst/>
+          </a:prstGeom>
+        </p:spPr>
+        <p:txBody>
+          <a:bodyPr lIns="0" tIns="135467" rIns="0" bIns="135467" rtlCol="0" anchor="ctr"/>
+          <a:lstStyle/>
+          <a:p>
+            <a:pPr lvl="0" algn="l">
+              <a:lnSpc>
+                <a:spcPct val="99600"/>
+              </a:lnSpc>
+            </a:pPr>
+            <a:r>
+              <a:rPr lang="ko-KR" altLang="en-US" sz="6000" b="0" i="0" u="none" strike="noStrike" spc="107" dirty="0">
+                <a:ln w="25400">
+                  <a:noFill/>
+                </a:ln>
+                <a:solidFill>
+                  <a:schemeClr val="bg1"/>
+                </a:solidFill>
+                <a:latin typeface="구름 산스 700" pitchFamily="2" charset="-127"/>
+                <a:ea typeface="구름 산스 700" pitchFamily="2" charset="-127"/>
+              </a:rPr>
+              <a:t>주제 선택 배경</a:t>
+            </a:r>
+            <a:endParaRPr lang="ko-KR" sz="6000" b="0" i="0" u="none" strike="noStrike" spc="107" dirty="0">
+              <a:ln w="25400">
+                <a:noFill/>
+              </a:ln>
+              <a:solidFill>
+                <a:schemeClr val="bg1"/>
+              </a:solidFill>
+              <a:latin typeface="구름 산스 700" pitchFamily="2" charset="-127"/>
+              <a:ea typeface="구름 산스 700" pitchFamily="2" charset="-127"/>
+            </a:endParaRPr>
+          </a:p>
+        </p:txBody>
+      </p:sp>
+      <p:sp>
+        <p:nvSpPr>
+          <p:cNvPr id="6" name="직사각형 5">
+            <a:extLst>
+              <a:ext uri="{FF2B5EF4-FFF2-40B4-BE49-F238E27FC236}">
+                <a16:creationId xmlns:a16="http://schemas.microsoft.com/office/drawing/2014/main" id="{383681BE-7B9C-7904-97DA-4B6A0322B23A}"/>
+              </a:ext>
+            </a:extLst>
+          </p:cNvPr>
+          <p:cNvSpPr/>
+          <p:nvPr/>
+        </p:nvSpPr>
+        <p:spPr>
+          <a:xfrm>
+            <a:off x="1055688" y="2644170"/>
+            <a:ext cx="1553630" cy="1569660"/>
+          </a:xfrm>
+          <a:prstGeom prst="rect">
+            <a:avLst/>
+          </a:prstGeom>
+          <a:noFill/>
+        </p:spPr>
+        <p:txBody>
+          <a:bodyPr wrap="none" lIns="91440" tIns="45720" rIns="91440" bIns="45720">
+            <a:spAutoFit/>
+          </a:bodyPr>
+          <a:lstStyle/>
+          <a:p>
+            <a:pPr algn="ctr"/>
+            <a:r>
+              <a:rPr lang="en-US" altLang="ko-KR" sz="9600" b="1" dirty="0">
+                <a:ln w="63500">
+                  <a:solidFill>
+                    <a:schemeClr val="bg1"/>
+                  </a:solidFill>
+                  <a:prstDash val="solid"/>
+                </a:ln>
+                <a:solidFill>
+                  <a:srgbClr val="FFFFFF"/>
+                </a:solidFill>
+                <a:effectLst>
+                  <a:outerShdw blurRad="50800" dist="88900" dir="1560000" algn="l" rotWithShape="0">
+                    <a:srgbClr val="002060">
+                      <a:alpha val="40000"/>
+                    </a:srgbClr>
+                  </a:outerShdw>
+                </a:effectLst>
+                <a:latin typeface="Pretendard ExtraBold" panose="020B0600000101010101" charset="-127"/>
+                <a:ea typeface="Pretendard ExtraBold" panose="020B0600000101010101" charset="-127"/>
+                <a:cs typeface="Malgun Gothic Semilight" panose="020B0503020000020004" pitchFamily="34" charset="-127"/>
+              </a:rPr>
+              <a:t>01</a:t>
+            </a:r>
+          </a:p>
+        </p:txBody>
+      </p:sp>
     </p:spTree>
     <p:extLst>
       <p:ext uri="{BB962C8B-B14F-4D97-AF65-F5344CB8AC3E}">
@@ -5917,7 +5449,13 @@
   <p:cSld>
     <p:spTree>
       <p:nvGrpSpPr>
-        <p:cNvPr id="1" name=""/>
+        <p:cNvPr id="1" name="">
+          <a:extLst>
+            <a:ext uri="{FF2B5EF4-FFF2-40B4-BE49-F238E27FC236}">
+              <a16:creationId xmlns:a16="http://schemas.microsoft.com/office/drawing/2014/main" id="{D4E753E3-067E-55F6-4B36-21E1376F2B2A}"/>
+            </a:ext>
+          </a:extLst>
+        </p:cNvPr>
         <p:cNvGrpSpPr/>
         <p:nvPr/>
       </p:nvGrpSpPr>
@@ -5934,7 +5472,7 @@
           <p:cNvPr id="2" name="슬라이드 번호 개체 틀 1">
             <a:extLst>
               <a:ext uri="{FF2B5EF4-FFF2-40B4-BE49-F238E27FC236}">
-                <a16:creationId xmlns:a16="http://schemas.microsoft.com/office/drawing/2014/main" id="{EBFF8EB2-C1B4-714D-9355-59645F1ED63E}"/>
+                <a16:creationId xmlns:a16="http://schemas.microsoft.com/office/drawing/2014/main" id="{579DBAFB-0D98-2FF2-DF2F-CDC709072F1A}"/>
               </a:ext>
             </a:extLst>
           </p:cNvPr>
@@ -5959,10 +5497,228 @@
           </a:p>
         </p:txBody>
       </p:sp>
+      <p:pic>
+        <p:nvPicPr>
+          <p:cNvPr id="3" name="그림 2">
+            <a:extLst>
+              <a:ext uri="{FF2B5EF4-FFF2-40B4-BE49-F238E27FC236}">
+                <a16:creationId xmlns:a16="http://schemas.microsoft.com/office/drawing/2014/main" id="{4F14FA09-5940-7A56-3495-F729C4F7A81C}"/>
+              </a:ext>
+            </a:extLst>
+          </p:cNvPr>
+          <p:cNvPicPr>
+            <a:picLocks noChangeAspect="1"/>
+          </p:cNvPicPr>
+          <p:nvPr/>
+        </p:nvPicPr>
+        <p:blipFill>
+          <a:blip r:embed="rId2"/>
+          <a:stretch>
+            <a:fillRect/>
+          </a:stretch>
+        </p:blipFill>
+        <p:spPr>
+          <a:xfrm>
+            <a:off x="15240" y="0"/>
+            <a:ext cx="12192000" cy="6858000"/>
+          </a:xfrm>
+          <a:prstGeom prst="rect">
+            <a:avLst/>
+          </a:prstGeom>
+          <a:noFill/>
+        </p:spPr>
+      </p:pic>
+      <p:sp>
+        <p:nvSpPr>
+          <p:cNvPr id="4" name="직사각형 3">
+            <a:extLst>
+              <a:ext uri="{FF2B5EF4-FFF2-40B4-BE49-F238E27FC236}">
+                <a16:creationId xmlns:a16="http://schemas.microsoft.com/office/drawing/2014/main" id="{221ACA4D-B9C6-FFBD-2164-8925677E43D7}"/>
+              </a:ext>
+            </a:extLst>
+          </p:cNvPr>
+          <p:cNvSpPr/>
+          <p:nvPr/>
+        </p:nvSpPr>
+        <p:spPr>
+          <a:xfrm>
+            <a:off x="0" y="0"/>
+            <a:ext cx="12292314" cy="6858000"/>
+          </a:xfrm>
+          <a:prstGeom prst="rect">
+            <a:avLst/>
+          </a:prstGeom>
+          <a:gradFill flip="none" rotWithShape="1">
+            <a:gsLst>
+              <a:gs pos="66000">
+                <a:srgbClr val="2C92D2">
+                  <a:alpha val="90000"/>
+                </a:srgbClr>
+              </a:gs>
+              <a:gs pos="33000">
+                <a:srgbClr val="58A8DB">
+                  <a:alpha val="80000"/>
+                </a:srgbClr>
+              </a:gs>
+              <a:gs pos="0">
+                <a:schemeClr val="accent1">
+                  <a:lumMod val="5000"/>
+                  <a:lumOff val="95000"/>
+                  <a:alpha val="60000"/>
+                </a:schemeClr>
+              </a:gs>
+              <a:gs pos="100000">
+                <a:srgbClr val="007BC8"/>
+              </a:gs>
+            </a:gsLst>
+            <a:lin ang="10800000" scaled="0"/>
+            <a:tileRect/>
+          </a:gradFill>
+          <a:ln>
+            <a:noFill/>
+          </a:ln>
+        </p:spPr>
+        <p:style>
+          <a:lnRef idx="2">
+            <a:schemeClr val="accent1">
+              <a:shade val="15000"/>
+            </a:schemeClr>
+          </a:lnRef>
+          <a:fillRef idx="1">
+            <a:schemeClr val="accent1"/>
+          </a:fillRef>
+          <a:effectRef idx="0">
+            <a:schemeClr val="accent1"/>
+          </a:effectRef>
+          <a:fontRef idx="minor">
+            <a:schemeClr val="lt1"/>
+          </a:fontRef>
+        </p:style>
+        <p:txBody>
+          <a:bodyPr rtlCol="0" anchor="ctr"/>
+          <a:lstStyle/>
+          <a:p>
+            <a:pPr algn="ctr"/>
+            <a:endParaRPr lang="ko-KR" altLang="en-US"/>
+          </a:p>
+        </p:txBody>
+      </p:sp>
+      <p:sp>
+        <p:nvSpPr>
+          <p:cNvPr id="5" name="TextBox 9">
+            <a:extLst>
+              <a:ext uri="{FF2B5EF4-FFF2-40B4-BE49-F238E27FC236}">
+                <a16:creationId xmlns:a16="http://schemas.microsoft.com/office/drawing/2014/main" id="{EE9D710B-9338-432A-6688-80F7D66D5B81}"/>
+              </a:ext>
+            </a:extLst>
+          </p:cNvPr>
+          <p:cNvSpPr txBox="1"/>
+          <p:nvPr/>
+        </p:nvSpPr>
+        <p:spPr>
+          <a:xfrm>
+            <a:off x="1055688" y="4226050"/>
+            <a:ext cx="5844149" cy="991870"/>
+          </a:xfrm>
+          <a:prstGeom prst="rect">
+            <a:avLst/>
+          </a:prstGeom>
+        </p:spPr>
+        <p:txBody>
+          <a:bodyPr lIns="0" tIns="135467" rIns="0" bIns="135467" rtlCol="0" anchor="ctr"/>
+          <a:lstStyle/>
+          <a:p>
+            <a:pPr lvl="0" algn="l">
+              <a:lnSpc>
+                <a:spcPct val="99600"/>
+              </a:lnSpc>
+            </a:pPr>
+            <a:r>
+              <a:rPr lang="ko-KR" altLang="en-US" sz="6000" b="0" i="0" u="none" strike="noStrike" spc="107" dirty="0">
+                <a:ln w="25400">
+                  <a:noFill/>
+                </a:ln>
+                <a:solidFill>
+                  <a:schemeClr val="bg1"/>
+                </a:solidFill>
+                <a:latin typeface="구름 산스 700" pitchFamily="2" charset="-127"/>
+                <a:ea typeface="구름 산스 700" pitchFamily="2" charset="-127"/>
+              </a:rPr>
+              <a:t>주제 선택 배경</a:t>
+            </a:r>
+            <a:endParaRPr lang="ko-KR" sz="6000" b="0" i="0" u="none" strike="noStrike" spc="107" dirty="0">
+              <a:ln w="25400">
+                <a:noFill/>
+              </a:ln>
+              <a:solidFill>
+                <a:schemeClr val="bg1"/>
+              </a:solidFill>
+              <a:latin typeface="구름 산스 700" pitchFamily="2" charset="-127"/>
+              <a:ea typeface="구름 산스 700" pitchFamily="2" charset="-127"/>
+            </a:endParaRPr>
+          </a:p>
+        </p:txBody>
+      </p:sp>
+      <p:sp>
+        <p:nvSpPr>
+          <p:cNvPr id="6" name="직사각형 5">
+            <a:extLst>
+              <a:ext uri="{FF2B5EF4-FFF2-40B4-BE49-F238E27FC236}">
+                <a16:creationId xmlns:a16="http://schemas.microsoft.com/office/drawing/2014/main" id="{13DC492C-566B-2A1F-43F6-822BDF339808}"/>
+              </a:ext>
+            </a:extLst>
+          </p:cNvPr>
+          <p:cNvSpPr/>
+          <p:nvPr/>
+        </p:nvSpPr>
+        <p:spPr>
+          <a:xfrm>
+            <a:off x="1055688" y="2644170"/>
+            <a:ext cx="1553630" cy="1569660"/>
+          </a:xfrm>
+          <a:prstGeom prst="rect">
+            <a:avLst/>
+          </a:prstGeom>
+          <a:noFill/>
+        </p:spPr>
+        <p:txBody>
+          <a:bodyPr wrap="none" lIns="91440" tIns="45720" rIns="91440" bIns="45720">
+            <a:spAutoFit/>
+          </a:bodyPr>
+          <a:lstStyle/>
+          <a:p>
+            <a:pPr algn="ctr"/>
+            <a:r>
+              <a:rPr lang="en-US" altLang="ko-KR" sz="9600" b="1" dirty="0">
+                <a:ln w="63500">
+                  <a:solidFill>
+                    <a:schemeClr val="bg1"/>
+                  </a:solidFill>
+                  <a:prstDash val="solid"/>
+                </a:ln>
+                <a:solidFill>
+                  <a:srgbClr val="FFFFFF"/>
+                </a:solidFill>
+                <a:effectLst>
+                  <a:outerShdw blurRad="50800" dist="88900" dir="1560000" algn="l" rotWithShape="0">
+                    <a:srgbClr val="002060">
+                      <a:alpha val="40000"/>
+                    </a:srgbClr>
+                  </a:outerShdw>
+                </a:effectLst>
+                <a:latin typeface="Pretendard ExtraBold" panose="020B0600000101010101" charset="-127"/>
+                <a:ea typeface="Pretendard ExtraBold" panose="020B0600000101010101" charset="-127"/>
+                <a:cs typeface="Malgun Gothic Semilight" panose="020B0503020000020004" pitchFamily="34" charset="-127"/>
+              </a:rPr>
+              <a:t>02</a:t>
+            </a:r>
+          </a:p>
+        </p:txBody>
+      </p:sp>
     </p:spTree>
     <p:extLst>
       <p:ext uri="{BB962C8B-B14F-4D97-AF65-F5344CB8AC3E}">
-        <p14:creationId xmlns:p14="http://schemas.microsoft.com/office/powerpoint/2010/main" val="2884144548"/>
+        <p14:creationId xmlns:p14="http://schemas.microsoft.com/office/powerpoint/2010/main" val="1172724609"/>
       </p:ext>
     </p:extLst>
   </p:cSld>
@@ -5973,6 +5729,574 @@
 </file>
 
 <file path=ppt/slides/slide5.xml><?xml version="1.0" encoding="utf-8"?>
+<p:sld xmlns:a="http://schemas.openxmlformats.org/drawingml/2006/main" xmlns:r="http://schemas.openxmlformats.org/officeDocument/2006/relationships" xmlns:p="http://schemas.openxmlformats.org/presentationml/2006/main">
+  <p:cSld>
+    <p:spTree>
+      <p:nvGrpSpPr>
+        <p:cNvPr id="1" name="">
+          <a:extLst>
+            <a:ext uri="{FF2B5EF4-FFF2-40B4-BE49-F238E27FC236}">
+              <a16:creationId xmlns:a16="http://schemas.microsoft.com/office/drawing/2014/main" id="{FEB40AD7-60B7-C3E2-B921-2590A209C585}"/>
+            </a:ext>
+          </a:extLst>
+        </p:cNvPr>
+        <p:cNvGrpSpPr/>
+        <p:nvPr/>
+      </p:nvGrpSpPr>
+      <p:grpSpPr>
+        <a:xfrm>
+          <a:off x="0" y="0"/>
+          <a:ext cx="0" cy="0"/>
+          <a:chOff x="0" y="0"/>
+          <a:chExt cx="0" cy="0"/>
+        </a:xfrm>
+      </p:grpSpPr>
+      <p:sp>
+        <p:nvSpPr>
+          <p:cNvPr id="2" name="슬라이드 번호 개체 틀 1">
+            <a:extLst>
+              <a:ext uri="{FF2B5EF4-FFF2-40B4-BE49-F238E27FC236}">
+                <a16:creationId xmlns:a16="http://schemas.microsoft.com/office/drawing/2014/main" id="{873BF5E2-06B0-B4F4-E926-D57C014895B4}"/>
+              </a:ext>
+            </a:extLst>
+          </p:cNvPr>
+          <p:cNvSpPr>
+            <a:spLocks noGrp="1"/>
+          </p:cNvSpPr>
+          <p:nvPr>
+            <p:ph type="sldNum" sz="quarter" idx="12"/>
+          </p:nvPr>
+        </p:nvSpPr>
+        <p:spPr/>
+        <p:txBody>
+          <a:bodyPr/>
+          <a:lstStyle/>
+          <a:p>
+            <a:fld id="{C5002163-FFAF-417C-9C20-DC892DFE9806}" type="slidenum">
+              <a:rPr lang="ko-KR" altLang="en-US" smtClean="0"/>
+              <a:pPr/>
+              <a:t>4</a:t>
+            </a:fld>
+            <a:endParaRPr lang="ko-KR" altLang="en-US"/>
+          </a:p>
+        </p:txBody>
+      </p:sp>
+      <p:pic>
+        <p:nvPicPr>
+          <p:cNvPr id="3" name="그림 2">
+            <a:extLst>
+              <a:ext uri="{FF2B5EF4-FFF2-40B4-BE49-F238E27FC236}">
+                <a16:creationId xmlns:a16="http://schemas.microsoft.com/office/drawing/2014/main" id="{B1E466F3-BEF3-A0C3-CE78-CEFCB5D3ABCF}"/>
+              </a:ext>
+            </a:extLst>
+          </p:cNvPr>
+          <p:cNvPicPr>
+            <a:picLocks noChangeAspect="1"/>
+          </p:cNvPicPr>
+          <p:nvPr/>
+        </p:nvPicPr>
+        <p:blipFill>
+          <a:blip r:embed="rId2"/>
+          <a:stretch>
+            <a:fillRect/>
+          </a:stretch>
+        </p:blipFill>
+        <p:spPr>
+          <a:xfrm>
+            <a:off x="15240" y="0"/>
+            <a:ext cx="12192000" cy="6858000"/>
+          </a:xfrm>
+          <a:prstGeom prst="rect">
+            <a:avLst/>
+          </a:prstGeom>
+          <a:noFill/>
+        </p:spPr>
+      </p:pic>
+      <p:sp>
+        <p:nvSpPr>
+          <p:cNvPr id="4" name="직사각형 3">
+            <a:extLst>
+              <a:ext uri="{FF2B5EF4-FFF2-40B4-BE49-F238E27FC236}">
+                <a16:creationId xmlns:a16="http://schemas.microsoft.com/office/drawing/2014/main" id="{5008DBD4-2268-84E7-3EEA-DF8679ACB903}"/>
+              </a:ext>
+            </a:extLst>
+          </p:cNvPr>
+          <p:cNvSpPr/>
+          <p:nvPr/>
+        </p:nvSpPr>
+        <p:spPr>
+          <a:xfrm>
+            <a:off x="0" y="0"/>
+            <a:ext cx="12292314" cy="6858000"/>
+          </a:xfrm>
+          <a:prstGeom prst="rect">
+            <a:avLst/>
+          </a:prstGeom>
+          <a:gradFill flip="none" rotWithShape="1">
+            <a:gsLst>
+              <a:gs pos="66000">
+                <a:srgbClr val="2C92D2">
+                  <a:alpha val="90000"/>
+                </a:srgbClr>
+              </a:gs>
+              <a:gs pos="33000">
+                <a:srgbClr val="58A8DB">
+                  <a:alpha val="80000"/>
+                </a:srgbClr>
+              </a:gs>
+              <a:gs pos="0">
+                <a:schemeClr val="accent1">
+                  <a:lumMod val="5000"/>
+                  <a:lumOff val="95000"/>
+                  <a:alpha val="60000"/>
+                </a:schemeClr>
+              </a:gs>
+              <a:gs pos="100000">
+                <a:srgbClr val="007BC8"/>
+              </a:gs>
+            </a:gsLst>
+            <a:lin ang="10800000" scaled="0"/>
+            <a:tileRect/>
+          </a:gradFill>
+          <a:ln>
+            <a:noFill/>
+          </a:ln>
+        </p:spPr>
+        <p:style>
+          <a:lnRef idx="2">
+            <a:schemeClr val="accent1">
+              <a:shade val="15000"/>
+            </a:schemeClr>
+          </a:lnRef>
+          <a:fillRef idx="1">
+            <a:schemeClr val="accent1"/>
+          </a:fillRef>
+          <a:effectRef idx="0">
+            <a:schemeClr val="accent1"/>
+          </a:effectRef>
+          <a:fontRef idx="minor">
+            <a:schemeClr val="lt1"/>
+          </a:fontRef>
+        </p:style>
+        <p:txBody>
+          <a:bodyPr rtlCol="0" anchor="ctr"/>
+          <a:lstStyle/>
+          <a:p>
+            <a:pPr algn="ctr"/>
+            <a:endParaRPr lang="ko-KR" altLang="en-US"/>
+          </a:p>
+        </p:txBody>
+      </p:sp>
+      <p:sp>
+        <p:nvSpPr>
+          <p:cNvPr id="5" name="TextBox 9">
+            <a:extLst>
+              <a:ext uri="{FF2B5EF4-FFF2-40B4-BE49-F238E27FC236}">
+                <a16:creationId xmlns:a16="http://schemas.microsoft.com/office/drawing/2014/main" id="{CBC45045-2AC7-A9F5-0305-B146A21C0833}"/>
+              </a:ext>
+            </a:extLst>
+          </p:cNvPr>
+          <p:cNvSpPr txBox="1"/>
+          <p:nvPr/>
+        </p:nvSpPr>
+        <p:spPr>
+          <a:xfrm>
+            <a:off x="1055688" y="4226050"/>
+            <a:ext cx="5844149" cy="991870"/>
+          </a:xfrm>
+          <a:prstGeom prst="rect">
+            <a:avLst/>
+          </a:prstGeom>
+        </p:spPr>
+        <p:txBody>
+          <a:bodyPr lIns="0" tIns="135467" rIns="0" bIns="135467" rtlCol="0" anchor="ctr"/>
+          <a:lstStyle/>
+          <a:p>
+            <a:pPr lvl="0" algn="l">
+              <a:lnSpc>
+                <a:spcPct val="99600"/>
+              </a:lnSpc>
+            </a:pPr>
+            <a:r>
+              <a:rPr lang="ko-KR" altLang="en-US" sz="6000" b="0" i="0" u="none" strike="noStrike" spc="107" dirty="0">
+                <a:ln w="25400">
+                  <a:noFill/>
+                </a:ln>
+                <a:solidFill>
+                  <a:schemeClr val="bg1"/>
+                </a:solidFill>
+                <a:latin typeface="구름 산스 700" pitchFamily="2" charset="-127"/>
+                <a:ea typeface="구름 산스 700" pitchFamily="2" charset="-127"/>
+              </a:rPr>
+              <a:t>주제 선택 배경</a:t>
+            </a:r>
+            <a:endParaRPr lang="ko-KR" sz="6000" b="0" i="0" u="none" strike="noStrike" spc="107" dirty="0">
+              <a:ln w="25400">
+                <a:noFill/>
+              </a:ln>
+              <a:solidFill>
+                <a:schemeClr val="bg1"/>
+              </a:solidFill>
+              <a:latin typeface="구름 산스 700" pitchFamily="2" charset="-127"/>
+              <a:ea typeface="구름 산스 700" pitchFamily="2" charset="-127"/>
+            </a:endParaRPr>
+          </a:p>
+        </p:txBody>
+      </p:sp>
+      <p:sp>
+        <p:nvSpPr>
+          <p:cNvPr id="6" name="직사각형 5">
+            <a:extLst>
+              <a:ext uri="{FF2B5EF4-FFF2-40B4-BE49-F238E27FC236}">
+                <a16:creationId xmlns:a16="http://schemas.microsoft.com/office/drawing/2014/main" id="{102C81CB-4545-205F-7430-E4C3AF4EC0AF}"/>
+              </a:ext>
+            </a:extLst>
+          </p:cNvPr>
+          <p:cNvSpPr/>
+          <p:nvPr/>
+        </p:nvSpPr>
+        <p:spPr>
+          <a:xfrm>
+            <a:off x="1055687" y="2644170"/>
+            <a:ext cx="1553631" cy="1569660"/>
+          </a:xfrm>
+          <a:prstGeom prst="rect">
+            <a:avLst/>
+          </a:prstGeom>
+          <a:noFill/>
+        </p:spPr>
+        <p:txBody>
+          <a:bodyPr wrap="none" lIns="91440" tIns="45720" rIns="91440" bIns="45720">
+            <a:spAutoFit/>
+          </a:bodyPr>
+          <a:lstStyle/>
+          <a:p>
+            <a:pPr algn="ctr"/>
+            <a:r>
+              <a:rPr lang="en-US" altLang="ko-KR" sz="9600" b="1" dirty="0">
+                <a:ln w="63500">
+                  <a:solidFill>
+                    <a:schemeClr val="bg1"/>
+                  </a:solidFill>
+                  <a:prstDash val="solid"/>
+                </a:ln>
+                <a:solidFill>
+                  <a:srgbClr val="FFFFFF"/>
+                </a:solidFill>
+                <a:effectLst>
+                  <a:outerShdw blurRad="50800" dist="88900" dir="1560000" algn="l" rotWithShape="0">
+                    <a:srgbClr val="002060">
+                      <a:alpha val="40000"/>
+                    </a:srgbClr>
+                  </a:outerShdw>
+                </a:effectLst>
+                <a:latin typeface="Pretendard ExtraBold" panose="020B0600000101010101" charset="-127"/>
+                <a:ea typeface="Pretendard ExtraBold" panose="020B0600000101010101" charset="-127"/>
+                <a:cs typeface="Malgun Gothic Semilight" panose="020B0503020000020004" pitchFamily="34" charset="-127"/>
+              </a:rPr>
+              <a:t>03</a:t>
+            </a:r>
+          </a:p>
+        </p:txBody>
+      </p:sp>
+    </p:spTree>
+    <p:extLst>
+      <p:ext uri="{BB962C8B-B14F-4D97-AF65-F5344CB8AC3E}">
+        <p14:creationId xmlns:p14="http://schemas.microsoft.com/office/powerpoint/2010/main" val="2100492466"/>
+      </p:ext>
+    </p:extLst>
+  </p:cSld>
+  <p:clrMapOvr>
+    <a:masterClrMapping/>
+  </p:clrMapOvr>
+</p:sld>
+</file>
+
+<file path=ppt/slides/slide6.xml><?xml version="1.0" encoding="utf-8"?>
+<p:sld xmlns:a="http://schemas.openxmlformats.org/drawingml/2006/main" xmlns:r="http://schemas.openxmlformats.org/officeDocument/2006/relationships" xmlns:p="http://schemas.openxmlformats.org/presentationml/2006/main">
+  <p:cSld>
+    <p:spTree>
+      <p:nvGrpSpPr>
+        <p:cNvPr id="1" name="">
+          <a:extLst>
+            <a:ext uri="{FF2B5EF4-FFF2-40B4-BE49-F238E27FC236}">
+              <a16:creationId xmlns:a16="http://schemas.microsoft.com/office/drawing/2014/main" id="{19C5214B-6EE2-773F-9863-73027DFD61A0}"/>
+            </a:ext>
+          </a:extLst>
+        </p:cNvPr>
+        <p:cNvGrpSpPr/>
+        <p:nvPr/>
+      </p:nvGrpSpPr>
+      <p:grpSpPr>
+        <a:xfrm>
+          <a:off x="0" y="0"/>
+          <a:ext cx="0" cy="0"/>
+          <a:chOff x="0" y="0"/>
+          <a:chExt cx="0" cy="0"/>
+        </a:xfrm>
+      </p:grpSpPr>
+      <p:sp>
+        <p:nvSpPr>
+          <p:cNvPr id="2" name="슬라이드 번호 개체 틀 1">
+            <a:extLst>
+              <a:ext uri="{FF2B5EF4-FFF2-40B4-BE49-F238E27FC236}">
+                <a16:creationId xmlns:a16="http://schemas.microsoft.com/office/drawing/2014/main" id="{4FA251B4-9DE1-3AE2-6E93-9A1B34A7126F}"/>
+              </a:ext>
+            </a:extLst>
+          </p:cNvPr>
+          <p:cNvSpPr>
+            <a:spLocks noGrp="1"/>
+          </p:cNvSpPr>
+          <p:nvPr>
+            <p:ph type="sldNum" sz="quarter" idx="12"/>
+          </p:nvPr>
+        </p:nvSpPr>
+        <p:spPr/>
+        <p:txBody>
+          <a:bodyPr/>
+          <a:lstStyle/>
+          <a:p>
+            <a:fld id="{C5002163-FFAF-417C-9C20-DC892DFE9806}" type="slidenum">
+              <a:rPr lang="ko-KR" altLang="en-US" smtClean="0"/>
+              <a:pPr/>
+              <a:t>5</a:t>
+            </a:fld>
+            <a:endParaRPr lang="ko-KR" altLang="en-US"/>
+          </a:p>
+        </p:txBody>
+      </p:sp>
+      <p:pic>
+        <p:nvPicPr>
+          <p:cNvPr id="3" name="그림 2">
+            <a:extLst>
+              <a:ext uri="{FF2B5EF4-FFF2-40B4-BE49-F238E27FC236}">
+                <a16:creationId xmlns:a16="http://schemas.microsoft.com/office/drawing/2014/main" id="{EB17C367-E437-E807-1BF1-006D00B2B171}"/>
+              </a:ext>
+            </a:extLst>
+          </p:cNvPr>
+          <p:cNvPicPr>
+            <a:picLocks noChangeAspect="1"/>
+          </p:cNvPicPr>
+          <p:nvPr/>
+        </p:nvPicPr>
+        <p:blipFill>
+          <a:blip r:embed="rId2"/>
+          <a:stretch>
+            <a:fillRect/>
+          </a:stretch>
+        </p:blipFill>
+        <p:spPr>
+          <a:xfrm>
+            <a:off x="15240" y="0"/>
+            <a:ext cx="12192000" cy="6858000"/>
+          </a:xfrm>
+          <a:prstGeom prst="rect">
+            <a:avLst/>
+          </a:prstGeom>
+          <a:noFill/>
+        </p:spPr>
+      </p:pic>
+      <p:sp>
+        <p:nvSpPr>
+          <p:cNvPr id="4" name="직사각형 3">
+            <a:extLst>
+              <a:ext uri="{FF2B5EF4-FFF2-40B4-BE49-F238E27FC236}">
+                <a16:creationId xmlns:a16="http://schemas.microsoft.com/office/drawing/2014/main" id="{7BBD5C73-A7D7-A68E-60D3-C905AAD7BB55}"/>
+              </a:ext>
+            </a:extLst>
+          </p:cNvPr>
+          <p:cNvSpPr/>
+          <p:nvPr/>
+        </p:nvSpPr>
+        <p:spPr>
+          <a:xfrm>
+            <a:off x="0" y="0"/>
+            <a:ext cx="12292314" cy="6858000"/>
+          </a:xfrm>
+          <a:prstGeom prst="rect">
+            <a:avLst/>
+          </a:prstGeom>
+          <a:gradFill flip="none" rotWithShape="1">
+            <a:gsLst>
+              <a:gs pos="66000">
+                <a:srgbClr val="2C92D2">
+                  <a:alpha val="90000"/>
+                </a:srgbClr>
+              </a:gs>
+              <a:gs pos="33000">
+                <a:srgbClr val="58A8DB">
+                  <a:alpha val="80000"/>
+                </a:srgbClr>
+              </a:gs>
+              <a:gs pos="0">
+                <a:schemeClr val="accent1">
+                  <a:lumMod val="5000"/>
+                  <a:lumOff val="95000"/>
+                  <a:alpha val="60000"/>
+                </a:schemeClr>
+              </a:gs>
+              <a:gs pos="100000">
+                <a:srgbClr val="007BC8"/>
+              </a:gs>
+            </a:gsLst>
+            <a:lin ang="10800000" scaled="0"/>
+            <a:tileRect/>
+          </a:gradFill>
+          <a:ln>
+            <a:noFill/>
+          </a:ln>
+        </p:spPr>
+        <p:style>
+          <a:lnRef idx="2">
+            <a:schemeClr val="accent1">
+              <a:shade val="15000"/>
+            </a:schemeClr>
+          </a:lnRef>
+          <a:fillRef idx="1">
+            <a:schemeClr val="accent1"/>
+          </a:fillRef>
+          <a:effectRef idx="0">
+            <a:schemeClr val="accent1"/>
+          </a:effectRef>
+          <a:fontRef idx="minor">
+            <a:schemeClr val="lt1"/>
+          </a:fontRef>
+        </p:style>
+        <p:txBody>
+          <a:bodyPr rtlCol="0" anchor="ctr"/>
+          <a:lstStyle/>
+          <a:p>
+            <a:pPr algn="ctr"/>
+            <a:endParaRPr lang="ko-KR" altLang="en-US"/>
+          </a:p>
+        </p:txBody>
+      </p:sp>
+      <p:sp>
+        <p:nvSpPr>
+          <p:cNvPr id="5" name="TextBox 9">
+            <a:extLst>
+              <a:ext uri="{FF2B5EF4-FFF2-40B4-BE49-F238E27FC236}">
+                <a16:creationId xmlns:a16="http://schemas.microsoft.com/office/drawing/2014/main" id="{C9378B55-3B4D-8607-E8DC-9773153AB500}"/>
+              </a:ext>
+            </a:extLst>
+          </p:cNvPr>
+          <p:cNvSpPr txBox="1"/>
+          <p:nvPr/>
+        </p:nvSpPr>
+        <p:spPr>
+          <a:xfrm>
+            <a:off x="1055688" y="4226050"/>
+            <a:ext cx="5844149" cy="991870"/>
+          </a:xfrm>
+          <a:prstGeom prst="rect">
+            <a:avLst/>
+          </a:prstGeom>
+        </p:spPr>
+        <p:txBody>
+          <a:bodyPr lIns="0" tIns="135467" rIns="0" bIns="135467" rtlCol="0" anchor="ctr"/>
+          <a:lstStyle/>
+          <a:p>
+            <a:pPr lvl="0" algn="l">
+              <a:lnSpc>
+                <a:spcPct val="99600"/>
+              </a:lnSpc>
+            </a:pPr>
+            <a:r>
+              <a:rPr lang="ko-KR" altLang="en-US" sz="6000" b="0" i="0" u="none" strike="noStrike" spc="107" dirty="0">
+                <a:ln w="25400">
+                  <a:noFill/>
+                </a:ln>
+                <a:solidFill>
+                  <a:schemeClr val="bg1"/>
+                </a:solidFill>
+                <a:latin typeface="구름 산스 700" pitchFamily="2" charset="-127"/>
+                <a:ea typeface="구름 산스 700" pitchFamily="2" charset="-127"/>
+              </a:rPr>
+              <a:t>주제 선택 배경</a:t>
+            </a:r>
+            <a:endParaRPr lang="ko-KR" sz="6000" b="0" i="0" u="none" strike="noStrike" spc="107" dirty="0">
+              <a:ln w="25400">
+                <a:noFill/>
+              </a:ln>
+              <a:solidFill>
+                <a:schemeClr val="bg1"/>
+              </a:solidFill>
+              <a:latin typeface="구름 산스 700" pitchFamily="2" charset="-127"/>
+              <a:ea typeface="구름 산스 700" pitchFamily="2" charset="-127"/>
+            </a:endParaRPr>
+          </a:p>
+        </p:txBody>
+      </p:sp>
+      <p:sp>
+        <p:nvSpPr>
+          <p:cNvPr id="6" name="직사각형 5">
+            <a:extLst>
+              <a:ext uri="{FF2B5EF4-FFF2-40B4-BE49-F238E27FC236}">
+                <a16:creationId xmlns:a16="http://schemas.microsoft.com/office/drawing/2014/main" id="{E25FCA37-B4FF-9E17-DDCB-85DD887756C1}"/>
+              </a:ext>
+            </a:extLst>
+          </p:cNvPr>
+          <p:cNvSpPr/>
+          <p:nvPr/>
+        </p:nvSpPr>
+        <p:spPr>
+          <a:xfrm>
+            <a:off x="1055687" y="2644170"/>
+            <a:ext cx="1553631" cy="1569660"/>
+          </a:xfrm>
+          <a:prstGeom prst="rect">
+            <a:avLst/>
+          </a:prstGeom>
+          <a:noFill/>
+        </p:spPr>
+        <p:txBody>
+          <a:bodyPr wrap="none" lIns="91440" tIns="45720" rIns="91440" bIns="45720">
+            <a:spAutoFit/>
+          </a:bodyPr>
+          <a:lstStyle/>
+          <a:p>
+            <a:pPr algn="ctr"/>
+            <a:r>
+              <a:rPr lang="en-US" altLang="ko-KR" sz="9600" b="1" dirty="0">
+                <a:ln w="63500">
+                  <a:solidFill>
+                    <a:schemeClr val="bg1"/>
+                  </a:solidFill>
+                  <a:prstDash val="solid"/>
+                </a:ln>
+                <a:solidFill>
+                  <a:srgbClr val="FFFFFF"/>
+                </a:solidFill>
+                <a:effectLst>
+                  <a:outerShdw blurRad="50800" dist="88900" dir="1560000" algn="l" rotWithShape="0">
+                    <a:srgbClr val="002060">
+                      <a:alpha val="40000"/>
+                    </a:srgbClr>
+                  </a:outerShdw>
+                </a:effectLst>
+                <a:latin typeface="Pretendard ExtraBold" panose="020B0600000101010101" charset="-127"/>
+                <a:ea typeface="Pretendard ExtraBold" panose="020B0600000101010101" charset="-127"/>
+                <a:cs typeface="Malgun Gothic Semilight" panose="020B0503020000020004" pitchFamily="34" charset="-127"/>
+              </a:rPr>
+              <a:t>04</a:t>
+            </a:r>
+          </a:p>
+        </p:txBody>
+      </p:sp>
+    </p:spTree>
+    <p:extLst>
+      <p:ext uri="{BB962C8B-B14F-4D97-AF65-F5344CB8AC3E}">
+        <p14:creationId xmlns:p14="http://schemas.microsoft.com/office/powerpoint/2010/main" val="2486295478"/>
+      </p:ext>
+    </p:extLst>
+  </p:cSld>
+  <p:clrMapOvr>
+    <a:masterClrMapping/>
+  </p:clrMapOvr>
+</p:sld>
+</file>
+
+<file path=ppt/slides/slide7.xml><?xml version="1.0" encoding="utf-8"?>
 <p:sld xmlns:a="http://schemas.openxmlformats.org/drawingml/2006/main" xmlns:r="http://schemas.openxmlformats.org/officeDocument/2006/relationships" xmlns:p="http://schemas.openxmlformats.org/presentationml/2006/main">
   <p:cSld>
     <p:spTree>
@@ -5994,7 +6318,7 @@
           <p:cNvPr id="2" name="슬라이드 번호 개체 틀 1">
             <a:extLst>
               <a:ext uri="{FF2B5EF4-FFF2-40B4-BE49-F238E27FC236}">
-                <a16:creationId xmlns:a16="http://schemas.microsoft.com/office/drawing/2014/main" id="{0B723176-34AE-2EA8-FA78-AC69A4228425}"/>
+                <a16:creationId xmlns:a16="http://schemas.microsoft.com/office/drawing/2014/main" id="{4D94C39E-62F0-FA7C-3272-6C6CBEC3C81B}"/>
               </a:ext>
             </a:extLst>
           </p:cNvPr>
@@ -6013,16 +6337,16 @@
             <a:fld id="{C5002163-FFAF-417C-9C20-DC892DFE9806}" type="slidenum">
               <a:rPr lang="ko-KR" altLang="en-US" smtClean="0"/>
               <a:pPr/>
-              <a:t>4</a:t>
+              <a:t>6</a:t>
             </a:fld>
-            <a:endParaRPr lang="ko-KR" altLang="en-US"/>
+            <a:endParaRPr lang="ko-KR" altLang="en-US" dirty="0"/>
           </a:p>
         </p:txBody>
       </p:sp>
     </p:spTree>
     <p:extLst>
       <p:ext uri="{BB962C8B-B14F-4D97-AF65-F5344CB8AC3E}">
-        <p14:creationId xmlns:p14="http://schemas.microsoft.com/office/powerpoint/2010/main" val="3411328053"/>
+        <p14:creationId xmlns:p14="http://schemas.microsoft.com/office/powerpoint/2010/main" val="1422414358"/>
       </p:ext>
     </p:extLst>
   </p:cSld>

--- a/PPT/진짜 준비자료.pptx
+++ b/PPT/진짜 준비자료.pptx
@@ -5,16 +5,37 @@
     <p:sldMasterId id="2147483648" r:id="rId1"/>
   </p:sldMasterIdLst>
   <p:notesMasterIdLst>
-    <p:notesMasterId r:id="rId9"/>
+    <p:notesMasterId r:id="rId30"/>
   </p:notesMasterIdLst>
   <p:sldIdLst>
     <p:sldId id="256" r:id="rId2"/>
     <p:sldId id="257" r:id="rId3"/>
-    <p:sldId id="258" r:id="rId4"/>
-    <p:sldId id="261" r:id="rId5"/>
-    <p:sldId id="262" r:id="rId6"/>
-    <p:sldId id="263" r:id="rId7"/>
-    <p:sldId id="264" r:id="rId8"/>
+    <p:sldId id="275" r:id="rId4"/>
+    <p:sldId id="258" r:id="rId5"/>
+    <p:sldId id="265" r:id="rId6"/>
+    <p:sldId id="261" r:id="rId7"/>
+    <p:sldId id="270" r:id="rId8"/>
+    <p:sldId id="273" r:id="rId9"/>
+    <p:sldId id="274" r:id="rId10"/>
+    <p:sldId id="276" r:id="rId11"/>
+    <p:sldId id="277" r:id="rId12"/>
+    <p:sldId id="278" r:id="rId13"/>
+    <p:sldId id="279" r:id="rId14"/>
+    <p:sldId id="280" r:id="rId15"/>
+    <p:sldId id="281" r:id="rId16"/>
+    <p:sldId id="282" r:id="rId17"/>
+    <p:sldId id="262" r:id="rId18"/>
+    <p:sldId id="283" r:id="rId19"/>
+    <p:sldId id="292" r:id="rId20"/>
+    <p:sldId id="285" r:id="rId21"/>
+    <p:sldId id="291" r:id="rId22"/>
+    <p:sldId id="286" r:id="rId23"/>
+    <p:sldId id="287" r:id="rId24"/>
+    <p:sldId id="263" r:id="rId25"/>
+    <p:sldId id="284" r:id="rId26"/>
+    <p:sldId id="288" r:id="rId27"/>
+    <p:sldId id="289" r:id="rId28"/>
+    <p:sldId id="290" r:id="rId29"/>
   </p:sldIdLst>
   <p:sldSz cx="12192000" cy="6858000"/>
   <p:notesSz cx="6858000" cy="9144000"/>
@@ -116,12 +137,17 @@
   <p:extLst>
     <p:ext uri="{EFAFB233-063F-42B5-8137-9DF3F51BA10A}">
       <p15:sldGuideLst xmlns:p15="http://schemas.microsoft.com/office/powerpoint/2012/main">
-        <p15:guide id="1" pos="665" userDrawn="1">
+        <p15:guide id="1" pos="1005" userDrawn="1">
           <p15:clr>
             <a:srgbClr val="A4A3A4"/>
           </p15:clr>
         </p15:guide>
-        <p15:guide id="2" orient="horz" pos="2160" userDrawn="1">
+        <p15:guide id="2" orient="horz" pos="232" userDrawn="1">
+          <p15:clr>
+            <a:srgbClr val="A4A3A4"/>
+          </p15:clr>
+        </p15:guide>
+        <p15:guide id="3" pos="6108" userDrawn="1">
           <p15:clr>
             <a:srgbClr val="A4A3A4"/>
           </p15:clr>
@@ -217,7 +243,7 @@
           <a:p>
             <a:fld id="{5001C678-81CD-4974-AF36-DBC85801FF94}" type="datetimeFigureOut">
               <a:rPr lang="ko-KR" altLang="en-US" smtClean="0"/>
-              <a:t>2025-09-22</a:t>
+              <a:t>2025-09-23</a:t>
             </a:fld>
             <a:endParaRPr lang="ko-KR" altLang="en-US"/>
           </a:p>
@@ -631,7 +657,7 @@
           <a:p>
             <a:fld id="{6418288A-DA6A-41A9-866D-41A8415B32C1}" type="datetime1">
               <a:rPr lang="ko-KR" altLang="en-US" smtClean="0"/>
-              <a:t>2025-09-22</a:t>
+              <a:t>2025-09-23</a:t>
             </a:fld>
             <a:endParaRPr lang="ko-KR" altLang="en-US"/>
           </a:p>
@@ -829,7 +855,7 @@
           <a:p>
             <a:fld id="{35C14DCE-3C0D-437E-9D31-E42EE0976A5E}" type="datetime1">
               <a:rPr lang="ko-KR" altLang="en-US" smtClean="0"/>
-              <a:t>2025-09-22</a:t>
+              <a:t>2025-09-23</a:t>
             </a:fld>
             <a:endParaRPr lang="ko-KR" altLang="en-US"/>
           </a:p>
@@ -1037,7 +1063,7 @@
           <a:p>
             <a:fld id="{46B43A02-5D7B-4FB5-A088-32B7F9468713}" type="datetime1">
               <a:rPr lang="ko-KR" altLang="en-US" smtClean="0"/>
-              <a:t>2025-09-22</a:t>
+              <a:t>2025-09-23</a:t>
             </a:fld>
             <a:endParaRPr lang="ko-KR" altLang="en-US"/>
           </a:p>
@@ -1235,7 +1261,7 @@
           <a:p>
             <a:fld id="{3D19F9EB-FB3D-4C8C-8A79-CB0B21C8E1B1}" type="datetime1">
               <a:rPr lang="ko-KR" altLang="en-US" smtClean="0"/>
-              <a:t>2025-09-22</a:t>
+              <a:t>2025-09-23</a:t>
             </a:fld>
             <a:endParaRPr lang="ko-KR" altLang="en-US"/>
           </a:p>
@@ -1510,7 +1536,7 @@
           <a:p>
             <a:fld id="{234A3F02-C732-44F5-9B09-6C7B7CC728B0}" type="datetime1">
               <a:rPr lang="ko-KR" altLang="en-US" smtClean="0"/>
-              <a:t>2025-09-22</a:t>
+              <a:t>2025-09-23</a:t>
             </a:fld>
             <a:endParaRPr lang="ko-KR" altLang="en-US"/>
           </a:p>
@@ -1775,7 +1801,7 @@
           <a:p>
             <a:fld id="{65E793DF-6B61-4DE7-B50A-76162C511290}" type="datetime1">
               <a:rPr lang="ko-KR" altLang="en-US" smtClean="0"/>
-              <a:t>2025-09-22</a:t>
+              <a:t>2025-09-23</a:t>
             </a:fld>
             <a:endParaRPr lang="ko-KR" altLang="en-US"/>
           </a:p>
@@ -2187,7 +2213,7 @@
           <a:p>
             <a:fld id="{219AB351-6351-4002-A6E2-0735F82C9670}" type="datetime1">
               <a:rPr lang="ko-KR" altLang="en-US" smtClean="0"/>
-              <a:t>2025-09-22</a:t>
+              <a:t>2025-09-23</a:t>
             </a:fld>
             <a:endParaRPr lang="ko-KR" altLang="en-US"/>
           </a:p>
@@ -2328,7 +2354,7 @@
           <a:p>
             <a:fld id="{197FAFB3-75BA-4474-A042-C56309DF6FCD}" type="datetime1">
               <a:rPr lang="ko-KR" altLang="en-US" smtClean="0"/>
-              <a:t>2025-09-22</a:t>
+              <a:t>2025-09-23</a:t>
             </a:fld>
             <a:endParaRPr lang="ko-KR" altLang="en-US"/>
           </a:p>
@@ -2350,12 +2376,17 @@
             <p:ph type="ftr" sz="quarter" idx="11"/>
           </p:nvPr>
         </p:nvSpPr>
-        <p:spPr/>
+        <p:spPr>
+          <a:xfrm>
+            <a:off x="7239000" y="6356350"/>
+            <a:ext cx="4114800" cy="365125"/>
+          </a:xfrm>
+        </p:spPr>
         <p:txBody>
           <a:bodyPr/>
           <a:lstStyle/>
           <a:p>
-            <a:endParaRPr lang="ko-KR" altLang="en-US"/>
+            <a:endParaRPr lang="ko-KR" altLang="en-US" dirty="0"/>
           </a:p>
         </p:txBody>
       </p:sp>
@@ -2375,16 +2406,26 @@
             <p:ph type="sldNum" sz="quarter" idx="12"/>
           </p:nvPr>
         </p:nvSpPr>
-        <p:spPr/>
+        <p:spPr>
+          <a:xfrm>
+            <a:off x="4724400" y="6356350"/>
+            <a:ext cx="2743200" cy="365125"/>
+          </a:xfrm>
+        </p:spPr>
         <p:txBody>
           <a:bodyPr/>
-          <a:lstStyle/>
+          <a:lstStyle>
+            <a:lvl1pPr algn="ctr">
+              <a:defRPr/>
+            </a:lvl1pPr>
+          </a:lstStyle>
           <a:p>
             <a:fld id="{C5002163-FFAF-417C-9C20-DC892DFE9806}" type="slidenum">
               <a:rPr lang="ko-KR" altLang="en-US" smtClean="0"/>
+              <a:pPr/>
               <a:t>‹#›</a:t>
             </a:fld>
-            <a:endParaRPr lang="ko-KR" altLang="en-US"/>
+            <a:endParaRPr lang="ko-KR" altLang="en-US" dirty="0"/>
           </a:p>
         </p:txBody>
       </p:sp>
@@ -2441,7 +2482,7 @@
           <a:p>
             <a:fld id="{16A6D75C-66DF-4266-A72B-B6CD4D6D10A6}" type="datetime1">
               <a:rPr lang="ko-KR" altLang="en-US" smtClean="0"/>
-              <a:t>2025-09-22</a:t>
+              <a:t>2025-09-23</a:t>
             </a:fld>
             <a:endParaRPr lang="ko-KR" altLang="en-US"/>
           </a:p>
@@ -2771,7 +2812,7 @@
           <a:p>
             <a:fld id="{D0882548-C3D9-4182-80F1-6A8667E61A77}" type="datetime1">
               <a:rPr lang="ko-KR" altLang="en-US" smtClean="0"/>
-              <a:t>2025-09-22</a:t>
+              <a:t>2025-09-23</a:t>
             </a:fld>
             <a:endParaRPr lang="ko-KR" altLang="en-US"/>
           </a:p>
@@ -3059,7 +3100,7 @@
           <a:p>
             <a:fld id="{7BE74025-3B82-47B7-BAD6-65D3E60FF7AB}" type="datetime1">
               <a:rPr lang="ko-KR" altLang="en-US" smtClean="0"/>
-              <a:t>2025-09-22</a:t>
+              <a:t>2025-09-23</a:t>
             </a:fld>
             <a:endParaRPr lang="ko-KR" altLang="en-US"/>
           </a:p>
@@ -3300,7 +3341,7 @@
           <a:p>
             <a:fld id="{A320372A-88D4-465D-BC67-FB17CB37D6F5}" type="datetime1">
               <a:rPr lang="ko-KR" altLang="en-US" smtClean="0"/>
-              <a:t>2025-09-22</a:t>
+              <a:t>2025-09-23</a:t>
             </a:fld>
             <a:endParaRPr lang="ko-KR" altLang="en-US"/>
           </a:p>
@@ -3938,8 +3979,8 @@
                 <a:solidFill>
                   <a:srgbClr val="000000"/>
                 </a:solidFill>
-                <a:latin typeface="CookieRun Bold" panose="020B0600000101010101" pitchFamily="50" charset="-127"/>
-                <a:ea typeface="CookieRun Bold" panose="020B0600000101010101" pitchFamily="50" charset="-127"/>
+                <a:latin typeface="구름 산스 700" pitchFamily="2" charset="-127"/>
+                <a:ea typeface="구름 산스 700" pitchFamily="2" charset="-127"/>
               </a:rPr>
               <a:t>OCR</a:t>
             </a:r>
@@ -4305,6 +4346,3144 @@
 </p:sld>
 </file>
 
+<file path=ppt/slides/slide10.xml><?xml version="1.0" encoding="utf-8"?>
+<p:sld xmlns:a="http://schemas.openxmlformats.org/drawingml/2006/main" xmlns:r="http://schemas.openxmlformats.org/officeDocument/2006/relationships" xmlns:p="http://schemas.openxmlformats.org/presentationml/2006/main">
+  <p:cSld>
+    <p:spTree>
+      <p:nvGrpSpPr>
+        <p:cNvPr id="1" name="">
+          <a:extLst>
+            <a:ext uri="{FF2B5EF4-FFF2-40B4-BE49-F238E27FC236}">
+              <a16:creationId xmlns:a16="http://schemas.microsoft.com/office/drawing/2014/main" id="{BFC2DFDE-9D93-8E8D-3091-1D9CDB29BCA9}"/>
+            </a:ext>
+          </a:extLst>
+        </p:cNvPr>
+        <p:cNvGrpSpPr/>
+        <p:nvPr/>
+      </p:nvGrpSpPr>
+      <p:grpSpPr>
+        <a:xfrm>
+          <a:off x="0" y="0"/>
+          <a:ext cx="0" cy="0"/>
+          <a:chOff x="0" y="0"/>
+          <a:chExt cx="0" cy="0"/>
+        </a:xfrm>
+      </p:grpSpPr>
+      <p:sp>
+        <p:nvSpPr>
+          <p:cNvPr id="3" name="슬라이드 번호 개체 틀 2">
+            <a:extLst>
+              <a:ext uri="{FF2B5EF4-FFF2-40B4-BE49-F238E27FC236}">
+                <a16:creationId xmlns:a16="http://schemas.microsoft.com/office/drawing/2014/main" id="{478384D9-4C37-42C1-1ECD-C37D8745A773}"/>
+              </a:ext>
+            </a:extLst>
+          </p:cNvPr>
+          <p:cNvSpPr>
+            <a:spLocks noGrp="1"/>
+          </p:cNvSpPr>
+          <p:nvPr>
+            <p:ph type="sldNum" sz="quarter" idx="12"/>
+          </p:nvPr>
+        </p:nvSpPr>
+        <p:spPr/>
+        <p:txBody>
+          <a:bodyPr/>
+          <a:lstStyle/>
+          <a:p>
+            <a:fld id="{C5002163-FFAF-417C-9C20-DC892DFE9806}" type="slidenum">
+              <a:rPr lang="ko-KR" altLang="en-US" smtClean="0"/>
+              <a:t>9</a:t>
+            </a:fld>
+            <a:endParaRPr lang="ko-KR" altLang="en-US"/>
+          </a:p>
+        </p:txBody>
+      </p:sp>
+      <p:grpSp>
+        <p:nvGrpSpPr>
+          <p:cNvPr id="12" name="그룹 11">
+            <a:extLst>
+              <a:ext uri="{FF2B5EF4-FFF2-40B4-BE49-F238E27FC236}">
+                <a16:creationId xmlns:a16="http://schemas.microsoft.com/office/drawing/2014/main" id="{D6834673-A919-DE12-BA76-56B91E763553}"/>
+              </a:ext>
+            </a:extLst>
+          </p:cNvPr>
+          <p:cNvGrpSpPr/>
+          <p:nvPr/>
+        </p:nvGrpSpPr>
+        <p:grpSpPr>
+          <a:xfrm>
+            <a:off x="695324" y="728663"/>
+            <a:ext cx="9001125" cy="936000"/>
+            <a:chOff x="1639161" y="761221"/>
+            <a:chExt cx="7407738" cy="900000"/>
+          </a:xfrm>
+          <a:effectLst>
+            <a:outerShdw blurRad="12700" dist="127000" dir="5400000" algn="t" rotWithShape="0">
+              <a:prstClr val="black">
+                <a:alpha val="10000"/>
+              </a:prstClr>
+            </a:outerShdw>
+          </a:effectLst>
+        </p:grpSpPr>
+        <p:sp>
+          <p:nvSpPr>
+            <p:cNvPr id="4" name="직사각형 3">
+              <a:extLst>
+                <a:ext uri="{FF2B5EF4-FFF2-40B4-BE49-F238E27FC236}">
+                  <a16:creationId xmlns:a16="http://schemas.microsoft.com/office/drawing/2014/main" id="{AA1DF345-A4B4-6159-AB2F-FD8C2A0E01A6}"/>
+                </a:ext>
+              </a:extLst>
+            </p:cNvPr>
+            <p:cNvSpPr/>
+            <p:nvPr/>
+          </p:nvSpPr>
+          <p:spPr>
+            <a:xfrm>
+              <a:off x="1639161" y="761221"/>
+              <a:ext cx="900000" cy="900000"/>
+            </a:xfrm>
+            <a:prstGeom prst="rect">
+              <a:avLst/>
+            </a:prstGeom>
+            <a:solidFill>
+              <a:srgbClr val="007BC8"/>
+            </a:solidFill>
+            <a:ln w="50800">
+              <a:solidFill>
+                <a:schemeClr val="accent1">
+                  <a:shade val="15000"/>
+                </a:schemeClr>
+              </a:solidFill>
+            </a:ln>
+          </p:spPr>
+          <p:style>
+            <a:lnRef idx="2">
+              <a:schemeClr val="accent1">
+                <a:shade val="15000"/>
+              </a:schemeClr>
+            </a:lnRef>
+            <a:fillRef idx="1">
+              <a:schemeClr val="accent1"/>
+            </a:fillRef>
+            <a:effectRef idx="0">
+              <a:schemeClr val="accent1"/>
+            </a:effectRef>
+            <a:fontRef idx="minor">
+              <a:schemeClr val="lt1"/>
+            </a:fontRef>
+          </p:style>
+          <p:txBody>
+            <a:bodyPr rtlCol="0" anchor="ctr"/>
+            <a:lstStyle/>
+            <a:p>
+              <a:pPr algn="ctr"/>
+              <a:endParaRPr lang="ko-KR" altLang="en-US" dirty="0"/>
+            </a:p>
+          </p:txBody>
+        </p:sp>
+        <p:sp>
+          <p:nvSpPr>
+            <p:cNvPr id="10" name="직사각형 9">
+              <a:extLst>
+                <a:ext uri="{FF2B5EF4-FFF2-40B4-BE49-F238E27FC236}">
+                  <a16:creationId xmlns:a16="http://schemas.microsoft.com/office/drawing/2014/main" id="{912162EA-16AC-338D-F9CA-0B41F1C4CFF7}"/>
+                </a:ext>
+              </a:extLst>
+            </p:cNvPr>
+            <p:cNvSpPr/>
+            <p:nvPr/>
+          </p:nvSpPr>
+          <p:spPr>
+            <a:xfrm>
+              <a:off x="2539161" y="761221"/>
+              <a:ext cx="6507738" cy="900000"/>
+            </a:xfrm>
+            <a:prstGeom prst="rect">
+              <a:avLst/>
+            </a:prstGeom>
+            <a:solidFill>
+              <a:schemeClr val="bg1"/>
+            </a:solidFill>
+            <a:ln w="50800">
+              <a:solidFill>
+                <a:schemeClr val="tx1"/>
+              </a:solidFill>
+            </a:ln>
+          </p:spPr>
+          <p:style>
+            <a:lnRef idx="2">
+              <a:schemeClr val="accent1">
+                <a:shade val="15000"/>
+              </a:schemeClr>
+            </a:lnRef>
+            <a:fillRef idx="1">
+              <a:schemeClr val="accent1"/>
+            </a:fillRef>
+            <a:effectRef idx="0">
+              <a:schemeClr val="accent1"/>
+            </a:effectRef>
+            <a:fontRef idx="minor">
+              <a:schemeClr val="lt1"/>
+            </a:fontRef>
+          </p:style>
+          <p:txBody>
+            <a:bodyPr rtlCol="0" anchor="ctr"/>
+            <a:lstStyle/>
+            <a:p>
+              <a:pPr marL="288000"/>
+              <a:r>
+                <a:rPr lang="en-US" altLang="ko-KR" sz="4000" dirty="0">
+                  <a:solidFill>
+                    <a:schemeClr val="tx1"/>
+                  </a:solidFill>
+                  <a:latin typeface="구름 산스 700" pitchFamily="2" charset="-127"/>
+                  <a:ea typeface="구름 산스 700" pitchFamily="2" charset="-127"/>
+                </a:rPr>
+                <a:t>Regression</a:t>
+              </a:r>
+              <a:endParaRPr lang="ko-KR" altLang="en-US" sz="4000" dirty="0">
+                <a:solidFill>
+                  <a:schemeClr val="tx1"/>
+                </a:solidFill>
+                <a:latin typeface="구름 산스 700" pitchFamily="2" charset="-127"/>
+                <a:ea typeface="구름 산스 700" pitchFamily="2" charset="-127"/>
+              </a:endParaRPr>
+            </a:p>
+          </p:txBody>
+        </p:sp>
+      </p:grpSp>
+    </p:spTree>
+    <p:extLst>
+      <p:ext uri="{BB962C8B-B14F-4D97-AF65-F5344CB8AC3E}">
+        <p14:creationId xmlns:p14="http://schemas.microsoft.com/office/powerpoint/2010/main" val="1662615094"/>
+      </p:ext>
+    </p:extLst>
+  </p:cSld>
+  <p:clrMapOvr>
+    <a:masterClrMapping/>
+  </p:clrMapOvr>
+</p:sld>
+</file>
+
+<file path=ppt/slides/slide11.xml><?xml version="1.0" encoding="utf-8"?>
+<p:sld xmlns:a="http://schemas.openxmlformats.org/drawingml/2006/main" xmlns:r="http://schemas.openxmlformats.org/officeDocument/2006/relationships" xmlns:p="http://schemas.openxmlformats.org/presentationml/2006/main">
+  <p:cSld>
+    <p:spTree>
+      <p:nvGrpSpPr>
+        <p:cNvPr id="1" name="">
+          <a:extLst>
+            <a:ext uri="{FF2B5EF4-FFF2-40B4-BE49-F238E27FC236}">
+              <a16:creationId xmlns:a16="http://schemas.microsoft.com/office/drawing/2014/main" id="{5E00A9DC-CC14-FA11-F761-693805ABDB73}"/>
+            </a:ext>
+          </a:extLst>
+        </p:cNvPr>
+        <p:cNvGrpSpPr/>
+        <p:nvPr/>
+      </p:nvGrpSpPr>
+      <p:grpSpPr>
+        <a:xfrm>
+          <a:off x="0" y="0"/>
+          <a:ext cx="0" cy="0"/>
+          <a:chOff x="0" y="0"/>
+          <a:chExt cx="0" cy="0"/>
+        </a:xfrm>
+      </p:grpSpPr>
+      <p:sp>
+        <p:nvSpPr>
+          <p:cNvPr id="3" name="슬라이드 번호 개체 틀 2">
+            <a:extLst>
+              <a:ext uri="{FF2B5EF4-FFF2-40B4-BE49-F238E27FC236}">
+                <a16:creationId xmlns:a16="http://schemas.microsoft.com/office/drawing/2014/main" id="{F71F287E-D6EC-0C88-673D-9C4E4FF731FD}"/>
+              </a:ext>
+            </a:extLst>
+          </p:cNvPr>
+          <p:cNvSpPr>
+            <a:spLocks noGrp="1"/>
+          </p:cNvSpPr>
+          <p:nvPr>
+            <p:ph type="sldNum" sz="quarter" idx="12"/>
+          </p:nvPr>
+        </p:nvSpPr>
+        <p:spPr/>
+        <p:txBody>
+          <a:bodyPr/>
+          <a:lstStyle/>
+          <a:p>
+            <a:fld id="{C5002163-FFAF-417C-9C20-DC892DFE9806}" type="slidenum">
+              <a:rPr lang="ko-KR" altLang="en-US" smtClean="0"/>
+              <a:t>10</a:t>
+            </a:fld>
+            <a:endParaRPr lang="ko-KR" altLang="en-US"/>
+          </a:p>
+        </p:txBody>
+      </p:sp>
+      <p:grpSp>
+        <p:nvGrpSpPr>
+          <p:cNvPr id="12" name="그룹 11">
+            <a:extLst>
+              <a:ext uri="{FF2B5EF4-FFF2-40B4-BE49-F238E27FC236}">
+                <a16:creationId xmlns:a16="http://schemas.microsoft.com/office/drawing/2014/main" id="{4926ACAB-13BD-74D2-BB90-D6B1D1C70193}"/>
+              </a:ext>
+            </a:extLst>
+          </p:cNvPr>
+          <p:cNvGrpSpPr/>
+          <p:nvPr/>
+        </p:nvGrpSpPr>
+        <p:grpSpPr>
+          <a:xfrm>
+            <a:off x="695325" y="728663"/>
+            <a:ext cx="9001124" cy="936000"/>
+            <a:chOff x="1639161" y="761221"/>
+            <a:chExt cx="9001124" cy="900000"/>
+          </a:xfrm>
+          <a:effectLst>
+            <a:outerShdw blurRad="12700" dist="127000" dir="5400000" algn="t" rotWithShape="0">
+              <a:prstClr val="black">
+                <a:alpha val="10000"/>
+              </a:prstClr>
+            </a:outerShdw>
+          </a:effectLst>
+        </p:grpSpPr>
+        <p:sp>
+          <p:nvSpPr>
+            <p:cNvPr id="4" name="직사각형 3">
+              <a:extLst>
+                <a:ext uri="{FF2B5EF4-FFF2-40B4-BE49-F238E27FC236}">
+                  <a16:creationId xmlns:a16="http://schemas.microsoft.com/office/drawing/2014/main" id="{347C86E5-7488-E342-E180-54AFF9D9ECD9}"/>
+                </a:ext>
+              </a:extLst>
+            </p:cNvPr>
+            <p:cNvSpPr/>
+            <p:nvPr/>
+          </p:nvSpPr>
+          <p:spPr>
+            <a:xfrm>
+              <a:off x="1639161" y="761221"/>
+              <a:ext cx="900000" cy="900000"/>
+            </a:xfrm>
+            <a:prstGeom prst="rect">
+              <a:avLst/>
+            </a:prstGeom>
+            <a:solidFill>
+              <a:srgbClr val="007BC8"/>
+            </a:solidFill>
+            <a:ln w="50800">
+              <a:solidFill>
+                <a:schemeClr val="accent1">
+                  <a:shade val="15000"/>
+                </a:schemeClr>
+              </a:solidFill>
+            </a:ln>
+          </p:spPr>
+          <p:style>
+            <a:lnRef idx="2">
+              <a:schemeClr val="accent1">
+                <a:shade val="15000"/>
+              </a:schemeClr>
+            </a:lnRef>
+            <a:fillRef idx="1">
+              <a:schemeClr val="accent1"/>
+            </a:fillRef>
+            <a:effectRef idx="0">
+              <a:schemeClr val="accent1"/>
+            </a:effectRef>
+            <a:fontRef idx="minor">
+              <a:schemeClr val="lt1"/>
+            </a:fontRef>
+          </p:style>
+          <p:txBody>
+            <a:bodyPr rtlCol="0" anchor="ctr"/>
+            <a:lstStyle/>
+            <a:p>
+              <a:pPr algn="ctr"/>
+              <a:endParaRPr lang="ko-KR" altLang="en-US" dirty="0"/>
+            </a:p>
+          </p:txBody>
+        </p:sp>
+        <p:sp>
+          <p:nvSpPr>
+            <p:cNvPr id="10" name="직사각형 9">
+              <a:extLst>
+                <a:ext uri="{FF2B5EF4-FFF2-40B4-BE49-F238E27FC236}">
+                  <a16:creationId xmlns:a16="http://schemas.microsoft.com/office/drawing/2014/main" id="{D90FBD0F-BB63-8A49-BF47-4F6E484DCC40}"/>
+                </a:ext>
+              </a:extLst>
+            </p:cNvPr>
+            <p:cNvSpPr/>
+            <p:nvPr/>
+          </p:nvSpPr>
+          <p:spPr>
+            <a:xfrm>
+              <a:off x="2539160" y="761221"/>
+              <a:ext cx="8101125" cy="900000"/>
+            </a:xfrm>
+            <a:prstGeom prst="rect">
+              <a:avLst/>
+            </a:prstGeom>
+            <a:solidFill>
+              <a:schemeClr val="bg1"/>
+            </a:solidFill>
+            <a:ln w="50800">
+              <a:solidFill>
+                <a:schemeClr val="tx1"/>
+              </a:solidFill>
+            </a:ln>
+          </p:spPr>
+          <p:style>
+            <a:lnRef idx="2">
+              <a:schemeClr val="accent1">
+                <a:shade val="15000"/>
+              </a:schemeClr>
+            </a:lnRef>
+            <a:fillRef idx="1">
+              <a:schemeClr val="accent1"/>
+            </a:fillRef>
+            <a:effectRef idx="0">
+              <a:schemeClr val="accent1"/>
+            </a:effectRef>
+            <a:fontRef idx="minor">
+              <a:schemeClr val="lt1"/>
+            </a:fontRef>
+          </p:style>
+          <p:txBody>
+            <a:bodyPr rtlCol="0" anchor="ctr"/>
+            <a:lstStyle/>
+            <a:p>
+              <a:pPr marL="288000"/>
+              <a:r>
+                <a:rPr lang="en-US" altLang="ko-KR" sz="4000" dirty="0">
+                  <a:solidFill>
+                    <a:schemeClr val="tx1"/>
+                  </a:solidFill>
+                  <a:latin typeface="구름 산스 700" pitchFamily="2" charset="-127"/>
+                  <a:ea typeface="구름 산스 700" pitchFamily="2" charset="-127"/>
+                </a:rPr>
+                <a:t>Segmentation</a:t>
+              </a:r>
+              <a:endParaRPr lang="ko-KR" altLang="en-US" sz="4000" dirty="0">
+                <a:solidFill>
+                  <a:schemeClr val="tx1"/>
+                </a:solidFill>
+                <a:latin typeface="구름 산스 700" pitchFamily="2" charset="-127"/>
+                <a:ea typeface="구름 산스 700" pitchFamily="2" charset="-127"/>
+              </a:endParaRPr>
+            </a:p>
+          </p:txBody>
+        </p:sp>
+      </p:grpSp>
+    </p:spTree>
+    <p:extLst>
+      <p:ext uri="{BB962C8B-B14F-4D97-AF65-F5344CB8AC3E}">
+        <p14:creationId xmlns:p14="http://schemas.microsoft.com/office/powerpoint/2010/main" val="2605676211"/>
+      </p:ext>
+    </p:extLst>
+  </p:cSld>
+  <p:clrMapOvr>
+    <a:masterClrMapping/>
+  </p:clrMapOvr>
+</p:sld>
+</file>
+
+<file path=ppt/slides/slide12.xml><?xml version="1.0" encoding="utf-8"?>
+<p:sld xmlns:a="http://schemas.openxmlformats.org/drawingml/2006/main" xmlns:r="http://schemas.openxmlformats.org/officeDocument/2006/relationships" xmlns:p="http://schemas.openxmlformats.org/presentationml/2006/main">
+  <p:cSld>
+    <p:spTree>
+      <p:nvGrpSpPr>
+        <p:cNvPr id="1" name="">
+          <a:extLst>
+            <a:ext uri="{FF2B5EF4-FFF2-40B4-BE49-F238E27FC236}">
+              <a16:creationId xmlns:a16="http://schemas.microsoft.com/office/drawing/2014/main" id="{E6203C51-0926-CF56-B0BD-23EB9DBA5028}"/>
+            </a:ext>
+          </a:extLst>
+        </p:cNvPr>
+        <p:cNvGrpSpPr/>
+        <p:nvPr/>
+      </p:nvGrpSpPr>
+      <p:grpSpPr>
+        <a:xfrm>
+          <a:off x="0" y="0"/>
+          <a:ext cx="0" cy="0"/>
+          <a:chOff x="0" y="0"/>
+          <a:chExt cx="0" cy="0"/>
+        </a:xfrm>
+      </p:grpSpPr>
+      <p:sp>
+        <p:nvSpPr>
+          <p:cNvPr id="3" name="슬라이드 번호 개체 틀 2">
+            <a:extLst>
+              <a:ext uri="{FF2B5EF4-FFF2-40B4-BE49-F238E27FC236}">
+                <a16:creationId xmlns:a16="http://schemas.microsoft.com/office/drawing/2014/main" id="{963B718D-F991-51CE-B2C6-B60474931B1E}"/>
+              </a:ext>
+            </a:extLst>
+          </p:cNvPr>
+          <p:cNvSpPr>
+            <a:spLocks noGrp="1"/>
+          </p:cNvSpPr>
+          <p:nvPr>
+            <p:ph type="sldNum" sz="quarter" idx="12"/>
+          </p:nvPr>
+        </p:nvSpPr>
+        <p:spPr/>
+        <p:txBody>
+          <a:bodyPr/>
+          <a:lstStyle/>
+          <a:p>
+            <a:fld id="{C5002163-FFAF-417C-9C20-DC892DFE9806}" type="slidenum">
+              <a:rPr lang="ko-KR" altLang="en-US" smtClean="0"/>
+              <a:t>11</a:t>
+            </a:fld>
+            <a:endParaRPr lang="ko-KR" altLang="en-US"/>
+          </a:p>
+        </p:txBody>
+      </p:sp>
+      <p:grpSp>
+        <p:nvGrpSpPr>
+          <p:cNvPr id="12" name="그룹 11">
+            <a:extLst>
+              <a:ext uri="{FF2B5EF4-FFF2-40B4-BE49-F238E27FC236}">
+                <a16:creationId xmlns:a16="http://schemas.microsoft.com/office/drawing/2014/main" id="{7DBF8064-5B3F-4CF4-3381-3CFE56D8F598}"/>
+              </a:ext>
+            </a:extLst>
+          </p:cNvPr>
+          <p:cNvGrpSpPr/>
+          <p:nvPr/>
+        </p:nvGrpSpPr>
+        <p:grpSpPr>
+          <a:xfrm>
+            <a:off x="695325" y="728663"/>
+            <a:ext cx="9001124" cy="936000"/>
+            <a:chOff x="1639161" y="761221"/>
+            <a:chExt cx="9001124" cy="900000"/>
+          </a:xfrm>
+          <a:effectLst>
+            <a:outerShdw blurRad="12700" dist="127000" dir="5400000" algn="t" rotWithShape="0">
+              <a:prstClr val="black">
+                <a:alpha val="10000"/>
+              </a:prstClr>
+            </a:outerShdw>
+          </a:effectLst>
+        </p:grpSpPr>
+        <p:sp>
+          <p:nvSpPr>
+            <p:cNvPr id="4" name="직사각형 3">
+              <a:extLst>
+                <a:ext uri="{FF2B5EF4-FFF2-40B4-BE49-F238E27FC236}">
+                  <a16:creationId xmlns:a16="http://schemas.microsoft.com/office/drawing/2014/main" id="{61C3CF9E-D26E-A7A1-BB7D-5DB698E8400F}"/>
+                </a:ext>
+              </a:extLst>
+            </p:cNvPr>
+            <p:cNvSpPr/>
+            <p:nvPr/>
+          </p:nvSpPr>
+          <p:spPr>
+            <a:xfrm>
+              <a:off x="1639161" y="761221"/>
+              <a:ext cx="900000" cy="900000"/>
+            </a:xfrm>
+            <a:prstGeom prst="rect">
+              <a:avLst/>
+            </a:prstGeom>
+            <a:solidFill>
+              <a:srgbClr val="007BC8"/>
+            </a:solidFill>
+            <a:ln w="50800">
+              <a:solidFill>
+                <a:schemeClr val="accent1">
+                  <a:shade val="15000"/>
+                </a:schemeClr>
+              </a:solidFill>
+            </a:ln>
+          </p:spPr>
+          <p:style>
+            <a:lnRef idx="2">
+              <a:schemeClr val="accent1">
+                <a:shade val="15000"/>
+              </a:schemeClr>
+            </a:lnRef>
+            <a:fillRef idx="1">
+              <a:schemeClr val="accent1"/>
+            </a:fillRef>
+            <a:effectRef idx="0">
+              <a:schemeClr val="accent1"/>
+            </a:effectRef>
+            <a:fontRef idx="minor">
+              <a:schemeClr val="lt1"/>
+            </a:fontRef>
+          </p:style>
+          <p:txBody>
+            <a:bodyPr rtlCol="0" anchor="ctr"/>
+            <a:lstStyle/>
+            <a:p>
+              <a:pPr algn="ctr"/>
+              <a:endParaRPr lang="ko-KR" altLang="en-US" dirty="0"/>
+            </a:p>
+          </p:txBody>
+        </p:sp>
+        <p:sp>
+          <p:nvSpPr>
+            <p:cNvPr id="10" name="직사각형 9">
+              <a:extLst>
+                <a:ext uri="{FF2B5EF4-FFF2-40B4-BE49-F238E27FC236}">
+                  <a16:creationId xmlns:a16="http://schemas.microsoft.com/office/drawing/2014/main" id="{F07B52F3-D32C-962E-1485-A9DA60F4B373}"/>
+                </a:ext>
+              </a:extLst>
+            </p:cNvPr>
+            <p:cNvSpPr/>
+            <p:nvPr/>
+          </p:nvSpPr>
+          <p:spPr>
+            <a:xfrm>
+              <a:off x="2539160" y="761221"/>
+              <a:ext cx="8101125" cy="900000"/>
+            </a:xfrm>
+            <a:prstGeom prst="rect">
+              <a:avLst/>
+            </a:prstGeom>
+            <a:solidFill>
+              <a:schemeClr val="bg1"/>
+            </a:solidFill>
+            <a:ln w="50800">
+              <a:solidFill>
+                <a:schemeClr val="tx1"/>
+              </a:solidFill>
+            </a:ln>
+          </p:spPr>
+          <p:style>
+            <a:lnRef idx="2">
+              <a:schemeClr val="accent1">
+                <a:shade val="15000"/>
+              </a:schemeClr>
+            </a:lnRef>
+            <a:fillRef idx="1">
+              <a:schemeClr val="accent1"/>
+            </a:fillRef>
+            <a:effectRef idx="0">
+              <a:schemeClr val="accent1"/>
+            </a:effectRef>
+            <a:fontRef idx="minor">
+              <a:schemeClr val="lt1"/>
+            </a:fontRef>
+          </p:style>
+          <p:txBody>
+            <a:bodyPr rtlCol="0" anchor="ctr"/>
+            <a:lstStyle/>
+            <a:p>
+              <a:pPr marL="288000"/>
+              <a:r>
+                <a:rPr lang="en-US" altLang="ko-KR" sz="4000" dirty="0">
+                  <a:solidFill>
+                    <a:schemeClr val="tx1"/>
+                  </a:solidFill>
+                  <a:latin typeface="구름 산스 700" pitchFamily="2" charset="-127"/>
+                  <a:ea typeface="구름 산스 700" pitchFamily="2" charset="-127"/>
+                </a:rPr>
+                <a:t>CRAFT</a:t>
+              </a:r>
+              <a:endParaRPr lang="ko-KR" altLang="en-US" sz="4000" dirty="0">
+                <a:solidFill>
+                  <a:schemeClr val="tx1"/>
+                </a:solidFill>
+                <a:latin typeface="구름 산스 700" pitchFamily="2" charset="-127"/>
+                <a:ea typeface="구름 산스 700" pitchFamily="2" charset="-127"/>
+              </a:endParaRPr>
+            </a:p>
+          </p:txBody>
+        </p:sp>
+      </p:grpSp>
+    </p:spTree>
+    <p:extLst>
+      <p:ext uri="{BB962C8B-B14F-4D97-AF65-F5344CB8AC3E}">
+        <p14:creationId xmlns:p14="http://schemas.microsoft.com/office/powerpoint/2010/main" val="1690159760"/>
+      </p:ext>
+    </p:extLst>
+  </p:cSld>
+  <p:clrMapOvr>
+    <a:masterClrMapping/>
+  </p:clrMapOvr>
+</p:sld>
+</file>
+
+<file path=ppt/slides/slide13.xml><?xml version="1.0" encoding="utf-8"?>
+<p:sld xmlns:a="http://schemas.openxmlformats.org/drawingml/2006/main" xmlns:r="http://schemas.openxmlformats.org/officeDocument/2006/relationships" xmlns:p="http://schemas.openxmlformats.org/presentationml/2006/main">
+  <p:cSld>
+    <p:spTree>
+      <p:nvGrpSpPr>
+        <p:cNvPr id="1" name="">
+          <a:extLst>
+            <a:ext uri="{FF2B5EF4-FFF2-40B4-BE49-F238E27FC236}">
+              <a16:creationId xmlns:a16="http://schemas.microsoft.com/office/drawing/2014/main" id="{98F0C903-492E-D68C-6B59-492F8B70B218}"/>
+            </a:ext>
+          </a:extLst>
+        </p:cNvPr>
+        <p:cNvGrpSpPr/>
+        <p:nvPr/>
+      </p:nvGrpSpPr>
+      <p:grpSpPr>
+        <a:xfrm>
+          <a:off x="0" y="0"/>
+          <a:ext cx="0" cy="0"/>
+          <a:chOff x="0" y="0"/>
+          <a:chExt cx="0" cy="0"/>
+        </a:xfrm>
+      </p:grpSpPr>
+      <p:sp>
+        <p:nvSpPr>
+          <p:cNvPr id="3" name="슬라이드 번호 개체 틀 2">
+            <a:extLst>
+              <a:ext uri="{FF2B5EF4-FFF2-40B4-BE49-F238E27FC236}">
+                <a16:creationId xmlns:a16="http://schemas.microsoft.com/office/drawing/2014/main" id="{FED05E80-7C71-ED60-E8D9-33FB875A6873}"/>
+              </a:ext>
+            </a:extLst>
+          </p:cNvPr>
+          <p:cNvSpPr>
+            <a:spLocks noGrp="1"/>
+          </p:cNvSpPr>
+          <p:nvPr>
+            <p:ph type="sldNum" sz="quarter" idx="12"/>
+          </p:nvPr>
+        </p:nvSpPr>
+        <p:spPr/>
+        <p:txBody>
+          <a:bodyPr/>
+          <a:lstStyle/>
+          <a:p>
+            <a:fld id="{C5002163-FFAF-417C-9C20-DC892DFE9806}" type="slidenum">
+              <a:rPr lang="ko-KR" altLang="en-US" smtClean="0"/>
+              <a:t>12</a:t>
+            </a:fld>
+            <a:endParaRPr lang="ko-KR" altLang="en-US"/>
+          </a:p>
+        </p:txBody>
+      </p:sp>
+      <p:grpSp>
+        <p:nvGrpSpPr>
+          <p:cNvPr id="12" name="그룹 11">
+            <a:extLst>
+              <a:ext uri="{FF2B5EF4-FFF2-40B4-BE49-F238E27FC236}">
+                <a16:creationId xmlns:a16="http://schemas.microsoft.com/office/drawing/2014/main" id="{9BE0C16F-AEB5-58B3-FAB4-63A9C5346D55}"/>
+              </a:ext>
+            </a:extLst>
+          </p:cNvPr>
+          <p:cNvGrpSpPr/>
+          <p:nvPr/>
+        </p:nvGrpSpPr>
+        <p:grpSpPr>
+          <a:xfrm>
+            <a:off x="695324" y="728663"/>
+            <a:ext cx="9001125" cy="936000"/>
+            <a:chOff x="1639161" y="761221"/>
+            <a:chExt cx="8714892" cy="900000"/>
+          </a:xfrm>
+          <a:effectLst>
+            <a:outerShdw blurRad="12700" dist="127000" dir="5400000" algn="t" rotWithShape="0">
+              <a:prstClr val="black">
+                <a:alpha val="10000"/>
+              </a:prstClr>
+            </a:outerShdw>
+          </a:effectLst>
+        </p:grpSpPr>
+        <p:sp>
+          <p:nvSpPr>
+            <p:cNvPr id="4" name="직사각형 3">
+              <a:extLst>
+                <a:ext uri="{FF2B5EF4-FFF2-40B4-BE49-F238E27FC236}">
+                  <a16:creationId xmlns:a16="http://schemas.microsoft.com/office/drawing/2014/main" id="{F1F5AE9C-4F1C-7E0C-A35A-2DCEBB2AA086}"/>
+                </a:ext>
+              </a:extLst>
+            </p:cNvPr>
+            <p:cNvSpPr/>
+            <p:nvPr/>
+          </p:nvSpPr>
+          <p:spPr>
+            <a:xfrm>
+              <a:off x="1639161" y="761221"/>
+              <a:ext cx="900000" cy="900000"/>
+            </a:xfrm>
+            <a:prstGeom prst="rect">
+              <a:avLst/>
+            </a:prstGeom>
+            <a:solidFill>
+              <a:srgbClr val="007BC8"/>
+            </a:solidFill>
+            <a:ln w="50800">
+              <a:solidFill>
+                <a:schemeClr val="accent1">
+                  <a:shade val="15000"/>
+                </a:schemeClr>
+              </a:solidFill>
+            </a:ln>
+          </p:spPr>
+          <p:style>
+            <a:lnRef idx="2">
+              <a:schemeClr val="accent1">
+                <a:shade val="15000"/>
+              </a:schemeClr>
+            </a:lnRef>
+            <a:fillRef idx="1">
+              <a:schemeClr val="accent1"/>
+            </a:fillRef>
+            <a:effectRef idx="0">
+              <a:schemeClr val="accent1"/>
+            </a:effectRef>
+            <a:fontRef idx="minor">
+              <a:schemeClr val="lt1"/>
+            </a:fontRef>
+          </p:style>
+          <p:txBody>
+            <a:bodyPr rtlCol="0" anchor="ctr"/>
+            <a:lstStyle/>
+            <a:p>
+              <a:pPr algn="ctr"/>
+              <a:endParaRPr lang="ko-KR" altLang="en-US" dirty="0"/>
+            </a:p>
+          </p:txBody>
+        </p:sp>
+        <p:sp>
+          <p:nvSpPr>
+            <p:cNvPr id="10" name="직사각형 9">
+              <a:extLst>
+                <a:ext uri="{FF2B5EF4-FFF2-40B4-BE49-F238E27FC236}">
+                  <a16:creationId xmlns:a16="http://schemas.microsoft.com/office/drawing/2014/main" id="{C90C369D-13C7-483C-9FEA-D6FD11DA99BC}"/>
+                </a:ext>
+              </a:extLst>
+            </p:cNvPr>
+            <p:cNvSpPr/>
+            <p:nvPr/>
+          </p:nvSpPr>
+          <p:spPr>
+            <a:xfrm>
+              <a:off x="2539160" y="761221"/>
+              <a:ext cx="7814893" cy="900000"/>
+            </a:xfrm>
+            <a:prstGeom prst="rect">
+              <a:avLst/>
+            </a:prstGeom>
+            <a:solidFill>
+              <a:schemeClr val="bg1"/>
+            </a:solidFill>
+            <a:ln w="50800">
+              <a:solidFill>
+                <a:schemeClr val="tx1"/>
+              </a:solidFill>
+            </a:ln>
+          </p:spPr>
+          <p:style>
+            <a:lnRef idx="2">
+              <a:schemeClr val="accent1">
+                <a:shade val="15000"/>
+              </a:schemeClr>
+            </a:lnRef>
+            <a:fillRef idx="1">
+              <a:schemeClr val="accent1"/>
+            </a:fillRef>
+            <a:effectRef idx="0">
+              <a:schemeClr val="accent1"/>
+            </a:effectRef>
+            <a:fontRef idx="minor">
+              <a:schemeClr val="lt1"/>
+            </a:fontRef>
+          </p:style>
+          <p:txBody>
+            <a:bodyPr rtlCol="0" anchor="ctr"/>
+            <a:lstStyle/>
+            <a:p>
+              <a:pPr marL="288000"/>
+              <a:r>
+                <a:rPr lang="en-US" altLang="ko-KR" sz="4000" dirty="0">
+                  <a:solidFill>
+                    <a:schemeClr val="tx1"/>
+                  </a:solidFill>
+                  <a:latin typeface="구름 산스 700" pitchFamily="2" charset="-127"/>
+                  <a:ea typeface="구름 산스 700" pitchFamily="2" charset="-127"/>
+                </a:rPr>
+                <a:t>Pyramid Mask Text Detector</a:t>
+              </a:r>
+              <a:endParaRPr lang="ko-KR" altLang="en-US" sz="4000" dirty="0">
+                <a:solidFill>
+                  <a:schemeClr val="tx1"/>
+                </a:solidFill>
+                <a:latin typeface="구름 산스 700" pitchFamily="2" charset="-127"/>
+                <a:ea typeface="구름 산스 700" pitchFamily="2" charset="-127"/>
+              </a:endParaRPr>
+            </a:p>
+          </p:txBody>
+        </p:sp>
+      </p:grpSp>
+    </p:spTree>
+    <p:extLst>
+      <p:ext uri="{BB962C8B-B14F-4D97-AF65-F5344CB8AC3E}">
+        <p14:creationId xmlns:p14="http://schemas.microsoft.com/office/powerpoint/2010/main" val="3940463242"/>
+      </p:ext>
+    </p:extLst>
+  </p:cSld>
+  <p:clrMapOvr>
+    <a:masterClrMapping/>
+  </p:clrMapOvr>
+</p:sld>
+</file>
+
+<file path=ppt/slides/slide14.xml><?xml version="1.0" encoding="utf-8"?>
+<p:sld xmlns:a="http://schemas.openxmlformats.org/drawingml/2006/main" xmlns:r="http://schemas.openxmlformats.org/officeDocument/2006/relationships" xmlns:p="http://schemas.openxmlformats.org/presentationml/2006/main">
+  <p:cSld>
+    <p:spTree>
+      <p:nvGrpSpPr>
+        <p:cNvPr id="1" name="">
+          <a:extLst>
+            <a:ext uri="{FF2B5EF4-FFF2-40B4-BE49-F238E27FC236}">
+              <a16:creationId xmlns:a16="http://schemas.microsoft.com/office/drawing/2014/main" id="{80B90085-A640-1F41-F30C-8816F1DFC791}"/>
+            </a:ext>
+          </a:extLst>
+        </p:cNvPr>
+        <p:cNvGrpSpPr/>
+        <p:nvPr/>
+      </p:nvGrpSpPr>
+      <p:grpSpPr>
+        <a:xfrm>
+          <a:off x="0" y="0"/>
+          <a:ext cx="0" cy="0"/>
+          <a:chOff x="0" y="0"/>
+          <a:chExt cx="0" cy="0"/>
+        </a:xfrm>
+      </p:grpSpPr>
+      <p:sp>
+        <p:nvSpPr>
+          <p:cNvPr id="3" name="슬라이드 번호 개체 틀 2">
+            <a:extLst>
+              <a:ext uri="{FF2B5EF4-FFF2-40B4-BE49-F238E27FC236}">
+                <a16:creationId xmlns:a16="http://schemas.microsoft.com/office/drawing/2014/main" id="{790DC869-618B-2D43-7137-2829478F1AE5}"/>
+              </a:ext>
+            </a:extLst>
+          </p:cNvPr>
+          <p:cNvSpPr>
+            <a:spLocks noGrp="1"/>
+          </p:cNvSpPr>
+          <p:nvPr>
+            <p:ph type="sldNum" sz="quarter" idx="12"/>
+          </p:nvPr>
+        </p:nvSpPr>
+        <p:spPr/>
+        <p:txBody>
+          <a:bodyPr/>
+          <a:lstStyle/>
+          <a:p>
+            <a:fld id="{C5002163-FFAF-417C-9C20-DC892DFE9806}" type="slidenum">
+              <a:rPr lang="ko-KR" altLang="en-US" smtClean="0"/>
+              <a:t>13</a:t>
+            </a:fld>
+            <a:endParaRPr lang="ko-KR" altLang="en-US"/>
+          </a:p>
+        </p:txBody>
+      </p:sp>
+      <p:grpSp>
+        <p:nvGrpSpPr>
+          <p:cNvPr id="12" name="그룹 11">
+            <a:extLst>
+              <a:ext uri="{FF2B5EF4-FFF2-40B4-BE49-F238E27FC236}">
+                <a16:creationId xmlns:a16="http://schemas.microsoft.com/office/drawing/2014/main" id="{E2A43E96-E6F2-A454-1FDD-D38E981D425D}"/>
+              </a:ext>
+            </a:extLst>
+          </p:cNvPr>
+          <p:cNvGrpSpPr/>
+          <p:nvPr/>
+        </p:nvGrpSpPr>
+        <p:grpSpPr>
+          <a:xfrm>
+            <a:off x="695324" y="728663"/>
+            <a:ext cx="9001125" cy="936000"/>
+            <a:chOff x="1639161" y="761221"/>
+            <a:chExt cx="7407738" cy="900000"/>
+          </a:xfrm>
+          <a:effectLst>
+            <a:outerShdw blurRad="12700" dist="127000" dir="5400000" algn="t" rotWithShape="0">
+              <a:prstClr val="black">
+                <a:alpha val="10000"/>
+              </a:prstClr>
+            </a:outerShdw>
+          </a:effectLst>
+        </p:grpSpPr>
+        <p:sp>
+          <p:nvSpPr>
+            <p:cNvPr id="4" name="직사각형 3">
+              <a:extLst>
+                <a:ext uri="{FF2B5EF4-FFF2-40B4-BE49-F238E27FC236}">
+                  <a16:creationId xmlns:a16="http://schemas.microsoft.com/office/drawing/2014/main" id="{EB0692E5-C684-042C-11AA-C77BB3CDE601}"/>
+                </a:ext>
+              </a:extLst>
+            </p:cNvPr>
+            <p:cNvSpPr/>
+            <p:nvPr/>
+          </p:nvSpPr>
+          <p:spPr>
+            <a:xfrm>
+              <a:off x="1639161" y="761221"/>
+              <a:ext cx="900000" cy="900000"/>
+            </a:xfrm>
+            <a:prstGeom prst="rect">
+              <a:avLst/>
+            </a:prstGeom>
+            <a:solidFill>
+              <a:srgbClr val="007BC8"/>
+            </a:solidFill>
+            <a:ln w="50800">
+              <a:solidFill>
+                <a:schemeClr val="accent1">
+                  <a:shade val="15000"/>
+                </a:schemeClr>
+              </a:solidFill>
+            </a:ln>
+          </p:spPr>
+          <p:style>
+            <a:lnRef idx="2">
+              <a:schemeClr val="accent1">
+                <a:shade val="15000"/>
+              </a:schemeClr>
+            </a:lnRef>
+            <a:fillRef idx="1">
+              <a:schemeClr val="accent1"/>
+            </a:fillRef>
+            <a:effectRef idx="0">
+              <a:schemeClr val="accent1"/>
+            </a:effectRef>
+            <a:fontRef idx="minor">
+              <a:schemeClr val="lt1"/>
+            </a:fontRef>
+          </p:style>
+          <p:txBody>
+            <a:bodyPr rtlCol="0" anchor="ctr"/>
+            <a:lstStyle/>
+            <a:p>
+              <a:pPr algn="ctr"/>
+              <a:endParaRPr lang="ko-KR" altLang="en-US" dirty="0"/>
+            </a:p>
+          </p:txBody>
+        </p:sp>
+        <p:sp>
+          <p:nvSpPr>
+            <p:cNvPr id="10" name="직사각형 9">
+              <a:extLst>
+                <a:ext uri="{FF2B5EF4-FFF2-40B4-BE49-F238E27FC236}">
+                  <a16:creationId xmlns:a16="http://schemas.microsoft.com/office/drawing/2014/main" id="{DD744781-AE04-CD15-E93D-4748BA9FDE71}"/>
+                </a:ext>
+              </a:extLst>
+            </p:cNvPr>
+            <p:cNvSpPr/>
+            <p:nvPr/>
+          </p:nvSpPr>
+          <p:spPr>
+            <a:xfrm>
+              <a:off x="2539161" y="761221"/>
+              <a:ext cx="6507738" cy="900000"/>
+            </a:xfrm>
+            <a:prstGeom prst="rect">
+              <a:avLst/>
+            </a:prstGeom>
+            <a:solidFill>
+              <a:schemeClr val="bg1"/>
+            </a:solidFill>
+            <a:ln w="50800">
+              <a:solidFill>
+                <a:schemeClr val="tx1"/>
+              </a:solidFill>
+            </a:ln>
+          </p:spPr>
+          <p:style>
+            <a:lnRef idx="2">
+              <a:schemeClr val="accent1">
+                <a:shade val="15000"/>
+              </a:schemeClr>
+            </a:lnRef>
+            <a:fillRef idx="1">
+              <a:schemeClr val="accent1"/>
+            </a:fillRef>
+            <a:effectRef idx="0">
+              <a:schemeClr val="accent1"/>
+            </a:effectRef>
+            <a:fontRef idx="minor">
+              <a:schemeClr val="lt1"/>
+            </a:fontRef>
+          </p:style>
+          <p:txBody>
+            <a:bodyPr rtlCol="0" anchor="ctr"/>
+            <a:lstStyle/>
+            <a:p>
+              <a:pPr marL="288000"/>
+              <a:r>
+                <a:rPr lang="en-US" altLang="ko-KR" sz="4000" dirty="0">
+                  <a:solidFill>
+                    <a:schemeClr val="tx1"/>
+                  </a:solidFill>
+                  <a:latin typeface="구름 산스 700" pitchFamily="2" charset="-127"/>
+                  <a:ea typeface="구름 산스 700" pitchFamily="2" charset="-127"/>
+                </a:rPr>
+                <a:t>CRNN</a:t>
+              </a:r>
+              <a:endParaRPr lang="ko-KR" altLang="en-US" sz="4000" dirty="0">
+                <a:solidFill>
+                  <a:schemeClr val="tx1"/>
+                </a:solidFill>
+                <a:latin typeface="구름 산스 700" pitchFamily="2" charset="-127"/>
+                <a:ea typeface="구름 산스 700" pitchFamily="2" charset="-127"/>
+              </a:endParaRPr>
+            </a:p>
+          </p:txBody>
+        </p:sp>
+      </p:grpSp>
+    </p:spTree>
+    <p:extLst>
+      <p:ext uri="{BB962C8B-B14F-4D97-AF65-F5344CB8AC3E}">
+        <p14:creationId xmlns:p14="http://schemas.microsoft.com/office/powerpoint/2010/main" val="3383847097"/>
+      </p:ext>
+    </p:extLst>
+  </p:cSld>
+  <p:clrMapOvr>
+    <a:masterClrMapping/>
+  </p:clrMapOvr>
+</p:sld>
+</file>
+
+<file path=ppt/slides/slide15.xml><?xml version="1.0" encoding="utf-8"?>
+<p:sld xmlns:a="http://schemas.openxmlformats.org/drawingml/2006/main" xmlns:r="http://schemas.openxmlformats.org/officeDocument/2006/relationships" xmlns:p="http://schemas.openxmlformats.org/presentationml/2006/main">
+  <p:cSld>
+    <p:spTree>
+      <p:nvGrpSpPr>
+        <p:cNvPr id="1" name="">
+          <a:extLst>
+            <a:ext uri="{FF2B5EF4-FFF2-40B4-BE49-F238E27FC236}">
+              <a16:creationId xmlns:a16="http://schemas.microsoft.com/office/drawing/2014/main" id="{A3BFFD9E-EF84-F295-AD26-332F81D409C9}"/>
+            </a:ext>
+          </a:extLst>
+        </p:cNvPr>
+        <p:cNvGrpSpPr/>
+        <p:nvPr/>
+      </p:nvGrpSpPr>
+      <p:grpSpPr>
+        <a:xfrm>
+          <a:off x="0" y="0"/>
+          <a:ext cx="0" cy="0"/>
+          <a:chOff x="0" y="0"/>
+          <a:chExt cx="0" cy="0"/>
+        </a:xfrm>
+      </p:grpSpPr>
+      <p:sp>
+        <p:nvSpPr>
+          <p:cNvPr id="3" name="슬라이드 번호 개체 틀 2">
+            <a:extLst>
+              <a:ext uri="{FF2B5EF4-FFF2-40B4-BE49-F238E27FC236}">
+                <a16:creationId xmlns:a16="http://schemas.microsoft.com/office/drawing/2014/main" id="{72FDF68E-A950-2D5A-7301-1B8018868E8F}"/>
+              </a:ext>
+            </a:extLst>
+          </p:cNvPr>
+          <p:cNvSpPr>
+            <a:spLocks noGrp="1"/>
+          </p:cNvSpPr>
+          <p:nvPr>
+            <p:ph type="sldNum" sz="quarter" idx="12"/>
+          </p:nvPr>
+        </p:nvSpPr>
+        <p:spPr/>
+        <p:txBody>
+          <a:bodyPr/>
+          <a:lstStyle/>
+          <a:p>
+            <a:fld id="{C5002163-FFAF-417C-9C20-DC892DFE9806}" type="slidenum">
+              <a:rPr lang="ko-KR" altLang="en-US" smtClean="0"/>
+              <a:t>14</a:t>
+            </a:fld>
+            <a:endParaRPr lang="ko-KR" altLang="en-US"/>
+          </a:p>
+        </p:txBody>
+      </p:sp>
+      <p:grpSp>
+        <p:nvGrpSpPr>
+          <p:cNvPr id="12" name="그룹 11">
+            <a:extLst>
+              <a:ext uri="{FF2B5EF4-FFF2-40B4-BE49-F238E27FC236}">
+                <a16:creationId xmlns:a16="http://schemas.microsoft.com/office/drawing/2014/main" id="{8F50AF7F-B301-DB93-369A-D354F7EBAEF6}"/>
+              </a:ext>
+            </a:extLst>
+          </p:cNvPr>
+          <p:cNvGrpSpPr/>
+          <p:nvPr/>
+        </p:nvGrpSpPr>
+        <p:grpSpPr>
+          <a:xfrm>
+            <a:off x="695325" y="728663"/>
+            <a:ext cx="9001124" cy="936000"/>
+            <a:chOff x="1639161" y="761221"/>
+            <a:chExt cx="9001124" cy="900000"/>
+          </a:xfrm>
+          <a:effectLst>
+            <a:outerShdw blurRad="12700" dist="127000" dir="5400000" algn="t" rotWithShape="0">
+              <a:prstClr val="black">
+                <a:alpha val="10000"/>
+              </a:prstClr>
+            </a:outerShdw>
+          </a:effectLst>
+        </p:grpSpPr>
+        <p:sp>
+          <p:nvSpPr>
+            <p:cNvPr id="4" name="직사각형 3">
+              <a:extLst>
+                <a:ext uri="{FF2B5EF4-FFF2-40B4-BE49-F238E27FC236}">
+                  <a16:creationId xmlns:a16="http://schemas.microsoft.com/office/drawing/2014/main" id="{A4372D02-031F-EE0C-A283-C72F3161CFB6}"/>
+                </a:ext>
+              </a:extLst>
+            </p:cNvPr>
+            <p:cNvSpPr/>
+            <p:nvPr/>
+          </p:nvSpPr>
+          <p:spPr>
+            <a:xfrm>
+              <a:off x="1639161" y="761221"/>
+              <a:ext cx="900000" cy="900000"/>
+            </a:xfrm>
+            <a:prstGeom prst="rect">
+              <a:avLst/>
+            </a:prstGeom>
+            <a:solidFill>
+              <a:srgbClr val="007BC8"/>
+            </a:solidFill>
+            <a:ln w="50800">
+              <a:solidFill>
+                <a:schemeClr val="accent1">
+                  <a:shade val="15000"/>
+                </a:schemeClr>
+              </a:solidFill>
+            </a:ln>
+          </p:spPr>
+          <p:style>
+            <a:lnRef idx="2">
+              <a:schemeClr val="accent1">
+                <a:shade val="15000"/>
+              </a:schemeClr>
+            </a:lnRef>
+            <a:fillRef idx="1">
+              <a:schemeClr val="accent1"/>
+            </a:fillRef>
+            <a:effectRef idx="0">
+              <a:schemeClr val="accent1"/>
+            </a:effectRef>
+            <a:fontRef idx="minor">
+              <a:schemeClr val="lt1"/>
+            </a:fontRef>
+          </p:style>
+          <p:txBody>
+            <a:bodyPr rtlCol="0" anchor="ctr"/>
+            <a:lstStyle/>
+            <a:p>
+              <a:pPr algn="ctr"/>
+              <a:endParaRPr lang="ko-KR" altLang="en-US" dirty="0"/>
+            </a:p>
+          </p:txBody>
+        </p:sp>
+        <p:sp>
+          <p:nvSpPr>
+            <p:cNvPr id="10" name="직사각형 9">
+              <a:extLst>
+                <a:ext uri="{FF2B5EF4-FFF2-40B4-BE49-F238E27FC236}">
+                  <a16:creationId xmlns:a16="http://schemas.microsoft.com/office/drawing/2014/main" id="{6DEF7A72-E232-58F1-3630-B78E12F6AEA3}"/>
+                </a:ext>
+              </a:extLst>
+            </p:cNvPr>
+            <p:cNvSpPr/>
+            <p:nvPr/>
+          </p:nvSpPr>
+          <p:spPr>
+            <a:xfrm>
+              <a:off x="2539160" y="761221"/>
+              <a:ext cx="8101125" cy="900000"/>
+            </a:xfrm>
+            <a:prstGeom prst="rect">
+              <a:avLst/>
+            </a:prstGeom>
+            <a:solidFill>
+              <a:schemeClr val="bg1"/>
+            </a:solidFill>
+            <a:ln w="50800">
+              <a:solidFill>
+                <a:schemeClr val="tx1"/>
+              </a:solidFill>
+            </a:ln>
+          </p:spPr>
+          <p:style>
+            <a:lnRef idx="2">
+              <a:schemeClr val="accent1">
+                <a:shade val="15000"/>
+              </a:schemeClr>
+            </a:lnRef>
+            <a:fillRef idx="1">
+              <a:schemeClr val="accent1"/>
+            </a:fillRef>
+            <a:effectRef idx="0">
+              <a:schemeClr val="accent1"/>
+            </a:effectRef>
+            <a:fontRef idx="minor">
+              <a:schemeClr val="lt1"/>
+            </a:fontRef>
+          </p:style>
+          <p:txBody>
+            <a:bodyPr rtlCol="0" anchor="ctr"/>
+            <a:lstStyle/>
+            <a:p>
+              <a:pPr marL="288000"/>
+              <a:r>
+                <a:rPr lang="en-US" altLang="ko-KR" sz="4000" dirty="0">
+                  <a:solidFill>
+                    <a:schemeClr val="tx1"/>
+                  </a:solidFill>
+                  <a:latin typeface="구름 산스 700" pitchFamily="2" charset="-127"/>
+                  <a:ea typeface="구름 산스 700" pitchFamily="2" charset="-127"/>
+                </a:rPr>
+                <a:t>CTC</a:t>
+              </a:r>
+              <a:endParaRPr lang="ko-KR" altLang="en-US" sz="4000" dirty="0">
+                <a:solidFill>
+                  <a:schemeClr val="tx1"/>
+                </a:solidFill>
+                <a:latin typeface="구름 산스 700" pitchFamily="2" charset="-127"/>
+                <a:ea typeface="구름 산스 700" pitchFamily="2" charset="-127"/>
+              </a:endParaRPr>
+            </a:p>
+          </p:txBody>
+        </p:sp>
+      </p:grpSp>
+    </p:spTree>
+    <p:extLst>
+      <p:ext uri="{BB962C8B-B14F-4D97-AF65-F5344CB8AC3E}">
+        <p14:creationId xmlns:p14="http://schemas.microsoft.com/office/powerpoint/2010/main" val="1546647547"/>
+      </p:ext>
+    </p:extLst>
+  </p:cSld>
+  <p:clrMapOvr>
+    <a:masterClrMapping/>
+  </p:clrMapOvr>
+</p:sld>
+</file>
+
+<file path=ppt/slides/slide16.xml><?xml version="1.0" encoding="utf-8"?>
+<p:sld xmlns:a="http://schemas.openxmlformats.org/drawingml/2006/main" xmlns:r="http://schemas.openxmlformats.org/officeDocument/2006/relationships" xmlns:p="http://schemas.openxmlformats.org/presentationml/2006/main">
+  <p:cSld>
+    <p:spTree>
+      <p:nvGrpSpPr>
+        <p:cNvPr id="1" name="">
+          <a:extLst>
+            <a:ext uri="{FF2B5EF4-FFF2-40B4-BE49-F238E27FC236}">
+              <a16:creationId xmlns:a16="http://schemas.microsoft.com/office/drawing/2014/main" id="{91AC41A8-2EA9-FD8D-01C5-70AF6D2B3481}"/>
+            </a:ext>
+          </a:extLst>
+        </p:cNvPr>
+        <p:cNvGrpSpPr/>
+        <p:nvPr/>
+      </p:nvGrpSpPr>
+      <p:grpSpPr>
+        <a:xfrm>
+          <a:off x="0" y="0"/>
+          <a:ext cx="0" cy="0"/>
+          <a:chOff x="0" y="0"/>
+          <a:chExt cx="0" cy="0"/>
+        </a:xfrm>
+      </p:grpSpPr>
+      <p:sp>
+        <p:nvSpPr>
+          <p:cNvPr id="3" name="슬라이드 번호 개체 틀 2">
+            <a:extLst>
+              <a:ext uri="{FF2B5EF4-FFF2-40B4-BE49-F238E27FC236}">
+                <a16:creationId xmlns:a16="http://schemas.microsoft.com/office/drawing/2014/main" id="{81B4CC4B-8732-F5BA-8721-E9BAC749AD12}"/>
+              </a:ext>
+            </a:extLst>
+          </p:cNvPr>
+          <p:cNvSpPr>
+            <a:spLocks noGrp="1"/>
+          </p:cNvSpPr>
+          <p:nvPr>
+            <p:ph type="sldNum" sz="quarter" idx="12"/>
+          </p:nvPr>
+        </p:nvSpPr>
+        <p:spPr/>
+        <p:txBody>
+          <a:bodyPr/>
+          <a:lstStyle/>
+          <a:p>
+            <a:fld id="{C5002163-FFAF-417C-9C20-DC892DFE9806}" type="slidenum">
+              <a:rPr lang="ko-KR" altLang="en-US" smtClean="0"/>
+              <a:t>15</a:t>
+            </a:fld>
+            <a:endParaRPr lang="ko-KR" altLang="en-US"/>
+          </a:p>
+        </p:txBody>
+      </p:sp>
+      <p:grpSp>
+        <p:nvGrpSpPr>
+          <p:cNvPr id="12" name="그룹 11">
+            <a:extLst>
+              <a:ext uri="{FF2B5EF4-FFF2-40B4-BE49-F238E27FC236}">
+                <a16:creationId xmlns:a16="http://schemas.microsoft.com/office/drawing/2014/main" id="{ABE47697-4E95-0BF2-38EF-24333B10EAA4}"/>
+              </a:ext>
+            </a:extLst>
+          </p:cNvPr>
+          <p:cNvGrpSpPr/>
+          <p:nvPr/>
+        </p:nvGrpSpPr>
+        <p:grpSpPr>
+          <a:xfrm>
+            <a:off x="695325" y="728663"/>
+            <a:ext cx="9001124" cy="936000"/>
+            <a:chOff x="1639161" y="761221"/>
+            <a:chExt cx="9001124" cy="900000"/>
+          </a:xfrm>
+          <a:effectLst>
+            <a:outerShdw blurRad="12700" dist="127000" dir="5400000" algn="t" rotWithShape="0">
+              <a:prstClr val="black">
+                <a:alpha val="10000"/>
+              </a:prstClr>
+            </a:outerShdw>
+          </a:effectLst>
+        </p:grpSpPr>
+        <p:sp>
+          <p:nvSpPr>
+            <p:cNvPr id="4" name="직사각형 3">
+              <a:extLst>
+                <a:ext uri="{FF2B5EF4-FFF2-40B4-BE49-F238E27FC236}">
+                  <a16:creationId xmlns:a16="http://schemas.microsoft.com/office/drawing/2014/main" id="{ED57F7F2-8849-FC00-C482-602EC15916A2}"/>
+                </a:ext>
+              </a:extLst>
+            </p:cNvPr>
+            <p:cNvSpPr/>
+            <p:nvPr/>
+          </p:nvSpPr>
+          <p:spPr>
+            <a:xfrm>
+              <a:off x="1639161" y="761221"/>
+              <a:ext cx="900000" cy="900000"/>
+            </a:xfrm>
+            <a:prstGeom prst="rect">
+              <a:avLst/>
+            </a:prstGeom>
+            <a:solidFill>
+              <a:srgbClr val="007BC8"/>
+            </a:solidFill>
+            <a:ln w="50800">
+              <a:solidFill>
+                <a:schemeClr val="accent1">
+                  <a:shade val="15000"/>
+                </a:schemeClr>
+              </a:solidFill>
+            </a:ln>
+          </p:spPr>
+          <p:style>
+            <a:lnRef idx="2">
+              <a:schemeClr val="accent1">
+                <a:shade val="15000"/>
+              </a:schemeClr>
+            </a:lnRef>
+            <a:fillRef idx="1">
+              <a:schemeClr val="accent1"/>
+            </a:fillRef>
+            <a:effectRef idx="0">
+              <a:schemeClr val="accent1"/>
+            </a:effectRef>
+            <a:fontRef idx="minor">
+              <a:schemeClr val="lt1"/>
+            </a:fontRef>
+          </p:style>
+          <p:txBody>
+            <a:bodyPr rtlCol="0" anchor="ctr"/>
+            <a:lstStyle/>
+            <a:p>
+              <a:pPr algn="ctr"/>
+              <a:endParaRPr lang="ko-KR" altLang="en-US" dirty="0"/>
+            </a:p>
+          </p:txBody>
+        </p:sp>
+        <p:sp>
+          <p:nvSpPr>
+            <p:cNvPr id="10" name="직사각형 9">
+              <a:extLst>
+                <a:ext uri="{FF2B5EF4-FFF2-40B4-BE49-F238E27FC236}">
+                  <a16:creationId xmlns:a16="http://schemas.microsoft.com/office/drawing/2014/main" id="{AEA2F650-9ED5-75E1-43E7-1D2C8600A624}"/>
+                </a:ext>
+              </a:extLst>
+            </p:cNvPr>
+            <p:cNvSpPr/>
+            <p:nvPr/>
+          </p:nvSpPr>
+          <p:spPr>
+            <a:xfrm>
+              <a:off x="2539160" y="761221"/>
+              <a:ext cx="8101125" cy="900000"/>
+            </a:xfrm>
+            <a:prstGeom prst="rect">
+              <a:avLst/>
+            </a:prstGeom>
+            <a:solidFill>
+              <a:schemeClr val="bg1"/>
+            </a:solidFill>
+            <a:ln w="50800">
+              <a:solidFill>
+                <a:schemeClr val="tx1"/>
+              </a:solidFill>
+            </a:ln>
+          </p:spPr>
+          <p:style>
+            <a:lnRef idx="2">
+              <a:schemeClr val="accent1">
+                <a:shade val="15000"/>
+              </a:schemeClr>
+            </a:lnRef>
+            <a:fillRef idx="1">
+              <a:schemeClr val="accent1"/>
+            </a:fillRef>
+            <a:effectRef idx="0">
+              <a:schemeClr val="accent1"/>
+            </a:effectRef>
+            <a:fontRef idx="minor">
+              <a:schemeClr val="lt1"/>
+            </a:fontRef>
+          </p:style>
+          <p:txBody>
+            <a:bodyPr rtlCol="0" anchor="ctr"/>
+            <a:lstStyle/>
+            <a:p>
+              <a:pPr marL="288000"/>
+              <a:r>
+                <a:rPr lang="en-US" altLang="ko-KR" sz="4000" dirty="0">
+                  <a:solidFill>
+                    <a:schemeClr val="tx1"/>
+                  </a:solidFill>
+                  <a:latin typeface="구름 산스 700" pitchFamily="2" charset="-127"/>
+                  <a:ea typeface="구름 산스 700" pitchFamily="2" charset="-127"/>
+                </a:rPr>
+                <a:t>TPS</a:t>
+              </a:r>
+              <a:endParaRPr lang="ko-KR" altLang="en-US" sz="4000" dirty="0">
+                <a:solidFill>
+                  <a:schemeClr val="tx1"/>
+                </a:solidFill>
+                <a:latin typeface="구름 산스 700" pitchFamily="2" charset="-127"/>
+                <a:ea typeface="구름 산스 700" pitchFamily="2" charset="-127"/>
+              </a:endParaRPr>
+            </a:p>
+          </p:txBody>
+        </p:sp>
+      </p:grpSp>
+    </p:spTree>
+    <p:extLst>
+      <p:ext uri="{BB962C8B-B14F-4D97-AF65-F5344CB8AC3E}">
+        <p14:creationId xmlns:p14="http://schemas.microsoft.com/office/powerpoint/2010/main" val="3546962955"/>
+      </p:ext>
+    </p:extLst>
+  </p:cSld>
+  <p:clrMapOvr>
+    <a:masterClrMapping/>
+  </p:clrMapOvr>
+</p:sld>
+</file>
+
+<file path=ppt/slides/slide17.xml><?xml version="1.0" encoding="utf-8"?>
+<p:sld xmlns:a="http://schemas.openxmlformats.org/drawingml/2006/main" xmlns:r="http://schemas.openxmlformats.org/officeDocument/2006/relationships" xmlns:p="http://schemas.openxmlformats.org/presentationml/2006/main">
+  <p:cSld>
+    <p:spTree>
+      <p:nvGrpSpPr>
+        <p:cNvPr id="1" name="">
+          <a:extLst>
+            <a:ext uri="{FF2B5EF4-FFF2-40B4-BE49-F238E27FC236}">
+              <a16:creationId xmlns:a16="http://schemas.microsoft.com/office/drawing/2014/main" id="{FEB40AD7-60B7-C3E2-B921-2590A209C585}"/>
+            </a:ext>
+          </a:extLst>
+        </p:cNvPr>
+        <p:cNvGrpSpPr/>
+        <p:nvPr/>
+      </p:nvGrpSpPr>
+      <p:grpSpPr>
+        <a:xfrm>
+          <a:off x="0" y="0"/>
+          <a:ext cx="0" cy="0"/>
+          <a:chOff x="0" y="0"/>
+          <a:chExt cx="0" cy="0"/>
+        </a:xfrm>
+      </p:grpSpPr>
+      <p:sp>
+        <p:nvSpPr>
+          <p:cNvPr id="2" name="슬라이드 번호 개체 틀 1">
+            <a:extLst>
+              <a:ext uri="{FF2B5EF4-FFF2-40B4-BE49-F238E27FC236}">
+                <a16:creationId xmlns:a16="http://schemas.microsoft.com/office/drawing/2014/main" id="{873BF5E2-06B0-B4F4-E926-D57C014895B4}"/>
+              </a:ext>
+            </a:extLst>
+          </p:cNvPr>
+          <p:cNvSpPr>
+            <a:spLocks noGrp="1"/>
+          </p:cNvSpPr>
+          <p:nvPr>
+            <p:ph type="sldNum" sz="quarter" idx="12"/>
+          </p:nvPr>
+        </p:nvSpPr>
+        <p:spPr/>
+        <p:txBody>
+          <a:bodyPr/>
+          <a:lstStyle/>
+          <a:p>
+            <a:fld id="{C5002163-FFAF-417C-9C20-DC892DFE9806}" type="slidenum">
+              <a:rPr lang="ko-KR" altLang="en-US" smtClean="0"/>
+              <a:pPr/>
+              <a:t>16</a:t>
+            </a:fld>
+            <a:endParaRPr lang="ko-KR" altLang="en-US"/>
+          </a:p>
+        </p:txBody>
+      </p:sp>
+      <p:pic>
+        <p:nvPicPr>
+          <p:cNvPr id="3" name="그림 2">
+            <a:extLst>
+              <a:ext uri="{FF2B5EF4-FFF2-40B4-BE49-F238E27FC236}">
+                <a16:creationId xmlns:a16="http://schemas.microsoft.com/office/drawing/2014/main" id="{B1E466F3-BEF3-A0C3-CE78-CEFCB5D3ABCF}"/>
+              </a:ext>
+            </a:extLst>
+          </p:cNvPr>
+          <p:cNvPicPr>
+            <a:picLocks noChangeAspect="1"/>
+          </p:cNvPicPr>
+          <p:nvPr/>
+        </p:nvPicPr>
+        <p:blipFill>
+          <a:blip r:embed="rId2">
+            <a:extLst>
+              <a:ext uri="{28A0092B-C50C-407E-A947-70E740481C1C}">
+                <a14:useLocalDpi xmlns:a14="http://schemas.microsoft.com/office/drawing/2010/main" val="0"/>
+              </a:ext>
+            </a:extLst>
+          </a:blip>
+          <a:srcRect b="10478"/>
+          <a:stretch>
+            <a:fillRect/>
+          </a:stretch>
+        </p:blipFill>
+        <p:spPr>
+          <a:xfrm>
+            <a:off x="0" y="1"/>
+            <a:ext cx="12192000" cy="6858000"/>
+          </a:xfrm>
+          <a:prstGeom prst="rect">
+            <a:avLst/>
+          </a:prstGeom>
+          <a:noFill/>
+        </p:spPr>
+      </p:pic>
+      <p:sp>
+        <p:nvSpPr>
+          <p:cNvPr id="4" name="직사각형 3">
+            <a:extLst>
+              <a:ext uri="{FF2B5EF4-FFF2-40B4-BE49-F238E27FC236}">
+                <a16:creationId xmlns:a16="http://schemas.microsoft.com/office/drawing/2014/main" id="{5008DBD4-2268-84E7-3EEA-DF8679ACB903}"/>
+              </a:ext>
+            </a:extLst>
+          </p:cNvPr>
+          <p:cNvSpPr/>
+          <p:nvPr/>
+        </p:nvSpPr>
+        <p:spPr>
+          <a:xfrm>
+            <a:off x="0" y="0"/>
+            <a:ext cx="12292314" cy="6858000"/>
+          </a:xfrm>
+          <a:prstGeom prst="rect">
+            <a:avLst/>
+          </a:prstGeom>
+          <a:gradFill flip="none" rotWithShape="1">
+            <a:gsLst>
+              <a:gs pos="66000">
+                <a:srgbClr val="2C92D2">
+                  <a:alpha val="90000"/>
+                </a:srgbClr>
+              </a:gs>
+              <a:gs pos="33000">
+                <a:srgbClr val="58A8DB">
+                  <a:alpha val="80000"/>
+                </a:srgbClr>
+              </a:gs>
+              <a:gs pos="0">
+                <a:schemeClr val="accent1">
+                  <a:lumMod val="5000"/>
+                  <a:lumOff val="95000"/>
+                  <a:alpha val="60000"/>
+                </a:schemeClr>
+              </a:gs>
+              <a:gs pos="100000">
+                <a:srgbClr val="007BC8"/>
+              </a:gs>
+            </a:gsLst>
+            <a:lin ang="10800000" scaled="0"/>
+            <a:tileRect/>
+          </a:gradFill>
+          <a:ln>
+            <a:noFill/>
+          </a:ln>
+        </p:spPr>
+        <p:style>
+          <a:lnRef idx="2">
+            <a:schemeClr val="accent1">
+              <a:shade val="15000"/>
+            </a:schemeClr>
+          </a:lnRef>
+          <a:fillRef idx="1">
+            <a:schemeClr val="accent1"/>
+          </a:fillRef>
+          <a:effectRef idx="0">
+            <a:schemeClr val="accent1"/>
+          </a:effectRef>
+          <a:fontRef idx="minor">
+            <a:schemeClr val="lt1"/>
+          </a:fontRef>
+        </p:style>
+        <p:txBody>
+          <a:bodyPr rtlCol="0" anchor="ctr"/>
+          <a:lstStyle/>
+          <a:p>
+            <a:pPr algn="ctr"/>
+            <a:endParaRPr lang="ko-KR" altLang="en-US" dirty="0"/>
+          </a:p>
+        </p:txBody>
+      </p:sp>
+      <p:sp>
+        <p:nvSpPr>
+          <p:cNvPr id="5" name="TextBox 9">
+            <a:extLst>
+              <a:ext uri="{FF2B5EF4-FFF2-40B4-BE49-F238E27FC236}">
+                <a16:creationId xmlns:a16="http://schemas.microsoft.com/office/drawing/2014/main" id="{CBC45045-2AC7-A9F5-0305-B146A21C0833}"/>
+              </a:ext>
+            </a:extLst>
+          </p:cNvPr>
+          <p:cNvSpPr txBox="1"/>
+          <p:nvPr/>
+        </p:nvSpPr>
+        <p:spPr>
+          <a:xfrm>
+            <a:off x="1055688" y="4226050"/>
+            <a:ext cx="7006272" cy="1854710"/>
+          </a:xfrm>
+          <a:prstGeom prst="rect">
+            <a:avLst/>
+          </a:prstGeom>
+        </p:spPr>
+        <p:txBody>
+          <a:bodyPr lIns="0" tIns="135467" rIns="0" bIns="135467" rtlCol="0" anchor="ctr"/>
+          <a:lstStyle/>
+          <a:p>
+            <a:pPr lvl="0" algn="l">
+              <a:lnSpc>
+                <a:spcPct val="99600"/>
+              </a:lnSpc>
+            </a:pPr>
+            <a:r>
+              <a:rPr lang="ko-KR" altLang="en-US" sz="6000" b="0" i="0" u="none" strike="noStrike" spc="107" dirty="0">
+                <a:ln w="25400">
+                  <a:noFill/>
+                </a:ln>
+                <a:solidFill>
+                  <a:schemeClr val="bg1"/>
+                </a:solidFill>
+                <a:latin typeface="구름 산스 700" pitchFamily="2" charset="-127"/>
+                <a:ea typeface="구름 산스 700" pitchFamily="2" charset="-127"/>
+              </a:rPr>
+              <a:t>여러가지 데이터로</a:t>
+            </a:r>
+            <a:endParaRPr lang="en-US" altLang="ko-KR" sz="6000" b="0" i="0" u="none" strike="noStrike" spc="107" dirty="0">
+              <a:ln w="25400">
+                <a:noFill/>
+              </a:ln>
+              <a:solidFill>
+                <a:schemeClr val="bg1"/>
+              </a:solidFill>
+              <a:latin typeface="구름 산스 700" pitchFamily="2" charset="-127"/>
+              <a:ea typeface="구름 산스 700" pitchFamily="2" charset="-127"/>
+            </a:endParaRPr>
+          </a:p>
+          <a:p>
+            <a:pPr lvl="0" algn="l">
+              <a:lnSpc>
+                <a:spcPct val="99600"/>
+              </a:lnSpc>
+            </a:pPr>
+            <a:r>
+              <a:rPr lang="en-US" altLang="ko-KR" sz="6000" spc="107" dirty="0">
+                <a:ln w="25400">
+                  <a:noFill/>
+                </a:ln>
+                <a:solidFill>
+                  <a:schemeClr val="bg1"/>
+                </a:solidFill>
+                <a:latin typeface="구름 산스 700" pitchFamily="2" charset="-127"/>
+                <a:ea typeface="구름 산스 700" pitchFamily="2" charset="-127"/>
+              </a:rPr>
+              <a:t>OCR </a:t>
+            </a:r>
+            <a:r>
+              <a:rPr lang="ko-KR" altLang="en-US" sz="6000" spc="107" dirty="0">
+                <a:ln w="25400">
+                  <a:noFill/>
+                </a:ln>
+                <a:solidFill>
+                  <a:schemeClr val="bg1"/>
+                </a:solidFill>
+                <a:latin typeface="구름 산스 700" pitchFamily="2" charset="-127"/>
+                <a:ea typeface="구름 산스 700" pitchFamily="2" charset="-127"/>
+              </a:rPr>
+              <a:t>해보기</a:t>
+            </a:r>
+            <a:endParaRPr lang="ko-KR" sz="6000" b="0" i="0" u="none" strike="noStrike" spc="107" dirty="0">
+              <a:ln w="25400">
+                <a:noFill/>
+              </a:ln>
+              <a:solidFill>
+                <a:schemeClr val="bg1"/>
+              </a:solidFill>
+              <a:latin typeface="구름 산스 700" pitchFamily="2" charset="-127"/>
+              <a:ea typeface="구름 산스 700" pitchFamily="2" charset="-127"/>
+            </a:endParaRPr>
+          </a:p>
+        </p:txBody>
+      </p:sp>
+      <p:sp>
+        <p:nvSpPr>
+          <p:cNvPr id="6" name="직사각형 5">
+            <a:extLst>
+              <a:ext uri="{FF2B5EF4-FFF2-40B4-BE49-F238E27FC236}">
+                <a16:creationId xmlns:a16="http://schemas.microsoft.com/office/drawing/2014/main" id="{102C81CB-4545-205F-7430-E4C3AF4EC0AF}"/>
+              </a:ext>
+            </a:extLst>
+          </p:cNvPr>
+          <p:cNvSpPr/>
+          <p:nvPr/>
+        </p:nvSpPr>
+        <p:spPr>
+          <a:xfrm>
+            <a:off x="1055687" y="2644170"/>
+            <a:ext cx="1553631" cy="1569660"/>
+          </a:xfrm>
+          <a:prstGeom prst="rect">
+            <a:avLst/>
+          </a:prstGeom>
+          <a:noFill/>
+        </p:spPr>
+        <p:txBody>
+          <a:bodyPr wrap="none" lIns="91440" tIns="45720" rIns="91440" bIns="45720">
+            <a:spAutoFit/>
+          </a:bodyPr>
+          <a:lstStyle/>
+          <a:p>
+            <a:pPr algn="ctr"/>
+            <a:r>
+              <a:rPr lang="en-US" altLang="ko-KR" sz="9600" b="1" dirty="0">
+                <a:ln w="63500">
+                  <a:solidFill>
+                    <a:schemeClr val="bg1"/>
+                  </a:solidFill>
+                  <a:prstDash val="solid"/>
+                </a:ln>
+                <a:solidFill>
+                  <a:srgbClr val="FFFFFF"/>
+                </a:solidFill>
+                <a:effectLst>
+                  <a:outerShdw blurRad="50800" dist="88900" dir="1560000" algn="l" rotWithShape="0">
+                    <a:srgbClr val="002060">
+                      <a:alpha val="40000"/>
+                    </a:srgbClr>
+                  </a:outerShdw>
+                </a:effectLst>
+                <a:latin typeface="Pretendard ExtraBold" panose="020B0600000101010101" charset="-127"/>
+                <a:ea typeface="Pretendard ExtraBold" panose="020B0600000101010101" charset="-127"/>
+                <a:cs typeface="Malgun Gothic Semilight" panose="020B0503020000020004" pitchFamily="34" charset="-127"/>
+              </a:rPr>
+              <a:t>03</a:t>
+            </a:r>
+          </a:p>
+        </p:txBody>
+      </p:sp>
+    </p:spTree>
+    <p:extLst>
+      <p:ext uri="{BB962C8B-B14F-4D97-AF65-F5344CB8AC3E}">
+        <p14:creationId xmlns:p14="http://schemas.microsoft.com/office/powerpoint/2010/main" val="2100492466"/>
+      </p:ext>
+    </p:extLst>
+  </p:cSld>
+  <p:clrMapOvr>
+    <a:masterClrMapping/>
+  </p:clrMapOvr>
+</p:sld>
+</file>
+
+<file path=ppt/slides/slide18.xml><?xml version="1.0" encoding="utf-8"?>
+<p:sld xmlns:a="http://schemas.openxmlformats.org/drawingml/2006/main" xmlns:r="http://schemas.openxmlformats.org/officeDocument/2006/relationships" xmlns:p="http://schemas.openxmlformats.org/presentationml/2006/main">
+  <p:cSld>
+    <p:spTree>
+      <p:nvGrpSpPr>
+        <p:cNvPr id="1" name="">
+          <a:extLst>
+            <a:ext uri="{FF2B5EF4-FFF2-40B4-BE49-F238E27FC236}">
+              <a16:creationId xmlns:a16="http://schemas.microsoft.com/office/drawing/2014/main" id="{17B57CD9-1528-625C-2604-0A310F68E4FB}"/>
+            </a:ext>
+          </a:extLst>
+        </p:cNvPr>
+        <p:cNvGrpSpPr/>
+        <p:nvPr/>
+      </p:nvGrpSpPr>
+      <p:grpSpPr>
+        <a:xfrm>
+          <a:off x="0" y="0"/>
+          <a:ext cx="0" cy="0"/>
+          <a:chOff x="0" y="0"/>
+          <a:chExt cx="0" cy="0"/>
+        </a:xfrm>
+      </p:grpSpPr>
+      <p:sp>
+        <p:nvSpPr>
+          <p:cNvPr id="3" name="슬라이드 번호 개체 틀 2">
+            <a:extLst>
+              <a:ext uri="{FF2B5EF4-FFF2-40B4-BE49-F238E27FC236}">
+                <a16:creationId xmlns:a16="http://schemas.microsoft.com/office/drawing/2014/main" id="{B46A6418-34DB-269F-0547-5C6FF57FEDCD}"/>
+              </a:ext>
+            </a:extLst>
+          </p:cNvPr>
+          <p:cNvSpPr>
+            <a:spLocks noGrp="1"/>
+          </p:cNvSpPr>
+          <p:nvPr>
+            <p:ph type="sldNum" sz="quarter" idx="12"/>
+          </p:nvPr>
+        </p:nvSpPr>
+        <p:spPr/>
+        <p:txBody>
+          <a:bodyPr/>
+          <a:lstStyle/>
+          <a:p>
+            <a:fld id="{C5002163-FFAF-417C-9C20-DC892DFE9806}" type="slidenum">
+              <a:rPr lang="ko-KR" altLang="en-US" smtClean="0"/>
+              <a:t>17</a:t>
+            </a:fld>
+            <a:endParaRPr lang="ko-KR" altLang="en-US"/>
+          </a:p>
+        </p:txBody>
+      </p:sp>
+      <p:grpSp>
+        <p:nvGrpSpPr>
+          <p:cNvPr id="12" name="그룹 11">
+            <a:extLst>
+              <a:ext uri="{FF2B5EF4-FFF2-40B4-BE49-F238E27FC236}">
+                <a16:creationId xmlns:a16="http://schemas.microsoft.com/office/drawing/2014/main" id="{CB9623E8-0ED7-186B-7830-4B0832A98788}"/>
+              </a:ext>
+            </a:extLst>
+          </p:cNvPr>
+          <p:cNvGrpSpPr/>
+          <p:nvPr/>
+        </p:nvGrpSpPr>
+        <p:grpSpPr>
+          <a:xfrm>
+            <a:off x="695325" y="728663"/>
+            <a:ext cx="9001124" cy="936000"/>
+            <a:chOff x="1639161" y="761221"/>
+            <a:chExt cx="9001124" cy="900000"/>
+          </a:xfrm>
+          <a:effectLst>
+            <a:outerShdw blurRad="12700" dist="127000" dir="5400000" algn="t" rotWithShape="0">
+              <a:prstClr val="black">
+                <a:alpha val="10000"/>
+              </a:prstClr>
+            </a:outerShdw>
+          </a:effectLst>
+        </p:grpSpPr>
+        <p:sp>
+          <p:nvSpPr>
+            <p:cNvPr id="4" name="직사각형 3">
+              <a:extLst>
+                <a:ext uri="{FF2B5EF4-FFF2-40B4-BE49-F238E27FC236}">
+                  <a16:creationId xmlns:a16="http://schemas.microsoft.com/office/drawing/2014/main" id="{B65B1FD3-C863-32F4-FA5B-9089ADD9836F}"/>
+                </a:ext>
+              </a:extLst>
+            </p:cNvPr>
+            <p:cNvSpPr/>
+            <p:nvPr/>
+          </p:nvSpPr>
+          <p:spPr>
+            <a:xfrm>
+              <a:off x="1639161" y="761221"/>
+              <a:ext cx="900000" cy="900000"/>
+            </a:xfrm>
+            <a:prstGeom prst="rect">
+              <a:avLst/>
+            </a:prstGeom>
+            <a:solidFill>
+              <a:srgbClr val="007BC8"/>
+            </a:solidFill>
+            <a:ln w="50800">
+              <a:solidFill>
+                <a:schemeClr val="accent1">
+                  <a:shade val="15000"/>
+                </a:schemeClr>
+              </a:solidFill>
+            </a:ln>
+          </p:spPr>
+          <p:style>
+            <a:lnRef idx="2">
+              <a:schemeClr val="accent1">
+                <a:shade val="15000"/>
+              </a:schemeClr>
+            </a:lnRef>
+            <a:fillRef idx="1">
+              <a:schemeClr val="accent1"/>
+            </a:fillRef>
+            <a:effectRef idx="0">
+              <a:schemeClr val="accent1"/>
+            </a:effectRef>
+            <a:fontRef idx="minor">
+              <a:schemeClr val="lt1"/>
+            </a:fontRef>
+          </p:style>
+          <p:txBody>
+            <a:bodyPr rtlCol="0" anchor="ctr"/>
+            <a:lstStyle/>
+            <a:p>
+              <a:pPr algn="ctr"/>
+              <a:endParaRPr lang="ko-KR" altLang="en-US" dirty="0"/>
+            </a:p>
+          </p:txBody>
+        </p:sp>
+        <p:sp>
+          <p:nvSpPr>
+            <p:cNvPr id="10" name="직사각형 9">
+              <a:extLst>
+                <a:ext uri="{FF2B5EF4-FFF2-40B4-BE49-F238E27FC236}">
+                  <a16:creationId xmlns:a16="http://schemas.microsoft.com/office/drawing/2014/main" id="{200E7BBA-798E-AAAA-E82E-86F1FCE83D6B}"/>
+                </a:ext>
+              </a:extLst>
+            </p:cNvPr>
+            <p:cNvSpPr/>
+            <p:nvPr/>
+          </p:nvSpPr>
+          <p:spPr>
+            <a:xfrm>
+              <a:off x="2539160" y="761221"/>
+              <a:ext cx="8101125" cy="900000"/>
+            </a:xfrm>
+            <a:prstGeom prst="rect">
+              <a:avLst/>
+            </a:prstGeom>
+            <a:solidFill>
+              <a:schemeClr val="bg1"/>
+            </a:solidFill>
+            <a:ln w="50800">
+              <a:solidFill>
+                <a:schemeClr val="tx1"/>
+              </a:solidFill>
+            </a:ln>
+          </p:spPr>
+          <p:style>
+            <a:lnRef idx="2">
+              <a:schemeClr val="accent1">
+                <a:shade val="15000"/>
+              </a:schemeClr>
+            </a:lnRef>
+            <a:fillRef idx="1">
+              <a:schemeClr val="accent1"/>
+            </a:fillRef>
+            <a:effectRef idx="0">
+              <a:schemeClr val="accent1"/>
+            </a:effectRef>
+            <a:fontRef idx="minor">
+              <a:schemeClr val="lt1"/>
+            </a:fontRef>
+          </p:style>
+          <p:txBody>
+            <a:bodyPr rtlCol="0" anchor="ctr"/>
+            <a:lstStyle/>
+            <a:p>
+              <a:pPr marL="288000"/>
+              <a:r>
+                <a:rPr lang="ko-KR" altLang="en-US" sz="4000" dirty="0">
+                  <a:solidFill>
+                    <a:schemeClr val="tx1"/>
+                  </a:solidFill>
+                  <a:latin typeface="CookieRun Regular" panose="020B0600000101010101" pitchFamily="50" charset="-127"/>
+                  <a:ea typeface="CookieRun Regular" panose="020B0600000101010101" pitchFamily="50" charset="-127"/>
+                </a:rPr>
+                <a:t>전체 진행 방법</a:t>
+              </a:r>
+            </a:p>
+          </p:txBody>
+        </p:sp>
+      </p:grpSp>
+      <p:grpSp>
+        <p:nvGrpSpPr>
+          <p:cNvPr id="19" name="그룹 18">
+            <a:extLst>
+              <a:ext uri="{FF2B5EF4-FFF2-40B4-BE49-F238E27FC236}">
+                <a16:creationId xmlns:a16="http://schemas.microsoft.com/office/drawing/2014/main" id="{941121C0-0624-1EE0-47BB-906E362A4120}"/>
+              </a:ext>
+            </a:extLst>
+          </p:cNvPr>
+          <p:cNvGrpSpPr/>
+          <p:nvPr/>
+        </p:nvGrpSpPr>
+        <p:grpSpPr>
+          <a:xfrm>
+            <a:off x="1493887" y="2649406"/>
+            <a:ext cx="1746312" cy="2558967"/>
+            <a:chOff x="2211368" y="2383520"/>
+            <a:chExt cx="1746312" cy="2558967"/>
+          </a:xfrm>
+        </p:grpSpPr>
+        <p:sp>
+          <p:nvSpPr>
+            <p:cNvPr id="16" name="다이아몬드 15">
+              <a:extLst>
+                <a:ext uri="{FF2B5EF4-FFF2-40B4-BE49-F238E27FC236}">
+                  <a16:creationId xmlns:a16="http://schemas.microsoft.com/office/drawing/2014/main" id="{2835DA48-93D0-7B65-E916-2490E36449F1}"/>
+                </a:ext>
+              </a:extLst>
+            </p:cNvPr>
+            <p:cNvSpPr/>
+            <p:nvPr/>
+          </p:nvSpPr>
+          <p:spPr>
+            <a:xfrm>
+              <a:off x="2364524" y="2383520"/>
+              <a:ext cx="1440000" cy="1440000"/>
+            </a:xfrm>
+            <a:prstGeom prst="diamond">
+              <a:avLst/>
+            </a:prstGeom>
+            <a:solidFill>
+              <a:schemeClr val="bg1"/>
+            </a:solidFill>
+            <a:ln>
+              <a:noFill/>
+            </a:ln>
+            <a:scene3d>
+              <a:camera prst="orthographicFront">
+                <a:rot lat="18000000" lon="0" rev="0"/>
+              </a:camera>
+              <a:lightRig rig="flat" dir="t"/>
+            </a:scene3d>
+            <a:sp3d extrusionH="952500" contourW="127000" prstMaterial="legacyWireframe">
+              <a:extrusionClr>
+                <a:schemeClr val="bg1"/>
+              </a:extrusionClr>
+              <a:contourClr>
+                <a:srgbClr val="1062BF"/>
+              </a:contourClr>
+            </a:sp3d>
+          </p:spPr>
+          <p:style>
+            <a:lnRef idx="2">
+              <a:schemeClr val="accent1">
+                <a:shade val="15000"/>
+              </a:schemeClr>
+            </a:lnRef>
+            <a:fillRef idx="1">
+              <a:schemeClr val="accent1"/>
+            </a:fillRef>
+            <a:effectRef idx="0">
+              <a:schemeClr val="accent1"/>
+            </a:effectRef>
+            <a:fontRef idx="minor">
+              <a:schemeClr val="lt1"/>
+            </a:fontRef>
+          </p:style>
+          <p:txBody>
+            <a:bodyPr rtlCol="0" anchor="ctr"/>
+            <a:lstStyle/>
+            <a:p>
+              <a:pPr algn="ctr"/>
+              <a:endParaRPr lang="ko-KR" altLang="en-US" dirty="0"/>
+            </a:p>
+          </p:txBody>
+        </p:sp>
+        <p:sp>
+          <p:nvSpPr>
+            <p:cNvPr id="15" name="다이아몬드 14">
+              <a:extLst>
+                <a:ext uri="{FF2B5EF4-FFF2-40B4-BE49-F238E27FC236}">
+                  <a16:creationId xmlns:a16="http://schemas.microsoft.com/office/drawing/2014/main" id="{672050C4-DD14-748F-3E01-6B62B154FC47}"/>
+                </a:ext>
+              </a:extLst>
+            </p:cNvPr>
+            <p:cNvSpPr/>
+            <p:nvPr/>
+          </p:nvSpPr>
+          <p:spPr>
+            <a:xfrm>
+              <a:off x="2724524" y="2934187"/>
+              <a:ext cx="720000" cy="720000"/>
+            </a:xfrm>
+            <a:prstGeom prst="diamond">
+              <a:avLst/>
+            </a:prstGeom>
+            <a:solidFill>
+              <a:schemeClr val="bg1"/>
+            </a:solidFill>
+            <a:ln>
+              <a:noFill/>
+            </a:ln>
+            <a:scene3d>
+              <a:camera prst="orthographicFront">
+                <a:rot lat="18000000" lon="0" rev="0"/>
+              </a:camera>
+              <a:lightRig rig="flat" dir="t"/>
+            </a:scene3d>
+            <a:sp3d extrusionH="508000" contourW="127000" prstMaterial="flat">
+              <a:extrusionClr>
+                <a:schemeClr val="bg1"/>
+              </a:extrusionClr>
+              <a:contourClr>
+                <a:srgbClr val="1062BF"/>
+              </a:contourClr>
+            </a:sp3d>
+          </p:spPr>
+          <p:style>
+            <a:lnRef idx="2">
+              <a:schemeClr val="accent1">
+                <a:shade val="15000"/>
+              </a:schemeClr>
+            </a:lnRef>
+            <a:fillRef idx="1">
+              <a:schemeClr val="accent1"/>
+            </a:fillRef>
+            <a:effectRef idx="0">
+              <a:schemeClr val="accent1"/>
+            </a:effectRef>
+            <a:fontRef idx="minor">
+              <a:schemeClr val="lt1"/>
+            </a:fontRef>
+          </p:style>
+          <p:txBody>
+            <a:bodyPr rtlCol="0" anchor="ctr"/>
+            <a:lstStyle/>
+            <a:p>
+              <a:pPr algn="ctr"/>
+              <a:endParaRPr lang="ko-KR" altLang="en-US" dirty="0"/>
+            </a:p>
+          </p:txBody>
+        </p:sp>
+        <p:sp>
+          <p:nvSpPr>
+            <p:cNvPr id="18" name="TextBox 17">
+              <a:extLst>
+                <a:ext uri="{FF2B5EF4-FFF2-40B4-BE49-F238E27FC236}">
+                  <a16:creationId xmlns:a16="http://schemas.microsoft.com/office/drawing/2014/main" id="{3CA36427-F381-A8A8-57C0-51015EFB7F58}"/>
+                </a:ext>
+              </a:extLst>
+            </p:cNvPr>
+            <p:cNvSpPr txBox="1"/>
+            <p:nvPr/>
+          </p:nvSpPr>
+          <p:spPr>
+            <a:xfrm>
+              <a:off x="2211368" y="4542377"/>
+              <a:ext cx="1746312" cy="400110"/>
+            </a:xfrm>
+            <a:prstGeom prst="rect">
+              <a:avLst/>
+            </a:prstGeom>
+            <a:noFill/>
+          </p:spPr>
+          <p:txBody>
+            <a:bodyPr wrap="none" rtlCol="0">
+              <a:spAutoFit/>
+            </a:bodyPr>
+            <a:lstStyle/>
+            <a:p>
+              <a:r>
+                <a:rPr lang="en-US" altLang="ko-KR" sz="2000" dirty="0" err="1">
+                  <a:latin typeface="구름 산스 700" pitchFamily="2" charset="-127"/>
+                  <a:ea typeface="구름 산스 700" pitchFamily="2" charset="-127"/>
+                </a:rPr>
+                <a:t>PyTesseract</a:t>
+              </a:r>
+              <a:endParaRPr lang="ko-KR" altLang="en-US" sz="2000" dirty="0">
+                <a:latin typeface="구름 산스 700" pitchFamily="2" charset="-127"/>
+                <a:ea typeface="구름 산스 700" pitchFamily="2" charset="-127"/>
+              </a:endParaRPr>
+            </a:p>
+          </p:txBody>
+        </p:sp>
+      </p:grpSp>
+      <p:grpSp>
+        <p:nvGrpSpPr>
+          <p:cNvPr id="23" name="그룹 22">
+            <a:extLst>
+              <a:ext uri="{FF2B5EF4-FFF2-40B4-BE49-F238E27FC236}">
+                <a16:creationId xmlns:a16="http://schemas.microsoft.com/office/drawing/2014/main" id="{72A45973-F4D3-C25A-CDF4-2322758B623B}"/>
+              </a:ext>
+            </a:extLst>
+          </p:cNvPr>
+          <p:cNvGrpSpPr/>
+          <p:nvPr/>
+        </p:nvGrpSpPr>
+        <p:grpSpPr>
+          <a:xfrm>
+            <a:off x="5122930" y="3140292"/>
+            <a:ext cx="1819821" cy="2068081"/>
+            <a:chOff x="10829832" y="1016663"/>
+            <a:chExt cx="1819821" cy="2068081"/>
+          </a:xfrm>
+        </p:grpSpPr>
+        <p:pic>
+          <p:nvPicPr>
+            <p:cNvPr id="21" name="그림 20" descr="텍스트, 스크린샷, 폰트, 그래픽이(가) 표시된 사진&#10;&#10;AI 생성 콘텐츠는 정확하지 않을 수 있습니다.">
+              <a:extLst>
+                <a:ext uri="{FF2B5EF4-FFF2-40B4-BE49-F238E27FC236}">
+                  <a16:creationId xmlns:a16="http://schemas.microsoft.com/office/drawing/2014/main" id="{C6A5F122-620E-E4C0-AF38-40CD8E185896}"/>
+                </a:ext>
+              </a:extLst>
+            </p:cNvPr>
+            <p:cNvPicPr>
+              <a:picLocks noChangeAspect="1"/>
+            </p:cNvPicPr>
+            <p:nvPr/>
+          </p:nvPicPr>
+          <p:blipFill>
+            <a:blip r:embed="rId2">
+              <a:extLst>
+                <a:ext uri="{28A0092B-C50C-407E-A947-70E740481C1C}">
+                  <a14:useLocalDpi xmlns:a14="http://schemas.microsoft.com/office/drawing/2010/main" val="0"/>
+                </a:ext>
+              </a:extLst>
+            </a:blip>
+            <a:srcRect r="79274"/>
+            <a:stretch>
+              <a:fillRect/>
+            </a:stretch>
+          </p:blipFill>
+          <p:spPr>
+            <a:xfrm>
+              <a:off x="10829832" y="1016663"/>
+              <a:ext cx="1819821" cy="1440000"/>
+            </a:xfrm>
+            <a:prstGeom prst="rect">
+              <a:avLst/>
+            </a:prstGeom>
+          </p:spPr>
+        </p:pic>
+        <p:sp>
+          <p:nvSpPr>
+            <p:cNvPr id="22" name="TextBox 21">
+              <a:extLst>
+                <a:ext uri="{FF2B5EF4-FFF2-40B4-BE49-F238E27FC236}">
+                  <a16:creationId xmlns:a16="http://schemas.microsoft.com/office/drawing/2014/main" id="{0A3EF588-99C7-3E71-38B8-F0A3FFF6B860}"/>
+                </a:ext>
+              </a:extLst>
+            </p:cNvPr>
+            <p:cNvSpPr txBox="1"/>
+            <p:nvPr/>
+          </p:nvSpPr>
+          <p:spPr>
+            <a:xfrm>
+              <a:off x="11059108" y="2684634"/>
+              <a:ext cx="1361270" cy="400110"/>
+            </a:xfrm>
+            <a:prstGeom prst="rect">
+              <a:avLst/>
+            </a:prstGeom>
+            <a:noFill/>
+          </p:spPr>
+          <p:txBody>
+            <a:bodyPr wrap="none" rtlCol="0">
+              <a:spAutoFit/>
+            </a:bodyPr>
+            <a:lstStyle/>
+            <a:p>
+              <a:r>
+                <a:rPr lang="en-US" altLang="ko-KR" sz="2000" dirty="0" err="1">
+                  <a:latin typeface="구름 산스 700" pitchFamily="2" charset="-127"/>
+                  <a:ea typeface="구름 산스 700" pitchFamily="2" charset="-127"/>
+                </a:rPr>
+                <a:t>EasyOCR</a:t>
+              </a:r>
+              <a:endParaRPr lang="ko-KR" altLang="en-US" sz="2000" dirty="0">
+                <a:latin typeface="구름 산스 700" pitchFamily="2" charset="-127"/>
+                <a:ea typeface="구름 산스 700" pitchFamily="2" charset="-127"/>
+              </a:endParaRPr>
+            </a:p>
+          </p:txBody>
+        </p:sp>
+      </p:grpSp>
+      <p:grpSp>
+        <p:nvGrpSpPr>
+          <p:cNvPr id="27" name="그룹 26">
+            <a:extLst>
+              <a:ext uri="{FF2B5EF4-FFF2-40B4-BE49-F238E27FC236}">
+                <a16:creationId xmlns:a16="http://schemas.microsoft.com/office/drawing/2014/main" id="{3C8071CF-42CA-9721-951C-C5EA3B3ABD00}"/>
+              </a:ext>
+            </a:extLst>
+          </p:cNvPr>
+          <p:cNvGrpSpPr/>
+          <p:nvPr/>
+        </p:nvGrpSpPr>
+        <p:grpSpPr>
+          <a:xfrm>
+            <a:off x="8825483" y="2960292"/>
+            <a:ext cx="1872629" cy="2448136"/>
+            <a:chOff x="9258747" y="3561517"/>
+            <a:chExt cx="1872629" cy="2448136"/>
+          </a:xfrm>
+        </p:grpSpPr>
+        <p:pic>
+          <p:nvPicPr>
+            <p:cNvPr id="25" name="그림 24" descr="폰트, 스크린샷, 텍스트, 그래픽이(가) 표시된 사진&#10;&#10;AI 생성 콘텐츠는 정확하지 않을 수 있습니다.">
+              <a:extLst>
+                <a:ext uri="{FF2B5EF4-FFF2-40B4-BE49-F238E27FC236}">
+                  <a16:creationId xmlns:a16="http://schemas.microsoft.com/office/drawing/2014/main" id="{7CB054E5-9F95-F1B1-B159-81D588ADC8FA}"/>
+                </a:ext>
+              </a:extLst>
+            </p:cNvPr>
+            <p:cNvPicPr>
+              <a:picLocks noChangeAspect="1"/>
+            </p:cNvPicPr>
+            <p:nvPr/>
+          </p:nvPicPr>
+          <p:blipFill>
+            <a:blip r:embed="rId3">
+              <a:extLst>
+                <a:ext uri="{28A0092B-C50C-407E-A947-70E740481C1C}">
+                  <a14:useLocalDpi xmlns:a14="http://schemas.microsoft.com/office/drawing/2010/main" val="0"/>
+                </a:ext>
+              </a:extLst>
+            </a:blip>
+            <a:stretch>
+              <a:fillRect/>
+            </a:stretch>
+          </p:blipFill>
+          <p:spPr>
+            <a:xfrm>
+              <a:off x="9295063" y="3561517"/>
+              <a:ext cx="1800000" cy="1800000"/>
+            </a:xfrm>
+            <a:prstGeom prst="rect">
+              <a:avLst/>
+            </a:prstGeom>
+          </p:spPr>
+        </p:pic>
+        <p:sp>
+          <p:nvSpPr>
+            <p:cNvPr id="26" name="TextBox 25">
+              <a:extLst>
+                <a:ext uri="{FF2B5EF4-FFF2-40B4-BE49-F238E27FC236}">
+                  <a16:creationId xmlns:a16="http://schemas.microsoft.com/office/drawing/2014/main" id="{03930867-78F9-9DE6-3849-67C3ED304857}"/>
+                </a:ext>
+              </a:extLst>
+            </p:cNvPr>
+            <p:cNvSpPr txBox="1"/>
+            <p:nvPr/>
+          </p:nvSpPr>
+          <p:spPr>
+            <a:xfrm>
+              <a:off x="9258747" y="5609543"/>
+              <a:ext cx="1872629" cy="400110"/>
+            </a:xfrm>
+            <a:prstGeom prst="rect">
+              <a:avLst/>
+            </a:prstGeom>
+            <a:noFill/>
+          </p:spPr>
+          <p:txBody>
+            <a:bodyPr wrap="none" rtlCol="0">
+              <a:spAutoFit/>
+            </a:bodyPr>
+            <a:lstStyle/>
+            <a:p>
+              <a:r>
+                <a:rPr lang="en-US" altLang="ko-KR" sz="2000" dirty="0">
+                  <a:latin typeface="구름 산스 700" pitchFamily="2" charset="-127"/>
+                  <a:ea typeface="구름 산스 700" pitchFamily="2" charset="-127"/>
+                </a:rPr>
+                <a:t>Unstructured</a:t>
+              </a:r>
+              <a:endParaRPr lang="ko-KR" altLang="en-US" sz="2000" dirty="0">
+                <a:latin typeface="구름 산스 700" pitchFamily="2" charset="-127"/>
+                <a:ea typeface="구름 산스 700" pitchFamily="2" charset="-127"/>
+              </a:endParaRPr>
+            </a:p>
+          </p:txBody>
+        </p:sp>
+      </p:grpSp>
+    </p:spTree>
+    <p:extLst>
+      <p:ext uri="{BB962C8B-B14F-4D97-AF65-F5344CB8AC3E}">
+        <p14:creationId xmlns:p14="http://schemas.microsoft.com/office/powerpoint/2010/main" val="4060056693"/>
+      </p:ext>
+    </p:extLst>
+  </p:cSld>
+  <p:clrMapOvr>
+    <a:masterClrMapping/>
+  </p:clrMapOvr>
+</p:sld>
+</file>
+
+<file path=ppt/slides/slide19.xml><?xml version="1.0" encoding="utf-8"?>
+<p:sld xmlns:a="http://schemas.openxmlformats.org/drawingml/2006/main" xmlns:r="http://schemas.openxmlformats.org/officeDocument/2006/relationships" xmlns:p="http://schemas.openxmlformats.org/presentationml/2006/main">
+  <p:cSld>
+    <p:spTree>
+      <p:nvGrpSpPr>
+        <p:cNvPr id="1" name="">
+          <a:extLst>
+            <a:ext uri="{FF2B5EF4-FFF2-40B4-BE49-F238E27FC236}">
+              <a16:creationId xmlns:a16="http://schemas.microsoft.com/office/drawing/2014/main" id="{CE4D47B7-E26A-6EF3-5711-FED507333DDE}"/>
+            </a:ext>
+          </a:extLst>
+        </p:cNvPr>
+        <p:cNvGrpSpPr/>
+        <p:nvPr/>
+      </p:nvGrpSpPr>
+      <p:grpSpPr>
+        <a:xfrm>
+          <a:off x="0" y="0"/>
+          <a:ext cx="0" cy="0"/>
+          <a:chOff x="0" y="0"/>
+          <a:chExt cx="0" cy="0"/>
+        </a:xfrm>
+      </p:grpSpPr>
+      <p:sp>
+        <p:nvSpPr>
+          <p:cNvPr id="3" name="슬라이드 번호 개체 틀 2">
+            <a:extLst>
+              <a:ext uri="{FF2B5EF4-FFF2-40B4-BE49-F238E27FC236}">
+                <a16:creationId xmlns:a16="http://schemas.microsoft.com/office/drawing/2014/main" id="{CA0999BD-119B-BA8B-DC50-C057A32E3E1D}"/>
+              </a:ext>
+            </a:extLst>
+          </p:cNvPr>
+          <p:cNvSpPr>
+            <a:spLocks noGrp="1"/>
+          </p:cNvSpPr>
+          <p:nvPr>
+            <p:ph type="sldNum" sz="quarter" idx="12"/>
+          </p:nvPr>
+        </p:nvSpPr>
+        <p:spPr/>
+        <p:txBody>
+          <a:bodyPr/>
+          <a:lstStyle/>
+          <a:p>
+            <a:fld id="{C5002163-FFAF-417C-9C20-DC892DFE9806}" type="slidenum">
+              <a:rPr lang="ko-KR" altLang="en-US" smtClean="0"/>
+              <a:t>18</a:t>
+            </a:fld>
+            <a:endParaRPr lang="ko-KR" altLang="en-US"/>
+          </a:p>
+        </p:txBody>
+      </p:sp>
+      <p:grpSp>
+        <p:nvGrpSpPr>
+          <p:cNvPr id="12" name="그룹 11">
+            <a:extLst>
+              <a:ext uri="{FF2B5EF4-FFF2-40B4-BE49-F238E27FC236}">
+                <a16:creationId xmlns:a16="http://schemas.microsoft.com/office/drawing/2014/main" id="{1AA22908-CB9C-85FB-82DD-675367205CBC}"/>
+              </a:ext>
+            </a:extLst>
+          </p:cNvPr>
+          <p:cNvGrpSpPr/>
+          <p:nvPr/>
+        </p:nvGrpSpPr>
+        <p:grpSpPr>
+          <a:xfrm>
+            <a:off x="695325" y="728663"/>
+            <a:ext cx="9001124" cy="936000"/>
+            <a:chOff x="1639161" y="761221"/>
+            <a:chExt cx="9001124" cy="900000"/>
+          </a:xfrm>
+          <a:effectLst>
+            <a:outerShdw blurRad="12700" dist="127000" dir="5400000" algn="t" rotWithShape="0">
+              <a:prstClr val="black">
+                <a:alpha val="10000"/>
+              </a:prstClr>
+            </a:outerShdw>
+          </a:effectLst>
+        </p:grpSpPr>
+        <p:sp>
+          <p:nvSpPr>
+            <p:cNvPr id="4" name="직사각형 3">
+              <a:extLst>
+                <a:ext uri="{FF2B5EF4-FFF2-40B4-BE49-F238E27FC236}">
+                  <a16:creationId xmlns:a16="http://schemas.microsoft.com/office/drawing/2014/main" id="{F59A2B15-CAF1-10BD-F2E7-FB0556F74916}"/>
+                </a:ext>
+              </a:extLst>
+            </p:cNvPr>
+            <p:cNvSpPr/>
+            <p:nvPr/>
+          </p:nvSpPr>
+          <p:spPr>
+            <a:xfrm>
+              <a:off x="1639161" y="761221"/>
+              <a:ext cx="900000" cy="900000"/>
+            </a:xfrm>
+            <a:prstGeom prst="rect">
+              <a:avLst/>
+            </a:prstGeom>
+            <a:solidFill>
+              <a:srgbClr val="007BC8"/>
+            </a:solidFill>
+            <a:ln w="50800">
+              <a:solidFill>
+                <a:schemeClr val="accent1">
+                  <a:shade val="15000"/>
+                </a:schemeClr>
+              </a:solidFill>
+            </a:ln>
+          </p:spPr>
+          <p:style>
+            <a:lnRef idx="2">
+              <a:schemeClr val="accent1">
+                <a:shade val="15000"/>
+              </a:schemeClr>
+            </a:lnRef>
+            <a:fillRef idx="1">
+              <a:schemeClr val="accent1"/>
+            </a:fillRef>
+            <a:effectRef idx="0">
+              <a:schemeClr val="accent1"/>
+            </a:effectRef>
+            <a:fontRef idx="minor">
+              <a:schemeClr val="lt1"/>
+            </a:fontRef>
+          </p:style>
+          <p:txBody>
+            <a:bodyPr rtlCol="0" anchor="ctr"/>
+            <a:lstStyle/>
+            <a:p>
+              <a:pPr algn="ctr"/>
+              <a:endParaRPr lang="ko-KR" altLang="en-US" dirty="0"/>
+            </a:p>
+          </p:txBody>
+        </p:sp>
+        <p:sp>
+          <p:nvSpPr>
+            <p:cNvPr id="10" name="직사각형 9">
+              <a:extLst>
+                <a:ext uri="{FF2B5EF4-FFF2-40B4-BE49-F238E27FC236}">
+                  <a16:creationId xmlns:a16="http://schemas.microsoft.com/office/drawing/2014/main" id="{4854B3D4-4942-621D-1178-6EA3B56A332F}"/>
+                </a:ext>
+              </a:extLst>
+            </p:cNvPr>
+            <p:cNvSpPr/>
+            <p:nvPr/>
+          </p:nvSpPr>
+          <p:spPr>
+            <a:xfrm>
+              <a:off x="2539160" y="761221"/>
+              <a:ext cx="8101125" cy="900000"/>
+            </a:xfrm>
+            <a:prstGeom prst="rect">
+              <a:avLst/>
+            </a:prstGeom>
+            <a:solidFill>
+              <a:schemeClr val="bg1"/>
+            </a:solidFill>
+            <a:ln w="50800">
+              <a:solidFill>
+                <a:schemeClr val="tx1"/>
+              </a:solidFill>
+            </a:ln>
+          </p:spPr>
+          <p:style>
+            <a:lnRef idx="2">
+              <a:schemeClr val="accent1">
+                <a:shade val="15000"/>
+              </a:schemeClr>
+            </a:lnRef>
+            <a:fillRef idx="1">
+              <a:schemeClr val="accent1"/>
+            </a:fillRef>
+            <a:effectRef idx="0">
+              <a:schemeClr val="accent1"/>
+            </a:effectRef>
+            <a:fontRef idx="minor">
+              <a:schemeClr val="lt1"/>
+            </a:fontRef>
+          </p:style>
+          <p:txBody>
+            <a:bodyPr rtlCol="0" anchor="ctr"/>
+            <a:lstStyle/>
+            <a:p>
+              <a:pPr marL="288000"/>
+              <a:r>
+                <a:rPr lang="en-US" altLang="ko-KR" sz="4000" dirty="0" err="1">
+                  <a:solidFill>
+                    <a:schemeClr val="tx1"/>
+                  </a:solidFill>
+                  <a:latin typeface="구름 산스 700" pitchFamily="2" charset="-127"/>
+                  <a:ea typeface="구름 산스 700" pitchFamily="2" charset="-127"/>
+                </a:rPr>
+                <a:t>PyTesseract</a:t>
+              </a:r>
+              <a:endParaRPr lang="ko-KR" altLang="en-US" sz="4000" dirty="0">
+                <a:solidFill>
+                  <a:schemeClr val="tx1"/>
+                </a:solidFill>
+                <a:latin typeface="구름 산스 700" pitchFamily="2" charset="-127"/>
+                <a:ea typeface="구름 산스 700" pitchFamily="2" charset="-127"/>
+              </a:endParaRPr>
+            </a:p>
+          </p:txBody>
+        </p:sp>
+      </p:grpSp>
+      <p:grpSp>
+        <p:nvGrpSpPr>
+          <p:cNvPr id="19" name="그룹 18">
+            <a:extLst>
+              <a:ext uri="{FF2B5EF4-FFF2-40B4-BE49-F238E27FC236}">
+                <a16:creationId xmlns:a16="http://schemas.microsoft.com/office/drawing/2014/main" id="{2B463E43-5F11-133E-1712-A78E704A448F}"/>
+              </a:ext>
+            </a:extLst>
+          </p:cNvPr>
+          <p:cNvGrpSpPr/>
+          <p:nvPr/>
+        </p:nvGrpSpPr>
+        <p:grpSpPr>
+          <a:xfrm>
+            <a:off x="1493887" y="2649406"/>
+            <a:ext cx="1746312" cy="2558967"/>
+            <a:chOff x="2211368" y="2383520"/>
+            <a:chExt cx="1746312" cy="2558967"/>
+          </a:xfrm>
+        </p:grpSpPr>
+        <p:sp>
+          <p:nvSpPr>
+            <p:cNvPr id="16" name="다이아몬드 15">
+              <a:extLst>
+                <a:ext uri="{FF2B5EF4-FFF2-40B4-BE49-F238E27FC236}">
+                  <a16:creationId xmlns:a16="http://schemas.microsoft.com/office/drawing/2014/main" id="{92F68EC8-AA82-F126-3995-45BF068B1CA4}"/>
+                </a:ext>
+              </a:extLst>
+            </p:cNvPr>
+            <p:cNvSpPr/>
+            <p:nvPr/>
+          </p:nvSpPr>
+          <p:spPr>
+            <a:xfrm>
+              <a:off x="2364524" y="2383520"/>
+              <a:ext cx="1440000" cy="1440000"/>
+            </a:xfrm>
+            <a:prstGeom prst="diamond">
+              <a:avLst/>
+            </a:prstGeom>
+            <a:solidFill>
+              <a:schemeClr val="bg1"/>
+            </a:solidFill>
+            <a:ln>
+              <a:noFill/>
+            </a:ln>
+            <a:scene3d>
+              <a:camera prst="orthographicFront">
+                <a:rot lat="18000000" lon="0" rev="0"/>
+              </a:camera>
+              <a:lightRig rig="flat" dir="t"/>
+            </a:scene3d>
+            <a:sp3d extrusionH="952500" contourW="127000" prstMaterial="legacyWireframe">
+              <a:extrusionClr>
+                <a:schemeClr val="bg1"/>
+              </a:extrusionClr>
+              <a:contourClr>
+                <a:srgbClr val="1062BF"/>
+              </a:contourClr>
+            </a:sp3d>
+          </p:spPr>
+          <p:style>
+            <a:lnRef idx="2">
+              <a:schemeClr val="accent1">
+                <a:shade val="15000"/>
+              </a:schemeClr>
+            </a:lnRef>
+            <a:fillRef idx="1">
+              <a:schemeClr val="accent1"/>
+            </a:fillRef>
+            <a:effectRef idx="0">
+              <a:schemeClr val="accent1"/>
+            </a:effectRef>
+            <a:fontRef idx="minor">
+              <a:schemeClr val="lt1"/>
+            </a:fontRef>
+          </p:style>
+          <p:txBody>
+            <a:bodyPr rtlCol="0" anchor="ctr"/>
+            <a:lstStyle/>
+            <a:p>
+              <a:pPr algn="ctr"/>
+              <a:endParaRPr lang="ko-KR" altLang="en-US" dirty="0"/>
+            </a:p>
+          </p:txBody>
+        </p:sp>
+        <p:sp>
+          <p:nvSpPr>
+            <p:cNvPr id="15" name="다이아몬드 14">
+              <a:extLst>
+                <a:ext uri="{FF2B5EF4-FFF2-40B4-BE49-F238E27FC236}">
+                  <a16:creationId xmlns:a16="http://schemas.microsoft.com/office/drawing/2014/main" id="{7A25453E-4F3E-4761-0773-7D7032D5E795}"/>
+                </a:ext>
+              </a:extLst>
+            </p:cNvPr>
+            <p:cNvSpPr/>
+            <p:nvPr/>
+          </p:nvSpPr>
+          <p:spPr>
+            <a:xfrm>
+              <a:off x="2724524" y="2934187"/>
+              <a:ext cx="720000" cy="720000"/>
+            </a:xfrm>
+            <a:prstGeom prst="diamond">
+              <a:avLst/>
+            </a:prstGeom>
+            <a:solidFill>
+              <a:schemeClr val="bg1"/>
+            </a:solidFill>
+            <a:ln>
+              <a:noFill/>
+            </a:ln>
+            <a:scene3d>
+              <a:camera prst="orthographicFront">
+                <a:rot lat="18000000" lon="0" rev="0"/>
+              </a:camera>
+              <a:lightRig rig="flat" dir="t"/>
+            </a:scene3d>
+            <a:sp3d extrusionH="508000" contourW="127000" prstMaterial="flat">
+              <a:extrusionClr>
+                <a:schemeClr val="bg1"/>
+              </a:extrusionClr>
+              <a:contourClr>
+                <a:srgbClr val="1062BF"/>
+              </a:contourClr>
+            </a:sp3d>
+          </p:spPr>
+          <p:style>
+            <a:lnRef idx="2">
+              <a:schemeClr val="accent1">
+                <a:shade val="15000"/>
+              </a:schemeClr>
+            </a:lnRef>
+            <a:fillRef idx="1">
+              <a:schemeClr val="accent1"/>
+            </a:fillRef>
+            <a:effectRef idx="0">
+              <a:schemeClr val="accent1"/>
+            </a:effectRef>
+            <a:fontRef idx="minor">
+              <a:schemeClr val="lt1"/>
+            </a:fontRef>
+          </p:style>
+          <p:txBody>
+            <a:bodyPr rtlCol="0" anchor="ctr"/>
+            <a:lstStyle/>
+            <a:p>
+              <a:pPr algn="ctr"/>
+              <a:endParaRPr lang="ko-KR" altLang="en-US" dirty="0"/>
+            </a:p>
+          </p:txBody>
+        </p:sp>
+        <p:sp>
+          <p:nvSpPr>
+            <p:cNvPr id="18" name="TextBox 17">
+              <a:extLst>
+                <a:ext uri="{FF2B5EF4-FFF2-40B4-BE49-F238E27FC236}">
+                  <a16:creationId xmlns:a16="http://schemas.microsoft.com/office/drawing/2014/main" id="{37262FCC-AE5C-C1D2-314A-D48C3A06DD86}"/>
+                </a:ext>
+              </a:extLst>
+            </p:cNvPr>
+            <p:cNvSpPr txBox="1"/>
+            <p:nvPr/>
+          </p:nvSpPr>
+          <p:spPr>
+            <a:xfrm>
+              <a:off x="2211368" y="4542377"/>
+              <a:ext cx="1746312" cy="400110"/>
+            </a:xfrm>
+            <a:prstGeom prst="rect">
+              <a:avLst/>
+            </a:prstGeom>
+            <a:noFill/>
+          </p:spPr>
+          <p:txBody>
+            <a:bodyPr wrap="none" rtlCol="0">
+              <a:spAutoFit/>
+            </a:bodyPr>
+            <a:lstStyle/>
+            <a:p>
+              <a:r>
+                <a:rPr lang="en-US" altLang="ko-KR" sz="2000" dirty="0" err="1">
+                  <a:latin typeface="구름 산스 700" pitchFamily="2" charset="-127"/>
+                  <a:ea typeface="구름 산스 700" pitchFamily="2" charset="-127"/>
+                </a:rPr>
+                <a:t>PyTesseract</a:t>
+              </a:r>
+              <a:endParaRPr lang="ko-KR" altLang="en-US" sz="2000" dirty="0">
+                <a:latin typeface="구름 산스 700" pitchFamily="2" charset="-127"/>
+                <a:ea typeface="구름 산스 700" pitchFamily="2" charset="-127"/>
+              </a:endParaRPr>
+            </a:p>
+          </p:txBody>
+        </p:sp>
+      </p:grpSp>
+      <p:grpSp>
+        <p:nvGrpSpPr>
+          <p:cNvPr id="23" name="그룹 22">
+            <a:extLst>
+              <a:ext uri="{FF2B5EF4-FFF2-40B4-BE49-F238E27FC236}">
+                <a16:creationId xmlns:a16="http://schemas.microsoft.com/office/drawing/2014/main" id="{FDEE7864-78C3-D7C3-D214-993DB30B68D3}"/>
+              </a:ext>
+            </a:extLst>
+          </p:cNvPr>
+          <p:cNvGrpSpPr/>
+          <p:nvPr/>
+        </p:nvGrpSpPr>
+        <p:grpSpPr>
+          <a:xfrm>
+            <a:off x="5122930" y="3140292"/>
+            <a:ext cx="1819821" cy="2068081"/>
+            <a:chOff x="10829832" y="1016663"/>
+            <a:chExt cx="1819821" cy="2068081"/>
+          </a:xfrm>
+        </p:grpSpPr>
+        <p:pic>
+          <p:nvPicPr>
+            <p:cNvPr id="21" name="그림 20" descr="텍스트, 스크린샷, 폰트, 그래픽이(가) 표시된 사진&#10;&#10;AI 생성 콘텐츠는 정확하지 않을 수 있습니다.">
+              <a:extLst>
+                <a:ext uri="{FF2B5EF4-FFF2-40B4-BE49-F238E27FC236}">
+                  <a16:creationId xmlns:a16="http://schemas.microsoft.com/office/drawing/2014/main" id="{087899F2-C6F3-BD5C-E7BA-AC67F5420092}"/>
+                </a:ext>
+              </a:extLst>
+            </p:cNvPr>
+            <p:cNvPicPr>
+              <a:picLocks noChangeAspect="1"/>
+            </p:cNvPicPr>
+            <p:nvPr/>
+          </p:nvPicPr>
+          <p:blipFill>
+            <a:blip r:embed="rId2">
+              <a:extLst>
+                <a:ext uri="{28A0092B-C50C-407E-A947-70E740481C1C}">
+                  <a14:useLocalDpi xmlns:a14="http://schemas.microsoft.com/office/drawing/2010/main" val="0"/>
+                </a:ext>
+              </a:extLst>
+            </a:blip>
+            <a:srcRect r="79274"/>
+            <a:stretch>
+              <a:fillRect/>
+            </a:stretch>
+          </p:blipFill>
+          <p:spPr>
+            <a:xfrm>
+              <a:off x="10829832" y="1016663"/>
+              <a:ext cx="1819821" cy="1440000"/>
+            </a:xfrm>
+            <a:prstGeom prst="rect">
+              <a:avLst/>
+            </a:prstGeom>
+          </p:spPr>
+        </p:pic>
+        <p:sp>
+          <p:nvSpPr>
+            <p:cNvPr id="22" name="TextBox 21">
+              <a:extLst>
+                <a:ext uri="{FF2B5EF4-FFF2-40B4-BE49-F238E27FC236}">
+                  <a16:creationId xmlns:a16="http://schemas.microsoft.com/office/drawing/2014/main" id="{F39D40EC-F6D9-F8C0-47B1-EF0B77DFA022}"/>
+                </a:ext>
+              </a:extLst>
+            </p:cNvPr>
+            <p:cNvSpPr txBox="1"/>
+            <p:nvPr/>
+          </p:nvSpPr>
+          <p:spPr>
+            <a:xfrm>
+              <a:off x="11059108" y="2684634"/>
+              <a:ext cx="1361270" cy="400110"/>
+            </a:xfrm>
+            <a:prstGeom prst="rect">
+              <a:avLst/>
+            </a:prstGeom>
+            <a:noFill/>
+          </p:spPr>
+          <p:txBody>
+            <a:bodyPr wrap="none" rtlCol="0">
+              <a:spAutoFit/>
+            </a:bodyPr>
+            <a:lstStyle/>
+            <a:p>
+              <a:r>
+                <a:rPr lang="en-US" altLang="ko-KR" sz="2000" dirty="0" err="1">
+                  <a:latin typeface="구름 산스 700" pitchFamily="2" charset="-127"/>
+                  <a:ea typeface="구름 산스 700" pitchFamily="2" charset="-127"/>
+                </a:rPr>
+                <a:t>EasyOCR</a:t>
+              </a:r>
+              <a:endParaRPr lang="ko-KR" altLang="en-US" sz="2000" dirty="0">
+                <a:latin typeface="구름 산스 700" pitchFamily="2" charset="-127"/>
+                <a:ea typeface="구름 산스 700" pitchFamily="2" charset="-127"/>
+              </a:endParaRPr>
+            </a:p>
+          </p:txBody>
+        </p:sp>
+      </p:grpSp>
+      <p:grpSp>
+        <p:nvGrpSpPr>
+          <p:cNvPr id="27" name="그룹 26">
+            <a:extLst>
+              <a:ext uri="{FF2B5EF4-FFF2-40B4-BE49-F238E27FC236}">
+                <a16:creationId xmlns:a16="http://schemas.microsoft.com/office/drawing/2014/main" id="{E749E254-36CB-F47A-909D-70CD80EF0438}"/>
+              </a:ext>
+            </a:extLst>
+          </p:cNvPr>
+          <p:cNvGrpSpPr/>
+          <p:nvPr/>
+        </p:nvGrpSpPr>
+        <p:grpSpPr>
+          <a:xfrm>
+            <a:off x="8825483" y="2960292"/>
+            <a:ext cx="1872629" cy="2448136"/>
+            <a:chOff x="9258747" y="3561517"/>
+            <a:chExt cx="1872629" cy="2448136"/>
+          </a:xfrm>
+        </p:grpSpPr>
+        <p:pic>
+          <p:nvPicPr>
+            <p:cNvPr id="25" name="그림 24" descr="폰트, 스크린샷, 텍스트, 그래픽이(가) 표시된 사진&#10;&#10;AI 생성 콘텐츠는 정확하지 않을 수 있습니다.">
+              <a:extLst>
+                <a:ext uri="{FF2B5EF4-FFF2-40B4-BE49-F238E27FC236}">
+                  <a16:creationId xmlns:a16="http://schemas.microsoft.com/office/drawing/2014/main" id="{2024C6DB-481B-9826-0A8E-4BE1B4119E3F}"/>
+                </a:ext>
+              </a:extLst>
+            </p:cNvPr>
+            <p:cNvPicPr>
+              <a:picLocks noChangeAspect="1"/>
+            </p:cNvPicPr>
+            <p:nvPr/>
+          </p:nvPicPr>
+          <p:blipFill>
+            <a:blip r:embed="rId3">
+              <a:extLst>
+                <a:ext uri="{28A0092B-C50C-407E-A947-70E740481C1C}">
+                  <a14:useLocalDpi xmlns:a14="http://schemas.microsoft.com/office/drawing/2010/main" val="0"/>
+                </a:ext>
+              </a:extLst>
+            </a:blip>
+            <a:stretch>
+              <a:fillRect/>
+            </a:stretch>
+          </p:blipFill>
+          <p:spPr>
+            <a:xfrm>
+              <a:off x="9295063" y="3561517"/>
+              <a:ext cx="1800000" cy="1800000"/>
+            </a:xfrm>
+            <a:prstGeom prst="rect">
+              <a:avLst/>
+            </a:prstGeom>
+          </p:spPr>
+        </p:pic>
+        <p:sp>
+          <p:nvSpPr>
+            <p:cNvPr id="26" name="TextBox 25">
+              <a:extLst>
+                <a:ext uri="{FF2B5EF4-FFF2-40B4-BE49-F238E27FC236}">
+                  <a16:creationId xmlns:a16="http://schemas.microsoft.com/office/drawing/2014/main" id="{C74A615D-73C3-A747-9858-33C815DC8526}"/>
+                </a:ext>
+              </a:extLst>
+            </p:cNvPr>
+            <p:cNvSpPr txBox="1"/>
+            <p:nvPr/>
+          </p:nvSpPr>
+          <p:spPr>
+            <a:xfrm>
+              <a:off x="9258747" y="5609543"/>
+              <a:ext cx="1872629" cy="400110"/>
+            </a:xfrm>
+            <a:prstGeom prst="rect">
+              <a:avLst/>
+            </a:prstGeom>
+            <a:noFill/>
+          </p:spPr>
+          <p:txBody>
+            <a:bodyPr wrap="none" rtlCol="0">
+              <a:spAutoFit/>
+            </a:bodyPr>
+            <a:lstStyle/>
+            <a:p>
+              <a:r>
+                <a:rPr lang="en-US" altLang="ko-KR" sz="2000" dirty="0">
+                  <a:latin typeface="구름 산스 700" pitchFamily="2" charset="-127"/>
+                  <a:ea typeface="구름 산스 700" pitchFamily="2" charset="-127"/>
+                </a:rPr>
+                <a:t>Unstructured</a:t>
+              </a:r>
+              <a:endParaRPr lang="ko-KR" altLang="en-US" sz="2000" dirty="0">
+                <a:latin typeface="구름 산스 700" pitchFamily="2" charset="-127"/>
+                <a:ea typeface="구름 산스 700" pitchFamily="2" charset="-127"/>
+              </a:endParaRPr>
+            </a:p>
+          </p:txBody>
+        </p:sp>
+      </p:grpSp>
+      <p:sp>
+        <p:nvSpPr>
+          <p:cNvPr id="2" name="직사각형 1">
+            <a:extLst>
+              <a:ext uri="{FF2B5EF4-FFF2-40B4-BE49-F238E27FC236}">
+                <a16:creationId xmlns:a16="http://schemas.microsoft.com/office/drawing/2014/main" id="{B945C839-2885-6B6E-07A3-26CF241AC7C3}"/>
+              </a:ext>
+            </a:extLst>
+          </p:cNvPr>
+          <p:cNvSpPr/>
+          <p:nvPr/>
+        </p:nvSpPr>
+        <p:spPr>
+          <a:xfrm>
+            <a:off x="1196260" y="2426203"/>
+            <a:ext cx="2341566" cy="3233817"/>
+          </a:xfrm>
+          <a:prstGeom prst="rect">
+            <a:avLst/>
+          </a:prstGeom>
+          <a:noFill/>
+          <a:ln w="127000">
+            <a:solidFill>
+              <a:srgbClr val="1062BF"/>
+            </a:solidFill>
+          </a:ln>
+        </p:spPr>
+        <p:style>
+          <a:lnRef idx="2">
+            <a:schemeClr val="accent1">
+              <a:shade val="15000"/>
+            </a:schemeClr>
+          </a:lnRef>
+          <a:fillRef idx="1">
+            <a:schemeClr val="accent1"/>
+          </a:fillRef>
+          <a:effectRef idx="0">
+            <a:schemeClr val="accent1"/>
+          </a:effectRef>
+          <a:fontRef idx="minor">
+            <a:schemeClr val="lt1"/>
+          </a:fontRef>
+        </p:style>
+        <p:txBody>
+          <a:bodyPr rtlCol="0" anchor="ctr"/>
+          <a:lstStyle/>
+          <a:p>
+            <a:pPr algn="ctr"/>
+            <a:endParaRPr lang="ko-KR" altLang="en-US"/>
+          </a:p>
+        </p:txBody>
+      </p:sp>
+    </p:spTree>
+    <p:extLst>
+      <p:ext uri="{BB962C8B-B14F-4D97-AF65-F5344CB8AC3E}">
+        <p14:creationId xmlns:p14="http://schemas.microsoft.com/office/powerpoint/2010/main" val="1584495293"/>
+      </p:ext>
+    </p:extLst>
+  </p:cSld>
+  <p:clrMapOvr>
+    <a:masterClrMapping/>
+  </p:clrMapOvr>
+</p:sld>
+</file>
+
 <file path=ppt/slides/slide2.xml><?xml version="1.0" encoding="utf-8"?>
 <p:sld xmlns:a="http://schemas.openxmlformats.org/drawingml/2006/main" xmlns:r="http://schemas.openxmlformats.org/officeDocument/2006/relationships" xmlns:p="http://schemas.openxmlformats.org/presentationml/2006/main">
   <p:cSld>
@@ -4351,12 +7530,55 @@
           </a:p>
         </p:txBody>
       </p:sp>
+      <p:sp>
+        <p:nvSpPr>
+          <p:cNvPr id="35" name="TextBox 13">
+            <a:extLst>
+              <a:ext uri="{FF2B5EF4-FFF2-40B4-BE49-F238E27FC236}">
+                <a16:creationId xmlns:a16="http://schemas.microsoft.com/office/drawing/2014/main" id="{8143C093-A138-144A-3CB1-BCC1C958E4DF}"/>
+              </a:ext>
+            </a:extLst>
+          </p:cNvPr>
+          <p:cNvSpPr txBox="1"/>
+          <p:nvPr/>
+        </p:nvSpPr>
+        <p:spPr>
+          <a:xfrm>
+            <a:off x="1045576" y="890709"/>
+            <a:ext cx="1631950" cy="850446"/>
+          </a:xfrm>
+          <a:prstGeom prst="rect">
+            <a:avLst/>
+          </a:prstGeom>
+        </p:spPr>
+        <p:txBody>
+          <a:bodyPr lIns="0" tIns="135467" rIns="0" bIns="135467" rtlCol="0" anchor="ctr"/>
+          <a:lstStyle/>
+          <a:p>
+            <a:pPr lvl="0" algn="l">
+              <a:lnSpc>
+                <a:spcPct val="99600"/>
+              </a:lnSpc>
+            </a:pPr>
+            <a:r>
+              <a:rPr lang="en" sz="6000" b="0" i="0" u="none" strike="noStrike" spc="107" dirty="0">
+                <a:solidFill>
+                  <a:srgbClr val="000000"/>
+                </a:solidFill>
+                <a:latin typeface="CookieRun Regular" panose="020B0600000101010101" pitchFamily="50" charset="-127"/>
+                <a:ea typeface="CookieRun Regular" panose="020B0600000101010101" pitchFamily="50" charset="-127"/>
+              </a:rPr>
+              <a:t>목차</a:t>
+            </a:r>
+          </a:p>
+        </p:txBody>
+      </p:sp>
       <p:grpSp>
         <p:nvGrpSpPr>
-          <p:cNvPr id="61" name="그룹 60">
-            <a:extLst>
-              <a:ext uri="{FF2B5EF4-FFF2-40B4-BE49-F238E27FC236}">
-                <a16:creationId xmlns:a16="http://schemas.microsoft.com/office/drawing/2014/main" id="{31C27747-CC8A-9A69-D9D7-BEEB196BFF4F}"/>
+          <p:cNvPr id="45" name="그룹 44">
+            <a:extLst>
+              <a:ext uri="{FF2B5EF4-FFF2-40B4-BE49-F238E27FC236}">
+                <a16:creationId xmlns:a16="http://schemas.microsoft.com/office/drawing/2014/main" id="{B91632CE-8FD4-DE3B-227F-8534D6B86B25}"/>
               </a:ext>
             </a:extLst>
           </p:cNvPr>
@@ -4365,117 +7587,8 @@
         </p:nvGrpSpPr>
         <p:grpSpPr>
           <a:xfrm>
-            <a:off x="1132881" y="615437"/>
-            <a:ext cx="1631950" cy="1269546"/>
-            <a:chOff x="996950" y="1038225"/>
-            <a:chExt cx="1631950" cy="1269546"/>
-          </a:xfrm>
-        </p:grpSpPr>
-        <p:sp>
-          <p:nvSpPr>
-            <p:cNvPr id="35" name="TextBox 13">
-              <a:extLst>
-                <a:ext uri="{FF2B5EF4-FFF2-40B4-BE49-F238E27FC236}">
-                  <a16:creationId xmlns:a16="http://schemas.microsoft.com/office/drawing/2014/main" id="{8143C093-A138-144A-3CB1-BCC1C958E4DF}"/>
-                </a:ext>
-              </a:extLst>
-            </p:cNvPr>
-            <p:cNvSpPr txBox="1"/>
-            <p:nvPr/>
-          </p:nvSpPr>
-          <p:spPr>
-            <a:xfrm>
-              <a:off x="996950" y="1457325"/>
-              <a:ext cx="1631950" cy="850446"/>
-            </a:xfrm>
-            <a:prstGeom prst="rect">
-              <a:avLst/>
-            </a:prstGeom>
-          </p:spPr>
-          <p:txBody>
-            <a:bodyPr lIns="0" tIns="135467" rIns="0" bIns="135467" rtlCol="0" anchor="ctr"/>
-            <a:lstStyle/>
-            <a:p>
-              <a:pPr lvl="0" algn="l">
-                <a:lnSpc>
-                  <a:spcPct val="99600"/>
-                </a:lnSpc>
-              </a:pPr>
-              <a:r>
-                <a:rPr lang="en" sz="6000" b="0" i="0" u="none" strike="noStrike" spc="107" dirty="0">
-                  <a:solidFill>
-                    <a:srgbClr val="000000"/>
-                  </a:solidFill>
-                  <a:latin typeface="CookieRun Regular" panose="020B0600000101010101" pitchFamily="50" charset="-127"/>
-                  <a:ea typeface="CookieRun Regular" panose="020B0600000101010101" pitchFamily="50" charset="-127"/>
-                </a:rPr>
-                <a:t>목차</a:t>
-              </a:r>
-            </a:p>
-          </p:txBody>
-        </p:sp>
-        <p:sp>
-          <p:nvSpPr>
-            <p:cNvPr id="36" name="TextBox 14">
-              <a:extLst>
-                <a:ext uri="{FF2B5EF4-FFF2-40B4-BE49-F238E27FC236}">
-                  <a16:creationId xmlns:a16="http://schemas.microsoft.com/office/drawing/2014/main" id="{4C52BCCF-CEE6-04BE-1147-8A4F3FA45AB4}"/>
-                </a:ext>
-              </a:extLst>
-            </p:cNvPr>
-            <p:cNvSpPr txBox="1"/>
-            <p:nvPr/>
-          </p:nvSpPr>
-          <p:spPr>
-            <a:xfrm>
-              <a:off x="996950" y="1038225"/>
-              <a:ext cx="1631950" cy="419100"/>
-            </a:xfrm>
-            <a:prstGeom prst="rect">
-              <a:avLst/>
-            </a:prstGeom>
-          </p:spPr>
-          <p:txBody>
-            <a:bodyPr lIns="0" tIns="45720" rIns="0" bIns="45720" rtlCol="0" anchor="ctr"/>
-            <a:lstStyle/>
-            <a:p>
-              <a:pPr marL="457200" lvl="0" indent="-457200" algn="l">
-                <a:lnSpc>
-                  <a:spcPct val="99600"/>
-                </a:lnSpc>
-                <a:buFont typeface="Arial" panose="020B0604020202020204" pitchFamily="34" charset="0"/>
-                <a:buChar char="•"/>
-              </a:pPr>
-              <a:r>
-                <a:rPr lang="en" sz="2800" b="0" i="0" u="none" strike="noStrike" dirty="0">
-                  <a:solidFill>
-                    <a:srgbClr val="A0A0A0"/>
-                  </a:solidFill>
-                  <a:latin typeface="Arial" panose="020B0604020202020204" pitchFamily="34" charset="0"/>
-                  <a:cs typeface="Arial" panose="020B0604020202020204" pitchFamily="34" charset="0"/>
-                </a:rPr>
-                <a:t>index</a:t>
-              </a:r>
-            </a:p>
-          </p:txBody>
-        </p:sp>
-      </p:grpSp>
-      <p:grpSp>
-        <p:nvGrpSpPr>
-          <p:cNvPr id="45" name="그룹 44">
-            <a:extLst>
-              <a:ext uri="{FF2B5EF4-FFF2-40B4-BE49-F238E27FC236}">
-                <a16:creationId xmlns:a16="http://schemas.microsoft.com/office/drawing/2014/main" id="{B91632CE-8FD4-DE3B-227F-8534D6B86B25}"/>
-              </a:ext>
-            </a:extLst>
-          </p:cNvPr>
-          <p:cNvGrpSpPr/>
-          <p:nvPr/>
-        </p:nvGrpSpPr>
-        <p:grpSpPr>
-          <a:xfrm>
-            <a:off x="3939847" y="1553561"/>
-            <a:ext cx="7556829" cy="824071"/>
+            <a:off x="3939848" y="1553561"/>
+            <a:ext cx="7206576" cy="824071"/>
             <a:chOff x="7581900" y="2971800"/>
             <a:chExt cx="13392960" cy="1460500"/>
           </a:xfrm>
@@ -4536,8 +7649,8 @@
                   <a:solidFill>
                     <a:schemeClr val="tx1"/>
                   </a:solidFill>
-                  <a:latin typeface="Pretendard Bold" panose="020B0600000101010101" charset="-127"/>
-                  <a:ea typeface="Pretendard Bold" panose="020B0600000101010101" charset="-127"/>
+                  <a:latin typeface="CookieRun Regular" panose="020B0600000101010101" pitchFamily="50" charset="-127"/>
+                  <a:ea typeface="CookieRun Regular" panose="020B0600000101010101" pitchFamily="50" charset="-127"/>
                 </a:rPr>
                 <a:t>주제 선택 배경</a:t>
               </a:r>
@@ -4596,7 +7709,7 @@
               <a:pPr algn="ctr"/>
               <a:r>
                 <a:rPr lang="en-US" altLang="ko-KR" sz="3600" dirty="0">
-                  <a:ln w="25400">
+                  <a:ln w="19050">
                     <a:solidFill>
                       <a:schemeClr val="tx1"/>
                     </a:solidFill>
@@ -4607,7 +7720,7 @@
                 <a:t>01</a:t>
               </a:r>
               <a:endParaRPr lang="ko-KR" altLang="en-US" sz="3600" dirty="0">
-                <a:ln w="25400">
+                <a:ln w="19050">
                   <a:solidFill>
                     <a:schemeClr val="tx1"/>
                   </a:solidFill>
@@ -4634,7 +7747,7 @@
         <p:grpSpPr>
           <a:xfrm>
             <a:off x="3939847" y="2780477"/>
-            <a:ext cx="7556828" cy="824071"/>
+            <a:ext cx="7206575" cy="824071"/>
             <a:chOff x="7581900" y="2971800"/>
             <a:chExt cx="13392956" cy="1460500"/>
           </a:xfrm>
@@ -4695,8 +7808,8 @@
                   <a:solidFill>
                     <a:schemeClr val="tx1"/>
                   </a:solidFill>
-                  <a:latin typeface="Pretendard Bold" panose="020B0600000101010101" charset="-127"/>
-                  <a:ea typeface="Pretendard Bold" panose="020B0600000101010101" charset="-127"/>
+                  <a:latin typeface="구름 산스 700" pitchFamily="2" charset="-127"/>
+                  <a:ea typeface="구름 산스 700" pitchFamily="2" charset="-127"/>
                 </a:rPr>
                 <a:t>OCR</a:t>
               </a:r>
@@ -4705,8 +7818,8 @@
                   <a:solidFill>
                     <a:schemeClr val="tx1"/>
                   </a:solidFill>
-                  <a:latin typeface="Pretendard Bold" panose="020B0600000101010101" charset="-127"/>
-                  <a:ea typeface="Pretendard Bold" panose="020B0600000101010101" charset="-127"/>
+                  <a:latin typeface="CookieRun Regular" panose="020B0600000101010101" pitchFamily="50" charset="-127"/>
+                  <a:ea typeface="CookieRun Regular" panose="020B0600000101010101" pitchFamily="50" charset="-127"/>
                 </a:rPr>
                 <a:t>이란 어떤 기술인가</a:t>
               </a:r>
@@ -4715,8 +7828,8 @@
                   <a:solidFill>
                     <a:schemeClr val="tx1"/>
                   </a:solidFill>
-                  <a:latin typeface="Pretendard Bold" panose="020B0600000101010101" charset="-127"/>
-                  <a:ea typeface="Pretendard Bold" panose="020B0600000101010101" charset="-127"/>
+                  <a:latin typeface="CookieRun Regular" panose="020B0600000101010101" pitchFamily="50" charset="-127"/>
+                  <a:ea typeface="CookieRun Regular" panose="020B0600000101010101" pitchFamily="50" charset="-127"/>
                 </a:rPr>
                 <a:t>?</a:t>
               </a:r>
@@ -4724,8 +7837,8 @@
                 <a:solidFill>
                   <a:schemeClr val="tx1"/>
                 </a:solidFill>
-                <a:latin typeface="Pretendard Bold" panose="020B0600000101010101" charset="-127"/>
-                <a:ea typeface="Pretendard Bold" panose="020B0600000101010101" charset="-127"/>
+                <a:latin typeface="CookieRun Regular" panose="020B0600000101010101" pitchFamily="50" charset="-127"/>
+                <a:ea typeface="CookieRun Regular" panose="020B0600000101010101" pitchFamily="50" charset="-127"/>
               </a:endParaRPr>
             </a:p>
           </p:txBody>
@@ -4782,7 +7895,7 @@
               <a:pPr algn="ctr"/>
               <a:r>
                 <a:rPr lang="en-US" altLang="ko-KR" sz="3600" dirty="0">
-                  <a:ln w="25400">
+                  <a:ln w="19050">
                     <a:solidFill>
                       <a:schemeClr val="tx1"/>
                     </a:solidFill>
@@ -4793,7 +7906,7 @@
                 <a:t>02</a:t>
               </a:r>
               <a:endParaRPr lang="ko-KR" altLang="en-US" sz="3600" dirty="0">
-                <a:ln w="25400">
+                <a:ln w="19050">
                   <a:solidFill>
                     <a:schemeClr val="tx1"/>
                   </a:solidFill>
@@ -4820,7 +7933,7 @@
         <p:grpSpPr>
           <a:xfrm>
             <a:off x="3939847" y="3973941"/>
-            <a:ext cx="7556826" cy="824071"/>
+            <a:ext cx="7206573" cy="824071"/>
             <a:chOff x="7581900" y="2971800"/>
             <a:chExt cx="13392952" cy="1460500"/>
           </a:xfrm>
@@ -4881,8 +7994,8 @@
                   <a:solidFill>
                     <a:schemeClr val="tx1"/>
                   </a:solidFill>
-                  <a:latin typeface="Pretendard Bold" panose="020B0600000101010101" charset="-127"/>
-                  <a:ea typeface="Pretendard Bold" panose="020B0600000101010101" charset="-127"/>
+                  <a:latin typeface="CookieRun Regular" panose="020B0600000101010101" pitchFamily="50" charset="-127"/>
+                  <a:ea typeface="CookieRun Regular" panose="020B0600000101010101" pitchFamily="50" charset="-127"/>
                 </a:rPr>
                 <a:t>여러가지 데이터로 </a:t>
               </a:r>
@@ -4891,8 +8004,8 @@
                   <a:solidFill>
                     <a:schemeClr val="tx1"/>
                   </a:solidFill>
-                  <a:latin typeface="Pretendard Bold" panose="020B0600000101010101" charset="-127"/>
-                  <a:ea typeface="Pretendard Bold" panose="020B0600000101010101" charset="-127"/>
+                  <a:latin typeface="구름 산스 700" pitchFamily="2" charset="-127"/>
+                  <a:ea typeface="구름 산스 700" pitchFamily="2" charset="-127"/>
                 </a:rPr>
                 <a:t>OCR</a:t>
               </a:r>
@@ -4901,8 +8014,8 @@
                   <a:solidFill>
                     <a:schemeClr val="tx1"/>
                   </a:solidFill>
-                  <a:latin typeface="Pretendard Bold" panose="020B0600000101010101" charset="-127"/>
-                  <a:ea typeface="Pretendard Bold" panose="020B0600000101010101" charset="-127"/>
+                  <a:latin typeface="CookieRun Regular" panose="020B0600000101010101" pitchFamily="50" charset="-127"/>
+                  <a:ea typeface="CookieRun Regular" panose="020B0600000101010101" pitchFamily="50" charset="-127"/>
                 </a:rPr>
                 <a:t> </a:t>
               </a:r>
@@ -4911,8 +8024,8 @@
                   <a:solidFill>
                     <a:schemeClr val="tx1"/>
                   </a:solidFill>
-                  <a:latin typeface="Pretendard Bold" panose="020B0600000101010101" charset="-127"/>
-                  <a:ea typeface="Pretendard Bold" panose="020B0600000101010101" charset="-127"/>
+                  <a:latin typeface="CookieRun Regular" panose="020B0600000101010101" pitchFamily="50" charset="-127"/>
+                  <a:ea typeface="CookieRun Regular" panose="020B0600000101010101" pitchFamily="50" charset="-127"/>
                 </a:rPr>
                 <a:t>해보기</a:t>
               </a:r>
@@ -4971,7 +8084,7 @@
               <a:pPr algn="ctr"/>
               <a:r>
                 <a:rPr lang="en-US" altLang="ko-KR" sz="3600" dirty="0">
-                  <a:ln w="25400">
+                  <a:ln w="19050">
                     <a:solidFill>
                       <a:schemeClr val="tx1"/>
                     </a:solidFill>
@@ -4982,7 +8095,7 @@
                 <a:t>03</a:t>
               </a:r>
               <a:endParaRPr lang="ko-KR" altLang="en-US" sz="3600" dirty="0">
-                <a:ln w="25400">
+                <a:ln w="19050">
                   <a:solidFill>
                     <a:schemeClr val="tx1"/>
                   </a:solidFill>
@@ -5009,7 +8122,7 @@
         <p:grpSpPr>
           <a:xfrm>
             <a:off x="3939847" y="5200857"/>
-            <a:ext cx="7556826" cy="824071"/>
+            <a:ext cx="7206573" cy="824071"/>
             <a:chOff x="7581900" y="2971800"/>
             <a:chExt cx="13392953" cy="1460500"/>
           </a:xfrm>
@@ -5070,8 +8183,8 @@
                   <a:solidFill>
                     <a:schemeClr val="tx1"/>
                   </a:solidFill>
-                  <a:latin typeface="Pretendard Bold" panose="020B0600000101010101" charset="-127"/>
-                  <a:ea typeface="Pretendard Bold" panose="020B0600000101010101" charset="-127"/>
+                  <a:latin typeface="CookieRun Regular" panose="020B0600000101010101" pitchFamily="50" charset="-127"/>
+                  <a:ea typeface="CookieRun Regular" panose="020B0600000101010101" pitchFamily="50" charset="-127"/>
                 </a:rPr>
                 <a:t>결론 및 향후 방향성</a:t>
               </a:r>
@@ -5130,7 +8243,7 @@
               <a:pPr algn="ctr"/>
               <a:r>
                 <a:rPr lang="en-US" altLang="ko-KR" sz="3600" dirty="0">
-                  <a:ln w="25400">
+                  <a:ln w="19050">
                     <a:solidFill>
                       <a:schemeClr val="tx1"/>
                     </a:solidFill>
@@ -5141,7 +8254,7 @@
                 <a:t>04</a:t>
               </a:r>
               <a:endParaRPr lang="ko-KR" altLang="en-US" sz="3600" dirty="0">
-                <a:ln w="25400">
+                <a:ln w="19050">
                   <a:solidFill>
                     <a:schemeClr val="tx1"/>
                   </a:solidFill>
@@ -5166,7 +8279,2238 @@
 </p:sld>
 </file>
 
+<file path=ppt/slides/slide20.xml><?xml version="1.0" encoding="utf-8"?>
+<p:sld xmlns:a="http://schemas.openxmlformats.org/drawingml/2006/main" xmlns:r="http://schemas.openxmlformats.org/officeDocument/2006/relationships" xmlns:p="http://schemas.openxmlformats.org/presentationml/2006/main">
+  <p:cSld>
+    <p:spTree>
+      <p:nvGrpSpPr>
+        <p:cNvPr id="1" name="">
+          <a:extLst>
+            <a:ext uri="{FF2B5EF4-FFF2-40B4-BE49-F238E27FC236}">
+              <a16:creationId xmlns:a16="http://schemas.microsoft.com/office/drawing/2014/main" id="{31062214-E2DA-A793-B0A4-9AF1F4902AAB}"/>
+            </a:ext>
+          </a:extLst>
+        </p:cNvPr>
+        <p:cNvGrpSpPr/>
+        <p:nvPr/>
+      </p:nvGrpSpPr>
+      <p:grpSpPr>
+        <a:xfrm>
+          <a:off x="0" y="0"/>
+          <a:ext cx="0" cy="0"/>
+          <a:chOff x="0" y="0"/>
+          <a:chExt cx="0" cy="0"/>
+        </a:xfrm>
+      </p:grpSpPr>
+      <p:sp>
+        <p:nvSpPr>
+          <p:cNvPr id="3" name="슬라이드 번호 개체 틀 2">
+            <a:extLst>
+              <a:ext uri="{FF2B5EF4-FFF2-40B4-BE49-F238E27FC236}">
+                <a16:creationId xmlns:a16="http://schemas.microsoft.com/office/drawing/2014/main" id="{7C0BF22B-34B7-D6B2-BE51-68D5F316770D}"/>
+              </a:ext>
+            </a:extLst>
+          </p:cNvPr>
+          <p:cNvSpPr>
+            <a:spLocks noGrp="1"/>
+          </p:cNvSpPr>
+          <p:nvPr>
+            <p:ph type="sldNum" sz="quarter" idx="12"/>
+          </p:nvPr>
+        </p:nvSpPr>
+        <p:spPr/>
+        <p:txBody>
+          <a:bodyPr/>
+          <a:lstStyle/>
+          <a:p>
+            <a:fld id="{C5002163-FFAF-417C-9C20-DC892DFE9806}" type="slidenum">
+              <a:rPr lang="ko-KR" altLang="en-US" smtClean="0"/>
+              <a:t>19</a:t>
+            </a:fld>
+            <a:endParaRPr lang="ko-KR" altLang="en-US"/>
+          </a:p>
+        </p:txBody>
+      </p:sp>
+      <p:grpSp>
+        <p:nvGrpSpPr>
+          <p:cNvPr id="12" name="그룹 11">
+            <a:extLst>
+              <a:ext uri="{FF2B5EF4-FFF2-40B4-BE49-F238E27FC236}">
+                <a16:creationId xmlns:a16="http://schemas.microsoft.com/office/drawing/2014/main" id="{B33BD9AC-2D5D-8A1F-FADC-6EEA037A7F31}"/>
+              </a:ext>
+            </a:extLst>
+          </p:cNvPr>
+          <p:cNvGrpSpPr/>
+          <p:nvPr/>
+        </p:nvGrpSpPr>
+        <p:grpSpPr>
+          <a:xfrm>
+            <a:off x="695325" y="728663"/>
+            <a:ext cx="9001124" cy="936000"/>
+            <a:chOff x="1639161" y="761221"/>
+            <a:chExt cx="9001124" cy="900000"/>
+          </a:xfrm>
+          <a:effectLst>
+            <a:outerShdw blurRad="12700" dist="127000" dir="5400000" algn="t" rotWithShape="0">
+              <a:prstClr val="black">
+                <a:alpha val="10000"/>
+              </a:prstClr>
+            </a:outerShdw>
+          </a:effectLst>
+        </p:grpSpPr>
+        <p:sp>
+          <p:nvSpPr>
+            <p:cNvPr id="4" name="직사각형 3">
+              <a:extLst>
+                <a:ext uri="{FF2B5EF4-FFF2-40B4-BE49-F238E27FC236}">
+                  <a16:creationId xmlns:a16="http://schemas.microsoft.com/office/drawing/2014/main" id="{24DEAA5B-F285-5DEC-DD1B-673F76E7BE41}"/>
+                </a:ext>
+              </a:extLst>
+            </p:cNvPr>
+            <p:cNvSpPr/>
+            <p:nvPr/>
+          </p:nvSpPr>
+          <p:spPr>
+            <a:xfrm>
+              <a:off x="1639161" y="761221"/>
+              <a:ext cx="900000" cy="900000"/>
+            </a:xfrm>
+            <a:prstGeom prst="rect">
+              <a:avLst/>
+            </a:prstGeom>
+            <a:solidFill>
+              <a:srgbClr val="007BC8"/>
+            </a:solidFill>
+            <a:ln w="50800">
+              <a:solidFill>
+                <a:schemeClr val="accent1">
+                  <a:shade val="15000"/>
+                </a:schemeClr>
+              </a:solidFill>
+            </a:ln>
+          </p:spPr>
+          <p:style>
+            <a:lnRef idx="2">
+              <a:schemeClr val="accent1">
+                <a:shade val="15000"/>
+              </a:schemeClr>
+            </a:lnRef>
+            <a:fillRef idx="1">
+              <a:schemeClr val="accent1"/>
+            </a:fillRef>
+            <a:effectRef idx="0">
+              <a:schemeClr val="accent1"/>
+            </a:effectRef>
+            <a:fontRef idx="minor">
+              <a:schemeClr val="lt1"/>
+            </a:fontRef>
+          </p:style>
+          <p:txBody>
+            <a:bodyPr rtlCol="0" anchor="ctr"/>
+            <a:lstStyle/>
+            <a:p>
+              <a:pPr algn="ctr"/>
+              <a:endParaRPr lang="ko-KR" altLang="en-US" dirty="0"/>
+            </a:p>
+          </p:txBody>
+        </p:sp>
+        <p:sp>
+          <p:nvSpPr>
+            <p:cNvPr id="10" name="직사각형 9">
+              <a:extLst>
+                <a:ext uri="{FF2B5EF4-FFF2-40B4-BE49-F238E27FC236}">
+                  <a16:creationId xmlns:a16="http://schemas.microsoft.com/office/drawing/2014/main" id="{483327A0-EA95-F01A-8C1A-4D9EB962EB81}"/>
+                </a:ext>
+              </a:extLst>
+            </p:cNvPr>
+            <p:cNvSpPr/>
+            <p:nvPr/>
+          </p:nvSpPr>
+          <p:spPr>
+            <a:xfrm>
+              <a:off x="2539160" y="761221"/>
+              <a:ext cx="8101125" cy="900000"/>
+            </a:xfrm>
+            <a:prstGeom prst="rect">
+              <a:avLst/>
+            </a:prstGeom>
+            <a:solidFill>
+              <a:schemeClr val="bg1"/>
+            </a:solidFill>
+            <a:ln w="50800">
+              <a:solidFill>
+                <a:schemeClr val="tx1"/>
+              </a:solidFill>
+            </a:ln>
+          </p:spPr>
+          <p:style>
+            <a:lnRef idx="2">
+              <a:schemeClr val="accent1">
+                <a:shade val="15000"/>
+              </a:schemeClr>
+            </a:lnRef>
+            <a:fillRef idx="1">
+              <a:schemeClr val="accent1"/>
+            </a:fillRef>
+            <a:effectRef idx="0">
+              <a:schemeClr val="accent1"/>
+            </a:effectRef>
+            <a:fontRef idx="minor">
+              <a:schemeClr val="lt1"/>
+            </a:fontRef>
+          </p:style>
+          <p:txBody>
+            <a:bodyPr rtlCol="0" anchor="ctr"/>
+            <a:lstStyle/>
+            <a:p>
+              <a:pPr marL="288000"/>
+              <a:r>
+                <a:rPr lang="en-US" altLang="ko-KR" sz="4000" dirty="0" err="1">
+                  <a:solidFill>
+                    <a:schemeClr val="tx1"/>
+                  </a:solidFill>
+                  <a:latin typeface="구름 산스 700" pitchFamily="2" charset="-127"/>
+                  <a:ea typeface="구름 산스 700" pitchFamily="2" charset="-127"/>
+                </a:rPr>
+                <a:t>PyTesseract</a:t>
+              </a:r>
+              <a:endParaRPr lang="ko-KR" altLang="en-US" sz="4000" dirty="0">
+                <a:solidFill>
+                  <a:schemeClr val="tx1"/>
+                </a:solidFill>
+                <a:latin typeface="구름 산스 700" pitchFamily="2" charset="-127"/>
+                <a:ea typeface="구름 산스 700" pitchFamily="2" charset="-127"/>
+              </a:endParaRPr>
+            </a:p>
+          </p:txBody>
+        </p:sp>
+      </p:grpSp>
+    </p:spTree>
+    <p:extLst>
+      <p:ext uri="{BB962C8B-B14F-4D97-AF65-F5344CB8AC3E}">
+        <p14:creationId xmlns:p14="http://schemas.microsoft.com/office/powerpoint/2010/main" val="3049790229"/>
+      </p:ext>
+    </p:extLst>
+  </p:cSld>
+  <p:clrMapOvr>
+    <a:masterClrMapping/>
+  </p:clrMapOvr>
+</p:sld>
+</file>
+
+<file path=ppt/slides/slide21.xml><?xml version="1.0" encoding="utf-8"?>
+<p:sld xmlns:a="http://schemas.openxmlformats.org/drawingml/2006/main" xmlns:r="http://schemas.openxmlformats.org/officeDocument/2006/relationships" xmlns:p="http://schemas.openxmlformats.org/presentationml/2006/main">
+  <p:cSld>
+    <p:spTree>
+      <p:nvGrpSpPr>
+        <p:cNvPr id="1" name="">
+          <a:extLst>
+            <a:ext uri="{FF2B5EF4-FFF2-40B4-BE49-F238E27FC236}">
+              <a16:creationId xmlns:a16="http://schemas.microsoft.com/office/drawing/2014/main" id="{F7A069CB-B59E-6FD2-D043-927ECA285280}"/>
+            </a:ext>
+          </a:extLst>
+        </p:cNvPr>
+        <p:cNvGrpSpPr/>
+        <p:nvPr/>
+      </p:nvGrpSpPr>
+      <p:grpSpPr>
+        <a:xfrm>
+          <a:off x="0" y="0"/>
+          <a:ext cx="0" cy="0"/>
+          <a:chOff x="0" y="0"/>
+          <a:chExt cx="0" cy="0"/>
+        </a:xfrm>
+      </p:grpSpPr>
+      <p:sp>
+        <p:nvSpPr>
+          <p:cNvPr id="3" name="슬라이드 번호 개체 틀 2">
+            <a:extLst>
+              <a:ext uri="{FF2B5EF4-FFF2-40B4-BE49-F238E27FC236}">
+                <a16:creationId xmlns:a16="http://schemas.microsoft.com/office/drawing/2014/main" id="{E2033814-6924-9ED6-CA33-1A125E7D68CD}"/>
+              </a:ext>
+            </a:extLst>
+          </p:cNvPr>
+          <p:cNvSpPr>
+            <a:spLocks noGrp="1"/>
+          </p:cNvSpPr>
+          <p:nvPr>
+            <p:ph type="sldNum" sz="quarter" idx="12"/>
+          </p:nvPr>
+        </p:nvSpPr>
+        <p:spPr/>
+        <p:txBody>
+          <a:bodyPr/>
+          <a:lstStyle/>
+          <a:p>
+            <a:fld id="{C5002163-FFAF-417C-9C20-DC892DFE9806}" type="slidenum">
+              <a:rPr lang="ko-KR" altLang="en-US" smtClean="0"/>
+              <a:t>20</a:t>
+            </a:fld>
+            <a:endParaRPr lang="ko-KR" altLang="en-US"/>
+          </a:p>
+        </p:txBody>
+      </p:sp>
+      <p:grpSp>
+        <p:nvGrpSpPr>
+          <p:cNvPr id="12" name="그룹 11">
+            <a:extLst>
+              <a:ext uri="{FF2B5EF4-FFF2-40B4-BE49-F238E27FC236}">
+                <a16:creationId xmlns:a16="http://schemas.microsoft.com/office/drawing/2014/main" id="{EB0C74B3-690A-5263-D0AE-7C5024E86B93}"/>
+              </a:ext>
+            </a:extLst>
+          </p:cNvPr>
+          <p:cNvGrpSpPr/>
+          <p:nvPr/>
+        </p:nvGrpSpPr>
+        <p:grpSpPr>
+          <a:xfrm>
+            <a:off x="695325" y="728663"/>
+            <a:ext cx="9001124" cy="936000"/>
+            <a:chOff x="1639161" y="761221"/>
+            <a:chExt cx="9001124" cy="900000"/>
+          </a:xfrm>
+          <a:effectLst>
+            <a:outerShdw blurRad="12700" dist="127000" dir="5400000" algn="t" rotWithShape="0">
+              <a:prstClr val="black">
+                <a:alpha val="10000"/>
+              </a:prstClr>
+            </a:outerShdw>
+          </a:effectLst>
+        </p:grpSpPr>
+        <p:sp>
+          <p:nvSpPr>
+            <p:cNvPr id="4" name="직사각형 3">
+              <a:extLst>
+                <a:ext uri="{FF2B5EF4-FFF2-40B4-BE49-F238E27FC236}">
+                  <a16:creationId xmlns:a16="http://schemas.microsoft.com/office/drawing/2014/main" id="{B09F1A2B-3734-C95F-AE0A-F1CFF5230204}"/>
+                </a:ext>
+              </a:extLst>
+            </p:cNvPr>
+            <p:cNvSpPr/>
+            <p:nvPr/>
+          </p:nvSpPr>
+          <p:spPr>
+            <a:xfrm>
+              <a:off x="1639161" y="761221"/>
+              <a:ext cx="900000" cy="900000"/>
+            </a:xfrm>
+            <a:prstGeom prst="rect">
+              <a:avLst/>
+            </a:prstGeom>
+            <a:solidFill>
+              <a:srgbClr val="007BC8"/>
+            </a:solidFill>
+            <a:ln w="50800">
+              <a:solidFill>
+                <a:schemeClr val="accent1">
+                  <a:shade val="15000"/>
+                </a:schemeClr>
+              </a:solidFill>
+            </a:ln>
+          </p:spPr>
+          <p:style>
+            <a:lnRef idx="2">
+              <a:schemeClr val="accent1">
+                <a:shade val="15000"/>
+              </a:schemeClr>
+            </a:lnRef>
+            <a:fillRef idx="1">
+              <a:schemeClr val="accent1"/>
+            </a:fillRef>
+            <a:effectRef idx="0">
+              <a:schemeClr val="accent1"/>
+            </a:effectRef>
+            <a:fontRef idx="minor">
+              <a:schemeClr val="lt1"/>
+            </a:fontRef>
+          </p:style>
+          <p:txBody>
+            <a:bodyPr rtlCol="0" anchor="ctr"/>
+            <a:lstStyle/>
+            <a:p>
+              <a:pPr algn="ctr"/>
+              <a:endParaRPr lang="ko-KR" altLang="en-US" dirty="0"/>
+            </a:p>
+          </p:txBody>
+        </p:sp>
+        <p:sp>
+          <p:nvSpPr>
+            <p:cNvPr id="10" name="직사각형 9">
+              <a:extLst>
+                <a:ext uri="{FF2B5EF4-FFF2-40B4-BE49-F238E27FC236}">
+                  <a16:creationId xmlns:a16="http://schemas.microsoft.com/office/drawing/2014/main" id="{884DA281-B2DF-67F9-0F30-B7756E5B3DE2}"/>
+                </a:ext>
+              </a:extLst>
+            </p:cNvPr>
+            <p:cNvSpPr/>
+            <p:nvPr/>
+          </p:nvSpPr>
+          <p:spPr>
+            <a:xfrm>
+              <a:off x="2539160" y="761221"/>
+              <a:ext cx="8101125" cy="900000"/>
+            </a:xfrm>
+            <a:prstGeom prst="rect">
+              <a:avLst/>
+            </a:prstGeom>
+            <a:solidFill>
+              <a:schemeClr val="bg1"/>
+            </a:solidFill>
+            <a:ln w="50800">
+              <a:solidFill>
+                <a:schemeClr val="tx1"/>
+              </a:solidFill>
+            </a:ln>
+          </p:spPr>
+          <p:style>
+            <a:lnRef idx="2">
+              <a:schemeClr val="accent1">
+                <a:shade val="15000"/>
+              </a:schemeClr>
+            </a:lnRef>
+            <a:fillRef idx="1">
+              <a:schemeClr val="accent1"/>
+            </a:fillRef>
+            <a:effectRef idx="0">
+              <a:schemeClr val="accent1"/>
+            </a:effectRef>
+            <a:fontRef idx="minor">
+              <a:schemeClr val="lt1"/>
+            </a:fontRef>
+          </p:style>
+          <p:txBody>
+            <a:bodyPr rtlCol="0" anchor="ctr"/>
+            <a:lstStyle/>
+            <a:p>
+              <a:pPr marL="288000"/>
+              <a:r>
+                <a:rPr lang="en-US" altLang="ko-KR" sz="4000" dirty="0" err="1">
+                  <a:solidFill>
+                    <a:schemeClr val="tx1"/>
+                  </a:solidFill>
+                  <a:latin typeface="구름 산스 700" pitchFamily="2" charset="-127"/>
+                  <a:ea typeface="구름 산스 700" pitchFamily="2" charset="-127"/>
+                </a:rPr>
+                <a:t>EasyOCR</a:t>
+              </a:r>
+              <a:endParaRPr lang="ko-KR" altLang="en-US" sz="4000" dirty="0">
+                <a:solidFill>
+                  <a:schemeClr val="tx1"/>
+                </a:solidFill>
+                <a:latin typeface="구름 산스 700" pitchFamily="2" charset="-127"/>
+                <a:ea typeface="구름 산스 700" pitchFamily="2" charset="-127"/>
+              </a:endParaRPr>
+            </a:p>
+          </p:txBody>
+        </p:sp>
+      </p:grpSp>
+    </p:spTree>
+    <p:extLst>
+      <p:ext uri="{BB962C8B-B14F-4D97-AF65-F5344CB8AC3E}">
+        <p14:creationId xmlns:p14="http://schemas.microsoft.com/office/powerpoint/2010/main" val="4061540192"/>
+      </p:ext>
+    </p:extLst>
+  </p:cSld>
+  <p:clrMapOvr>
+    <a:masterClrMapping/>
+  </p:clrMapOvr>
+</p:sld>
+</file>
+
+<file path=ppt/slides/slide22.xml><?xml version="1.0" encoding="utf-8"?>
+<p:sld xmlns:a="http://schemas.openxmlformats.org/drawingml/2006/main" xmlns:r="http://schemas.openxmlformats.org/officeDocument/2006/relationships" xmlns:p="http://schemas.openxmlformats.org/presentationml/2006/main">
+  <p:cSld>
+    <p:spTree>
+      <p:nvGrpSpPr>
+        <p:cNvPr id="1" name="">
+          <a:extLst>
+            <a:ext uri="{FF2B5EF4-FFF2-40B4-BE49-F238E27FC236}">
+              <a16:creationId xmlns:a16="http://schemas.microsoft.com/office/drawing/2014/main" id="{0F655FD7-1D87-A5EC-772A-CF9316D4E089}"/>
+            </a:ext>
+          </a:extLst>
+        </p:cNvPr>
+        <p:cNvGrpSpPr/>
+        <p:nvPr/>
+      </p:nvGrpSpPr>
+      <p:grpSpPr>
+        <a:xfrm>
+          <a:off x="0" y="0"/>
+          <a:ext cx="0" cy="0"/>
+          <a:chOff x="0" y="0"/>
+          <a:chExt cx="0" cy="0"/>
+        </a:xfrm>
+      </p:grpSpPr>
+      <p:sp>
+        <p:nvSpPr>
+          <p:cNvPr id="3" name="슬라이드 번호 개체 틀 2">
+            <a:extLst>
+              <a:ext uri="{FF2B5EF4-FFF2-40B4-BE49-F238E27FC236}">
+                <a16:creationId xmlns:a16="http://schemas.microsoft.com/office/drawing/2014/main" id="{98AEC27D-3717-1AC8-5D00-252E5A96B277}"/>
+              </a:ext>
+            </a:extLst>
+          </p:cNvPr>
+          <p:cNvSpPr>
+            <a:spLocks noGrp="1"/>
+          </p:cNvSpPr>
+          <p:nvPr>
+            <p:ph type="sldNum" sz="quarter" idx="12"/>
+          </p:nvPr>
+        </p:nvSpPr>
+        <p:spPr/>
+        <p:txBody>
+          <a:bodyPr/>
+          <a:lstStyle/>
+          <a:p>
+            <a:fld id="{C5002163-FFAF-417C-9C20-DC892DFE9806}" type="slidenum">
+              <a:rPr lang="ko-KR" altLang="en-US" smtClean="0"/>
+              <a:t>21</a:t>
+            </a:fld>
+            <a:endParaRPr lang="ko-KR" altLang="en-US"/>
+          </a:p>
+        </p:txBody>
+      </p:sp>
+      <p:grpSp>
+        <p:nvGrpSpPr>
+          <p:cNvPr id="12" name="그룹 11">
+            <a:extLst>
+              <a:ext uri="{FF2B5EF4-FFF2-40B4-BE49-F238E27FC236}">
+                <a16:creationId xmlns:a16="http://schemas.microsoft.com/office/drawing/2014/main" id="{664FFFF9-4A94-08A3-513B-BB72E459B6BD}"/>
+              </a:ext>
+            </a:extLst>
+          </p:cNvPr>
+          <p:cNvGrpSpPr/>
+          <p:nvPr/>
+        </p:nvGrpSpPr>
+        <p:grpSpPr>
+          <a:xfrm>
+            <a:off x="695325" y="728663"/>
+            <a:ext cx="9001124" cy="936000"/>
+            <a:chOff x="1639161" y="761221"/>
+            <a:chExt cx="9001124" cy="900000"/>
+          </a:xfrm>
+          <a:effectLst>
+            <a:outerShdw blurRad="12700" dist="127000" dir="5400000" algn="t" rotWithShape="0">
+              <a:prstClr val="black">
+                <a:alpha val="10000"/>
+              </a:prstClr>
+            </a:outerShdw>
+          </a:effectLst>
+        </p:grpSpPr>
+        <p:sp>
+          <p:nvSpPr>
+            <p:cNvPr id="4" name="직사각형 3">
+              <a:extLst>
+                <a:ext uri="{FF2B5EF4-FFF2-40B4-BE49-F238E27FC236}">
+                  <a16:creationId xmlns:a16="http://schemas.microsoft.com/office/drawing/2014/main" id="{2017F58A-B914-71BE-C563-CE4F9B515BBB}"/>
+                </a:ext>
+              </a:extLst>
+            </p:cNvPr>
+            <p:cNvSpPr/>
+            <p:nvPr/>
+          </p:nvSpPr>
+          <p:spPr>
+            <a:xfrm>
+              <a:off x="1639161" y="761221"/>
+              <a:ext cx="900000" cy="900000"/>
+            </a:xfrm>
+            <a:prstGeom prst="rect">
+              <a:avLst/>
+            </a:prstGeom>
+            <a:solidFill>
+              <a:srgbClr val="007BC8"/>
+            </a:solidFill>
+            <a:ln w="50800">
+              <a:solidFill>
+                <a:schemeClr val="accent1">
+                  <a:shade val="15000"/>
+                </a:schemeClr>
+              </a:solidFill>
+            </a:ln>
+          </p:spPr>
+          <p:style>
+            <a:lnRef idx="2">
+              <a:schemeClr val="accent1">
+                <a:shade val="15000"/>
+              </a:schemeClr>
+            </a:lnRef>
+            <a:fillRef idx="1">
+              <a:schemeClr val="accent1"/>
+            </a:fillRef>
+            <a:effectRef idx="0">
+              <a:schemeClr val="accent1"/>
+            </a:effectRef>
+            <a:fontRef idx="minor">
+              <a:schemeClr val="lt1"/>
+            </a:fontRef>
+          </p:style>
+          <p:txBody>
+            <a:bodyPr rtlCol="0" anchor="ctr"/>
+            <a:lstStyle/>
+            <a:p>
+              <a:pPr algn="ctr"/>
+              <a:endParaRPr lang="ko-KR" altLang="en-US" dirty="0"/>
+            </a:p>
+          </p:txBody>
+        </p:sp>
+        <p:sp>
+          <p:nvSpPr>
+            <p:cNvPr id="10" name="직사각형 9">
+              <a:extLst>
+                <a:ext uri="{FF2B5EF4-FFF2-40B4-BE49-F238E27FC236}">
+                  <a16:creationId xmlns:a16="http://schemas.microsoft.com/office/drawing/2014/main" id="{5AA49A09-7DCD-FC71-7307-EA1C2F6DBACD}"/>
+                </a:ext>
+              </a:extLst>
+            </p:cNvPr>
+            <p:cNvSpPr/>
+            <p:nvPr/>
+          </p:nvSpPr>
+          <p:spPr>
+            <a:xfrm>
+              <a:off x="2539160" y="761221"/>
+              <a:ext cx="8101125" cy="900000"/>
+            </a:xfrm>
+            <a:prstGeom prst="rect">
+              <a:avLst/>
+            </a:prstGeom>
+            <a:solidFill>
+              <a:schemeClr val="bg1"/>
+            </a:solidFill>
+            <a:ln w="50800">
+              <a:solidFill>
+                <a:schemeClr val="tx1"/>
+              </a:solidFill>
+            </a:ln>
+          </p:spPr>
+          <p:style>
+            <a:lnRef idx="2">
+              <a:schemeClr val="accent1">
+                <a:shade val="15000"/>
+              </a:schemeClr>
+            </a:lnRef>
+            <a:fillRef idx="1">
+              <a:schemeClr val="accent1"/>
+            </a:fillRef>
+            <a:effectRef idx="0">
+              <a:schemeClr val="accent1"/>
+            </a:effectRef>
+            <a:fontRef idx="minor">
+              <a:schemeClr val="lt1"/>
+            </a:fontRef>
+          </p:style>
+          <p:txBody>
+            <a:bodyPr rtlCol="0" anchor="ctr"/>
+            <a:lstStyle/>
+            <a:p>
+              <a:pPr marL="288000"/>
+              <a:r>
+                <a:rPr lang="en-US" altLang="ko-KR" sz="4000" dirty="0" err="1">
+                  <a:solidFill>
+                    <a:schemeClr val="tx1"/>
+                  </a:solidFill>
+                  <a:latin typeface="구름 산스 700" pitchFamily="2" charset="-127"/>
+                  <a:ea typeface="구름 산스 700" pitchFamily="2" charset="-127"/>
+                </a:rPr>
+                <a:t>EasyOCR</a:t>
+              </a:r>
+              <a:endParaRPr lang="ko-KR" altLang="en-US" sz="4000" dirty="0">
+                <a:solidFill>
+                  <a:schemeClr val="tx1"/>
+                </a:solidFill>
+                <a:latin typeface="구름 산스 700" pitchFamily="2" charset="-127"/>
+                <a:ea typeface="구름 산스 700" pitchFamily="2" charset="-127"/>
+              </a:endParaRPr>
+            </a:p>
+          </p:txBody>
+        </p:sp>
+      </p:grpSp>
+      <p:pic>
+        <p:nvPicPr>
+          <p:cNvPr id="5" name="그림 4" descr="텍스트, 포스트잇 노트, 폰트, 스크린샷이(가) 표시된 사진&#10;&#10;AI 생성 콘텐츠는 정확하지 않을 수 있습니다.">
+            <a:extLst>
+              <a:ext uri="{FF2B5EF4-FFF2-40B4-BE49-F238E27FC236}">
+                <a16:creationId xmlns:a16="http://schemas.microsoft.com/office/drawing/2014/main" id="{70E5AFD9-6467-B511-7FD5-B05495332C1E}"/>
+              </a:ext>
+            </a:extLst>
+          </p:cNvPr>
+          <p:cNvPicPr>
+            <a:picLocks noChangeAspect="1"/>
+          </p:cNvPicPr>
+          <p:nvPr/>
+        </p:nvPicPr>
+        <p:blipFill>
+          <a:blip r:embed="rId2">
+            <a:extLst>
+              <a:ext uri="{28A0092B-C50C-407E-A947-70E740481C1C}">
+                <a14:useLocalDpi xmlns:a14="http://schemas.microsoft.com/office/drawing/2010/main" val="0"/>
+              </a:ext>
+            </a:extLst>
+          </a:blip>
+          <a:stretch>
+            <a:fillRect/>
+          </a:stretch>
+        </p:blipFill>
+        <p:spPr>
+          <a:xfrm>
+            <a:off x="1333500" y="2607799"/>
+            <a:ext cx="9525000" cy="2857500"/>
+          </a:xfrm>
+          <a:prstGeom prst="rect">
+            <a:avLst/>
+          </a:prstGeom>
+        </p:spPr>
+      </p:pic>
+    </p:spTree>
+    <p:extLst>
+      <p:ext uri="{BB962C8B-B14F-4D97-AF65-F5344CB8AC3E}">
+        <p14:creationId xmlns:p14="http://schemas.microsoft.com/office/powerpoint/2010/main" val="788847980"/>
+      </p:ext>
+    </p:extLst>
+  </p:cSld>
+  <p:clrMapOvr>
+    <a:masterClrMapping/>
+  </p:clrMapOvr>
+</p:sld>
+</file>
+
+<file path=ppt/slides/slide23.xml><?xml version="1.0" encoding="utf-8"?>
+<p:sld xmlns:a="http://schemas.openxmlformats.org/drawingml/2006/main" xmlns:r="http://schemas.openxmlformats.org/officeDocument/2006/relationships" xmlns:p="http://schemas.openxmlformats.org/presentationml/2006/main">
+  <p:cSld>
+    <p:spTree>
+      <p:nvGrpSpPr>
+        <p:cNvPr id="1" name="">
+          <a:extLst>
+            <a:ext uri="{FF2B5EF4-FFF2-40B4-BE49-F238E27FC236}">
+              <a16:creationId xmlns:a16="http://schemas.microsoft.com/office/drawing/2014/main" id="{41AF48AF-458B-AD7B-B944-279C93A02A7E}"/>
+            </a:ext>
+          </a:extLst>
+        </p:cNvPr>
+        <p:cNvGrpSpPr/>
+        <p:nvPr/>
+      </p:nvGrpSpPr>
+      <p:grpSpPr>
+        <a:xfrm>
+          <a:off x="0" y="0"/>
+          <a:ext cx="0" cy="0"/>
+          <a:chOff x="0" y="0"/>
+          <a:chExt cx="0" cy="0"/>
+        </a:xfrm>
+      </p:grpSpPr>
+      <p:sp>
+        <p:nvSpPr>
+          <p:cNvPr id="3" name="슬라이드 번호 개체 틀 2">
+            <a:extLst>
+              <a:ext uri="{FF2B5EF4-FFF2-40B4-BE49-F238E27FC236}">
+                <a16:creationId xmlns:a16="http://schemas.microsoft.com/office/drawing/2014/main" id="{5D8DB716-BF4C-A2A6-D103-650849479124}"/>
+              </a:ext>
+            </a:extLst>
+          </p:cNvPr>
+          <p:cNvSpPr>
+            <a:spLocks noGrp="1"/>
+          </p:cNvSpPr>
+          <p:nvPr>
+            <p:ph type="sldNum" sz="quarter" idx="12"/>
+          </p:nvPr>
+        </p:nvSpPr>
+        <p:spPr/>
+        <p:txBody>
+          <a:bodyPr/>
+          <a:lstStyle/>
+          <a:p>
+            <a:fld id="{C5002163-FFAF-417C-9C20-DC892DFE9806}" type="slidenum">
+              <a:rPr lang="ko-KR" altLang="en-US" smtClean="0"/>
+              <a:t>22</a:t>
+            </a:fld>
+            <a:endParaRPr lang="ko-KR" altLang="en-US"/>
+          </a:p>
+        </p:txBody>
+      </p:sp>
+      <p:grpSp>
+        <p:nvGrpSpPr>
+          <p:cNvPr id="12" name="그룹 11">
+            <a:extLst>
+              <a:ext uri="{FF2B5EF4-FFF2-40B4-BE49-F238E27FC236}">
+                <a16:creationId xmlns:a16="http://schemas.microsoft.com/office/drawing/2014/main" id="{352AF702-BD10-309C-C331-C1BAE654CB91}"/>
+              </a:ext>
+            </a:extLst>
+          </p:cNvPr>
+          <p:cNvGrpSpPr/>
+          <p:nvPr/>
+        </p:nvGrpSpPr>
+        <p:grpSpPr>
+          <a:xfrm>
+            <a:off x="695325" y="728663"/>
+            <a:ext cx="9001124" cy="936000"/>
+            <a:chOff x="1639161" y="761221"/>
+            <a:chExt cx="9001124" cy="900000"/>
+          </a:xfrm>
+          <a:effectLst>
+            <a:outerShdw blurRad="12700" dist="127000" dir="5400000" algn="t" rotWithShape="0">
+              <a:prstClr val="black">
+                <a:alpha val="10000"/>
+              </a:prstClr>
+            </a:outerShdw>
+          </a:effectLst>
+        </p:grpSpPr>
+        <p:sp>
+          <p:nvSpPr>
+            <p:cNvPr id="4" name="직사각형 3">
+              <a:extLst>
+                <a:ext uri="{FF2B5EF4-FFF2-40B4-BE49-F238E27FC236}">
+                  <a16:creationId xmlns:a16="http://schemas.microsoft.com/office/drawing/2014/main" id="{99325E5D-AADE-8730-B815-6CCF7F50F60D}"/>
+                </a:ext>
+              </a:extLst>
+            </p:cNvPr>
+            <p:cNvSpPr/>
+            <p:nvPr/>
+          </p:nvSpPr>
+          <p:spPr>
+            <a:xfrm>
+              <a:off x="1639161" y="761221"/>
+              <a:ext cx="900000" cy="900000"/>
+            </a:xfrm>
+            <a:prstGeom prst="rect">
+              <a:avLst/>
+            </a:prstGeom>
+            <a:solidFill>
+              <a:srgbClr val="007BC8"/>
+            </a:solidFill>
+            <a:ln w="50800">
+              <a:solidFill>
+                <a:schemeClr val="accent1">
+                  <a:shade val="15000"/>
+                </a:schemeClr>
+              </a:solidFill>
+            </a:ln>
+          </p:spPr>
+          <p:style>
+            <a:lnRef idx="2">
+              <a:schemeClr val="accent1">
+                <a:shade val="15000"/>
+              </a:schemeClr>
+            </a:lnRef>
+            <a:fillRef idx="1">
+              <a:schemeClr val="accent1"/>
+            </a:fillRef>
+            <a:effectRef idx="0">
+              <a:schemeClr val="accent1"/>
+            </a:effectRef>
+            <a:fontRef idx="minor">
+              <a:schemeClr val="lt1"/>
+            </a:fontRef>
+          </p:style>
+          <p:txBody>
+            <a:bodyPr rtlCol="0" anchor="ctr"/>
+            <a:lstStyle/>
+            <a:p>
+              <a:pPr algn="ctr"/>
+              <a:endParaRPr lang="ko-KR" altLang="en-US" dirty="0"/>
+            </a:p>
+          </p:txBody>
+        </p:sp>
+        <p:sp>
+          <p:nvSpPr>
+            <p:cNvPr id="10" name="직사각형 9">
+              <a:extLst>
+                <a:ext uri="{FF2B5EF4-FFF2-40B4-BE49-F238E27FC236}">
+                  <a16:creationId xmlns:a16="http://schemas.microsoft.com/office/drawing/2014/main" id="{6454CB6A-50A6-D06A-7BF3-49CA48BF52B3}"/>
+                </a:ext>
+              </a:extLst>
+            </p:cNvPr>
+            <p:cNvSpPr/>
+            <p:nvPr/>
+          </p:nvSpPr>
+          <p:spPr>
+            <a:xfrm>
+              <a:off x="2539160" y="761221"/>
+              <a:ext cx="8101125" cy="900000"/>
+            </a:xfrm>
+            <a:prstGeom prst="rect">
+              <a:avLst/>
+            </a:prstGeom>
+            <a:solidFill>
+              <a:schemeClr val="bg1"/>
+            </a:solidFill>
+            <a:ln w="50800">
+              <a:solidFill>
+                <a:schemeClr val="tx1"/>
+              </a:solidFill>
+            </a:ln>
+          </p:spPr>
+          <p:style>
+            <a:lnRef idx="2">
+              <a:schemeClr val="accent1">
+                <a:shade val="15000"/>
+              </a:schemeClr>
+            </a:lnRef>
+            <a:fillRef idx="1">
+              <a:schemeClr val="accent1"/>
+            </a:fillRef>
+            <a:effectRef idx="0">
+              <a:schemeClr val="accent1"/>
+            </a:effectRef>
+            <a:fontRef idx="minor">
+              <a:schemeClr val="lt1"/>
+            </a:fontRef>
+          </p:style>
+          <p:txBody>
+            <a:bodyPr rtlCol="0" anchor="ctr"/>
+            <a:lstStyle/>
+            <a:p>
+              <a:pPr marL="288000"/>
+              <a:r>
+                <a:rPr lang="en-US" altLang="ko-KR" sz="4000" dirty="0">
+                  <a:solidFill>
+                    <a:schemeClr val="tx1"/>
+                  </a:solidFill>
+                  <a:latin typeface="구름 산스 700" pitchFamily="2" charset="-127"/>
+                  <a:ea typeface="구름 산스 700" pitchFamily="2" charset="-127"/>
+                </a:rPr>
+                <a:t>Unstructured </a:t>
+              </a:r>
+              <a:r>
+                <a:rPr lang="en-US" altLang="ko-KR" sz="4000" dirty="0" err="1">
+                  <a:solidFill>
+                    <a:schemeClr val="tx1"/>
+                  </a:solidFill>
+                  <a:latin typeface="구름 산스 700" pitchFamily="2" charset="-127"/>
+                  <a:ea typeface="구름 산스 700" pitchFamily="2" charset="-127"/>
+                </a:rPr>
+                <a:t>Partioning</a:t>
+              </a:r>
+              <a:endParaRPr lang="ko-KR" altLang="en-US" sz="4000" dirty="0">
+                <a:solidFill>
+                  <a:schemeClr val="tx1"/>
+                </a:solidFill>
+                <a:latin typeface="구름 산스 700" pitchFamily="2" charset="-127"/>
+                <a:ea typeface="구름 산스 700" pitchFamily="2" charset="-127"/>
+              </a:endParaRPr>
+            </a:p>
+          </p:txBody>
+        </p:sp>
+      </p:grpSp>
+    </p:spTree>
+    <p:extLst>
+      <p:ext uri="{BB962C8B-B14F-4D97-AF65-F5344CB8AC3E}">
+        <p14:creationId xmlns:p14="http://schemas.microsoft.com/office/powerpoint/2010/main" val="3675695059"/>
+      </p:ext>
+    </p:extLst>
+  </p:cSld>
+  <p:clrMapOvr>
+    <a:masterClrMapping/>
+  </p:clrMapOvr>
+</p:sld>
+</file>
+
+<file path=ppt/slides/slide24.xml><?xml version="1.0" encoding="utf-8"?>
+<p:sld xmlns:a="http://schemas.openxmlformats.org/drawingml/2006/main" xmlns:r="http://schemas.openxmlformats.org/officeDocument/2006/relationships" xmlns:p="http://schemas.openxmlformats.org/presentationml/2006/main">
+  <p:cSld>
+    <p:spTree>
+      <p:nvGrpSpPr>
+        <p:cNvPr id="1" name="">
+          <a:extLst>
+            <a:ext uri="{FF2B5EF4-FFF2-40B4-BE49-F238E27FC236}">
+              <a16:creationId xmlns:a16="http://schemas.microsoft.com/office/drawing/2014/main" id="{19C5214B-6EE2-773F-9863-73027DFD61A0}"/>
+            </a:ext>
+          </a:extLst>
+        </p:cNvPr>
+        <p:cNvGrpSpPr/>
+        <p:nvPr/>
+      </p:nvGrpSpPr>
+      <p:grpSpPr>
+        <a:xfrm>
+          <a:off x="0" y="0"/>
+          <a:ext cx="0" cy="0"/>
+          <a:chOff x="0" y="0"/>
+          <a:chExt cx="0" cy="0"/>
+        </a:xfrm>
+      </p:grpSpPr>
+      <p:pic>
+        <p:nvPicPr>
+          <p:cNvPr id="7" name="그림 6">
+            <a:extLst>
+              <a:ext uri="{FF2B5EF4-FFF2-40B4-BE49-F238E27FC236}">
+                <a16:creationId xmlns:a16="http://schemas.microsoft.com/office/drawing/2014/main" id="{5D321113-15EA-28D9-D620-50A88FA705AD}"/>
+              </a:ext>
+            </a:extLst>
+          </p:cNvPr>
+          <p:cNvPicPr>
+            <a:picLocks noChangeAspect="1"/>
+          </p:cNvPicPr>
+          <p:nvPr/>
+        </p:nvPicPr>
+        <p:blipFill>
+          <a:blip r:embed="rId2"/>
+          <a:stretch>
+            <a:fillRect/>
+          </a:stretch>
+        </p:blipFill>
+        <p:spPr>
+          <a:xfrm>
+            <a:off x="15239" y="1"/>
+            <a:ext cx="12192001" cy="6858000"/>
+          </a:xfrm>
+          <a:prstGeom prst="rect">
+            <a:avLst/>
+          </a:prstGeom>
+        </p:spPr>
+      </p:pic>
+      <p:sp>
+        <p:nvSpPr>
+          <p:cNvPr id="2" name="슬라이드 번호 개체 틀 1">
+            <a:extLst>
+              <a:ext uri="{FF2B5EF4-FFF2-40B4-BE49-F238E27FC236}">
+                <a16:creationId xmlns:a16="http://schemas.microsoft.com/office/drawing/2014/main" id="{4FA251B4-9DE1-3AE2-6E93-9A1B34A7126F}"/>
+              </a:ext>
+            </a:extLst>
+          </p:cNvPr>
+          <p:cNvSpPr>
+            <a:spLocks noGrp="1"/>
+          </p:cNvSpPr>
+          <p:nvPr>
+            <p:ph type="sldNum" sz="quarter" idx="12"/>
+          </p:nvPr>
+        </p:nvSpPr>
+        <p:spPr/>
+        <p:txBody>
+          <a:bodyPr/>
+          <a:lstStyle/>
+          <a:p>
+            <a:fld id="{C5002163-FFAF-417C-9C20-DC892DFE9806}" type="slidenum">
+              <a:rPr lang="ko-KR" altLang="en-US" smtClean="0"/>
+              <a:pPr/>
+              <a:t>23</a:t>
+            </a:fld>
+            <a:endParaRPr lang="ko-KR" altLang="en-US"/>
+          </a:p>
+        </p:txBody>
+      </p:sp>
+      <p:sp>
+        <p:nvSpPr>
+          <p:cNvPr id="4" name="직사각형 3">
+            <a:extLst>
+              <a:ext uri="{FF2B5EF4-FFF2-40B4-BE49-F238E27FC236}">
+                <a16:creationId xmlns:a16="http://schemas.microsoft.com/office/drawing/2014/main" id="{7BBD5C73-A7D7-A68E-60D3-C905AAD7BB55}"/>
+              </a:ext>
+            </a:extLst>
+          </p:cNvPr>
+          <p:cNvSpPr/>
+          <p:nvPr/>
+        </p:nvSpPr>
+        <p:spPr>
+          <a:xfrm>
+            <a:off x="-85074" y="0"/>
+            <a:ext cx="12292314" cy="6858000"/>
+          </a:xfrm>
+          <a:prstGeom prst="rect">
+            <a:avLst/>
+          </a:prstGeom>
+          <a:gradFill flip="none" rotWithShape="1">
+            <a:gsLst>
+              <a:gs pos="66000">
+                <a:srgbClr val="2C92D2">
+                  <a:alpha val="90000"/>
+                </a:srgbClr>
+              </a:gs>
+              <a:gs pos="33000">
+                <a:srgbClr val="58A8DB">
+                  <a:alpha val="80000"/>
+                </a:srgbClr>
+              </a:gs>
+              <a:gs pos="0">
+                <a:schemeClr val="accent1">
+                  <a:lumMod val="5000"/>
+                  <a:lumOff val="95000"/>
+                  <a:alpha val="60000"/>
+                </a:schemeClr>
+              </a:gs>
+              <a:gs pos="100000">
+                <a:srgbClr val="007BC8"/>
+              </a:gs>
+            </a:gsLst>
+            <a:lin ang="10800000" scaled="0"/>
+            <a:tileRect/>
+          </a:gradFill>
+          <a:ln>
+            <a:noFill/>
+          </a:ln>
+        </p:spPr>
+        <p:style>
+          <a:lnRef idx="2">
+            <a:schemeClr val="accent1">
+              <a:shade val="15000"/>
+            </a:schemeClr>
+          </a:lnRef>
+          <a:fillRef idx="1">
+            <a:schemeClr val="accent1"/>
+          </a:fillRef>
+          <a:effectRef idx="0">
+            <a:schemeClr val="accent1"/>
+          </a:effectRef>
+          <a:fontRef idx="minor">
+            <a:schemeClr val="lt1"/>
+          </a:fontRef>
+        </p:style>
+        <p:txBody>
+          <a:bodyPr rtlCol="0" anchor="ctr"/>
+          <a:lstStyle/>
+          <a:p>
+            <a:pPr algn="ctr"/>
+            <a:endParaRPr lang="ko-KR" altLang="en-US"/>
+          </a:p>
+        </p:txBody>
+      </p:sp>
+      <p:sp>
+        <p:nvSpPr>
+          <p:cNvPr id="5" name="TextBox 9">
+            <a:extLst>
+              <a:ext uri="{FF2B5EF4-FFF2-40B4-BE49-F238E27FC236}">
+                <a16:creationId xmlns:a16="http://schemas.microsoft.com/office/drawing/2014/main" id="{C9378B55-3B4D-8607-E8DC-9773153AB500}"/>
+              </a:ext>
+            </a:extLst>
+          </p:cNvPr>
+          <p:cNvSpPr txBox="1"/>
+          <p:nvPr/>
+        </p:nvSpPr>
+        <p:spPr>
+          <a:xfrm>
+            <a:off x="1055688" y="4226050"/>
+            <a:ext cx="6777672" cy="991870"/>
+          </a:xfrm>
+          <a:prstGeom prst="rect">
+            <a:avLst/>
+          </a:prstGeom>
+        </p:spPr>
+        <p:txBody>
+          <a:bodyPr lIns="0" tIns="135467" rIns="0" bIns="135467" rtlCol="0" anchor="ctr"/>
+          <a:lstStyle/>
+          <a:p>
+            <a:pPr lvl="0" algn="l">
+              <a:lnSpc>
+                <a:spcPct val="99600"/>
+              </a:lnSpc>
+            </a:pPr>
+            <a:r>
+              <a:rPr lang="ko-KR" altLang="en-US" sz="6000" spc="107">
+                <a:ln w="25400">
+                  <a:noFill/>
+                </a:ln>
+                <a:solidFill>
+                  <a:schemeClr val="bg1"/>
+                </a:solidFill>
+                <a:latin typeface="구름 산스 700" pitchFamily="2" charset="-127"/>
+                <a:ea typeface="구름 산스 700" pitchFamily="2" charset="-127"/>
+              </a:rPr>
+              <a:t>결론 및 향후 방향성</a:t>
+            </a:r>
+            <a:endParaRPr lang="ko-KR" sz="6000" b="0" i="0" u="none" strike="noStrike" spc="107" dirty="0">
+              <a:ln w="25400">
+                <a:noFill/>
+              </a:ln>
+              <a:solidFill>
+                <a:schemeClr val="bg1"/>
+              </a:solidFill>
+              <a:latin typeface="구름 산스 700" pitchFamily="2" charset="-127"/>
+              <a:ea typeface="구름 산스 700" pitchFamily="2" charset="-127"/>
+            </a:endParaRPr>
+          </a:p>
+        </p:txBody>
+      </p:sp>
+      <p:sp>
+        <p:nvSpPr>
+          <p:cNvPr id="6" name="직사각형 5">
+            <a:extLst>
+              <a:ext uri="{FF2B5EF4-FFF2-40B4-BE49-F238E27FC236}">
+                <a16:creationId xmlns:a16="http://schemas.microsoft.com/office/drawing/2014/main" id="{E25FCA37-B4FF-9E17-DDCB-85DD887756C1}"/>
+              </a:ext>
+            </a:extLst>
+          </p:cNvPr>
+          <p:cNvSpPr/>
+          <p:nvPr/>
+        </p:nvSpPr>
+        <p:spPr>
+          <a:xfrm>
+            <a:off x="1055687" y="2644170"/>
+            <a:ext cx="1553631" cy="1569660"/>
+          </a:xfrm>
+          <a:prstGeom prst="rect">
+            <a:avLst/>
+          </a:prstGeom>
+          <a:noFill/>
+        </p:spPr>
+        <p:txBody>
+          <a:bodyPr wrap="none" lIns="91440" tIns="45720" rIns="91440" bIns="45720">
+            <a:spAutoFit/>
+          </a:bodyPr>
+          <a:lstStyle/>
+          <a:p>
+            <a:pPr algn="ctr"/>
+            <a:r>
+              <a:rPr lang="en-US" altLang="ko-KR" sz="9600" b="1" dirty="0">
+                <a:ln w="63500">
+                  <a:solidFill>
+                    <a:schemeClr val="bg1"/>
+                  </a:solidFill>
+                  <a:prstDash val="solid"/>
+                </a:ln>
+                <a:solidFill>
+                  <a:srgbClr val="FFFFFF"/>
+                </a:solidFill>
+                <a:effectLst>
+                  <a:outerShdw blurRad="50800" dist="88900" dir="1560000" algn="l" rotWithShape="0">
+                    <a:srgbClr val="002060">
+                      <a:alpha val="40000"/>
+                    </a:srgbClr>
+                  </a:outerShdw>
+                </a:effectLst>
+                <a:latin typeface="Pretendard ExtraBold" panose="020B0600000101010101" charset="-127"/>
+                <a:ea typeface="Pretendard ExtraBold" panose="020B0600000101010101" charset="-127"/>
+                <a:cs typeface="Malgun Gothic Semilight" panose="020B0503020000020004" pitchFamily="34" charset="-127"/>
+              </a:rPr>
+              <a:t>04</a:t>
+            </a:r>
+          </a:p>
+        </p:txBody>
+      </p:sp>
+    </p:spTree>
+    <p:extLst>
+      <p:ext uri="{BB962C8B-B14F-4D97-AF65-F5344CB8AC3E}">
+        <p14:creationId xmlns:p14="http://schemas.microsoft.com/office/powerpoint/2010/main" val="2486295478"/>
+      </p:ext>
+    </p:extLst>
+  </p:cSld>
+  <p:clrMapOvr>
+    <a:masterClrMapping/>
+  </p:clrMapOvr>
+</p:sld>
+</file>
+
+<file path=ppt/slides/slide25.xml><?xml version="1.0" encoding="utf-8"?>
+<p:sld xmlns:a="http://schemas.openxmlformats.org/drawingml/2006/main" xmlns:r="http://schemas.openxmlformats.org/officeDocument/2006/relationships" xmlns:p="http://schemas.openxmlformats.org/presentationml/2006/main">
+  <p:cSld>
+    <p:spTree>
+      <p:nvGrpSpPr>
+        <p:cNvPr id="1" name="">
+          <a:extLst>
+            <a:ext uri="{FF2B5EF4-FFF2-40B4-BE49-F238E27FC236}">
+              <a16:creationId xmlns:a16="http://schemas.microsoft.com/office/drawing/2014/main" id="{50DB6834-FB9D-5517-0998-53D56F1F8161}"/>
+            </a:ext>
+          </a:extLst>
+        </p:cNvPr>
+        <p:cNvGrpSpPr/>
+        <p:nvPr/>
+      </p:nvGrpSpPr>
+      <p:grpSpPr>
+        <a:xfrm>
+          <a:off x="0" y="0"/>
+          <a:ext cx="0" cy="0"/>
+          <a:chOff x="0" y="0"/>
+          <a:chExt cx="0" cy="0"/>
+        </a:xfrm>
+      </p:grpSpPr>
+      <p:sp>
+        <p:nvSpPr>
+          <p:cNvPr id="3" name="슬라이드 번호 개체 틀 2">
+            <a:extLst>
+              <a:ext uri="{FF2B5EF4-FFF2-40B4-BE49-F238E27FC236}">
+                <a16:creationId xmlns:a16="http://schemas.microsoft.com/office/drawing/2014/main" id="{36E03354-FD32-91F0-4E69-1E6CA8655E93}"/>
+              </a:ext>
+            </a:extLst>
+          </p:cNvPr>
+          <p:cNvSpPr>
+            <a:spLocks noGrp="1"/>
+          </p:cNvSpPr>
+          <p:nvPr>
+            <p:ph type="sldNum" sz="quarter" idx="12"/>
+          </p:nvPr>
+        </p:nvSpPr>
+        <p:spPr/>
+        <p:txBody>
+          <a:bodyPr/>
+          <a:lstStyle/>
+          <a:p>
+            <a:fld id="{C5002163-FFAF-417C-9C20-DC892DFE9806}" type="slidenum">
+              <a:rPr lang="ko-KR" altLang="en-US" smtClean="0"/>
+              <a:t>24</a:t>
+            </a:fld>
+            <a:endParaRPr lang="ko-KR" altLang="en-US"/>
+          </a:p>
+        </p:txBody>
+      </p:sp>
+      <p:grpSp>
+        <p:nvGrpSpPr>
+          <p:cNvPr id="12" name="그룹 11">
+            <a:extLst>
+              <a:ext uri="{FF2B5EF4-FFF2-40B4-BE49-F238E27FC236}">
+                <a16:creationId xmlns:a16="http://schemas.microsoft.com/office/drawing/2014/main" id="{23233C6B-70D9-F5FE-9924-13A6408CAA62}"/>
+              </a:ext>
+            </a:extLst>
+          </p:cNvPr>
+          <p:cNvGrpSpPr/>
+          <p:nvPr/>
+        </p:nvGrpSpPr>
+        <p:grpSpPr>
+          <a:xfrm>
+            <a:off x="695325" y="728663"/>
+            <a:ext cx="9001124" cy="936000"/>
+            <a:chOff x="1639161" y="761221"/>
+            <a:chExt cx="9001124" cy="900000"/>
+          </a:xfrm>
+          <a:effectLst>
+            <a:outerShdw blurRad="12700" dist="127000" dir="5400000" algn="t" rotWithShape="0">
+              <a:prstClr val="black">
+                <a:alpha val="10000"/>
+              </a:prstClr>
+            </a:outerShdw>
+          </a:effectLst>
+        </p:grpSpPr>
+        <p:sp>
+          <p:nvSpPr>
+            <p:cNvPr id="4" name="직사각형 3">
+              <a:extLst>
+                <a:ext uri="{FF2B5EF4-FFF2-40B4-BE49-F238E27FC236}">
+                  <a16:creationId xmlns:a16="http://schemas.microsoft.com/office/drawing/2014/main" id="{422BA0DF-05D0-1858-91FF-5F73A531AD43}"/>
+                </a:ext>
+              </a:extLst>
+            </p:cNvPr>
+            <p:cNvSpPr/>
+            <p:nvPr/>
+          </p:nvSpPr>
+          <p:spPr>
+            <a:xfrm>
+              <a:off x="1639161" y="761221"/>
+              <a:ext cx="900000" cy="900000"/>
+            </a:xfrm>
+            <a:prstGeom prst="rect">
+              <a:avLst/>
+            </a:prstGeom>
+            <a:solidFill>
+              <a:srgbClr val="007BC8"/>
+            </a:solidFill>
+            <a:ln w="50800">
+              <a:solidFill>
+                <a:schemeClr val="accent1">
+                  <a:shade val="15000"/>
+                </a:schemeClr>
+              </a:solidFill>
+            </a:ln>
+          </p:spPr>
+          <p:style>
+            <a:lnRef idx="2">
+              <a:schemeClr val="accent1">
+                <a:shade val="15000"/>
+              </a:schemeClr>
+            </a:lnRef>
+            <a:fillRef idx="1">
+              <a:schemeClr val="accent1"/>
+            </a:fillRef>
+            <a:effectRef idx="0">
+              <a:schemeClr val="accent1"/>
+            </a:effectRef>
+            <a:fontRef idx="minor">
+              <a:schemeClr val="lt1"/>
+            </a:fontRef>
+          </p:style>
+          <p:txBody>
+            <a:bodyPr rtlCol="0" anchor="ctr"/>
+            <a:lstStyle/>
+            <a:p>
+              <a:pPr algn="ctr"/>
+              <a:endParaRPr lang="ko-KR" altLang="en-US" dirty="0"/>
+            </a:p>
+          </p:txBody>
+        </p:sp>
+        <p:sp>
+          <p:nvSpPr>
+            <p:cNvPr id="10" name="직사각형 9">
+              <a:extLst>
+                <a:ext uri="{FF2B5EF4-FFF2-40B4-BE49-F238E27FC236}">
+                  <a16:creationId xmlns:a16="http://schemas.microsoft.com/office/drawing/2014/main" id="{6C1653CA-7C6E-DF4E-A5C3-496523946C6F}"/>
+                </a:ext>
+              </a:extLst>
+            </p:cNvPr>
+            <p:cNvSpPr/>
+            <p:nvPr/>
+          </p:nvSpPr>
+          <p:spPr>
+            <a:xfrm>
+              <a:off x="2539160" y="761221"/>
+              <a:ext cx="8101125" cy="900000"/>
+            </a:xfrm>
+            <a:prstGeom prst="rect">
+              <a:avLst/>
+            </a:prstGeom>
+            <a:solidFill>
+              <a:schemeClr val="bg1"/>
+            </a:solidFill>
+            <a:ln w="50800">
+              <a:solidFill>
+                <a:schemeClr val="tx1"/>
+              </a:solidFill>
+            </a:ln>
+          </p:spPr>
+          <p:style>
+            <a:lnRef idx="2">
+              <a:schemeClr val="accent1">
+                <a:shade val="15000"/>
+              </a:schemeClr>
+            </a:lnRef>
+            <a:fillRef idx="1">
+              <a:schemeClr val="accent1"/>
+            </a:fillRef>
+            <a:effectRef idx="0">
+              <a:schemeClr val="accent1"/>
+            </a:effectRef>
+            <a:fontRef idx="minor">
+              <a:schemeClr val="lt1"/>
+            </a:fontRef>
+          </p:style>
+          <p:txBody>
+            <a:bodyPr rtlCol="0" anchor="ctr"/>
+            <a:lstStyle/>
+            <a:p>
+              <a:pPr marL="288000"/>
+              <a:r>
+                <a:rPr lang="ko-KR" altLang="en-US" sz="4000" dirty="0">
+                  <a:solidFill>
+                    <a:schemeClr val="tx1"/>
+                  </a:solidFill>
+                  <a:latin typeface="CookieRun Regular" panose="020B0600000101010101" pitchFamily="50" charset="-127"/>
+                  <a:ea typeface="CookieRun Regular" panose="020B0600000101010101" pitchFamily="50" charset="-127"/>
+                </a:rPr>
+                <a:t>성능 향상을 위한 이미지 </a:t>
+              </a:r>
+              <a:r>
+                <a:rPr lang="ko-KR" altLang="en-US" sz="4000" dirty="0" err="1">
+                  <a:solidFill>
+                    <a:schemeClr val="tx1"/>
+                  </a:solidFill>
+                  <a:latin typeface="CookieRun Regular" panose="020B0600000101010101" pitchFamily="50" charset="-127"/>
+                  <a:ea typeface="CookieRun Regular" panose="020B0600000101010101" pitchFamily="50" charset="-127"/>
+                </a:rPr>
+                <a:t>전처리</a:t>
+              </a:r>
+              <a:endParaRPr lang="ko-KR" altLang="en-US" sz="4000" dirty="0">
+                <a:solidFill>
+                  <a:schemeClr val="tx1"/>
+                </a:solidFill>
+                <a:latin typeface="CookieRun Regular" panose="020B0600000101010101" pitchFamily="50" charset="-127"/>
+                <a:ea typeface="CookieRun Regular" panose="020B0600000101010101" pitchFamily="50" charset="-127"/>
+              </a:endParaRPr>
+            </a:p>
+          </p:txBody>
+        </p:sp>
+      </p:grpSp>
+    </p:spTree>
+    <p:extLst>
+      <p:ext uri="{BB962C8B-B14F-4D97-AF65-F5344CB8AC3E}">
+        <p14:creationId xmlns:p14="http://schemas.microsoft.com/office/powerpoint/2010/main" val="948262531"/>
+      </p:ext>
+    </p:extLst>
+  </p:cSld>
+  <p:clrMapOvr>
+    <a:masterClrMapping/>
+  </p:clrMapOvr>
+</p:sld>
+</file>
+
+<file path=ppt/slides/slide26.xml><?xml version="1.0" encoding="utf-8"?>
+<p:sld xmlns:a="http://schemas.openxmlformats.org/drawingml/2006/main" xmlns:r="http://schemas.openxmlformats.org/officeDocument/2006/relationships" xmlns:p="http://schemas.openxmlformats.org/presentationml/2006/main">
+  <p:cSld>
+    <p:spTree>
+      <p:nvGrpSpPr>
+        <p:cNvPr id="1" name="">
+          <a:extLst>
+            <a:ext uri="{FF2B5EF4-FFF2-40B4-BE49-F238E27FC236}">
+              <a16:creationId xmlns:a16="http://schemas.microsoft.com/office/drawing/2014/main" id="{AD6ACE1D-F7EE-6270-A141-B2C5F5E5BB9C}"/>
+            </a:ext>
+          </a:extLst>
+        </p:cNvPr>
+        <p:cNvGrpSpPr/>
+        <p:nvPr/>
+      </p:nvGrpSpPr>
+      <p:grpSpPr>
+        <a:xfrm>
+          <a:off x="0" y="0"/>
+          <a:ext cx="0" cy="0"/>
+          <a:chOff x="0" y="0"/>
+          <a:chExt cx="0" cy="0"/>
+        </a:xfrm>
+      </p:grpSpPr>
+      <p:sp>
+        <p:nvSpPr>
+          <p:cNvPr id="3" name="슬라이드 번호 개체 틀 2">
+            <a:extLst>
+              <a:ext uri="{FF2B5EF4-FFF2-40B4-BE49-F238E27FC236}">
+                <a16:creationId xmlns:a16="http://schemas.microsoft.com/office/drawing/2014/main" id="{48B5FBB8-8450-1E57-74E5-054B9096EE9F}"/>
+              </a:ext>
+            </a:extLst>
+          </p:cNvPr>
+          <p:cNvSpPr>
+            <a:spLocks noGrp="1"/>
+          </p:cNvSpPr>
+          <p:nvPr>
+            <p:ph type="sldNum" sz="quarter" idx="12"/>
+          </p:nvPr>
+        </p:nvSpPr>
+        <p:spPr/>
+        <p:txBody>
+          <a:bodyPr/>
+          <a:lstStyle/>
+          <a:p>
+            <a:fld id="{C5002163-FFAF-417C-9C20-DC892DFE9806}" type="slidenum">
+              <a:rPr lang="ko-KR" altLang="en-US" smtClean="0"/>
+              <a:t>25</a:t>
+            </a:fld>
+            <a:endParaRPr lang="ko-KR" altLang="en-US"/>
+          </a:p>
+        </p:txBody>
+      </p:sp>
+      <p:grpSp>
+        <p:nvGrpSpPr>
+          <p:cNvPr id="12" name="그룹 11">
+            <a:extLst>
+              <a:ext uri="{FF2B5EF4-FFF2-40B4-BE49-F238E27FC236}">
+                <a16:creationId xmlns:a16="http://schemas.microsoft.com/office/drawing/2014/main" id="{30DA3B42-1C66-087D-92F6-C1A007B64F48}"/>
+              </a:ext>
+            </a:extLst>
+          </p:cNvPr>
+          <p:cNvGrpSpPr/>
+          <p:nvPr/>
+        </p:nvGrpSpPr>
+        <p:grpSpPr>
+          <a:xfrm>
+            <a:off x="695325" y="728663"/>
+            <a:ext cx="9001124" cy="936000"/>
+            <a:chOff x="1639161" y="761221"/>
+            <a:chExt cx="9001124" cy="900000"/>
+          </a:xfrm>
+          <a:effectLst>
+            <a:outerShdw blurRad="12700" dist="127000" dir="5400000" algn="t" rotWithShape="0">
+              <a:prstClr val="black">
+                <a:alpha val="10000"/>
+              </a:prstClr>
+            </a:outerShdw>
+          </a:effectLst>
+        </p:grpSpPr>
+        <p:sp>
+          <p:nvSpPr>
+            <p:cNvPr id="4" name="직사각형 3">
+              <a:extLst>
+                <a:ext uri="{FF2B5EF4-FFF2-40B4-BE49-F238E27FC236}">
+                  <a16:creationId xmlns:a16="http://schemas.microsoft.com/office/drawing/2014/main" id="{91A99F23-7CA1-8459-B2E6-AB6C1C5DA077}"/>
+                </a:ext>
+              </a:extLst>
+            </p:cNvPr>
+            <p:cNvSpPr/>
+            <p:nvPr/>
+          </p:nvSpPr>
+          <p:spPr>
+            <a:xfrm>
+              <a:off x="1639161" y="761221"/>
+              <a:ext cx="900000" cy="900000"/>
+            </a:xfrm>
+            <a:prstGeom prst="rect">
+              <a:avLst/>
+            </a:prstGeom>
+            <a:solidFill>
+              <a:srgbClr val="007BC8"/>
+            </a:solidFill>
+            <a:ln w="50800">
+              <a:solidFill>
+                <a:schemeClr val="accent1">
+                  <a:shade val="15000"/>
+                </a:schemeClr>
+              </a:solidFill>
+            </a:ln>
+          </p:spPr>
+          <p:style>
+            <a:lnRef idx="2">
+              <a:schemeClr val="accent1">
+                <a:shade val="15000"/>
+              </a:schemeClr>
+            </a:lnRef>
+            <a:fillRef idx="1">
+              <a:schemeClr val="accent1"/>
+            </a:fillRef>
+            <a:effectRef idx="0">
+              <a:schemeClr val="accent1"/>
+            </a:effectRef>
+            <a:fontRef idx="minor">
+              <a:schemeClr val="lt1"/>
+            </a:fontRef>
+          </p:style>
+          <p:txBody>
+            <a:bodyPr rtlCol="0" anchor="ctr"/>
+            <a:lstStyle/>
+            <a:p>
+              <a:pPr algn="ctr"/>
+              <a:endParaRPr lang="ko-KR" altLang="en-US" dirty="0"/>
+            </a:p>
+          </p:txBody>
+        </p:sp>
+        <p:sp>
+          <p:nvSpPr>
+            <p:cNvPr id="10" name="직사각형 9">
+              <a:extLst>
+                <a:ext uri="{FF2B5EF4-FFF2-40B4-BE49-F238E27FC236}">
+                  <a16:creationId xmlns:a16="http://schemas.microsoft.com/office/drawing/2014/main" id="{C952342B-3B95-EBBA-78F9-EB57081B4376}"/>
+                </a:ext>
+              </a:extLst>
+            </p:cNvPr>
+            <p:cNvSpPr/>
+            <p:nvPr/>
+          </p:nvSpPr>
+          <p:spPr>
+            <a:xfrm>
+              <a:off x="2539160" y="761221"/>
+              <a:ext cx="8101125" cy="900000"/>
+            </a:xfrm>
+            <a:prstGeom prst="rect">
+              <a:avLst/>
+            </a:prstGeom>
+            <a:solidFill>
+              <a:schemeClr val="bg1"/>
+            </a:solidFill>
+            <a:ln w="50800">
+              <a:solidFill>
+                <a:schemeClr val="tx1"/>
+              </a:solidFill>
+            </a:ln>
+          </p:spPr>
+          <p:style>
+            <a:lnRef idx="2">
+              <a:schemeClr val="accent1">
+                <a:shade val="15000"/>
+              </a:schemeClr>
+            </a:lnRef>
+            <a:fillRef idx="1">
+              <a:schemeClr val="accent1"/>
+            </a:fillRef>
+            <a:effectRef idx="0">
+              <a:schemeClr val="accent1"/>
+            </a:effectRef>
+            <a:fontRef idx="minor">
+              <a:schemeClr val="lt1"/>
+            </a:fontRef>
+          </p:style>
+          <p:txBody>
+            <a:bodyPr rtlCol="0" anchor="ctr"/>
+            <a:lstStyle/>
+            <a:p>
+              <a:pPr marL="288000"/>
+              <a:r>
+                <a:rPr lang="ko-KR" altLang="en-US" sz="4000" dirty="0">
+                  <a:solidFill>
+                    <a:schemeClr val="tx1"/>
+                  </a:solidFill>
+                  <a:latin typeface="CookieRun Regular" panose="020B0600000101010101" pitchFamily="50" charset="-127"/>
+                  <a:ea typeface="CookieRun Regular" panose="020B0600000101010101" pitchFamily="50" charset="-127"/>
+                </a:rPr>
+                <a:t>현재 </a:t>
+              </a:r>
+              <a:r>
+                <a:rPr lang="en-US" altLang="ko-KR" sz="4000" dirty="0">
+                  <a:solidFill>
+                    <a:schemeClr val="tx1"/>
+                  </a:solidFill>
+                  <a:latin typeface="구름 산스 700" pitchFamily="2" charset="-127"/>
+                  <a:ea typeface="구름 산스 700" pitchFamily="2" charset="-127"/>
+                </a:rPr>
+                <a:t>OCR</a:t>
+              </a:r>
+              <a:r>
+                <a:rPr lang="ko-KR" altLang="en-US" sz="4000" dirty="0">
+                  <a:solidFill>
+                    <a:schemeClr val="tx1"/>
+                  </a:solidFill>
+                  <a:latin typeface="CookieRun Regular" panose="020B0600000101010101" pitchFamily="50" charset="-127"/>
+                  <a:ea typeface="CookieRun Regular" panose="020B0600000101010101" pitchFamily="50" charset="-127"/>
+                </a:rPr>
+                <a:t>의 한계점</a:t>
+              </a:r>
+            </a:p>
+          </p:txBody>
+        </p:sp>
+      </p:grpSp>
+    </p:spTree>
+    <p:extLst>
+      <p:ext uri="{BB962C8B-B14F-4D97-AF65-F5344CB8AC3E}">
+        <p14:creationId xmlns:p14="http://schemas.microsoft.com/office/powerpoint/2010/main" val="269322329"/>
+      </p:ext>
+    </p:extLst>
+  </p:cSld>
+  <p:clrMapOvr>
+    <a:masterClrMapping/>
+  </p:clrMapOvr>
+</p:sld>
+</file>
+
+<file path=ppt/slides/slide27.xml><?xml version="1.0" encoding="utf-8"?>
+<p:sld xmlns:a="http://schemas.openxmlformats.org/drawingml/2006/main" xmlns:r="http://schemas.openxmlformats.org/officeDocument/2006/relationships" xmlns:p="http://schemas.openxmlformats.org/presentationml/2006/main">
+  <p:cSld>
+    <p:spTree>
+      <p:nvGrpSpPr>
+        <p:cNvPr id="1" name="">
+          <a:extLst>
+            <a:ext uri="{FF2B5EF4-FFF2-40B4-BE49-F238E27FC236}">
+              <a16:creationId xmlns:a16="http://schemas.microsoft.com/office/drawing/2014/main" id="{143C23F9-8182-EF94-6EDA-C374A489B1FA}"/>
+            </a:ext>
+          </a:extLst>
+        </p:cNvPr>
+        <p:cNvGrpSpPr/>
+        <p:nvPr/>
+      </p:nvGrpSpPr>
+      <p:grpSpPr>
+        <a:xfrm>
+          <a:off x="0" y="0"/>
+          <a:ext cx="0" cy="0"/>
+          <a:chOff x="0" y="0"/>
+          <a:chExt cx="0" cy="0"/>
+        </a:xfrm>
+      </p:grpSpPr>
+      <p:sp>
+        <p:nvSpPr>
+          <p:cNvPr id="3" name="슬라이드 번호 개체 틀 2">
+            <a:extLst>
+              <a:ext uri="{FF2B5EF4-FFF2-40B4-BE49-F238E27FC236}">
+                <a16:creationId xmlns:a16="http://schemas.microsoft.com/office/drawing/2014/main" id="{90229120-73D3-FC5D-0DD0-BDFB46FABB2E}"/>
+              </a:ext>
+            </a:extLst>
+          </p:cNvPr>
+          <p:cNvSpPr>
+            <a:spLocks noGrp="1"/>
+          </p:cNvSpPr>
+          <p:nvPr>
+            <p:ph type="sldNum" sz="quarter" idx="12"/>
+          </p:nvPr>
+        </p:nvSpPr>
+        <p:spPr/>
+        <p:txBody>
+          <a:bodyPr/>
+          <a:lstStyle/>
+          <a:p>
+            <a:fld id="{C5002163-FFAF-417C-9C20-DC892DFE9806}" type="slidenum">
+              <a:rPr lang="ko-KR" altLang="en-US" smtClean="0"/>
+              <a:t>26</a:t>
+            </a:fld>
+            <a:endParaRPr lang="ko-KR" altLang="en-US"/>
+          </a:p>
+        </p:txBody>
+      </p:sp>
+      <p:grpSp>
+        <p:nvGrpSpPr>
+          <p:cNvPr id="12" name="그룹 11">
+            <a:extLst>
+              <a:ext uri="{FF2B5EF4-FFF2-40B4-BE49-F238E27FC236}">
+                <a16:creationId xmlns:a16="http://schemas.microsoft.com/office/drawing/2014/main" id="{9F89B3E1-7B65-8131-792A-1CB8A9902FA4}"/>
+              </a:ext>
+            </a:extLst>
+          </p:cNvPr>
+          <p:cNvGrpSpPr/>
+          <p:nvPr/>
+        </p:nvGrpSpPr>
+        <p:grpSpPr>
+          <a:xfrm>
+            <a:off x="695325" y="728663"/>
+            <a:ext cx="9001124" cy="936000"/>
+            <a:chOff x="1639161" y="761221"/>
+            <a:chExt cx="9001124" cy="900000"/>
+          </a:xfrm>
+          <a:effectLst>
+            <a:outerShdw blurRad="12700" dist="127000" dir="5400000" algn="t" rotWithShape="0">
+              <a:prstClr val="black">
+                <a:alpha val="10000"/>
+              </a:prstClr>
+            </a:outerShdw>
+          </a:effectLst>
+        </p:grpSpPr>
+        <p:sp>
+          <p:nvSpPr>
+            <p:cNvPr id="4" name="직사각형 3">
+              <a:extLst>
+                <a:ext uri="{FF2B5EF4-FFF2-40B4-BE49-F238E27FC236}">
+                  <a16:creationId xmlns:a16="http://schemas.microsoft.com/office/drawing/2014/main" id="{2CE2129B-189C-D3D8-B66A-7A3B4DE4C64F}"/>
+                </a:ext>
+              </a:extLst>
+            </p:cNvPr>
+            <p:cNvSpPr/>
+            <p:nvPr/>
+          </p:nvSpPr>
+          <p:spPr>
+            <a:xfrm>
+              <a:off x="1639161" y="761221"/>
+              <a:ext cx="900000" cy="900000"/>
+            </a:xfrm>
+            <a:prstGeom prst="rect">
+              <a:avLst/>
+            </a:prstGeom>
+            <a:solidFill>
+              <a:srgbClr val="007BC8"/>
+            </a:solidFill>
+            <a:ln w="50800">
+              <a:solidFill>
+                <a:schemeClr val="accent1">
+                  <a:shade val="15000"/>
+                </a:schemeClr>
+              </a:solidFill>
+            </a:ln>
+          </p:spPr>
+          <p:style>
+            <a:lnRef idx="2">
+              <a:schemeClr val="accent1">
+                <a:shade val="15000"/>
+              </a:schemeClr>
+            </a:lnRef>
+            <a:fillRef idx="1">
+              <a:schemeClr val="accent1"/>
+            </a:fillRef>
+            <a:effectRef idx="0">
+              <a:schemeClr val="accent1"/>
+            </a:effectRef>
+            <a:fontRef idx="minor">
+              <a:schemeClr val="lt1"/>
+            </a:fontRef>
+          </p:style>
+          <p:txBody>
+            <a:bodyPr rtlCol="0" anchor="ctr"/>
+            <a:lstStyle/>
+            <a:p>
+              <a:pPr algn="ctr"/>
+              <a:endParaRPr lang="ko-KR" altLang="en-US" dirty="0"/>
+            </a:p>
+          </p:txBody>
+        </p:sp>
+        <p:sp>
+          <p:nvSpPr>
+            <p:cNvPr id="10" name="직사각형 9">
+              <a:extLst>
+                <a:ext uri="{FF2B5EF4-FFF2-40B4-BE49-F238E27FC236}">
+                  <a16:creationId xmlns:a16="http://schemas.microsoft.com/office/drawing/2014/main" id="{0B4F1861-92B9-F7D4-B926-17202BB3E7BE}"/>
+                </a:ext>
+              </a:extLst>
+            </p:cNvPr>
+            <p:cNvSpPr/>
+            <p:nvPr/>
+          </p:nvSpPr>
+          <p:spPr>
+            <a:xfrm>
+              <a:off x="2539160" y="761221"/>
+              <a:ext cx="8101125" cy="900000"/>
+            </a:xfrm>
+            <a:prstGeom prst="rect">
+              <a:avLst/>
+            </a:prstGeom>
+            <a:solidFill>
+              <a:schemeClr val="bg1"/>
+            </a:solidFill>
+            <a:ln w="50800">
+              <a:solidFill>
+                <a:schemeClr val="tx1"/>
+              </a:solidFill>
+            </a:ln>
+          </p:spPr>
+          <p:style>
+            <a:lnRef idx="2">
+              <a:schemeClr val="accent1">
+                <a:shade val="15000"/>
+              </a:schemeClr>
+            </a:lnRef>
+            <a:fillRef idx="1">
+              <a:schemeClr val="accent1"/>
+            </a:fillRef>
+            <a:effectRef idx="0">
+              <a:schemeClr val="accent1"/>
+            </a:effectRef>
+            <a:fontRef idx="minor">
+              <a:schemeClr val="lt1"/>
+            </a:fontRef>
+          </p:style>
+          <p:txBody>
+            <a:bodyPr rtlCol="0" anchor="ctr"/>
+            <a:lstStyle/>
+            <a:p>
+              <a:pPr marL="288000"/>
+              <a:r>
+                <a:rPr lang="ko-KR" altLang="en-US" sz="4000" dirty="0">
+                  <a:solidFill>
+                    <a:schemeClr val="tx1"/>
+                  </a:solidFill>
+                  <a:latin typeface="CookieRun Regular" panose="020B0600000101010101" pitchFamily="50" charset="-127"/>
+                  <a:ea typeface="CookieRun Regular" panose="020B0600000101010101" pitchFamily="50" charset="-127"/>
+                </a:rPr>
+                <a:t>이후</a:t>
+              </a:r>
+              <a:r>
+                <a:rPr lang="en-US" altLang="ko-KR" sz="4000" dirty="0">
+                  <a:solidFill>
+                    <a:schemeClr val="tx1"/>
+                  </a:solidFill>
+                  <a:latin typeface="CookieRun Regular" panose="020B0600000101010101" pitchFamily="50" charset="-127"/>
+                  <a:ea typeface="CookieRun Regular" panose="020B0600000101010101" pitchFamily="50" charset="-127"/>
+                </a:rPr>
+                <a:t>.. </a:t>
+              </a:r>
+              <a:r>
+                <a:rPr lang="ko-KR" altLang="en-US" sz="4000" dirty="0">
+                  <a:solidFill>
+                    <a:schemeClr val="tx1"/>
+                  </a:solidFill>
+                  <a:latin typeface="CookieRun Regular" panose="020B0600000101010101" pitchFamily="50" charset="-127"/>
+                  <a:ea typeface="CookieRun Regular" panose="020B0600000101010101" pitchFamily="50" charset="-127"/>
+                </a:rPr>
+                <a:t>수집한 데이터는</a:t>
+              </a:r>
+              <a:r>
+                <a:rPr lang="en-US" altLang="ko-KR" sz="4000" dirty="0">
+                  <a:solidFill>
+                    <a:schemeClr val="tx1"/>
+                  </a:solidFill>
+                  <a:latin typeface="CookieRun Regular" panose="020B0600000101010101" pitchFamily="50" charset="-127"/>
+                  <a:ea typeface="CookieRun Regular" panose="020B0600000101010101" pitchFamily="50" charset="-127"/>
+                </a:rPr>
+                <a:t>?</a:t>
+              </a:r>
+              <a:endParaRPr lang="ko-KR" altLang="en-US" sz="4000" dirty="0">
+                <a:solidFill>
+                  <a:schemeClr val="tx1"/>
+                </a:solidFill>
+                <a:latin typeface="CookieRun Regular" panose="020B0600000101010101" pitchFamily="50" charset="-127"/>
+                <a:ea typeface="CookieRun Regular" panose="020B0600000101010101" pitchFamily="50" charset="-127"/>
+              </a:endParaRPr>
+            </a:p>
+          </p:txBody>
+        </p:sp>
+      </p:grpSp>
+    </p:spTree>
+    <p:extLst>
+      <p:ext uri="{BB962C8B-B14F-4D97-AF65-F5344CB8AC3E}">
+        <p14:creationId xmlns:p14="http://schemas.microsoft.com/office/powerpoint/2010/main" val="435298459"/>
+      </p:ext>
+    </p:extLst>
+  </p:cSld>
+  <p:clrMapOvr>
+    <a:masterClrMapping/>
+  </p:clrMapOvr>
+</p:sld>
+</file>
+
+<file path=ppt/slides/slide28.xml><?xml version="1.0" encoding="utf-8"?>
+<p:sld xmlns:a="http://schemas.openxmlformats.org/drawingml/2006/main" xmlns:r="http://schemas.openxmlformats.org/officeDocument/2006/relationships" xmlns:p="http://schemas.openxmlformats.org/presentationml/2006/main">
+  <p:cSld>
+    <p:bg>
+      <p:bgPr>
+        <a:solidFill>
+          <a:srgbClr val="25ACFF"/>
+        </a:solidFill>
+        <a:effectLst/>
+      </p:bgPr>
+    </p:bg>
+    <p:spTree>
+      <p:nvGrpSpPr>
+        <p:cNvPr id="1" name=""/>
+        <p:cNvGrpSpPr/>
+        <p:nvPr/>
+      </p:nvGrpSpPr>
+      <p:grpSpPr>
+        <a:xfrm>
+          <a:off x="0" y="0"/>
+          <a:ext cx="0" cy="0"/>
+          <a:chOff x="0" y="0"/>
+          <a:chExt cx="0" cy="0"/>
+        </a:xfrm>
+      </p:grpSpPr>
+      <p:sp>
+        <p:nvSpPr>
+          <p:cNvPr id="3" name="직사각형 2">
+            <a:extLst>
+              <a:ext uri="{FF2B5EF4-FFF2-40B4-BE49-F238E27FC236}">
+                <a16:creationId xmlns:a16="http://schemas.microsoft.com/office/drawing/2014/main" id="{1A7E3834-C4E2-0331-0BCD-0856289A639D}"/>
+              </a:ext>
+            </a:extLst>
+          </p:cNvPr>
+          <p:cNvSpPr/>
+          <p:nvPr/>
+        </p:nvSpPr>
+        <p:spPr>
+          <a:xfrm>
+            <a:off x="3831599" y="2967335"/>
+            <a:ext cx="4528805" cy="923330"/>
+          </a:xfrm>
+          <a:prstGeom prst="rect">
+            <a:avLst/>
+          </a:prstGeom>
+          <a:solidFill>
+            <a:srgbClr val="25ACFF"/>
+          </a:solidFill>
+        </p:spPr>
+        <p:txBody>
+          <a:bodyPr wrap="none" lIns="91440" tIns="45720" rIns="91440" bIns="45720">
+            <a:spAutoFit/>
+          </a:bodyPr>
+          <a:lstStyle/>
+          <a:p>
+            <a:pPr algn="ctr"/>
+            <a:r>
+              <a:rPr lang="ko-KR" altLang="en-US" sz="5400" b="1" cap="none" spc="0" dirty="0">
+                <a:ln w="0"/>
+                <a:solidFill>
+                  <a:schemeClr val="bg1"/>
+                </a:solidFill>
+                <a:effectLst>
+                  <a:outerShdw blurRad="38100" dist="19050" dir="2700000" algn="tl" rotWithShape="0">
+                    <a:schemeClr val="dk1">
+                      <a:alpha val="40000"/>
+                    </a:schemeClr>
+                  </a:outerShdw>
+                </a:effectLst>
+              </a:rPr>
+              <a:t>감사합니다 </a:t>
+            </a:r>
+            <a:r>
+              <a:rPr lang="en-US" altLang="ko-KR" sz="5400" b="1" cap="none" spc="0" dirty="0">
+                <a:ln w="0"/>
+                <a:solidFill>
+                  <a:schemeClr val="bg1"/>
+                </a:solidFill>
+                <a:effectLst>
+                  <a:outerShdw blurRad="38100" dist="19050" dir="2700000" algn="tl" rotWithShape="0">
+                    <a:schemeClr val="dk1">
+                      <a:alpha val="40000"/>
+                    </a:schemeClr>
+                  </a:outerShdw>
+                </a:effectLst>
+              </a:rPr>
+              <a:t>:&gt;</a:t>
+            </a:r>
+          </a:p>
+        </p:txBody>
+      </p:sp>
+    </p:spTree>
+    <p:extLst>
+      <p:ext uri="{BB962C8B-B14F-4D97-AF65-F5344CB8AC3E}">
+        <p14:creationId xmlns:p14="http://schemas.microsoft.com/office/powerpoint/2010/main" val="3994394213"/>
+      </p:ext>
+    </p:extLst>
+  </p:cSld>
+  <p:clrMapOvr>
+    <a:masterClrMapping/>
+  </p:clrMapOvr>
+</p:sld>
+</file>
+
 <file path=ppt/slides/slide3.xml><?xml version="1.0" encoding="utf-8"?>
+<p:sld xmlns:a="http://schemas.openxmlformats.org/drawingml/2006/main" xmlns:r="http://schemas.openxmlformats.org/officeDocument/2006/relationships" xmlns:p="http://schemas.openxmlformats.org/presentationml/2006/main">
+  <p:cSld>
+    <p:spTree>
+      <p:nvGrpSpPr>
+        <p:cNvPr id="1" name="">
+          <a:extLst>
+            <a:ext uri="{FF2B5EF4-FFF2-40B4-BE49-F238E27FC236}">
+              <a16:creationId xmlns:a16="http://schemas.microsoft.com/office/drawing/2014/main" id="{E87CA786-CC51-26F2-4B44-F232F4EC6AC6}"/>
+            </a:ext>
+          </a:extLst>
+        </p:cNvPr>
+        <p:cNvGrpSpPr/>
+        <p:nvPr/>
+      </p:nvGrpSpPr>
+      <p:grpSpPr>
+        <a:xfrm>
+          <a:off x="0" y="0"/>
+          <a:ext cx="0" cy="0"/>
+          <a:chOff x="0" y="0"/>
+          <a:chExt cx="0" cy="0"/>
+        </a:xfrm>
+      </p:grpSpPr>
+      <p:sp>
+        <p:nvSpPr>
+          <p:cNvPr id="3" name="슬라이드 번호 개체 틀 2">
+            <a:extLst>
+              <a:ext uri="{FF2B5EF4-FFF2-40B4-BE49-F238E27FC236}">
+                <a16:creationId xmlns:a16="http://schemas.microsoft.com/office/drawing/2014/main" id="{489D9B45-0562-9A8B-C33C-E2E2415C0A5F}"/>
+              </a:ext>
+            </a:extLst>
+          </p:cNvPr>
+          <p:cNvSpPr>
+            <a:spLocks noGrp="1"/>
+          </p:cNvSpPr>
+          <p:nvPr>
+            <p:ph type="sldNum" sz="quarter" idx="12"/>
+          </p:nvPr>
+        </p:nvSpPr>
+        <p:spPr/>
+        <p:txBody>
+          <a:bodyPr/>
+          <a:lstStyle/>
+          <a:p>
+            <a:fld id="{C5002163-FFAF-417C-9C20-DC892DFE9806}" type="slidenum">
+              <a:rPr lang="ko-KR" altLang="en-US" smtClean="0"/>
+              <a:t>2</a:t>
+            </a:fld>
+            <a:endParaRPr lang="ko-KR" altLang="en-US"/>
+          </a:p>
+        </p:txBody>
+      </p:sp>
+      <p:grpSp>
+        <p:nvGrpSpPr>
+          <p:cNvPr id="12" name="그룹 11">
+            <a:extLst>
+              <a:ext uri="{FF2B5EF4-FFF2-40B4-BE49-F238E27FC236}">
+                <a16:creationId xmlns:a16="http://schemas.microsoft.com/office/drawing/2014/main" id="{A0BCCFB2-33EE-4711-5254-8AC9C958FACE}"/>
+              </a:ext>
+            </a:extLst>
+          </p:cNvPr>
+          <p:cNvGrpSpPr/>
+          <p:nvPr/>
+        </p:nvGrpSpPr>
+        <p:grpSpPr>
+          <a:xfrm>
+            <a:off x="695325" y="728663"/>
+            <a:ext cx="9001124" cy="936000"/>
+            <a:chOff x="1639161" y="761221"/>
+            <a:chExt cx="9001124" cy="900000"/>
+          </a:xfrm>
+          <a:effectLst>
+            <a:outerShdw blurRad="12700" dist="127000" dir="5400000" algn="t" rotWithShape="0">
+              <a:prstClr val="black">
+                <a:alpha val="10000"/>
+              </a:prstClr>
+            </a:outerShdw>
+          </a:effectLst>
+        </p:grpSpPr>
+        <p:sp>
+          <p:nvSpPr>
+            <p:cNvPr id="4" name="직사각형 3">
+              <a:extLst>
+                <a:ext uri="{FF2B5EF4-FFF2-40B4-BE49-F238E27FC236}">
+                  <a16:creationId xmlns:a16="http://schemas.microsoft.com/office/drawing/2014/main" id="{1BD2D62A-10BC-47D3-5CE4-7902362572C9}"/>
+                </a:ext>
+              </a:extLst>
+            </p:cNvPr>
+            <p:cNvSpPr/>
+            <p:nvPr/>
+          </p:nvSpPr>
+          <p:spPr>
+            <a:xfrm>
+              <a:off x="1639161" y="761221"/>
+              <a:ext cx="900000" cy="900000"/>
+            </a:xfrm>
+            <a:prstGeom prst="rect">
+              <a:avLst/>
+            </a:prstGeom>
+            <a:solidFill>
+              <a:srgbClr val="007BC8"/>
+            </a:solidFill>
+            <a:ln w="50800">
+              <a:solidFill>
+                <a:schemeClr val="accent1">
+                  <a:shade val="15000"/>
+                </a:schemeClr>
+              </a:solidFill>
+            </a:ln>
+          </p:spPr>
+          <p:style>
+            <a:lnRef idx="2">
+              <a:schemeClr val="accent1">
+                <a:shade val="15000"/>
+              </a:schemeClr>
+            </a:lnRef>
+            <a:fillRef idx="1">
+              <a:schemeClr val="accent1"/>
+            </a:fillRef>
+            <a:effectRef idx="0">
+              <a:schemeClr val="accent1"/>
+            </a:effectRef>
+            <a:fontRef idx="minor">
+              <a:schemeClr val="lt1"/>
+            </a:fontRef>
+          </p:style>
+          <p:txBody>
+            <a:bodyPr rtlCol="0" anchor="ctr"/>
+            <a:lstStyle/>
+            <a:p>
+              <a:pPr algn="ctr"/>
+              <a:endParaRPr lang="ko-KR" altLang="en-US" dirty="0"/>
+            </a:p>
+          </p:txBody>
+        </p:sp>
+        <p:sp>
+          <p:nvSpPr>
+            <p:cNvPr id="10" name="직사각형 9">
+              <a:extLst>
+                <a:ext uri="{FF2B5EF4-FFF2-40B4-BE49-F238E27FC236}">
+                  <a16:creationId xmlns:a16="http://schemas.microsoft.com/office/drawing/2014/main" id="{BE9936E7-5DD4-784C-707F-7029A26BC6D2}"/>
+                </a:ext>
+              </a:extLst>
+            </p:cNvPr>
+            <p:cNvSpPr/>
+            <p:nvPr/>
+          </p:nvSpPr>
+          <p:spPr>
+            <a:xfrm>
+              <a:off x="2539160" y="761221"/>
+              <a:ext cx="8101125" cy="900000"/>
+            </a:xfrm>
+            <a:prstGeom prst="rect">
+              <a:avLst/>
+            </a:prstGeom>
+            <a:solidFill>
+              <a:schemeClr val="bg1"/>
+            </a:solidFill>
+            <a:ln w="50800">
+              <a:solidFill>
+                <a:schemeClr val="tx1"/>
+              </a:solidFill>
+            </a:ln>
+          </p:spPr>
+          <p:style>
+            <a:lnRef idx="2">
+              <a:schemeClr val="accent1">
+                <a:shade val="15000"/>
+              </a:schemeClr>
+            </a:lnRef>
+            <a:fillRef idx="1">
+              <a:schemeClr val="accent1"/>
+            </a:fillRef>
+            <a:effectRef idx="0">
+              <a:schemeClr val="accent1"/>
+            </a:effectRef>
+            <a:fontRef idx="minor">
+              <a:schemeClr val="lt1"/>
+            </a:fontRef>
+          </p:style>
+          <p:txBody>
+            <a:bodyPr rtlCol="0" anchor="ctr"/>
+            <a:lstStyle/>
+            <a:p>
+              <a:pPr marL="288000"/>
+              <a:r>
+                <a:rPr lang="ko-KR" altLang="en-US" sz="4000" dirty="0">
+                  <a:solidFill>
+                    <a:schemeClr val="tx1"/>
+                  </a:solidFill>
+                  <a:latin typeface="CookieRun Regular" panose="020B0600000101010101" pitchFamily="50" charset="-127"/>
+                  <a:ea typeface="CookieRun Regular" panose="020B0600000101010101" pitchFamily="50" charset="-127"/>
+                </a:rPr>
+                <a:t>샘플 제목</a:t>
+              </a:r>
+            </a:p>
+          </p:txBody>
+        </p:sp>
+      </p:grpSp>
+    </p:spTree>
+    <p:extLst>
+      <p:ext uri="{BB962C8B-B14F-4D97-AF65-F5344CB8AC3E}">
+        <p14:creationId xmlns:p14="http://schemas.microsoft.com/office/powerpoint/2010/main" val="1498457358"/>
+      </p:ext>
+    </p:extLst>
+  </p:cSld>
+  <p:clrMapOvr>
+    <a:masterClrMapping/>
+  </p:clrMapOvr>
+</p:sld>
+</file>
+
+<file path=ppt/slides/slide4.xml><?xml version="1.0" encoding="utf-8"?>
 <p:sld xmlns:a="http://schemas.openxmlformats.org/drawingml/2006/main" xmlns:r="http://schemas.openxmlformats.org/officeDocument/2006/relationships" xmlns:p="http://schemas.openxmlformats.org/presentationml/2006/main">
   <p:cSld>
     <p:spTree>
@@ -5207,7 +10551,7 @@
             <a:fld id="{C5002163-FFAF-417C-9C20-DC892DFE9806}" type="slidenum">
               <a:rPr lang="ko-KR" altLang="en-US" smtClean="0"/>
               <a:pPr/>
-              <a:t>2</a:t>
+              <a:t>3</a:t>
             </a:fld>
             <a:endParaRPr lang="ko-KR" altLang="en-US"/>
           </a:p>
@@ -5444,7 +10788,230 @@
 </p:sld>
 </file>
 
-<file path=ppt/slides/slide4.xml><?xml version="1.0" encoding="utf-8"?>
+<file path=ppt/slides/slide5.xml><?xml version="1.0" encoding="utf-8"?>
+<p:sld xmlns:a="http://schemas.openxmlformats.org/drawingml/2006/main" xmlns:r="http://schemas.openxmlformats.org/officeDocument/2006/relationships" xmlns:p="http://schemas.openxmlformats.org/presentationml/2006/main">
+  <p:cSld>
+    <p:spTree>
+      <p:nvGrpSpPr>
+        <p:cNvPr id="1" name=""/>
+        <p:cNvGrpSpPr/>
+        <p:nvPr/>
+      </p:nvGrpSpPr>
+      <p:grpSpPr>
+        <a:xfrm>
+          <a:off x="0" y="0"/>
+          <a:ext cx="0" cy="0"/>
+          <a:chOff x="0" y="0"/>
+          <a:chExt cx="0" cy="0"/>
+        </a:xfrm>
+      </p:grpSpPr>
+      <p:sp>
+        <p:nvSpPr>
+          <p:cNvPr id="3" name="슬라이드 번호 개체 틀 2">
+            <a:extLst>
+              <a:ext uri="{FF2B5EF4-FFF2-40B4-BE49-F238E27FC236}">
+                <a16:creationId xmlns:a16="http://schemas.microsoft.com/office/drawing/2014/main" id="{19739DD6-5AA5-4195-8392-954BCE4E70B1}"/>
+              </a:ext>
+            </a:extLst>
+          </p:cNvPr>
+          <p:cNvSpPr>
+            <a:spLocks noGrp="1"/>
+          </p:cNvSpPr>
+          <p:nvPr>
+            <p:ph type="sldNum" sz="quarter" idx="12"/>
+          </p:nvPr>
+        </p:nvSpPr>
+        <p:spPr/>
+        <p:txBody>
+          <a:bodyPr/>
+          <a:lstStyle/>
+          <a:p>
+            <a:fld id="{C5002163-FFAF-417C-9C20-DC892DFE9806}" type="slidenum">
+              <a:rPr lang="ko-KR" altLang="en-US" smtClean="0"/>
+              <a:t>4</a:t>
+            </a:fld>
+            <a:endParaRPr lang="ko-KR" altLang="en-US"/>
+          </a:p>
+        </p:txBody>
+      </p:sp>
+      <p:grpSp>
+        <p:nvGrpSpPr>
+          <p:cNvPr id="12" name="그룹 11">
+            <a:extLst>
+              <a:ext uri="{FF2B5EF4-FFF2-40B4-BE49-F238E27FC236}">
+                <a16:creationId xmlns:a16="http://schemas.microsoft.com/office/drawing/2014/main" id="{449FA8B5-59A2-7CA5-244B-F9694EF8AE92}"/>
+              </a:ext>
+            </a:extLst>
+          </p:cNvPr>
+          <p:cNvGrpSpPr/>
+          <p:nvPr/>
+        </p:nvGrpSpPr>
+        <p:grpSpPr>
+          <a:xfrm>
+            <a:off x="695325" y="728663"/>
+            <a:ext cx="9001124" cy="936000"/>
+            <a:chOff x="1639161" y="761221"/>
+            <a:chExt cx="9001124" cy="900000"/>
+          </a:xfrm>
+          <a:effectLst>
+            <a:outerShdw blurRad="12700" dist="127000" dir="5400000" algn="t" rotWithShape="0">
+              <a:prstClr val="black">
+                <a:alpha val="10000"/>
+              </a:prstClr>
+            </a:outerShdw>
+          </a:effectLst>
+        </p:grpSpPr>
+        <p:sp>
+          <p:nvSpPr>
+            <p:cNvPr id="4" name="직사각형 3">
+              <a:extLst>
+                <a:ext uri="{FF2B5EF4-FFF2-40B4-BE49-F238E27FC236}">
+                  <a16:creationId xmlns:a16="http://schemas.microsoft.com/office/drawing/2014/main" id="{AAC78F85-1A1B-4AFF-B2FB-EE0498CBDD90}"/>
+                </a:ext>
+              </a:extLst>
+            </p:cNvPr>
+            <p:cNvSpPr/>
+            <p:nvPr/>
+          </p:nvSpPr>
+          <p:spPr>
+            <a:xfrm>
+              <a:off x="1639161" y="761221"/>
+              <a:ext cx="900000" cy="900000"/>
+            </a:xfrm>
+            <a:prstGeom prst="rect">
+              <a:avLst/>
+            </a:prstGeom>
+            <a:solidFill>
+              <a:srgbClr val="007BC8"/>
+            </a:solidFill>
+            <a:ln w="50800">
+              <a:solidFill>
+                <a:schemeClr val="accent1">
+                  <a:shade val="15000"/>
+                </a:schemeClr>
+              </a:solidFill>
+            </a:ln>
+          </p:spPr>
+          <p:style>
+            <a:lnRef idx="2">
+              <a:schemeClr val="accent1">
+                <a:shade val="15000"/>
+              </a:schemeClr>
+            </a:lnRef>
+            <a:fillRef idx="1">
+              <a:schemeClr val="accent1"/>
+            </a:fillRef>
+            <a:effectRef idx="0">
+              <a:schemeClr val="accent1"/>
+            </a:effectRef>
+            <a:fontRef idx="minor">
+              <a:schemeClr val="lt1"/>
+            </a:fontRef>
+          </p:style>
+          <p:txBody>
+            <a:bodyPr rtlCol="0" anchor="ctr"/>
+            <a:lstStyle/>
+            <a:p>
+              <a:pPr algn="ctr"/>
+              <a:endParaRPr lang="ko-KR" altLang="en-US" dirty="0"/>
+            </a:p>
+          </p:txBody>
+        </p:sp>
+        <p:sp>
+          <p:nvSpPr>
+            <p:cNvPr id="10" name="직사각형 9">
+              <a:extLst>
+                <a:ext uri="{FF2B5EF4-FFF2-40B4-BE49-F238E27FC236}">
+                  <a16:creationId xmlns:a16="http://schemas.microsoft.com/office/drawing/2014/main" id="{7414AEA2-0939-28D7-817E-21D26843BB7E}"/>
+                </a:ext>
+              </a:extLst>
+            </p:cNvPr>
+            <p:cNvSpPr/>
+            <p:nvPr/>
+          </p:nvSpPr>
+          <p:spPr>
+            <a:xfrm>
+              <a:off x="2539160" y="761221"/>
+              <a:ext cx="8101125" cy="900000"/>
+            </a:xfrm>
+            <a:prstGeom prst="rect">
+              <a:avLst/>
+            </a:prstGeom>
+            <a:solidFill>
+              <a:schemeClr val="bg1"/>
+            </a:solidFill>
+            <a:ln w="50800">
+              <a:solidFill>
+                <a:schemeClr val="tx1"/>
+              </a:solidFill>
+            </a:ln>
+          </p:spPr>
+          <p:style>
+            <a:lnRef idx="2">
+              <a:schemeClr val="accent1">
+                <a:shade val="15000"/>
+              </a:schemeClr>
+            </a:lnRef>
+            <a:fillRef idx="1">
+              <a:schemeClr val="accent1"/>
+            </a:fillRef>
+            <a:effectRef idx="0">
+              <a:schemeClr val="accent1"/>
+            </a:effectRef>
+            <a:fontRef idx="minor">
+              <a:schemeClr val="lt1"/>
+            </a:fontRef>
+          </p:style>
+          <p:txBody>
+            <a:bodyPr rtlCol="0" anchor="ctr"/>
+            <a:lstStyle/>
+            <a:p>
+              <a:pPr marL="288000"/>
+              <a:r>
+                <a:rPr lang="ko-KR" altLang="en-US" sz="4000" dirty="0">
+                  <a:solidFill>
+                    <a:schemeClr val="tx1"/>
+                  </a:solidFill>
+                  <a:latin typeface="CookieRun Regular" panose="020B0600000101010101" pitchFamily="50" charset="-127"/>
+                  <a:ea typeface="CookieRun Regular" panose="020B0600000101010101" pitchFamily="50" charset="-127"/>
+                </a:rPr>
+                <a:t>왜 선택 했어</a:t>
+              </a:r>
+              <a:r>
+                <a:rPr lang="en-US" altLang="ko-KR" sz="4000" dirty="0">
+                  <a:solidFill>
+                    <a:schemeClr val="tx1"/>
+                  </a:solidFill>
+                  <a:latin typeface="CookieRun Regular" panose="020B0600000101010101" pitchFamily="50" charset="-127"/>
+                  <a:ea typeface="CookieRun Regular" panose="020B0600000101010101" pitchFamily="50" charset="-127"/>
+                </a:rPr>
+                <a:t>?</a:t>
+              </a:r>
+              <a:endParaRPr lang="ko-KR" altLang="en-US" sz="4000" dirty="0">
+                <a:solidFill>
+                  <a:schemeClr val="tx1"/>
+                </a:solidFill>
+                <a:latin typeface="CookieRun Regular" panose="020B0600000101010101" pitchFamily="50" charset="-127"/>
+                <a:ea typeface="CookieRun Regular" panose="020B0600000101010101" pitchFamily="50" charset="-127"/>
+              </a:endParaRPr>
+            </a:p>
+          </p:txBody>
+        </p:sp>
+      </p:grpSp>
+    </p:spTree>
+    <p:extLst>
+      <p:ext uri="{BB962C8B-B14F-4D97-AF65-F5344CB8AC3E}">
+        <p14:creationId xmlns:p14="http://schemas.microsoft.com/office/powerpoint/2010/main" val="1053254613"/>
+      </p:ext>
+    </p:extLst>
+  </p:cSld>
+  <p:clrMapOvr>
+    <a:masterClrMapping/>
+  </p:clrMapOvr>
+</p:sld>
+</file>
+
+<file path=ppt/slides/slide6.xml><?xml version="1.0" encoding="utf-8"?>
 <p:sld xmlns:a="http://schemas.openxmlformats.org/drawingml/2006/main" xmlns:r="http://schemas.openxmlformats.org/officeDocument/2006/relationships" xmlns:p="http://schemas.openxmlformats.org/presentationml/2006/main">
   <p:cSld>
     <p:spTree>
@@ -5467,6 +11034,42 @@
           <a:chExt cx="0" cy="0"/>
         </a:xfrm>
       </p:grpSpPr>
+      <p:pic>
+        <p:nvPicPr>
+          <p:cNvPr id="8" name="그림 7" descr="실내, 컴퓨터, 노트북, 개인용 컴퓨터이(가) 표시된 사진&#10;&#10;AI 생성 콘텐츠는 정확하지 않을 수 있습니다.">
+            <a:extLst>
+              <a:ext uri="{FF2B5EF4-FFF2-40B4-BE49-F238E27FC236}">
+                <a16:creationId xmlns:a16="http://schemas.microsoft.com/office/drawing/2014/main" id="{8BA1C26F-F9B5-DAA9-1A73-B6C686975824}"/>
+              </a:ext>
+            </a:extLst>
+          </p:cNvPr>
+          <p:cNvPicPr>
+            <a:picLocks noChangeAspect="1"/>
+          </p:cNvPicPr>
+          <p:nvPr/>
+        </p:nvPicPr>
+        <p:blipFill>
+          <a:blip r:embed="rId2">
+            <a:extLst>
+              <a:ext uri="{28A0092B-C50C-407E-A947-70E740481C1C}">
+                <a14:useLocalDpi xmlns:a14="http://schemas.microsoft.com/office/drawing/2010/main" val="0"/>
+              </a:ext>
+            </a:extLst>
+          </a:blip>
+          <a:stretch>
+            <a:fillRect/>
+          </a:stretch>
+        </p:blipFill>
+        <p:spPr>
+          <a:xfrm>
+            <a:off x="1" y="19051"/>
+            <a:ext cx="12192000" cy="6838949"/>
+          </a:xfrm>
+          <a:prstGeom prst="rect">
+            <a:avLst/>
+          </a:prstGeom>
+        </p:spPr>
+      </p:pic>
       <p:sp>
         <p:nvSpPr>
           <p:cNvPr id="2" name="슬라이드 번호 개체 틀 1">
@@ -5491,43 +11094,12 @@
             <a:fld id="{C5002163-FFAF-417C-9C20-DC892DFE9806}" type="slidenum">
               <a:rPr lang="ko-KR" altLang="en-US" smtClean="0"/>
               <a:pPr/>
-              <a:t>3</a:t>
+              <a:t>5</a:t>
             </a:fld>
             <a:endParaRPr lang="ko-KR" altLang="en-US"/>
           </a:p>
         </p:txBody>
       </p:sp>
-      <p:pic>
-        <p:nvPicPr>
-          <p:cNvPr id="3" name="그림 2">
-            <a:extLst>
-              <a:ext uri="{FF2B5EF4-FFF2-40B4-BE49-F238E27FC236}">
-                <a16:creationId xmlns:a16="http://schemas.microsoft.com/office/drawing/2014/main" id="{4F14FA09-5940-7A56-3495-F729C4F7A81C}"/>
-              </a:ext>
-            </a:extLst>
-          </p:cNvPr>
-          <p:cNvPicPr>
-            <a:picLocks noChangeAspect="1"/>
-          </p:cNvPicPr>
-          <p:nvPr/>
-        </p:nvPicPr>
-        <p:blipFill>
-          <a:blip r:embed="rId2"/>
-          <a:stretch>
-            <a:fillRect/>
-          </a:stretch>
-        </p:blipFill>
-        <p:spPr>
-          <a:xfrm>
-            <a:off x="15240" y="0"/>
-            <a:ext cx="12192000" cy="6858000"/>
-          </a:xfrm>
-          <a:prstGeom prst="rect">
-            <a:avLst/>
-          </a:prstGeom>
-          <a:noFill/>
-        </p:spPr>
-      </p:pic>
       <p:sp>
         <p:nvSpPr>
           <p:cNvPr id="4" name="직사각형 3">
@@ -5542,7 +11114,7 @@
         </p:nvSpPr>
         <p:spPr>
           <a:xfrm>
-            <a:off x="0" y="0"/>
+            <a:off x="-100315" y="0"/>
             <a:ext cx="12292314" cy="6858000"/>
           </a:xfrm>
           <a:prstGeom prst="rect">
@@ -5618,7 +11190,7 @@
         <p:spPr>
           <a:xfrm>
             <a:off x="1055688" y="4226050"/>
-            <a:ext cx="5844149" cy="991870"/>
+            <a:ext cx="8332152" cy="991870"/>
           </a:xfrm>
           <a:prstGeom prst="rect">
             <a:avLst/>
@@ -5633,6 +11205,19 @@
                 <a:spcPct val="99600"/>
               </a:lnSpc>
             </a:pPr>
+            <a:r>
+              <a:rPr lang="en-US" altLang="ko-KR" sz="6000" b="0" i="0" u="none" strike="noStrike" spc="107" dirty="0">
+                <a:ln w="25400">
+                  <a:noFill/>
+                </a:ln>
+                <a:solidFill>
+                  <a:schemeClr val="bg1"/>
+                </a:solidFill>
+                <a:latin typeface="구름 산스 700" pitchFamily="2" charset="-127"/>
+                <a:ea typeface="구름 산스 700" pitchFamily="2" charset="-127"/>
+              </a:rPr>
+              <a:t>OCR</a:t>
+            </a:r>
             <a:r>
               <a:rPr lang="ko-KR" altLang="en-US" sz="6000" b="0" i="0" u="none" strike="noStrike" spc="107" dirty="0">
                 <a:ln w="25400">
@@ -5644,7 +11229,20 @@
                 <a:latin typeface="구름 산스 700" pitchFamily="2" charset="-127"/>
                 <a:ea typeface="구름 산스 700" pitchFamily="2" charset="-127"/>
               </a:rPr>
-              <a:t>주제 선택 배경</a:t>
+              <a:t>이란 어떤 기술인가</a:t>
+            </a:r>
+            <a:r>
+              <a:rPr lang="en-US" altLang="ko-KR" sz="6000" b="0" i="0" u="none" strike="noStrike" spc="107" dirty="0">
+                <a:ln w="25400">
+                  <a:noFill/>
+                </a:ln>
+                <a:solidFill>
+                  <a:schemeClr val="bg1"/>
+                </a:solidFill>
+                <a:latin typeface="구름 산스 700" pitchFamily="2" charset="-127"/>
+                <a:ea typeface="구름 산스 700" pitchFamily="2" charset="-127"/>
+              </a:rPr>
+              <a:t>?</a:t>
             </a:r>
             <a:endParaRPr lang="ko-KR" sz="6000" b="0" i="0" u="none" strike="noStrike" spc="107" dirty="0">
               <a:ln w="25400">
@@ -5728,7 +11326,7 @@
 </p:sld>
 </file>
 
-<file path=ppt/slides/slide5.xml><?xml version="1.0" encoding="utf-8"?>
+<file path=ppt/slides/slide7.xml><?xml version="1.0" encoding="utf-8"?>
 <p:sld xmlns:a="http://schemas.openxmlformats.org/drawingml/2006/main" xmlns:r="http://schemas.openxmlformats.org/officeDocument/2006/relationships" xmlns:p="http://schemas.openxmlformats.org/presentationml/2006/main">
   <p:cSld>
     <p:spTree>
@@ -5736,7 +11334,7 @@
         <p:cNvPr id="1" name="">
           <a:extLst>
             <a:ext uri="{FF2B5EF4-FFF2-40B4-BE49-F238E27FC236}">
-              <a16:creationId xmlns:a16="http://schemas.microsoft.com/office/drawing/2014/main" id="{FEB40AD7-60B7-C3E2-B921-2590A209C585}"/>
+              <a16:creationId xmlns:a16="http://schemas.microsoft.com/office/drawing/2014/main" id="{DDF43224-1EAD-70DB-F114-79948FAB3664}"/>
             </a:ext>
           </a:extLst>
         </p:cNvPr>
@@ -5753,10 +11351,10 @@
       </p:grpSpPr>
       <p:sp>
         <p:nvSpPr>
-          <p:cNvPr id="2" name="슬라이드 번호 개체 틀 1">
-            <a:extLst>
-              <a:ext uri="{FF2B5EF4-FFF2-40B4-BE49-F238E27FC236}">
-                <a16:creationId xmlns:a16="http://schemas.microsoft.com/office/drawing/2014/main" id="{873BF5E2-06B0-B4F4-E926-D57C014895B4}"/>
+          <p:cNvPr id="3" name="슬라이드 번호 개체 틀 2">
+            <a:extLst>
+              <a:ext uri="{FF2B5EF4-FFF2-40B4-BE49-F238E27FC236}">
+                <a16:creationId xmlns:a16="http://schemas.microsoft.com/office/drawing/2014/main" id="{A6CC5288-4B33-878B-5808-B7AAD0AECE8C}"/>
               </a:ext>
             </a:extLst>
           </p:cNvPr>
@@ -5774,235 +11372,163 @@
           <a:p>
             <a:fld id="{C5002163-FFAF-417C-9C20-DC892DFE9806}" type="slidenum">
               <a:rPr lang="ko-KR" altLang="en-US" smtClean="0"/>
-              <a:pPr/>
-              <a:t>4</a:t>
+              <a:t>6</a:t>
             </a:fld>
             <a:endParaRPr lang="ko-KR" altLang="en-US"/>
           </a:p>
         </p:txBody>
       </p:sp>
-      <p:pic>
-        <p:nvPicPr>
-          <p:cNvPr id="3" name="그림 2">
-            <a:extLst>
-              <a:ext uri="{FF2B5EF4-FFF2-40B4-BE49-F238E27FC236}">
-                <a16:creationId xmlns:a16="http://schemas.microsoft.com/office/drawing/2014/main" id="{B1E466F3-BEF3-A0C3-CE78-CEFCB5D3ABCF}"/>
-              </a:ext>
-            </a:extLst>
-          </p:cNvPr>
-          <p:cNvPicPr>
-            <a:picLocks noChangeAspect="1"/>
-          </p:cNvPicPr>
+      <p:grpSp>
+        <p:nvGrpSpPr>
+          <p:cNvPr id="12" name="그룹 11">
+            <a:extLst>
+              <a:ext uri="{FF2B5EF4-FFF2-40B4-BE49-F238E27FC236}">
+                <a16:creationId xmlns:a16="http://schemas.microsoft.com/office/drawing/2014/main" id="{86D2E280-D390-BC4A-FD50-F1B250B539B4}"/>
+              </a:ext>
+            </a:extLst>
+          </p:cNvPr>
+          <p:cNvGrpSpPr/>
           <p:nvPr/>
-        </p:nvPicPr>
-        <p:blipFill>
-          <a:blip r:embed="rId2"/>
-          <a:stretch>
-            <a:fillRect/>
-          </a:stretch>
-        </p:blipFill>
-        <p:spPr>
+        </p:nvGrpSpPr>
+        <p:grpSpPr>
           <a:xfrm>
-            <a:off x="15240" y="0"/>
-            <a:ext cx="12192000" cy="6858000"/>
+            <a:off x="695325" y="728663"/>
+            <a:ext cx="9001124" cy="936000"/>
+            <a:chOff x="1639161" y="761221"/>
+            <a:chExt cx="9001124" cy="900000"/>
           </a:xfrm>
-          <a:prstGeom prst="rect">
-            <a:avLst/>
-          </a:prstGeom>
-          <a:noFill/>
-        </p:spPr>
-      </p:pic>
-      <p:sp>
-        <p:nvSpPr>
-          <p:cNvPr id="4" name="직사각형 3">
-            <a:extLst>
-              <a:ext uri="{FF2B5EF4-FFF2-40B4-BE49-F238E27FC236}">
-                <a16:creationId xmlns:a16="http://schemas.microsoft.com/office/drawing/2014/main" id="{5008DBD4-2268-84E7-3EEA-DF8679ACB903}"/>
-              </a:ext>
-            </a:extLst>
-          </p:cNvPr>
-          <p:cNvSpPr/>
-          <p:nvPr/>
-        </p:nvSpPr>
-        <p:spPr>
-          <a:xfrm>
-            <a:off x="0" y="0"/>
-            <a:ext cx="12292314" cy="6858000"/>
-          </a:xfrm>
-          <a:prstGeom prst="rect">
-            <a:avLst/>
-          </a:prstGeom>
-          <a:gradFill flip="none" rotWithShape="1">
-            <a:gsLst>
-              <a:gs pos="66000">
-                <a:srgbClr val="2C92D2">
-                  <a:alpha val="90000"/>
-                </a:srgbClr>
-              </a:gs>
-              <a:gs pos="33000">
-                <a:srgbClr val="58A8DB">
-                  <a:alpha val="80000"/>
-                </a:srgbClr>
-              </a:gs>
-              <a:gs pos="0">
+          <a:effectLst>
+            <a:outerShdw blurRad="12700" dist="127000" dir="5400000" algn="t" rotWithShape="0">
+              <a:prstClr val="black">
+                <a:alpha val="10000"/>
+              </a:prstClr>
+            </a:outerShdw>
+          </a:effectLst>
+        </p:grpSpPr>
+        <p:sp>
+          <p:nvSpPr>
+            <p:cNvPr id="4" name="직사각형 3">
+              <a:extLst>
+                <a:ext uri="{FF2B5EF4-FFF2-40B4-BE49-F238E27FC236}">
+                  <a16:creationId xmlns:a16="http://schemas.microsoft.com/office/drawing/2014/main" id="{913853F7-736E-4C8F-4AE2-578283755A14}"/>
+                </a:ext>
+              </a:extLst>
+            </p:cNvPr>
+            <p:cNvSpPr/>
+            <p:nvPr/>
+          </p:nvSpPr>
+          <p:spPr>
+            <a:xfrm>
+              <a:off x="1639161" y="761221"/>
+              <a:ext cx="900000" cy="900000"/>
+            </a:xfrm>
+            <a:prstGeom prst="rect">
+              <a:avLst/>
+            </a:prstGeom>
+            <a:solidFill>
+              <a:srgbClr val="007BC8"/>
+            </a:solidFill>
+            <a:ln w="50800">
+              <a:solidFill>
                 <a:schemeClr val="accent1">
-                  <a:lumMod val="5000"/>
-                  <a:lumOff val="95000"/>
-                  <a:alpha val="60000"/>
+                  <a:shade val="15000"/>
                 </a:schemeClr>
-              </a:gs>
-              <a:gs pos="100000">
-                <a:srgbClr val="007BC8"/>
-              </a:gs>
-            </a:gsLst>
-            <a:lin ang="10800000" scaled="0"/>
-            <a:tileRect/>
-          </a:gradFill>
-          <a:ln>
-            <a:noFill/>
-          </a:ln>
-        </p:spPr>
-        <p:style>
-          <a:lnRef idx="2">
-            <a:schemeClr val="accent1">
-              <a:shade val="15000"/>
-            </a:schemeClr>
-          </a:lnRef>
-          <a:fillRef idx="1">
-            <a:schemeClr val="accent1"/>
-          </a:fillRef>
-          <a:effectRef idx="0">
-            <a:schemeClr val="accent1"/>
-          </a:effectRef>
-          <a:fontRef idx="minor">
-            <a:schemeClr val="lt1"/>
-          </a:fontRef>
-        </p:style>
-        <p:txBody>
-          <a:bodyPr rtlCol="0" anchor="ctr"/>
-          <a:lstStyle/>
-          <a:p>
-            <a:pPr algn="ctr"/>
-            <a:endParaRPr lang="ko-KR" altLang="en-US"/>
-          </a:p>
-        </p:txBody>
-      </p:sp>
-      <p:sp>
-        <p:nvSpPr>
-          <p:cNvPr id="5" name="TextBox 9">
-            <a:extLst>
-              <a:ext uri="{FF2B5EF4-FFF2-40B4-BE49-F238E27FC236}">
-                <a16:creationId xmlns:a16="http://schemas.microsoft.com/office/drawing/2014/main" id="{CBC45045-2AC7-A9F5-0305-B146A21C0833}"/>
-              </a:ext>
-            </a:extLst>
-          </p:cNvPr>
-          <p:cNvSpPr txBox="1"/>
-          <p:nvPr/>
-        </p:nvSpPr>
-        <p:spPr>
-          <a:xfrm>
-            <a:off x="1055688" y="4226050"/>
-            <a:ext cx="5844149" cy="991870"/>
-          </a:xfrm>
-          <a:prstGeom prst="rect">
-            <a:avLst/>
-          </a:prstGeom>
-        </p:spPr>
-        <p:txBody>
-          <a:bodyPr lIns="0" tIns="135467" rIns="0" bIns="135467" rtlCol="0" anchor="ctr"/>
-          <a:lstStyle/>
-          <a:p>
-            <a:pPr lvl="0" algn="l">
-              <a:lnSpc>
-                <a:spcPct val="99600"/>
-              </a:lnSpc>
-            </a:pPr>
-            <a:r>
-              <a:rPr lang="ko-KR" altLang="en-US" sz="6000" b="0" i="0" u="none" strike="noStrike" spc="107" dirty="0">
-                <a:ln w="25400">
-                  <a:noFill/>
-                </a:ln>
-                <a:solidFill>
-                  <a:schemeClr val="bg1"/>
-                </a:solidFill>
-                <a:latin typeface="구름 산스 700" pitchFamily="2" charset="-127"/>
-                <a:ea typeface="구름 산스 700" pitchFamily="2" charset="-127"/>
-              </a:rPr>
-              <a:t>주제 선택 배경</a:t>
-            </a:r>
-            <a:endParaRPr lang="ko-KR" sz="6000" b="0" i="0" u="none" strike="noStrike" spc="107" dirty="0">
-              <a:ln w="25400">
-                <a:noFill/>
-              </a:ln>
+              </a:solidFill>
+            </a:ln>
+          </p:spPr>
+          <p:style>
+            <a:lnRef idx="2">
+              <a:schemeClr val="accent1">
+                <a:shade val="15000"/>
+              </a:schemeClr>
+            </a:lnRef>
+            <a:fillRef idx="1">
+              <a:schemeClr val="accent1"/>
+            </a:fillRef>
+            <a:effectRef idx="0">
+              <a:schemeClr val="accent1"/>
+            </a:effectRef>
+            <a:fontRef idx="minor">
+              <a:schemeClr val="lt1"/>
+            </a:fontRef>
+          </p:style>
+          <p:txBody>
+            <a:bodyPr rtlCol="0" anchor="ctr"/>
+            <a:lstStyle/>
+            <a:p>
+              <a:pPr algn="ctr"/>
+              <a:endParaRPr lang="ko-KR" altLang="en-US" dirty="0"/>
+            </a:p>
+          </p:txBody>
+        </p:sp>
+        <p:sp>
+          <p:nvSpPr>
+            <p:cNvPr id="10" name="직사각형 9">
+              <a:extLst>
+                <a:ext uri="{FF2B5EF4-FFF2-40B4-BE49-F238E27FC236}">
+                  <a16:creationId xmlns:a16="http://schemas.microsoft.com/office/drawing/2014/main" id="{63AA0EC8-FC27-93DB-A4A1-E7E2BE4166DE}"/>
+                </a:ext>
+              </a:extLst>
+            </p:cNvPr>
+            <p:cNvSpPr/>
+            <p:nvPr/>
+          </p:nvSpPr>
+          <p:spPr>
+            <a:xfrm>
+              <a:off x="2539160" y="761221"/>
+              <a:ext cx="8101125" cy="900000"/>
+            </a:xfrm>
+            <a:prstGeom prst="rect">
+              <a:avLst/>
+            </a:prstGeom>
+            <a:solidFill>
+              <a:schemeClr val="bg1"/>
+            </a:solidFill>
+            <a:ln w="50800">
               <a:solidFill>
-                <a:schemeClr val="bg1"/>
+                <a:schemeClr val="tx1"/>
               </a:solidFill>
-              <a:latin typeface="구름 산스 700" pitchFamily="2" charset="-127"/>
-              <a:ea typeface="구름 산스 700" pitchFamily="2" charset="-127"/>
-            </a:endParaRPr>
-          </a:p>
-        </p:txBody>
-      </p:sp>
-      <p:sp>
-        <p:nvSpPr>
-          <p:cNvPr id="6" name="직사각형 5">
-            <a:extLst>
-              <a:ext uri="{FF2B5EF4-FFF2-40B4-BE49-F238E27FC236}">
-                <a16:creationId xmlns:a16="http://schemas.microsoft.com/office/drawing/2014/main" id="{102C81CB-4545-205F-7430-E4C3AF4EC0AF}"/>
-              </a:ext>
-            </a:extLst>
-          </p:cNvPr>
-          <p:cNvSpPr/>
-          <p:nvPr/>
-        </p:nvSpPr>
-        <p:spPr>
-          <a:xfrm>
-            <a:off x="1055687" y="2644170"/>
-            <a:ext cx="1553631" cy="1569660"/>
-          </a:xfrm>
-          <a:prstGeom prst="rect">
-            <a:avLst/>
-          </a:prstGeom>
-          <a:noFill/>
-        </p:spPr>
-        <p:txBody>
-          <a:bodyPr wrap="none" lIns="91440" tIns="45720" rIns="91440" bIns="45720">
-            <a:spAutoFit/>
-          </a:bodyPr>
-          <a:lstStyle/>
-          <a:p>
-            <a:pPr algn="ctr"/>
-            <a:r>
-              <a:rPr lang="en-US" altLang="ko-KR" sz="9600" b="1" dirty="0">
-                <a:ln w="63500">
+            </a:ln>
+          </p:spPr>
+          <p:style>
+            <a:lnRef idx="2">
+              <a:schemeClr val="accent1">
+                <a:shade val="15000"/>
+              </a:schemeClr>
+            </a:lnRef>
+            <a:fillRef idx="1">
+              <a:schemeClr val="accent1"/>
+            </a:fillRef>
+            <a:effectRef idx="0">
+              <a:schemeClr val="accent1"/>
+            </a:effectRef>
+            <a:fontRef idx="minor">
+              <a:schemeClr val="lt1"/>
+            </a:fontRef>
+          </p:style>
+          <p:txBody>
+            <a:bodyPr rtlCol="0" anchor="ctr"/>
+            <a:lstStyle/>
+            <a:p>
+              <a:pPr marL="288000"/>
+              <a:r>
+                <a:rPr lang="ko-KR" altLang="en-US" sz="4000" dirty="0">
                   <a:solidFill>
-                    <a:schemeClr val="bg1"/>
+                    <a:schemeClr val="tx1"/>
                   </a:solidFill>
-                  <a:prstDash val="solid"/>
-                </a:ln>
-                <a:solidFill>
-                  <a:srgbClr val="FFFFFF"/>
-                </a:solidFill>
-                <a:effectLst>
-                  <a:outerShdw blurRad="50800" dist="88900" dir="1560000" algn="l" rotWithShape="0">
-                    <a:srgbClr val="002060">
-                      <a:alpha val="40000"/>
-                    </a:srgbClr>
-                  </a:outerShdw>
-                </a:effectLst>
-                <a:latin typeface="Pretendard ExtraBold" panose="020B0600000101010101" charset="-127"/>
-                <a:ea typeface="Pretendard ExtraBold" panose="020B0600000101010101" charset="-127"/>
-                <a:cs typeface="Malgun Gothic Semilight" panose="020B0503020000020004" pitchFamily="34" charset="-127"/>
-              </a:rPr>
-              <a:t>03</a:t>
-            </a:r>
-          </a:p>
-        </p:txBody>
-      </p:sp>
+                  <a:latin typeface="CookieRun Regular" panose="020B0600000101010101" pitchFamily="50" charset="-127"/>
+                  <a:ea typeface="CookieRun Regular" panose="020B0600000101010101" pitchFamily="50" charset="-127"/>
+                </a:rPr>
+                <a:t>사진 속 문자 인식</a:t>
+              </a:r>
+            </a:p>
+          </p:txBody>
+        </p:sp>
+      </p:grpSp>
     </p:spTree>
     <p:extLst>
       <p:ext uri="{BB962C8B-B14F-4D97-AF65-F5344CB8AC3E}">
-        <p14:creationId xmlns:p14="http://schemas.microsoft.com/office/powerpoint/2010/main" val="2100492466"/>
+        <p14:creationId xmlns:p14="http://schemas.microsoft.com/office/powerpoint/2010/main" val="2561579152"/>
       </p:ext>
     </p:extLst>
   </p:cSld>
@@ -6012,7 +11538,7 @@
 </p:sld>
 </file>
 
-<file path=ppt/slides/slide6.xml><?xml version="1.0" encoding="utf-8"?>
+<file path=ppt/slides/slide8.xml><?xml version="1.0" encoding="utf-8"?>
 <p:sld xmlns:a="http://schemas.openxmlformats.org/drawingml/2006/main" xmlns:r="http://schemas.openxmlformats.org/officeDocument/2006/relationships" xmlns:p="http://schemas.openxmlformats.org/presentationml/2006/main">
   <p:cSld>
     <p:spTree>
@@ -6020,7 +11546,7 @@
         <p:cNvPr id="1" name="">
           <a:extLst>
             <a:ext uri="{FF2B5EF4-FFF2-40B4-BE49-F238E27FC236}">
-              <a16:creationId xmlns:a16="http://schemas.microsoft.com/office/drawing/2014/main" id="{19C5214B-6EE2-773F-9863-73027DFD61A0}"/>
+              <a16:creationId xmlns:a16="http://schemas.microsoft.com/office/drawing/2014/main" id="{801B572B-2D08-BD0D-85D7-87E951C283DE}"/>
             </a:ext>
           </a:extLst>
         </p:cNvPr>
@@ -6037,10 +11563,10 @@
       </p:grpSpPr>
       <p:sp>
         <p:nvSpPr>
-          <p:cNvPr id="2" name="슬라이드 번호 개체 틀 1">
-            <a:extLst>
-              <a:ext uri="{FF2B5EF4-FFF2-40B4-BE49-F238E27FC236}">
-                <a16:creationId xmlns:a16="http://schemas.microsoft.com/office/drawing/2014/main" id="{4FA251B4-9DE1-3AE2-6E93-9A1B34A7126F}"/>
+          <p:cNvPr id="3" name="슬라이드 번호 개체 틀 2">
+            <a:extLst>
+              <a:ext uri="{FF2B5EF4-FFF2-40B4-BE49-F238E27FC236}">
+                <a16:creationId xmlns:a16="http://schemas.microsoft.com/office/drawing/2014/main" id="{D126FD6F-F524-9239-9853-DE542A87D750}"/>
               </a:ext>
             </a:extLst>
           </p:cNvPr>
@@ -6058,235 +11584,220 @@
           <a:p>
             <a:fld id="{C5002163-FFAF-417C-9C20-DC892DFE9806}" type="slidenum">
               <a:rPr lang="ko-KR" altLang="en-US" smtClean="0"/>
-              <a:pPr/>
-              <a:t>5</a:t>
+              <a:t>7</a:t>
             </a:fld>
             <a:endParaRPr lang="ko-KR" altLang="en-US"/>
           </a:p>
         </p:txBody>
       </p:sp>
-      <p:pic>
-        <p:nvPicPr>
-          <p:cNvPr id="3" name="그림 2">
-            <a:extLst>
-              <a:ext uri="{FF2B5EF4-FFF2-40B4-BE49-F238E27FC236}">
-                <a16:creationId xmlns:a16="http://schemas.microsoft.com/office/drawing/2014/main" id="{EB17C367-E437-E807-1BF1-006D00B2B171}"/>
-              </a:ext>
-            </a:extLst>
-          </p:cNvPr>
-          <p:cNvPicPr>
-            <a:picLocks noChangeAspect="1"/>
-          </p:cNvPicPr>
+      <p:grpSp>
+        <p:nvGrpSpPr>
+          <p:cNvPr id="12" name="그룹 11">
+            <a:extLst>
+              <a:ext uri="{FF2B5EF4-FFF2-40B4-BE49-F238E27FC236}">
+                <a16:creationId xmlns:a16="http://schemas.microsoft.com/office/drawing/2014/main" id="{2B15FF4A-286E-DCB7-EA62-B5572672BB48}"/>
+              </a:ext>
+            </a:extLst>
+          </p:cNvPr>
+          <p:cNvGrpSpPr/>
           <p:nvPr/>
-        </p:nvPicPr>
-        <p:blipFill>
-          <a:blip r:embed="rId2"/>
-          <a:stretch>
-            <a:fillRect/>
-          </a:stretch>
-        </p:blipFill>
-        <p:spPr>
+        </p:nvGrpSpPr>
+        <p:grpSpPr>
           <a:xfrm>
-            <a:off x="15240" y="0"/>
-            <a:ext cx="12192000" cy="6858000"/>
+            <a:off x="695325" y="728663"/>
+            <a:ext cx="9001124" cy="936000"/>
+            <a:chOff x="1639161" y="761221"/>
+            <a:chExt cx="9001124" cy="900000"/>
           </a:xfrm>
-          <a:prstGeom prst="rect">
-            <a:avLst/>
-          </a:prstGeom>
-          <a:noFill/>
-        </p:spPr>
-      </p:pic>
-      <p:sp>
-        <p:nvSpPr>
-          <p:cNvPr id="4" name="직사각형 3">
-            <a:extLst>
-              <a:ext uri="{FF2B5EF4-FFF2-40B4-BE49-F238E27FC236}">
-                <a16:creationId xmlns:a16="http://schemas.microsoft.com/office/drawing/2014/main" id="{7BBD5C73-A7D7-A68E-60D3-C905AAD7BB55}"/>
-              </a:ext>
-            </a:extLst>
-          </p:cNvPr>
-          <p:cNvSpPr/>
-          <p:nvPr/>
-        </p:nvSpPr>
-        <p:spPr>
-          <a:xfrm>
-            <a:off x="0" y="0"/>
-            <a:ext cx="12292314" cy="6858000"/>
-          </a:xfrm>
-          <a:prstGeom prst="rect">
-            <a:avLst/>
-          </a:prstGeom>
-          <a:gradFill flip="none" rotWithShape="1">
-            <a:gsLst>
-              <a:gs pos="66000">
-                <a:srgbClr val="2C92D2">
-                  <a:alpha val="90000"/>
-                </a:srgbClr>
-              </a:gs>
-              <a:gs pos="33000">
-                <a:srgbClr val="58A8DB">
-                  <a:alpha val="80000"/>
-                </a:srgbClr>
-              </a:gs>
-              <a:gs pos="0">
+          <a:effectLst>
+            <a:outerShdw blurRad="12700" dist="127000" dir="5400000" algn="t" rotWithShape="0">
+              <a:prstClr val="black">
+                <a:alpha val="10000"/>
+              </a:prstClr>
+            </a:outerShdw>
+          </a:effectLst>
+        </p:grpSpPr>
+        <p:sp>
+          <p:nvSpPr>
+            <p:cNvPr id="4" name="직사각형 3">
+              <a:extLst>
+                <a:ext uri="{FF2B5EF4-FFF2-40B4-BE49-F238E27FC236}">
+                  <a16:creationId xmlns:a16="http://schemas.microsoft.com/office/drawing/2014/main" id="{724BC762-DEA6-A667-A61E-886748FE1957}"/>
+                </a:ext>
+              </a:extLst>
+            </p:cNvPr>
+            <p:cNvSpPr/>
+            <p:nvPr/>
+          </p:nvSpPr>
+          <p:spPr>
+            <a:xfrm>
+              <a:off x="1639161" y="761221"/>
+              <a:ext cx="900000" cy="900000"/>
+            </a:xfrm>
+            <a:prstGeom prst="rect">
+              <a:avLst/>
+            </a:prstGeom>
+            <a:solidFill>
+              <a:srgbClr val="007BC8"/>
+            </a:solidFill>
+            <a:ln w="50800">
+              <a:solidFill>
                 <a:schemeClr val="accent1">
-                  <a:lumMod val="5000"/>
-                  <a:lumOff val="95000"/>
-                  <a:alpha val="60000"/>
+                  <a:shade val="15000"/>
                 </a:schemeClr>
-              </a:gs>
-              <a:gs pos="100000">
-                <a:srgbClr val="007BC8"/>
-              </a:gs>
-            </a:gsLst>
-            <a:lin ang="10800000" scaled="0"/>
-            <a:tileRect/>
-          </a:gradFill>
-          <a:ln>
-            <a:noFill/>
-          </a:ln>
-        </p:spPr>
-        <p:style>
-          <a:lnRef idx="2">
-            <a:schemeClr val="accent1">
-              <a:shade val="15000"/>
-            </a:schemeClr>
-          </a:lnRef>
-          <a:fillRef idx="1">
-            <a:schemeClr val="accent1"/>
-          </a:fillRef>
-          <a:effectRef idx="0">
-            <a:schemeClr val="accent1"/>
-          </a:effectRef>
-          <a:fontRef idx="minor">
-            <a:schemeClr val="lt1"/>
-          </a:fontRef>
-        </p:style>
-        <p:txBody>
-          <a:bodyPr rtlCol="0" anchor="ctr"/>
-          <a:lstStyle/>
-          <a:p>
-            <a:pPr algn="ctr"/>
-            <a:endParaRPr lang="ko-KR" altLang="en-US"/>
-          </a:p>
-        </p:txBody>
-      </p:sp>
-      <p:sp>
-        <p:nvSpPr>
-          <p:cNvPr id="5" name="TextBox 9">
-            <a:extLst>
-              <a:ext uri="{FF2B5EF4-FFF2-40B4-BE49-F238E27FC236}">
-                <a16:creationId xmlns:a16="http://schemas.microsoft.com/office/drawing/2014/main" id="{C9378B55-3B4D-8607-E8DC-9773153AB500}"/>
-              </a:ext>
-            </a:extLst>
-          </p:cNvPr>
-          <p:cNvSpPr txBox="1"/>
-          <p:nvPr/>
-        </p:nvSpPr>
-        <p:spPr>
-          <a:xfrm>
-            <a:off x="1055688" y="4226050"/>
-            <a:ext cx="5844149" cy="991870"/>
-          </a:xfrm>
-          <a:prstGeom prst="rect">
-            <a:avLst/>
-          </a:prstGeom>
-        </p:spPr>
-        <p:txBody>
-          <a:bodyPr lIns="0" tIns="135467" rIns="0" bIns="135467" rtlCol="0" anchor="ctr"/>
-          <a:lstStyle/>
-          <a:p>
-            <a:pPr lvl="0" algn="l">
-              <a:lnSpc>
-                <a:spcPct val="99600"/>
-              </a:lnSpc>
-            </a:pPr>
-            <a:r>
-              <a:rPr lang="ko-KR" altLang="en-US" sz="6000" b="0" i="0" u="none" strike="noStrike" spc="107" dirty="0">
-                <a:ln w="25400">
-                  <a:noFill/>
-                </a:ln>
+              </a:solidFill>
+            </a:ln>
+          </p:spPr>
+          <p:style>
+            <a:lnRef idx="2">
+              <a:schemeClr val="accent1">
+                <a:shade val="15000"/>
+              </a:schemeClr>
+            </a:lnRef>
+            <a:fillRef idx="1">
+              <a:schemeClr val="accent1"/>
+            </a:fillRef>
+            <a:effectRef idx="0">
+              <a:schemeClr val="accent1"/>
+            </a:effectRef>
+            <a:fontRef idx="minor">
+              <a:schemeClr val="lt1"/>
+            </a:fontRef>
+          </p:style>
+          <p:txBody>
+            <a:bodyPr rtlCol="0" anchor="ctr"/>
+            <a:lstStyle/>
+            <a:p>
+              <a:pPr algn="ctr"/>
+              <a:endParaRPr lang="ko-KR" altLang="en-US" dirty="0"/>
+            </a:p>
+          </p:txBody>
+        </p:sp>
+        <p:sp>
+          <p:nvSpPr>
+            <p:cNvPr id="10" name="직사각형 9">
+              <a:extLst>
+                <a:ext uri="{FF2B5EF4-FFF2-40B4-BE49-F238E27FC236}">
+                  <a16:creationId xmlns:a16="http://schemas.microsoft.com/office/drawing/2014/main" id="{C8E98BD9-8FAA-DAD2-E018-E3C2B08411A1}"/>
+                </a:ext>
+              </a:extLst>
+            </p:cNvPr>
+            <p:cNvSpPr/>
+            <p:nvPr/>
+          </p:nvSpPr>
+          <p:spPr>
+            <a:xfrm>
+              <a:off x="2539160" y="761221"/>
+              <a:ext cx="8101125" cy="900000"/>
+            </a:xfrm>
+            <a:prstGeom prst="rect">
+              <a:avLst/>
+            </a:prstGeom>
+            <a:solidFill>
+              <a:schemeClr val="bg1"/>
+            </a:solidFill>
+            <a:ln w="50800">
+              <a:solidFill>
+                <a:schemeClr val="tx1"/>
+              </a:solidFill>
+            </a:ln>
+          </p:spPr>
+          <p:style>
+            <a:lnRef idx="2">
+              <a:schemeClr val="accent1">
+                <a:shade val="15000"/>
+              </a:schemeClr>
+            </a:lnRef>
+            <a:fillRef idx="1">
+              <a:schemeClr val="accent1"/>
+            </a:fillRef>
+            <a:effectRef idx="0">
+              <a:schemeClr val="accent1"/>
+            </a:effectRef>
+            <a:fontRef idx="minor">
+              <a:schemeClr val="lt1"/>
+            </a:fontRef>
+          </p:style>
+          <p:txBody>
+            <a:bodyPr rtlCol="0" anchor="ctr"/>
+            <a:lstStyle/>
+            <a:p>
+              <a:pPr marL="288000"/>
+              <a:r>
+                <a:rPr lang="en-US" altLang="ko-KR" sz="4000" dirty="0">
+                  <a:solidFill>
+                    <a:schemeClr val="tx1"/>
+                  </a:solidFill>
+                  <a:latin typeface="구름 산스 700" pitchFamily="2" charset="-127"/>
+                  <a:ea typeface="구름 산스 700" pitchFamily="2" charset="-127"/>
+                </a:rPr>
+                <a:t>OCR</a:t>
+              </a:r>
+              <a:r>
+                <a:rPr lang="en-US" altLang="ko-KR" sz="4000" dirty="0">
+                  <a:solidFill>
+                    <a:schemeClr val="tx1"/>
+                  </a:solidFill>
+                  <a:latin typeface="CookieRun Regular" panose="020B0600000101010101" pitchFamily="50" charset="-127"/>
+                  <a:ea typeface="CookieRun Regular" panose="020B0600000101010101" pitchFamily="50" charset="-127"/>
+                </a:rPr>
+                <a:t>(</a:t>
+              </a:r>
+              <a:r>
+                <a:rPr lang="ko-KR" altLang="en-US" sz="4000" dirty="0">
+                  <a:solidFill>
+                    <a:schemeClr val="tx1"/>
+                  </a:solidFill>
+                  <a:latin typeface="CookieRun Regular" panose="020B0600000101010101" pitchFamily="50" charset="-127"/>
+                  <a:ea typeface="CookieRun Regular" panose="020B0600000101010101" pitchFamily="50" charset="-127"/>
+                </a:rPr>
+                <a:t>광학문자인식</a:t>
+              </a:r>
+              <a:r>
+                <a:rPr lang="en-US" altLang="ko-KR" sz="4000" dirty="0">
+                  <a:solidFill>
+                    <a:schemeClr val="tx1"/>
+                  </a:solidFill>
+                  <a:latin typeface="CookieRun Regular" panose="020B0600000101010101" pitchFamily="50" charset="-127"/>
+                  <a:ea typeface="CookieRun Regular" panose="020B0600000101010101" pitchFamily="50" charset="-127"/>
+                </a:rPr>
+                <a:t>)</a:t>
+              </a:r>
+              <a:r>
+                <a:rPr lang="ko-KR" altLang="en-US" sz="4000" dirty="0">
+                  <a:solidFill>
+                    <a:schemeClr val="tx1"/>
+                  </a:solidFill>
+                  <a:latin typeface="CookieRun Regular" panose="020B0600000101010101" pitchFamily="50" charset="-127"/>
+                  <a:ea typeface="CookieRun Regular" panose="020B0600000101010101" pitchFamily="50" charset="-127"/>
+                </a:rPr>
+                <a:t> 이란</a:t>
+              </a:r>
+              <a:r>
+                <a:rPr lang="en-US" altLang="ko-KR" sz="4000" dirty="0">
+                  <a:solidFill>
+                    <a:schemeClr val="tx1"/>
+                  </a:solidFill>
+                  <a:latin typeface="CookieRun Regular" panose="020B0600000101010101" pitchFamily="50" charset="-127"/>
+                  <a:ea typeface="CookieRun Regular" panose="020B0600000101010101" pitchFamily="50" charset="-127"/>
+                </a:rPr>
+                <a:t>?</a:t>
+              </a:r>
+              <a:endParaRPr lang="ko-KR" altLang="en-US" sz="4000" dirty="0">
                 <a:solidFill>
-                  <a:schemeClr val="bg1"/>
+                  <a:schemeClr val="tx1"/>
                 </a:solidFill>
-                <a:latin typeface="구름 산스 700" pitchFamily="2" charset="-127"/>
-                <a:ea typeface="구름 산스 700" pitchFamily="2" charset="-127"/>
-              </a:rPr>
-              <a:t>주제 선택 배경</a:t>
-            </a:r>
-            <a:endParaRPr lang="ko-KR" sz="6000" b="0" i="0" u="none" strike="noStrike" spc="107" dirty="0">
-              <a:ln w="25400">
-                <a:noFill/>
-              </a:ln>
-              <a:solidFill>
-                <a:schemeClr val="bg1"/>
-              </a:solidFill>
-              <a:latin typeface="구름 산스 700" pitchFamily="2" charset="-127"/>
-              <a:ea typeface="구름 산스 700" pitchFamily="2" charset="-127"/>
-            </a:endParaRPr>
-          </a:p>
-        </p:txBody>
-      </p:sp>
-      <p:sp>
-        <p:nvSpPr>
-          <p:cNvPr id="6" name="직사각형 5">
-            <a:extLst>
-              <a:ext uri="{FF2B5EF4-FFF2-40B4-BE49-F238E27FC236}">
-                <a16:creationId xmlns:a16="http://schemas.microsoft.com/office/drawing/2014/main" id="{E25FCA37-B4FF-9E17-DDCB-85DD887756C1}"/>
-              </a:ext>
-            </a:extLst>
-          </p:cNvPr>
-          <p:cNvSpPr/>
-          <p:nvPr/>
-        </p:nvSpPr>
-        <p:spPr>
-          <a:xfrm>
-            <a:off x="1055687" y="2644170"/>
-            <a:ext cx="1553631" cy="1569660"/>
-          </a:xfrm>
-          <a:prstGeom prst="rect">
-            <a:avLst/>
-          </a:prstGeom>
-          <a:noFill/>
-        </p:spPr>
-        <p:txBody>
-          <a:bodyPr wrap="none" lIns="91440" tIns="45720" rIns="91440" bIns="45720">
-            <a:spAutoFit/>
-          </a:bodyPr>
-          <a:lstStyle/>
-          <a:p>
-            <a:pPr algn="ctr"/>
-            <a:r>
-              <a:rPr lang="en-US" altLang="ko-KR" sz="9600" b="1" dirty="0">
-                <a:ln w="63500">
-                  <a:solidFill>
-                    <a:schemeClr val="bg1"/>
-                  </a:solidFill>
-                  <a:prstDash val="solid"/>
-                </a:ln>
-                <a:solidFill>
-                  <a:srgbClr val="FFFFFF"/>
-                </a:solidFill>
-                <a:effectLst>
-                  <a:outerShdw blurRad="50800" dist="88900" dir="1560000" algn="l" rotWithShape="0">
-                    <a:srgbClr val="002060">
-                      <a:alpha val="40000"/>
-                    </a:srgbClr>
-                  </a:outerShdw>
-                </a:effectLst>
-                <a:latin typeface="Pretendard ExtraBold" panose="020B0600000101010101" charset="-127"/>
-                <a:ea typeface="Pretendard ExtraBold" panose="020B0600000101010101" charset="-127"/>
-                <a:cs typeface="Malgun Gothic Semilight" panose="020B0503020000020004" pitchFamily="34" charset="-127"/>
-              </a:rPr>
-              <a:t>04</a:t>
-            </a:r>
-          </a:p>
-        </p:txBody>
-      </p:sp>
+                <a:latin typeface="CookieRun Regular" panose="020B0600000101010101" pitchFamily="50" charset="-127"/>
+                <a:ea typeface="CookieRun Regular" panose="020B0600000101010101" pitchFamily="50" charset="-127"/>
+              </a:endParaRPr>
+            </a:p>
+          </p:txBody>
+        </p:sp>
+      </p:grpSp>
     </p:spTree>
     <p:extLst>
       <p:ext uri="{BB962C8B-B14F-4D97-AF65-F5344CB8AC3E}">
-        <p14:creationId xmlns:p14="http://schemas.microsoft.com/office/powerpoint/2010/main" val="2486295478"/>
+        <p14:creationId xmlns:p14="http://schemas.microsoft.com/office/powerpoint/2010/main" val="3333224235"/>
       </p:ext>
     </p:extLst>
   </p:cSld>
@@ -6296,12 +11807,18 @@
 </p:sld>
 </file>
 
-<file path=ppt/slides/slide7.xml><?xml version="1.0" encoding="utf-8"?>
+<file path=ppt/slides/slide9.xml><?xml version="1.0" encoding="utf-8"?>
 <p:sld xmlns:a="http://schemas.openxmlformats.org/drawingml/2006/main" xmlns:r="http://schemas.openxmlformats.org/officeDocument/2006/relationships" xmlns:p="http://schemas.openxmlformats.org/presentationml/2006/main">
   <p:cSld>
     <p:spTree>
       <p:nvGrpSpPr>
-        <p:cNvPr id="1" name=""/>
+        <p:cNvPr id="1" name="">
+          <a:extLst>
+            <a:ext uri="{FF2B5EF4-FFF2-40B4-BE49-F238E27FC236}">
+              <a16:creationId xmlns:a16="http://schemas.microsoft.com/office/drawing/2014/main" id="{B7840E44-D262-8FA8-6E52-1801F8F7C930}"/>
+            </a:ext>
+          </a:extLst>
+        </p:cNvPr>
         <p:cNvGrpSpPr/>
         <p:nvPr/>
       </p:nvGrpSpPr>
@@ -6315,10 +11832,10 @@
       </p:grpSpPr>
       <p:sp>
         <p:nvSpPr>
-          <p:cNvPr id="2" name="슬라이드 번호 개체 틀 1">
-            <a:extLst>
-              <a:ext uri="{FF2B5EF4-FFF2-40B4-BE49-F238E27FC236}">
-                <a16:creationId xmlns:a16="http://schemas.microsoft.com/office/drawing/2014/main" id="{4D94C39E-62F0-FA7C-3272-6C6CBEC3C81B}"/>
+          <p:cNvPr id="3" name="슬라이드 번호 개체 틀 2">
+            <a:extLst>
+              <a:ext uri="{FF2B5EF4-FFF2-40B4-BE49-F238E27FC236}">
+                <a16:creationId xmlns:a16="http://schemas.microsoft.com/office/drawing/2014/main" id="{570623C4-00AA-1432-3CD2-3A4E2DEB56EE}"/>
               </a:ext>
             </a:extLst>
           </p:cNvPr>
@@ -6336,17 +11853,216 @@
           <a:p>
             <a:fld id="{C5002163-FFAF-417C-9C20-DC892DFE9806}" type="slidenum">
               <a:rPr lang="ko-KR" altLang="en-US" smtClean="0"/>
-              <a:pPr/>
-              <a:t>6</a:t>
+              <a:t>8</a:t>
             </a:fld>
-            <a:endParaRPr lang="ko-KR" altLang="en-US" dirty="0"/>
+            <a:endParaRPr lang="ko-KR" altLang="en-US"/>
           </a:p>
         </p:txBody>
       </p:sp>
+      <p:grpSp>
+        <p:nvGrpSpPr>
+          <p:cNvPr id="12" name="그룹 11">
+            <a:extLst>
+              <a:ext uri="{FF2B5EF4-FFF2-40B4-BE49-F238E27FC236}">
+                <a16:creationId xmlns:a16="http://schemas.microsoft.com/office/drawing/2014/main" id="{FF295856-A30E-86C3-8C8D-C9C3D490F007}"/>
+              </a:ext>
+            </a:extLst>
+          </p:cNvPr>
+          <p:cNvGrpSpPr/>
+          <p:nvPr/>
+        </p:nvGrpSpPr>
+        <p:grpSpPr>
+          <a:xfrm>
+            <a:off x="695325" y="728663"/>
+            <a:ext cx="9001124" cy="936000"/>
+            <a:chOff x="1639161" y="761221"/>
+            <a:chExt cx="9001124" cy="900000"/>
+          </a:xfrm>
+          <a:effectLst>
+            <a:outerShdw blurRad="12700" dist="127000" dir="5400000" algn="t" rotWithShape="0">
+              <a:prstClr val="black">
+                <a:alpha val="10000"/>
+              </a:prstClr>
+            </a:outerShdw>
+          </a:effectLst>
+        </p:grpSpPr>
+        <p:sp>
+          <p:nvSpPr>
+            <p:cNvPr id="4" name="직사각형 3">
+              <a:extLst>
+                <a:ext uri="{FF2B5EF4-FFF2-40B4-BE49-F238E27FC236}">
+                  <a16:creationId xmlns:a16="http://schemas.microsoft.com/office/drawing/2014/main" id="{656F5379-B536-F5CC-E879-D3F9CDC4CAF8}"/>
+                </a:ext>
+              </a:extLst>
+            </p:cNvPr>
+            <p:cNvSpPr/>
+            <p:nvPr/>
+          </p:nvSpPr>
+          <p:spPr>
+            <a:xfrm>
+              <a:off x="1639161" y="761221"/>
+              <a:ext cx="900000" cy="900000"/>
+            </a:xfrm>
+            <a:prstGeom prst="rect">
+              <a:avLst/>
+            </a:prstGeom>
+            <a:solidFill>
+              <a:srgbClr val="007BC8"/>
+            </a:solidFill>
+            <a:ln w="50800">
+              <a:solidFill>
+                <a:schemeClr val="accent1">
+                  <a:shade val="15000"/>
+                </a:schemeClr>
+              </a:solidFill>
+            </a:ln>
+          </p:spPr>
+          <p:style>
+            <a:lnRef idx="2">
+              <a:schemeClr val="accent1">
+                <a:shade val="15000"/>
+              </a:schemeClr>
+            </a:lnRef>
+            <a:fillRef idx="1">
+              <a:schemeClr val="accent1"/>
+            </a:fillRef>
+            <a:effectRef idx="0">
+              <a:schemeClr val="accent1"/>
+            </a:effectRef>
+            <a:fontRef idx="minor">
+              <a:schemeClr val="lt1"/>
+            </a:fontRef>
+          </p:style>
+          <p:txBody>
+            <a:bodyPr rtlCol="0" anchor="ctr"/>
+            <a:lstStyle/>
+            <a:p>
+              <a:pPr algn="ctr"/>
+              <a:endParaRPr lang="ko-KR" altLang="en-US" dirty="0"/>
+            </a:p>
+          </p:txBody>
+        </p:sp>
+        <p:sp>
+          <p:nvSpPr>
+            <p:cNvPr id="10" name="직사각형 9">
+              <a:extLst>
+                <a:ext uri="{FF2B5EF4-FFF2-40B4-BE49-F238E27FC236}">
+                  <a16:creationId xmlns:a16="http://schemas.microsoft.com/office/drawing/2014/main" id="{E76095D2-6BA2-537E-02BE-3822CCACDF2E}"/>
+                </a:ext>
+              </a:extLst>
+            </p:cNvPr>
+            <p:cNvSpPr/>
+            <p:nvPr/>
+          </p:nvSpPr>
+          <p:spPr>
+            <a:xfrm>
+              <a:off x="2539160" y="761221"/>
+              <a:ext cx="8101125" cy="900000"/>
+            </a:xfrm>
+            <a:prstGeom prst="rect">
+              <a:avLst/>
+            </a:prstGeom>
+            <a:solidFill>
+              <a:schemeClr val="bg1"/>
+            </a:solidFill>
+            <a:ln w="50800">
+              <a:solidFill>
+                <a:schemeClr val="tx1"/>
+              </a:solidFill>
+            </a:ln>
+          </p:spPr>
+          <p:style>
+            <a:lnRef idx="2">
+              <a:schemeClr val="accent1">
+                <a:shade val="15000"/>
+              </a:schemeClr>
+            </a:lnRef>
+            <a:fillRef idx="1">
+              <a:schemeClr val="accent1"/>
+            </a:fillRef>
+            <a:effectRef idx="0">
+              <a:schemeClr val="accent1"/>
+            </a:effectRef>
+            <a:fontRef idx="minor">
+              <a:schemeClr val="lt1"/>
+            </a:fontRef>
+          </p:style>
+          <p:txBody>
+            <a:bodyPr rtlCol="0" anchor="ctr"/>
+            <a:lstStyle/>
+            <a:p>
+              <a:pPr marL="288000"/>
+              <a:r>
+                <a:rPr lang="ko-KR" altLang="en-US" sz="4000" dirty="0">
+                  <a:solidFill>
+                    <a:schemeClr val="tx1"/>
+                  </a:solidFill>
+                  <a:latin typeface="CookieRun Regular" panose="020B0600000101010101" pitchFamily="50" charset="-127"/>
+                  <a:ea typeface="CookieRun Regular" panose="020B0600000101010101" pitchFamily="50" charset="-127"/>
+                </a:rPr>
+                <a:t>핵심 엔진 </a:t>
+              </a:r>
+              <a:r>
+                <a:rPr lang="en-US" altLang="ko-KR" sz="4000" dirty="0">
+                  <a:solidFill>
+                    <a:schemeClr val="tx1"/>
+                  </a:solidFill>
+                  <a:latin typeface="구름 산스 700" pitchFamily="2" charset="-127"/>
+                  <a:ea typeface="구름 산스 700" pitchFamily="2" charset="-127"/>
+                </a:rPr>
+                <a:t>Tesseract</a:t>
+              </a:r>
+              <a:endParaRPr lang="ko-KR" altLang="en-US" sz="4000" dirty="0">
+                <a:solidFill>
+                  <a:schemeClr val="tx1"/>
+                </a:solidFill>
+                <a:latin typeface="구름 산스 700" pitchFamily="2" charset="-127"/>
+                <a:ea typeface="구름 산스 700" pitchFamily="2" charset="-127"/>
+              </a:endParaRPr>
+            </a:p>
+          </p:txBody>
+        </p:sp>
+      </p:grpSp>
+      <p:pic>
+        <p:nvPicPr>
+          <p:cNvPr id="7" name="그림 6" descr="그래픽, 폰트, 그래픽 디자인, 스크린샷이(가) 표시된 사진&#10;&#10;AI 생성 콘텐츠는 정확하지 않을 수 있습니다.">
+            <a:extLst>
+              <a:ext uri="{FF2B5EF4-FFF2-40B4-BE49-F238E27FC236}">
+                <a16:creationId xmlns:a16="http://schemas.microsoft.com/office/drawing/2014/main" id="{7F9A4DFD-4733-2A25-138E-0F112211D3EE}"/>
+              </a:ext>
+            </a:extLst>
+          </p:cNvPr>
+          <p:cNvPicPr>
+            <a:picLocks noChangeAspect="1"/>
+          </p:cNvPicPr>
+          <p:nvPr/>
+        </p:nvPicPr>
+        <p:blipFill>
+          <a:blip r:embed="rId2">
+            <a:extLst>
+              <a:ext uri="{28A0092B-C50C-407E-A947-70E740481C1C}">
+                <a14:useLocalDpi xmlns:a14="http://schemas.microsoft.com/office/drawing/2010/main" val="0"/>
+              </a:ext>
+            </a:extLst>
+          </a:blip>
+          <a:stretch>
+            <a:fillRect/>
+          </a:stretch>
+        </p:blipFill>
+        <p:spPr>
+          <a:xfrm>
+            <a:off x="3681095" y="2781617"/>
+            <a:ext cx="4667250" cy="2066925"/>
+          </a:xfrm>
+          <a:prstGeom prst="rect">
+            <a:avLst/>
+          </a:prstGeom>
+        </p:spPr>
+      </p:pic>
     </p:spTree>
     <p:extLst>
       <p:ext uri="{BB962C8B-B14F-4D97-AF65-F5344CB8AC3E}">
-        <p14:creationId xmlns:p14="http://schemas.microsoft.com/office/powerpoint/2010/main" val="1422414358"/>
+        <p14:creationId xmlns:p14="http://schemas.microsoft.com/office/powerpoint/2010/main" val="2613762309"/>
       </p:ext>
     </p:extLst>
   </p:cSld>

--- a/PPT/진짜 준비자료.pptx
+++ b/PPT/진짜 준비자료.pptx
@@ -5,7 +5,7 @@
     <p:sldMasterId id="2147483648" r:id="rId1"/>
   </p:sldMasterIdLst>
   <p:notesMasterIdLst>
-    <p:notesMasterId r:id="rId30"/>
+    <p:notesMasterId r:id="rId35"/>
   </p:notesMasterIdLst>
   <p:sldIdLst>
     <p:sldId id="256" r:id="rId2"/>
@@ -28,14 +28,19 @@
     <p:sldId id="283" r:id="rId19"/>
     <p:sldId id="292" r:id="rId20"/>
     <p:sldId id="285" r:id="rId21"/>
-    <p:sldId id="291" r:id="rId22"/>
-    <p:sldId id="286" r:id="rId23"/>
-    <p:sldId id="287" r:id="rId24"/>
-    <p:sldId id="263" r:id="rId25"/>
-    <p:sldId id="284" r:id="rId26"/>
-    <p:sldId id="288" r:id="rId27"/>
-    <p:sldId id="289" r:id="rId28"/>
-    <p:sldId id="290" r:id="rId29"/>
+    <p:sldId id="293" r:id="rId22"/>
+    <p:sldId id="297" r:id="rId23"/>
+    <p:sldId id="294" r:id="rId24"/>
+    <p:sldId id="295" r:id="rId25"/>
+    <p:sldId id="296" r:id="rId26"/>
+    <p:sldId id="291" r:id="rId27"/>
+    <p:sldId id="286" r:id="rId28"/>
+    <p:sldId id="287" r:id="rId29"/>
+    <p:sldId id="263" r:id="rId30"/>
+    <p:sldId id="284" r:id="rId31"/>
+    <p:sldId id="288" r:id="rId32"/>
+    <p:sldId id="289" r:id="rId33"/>
+    <p:sldId id="290" r:id="rId34"/>
   </p:sldIdLst>
   <p:sldSz cx="12192000" cy="6858000"/>
   <p:notesSz cx="6858000" cy="9144000"/>
@@ -137,17 +142,22 @@
   <p:extLst>
     <p:ext uri="{EFAFB233-063F-42B5-8137-9DF3F51BA10A}">
       <p15:sldGuideLst xmlns:p15="http://schemas.microsoft.com/office/powerpoint/2012/main">
-        <p15:guide id="1" pos="1005" userDrawn="1">
+        <p15:guide id="1" pos="461" userDrawn="1">
           <p15:clr>
             <a:srgbClr val="A4A3A4"/>
           </p15:clr>
         </p15:guide>
-        <p15:guide id="2" orient="horz" pos="232" userDrawn="1">
+        <p15:guide id="2" orient="horz" pos="2409" userDrawn="1">
           <p15:clr>
             <a:srgbClr val="A4A3A4"/>
           </p15:clr>
         </p15:guide>
-        <p15:guide id="3" pos="6108" userDrawn="1">
+        <p15:guide id="3" pos="3432" userDrawn="1">
+          <p15:clr>
+            <a:srgbClr val="A4A3A4"/>
+          </p15:clr>
+        </p15:guide>
+        <p15:guide id="4" orient="horz" pos="1275" userDrawn="1">
           <p15:clr>
             <a:srgbClr val="A4A3A4"/>
           </p15:clr>
@@ -243,7 +253,7 @@
           <a:p>
             <a:fld id="{5001C678-81CD-4974-AF36-DBC85801FF94}" type="datetimeFigureOut">
               <a:rPr lang="ko-KR" altLang="en-US" smtClean="0"/>
-              <a:t>2025-09-23</a:t>
+              <a:t>2025-09-24</a:t>
             </a:fld>
             <a:endParaRPr lang="ko-KR" altLang="en-US"/>
           </a:p>
@@ -657,7 +667,7 @@
           <a:p>
             <a:fld id="{6418288A-DA6A-41A9-866D-41A8415B32C1}" type="datetime1">
               <a:rPr lang="ko-KR" altLang="en-US" smtClean="0"/>
-              <a:t>2025-09-23</a:t>
+              <a:t>2025-09-24</a:t>
             </a:fld>
             <a:endParaRPr lang="ko-KR" altLang="en-US"/>
           </a:p>
@@ -855,7 +865,7 @@
           <a:p>
             <a:fld id="{35C14DCE-3C0D-437E-9D31-E42EE0976A5E}" type="datetime1">
               <a:rPr lang="ko-KR" altLang="en-US" smtClean="0"/>
-              <a:t>2025-09-23</a:t>
+              <a:t>2025-09-24</a:t>
             </a:fld>
             <a:endParaRPr lang="ko-KR" altLang="en-US"/>
           </a:p>
@@ -1063,7 +1073,7 @@
           <a:p>
             <a:fld id="{46B43A02-5D7B-4FB5-A088-32B7F9468713}" type="datetime1">
               <a:rPr lang="ko-KR" altLang="en-US" smtClean="0"/>
-              <a:t>2025-09-23</a:t>
+              <a:t>2025-09-24</a:t>
             </a:fld>
             <a:endParaRPr lang="ko-KR" altLang="en-US"/>
           </a:p>
@@ -1261,7 +1271,7 @@
           <a:p>
             <a:fld id="{3D19F9EB-FB3D-4C8C-8A79-CB0B21C8E1B1}" type="datetime1">
               <a:rPr lang="ko-KR" altLang="en-US" smtClean="0"/>
-              <a:t>2025-09-23</a:t>
+              <a:t>2025-09-24</a:t>
             </a:fld>
             <a:endParaRPr lang="ko-KR" altLang="en-US"/>
           </a:p>
@@ -1536,7 +1546,7 @@
           <a:p>
             <a:fld id="{234A3F02-C732-44F5-9B09-6C7B7CC728B0}" type="datetime1">
               <a:rPr lang="ko-KR" altLang="en-US" smtClean="0"/>
-              <a:t>2025-09-23</a:t>
+              <a:t>2025-09-24</a:t>
             </a:fld>
             <a:endParaRPr lang="ko-KR" altLang="en-US"/>
           </a:p>
@@ -1801,7 +1811,7 @@
           <a:p>
             <a:fld id="{65E793DF-6B61-4DE7-B50A-76162C511290}" type="datetime1">
               <a:rPr lang="ko-KR" altLang="en-US" smtClean="0"/>
-              <a:t>2025-09-23</a:t>
+              <a:t>2025-09-24</a:t>
             </a:fld>
             <a:endParaRPr lang="ko-KR" altLang="en-US"/>
           </a:p>
@@ -2213,7 +2223,7 @@
           <a:p>
             <a:fld id="{219AB351-6351-4002-A6E2-0735F82C9670}" type="datetime1">
               <a:rPr lang="ko-KR" altLang="en-US" smtClean="0"/>
-              <a:t>2025-09-23</a:t>
+              <a:t>2025-09-24</a:t>
             </a:fld>
             <a:endParaRPr lang="ko-KR" altLang="en-US"/>
           </a:p>
@@ -2354,7 +2364,7 @@
           <a:p>
             <a:fld id="{197FAFB3-75BA-4474-A042-C56309DF6FCD}" type="datetime1">
               <a:rPr lang="ko-KR" altLang="en-US" smtClean="0"/>
-              <a:t>2025-09-23</a:t>
+              <a:t>2025-09-24</a:t>
             </a:fld>
             <a:endParaRPr lang="ko-KR" altLang="en-US"/>
           </a:p>
@@ -2482,7 +2492,7 @@
           <a:p>
             <a:fld id="{16A6D75C-66DF-4266-A72B-B6CD4D6D10A6}" type="datetime1">
               <a:rPr lang="ko-KR" altLang="en-US" smtClean="0"/>
-              <a:t>2025-09-23</a:t>
+              <a:t>2025-09-24</a:t>
             </a:fld>
             <a:endParaRPr lang="ko-KR" altLang="en-US"/>
           </a:p>
@@ -2812,7 +2822,7 @@
           <a:p>
             <a:fld id="{D0882548-C3D9-4182-80F1-6A8667E61A77}" type="datetime1">
               <a:rPr lang="ko-KR" altLang="en-US" smtClean="0"/>
-              <a:t>2025-09-23</a:t>
+              <a:t>2025-09-24</a:t>
             </a:fld>
             <a:endParaRPr lang="ko-KR" altLang="en-US"/>
           </a:p>
@@ -3100,7 +3110,7 @@
           <a:p>
             <a:fld id="{7BE74025-3B82-47B7-BAD6-65D3E60FF7AB}" type="datetime1">
               <a:rPr lang="ko-KR" altLang="en-US" smtClean="0"/>
-              <a:t>2025-09-23</a:t>
+              <a:t>2025-09-24</a:t>
             </a:fld>
             <a:endParaRPr lang="ko-KR" altLang="en-US"/>
           </a:p>
@@ -3341,7 +3351,7 @@
           <a:p>
             <a:fld id="{A320372A-88D4-465D-BC67-FB17CB37D6F5}" type="datetime1">
               <a:rPr lang="ko-KR" altLang="en-US" smtClean="0"/>
-              <a:t>2025-09-23</a:t>
+              <a:t>2025-09-24</a:t>
             </a:fld>
             <a:endParaRPr lang="ko-KR" altLang="en-US"/>
           </a:p>
@@ -8503,6 +8513,7427 @@
   <p:cSld>
     <p:spTree>
       <p:nvGrpSpPr>
+        <p:cNvPr id="1" name=""/>
+        <p:cNvGrpSpPr/>
+        <p:nvPr/>
+      </p:nvGrpSpPr>
+      <p:grpSpPr>
+        <a:xfrm>
+          <a:off x="0" y="0"/>
+          <a:ext cx="0" cy="0"/>
+          <a:chOff x="0" y="0"/>
+          <a:chExt cx="0" cy="0"/>
+        </a:xfrm>
+      </p:grpSpPr>
+      <p:sp>
+        <p:nvSpPr>
+          <p:cNvPr id="2" name="슬라이드 번호 개체 틀 1">
+            <a:extLst>
+              <a:ext uri="{FF2B5EF4-FFF2-40B4-BE49-F238E27FC236}">
+                <a16:creationId xmlns:a16="http://schemas.microsoft.com/office/drawing/2014/main" id="{3406B6AC-6AFB-BB33-163A-8F9BBD29D54B}"/>
+              </a:ext>
+            </a:extLst>
+          </p:cNvPr>
+          <p:cNvSpPr>
+            <a:spLocks noGrp="1"/>
+          </p:cNvSpPr>
+          <p:nvPr>
+            <p:ph type="sldNum" sz="quarter" idx="12"/>
+          </p:nvPr>
+        </p:nvSpPr>
+        <p:spPr/>
+        <p:txBody>
+          <a:bodyPr/>
+          <a:lstStyle/>
+          <a:p>
+            <a:fld id="{C5002163-FFAF-417C-9C20-DC892DFE9806}" type="slidenum">
+              <a:rPr lang="ko-KR" altLang="en-US" smtClean="0"/>
+              <a:pPr/>
+              <a:t>20</a:t>
+            </a:fld>
+            <a:endParaRPr lang="ko-KR" altLang="en-US" dirty="0"/>
+          </a:p>
+        </p:txBody>
+      </p:sp>
+      <p:pic>
+        <p:nvPicPr>
+          <p:cNvPr id="4" name="그림 3" descr="텍스트, 폰트, 화이트, 대수학이(가) 표시된 사진&#10;&#10;AI 생성 콘텐츠는 정확하지 않을 수 있습니다.">
+            <a:extLst>
+              <a:ext uri="{FF2B5EF4-FFF2-40B4-BE49-F238E27FC236}">
+                <a16:creationId xmlns:a16="http://schemas.microsoft.com/office/drawing/2014/main" id="{2B7F3ABE-633B-B5BE-1852-3EAD2DA43E04}"/>
+              </a:ext>
+            </a:extLst>
+          </p:cNvPr>
+          <p:cNvPicPr>
+            <a:picLocks noChangeAspect="1"/>
+          </p:cNvPicPr>
+          <p:nvPr/>
+        </p:nvPicPr>
+        <p:blipFill>
+          <a:blip r:embed="rId2">
+            <a:extLst>
+              <a:ext uri="{28A0092B-C50C-407E-A947-70E740481C1C}">
+                <a14:useLocalDpi xmlns:a14="http://schemas.microsoft.com/office/drawing/2010/main" val="0"/>
+              </a:ext>
+            </a:extLst>
+          </a:blip>
+          <a:stretch>
+            <a:fillRect/>
+          </a:stretch>
+        </p:blipFill>
+        <p:spPr>
+          <a:xfrm>
+            <a:off x="2895599" y="2049189"/>
+            <a:ext cx="6400800" cy="3598991"/>
+          </a:xfrm>
+          <a:prstGeom prst="rect">
+            <a:avLst/>
+          </a:prstGeom>
+          <a:ln>
+            <a:noFill/>
+          </a:ln>
+          <a:effectLst>
+            <a:outerShdw blurRad="292100" dist="139700" dir="2700000" algn="tl" rotWithShape="0">
+              <a:srgbClr val="333333">
+                <a:alpha val="65000"/>
+              </a:srgbClr>
+            </a:outerShdw>
+          </a:effectLst>
+        </p:spPr>
+      </p:pic>
+      <p:sp>
+        <p:nvSpPr>
+          <p:cNvPr id="5" name="TextBox 4">
+            <a:extLst>
+              <a:ext uri="{FF2B5EF4-FFF2-40B4-BE49-F238E27FC236}">
+                <a16:creationId xmlns:a16="http://schemas.microsoft.com/office/drawing/2014/main" id="{43ADF4E1-F7FF-CA48-E911-239F40827A2F}"/>
+              </a:ext>
+            </a:extLst>
+          </p:cNvPr>
+          <p:cNvSpPr txBox="1"/>
+          <p:nvPr/>
+        </p:nvSpPr>
+        <p:spPr>
+          <a:xfrm>
+            <a:off x="4183264" y="417689"/>
+            <a:ext cx="3825471" cy="923330"/>
+          </a:xfrm>
+          <a:prstGeom prst="rect">
+            <a:avLst/>
+          </a:prstGeom>
+          <a:noFill/>
+        </p:spPr>
+        <p:txBody>
+          <a:bodyPr wrap="none" rtlCol="0">
+            <a:spAutoFit/>
+          </a:bodyPr>
+          <a:lstStyle/>
+          <a:p>
+            <a:r>
+              <a:rPr lang="en-US" altLang="ko-KR" sz="5400" dirty="0">
+                <a:latin typeface="CookieRun Regular" panose="020B0600000101010101" pitchFamily="50" charset="-127"/>
+                <a:ea typeface="CookieRun Regular" panose="020B0600000101010101" pitchFamily="50" charset="-127"/>
+              </a:rPr>
+              <a:t>Test Image</a:t>
+            </a:r>
+            <a:endParaRPr lang="ko-KR" altLang="en-US" sz="5400" dirty="0">
+              <a:latin typeface="CookieRun Regular" panose="020B0600000101010101" pitchFamily="50" charset="-127"/>
+              <a:ea typeface="CookieRun Regular" panose="020B0600000101010101" pitchFamily="50" charset="-127"/>
+            </a:endParaRPr>
+          </a:p>
+        </p:txBody>
+      </p:sp>
+      <p:sp>
+        <p:nvSpPr>
+          <p:cNvPr id="6" name="TextBox 5">
+            <a:extLst>
+              <a:ext uri="{FF2B5EF4-FFF2-40B4-BE49-F238E27FC236}">
+                <a16:creationId xmlns:a16="http://schemas.microsoft.com/office/drawing/2014/main" id="{9630223A-E5B4-0EFA-1BA4-E8BC73ED2498}"/>
+              </a:ext>
+            </a:extLst>
+          </p:cNvPr>
+          <p:cNvSpPr txBox="1"/>
+          <p:nvPr/>
+        </p:nvSpPr>
+        <p:spPr>
+          <a:xfrm>
+            <a:off x="7091487" y="-1213811"/>
+            <a:ext cx="2976136" cy="923330"/>
+          </a:xfrm>
+          <a:prstGeom prst="rect">
+            <a:avLst/>
+          </a:prstGeom>
+          <a:noFill/>
+        </p:spPr>
+        <p:txBody>
+          <a:bodyPr wrap="none" rtlCol="0">
+            <a:spAutoFit/>
+          </a:bodyPr>
+          <a:lstStyle/>
+          <a:p>
+            <a:r>
+              <a:rPr lang="en-US" altLang="ko-KR" sz="5400" dirty="0">
+                <a:latin typeface="CookieRun Regular" panose="020B0600000101010101" pitchFamily="50" charset="-127"/>
+                <a:ea typeface="CookieRun Regular" panose="020B0600000101010101" pitchFamily="50" charset="-127"/>
+              </a:rPr>
+              <a:t>OCR</a:t>
+            </a:r>
+            <a:r>
+              <a:rPr lang="ko-KR" altLang="en-US" sz="5400" dirty="0">
+                <a:latin typeface="CookieRun Regular" panose="020B0600000101010101" pitchFamily="50" charset="-127"/>
+                <a:ea typeface="CookieRun Regular" panose="020B0600000101010101" pitchFamily="50" charset="-127"/>
+              </a:rPr>
+              <a:t> </a:t>
+            </a:r>
+            <a:r>
+              <a:rPr lang="en-US" altLang="ko-KR" sz="5400" dirty="0">
+                <a:latin typeface="CookieRun Regular" panose="020B0600000101010101" pitchFamily="50" charset="-127"/>
+                <a:ea typeface="CookieRun Regular" panose="020B0600000101010101" pitchFamily="50" charset="-127"/>
+              </a:rPr>
+              <a:t>Box</a:t>
+            </a:r>
+            <a:endParaRPr lang="ko-KR" altLang="en-US" sz="5400" dirty="0">
+              <a:latin typeface="CookieRun Regular" panose="020B0600000101010101" pitchFamily="50" charset="-127"/>
+              <a:ea typeface="CookieRun Regular" panose="020B0600000101010101" pitchFamily="50" charset="-127"/>
+            </a:endParaRPr>
+          </a:p>
+        </p:txBody>
+      </p:sp>
+      <p:graphicFrame>
+        <p:nvGraphicFramePr>
+          <p:cNvPr id="7" name="표 6">
+            <a:extLst>
+              <a:ext uri="{FF2B5EF4-FFF2-40B4-BE49-F238E27FC236}">
+                <a16:creationId xmlns:a16="http://schemas.microsoft.com/office/drawing/2014/main" id="{F9F168C1-91B7-1CC8-BFF3-F03DF49A5878}"/>
+              </a:ext>
+            </a:extLst>
+          </p:cNvPr>
+          <p:cNvGraphicFramePr>
+            <a:graphicFrameLocks noGrp="1"/>
+          </p:cNvGraphicFramePr>
+          <p:nvPr>
+            <p:extLst>
+              <p:ext uri="{D42A27DB-BD31-4B8C-83A1-F6EECF244321}">
+                <p14:modId xmlns:p14="http://schemas.microsoft.com/office/powerpoint/2010/main" val="378879972"/>
+              </p:ext>
+            </p:extLst>
+          </p:nvPr>
+        </p:nvGraphicFramePr>
+        <p:xfrm>
+          <a:off x="412044" y="7597322"/>
+          <a:ext cx="4397024" cy="7132320"/>
+        </p:xfrm>
+        <a:graphic>
+          <a:graphicData uri="http://schemas.openxmlformats.org/drawingml/2006/table">
+            <a:tbl>
+              <a:tblPr firstRow="1" bandRow="1">
+                <a:tableStyleId>{5940675A-B579-460E-94D1-54222C63F5DA}</a:tableStyleId>
+              </a:tblPr>
+              <a:tblGrid>
+                <a:gridCol w="642546">
+                  <a:extLst>
+                    <a:ext uri="{9D8B030D-6E8A-4147-A177-3AD203B41FA5}">
+                      <a16:colId xmlns:a16="http://schemas.microsoft.com/office/drawing/2014/main" val="3747240666"/>
+                    </a:ext>
+                  </a:extLst>
+                </a:gridCol>
+                <a:gridCol w="1877239">
+                  <a:extLst>
+                    <a:ext uri="{9D8B030D-6E8A-4147-A177-3AD203B41FA5}">
+                      <a16:colId xmlns:a16="http://schemas.microsoft.com/office/drawing/2014/main" val="1865539625"/>
+                    </a:ext>
+                  </a:extLst>
+                </a:gridCol>
+                <a:gridCol w="1877239">
+                  <a:extLst>
+                    <a:ext uri="{9D8B030D-6E8A-4147-A177-3AD203B41FA5}">
+                      <a16:colId xmlns:a16="http://schemas.microsoft.com/office/drawing/2014/main" val="2198382097"/>
+                    </a:ext>
+                  </a:extLst>
+                </a:gridCol>
+              </a:tblGrid>
+              <a:tr h="370840">
+                <a:tc>
+                  <a:txBody>
+                    <a:bodyPr/>
+                    <a:lstStyle/>
+                    <a:p>
+                      <a:pPr algn="ctr" latinLnBrk="1"/>
+                      <a:endParaRPr lang="ko-KR" altLang="en-US" sz="2000" dirty="0">
+                        <a:latin typeface="CookieRun Regular" panose="020B0600000101010101" pitchFamily="50" charset="-127"/>
+                        <a:ea typeface="CookieRun Regular" panose="020B0600000101010101" pitchFamily="50" charset="-127"/>
+                      </a:endParaRPr>
+                    </a:p>
+                  </a:txBody>
+                  <a:tcPr/>
+                </a:tc>
+                <a:tc>
+                  <a:txBody>
+                    <a:bodyPr/>
+                    <a:lstStyle/>
+                    <a:p>
+                      <a:pPr algn="ctr" latinLnBrk="1"/>
+                      <a:r>
+                        <a:rPr lang="en-US" altLang="ko-KR" sz="2000" dirty="0">
+                          <a:latin typeface="CookieRun Regular" panose="020B0600000101010101" pitchFamily="50" charset="-127"/>
+                          <a:ea typeface="CookieRun Regular" panose="020B0600000101010101" pitchFamily="50" charset="-127"/>
+                        </a:rPr>
+                        <a:t>Text</a:t>
+                      </a:r>
+                      <a:endParaRPr lang="ko-KR" altLang="en-US" sz="2000" dirty="0">
+                        <a:latin typeface="CookieRun Regular" panose="020B0600000101010101" pitchFamily="50" charset="-127"/>
+                        <a:ea typeface="CookieRun Regular" panose="020B0600000101010101" pitchFamily="50" charset="-127"/>
+                      </a:endParaRPr>
+                    </a:p>
+                  </a:txBody>
+                  <a:tcPr/>
+                </a:tc>
+                <a:tc>
+                  <a:txBody>
+                    <a:bodyPr/>
+                    <a:lstStyle/>
+                    <a:p>
+                      <a:pPr algn="ctr" latinLnBrk="1"/>
+                      <a:r>
+                        <a:rPr lang="en-US" altLang="ko-KR" sz="2000" dirty="0">
+                          <a:latin typeface="CookieRun Regular" panose="020B0600000101010101" pitchFamily="50" charset="-127"/>
+                          <a:ea typeface="CookieRun Regular" panose="020B0600000101010101" pitchFamily="50" charset="-127"/>
+                        </a:rPr>
+                        <a:t>Confidence</a:t>
+                      </a:r>
+                    </a:p>
+                  </a:txBody>
+                  <a:tcPr/>
+                </a:tc>
+                <a:extLst>
+                  <a:ext uri="{0D108BD9-81ED-4DB2-BD59-A6C34878D82A}">
+                    <a16:rowId xmlns:a16="http://schemas.microsoft.com/office/drawing/2014/main" val="1815166801"/>
+                  </a:ext>
+                </a:extLst>
+              </a:tr>
+              <a:tr h="370840">
+                <a:tc>
+                  <a:txBody>
+                    <a:bodyPr/>
+                    <a:lstStyle/>
+                    <a:p>
+                      <a:pPr algn="ctr" latinLnBrk="1"/>
+                      <a:r>
+                        <a:rPr lang="en-US" altLang="ko-KR" sz="2000" dirty="0">
+                          <a:latin typeface="CookieRun Regular" panose="020B0600000101010101" pitchFamily="50" charset="-127"/>
+                          <a:ea typeface="CookieRun Regular" panose="020B0600000101010101" pitchFamily="50" charset="-127"/>
+                        </a:rPr>
+                        <a:t>0</a:t>
+                      </a:r>
+                      <a:endParaRPr lang="ko-KR" altLang="en-US" sz="2000" dirty="0">
+                        <a:latin typeface="CookieRun Regular" panose="020B0600000101010101" pitchFamily="50" charset="-127"/>
+                        <a:ea typeface="CookieRun Regular" panose="020B0600000101010101" pitchFamily="50" charset="-127"/>
+                      </a:endParaRPr>
+                    </a:p>
+                  </a:txBody>
+                  <a:tcPr/>
+                </a:tc>
+                <a:tc>
+                  <a:txBody>
+                    <a:bodyPr/>
+                    <a:lstStyle/>
+                    <a:p>
+                      <a:pPr algn="ctr" latinLnBrk="1"/>
+                      <a:endParaRPr lang="ko-KR" altLang="en-US" sz="2000" dirty="0">
+                        <a:latin typeface="CookieRun Regular" panose="020B0600000101010101" pitchFamily="50" charset="-127"/>
+                        <a:ea typeface="CookieRun Regular" panose="020B0600000101010101" pitchFamily="50" charset="-127"/>
+                      </a:endParaRPr>
+                    </a:p>
+                  </a:txBody>
+                  <a:tcPr/>
+                </a:tc>
+                <a:tc>
+                  <a:txBody>
+                    <a:bodyPr/>
+                    <a:lstStyle/>
+                    <a:p>
+                      <a:pPr algn="ctr" latinLnBrk="1"/>
+                      <a:r>
+                        <a:rPr lang="en-US" altLang="ko-KR" sz="2000" dirty="0">
+                          <a:latin typeface="CookieRun Regular" panose="020B0600000101010101" pitchFamily="50" charset="-127"/>
+                          <a:ea typeface="CookieRun Regular" panose="020B0600000101010101" pitchFamily="50" charset="-127"/>
+                        </a:rPr>
+                        <a:t>-1</a:t>
+                      </a:r>
+                      <a:endParaRPr lang="ko-KR" altLang="en-US" sz="2000" dirty="0">
+                        <a:latin typeface="CookieRun Regular" panose="020B0600000101010101" pitchFamily="50" charset="-127"/>
+                        <a:ea typeface="CookieRun Regular" panose="020B0600000101010101" pitchFamily="50" charset="-127"/>
+                      </a:endParaRPr>
+                    </a:p>
+                  </a:txBody>
+                  <a:tcPr/>
+                </a:tc>
+                <a:extLst>
+                  <a:ext uri="{0D108BD9-81ED-4DB2-BD59-A6C34878D82A}">
+                    <a16:rowId xmlns:a16="http://schemas.microsoft.com/office/drawing/2014/main" val="1940185174"/>
+                  </a:ext>
+                </a:extLst>
+              </a:tr>
+              <a:tr h="370840">
+                <a:tc>
+                  <a:txBody>
+                    <a:bodyPr/>
+                    <a:lstStyle/>
+                    <a:p>
+                      <a:pPr algn="ctr" latinLnBrk="1"/>
+                      <a:r>
+                        <a:rPr lang="en-US" altLang="ko-KR" sz="2000" dirty="0">
+                          <a:latin typeface="CookieRun Regular" panose="020B0600000101010101" pitchFamily="50" charset="-127"/>
+                          <a:ea typeface="CookieRun Regular" panose="020B0600000101010101" pitchFamily="50" charset="-127"/>
+                        </a:rPr>
+                        <a:t>1</a:t>
+                      </a:r>
+                      <a:endParaRPr lang="ko-KR" altLang="en-US" sz="2000" dirty="0">
+                        <a:latin typeface="CookieRun Regular" panose="020B0600000101010101" pitchFamily="50" charset="-127"/>
+                        <a:ea typeface="CookieRun Regular" panose="020B0600000101010101" pitchFamily="50" charset="-127"/>
+                      </a:endParaRPr>
+                    </a:p>
+                  </a:txBody>
+                  <a:tcPr/>
+                </a:tc>
+                <a:tc>
+                  <a:txBody>
+                    <a:bodyPr/>
+                    <a:lstStyle/>
+                    <a:p>
+                      <a:pPr algn="ctr" latinLnBrk="1"/>
+                      <a:endParaRPr lang="ko-KR" altLang="en-US" sz="2000" dirty="0">
+                        <a:latin typeface="CookieRun Regular" panose="020B0600000101010101" pitchFamily="50" charset="-127"/>
+                        <a:ea typeface="CookieRun Regular" panose="020B0600000101010101" pitchFamily="50" charset="-127"/>
+                      </a:endParaRPr>
+                    </a:p>
+                  </a:txBody>
+                  <a:tcPr/>
+                </a:tc>
+                <a:tc>
+                  <a:txBody>
+                    <a:bodyPr/>
+                    <a:lstStyle/>
+                    <a:p>
+                      <a:pPr algn="ctr" latinLnBrk="1"/>
+                      <a:r>
+                        <a:rPr lang="en-US" altLang="ko-KR" sz="2000" dirty="0">
+                          <a:latin typeface="CookieRun Regular" panose="020B0600000101010101" pitchFamily="50" charset="-127"/>
+                          <a:ea typeface="CookieRun Regular" panose="020B0600000101010101" pitchFamily="50" charset="-127"/>
+                        </a:rPr>
+                        <a:t>-1</a:t>
+                      </a:r>
+                      <a:endParaRPr lang="ko-KR" altLang="en-US" sz="2000" dirty="0">
+                        <a:latin typeface="CookieRun Regular" panose="020B0600000101010101" pitchFamily="50" charset="-127"/>
+                        <a:ea typeface="CookieRun Regular" panose="020B0600000101010101" pitchFamily="50" charset="-127"/>
+                      </a:endParaRPr>
+                    </a:p>
+                  </a:txBody>
+                  <a:tcPr/>
+                </a:tc>
+                <a:extLst>
+                  <a:ext uri="{0D108BD9-81ED-4DB2-BD59-A6C34878D82A}">
+                    <a16:rowId xmlns:a16="http://schemas.microsoft.com/office/drawing/2014/main" val="2586202196"/>
+                  </a:ext>
+                </a:extLst>
+              </a:tr>
+              <a:tr h="370840">
+                <a:tc>
+                  <a:txBody>
+                    <a:bodyPr/>
+                    <a:lstStyle/>
+                    <a:p>
+                      <a:pPr algn="ctr" latinLnBrk="1"/>
+                      <a:r>
+                        <a:rPr lang="en-US" altLang="ko-KR" sz="2000" dirty="0">
+                          <a:latin typeface="CookieRun Regular" panose="020B0600000101010101" pitchFamily="50" charset="-127"/>
+                          <a:ea typeface="CookieRun Regular" panose="020B0600000101010101" pitchFamily="50" charset="-127"/>
+                        </a:rPr>
+                        <a:t>2</a:t>
+                      </a:r>
+                      <a:endParaRPr lang="ko-KR" altLang="en-US" sz="2000" dirty="0">
+                        <a:latin typeface="CookieRun Regular" panose="020B0600000101010101" pitchFamily="50" charset="-127"/>
+                        <a:ea typeface="CookieRun Regular" panose="020B0600000101010101" pitchFamily="50" charset="-127"/>
+                      </a:endParaRPr>
+                    </a:p>
+                  </a:txBody>
+                  <a:tcPr/>
+                </a:tc>
+                <a:tc>
+                  <a:txBody>
+                    <a:bodyPr/>
+                    <a:lstStyle/>
+                    <a:p>
+                      <a:pPr algn="ctr" latinLnBrk="1"/>
+                      <a:endParaRPr lang="ko-KR" altLang="en-US" sz="2000" dirty="0">
+                        <a:latin typeface="CookieRun Regular" panose="020B0600000101010101" pitchFamily="50" charset="-127"/>
+                        <a:ea typeface="CookieRun Regular" panose="020B0600000101010101" pitchFamily="50" charset="-127"/>
+                      </a:endParaRPr>
+                    </a:p>
+                  </a:txBody>
+                  <a:tcPr/>
+                </a:tc>
+                <a:tc>
+                  <a:txBody>
+                    <a:bodyPr/>
+                    <a:lstStyle/>
+                    <a:p>
+                      <a:pPr algn="ctr" latinLnBrk="1"/>
+                      <a:r>
+                        <a:rPr lang="en-US" altLang="ko-KR" sz="2000" dirty="0">
+                          <a:latin typeface="CookieRun Regular" panose="020B0600000101010101" pitchFamily="50" charset="-127"/>
+                          <a:ea typeface="CookieRun Regular" panose="020B0600000101010101" pitchFamily="50" charset="-127"/>
+                        </a:rPr>
+                        <a:t>-1</a:t>
+                      </a:r>
+                      <a:endParaRPr lang="ko-KR" altLang="en-US" sz="2000" dirty="0">
+                        <a:latin typeface="CookieRun Regular" panose="020B0600000101010101" pitchFamily="50" charset="-127"/>
+                        <a:ea typeface="CookieRun Regular" panose="020B0600000101010101" pitchFamily="50" charset="-127"/>
+                      </a:endParaRPr>
+                    </a:p>
+                  </a:txBody>
+                  <a:tcPr/>
+                </a:tc>
+                <a:extLst>
+                  <a:ext uri="{0D108BD9-81ED-4DB2-BD59-A6C34878D82A}">
+                    <a16:rowId xmlns:a16="http://schemas.microsoft.com/office/drawing/2014/main" val="1516008586"/>
+                  </a:ext>
+                </a:extLst>
+              </a:tr>
+              <a:tr h="370840">
+                <a:tc>
+                  <a:txBody>
+                    <a:bodyPr/>
+                    <a:lstStyle/>
+                    <a:p>
+                      <a:pPr algn="ctr" latinLnBrk="1"/>
+                      <a:r>
+                        <a:rPr lang="en-US" altLang="ko-KR" sz="2000" dirty="0">
+                          <a:latin typeface="CookieRun Regular" panose="020B0600000101010101" pitchFamily="50" charset="-127"/>
+                          <a:ea typeface="CookieRun Regular" panose="020B0600000101010101" pitchFamily="50" charset="-127"/>
+                        </a:rPr>
+                        <a:t>3</a:t>
+                      </a:r>
+                      <a:endParaRPr lang="ko-KR" altLang="en-US" sz="2000" dirty="0">
+                        <a:latin typeface="CookieRun Regular" panose="020B0600000101010101" pitchFamily="50" charset="-127"/>
+                        <a:ea typeface="CookieRun Regular" panose="020B0600000101010101" pitchFamily="50" charset="-127"/>
+                      </a:endParaRPr>
+                    </a:p>
+                  </a:txBody>
+                  <a:tcPr/>
+                </a:tc>
+                <a:tc>
+                  <a:txBody>
+                    <a:bodyPr/>
+                    <a:lstStyle/>
+                    <a:p>
+                      <a:pPr algn="ctr" latinLnBrk="1"/>
+                      <a:endParaRPr lang="ko-KR" altLang="en-US" sz="2000" dirty="0">
+                        <a:latin typeface="CookieRun Regular" panose="020B0600000101010101" pitchFamily="50" charset="-127"/>
+                        <a:ea typeface="CookieRun Regular" panose="020B0600000101010101" pitchFamily="50" charset="-127"/>
+                      </a:endParaRPr>
+                    </a:p>
+                  </a:txBody>
+                  <a:tcPr/>
+                </a:tc>
+                <a:tc>
+                  <a:txBody>
+                    <a:bodyPr/>
+                    <a:lstStyle/>
+                    <a:p>
+                      <a:pPr algn="ctr" latinLnBrk="1"/>
+                      <a:r>
+                        <a:rPr lang="en-US" altLang="ko-KR" sz="2000" dirty="0">
+                          <a:latin typeface="CookieRun Regular" panose="020B0600000101010101" pitchFamily="50" charset="-127"/>
+                          <a:ea typeface="CookieRun Regular" panose="020B0600000101010101" pitchFamily="50" charset="-127"/>
+                        </a:rPr>
+                        <a:t>-1</a:t>
+                      </a:r>
+                      <a:endParaRPr lang="ko-KR" altLang="en-US" sz="2000" dirty="0">
+                        <a:latin typeface="CookieRun Regular" panose="020B0600000101010101" pitchFamily="50" charset="-127"/>
+                        <a:ea typeface="CookieRun Regular" panose="020B0600000101010101" pitchFamily="50" charset="-127"/>
+                      </a:endParaRPr>
+                    </a:p>
+                  </a:txBody>
+                  <a:tcPr/>
+                </a:tc>
+                <a:extLst>
+                  <a:ext uri="{0D108BD9-81ED-4DB2-BD59-A6C34878D82A}">
+                    <a16:rowId xmlns:a16="http://schemas.microsoft.com/office/drawing/2014/main" val="3618214638"/>
+                  </a:ext>
+                </a:extLst>
+              </a:tr>
+              <a:tr h="370840">
+                <a:tc>
+                  <a:txBody>
+                    <a:bodyPr/>
+                    <a:lstStyle/>
+                    <a:p>
+                      <a:pPr algn="ctr" latinLnBrk="1"/>
+                      <a:r>
+                        <a:rPr lang="en-US" altLang="ko-KR" sz="2000" dirty="0">
+                          <a:latin typeface="CookieRun Regular" panose="020B0600000101010101" pitchFamily="50" charset="-127"/>
+                          <a:ea typeface="CookieRun Regular" panose="020B0600000101010101" pitchFamily="50" charset="-127"/>
+                        </a:rPr>
+                        <a:t>4</a:t>
+                      </a:r>
+                    </a:p>
+                  </a:txBody>
+                  <a:tcPr/>
+                </a:tc>
+                <a:tc>
+                  <a:txBody>
+                    <a:bodyPr/>
+                    <a:lstStyle/>
+                    <a:p>
+                      <a:pPr algn="ctr" latinLnBrk="1"/>
+                      <a:r>
+                        <a:rPr lang="en-US" altLang="ko-KR" sz="2000" dirty="0">
+                          <a:latin typeface="CookieRun Regular" panose="020B0600000101010101" pitchFamily="50" charset="-127"/>
+                          <a:ea typeface="CookieRun Regular" panose="020B0600000101010101" pitchFamily="50" charset="-127"/>
+                        </a:rPr>
+                        <a:t>Hello,</a:t>
+                      </a:r>
+                      <a:endParaRPr lang="ko-KR" altLang="en-US" sz="2000" dirty="0">
+                        <a:latin typeface="CookieRun Regular" panose="020B0600000101010101" pitchFamily="50" charset="-127"/>
+                        <a:ea typeface="CookieRun Regular" panose="020B0600000101010101" pitchFamily="50" charset="-127"/>
+                      </a:endParaRPr>
+                    </a:p>
+                  </a:txBody>
+                  <a:tcPr/>
+                </a:tc>
+                <a:tc>
+                  <a:txBody>
+                    <a:bodyPr/>
+                    <a:lstStyle/>
+                    <a:p>
+                      <a:pPr algn="ctr" latinLnBrk="1"/>
+                      <a:r>
+                        <a:rPr lang="en-US" altLang="ko-KR" sz="2000" dirty="0">
+                          <a:latin typeface="CookieRun Regular" panose="020B0600000101010101" pitchFamily="50" charset="-127"/>
+                          <a:ea typeface="CookieRun Regular" panose="020B0600000101010101" pitchFamily="50" charset="-127"/>
+                        </a:rPr>
+                        <a:t>95</a:t>
+                      </a:r>
+                      <a:endParaRPr lang="ko-KR" altLang="en-US" sz="2000" dirty="0">
+                        <a:latin typeface="CookieRun Regular" panose="020B0600000101010101" pitchFamily="50" charset="-127"/>
+                        <a:ea typeface="CookieRun Regular" panose="020B0600000101010101" pitchFamily="50" charset="-127"/>
+                      </a:endParaRPr>
+                    </a:p>
+                  </a:txBody>
+                  <a:tcPr/>
+                </a:tc>
+                <a:extLst>
+                  <a:ext uri="{0D108BD9-81ED-4DB2-BD59-A6C34878D82A}">
+                    <a16:rowId xmlns:a16="http://schemas.microsoft.com/office/drawing/2014/main" val="399424880"/>
+                  </a:ext>
+                </a:extLst>
+              </a:tr>
+              <a:tr h="370840">
+                <a:tc>
+                  <a:txBody>
+                    <a:bodyPr/>
+                    <a:lstStyle/>
+                    <a:p>
+                      <a:pPr algn="ctr" latinLnBrk="1"/>
+                      <a:r>
+                        <a:rPr lang="en-US" altLang="ko-KR" sz="2000" dirty="0">
+                          <a:latin typeface="CookieRun Regular" panose="020B0600000101010101" pitchFamily="50" charset="-127"/>
+                          <a:ea typeface="CookieRun Regular" panose="020B0600000101010101" pitchFamily="50" charset="-127"/>
+                        </a:rPr>
+                        <a:t>5</a:t>
+                      </a:r>
+                      <a:endParaRPr lang="ko-KR" altLang="en-US" sz="2000" dirty="0">
+                        <a:latin typeface="CookieRun Regular" panose="020B0600000101010101" pitchFamily="50" charset="-127"/>
+                        <a:ea typeface="CookieRun Regular" panose="020B0600000101010101" pitchFamily="50" charset="-127"/>
+                      </a:endParaRPr>
+                    </a:p>
+                  </a:txBody>
+                  <a:tcPr/>
+                </a:tc>
+                <a:tc>
+                  <a:txBody>
+                    <a:bodyPr/>
+                    <a:lstStyle/>
+                    <a:p>
+                      <a:pPr algn="ctr" latinLnBrk="1"/>
+                      <a:r>
+                        <a:rPr lang="en-US" altLang="ko-KR" sz="2000" dirty="0">
+                          <a:latin typeface="CookieRun Regular" panose="020B0600000101010101" pitchFamily="50" charset="-127"/>
+                          <a:ea typeface="CookieRun Regular" panose="020B0600000101010101" pitchFamily="50" charset="-127"/>
+                        </a:rPr>
+                        <a:t>How</a:t>
+                      </a:r>
+                      <a:endParaRPr lang="ko-KR" altLang="en-US" sz="2000" dirty="0">
+                        <a:latin typeface="CookieRun Regular" panose="020B0600000101010101" pitchFamily="50" charset="-127"/>
+                        <a:ea typeface="CookieRun Regular" panose="020B0600000101010101" pitchFamily="50" charset="-127"/>
+                      </a:endParaRPr>
+                    </a:p>
+                  </a:txBody>
+                  <a:tcPr/>
+                </a:tc>
+                <a:tc>
+                  <a:txBody>
+                    <a:bodyPr/>
+                    <a:lstStyle/>
+                    <a:p>
+                      <a:pPr algn="ctr" latinLnBrk="1"/>
+                      <a:r>
+                        <a:rPr lang="en-US" altLang="ko-KR" sz="2000" dirty="0">
+                          <a:latin typeface="CookieRun Regular" panose="020B0600000101010101" pitchFamily="50" charset="-127"/>
+                          <a:ea typeface="CookieRun Regular" panose="020B0600000101010101" pitchFamily="50" charset="-127"/>
+                        </a:rPr>
+                        <a:t>96</a:t>
+                      </a:r>
+                      <a:endParaRPr lang="ko-KR" altLang="en-US" sz="2000" dirty="0">
+                        <a:latin typeface="CookieRun Regular" panose="020B0600000101010101" pitchFamily="50" charset="-127"/>
+                        <a:ea typeface="CookieRun Regular" panose="020B0600000101010101" pitchFamily="50" charset="-127"/>
+                      </a:endParaRPr>
+                    </a:p>
+                  </a:txBody>
+                  <a:tcPr/>
+                </a:tc>
+                <a:extLst>
+                  <a:ext uri="{0D108BD9-81ED-4DB2-BD59-A6C34878D82A}">
+                    <a16:rowId xmlns:a16="http://schemas.microsoft.com/office/drawing/2014/main" val="2525857998"/>
+                  </a:ext>
+                </a:extLst>
+              </a:tr>
+              <a:tr h="370840">
+                <a:tc>
+                  <a:txBody>
+                    <a:bodyPr/>
+                    <a:lstStyle/>
+                    <a:p>
+                      <a:pPr algn="ctr" latinLnBrk="1"/>
+                      <a:r>
+                        <a:rPr lang="en-US" altLang="ko-KR" sz="2000" dirty="0">
+                          <a:latin typeface="CookieRun Regular" panose="020B0600000101010101" pitchFamily="50" charset="-127"/>
+                          <a:ea typeface="CookieRun Regular" panose="020B0600000101010101" pitchFamily="50" charset="-127"/>
+                        </a:rPr>
+                        <a:t>6</a:t>
+                      </a:r>
+                      <a:endParaRPr lang="ko-KR" altLang="en-US" sz="2000" dirty="0">
+                        <a:latin typeface="CookieRun Regular" panose="020B0600000101010101" pitchFamily="50" charset="-127"/>
+                        <a:ea typeface="CookieRun Regular" panose="020B0600000101010101" pitchFamily="50" charset="-127"/>
+                      </a:endParaRPr>
+                    </a:p>
+                  </a:txBody>
+                  <a:tcPr/>
+                </a:tc>
+                <a:tc>
+                  <a:txBody>
+                    <a:bodyPr/>
+                    <a:lstStyle/>
+                    <a:p>
+                      <a:pPr algn="ctr" latinLnBrk="1"/>
+                      <a:r>
+                        <a:rPr lang="en-US" altLang="ko-KR" sz="2000" dirty="0">
+                          <a:latin typeface="CookieRun Regular" panose="020B0600000101010101" pitchFamily="50" charset="-127"/>
+                          <a:ea typeface="CookieRun Regular" panose="020B0600000101010101" pitchFamily="50" charset="-127"/>
+                        </a:rPr>
+                        <a:t>are</a:t>
+                      </a:r>
+                      <a:endParaRPr lang="ko-KR" altLang="en-US" sz="2000" dirty="0">
+                        <a:latin typeface="CookieRun Regular" panose="020B0600000101010101" pitchFamily="50" charset="-127"/>
+                        <a:ea typeface="CookieRun Regular" panose="020B0600000101010101" pitchFamily="50" charset="-127"/>
+                      </a:endParaRPr>
+                    </a:p>
+                  </a:txBody>
+                  <a:tcPr/>
+                </a:tc>
+                <a:tc>
+                  <a:txBody>
+                    <a:bodyPr/>
+                    <a:lstStyle/>
+                    <a:p>
+                      <a:pPr algn="ctr" latinLnBrk="1"/>
+                      <a:r>
+                        <a:rPr lang="en-US" altLang="ko-KR" sz="2000" dirty="0">
+                          <a:latin typeface="CookieRun Regular" panose="020B0600000101010101" pitchFamily="50" charset="-127"/>
+                          <a:ea typeface="CookieRun Regular" panose="020B0600000101010101" pitchFamily="50" charset="-127"/>
+                        </a:rPr>
+                        <a:t>96</a:t>
+                      </a:r>
+                      <a:endParaRPr lang="ko-KR" altLang="en-US" sz="2000" dirty="0">
+                        <a:latin typeface="CookieRun Regular" panose="020B0600000101010101" pitchFamily="50" charset="-127"/>
+                        <a:ea typeface="CookieRun Regular" panose="020B0600000101010101" pitchFamily="50" charset="-127"/>
+                      </a:endParaRPr>
+                    </a:p>
+                  </a:txBody>
+                  <a:tcPr/>
+                </a:tc>
+                <a:extLst>
+                  <a:ext uri="{0D108BD9-81ED-4DB2-BD59-A6C34878D82A}">
+                    <a16:rowId xmlns:a16="http://schemas.microsoft.com/office/drawing/2014/main" val="3381322668"/>
+                  </a:ext>
+                </a:extLst>
+              </a:tr>
+              <a:tr h="370840">
+                <a:tc>
+                  <a:txBody>
+                    <a:bodyPr/>
+                    <a:lstStyle/>
+                    <a:p>
+                      <a:pPr algn="ctr" latinLnBrk="1"/>
+                      <a:r>
+                        <a:rPr lang="en-US" altLang="ko-KR" sz="2000" dirty="0">
+                          <a:latin typeface="CookieRun Regular" panose="020B0600000101010101" pitchFamily="50" charset="-127"/>
+                          <a:ea typeface="CookieRun Regular" panose="020B0600000101010101" pitchFamily="50" charset="-127"/>
+                        </a:rPr>
+                        <a:t>7</a:t>
+                      </a:r>
+                      <a:endParaRPr lang="ko-KR" altLang="en-US" sz="2000" dirty="0">
+                        <a:latin typeface="CookieRun Regular" panose="020B0600000101010101" pitchFamily="50" charset="-127"/>
+                        <a:ea typeface="CookieRun Regular" panose="020B0600000101010101" pitchFamily="50" charset="-127"/>
+                      </a:endParaRPr>
+                    </a:p>
+                  </a:txBody>
+                  <a:tcPr/>
+                </a:tc>
+                <a:tc>
+                  <a:txBody>
+                    <a:bodyPr/>
+                    <a:lstStyle/>
+                    <a:p>
+                      <a:pPr algn="ctr" latinLnBrk="1"/>
+                      <a:r>
+                        <a:rPr lang="en-US" altLang="ko-KR" sz="2000" dirty="0">
+                          <a:latin typeface="CookieRun Regular" panose="020B0600000101010101" pitchFamily="50" charset="-127"/>
+                          <a:ea typeface="CookieRun Regular" panose="020B0600000101010101" pitchFamily="50" charset="-127"/>
+                        </a:rPr>
+                        <a:t>you</a:t>
+                      </a:r>
+                      <a:endParaRPr lang="ko-KR" altLang="en-US" sz="2000" dirty="0">
+                        <a:latin typeface="CookieRun Regular" panose="020B0600000101010101" pitchFamily="50" charset="-127"/>
+                        <a:ea typeface="CookieRun Regular" panose="020B0600000101010101" pitchFamily="50" charset="-127"/>
+                      </a:endParaRPr>
+                    </a:p>
+                  </a:txBody>
+                  <a:tcPr/>
+                </a:tc>
+                <a:tc>
+                  <a:txBody>
+                    <a:bodyPr/>
+                    <a:lstStyle/>
+                    <a:p>
+                      <a:pPr algn="ctr" latinLnBrk="1"/>
+                      <a:r>
+                        <a:rPr lang="en-US" altLang="ko-KR" sz="2000" dirty="0">
+                          <a:latin typeface="CookieRun Regular" panose="020B0600000101010101" pitchFamily="50" charset="-127"/>
+                          <a:ea typeface="CookieRun Regular" panose="020B0600000101010101" pitchFamily="50" charset="-127"/>
+                        </a:rPr>
+                        <a:t>96</a:t>
+                      </a:r>
+                      <a:endParaRPr lang="ko-KR" altLang="en-US" sz="2000" dirty="0">
+                        <a:latin typeface="CookieRun Regular" panose="020B0600000101010101" pitchFamily="50" charset="-127"/>
+                        <a:ea typeface="CookieRun Regular" panose="020B0600000101010101" pitchFamily="50" charset="-127"/>
+                      </a:endParaRPr>
+                    </a:p>
+                  </a:txBody>
+                  <a:tcPr/>
+                </a:tc>
+                <a:extLst>
+                  <a:ext uri="{0D108BD9-81ED-4DB2-BD59-A6C34878D82A}">
+                    <a16:rowId xmlns:a16="http://schemas.microsoft.com/office/drawing/2014/main" val="872466425"/>
+                  </a:ext>
+                </a:extLst>
+              </a:tr>
+              <a:tr h="370840">
+                <a:tc>
+                  <a:txBody>
+                    <a:bodyPr/>
+                    <a:lstStyle/>
+                    <a:p>
+                      <a:pPr algn="ctr" latinLnBrk="1"/>
+                      <a:r>
+                        <a:rPr lang="en-US" altLang="ko-KR" sz="2000" dirty="0">
+                          <a:latin typeface="CookieRun Regular" panose="020B0600000101010101" pitchFamily="50" charset="-127"/>
+                          <a:ea typeface="CookieRun Regular" panose="020B0600000101010101" pitchFamily="50" charset="-127"/>
+                        </a:rPr>
+                        <a:t>8</a:t>
+                      </a:r>
+                      <a:endParaRPr lang="ko-KR" altLang="en-US" sz="2000" dirty="0">
+                        <a:latin typeface="CookieRun Regular" panose="020B0600000101010101" pitchFamily="50" charset="-127"/>
+                        <a:ea typeface="CookieRun Regular" panose="020B0600000101010101" pitchFamily="50" charset="-127"/>
+                      </a:endParaRPr>
+                    </a:p>
+                  </a:txBody>
+                  <a:tcPr/>
+                </a:tc>
+                <a:tc>
+                  <a:txBody>
+                    <a:bodyPr/>
+                    <a:lstStyle/>
+                    <a:p>
+                      <a:pPr algn="ctr" latinLnBrk="1"/>
+                      <a:r>
+                        <a:rPr lang="en-US" altLang="ko-KR" sz="2000" dirty="0">
+                          <a:latin typeface="CookieRun Regular" panose="020B0600000101010101" pitchFamily="50" charset="-127"/>
+                          <a:ea typeface="CookieRun Regular" panose="020B0600000101010101" pitchFamily="50" charset="-127"/>
+                        </a:rPr>
+                        <a:t>today?</a:t>
+                      </a:r>
+                      <a:endParaRPr lang="ko-KR" altLang="en-US" sz="2000" dirty="0">
+                        <a:latin typeface="CookieRun Regular" panose="020B0600000101010101" pitchFamily="50" charset="-127"/>
+                        <a:ea typeface="CookieRun Regular" panose="020B0600000101010101" pitchFamily="50" charset="-127"/>
+                      </a:endParaRPr>
+                    </a:p>
+                  </a:txBody>
+                  <a:tcPr/>
+                </a:tc>
+                <a:tc>
+                  <a:txBody>
+                    <a:bodyPr/>
+                    <a:lstStyle/>
+                    <a:p>
+                      <a:pPr algn="ctr" latinLnBrk="1"/>
+                      <a:r>
+                        <a:rPr lang="en-US" altLang="ko-KR" sz="2000" dirty="0">
+                          <a:latin typeface="CookieRun Regular" panose="020B0600000101010101" pitchFamily="50" charset="-127"/>
+                          <a:ea typeface="CookieRun Regular" panose="020B0600000101010101" pitchFamily="50" charset="-127"/>
+                        </a:rPr>
+                        <a:t>96</a:t>
+                      </a:r>
+                      <a:endParaRPr lang="ko-KR" altLang="en-US" sz="2000" dirty="0">
+                        <a:latin typeface="CookieRun Regular" panose="020B0600000101010101" pitchFamily="50" charset="-127"/>
+                        <a:ea typeface="CookieRun Regular" panose="020B0600000101010101" pitchFamily="50" charset="-127"/>
+                      </a:endParaRPr>
+                    </a:p>
+                  </a:txBody>
+                  <a:tcPr/>
+                </a:tc>
+                <a:extLst>
+                  <a:ext uri="{0D108BD9-81ED-4DB2-BD59-A6C34878D82A}">
+                    <a16:rowId xmlns:a16="http://schemas.microsoft.com/office/drawing/2014/main" val="2566976618"/>
+                  </a:ext>
+                </a:extLst>
+              </a:tr>
+              <a:tr h="370840">
+                <a:tc>
+                  <a:txBody>
+                    <a:bodyPr/>
+                    <a:lstStyle/>
+                    <a:p>
+                      <a:pPr algn="ctr" latinLnBrk="1"/>
+                      <a:r>
+                        <a:rPr lang="en-US" altLang="ko-KR" sz="2000" dirty="0">
+                          <a:latin typeface="CookieRun Regular" panose="020B0600000101010101" pitchFamily="50" charset="-127"/>
+                          <a:ea typeface="CookieRun Regular" panose="020B0600000101010101" pitchFamily="50" charset="-127"/>
+                        </a:rPr>
+                        <a:t>9</a:t>
+                      </a:r>
+                      <a:endParaRPr lang="ko-KR" altLang="en-US" sz="2000" dirty="0">
+                        <a:latin typeface="CookieRun Regular" panose="020B0600000101010101" pitchFamily="50" charset="-127"/>
+                        <a:ea typeface="CookieRun Regular" panose="020B0600000101010101" pitchFamily="50" charset="-127"/>
+                      </a:endParaRPr>
+                    </a:p>
+                  </a:txBody>
+                  <a:tcPr/>
+                </a:tc>
+                <a:tc>
+                  <a:txBody>
+                    <a:bodyPr/>
+                    <a:lstStyle/>
+                    <a:p>
+                      <a:pPr algn="ctr" latinLnBrk="1"/>
+                      <a:endParaRPr lang="ko-KR" altLang="en-US" sz="2000" dirty="0">
+                        <a:latin typeface="CookieRun Regular" panose="020B0600000101010101" pitchFamily="50" charset="-127"/>
+                        <a:ea typeface="CookieRun Regular" panose="020B0600000101010101" pitchFamily="50" charset="-127"/>
+                      </a:endParaRPr>
+                    </a:p>
+                  </a:txBody>
+                  <a:tcPr/>
+                </a:tc>
+                <a:tc>
+                  <a:txBody>
+                    <a:bodyPr/>
+                    <a:lstStyle/>
+                    <a:p>
+                      <a:pPr algn="ctr" latinLnBrk="1"/>
+                      <a:r>
+                        <a:rPr lang="en-US" altLang="ko-KR" sz="2000" dirty="0">
+                          <a:latin typeface="CookieRun Regular" panose="020B0600000101010101" pitchFamily="50" charset="-127"/>
+                          <a:ea typeface="CookieRun Regular" panose="020B0600000101010101" pitchFamily="50" charset="-127"/>
+                        </a:rPr>
+                        <a:t>-1</a:t>
+                      </a:r>
+                      <a:endParaRPr lang="ko-KR" altLang="en-US" sz="2000" dirty="0">
+                        <a:latin typeface="CookieRun Regular" panose="020B0600000101010101" pitchFamily="50" charset="-127"/>
+                        <a:ea typeface="CookieRun Regular" panose="020B0600000101010101" pitchFamily="50" charset="-127"/>
+                      </a:endParaRPr>
+                    </a:p>
+                  </a:txBody>
+                  <a:tcPr/>
+                </a:tc>
+                <a:extLst>
+                  <a:ext uri="{0D108BD9-81ED-4DB2-BD59-A6C34878D82A}">
+                    <a16:rowId xmlns:a16="http://schemas.microsoft.com/office/drawing/2014/main" val="2623417769"/>
+                  </a:ext>
+                </a:extLst>
+              </a:tr>
+              <a:tr h="370840">
+                <a:tc>
+                  <a:txBody>
+                    <a:bodyPr/>
+                    <a:lstStyle/>
+                    <a:p>
+                      <a:pPr algn="ctr" latinLnBrk="1"/>
+                      <a:r>
+                        <a:rPr lang="en-US" altLang="ko-KR" sz="2000" dirty="0">
+                          <a:latin typeface="CookieRun Regular" panose="020B0600000101010101" pitchFamily="50" charset="-127"/>
+                          <a:ea typeface="CookieRun Regular" panose="020B0600000101010101" pitchFamily="50" charset="-127"/>
+                        </a:rPr>
+                        <a:t>10</a:t>
+                      </a:r>
+                      <a:endParaRPr lang="ko-KR" altLang="en-US" sz="2000" dirty="0">
+                        <a:latin typeface="CookieRun Regular" panose="020B0600000101010101" pitchFamily="50" charset="-127"/>
+                        <a:ea typeface="CookieRun Regular" panose="020B0600000101010101" pitchFamily="50" charset="-127"/>
+                      </a:endParaRPr>
+                    </a:p>
+                  </a:txBody>
+                  <a:tcPr/>
+                </a:tc>
+                <a:tc>
+                  <a:txBody>
+                    <a:bodyPr/>
+                    <a:lstStyle/>
+                    <a:p>
+                      <a:pPr algn="ctr" latinLnBrk="1"/>
+                      <a:endParaRPr lang="ko-KR" altLang="en-US" sz="2000" dirty="0">
+                        <a:latin typeface="CookieRun Regular" panose="020B0600000101010101" pitchFamily="50" charset="-127"/>
+                        <a:ea typeface="CookieRun Regular" panose="020B0600000101010101" pitchFamily="50" charset="-127"/>
+                      </a:endParaRPr>
+                    </a:p>
+                  </a:txBody>
+                  <a:tcPr/>
+                </a:tc>
+                <a:tc>
+                  <a:txBody>
+                    <a:bodyPr/>
+                    <a:lstStyle/>
+                    <a:p>
+                      <a:pPr algn="ctr" latinLnBrk="1"/>
+                      <a:r>
+                        <a:rPr lang="en-US" altLang="ko-KR" sz="2000" dirty="0">
+                          <a:latin typeface="CookieRun Regular" panose="020B0600000101010101" pitchFamily="50" charset="-127"/>
+                          <a:ea typeface="CookieRun Regular" panose="020B0600000101010101" pitchFamily="50" charset="-127"/>
+                        </a:rPr>
+                        <a:t>-1</a:t>
+                      </a:r>
+                      <a:endParaRPr lang="ko-KR" altLang="en-US" sz="2000" dirty="0">
+                        <a:latin typeface="CookieRun Regular" panose="020B0600000101010101" pitchFamily="50" charset="-127"/>
+                        <a:ea typeface="CookieRun Regular" panose="020B0600000101010101" pitchFamily="50" charset="-127"/>
+                      </a:endParaRPr>
+                    </a:p>
+                  </a:txBody>
+                  <a:tcPr/>
+                </a:tc>
+                <a:extLst>
+                  <a:ext uri="{0D108BD9-81ED-4DB2-BD59-A6C34878D82A}">
+                    <a16:rowId xmlns:a16="http://schemas.microsoft.com/office/drawing/2014/main" val="4067975712"/>
+                  </a:ext>
+                </a:extLst>
+              </a:tr>
+              <a:tr h="370840">
+                <a:tc>
+                  <a:txBody>
+                    <a:bodyPr/>
+                    <a:lstStyle/>
+                    <a:p>
+                      <a:pPr algn="ctr" latinLnBrk="1"/>
+                      <a:r>
+                        <a:rPr lang="en-US" altLang="ko-KR" sz="2000" dirty="0">
+                          <a:latin typeface="CookieRun Regular" panose="020B0600000101010101" pitchFamily="50" charset="-127"/>
+                          <a:ea typeface="CookieRun Regular" panose="020B0600000101010101" pitchFamily="50" charset="-127"/>
+                        </a:rPr>
+                        <a:t>11</a:t>
+                      </a:r>
+                      <a:endParaRPr lang="ko-KR" altLang="en-US" sz="2000" dirty="0">
+                        <a:latin typeface="CookieRun Regular" panose="020B0600000101010101" pitchFamily="50" charset="-127"/>
+                        <a:ea typeface="CookieRun Regular" panose="020B0600000101010101" pitchFamily="50" charset="-127"/>
+                      </a:endParaRPr>
+                    </a:p>
+                  </a:txBody>
+                  <a:tcPr/>
+                </a:tc>
+                <a:tc>
+                  <a:txBody>
+                    <a:bodyPr/>
+                    <a:lstStyle/>
+                    <a:p>
+                      <a:pPr algn="ctr" latinLnBrk="1"/>
+                      <a:endParaRPr lang="ko-KR" altLang="en-US" sz="2000" dirty="0">
+                        <a:latin typeface="CookieRun Regular" panose="020B0600000101010101" pitchFamily="50" charset="-127"/>
+                        <a:ea typeface="CookieRun Regular" panose="020B0600000101010101" pitchFamily="50" charset="-127"/>
+                      </a:endParaRPr>
+                    </a:p>
+                  </a:txBody>
+                  <a:tcPr/>
+                </a:tc>
+                <a:tc>
+                  <a:txBody>
+                    <a:bodyPr/>
+                    <a:lstStyle/>
+                    <a:p>
+                      <a:pPr algn="ctr" latinLnBrk="1"/>
+                      <a:r>
+                        <a:rPr lang="en-US" altLang="ko-KR" sz="2000" dirty="0">
+                          <a:latin typeface="CookieRun Regular" panose="020B0600000101010101" pitchFamily="50" charset="-127"/>
+                          <a:ea typeface="CookieRun Regular" panose="020B0600000101010101" pitchFamily="50" charset="-127"/>
+                        </a:rPr>
+                        <a:t>-1</a:t>
+                      </a:r>
+                      <a:endParaRPr lang="ko-KR" altLang="en-US" sz="2000" dirty="0">
+                        <a:latin typeface="CookieRun Regular" panose="020B0600000101010101" pitchFamily="50" charset="-127"/>
+                        <a:ea typeface="CookieRun Regular" panose="020B0600000101010101" pitchFamily="50" charset="-127"/>
+                      </a:endParaRPr>
+                    </a:p>
+                  </a:txBody>
+                  <a:tcPr/>
+                </a:tc>
+                <a:extLst>
+                  <a:ext uri="{0D108BD9-81ED-4DB2-BD59-A6C34878D82A}">
+                    <a16:rowId xmlns:a16="http://schemas.microsoft.com/office/drawing/2014/main" val="3997706128"/>
+                  </a:ext>
+                </a:extLst>
+              </a:tr>
+              <a:tr h="370840">
+                <a:tc>
+                  <a:txBody>
+                    <a:bodyPr/>
+                    <a:lstStyle/>
+                    <a:p>
+                      <a:pPr algn="ctr" latinLnBrk="1"/>
+                      <a:r>
+                        <a:rPr lang="en-US" altLang="ko-KR" sz="2000" dirty="0">
+                          <a:latin typeface="CookieRun Regular" panose="020B0600000101010101" pitchFamily="50" charset="-127"/>
+                          <a:ea typeface="CookieRun Regular" panose="020B0600000101010101" pitchFamily="50" charset="-127"/>
+                        </a:rPr>
+                        <a:t>12</a:t>
+                      </a:r>
+                      <a:endParaRPr lang="ko-KR" altLang="en-US" sz="2000" dirty="0">
+                        <a:latin typeface="CookieRun Regular" panose="020B0600000101010101" pitchFamily="50" charset="-127"/>
+                        <a:ea typeface="CookieRun Regular" panose="020B0600000101010101" pitchFamily="50" charset="-127"/>
+                      </a:endParaRPr>
+                    </a:p>
+                  </a:txBody>
+                  <a:tcPr/>
+                </a:tc>
+                <a:tc>
+                  <a:txBody>
+                    <a:bodyPr/>
+                    <a:lstStyle/>
+                    <a:p>
+                      <a:pPr algn="ctr" latinLnBrk="1"/>
+                      <a:r>
+                        <a:rPr lang="en-US" altLang="ko-KR" sz="2000" dirty="0">
+                          <a:latin typeface="CookieRun Regular" panose="020B0600000101010101" pitchFamily="50" charset="-127"/>
+                          <a:ea typeface="CookieRun Regular" panose="020B0600000101010101" pitchFamily="50" charset="-127"/>
+                        </a:rPr>
+                        <a:t>I’m</a:t>
+                      </a:r>
+                      <a:endParaRPr lang="ko-KR" altLang="en-US" sz="2000" dirty="0">
+                        <a:latin typeface="CookieRun Regular" panose="020B0600000101010101" pitchFamily="50" charset="-127"/>
+                        <a:ea typeface="CookieRun Regular" panose="020B0600000101010101" pitchFamily="50" charset="-127"/>
+                      </a:endParaRPr>
+                    </a:p>
+                  </a:txBody>
+                  <a:tcPr/>
+                </a:tc>
+                <a:tc>
+                  <a:txBody>
+                    <a:bodyPr/>
+                    <a:lstStyle/>
+                    <a:p>
+                      <a:pPr algn="ctr" latinLnBrk="1"/>
+                      <a:r>
+                        <a:rPr lang="en-US" altLang="ko-KR" sz="2000" dirty="0">
+                          <a:latin typeface="CookieRun Regular" panose="020B0600000101010101" pitchFamily="50" charset="-127"/>
+                          <a:ea typeface="CookieRun Regular" panose="020B0600000101010101" pitchFamily="50" charset="-127"/>
+                        </a:rPr>
+                        <a:t>84</a:t>
+                      </a:r>
+                      <a:endParaRPr lang="ko-KR" altLang="en-US" sz="2000" dirty="0">
+                        <a:latin typeface="CookieRun Regular" panose="020B0600000101010101" pitchFamily="50" charset="-127"/>
+                        <a:ea typeface="CookieRun Regular" panose="020B0600000101010101" pitchFamily="50" charset="-127"/>
+                      </a:endParaRPr>
+                    </a:p>
+                  </a:txBody>
+                  <a:tcPr/>
+                </a:tc>
+                <a:extLst>
+                  <a:ext uri="{0D108BD9-81ED-4DB2-BD59-A6C34878D82A}">
+                    <a16:rowId xmlns:a16="http://schemas.microsoft.com/office/drawing/2014/main" val="4072392319"/>
+                  </a:ext>
+                </a:extLst>
+              </a:tr>
+              <a:tr h="370840">
+                <a:tc>
+                  <a:txBody>
+                    <a:bodyPr/>
+                    <a:lstStyle/>
+                    <a:p>
+                      <a:pPr algn="ctr" latinLnBrk="1"/>
+                      <a:r>
+                        <a:rPr lang="en-US" altLang="ko-KR" sz="2000" dirty="0">
+                          <a:latin typeface="CookieRun Regular" panose="020B0600000101010101" pitchFamily="50" charset="-127"/>
+                          <a:ea typeface="CookieRun Regular" panose="020B0600000101010101" pitchFamily="50" charset="-127"/>
+                        </a:rPr>
+                        <a:t>13</a:t>
+                      </a:r>
+                      <a:endParaRPr lang="ko-KR" altLang="en-US" sz="2000" dirty="0">
+                        <a:latin typeface="CookieRun Regular" panose="020B0600000101010101" pitchFamily="50" charset="-127"/>
+                        <a:ea typeface="CookieRun Regular" panose="020B0600000101010101" pitchFamily="50" charset="-127"/>
+                      </a:endParaRPr>
+                    </a:p>
+                  </a:txBody>
+                  <a:tcPr/>
+                </a:tc>
+                <a:tc>
+                  <a:txBody>
+                    <a:bodyPr/>
+                    <a:lstStyle/>
+                    <a:p>
+                      <a:pPr algn="ctr" latinLnBrk="1"/>
+                      <a:r>
+                        <a:rPr lang="en-US" altLang="ko-KR" sz="2000" dirty="0">
+                          <a:latin typeface="CookieRun Regular" panose="020B0600000101010101" pitchFamily="50" charset="-127"/>
+                          <a:ea typeface="CookieRun Regular" panose="020B0600000101010101" pitchFamily="50" charset="-127"/>
+                        </a:rPr>
+                        <a:t>fine</a:t>
+                      </a:r>
+                      <a:endParaRPr lang="ko-KR" altLang="en-US" sz="2000" dirty="0">
+                        <a:latin typeface="CookieRun Regular" panose="020B0600000101010101" pitchFamily="50" charset="-127"/>
+                        <a:ea typeface="CookieRun Regular" panose="020B0600000101010101" pitchFamily="50" charset="-127"/>
+                      </a:endParaRPr>
+                    </a:p>
+                  </a:txBody>
+                  <a:tcPr/>
+                </a:tc>
+                <a:tc>
+                  <a:txBody>
+                    <a:bodyPr/>
+                    <a:lstStyle/>
+                    <a:p>
+                      <a:pPr algn="ctr" latinLnBrk="1"/>
+                      <a:r>
+                        <a:rPr lang="en-US" altLang="ko-KR" sz="2000" dirty="0">
+                          <a:latin typeface="CookieRun Regular" panose="020B0600000101010101" pitchFamily="50" charset="-127"/>
+                          <a:ea typeface="CookieRun Regular" panose="020B0600000101010101" pitchFamily="50" charset="-127"/>
+                        </a:rPr>
+                        <a:t>92</a:t>
+                      </a:r>
+                      <a:endParaRPr lang="ko-KR" altLang="en-US" sz="2000" dirty="0">
+                        <a:latin typeface="CookieRun Regular" panose="020B0600000101010101" pitchFamily="50" charset="-127"/>
+                        <a:ea typeface="CookieRun Regular" panose="020B0600000101010101" pitchFamily="50" charset="-127"/>
+                      </a:endParaRPr>
+                    </a:p>
+                  </a:txBody>
+                  <a:tcPr/>
+                </a:tc>
+                <a:extLst>
+                  <a:ext uri="{0D108BD9-81ED-4DB2-BD59-A6C34878D82A}">
+                    <a16:rowId xmlns:a16="http://schemas.microsoft.com/office/drawing/2014/main" val="3853792178"/>
+                  </a:ext>
+                </a:extLst>
+              </a:tr>
+              <a:tr h="370840">
+                <a:tc>
+                  <a:txBody>
+                    <a:bodyPr/>
+                    <a:lstStyle/>
+                    <a:p>
+                      <a:pPr algn="ctr" latinLnBrk="1"/>
+                      <a:r>
+                        <a:rPr lang="en-US" altLang="ko-KR" sz="2000" dirty="0">
+                          <a:latin typeface="CookieRun Regular" panose="020B0600000101010101" pitchFamily="50" charset="-127"/>
+                          <a:ea typeface="CookieRun Regular" panose="020B0600000101010101" pitchFamily="50" charset="-127"/>
+                        </a:rPr>
+                        <a:t>14</a:t>
+                      </a:r>
+                      <a:endParaRPr lang="ko-KR" altLang="en-US" sz="2000" dirty="0">
+                        <a:latin typeface="CookieRun Regular" panose="020B0600000101010101" pitchFamily="50" charset="-127"/>
+                        <a:ea typeface="CookieRun Regular" panose="020B0600000101010101" pitchFamily="50" charset="-127"/>
+                      </a:endParaRPr>
+                    </a:p>
+                  </a:txBody>
+                  <a:tcPr/>
+                </a:tc>
+                <a:tc>
+                  <a:txBody>
+                    <a:bodyPr/>
+                    <a:lstStyle/>
+                    <a:p>
+                      <a:pPr algn="ctr" latinLnBrk="1"/>
+                      <a:r>
+                        <a:rPr lang="en-US" altLang="ko-KR" sz="2000" dirty="0" err="1">
+                          <a:latin typeface="CookieRun Regular" panose="020B0600000101010101" pitchFamily="50" charset="-127"/>
+                          <a:ea typeface="CookieRun Regular" panose="020B0600000101010101" pitchFamily="50" charset="-127"/>
+                        </a:rPr>
+                        <a:t>thanky</a:t>
+                      </a:r>
+                      <a:endParaRPr lang="ko-KR" altLang="en-US" sz="2000" dirty="0">
+                        <a:latin typeface="CookieRun Regular" panose="020B0600000101010101" pitchFamily="50" charset="-127"/>
+                        <a:ea typeface="CookieRun Regular" panose="020B0600000101010101" pitchFamily="50" charset="-127"/>
+                      </a:endParaRPr>
+                    </a:p>
+                  </a:txBody>
+                  <a:tcPr/>
+                </a:tc>
+                <a:tc>
+                  <a:txBody>
+                    <a:bodyPr/>
+                    <a:lstStyle/>
+                    <a:p>
+                      <a:pPr algn="ctr" latinLnBrk="1"/>
+                      <a:r>
+                        <a:rPr lang="en-US" altLang="ko-KR" sz="2000" dirty="0">
+                          <a:latin typeface="CookieRun Regular" panose="020B0600000101010101" pitchFamily="50" charset="-127"/>
+                          <a:ea typeface="CookieRun Regular" panose="020B0600000101010101" pitchFamily="50" charset="-127"/>
+                        </a:rPr>
+                        <a:t>91</a:t>
+                      </a:r>
+                      <a:endParaRPr lang="ko-KR" altLang="en-US" sz="2000" dirty="0">
+                        <a:latin typeface="CookieRun Regular" panose="020B0600000101010101" pitchFamily="50" charset="-127"/>
+                        <a:ea typeface="CookieRun Regular" panose="020B0600000101010101" pitchFamily="50" charset="-127"/>
+                      </a:endParaRPr>
+                    </a:p>
+                  </a:txBody>
+                  <a:tcPr/>
+                </a:tc>
+                <a:extLst>
+                  <a:ext uri="{0D108BD9-81ED-4DB2-BD59-A6C34878D82A}">
+                    <a16:rowId xmlns:a16="http://schemas.microsoft.com/office/drawing/2014/main" val="3596910404"/>
+                  </a:ext>
+                </a:extLst>
+              </a:tr>
+              <a:tr h="370840">
+                <a:tc>
+                  <a:txBody>
+                    <a:bodyPr/>
+                    <a:lstStyle/>
+                    <a:p>
+                      <a:pPr algn="ctr" latinLnBrk="1"/>
+                      <a:r>
+                        <a:rPr lang="en-US" altLang="ko-KR" sz="2000" dirty="0">
+                          <a:latin typeface="CookieRun Regular" panose="020B0600000101010101" pitchFamily="50" charset="-127"/>
+                          <a:ea typeface="CookieRun Regular" panose="020B0600000101010101" pitchFamily="50" charset="-127"/>
+                        </a:rPr>
+                        <a:t>15</a:t>
+                      </a:r>
+                      <a:endParaRPr lang="ko-KR" altLang="en-US" sz="2000" dirty="0">
+                        <a:latin typeface="CookieRun Regular" panose="020B0600000101010101" pitchFamily="50" charset="-127"/>
+                        <a:ea typeface="CookieRun Regular" panose="020B0600000101010101" pitchFamily="50" charset="-127"/>
+                      </a:endParaRPr>
+                    </a:p>
+                  </a:txBody>
+                  <a:tcPr/>
+                </a:tc>
+                <a:tc>
+                  <a:txBody>
+                    <a:bodyPr/>
+                    <a:lstStyle/>
+                    <a:p>
+                      <a:pPr algn="ctr" latinLnBrk="1"/>
+                      <a:r>
+                        <a:rPr lang="en-US" altLang="ko-KR" sz="2000" dirty="0">
+                          <a:latin typeface="CookieRun Regular" panose="020B0600000101010101" pitchFamily="50" charset="-127"/>
+                          <a:ea typeface="CookieRun Regular" panose="020B0600000101010101" pitchFamily="50" charset="-127"/>
+                        </a:rPr>
+                        <a:t>&amp;</a:t>
+                      </a:r>
+                      <a:endParaRPr lang="ko-KR" altLang="en-US" sz="2000" dirty="0">
+                        <a:latin typeface="CookieRun Regular" panose="020B0600000101010101" pitchFamily="50" charset="-127"/>
+                        <a:ea typeface="CookieRun Regular" panose="020B0600000101010101" pitchFamily="50" charset="-127"/>
+                      </a:endParaRPr>
+                    </a:p>
+                  </a:txBody>
+                  <a:tcPr/>
+                </a:tc>
+                <a:tc>
+                  <a:txBody>
+                    <a:bodyPr/>
+                    <a:lstStyle/>
+                    <a:p>
+                      <a:pPr algn="ctr" latinLnBrk="1"/>
+                      <a:r>
+                        <a:rPr lang="en-US" altLang="ko-KR" sz="2000" dirty="0">
+                          <a:latin typeface="CookieRun Regular" panose="020B0600000101010101" pitchFamily="50" charset="-127"/>
+                          <a:ea typeface="CookieRun Regular" panose="020B0600000101010101" pitchFamily="50" charset="-127"/>
+                        </a:rPr>
+                        <a:t>93</a:t>
+                      </a:r>
+                      <a:endParaRPr lang="ko-KR" altLang="en-US" sz="2000" dirty="0">
+                        <a:latin typeface="CookieRun Regular" panose="020B0600000101010101" pitchFamily="50" charset="-127"/>
+                        <a:ea typeface="CookieRun Regular" panose="020B0600000101010101" pitchFamily="50" charset="-127"/>
+                      </a:endParaRPr>
+                    </a:p>
+                  </a:txBody>
+                  <a:tcPr/>
+                </a:tc>
+                <a:extLst>
+                  <a:ext uri="{0D108BD9-81ED-4DB2-BD59-A6C34878D82A}">
+                    <a16:rowId xmlns:a16="http://schemas.microsoft.com/office/drawing/2014/main" val="3483535529"/>
+                  </a:ext>
+                </a:extLst>
+              </a:tr>
+              <a:tr h="370840">
+                <a:tc>
+                  <a:txBody>
+                    <a:bodyPr/>
+                    <a:lstStyle/>
+                    <a:p>
+                      <a:pPr algn="ctr" latinLnBrk="1"/>
+                      <a:r>
+                        <a:rPr lang="en-US" altLang="ko-KR" sz="2000" dirty="0">
+                          <a:latin typeface="CookieRun Regular" panose="020B0600000101010101" pitchFamily="50" charset="-127"/>
+                          <a:ea typeface="CookieRun Regular" panose="020B0600000101010101" pitchFamily="50" charset="-127"/>
+                        </a:rPr>
+                        <a:t>16</a:t>
+                      </a:r>
+                      <a:endParaRPr lang="ko-KR" altLang="en-US" sz="2000" dirty="0">
+                        <a:latin typeface="CookieRun Regular" panose="020B0600000101010101" pitchFamily="50" charset="-127"/>
+                        <a:ea typeface="CookieRun Regular" panose="020B0600000101010101" pitchFamily="50" charset="-127"/>
+                      </a:endParaRPr>
+                    </a:p>
+                  </a:txBody>
+                  <a:tcPr/>
+                </a:tc>
+                <a:tc>
+                  <a:txBody>
+                    <a:bodyPr/>
+                    <a:lstStyle/>
+                    <a:p>
+                      <a:pPr algn="ctr" latinLnBrk="1"/>
+                      <a:r>
+                        <a:rPr lang="en-US" altLang="ko-KR" sz="2000" dirty="0">
+                          <a:latin typeface="CookieRun Regular" panose="020B0600000101010101" pitchFamily="50" charset="-127"/>
+                          <a:ea typeface="CookieRun Regular" panose="020B0600000101010101" pitchFamily="50" charset="-127"/>
+                        </a:rPr>
+                        <a:t>you?</a:t>
+                      </a:r>
+                      <a:endParaRPr lang="ko-KR" altLang="en-US" sz="2000" dirty="0">
+                        <a:latin typeface="CookieRun Regular" panose="020B0600000101010101" pitchFamily="50" charset="-127"/>
+                        <a:ea typeface="CookieRun Regular" panose="020B0600000101010101" pitchFamily="50" charset="-127"/>
+                      </a:endParaRPr>
+                    </a:p>
+                  </a:txBody>
+                  <a:tcPr/>
+                </a:tc>
+                <a:tc>
+                  <a:txBody>
+                    <a:bodyPr/>
+                    <a:lstStyle/>
+                    <a:p>
+                      <a:pPr algn="ctr" latinLnBrk="1"/>
+                      <a:r>
+                        <a:rPr lang="en-US" altLang="ko-KR" sz="2000" dirty="0">
+                          <a:latin typeface="CookieRun Regular" panose="020B0600000101010101" pitchFamily="50" charset="-127"/>
+                          <a:ea typeface="CookieRun Regular" panose="020B0600000101010101" pitchFamily="50" charset="-127"/>
+                        </a:rPr>
+                        <a:t>96</a:t>
+                      </a:r>
+                      <a:endParaRPr lang="ko-KR" altLang="en-US" sz="2000" dirty="0">
+                        <a:latin typeface="CookieRun Regular" panose="020B0600000101010101" pitchFamily="50" charset="-127"/>
+                        <a:ea typeface="CookieRun Regular" panose="020B0600000101010101" pitchFamily="50" charset="-127"/>
+                      </a:endParaRPr>
+                    </a:p>
+                  </a:txBody>
+                  <a:tcPr/>
+                </a:tc>
+                <a:extLst>
+                  <a:ext uri="{0D108BD9-81ED-4DB2-BD59-A6C34878D82A}">
+                    <a16:rowId xmlns:a16="http://schemas.microsoft.com/office/drawing/2014/main" val="3422269083"/>
+                  </a:ext>
+                </a:extLst>
+              </a:tr>
+            </a:tbl>
+          </a:graphicData>
+        </a:graphic>
+      </p:graphicFrame>
+    </p:spTree>
+    <p:extLst>
+      <p:ext uri="{BB962C8B-B14F-4D97-AF65-F5344CB8AC3E}">
+        <p14:creationId xmlns:p14="http://schemas.microsoft.com/office/powerpoint/2010/main" val="905617993"/>
+      </p:ext>
+    </p:extLst>
+  </p:cSld>
+  <p:clrMapOvr>
+    <a:masterClrMapping/>
+  </p:clrMapOvr>
+</p:sld>
+</file>
+
+<file path=ppt/slides/slide22.xml><?xml version="1.0" encoding="utf-8"?>
+<p:sld xmlns:a="http://schemas.openxmlformats.org/drawingml/2006/main" xmlns:r="http://schemas.openxmlformats.org/officeDocument/2006/relationships" xmlns:p="http://schemas.openxmlformats.org/presentationml/2006/main">
+  <p:cSld>
+    <p:spTree>
+      <p:nvGrpSpPr>
+        <p:cNvPr id="1" name="">
+          <a:extLst>
+            <a:ext uri="{FF2B5EF4-FFF2-40B4-BE49-F238E27FC236}">
+              <a16:creationId xmlns:a16="http://schemas.microsoft.com/office/drawing/2014/main" id="{5731605E-DF90-8C13-91AC-5455BDC9A436}"/>
+            </a:ext>
+          </a:extLst>
+        </p:cNvPr>
+        <p:cNvGrpSpPr/>
+        <p:nvPr/>
+      </p:nvGrpSpPr>
+      <p:grpSpPr>
+        <a:xfrm>
+          <a:off x="0" y="0"/>
+          <a:ext cx="0" cy="0"/>
+          <a:chOff x="0" y="0"/>
+          <a:chExt cx="0" cy="0"/>
+        </a:xfrm>
+      </p:grpSpPr>
+      <p:sp>
+        <p:nvSpPr>
+          <p:cNvPr id="2" name="슬라이드 번호 개체 틀 1">
+            <a:extLst>
+              <a:ext uri="{FF2B5EF4-FFF2-40B4-BE49-F238E27FC236}">
+                <a16:creationId xmlns:a16="http://schemas.microsoft.com/office/drawing/2014/main" id="{C37C033A-257F-77A9-6669-BD7E46460CDD}"/>
+              </a:ext>
+            </a:extLst>
+          </p:cNvPr>
+          <p:cNvSpPr>
+            <a:spLocks noGrp="1"/>
+          </p:cNvSpPr>
+          <p:nvPr>
+            <p:ph type="sldNum" sz="quarter" idx="12"/>
+          </p:nvPr>
+        </p:nvSpPr>
+        <p:spPr/>
+        <p:txBody>
+          <a:bodyPr/>
+          <a:lstStyle/>
+          <a:p>
+            <a:fld id="{C5002163-FFAF-417C-9C20-DC892DFE9806}" type="slidenum">
+              <a:rPr lang="ko-KR" altLang="en-US" smtClean="0"/>
+              <a:pPr/>
+              <a:t>21</a:t>
+            </a:fld>
+            <a:endParaRPr lang="ko-KR" altLang="en-US" dirty="0"/>
+          </a:p>
+        </p:txBody>
+      </p:sp>
+      <p:graphicFrame>
+        <p:nvGraphicFramePr>
+          <p:cNvPr id="3" name="표 2">
+            <a:extLst>
+              <a:ext uri="{FF2B5EF4-FFF2-40B4-BE49-F238E27FC236}">
+                <a16:creationId xmlns:a16="http://schemas.microsoft.com/office/drawing/2014/main" id="{A34012ED-2B51-07D5-4B1B-C6FEAE28645E}"/>
+              </a:ext>
+            </a:extLst>
+          </p:cNvPr>
+          <p:cNvGraphicFramePr>
+            <a:graphicFrameLocks noGrp="1"/>
+          </p:cNvGraphicFramePr>
+          <p:nvPr/>
+        </p:nvGraphicFramePr>
+        <p:xfrm>
+          <a:off x="412044" y="3272972"/>
+          <a:ext cx="4397024" cy="7132320"/>
+        </p:xfrm>
+        <a:graphic>
+          <a:graphicData uri="http://schemas.openxmlformats.org/drawingml/2006/table">
+            <a:tbl>
+              <a:tblPr firstRow="1" bandRow="1">
+                <a:tableStyleId>{5940675A-B579-460E-94D1-54222C63F5DA}</a:tableStyleId>
+              </a:tblPr>
+              <a:tblGrid>
+                <a:gridCol w="642546">
+                  <a:extLst>
+                    <a:ext uri="{9D8B030D-6E8A-4147-A177-3AD203B41FA5}">
+                      <a16:colId xmlns:a16="http://schemas.microsoft.com/office/drawing/2014/main" val="3747240666"/>
+                    </a:ext>
+                  </a:extLst>
+                </a:gridCol>
+                <a:gridCol w="1877239">
+                  <a:extLst>
+                    <a:ext uri="{9D8B030D-6E8A-4147-A177-3AD203B41FA5}">
+                      <a16:colId xmlns:a16="http://schemas.microsoft.com/office/drawing/2014/main" val="1865539625"/>
+                    </a:ext>
+                  </a:extLst>
+                </a:gridCol>
+                <a:gridCol w="1877239">
+                  <a:extLst>
+                    <a:ext uri="{9D8B030D-6E8A-4147-A177-3AD203B41FA5}">
+                      <a16:colId xmlns:a16="http://schemas.microsoft.com/office/drawing/2014/main" val="2198382097"/>
+                    </a:ext>
+                  </a:extLst>
+                </a:gridCol>
+              </a:tblGrid>
+              <a:tr h="370840">
+                <a:tc>
+                  <a:txBody>
+                    <a:bodyPr/>
+                    <a:lstStyle/>
+                    <a:p>
+                      <a:pPr algn="ctr" latinLnBrk="1"/>
+                      <a:endParaRPr lang="ko-KR" altLang="en-US" sz="2000" dirty="0">
+                        <a:latin typeface="CookieRun Regular" panose="020B0600000101010101" pitchFamily="50" charset="-127"/>
+                        <a:ea typeface="CookieRun Regular" panose="020B0600000101010101" pitchFamily="50" charset="-127"/>
+                      </a:endParaRPr>
+                    </a:p>
+                  </a:txBody>
+                  <a:tcPr/>
+                </a:tc>
+                <a:tc>
+                  <a:txBody>
+                    <a:bodyPr/>
+                    <a:lstStyle/>
+                    <a:p>
+                      <a:pPr algn="ctr" latinLnBrk="1"/>
+                      <a:r>
+                        <a:rPr lang="en-US" altLang="ko-KR" sz="2000" dirty="0">
+                          <a:latin typeface="CookieRun Regular" panose="020B0600000101010101" pitchFamily="50" charset="-127"/>
+                          <a:ea typeface="CookieRun Regular" panose="020B0600000101010101" pitchFamily="50" charset="-127"/>
+                        </a:rPr>
+                        <a:t>Text</a:t>
+                      </a:r>
+                      <a:endParaRPr lang="ko-KR" altLang="en-US" sz="2000" dirty="0">
+                        <a:latin typeface="CookieRun Regular" panose="020B0600000101010101" pitchFamily="50" charset="-127"/>
+                        <a:ea typeface="CookieRun Regular" panose="020B0600000101010101" pitchFamily="50" charset="-127"/>
+                      </a:endParaRPr>
+                    </a:p>
+                  </a:txBody>
+                  <a:tcPr/>
+                </a:tc>
+                <a:tc>
+                  <a:txBody>
+                    <a:bodyPr/>
+                    <a:lstStyle/>
+                    <a:p>
+                      <a:pPr algn="ctr" latinLnBrk="1"/>
+                      <a:r>
+                        <a:rPr lang="en-US" altLang="ko-KR" sz="2000" dirty="0">
+                          <a:latin typeface="CookieRun Regular" panose="020B0600000101010101" pitchFamily="50" charset="-127"/>
+                          <a:ea typeface="CookieRun Regular" panose="020B0600000101010101" pitchFamily="50" charset="-127"/>
+                        </a:rPr>
+                        <a:t>Confidence</a:t>
+                      </a:r>
+                    </a:p>
+                  </a:txBody>
+                  <a:tcPr/>
+                </a:tc>
+                <a:extLst>
+                  <a:ext uri="{0D108BD9-81ED-4DB2-BD59-A6C34878D82A}">
+                    <a16:rowId xmlns:a16="http://schemas.microsoft.com/office/drawing/2014/main" val="1815166801"/>
+                  </a:ext>
+                </a:extLst>
+              </a:tr>
+              <a:tr h="370840">
+                <a:tc>
+                  <a:txBody>
+                    <a:bodyPr/>
+                    <a:lstStyle/>
+                    <a:p>
+                      <a:pPr algn="ctr" latinLnBrk="1"/>
+                      <a:r>
+                        <a:rPr lang="en-US" altLang="ko-KR" sz="2000" dirty="0">
+                          <a:latin typeface="CookieRun Regular" panose="020B0600000101010101" pitchFamily="50" charset="-127"/>
+                          <a:ea typeface="CookieRun Regular" panose="020B0600000101010101" pitchFamily="50" charset="-127"/>
+                        </a:rPr>
+                        <a:t>0</a:t>
+                      </a:r>
+                      <a:endParaRPr lang="ko-KR" altLang="en-US" sz="2000" dirty="0">
+                        <a:latin typeface="CookieRun Regular" panose="020B0600000101010101" pitchFamily="50" charset="-127"/>
+                        <a:ea typeface="CookieRun Regular" panose="020B0600000101010101" pitchFamily="50" charset="-127"/>
+                      </a:endParaRPr>
+                    </a:p>
+                  </a:txBody>
+                  <a:tcPr/>
+                </a:tc>
+                <a:tc>
+                  <a:txBody>
+                    <a:bodyPr/>
+                    <a:lstStyle/>
+                    <a:p>
+                      <a:pPr algn="ctr" latinLnBrk="1"/>
+                      <a:endParaRPr lang="ko-KR" altLang="en-US" sz="2000" dirty="0">
+                        <a:latin typeface="CookieRun Regular" panose="020B0600000101010101" pitchFamily="50" charset="-127"/>
+                        <a:ea typeface="CookieRun Regular" panose="020B0600000101010101" pitchFamily="50" charset="-127"/>
+                      </a:endParaRPr>
+                    </a:p>
+                  </a:txBody>
+                  <a:tcPr/>
+                </a:tc>
+                <a:tc>
+                  <a:txBody>
+                    <a:bodyPr/>
+                    <a:lstStyle/>
+                    <a:p>
+                      <a:pPr algn="ctr" latinLnBrk="1"/>
+                      <a:r>
+                        <a:rPr lang="en-US" altLang="ko-KR" sz="2000" dirty="0">
+                          <a:latin typeface="CookieRun Regular" panose="020B0600000101010101" pitchFamily="50" charset="-127"/>
+                          <a:ea typeface="CookieRun Regular" panose="020B0600000101010101" pitchFamily="50" charset="-127"/>
+                        </a:rPr>
+                        <a:t>-1</a:t>
+                      </a:r>
+                      <a:endParaRPr lang="ko-KR" altLang="en-US" sz="2000" dirty="0">
+                        <a:latin typeface="CookieRun Regular" panose="020B0600000101010101" pitchFamily="50" charset="-127"/>
+                        <a:ea typeface="CookieRun Regular" panose="020B0600000101010101" pitchFamily="50" charset="-127"/>
+                      </a:endParaRPr>
+                    </a:p>
+                  </a:txBody>
+                  <a:tcPr/>
+                </a:tc>
+                <a:extLst>
+                  <a:ext uri="{0D108BD9-81ED-4DB2-BD59-A6C34878D82A}">
+                    <a16:rowId xmlns:a16="http://schemas.microsoft.com/office/drawing/2014/main" val="1940185174"/>
+                  </a:ext>
+                </a:extLst>
+              </a:tr>
+              <a:tr h="370840">
+                <a:tc>
+                  <a:txBody>
+                    <a:bodyPr/>
+                    <a:lstStyle/>
+                    <a:p>
+                      <a:pPr algn="ctr" latinLnBrk="1"/>
+                      <a:r>
+                        <a:rPr lang="en-US" altLang="ko-KR" sz="2000" dirty="0">
+                          <a:latin typeface="CookieRun Regular" panose="020B0600000101010101" pitchFamily="50" charset="-127"/>
+                          <a:ea typeface="CookieRun Regular" panose="020B0600000101010101" pitchFamily="50" charset="-127"/>
+                        </a:rPr>
+                        <a:t>1</a:t>
+                      </a:r>
+                      <a:endParaRPr lang="ko-KR" altLang="en-US" sz="2000" dirty="0">
+                        <a:latin typeface="CookieRun Regular" panose="020B0600000101010101" pitchFamily="50" charset="-127"/>
+                        <a:ea typeface="CookieRun Regular" panose="020B0600000101010101" pitchFamily="50" charset="-127"/>
+                      </a:endParaRPr>
+                    </a:p>
+                  </a:txBody>
+                  <a:tcPr/>
+                </a:tc>
+                <a:tc>
+                  <a:txBody>
+                    <a:bodyPr/>
+                    <a:lstStyle/>
+                    <a:p>
+                      <a:pPr algn="ctr" latinLnBrk="1"/>
+                      <a:endParaRPr lang="ko-KR" altLang="en-US" sz="2000" dirty="0">
+                        <a:latin typeface="CookieRun Regular" panose="020B0600000101010101" pitchFamily="50" charset="-127"/>
+                        <a:ea typeface="CookieRun Regular" panose="020B0600000101010101" pitchFamily="50" charset="-127"/>
+                      </a:endParaRPr>
+                    </a:p>
+                  </a:txBody>
+                  <a:tcPr/>
+                </a:tc>
+                <a:tc>
+                  <a:txBody>
+                    <a:bodyPr/>
+                    <a:lstStyle/>
+                    <a:p>
+                      <a:pPr algn="ctr" latinLnBrk="1"/>
+                      <a:r>
+                        <a:rPr lang="en-US" altLang="ko-KR" sz="2000" dirty="0">
+                          <a:latin typeface="CookieRun Regular" panose="020B0600000101010101" pitchFamily="50" charset="-127"/>
+                          <a:ea typeface="CookieRun Regular" panose="020B0600000101010101" pitchFamily="50" charset="-127"/>
+                        </a:rPr>
+                        <a:t>-1</a:t>
+                      </a:r>
+                      <a:endParaRPr lang="ko-KR" altLang="en-US" sz="2000" dirty="0">
+                        <a:latin typeface="CookieRun Regular" panose="020B0600000101010101" pitchFamily="50" charset="-127"/>
+                        <a:ea typeface="CookieRun Regular" panose="020B0600000101010101" pitchFamily="50" charset="-127"/>
+                      </a:endParaRPr>
+                    </a:p>
+                  </a:txBody>
+                  <a:tcPr/>
+                </a:tc>
+                <a:extLst>
+                  <a:ext uri="{0D108BD9-81ED-4DB2-BD59-A6C34878D82A}">
+                    <a16:rowId xmlns:a16="http://schemas.microsoft.com/office/drawing/2014/main" val="2586202196"/>
+                  </a:ext>
+                </a:extLst>
+              </a:tr>
+              <a:tr h="370840">
+                <a:tc>
+                  <a:txBody>
+                    <a:bodyPr/>
+                    <a:lstStyle/>
+                    <a:p>
+                      <a:pPr algn="ctr" latinLnBrk="1"/>
+                      <a:r>
+                        <a:rPr lang="en-US" altLang="ko-KR" sz="2000" dirty="0">
+                          <a:latin typeface="CookieRun Regular" panose="020B0600000101010101" pitchFamily="50" charset="-127"/>
+                          <a:ea typeface="CookieRun Regular" panose="020B0600000101010101" pitchFamily="50" charset="-127"/>
+                        </a:rPr>
+                        <a:t>2</a:t>
+                      </a:r>
+                      <a:endParaRPr lang="ko-KR" altLang="en-US" sz="2000" dirty="0">
+                        <a:latin typeface="CookieRun Regular" panose="020B0600000101010101" pitchFamily="50" charset="-127"/>
+                        <a:ea typeface="CookieRun Regular" panose="020B0600000101010101" pitchFamily="50" charset="-127"/>
+                      </a:endParaRPr>
+                    </a:p>
+                  </a:txBody>
+                  <a:tcPr/>
+                </a:tc>
+                <a:tc>
+                  <a:txBody>
+                    <a:bodyPr/>
+                    <a:lstStyle/>
+                    <a:p>
+                      <a:pPr algn="ctr" latinLnBrk="1"/>
+                      <a:endParaRPr lang="ko-KR" altLang="en-US" sz="2000" dirty="0">
+                        <a:latin typeface="CookieRun Regular" panose="020B0600000101010101" pitchFamily="50" charset="-127"/>
+                        <a:ea typeface="CookieRun Regular" panose="020B0600000101010101" pitchFamily="50" charset="-127"/>
+                      </a:endParaRPr>
+                    </a:p>
+                  </a:txBody>
+                  <a:tcPr/>
+                </a:tc>
+                <a:tc>
+                  <a:txBody>
+                    <a:bodyPr/>
+                    <a:lstStyle/>
+                    <a:p>
+                      <a:pPr algn="ctr" latinLnBrk="1"/>
+                      <a:r>
+                        <a:rPr lang="en-US" altLang="ko-KR" sz="2000" dirty="0">
+                          <a:latin typeface="CookieRun Regular" panose="020B0600000101010101" pitchFamily="50" charset="-127"/>
+                          <a:ea typeface="CookieRun Regular" panose="020B0600000101010101" pitchFamily="50" charset="-127"/>
+                        </a:rPr>
+                        <a:t>-1</a:t>
+                      </a:r>
+                      <a:endParaRPr lang="ko-KR" altLang="en-US" sz="2000" dirty="0">
+                        <a:latin typeface="CookieRun Regular" panose="020B0600000101010101" pitchFamily="50" charset="-127"/>
+                        <a:ea typeface="CookieRun Regular" panose="020B0600000101010101" pitchFamily="50" charset="-127"/>
+                      </a:endParaRPr>
+                    </a:p>
+                  </a:txBody>
+                  <a:tcPr/>
+                </a:tc>
+                <a:extLst>
+                  <a:ext uri="{0D108BD9-81ED-4DB2-BD59-A6C34878D82A}">
+                    <a16:rowId xmlns:a16="http://schemas.microsoft.com/office/drawing/2014/main" val="1516008586"/>
+                  </a:ext>
+                </a:extLst>
+              </a:tr>
+              <a:tr h="370840">
+                <a:tc>
+                  <a:txBody>
+                    <a:bodyPr/>
+                    <a:lstStyle/>
+                    <a:p>
+                      <a:pPr algn="ctr" latinLnBrk="1"/>
+                      <a:r>
+                        <a:rPr lang="en-US" altLang="ko-KR" sz="2000" dirty="0">
+                          <a:latin typeface="CookieRun Regular" panose="020B0600000101010101" pitchFamily="50" charset="-127"/>
+                          <a:ea typeface="CookieRun Regular" panose="020B0600000101010101" pitchFamily="50" charset="-127"/>
+                        </a:rPr>
+                        <a:t>3</a:t>
+                      </a:r>
+                      <a:endParaRPr lang="ko-KR" altLang="en-US" sz="2000" dirty="0">
+                        <a:latin typeface="CookieRun Regular" panose="020B0600000101010101" pitchFamily="50" charset="-127"/>
+                        <a:ea typeface="CookieRun Regular" panose="020B0600000101010101" pitchFamily="50" charset="-127"/>
+                      </a:endParaRPr>
+                    </a:p>
+                  </a:txBody>
+                  <a:tcPr/>
+                </a:tc>
+                <a:tc>
+                  <a:txBody>
+                    <a:bodyPr/>
+                    <a:lstStyle/>
+                    <a:p>
+                      <a:pPr algn="ctr" latinLnBrk="1"/>
+                      <a:endParaRPr lang="ko-KR" altLang="en-US" sz="2000" dirty="0">
+                        <a:latin typeface="CookieRun Regular" panose="020B0600000101010101" pitchFamily="50" charset="-127"/>
+                        <a:ea typeface="CookieRun Regular" panose="020B0600000101010101" pitchFamily="50" charset="-127"/>
+                      </a:endParaRPr>
+                    </a:p>
+                  </a:txBody>
+                  <a:tcPr/>
+                </a:tc>
+                <a:tc>
+                  <a:txBody>
+                    <a:bodyPr/>
+                    <a:lstStyle/>
+                    <a:p>
+                      <a:pPr algn="ctr" latinLnBrk="1"/>
+                      <a:r>
+                        <a:rPr lang="en-US" altLang="ko-KR" sz="2000" dirty="0">
+                          <a:latin typeface="CookieRun Regular" panose="020B0600000101010101" pitchFamily="50" charset="-127"/>
+                          <a:ea typeface="CookieRun Regular" panose="020B0600000101010101" pitchFamily="50" charset="-127"/>
+                        </a:rPr>
+                        <a:t>-1</a:t>
+                      </a:r>
+                      <a:endParaRPr lang="ko-KR" altLang="en-US" sz="2000" dirty="0">
+                        <a:latin typeface="CookieRun Regular" panose="020B0600000101010101" pitchFamily="50" charset="-127"/>
+                        <a:ea typeface="CookieRun Regular" panose="020B0600000101010101" pitchFamily="50" charset="-127"/>
+                      </a:endParaRPr>
+                    </a:p>
+                  </a:txBody>
+                  <a:tcPr/>
+                </a:tc>
+                <a:extLst>
+                  <a:ext uri="{0D108BD9-81ED-4DB2-BD59-A6C34878D82A}">
+                    <a16:rowId xmlns:a16="http://schemas.microsoft.com/office/drawing/2014/main" val="3618214638"/>
+                  </a:ext>
+                </a:extLst>
+              </a:tr>
+              <a:tr h="370840">
+                <a:tc>
+                  <a:txBody>
+                    <a:bodyPr/>
+                    <a:lstStyle/>
+                    <a:p>
+                      <a:pPr algn="ctr" latinLnBrk="1"/>
+                      <a:r>
+                        <a:rPr lang="en-US" altLang="ko-KR" sz="2000" dirty="0">
+                          <a:latin typeface="CookieRun Regular" panose="020B0600000101010101" pitchFamily="50" charset="-127"/>
+                          <a:ea typeface="CookieRun Regular" panose="020B0600000101010101" pitchFamily="50" charset="-127"/>
+                        </a:rPr>
+                        <a:t>4</a:t>
+                      </a:r>
+                    </a:p>
+                  </a:txBody>
+                  <a:tcPr/>
+                </a:tc>
+                <a:tc>
+                  <a:txBody>
+                    <a:bodyPr/>
+                    <a:lstStyle/>
+                    <a:p>
+                      <a:pPr algn="ctr" latinLnBrk="1"/>
+                      <a:r>
+                        <a:rPr lang="en-US" altLang="ko-KR" sz="2000" dirty="0">
+                          <a:latin typeface="CookieRun Regular" panose="020B0600000101010101" pitchFamily="50" charset="-127"/>
+                          <a:ea typeface="CookieRun Regular" panose="020B0600000101010101" pitchFamily="50" charset="-127"/>
+                        </a:rPr>
+                        <a:t>Hello,</a:t>
+                      </a:r>
+                      <a:endParaRPr lang="ko-KR" altLang="en-US" sz="2000" dirty="0">
+                        <a:latin typeface="CookieRun Regular" panose="020B0600000101010101" pitchFamily="50" charset="-127"/>
+                        <a:ea typeface="CookieRun Regular" panose="020B0600000101010101" pitchFamily="50" charset="-127"/>
+                      </a:endParaRPr>
+                    </a:p>
+                  </a:txBody>
+                  <a:tcPr/>
+                </a:tc>
+                <a:tc>
+                  <a:txBody>
+                    <a:bodyPr/>
+                    <a:lstStyle/>
+                    <a:p>
+                      <a:pPr algn="ctr" latinLnBrk="1"/>
+                      <a:r>
+                        <a:rPr lang="en-US" altLang="ko-KR" sz="2000" dirty="0">
+                          <a:latin typeface="CookieRun Regular" panose="020B0600000101010101" pitchFamily="50" charset="-127"/>
+                          <a:ea typeface="CookieRun Regular" panose="020B0600000101010101" pitchFamily="50" charset="-127"/>
+                        </a:rPr>
+                        <a:t>95</a:t>
+                      </a:r>
+                      <a:endParaRPr lang="ko-KR" altLang="en-US" sz="2000" dirty="0">
+                        <a:latin typeface="CookieRun Regular" panose="020B0600000101010101" pitchFamily="50" charset="-127"/>
+                        <a:ea typeface="CookieRun Regular" panose="020B0600000101010101" pitchFamily="50" charset="-127"/>
+                      </a:endParaRPr>
+                    </a:p>
+                  </a:txBody>
+                  <a:tcPr/>
+                </a:tc>
+                <a:extLst>
+                  <a:ext uri="{0D108BD9-81ED-4DB2-BD59-A6C34878D82A}">
+                    <a16:rowId xmlns:a16="http://schemas.microsoft.com/office/drawing/2014/main" val="399424880"/>
+                  </a:ext>
+                </a:extLst>
+              </a:tr>
+              <a:tr h="370840">
+                <a:tc>
+                  <a:txBody>
+                    <a:bodyPr/>
+                    <a:lstStyle/>
+                    <a:p>
+                      <a:pPr algn="ctr" latinLnBrk="1"/>
+                      <a:r>
+                        <a:rPr lang="en-US" altLang="ko-KR" sz="2000" dirty="0">
+                          <a:latin typeface="CookieRun Regular" panose="020B0600000101010101" pitchFamily="50" charset="-127"/>
+                          <a:ea typeface="CookieRun Regular" panose="020B0600000101010101" pitchFamily="50" charset="-127"/>
+                        </a:rPr>
+                        <a:t>5</a:t>
+                      </a:r>
+                      <a:endParaRPr lang="ko-KR" altLang="en-US" sz="2000" dirty="0">
+                        <a:latin typeface="CookieRun Regular" panose="020B0600000101010101" pitchFamily="50" charset="-127"/>
+                        <a:ea typeface="CookieRun Regular" panose="020B0600000101010101" pitchFamily="50" charset="-127"/>
+                      </a:endParaRPr>
+                    </a:p>
+                  </a:txBody>
+                  <a:tcPr/>
+                </a:tc>
+                <a:tc>
+                  <a:txBody>
+                    <a:bodyPr/>
+                    <a:lstStyle/>
+                    <a:p>
+                      <a:pPr algn="ctr" latinLnBrk="1"/>
+                      <a:r>
+                        <a:rPr lang="en-US" altLang="ko-KR" sz="2000" dirty="0">
+                          <a:latin typeface="CookieRun Regular" panose="020B0600000101010101" pitchFamily="50" charset="-127"/>
+                          <a:ea typeface="CookieRun Regular" panose="020B0600000101010101" pitchFamily="50" charset="-127"/>
+                        </a:rPr>
+                        <a:t>How</a:t>
+                      </a:r>
+                      <a:endParaRPr lang="ko-KR" altLang="en-US" sz="2000" dirty="0">
+                        <a:latin typeface="CookieRun Regular" panose="020B0600000101010101" pitchFamily="50" charset="-127"/>
+                        <a:ea typeface="CookieRun Regular" panose="020B0600000101010101" pitchFamily="50" charset="-127"/>
+                      </a:endParaRPr>
+                    </a:p>
+                  </a:txBody>
+                  <a:tcPr/>
+                </a:tc>
+                <a:tc>
+                  <a:txBody>
+                    <a:bodyPr/>
+                    <a:lstStyle/>
+                    <a:p>
+                      <a:pPr algn="ctr" latinLnBrk="1"/>
+                      <a:r>
+                        <a:rPr lang="en-US" altLang="ko-KR" sz="2000" dirty="0">
+                          <a:latin typeface="CookieRun Regular" panose="020B0600000101010101" pitchFamily="50" charset="-127"/>
+                          <a:ea typeface="CookieRun Regular" panose="020B0600000101010101" pitchFamily="50" charset="-127"/>
+                        </a:rPr>
+                        <a:t>96</a:t>
+                      </a:r>
+                      <a:endParaRPr lang="ko-KR" altLang="en-US" sz="2000" dirty="0">
+                        <a:latin typeface="CookieRun Regular" panose="020B0600000101010101" pitchFamily="50" charset="-127"/>
+                        <a:ea typeface="CookieRun Regular" panose="020B0600000101010101" pitchFamily="50" charset="-127"/>
+                      </a:endParaRPr>
+                    </a:p>
+                  </a:txBody>
+                  <a:tcPr/>
+                </a:tc>
+                <a:extLst>
+                  <a:ext uri="{0D108BD9-81ED-4DB2-BD59-A6C34878D82A}">
+                    <a16:rowId xmlns:a16="http://schemas.microsoft.com/office/drawing/2014/main" val="2525857998"/>
+                  </a:ext>
+                </a:extLst>
+              </a:tr>
+              <a:tr h="370840">
+                <a:tc>
+                  <a:txBody>
+                    <a:bodyPr/>
+                    <a:lstStyle/>
+                    <a:p>
+                      <a:pPr algn="ctr" latinLnBrk="1"/>
+                      <a:r>
+                        <a:rPr lang="en-US" altLang="ko-KR" sz="2000" dirty="0">
+                          <a:latin typeface="CookieRun Regular" panose="020B0600000101010101" pitchFamily="50" charset="-127"/>
+                          <a:ea typeface="CookieRun Regular" panose="020B0600000101010101" pitchFamily="50" charset="-127"/>
+                        </a:rPr>
+                        <a:t>6</a:t>
+                      </a:r>
+                      <a:endParaRPr lang="ko-KR" altLang="en-US" sz="2000" dirty="0">
+                        <a:latin typeface="CookieRun Regular" panose="020B0600000101010101" pitchFamily="50" charset="-127"/>
+                        <a:ea typeface="CookieRun Regular" panose="020B0600000101010101" pitchFamily="50" charset="-127"/>
+                      </a:endParaRPr>
+                    </a:p>
+                  </a:txBody>
+                  <a:tcPr/>
+                </a:tc>
+                <a:tc>
+                  <a:txBody>
+                    <a:bodyPr/>
+                    <a:lstStyle/>
+                    <a:p>
+                      <a:pPr algn="ctr" latinLnBrk="1"/>
+                      <a:r>
+                        <a:rPr lang="en-US" altLang="ko-KR" sz="2000" dirty="0">
+                          <a:latin typeface="CookieRun Regular" panose="020B0600000101010101" pitchFamily="50" charset="-127"/>
+                          <a:ea typeface="CookieRun Regular" panose="020B0600000101010101" pitchFamily="50" charset="-127"/>
+                        </a:rPr>
+                        <a:t>are</a:t>
+                      </a:r>
+                      <a:endParaRPr lang="ko-KR" altLang="en-US" sz="2000" dirty="0">
+                        <a:latin typeface="CookieRun Regular" panose="020B0600000101010101" pitchFamily="50" charset="-127"/>
+                        <a:ea typeface="CookieRun Regular" panose="020B0600000101010101" pitchFamily="50" charset="-127"/>
+                      </a:endParaRPr>
+                    </a:p>
+                  </a:txBody>
+                  <a:tcPr/>
+                </a:tc>
+                <a:tc>
+                  <a:txBody>
+                    <a:bodyPr/>
+                    <a:lstStyle/>
+                    <a:p>
+                      <a:pPr algn="ctr" latinLnBrk="1"/>
+                      <a:r>
+                        <a:rPr lang="en-US" altLang="ko-KR" sz="2000" dirty="0">
+                          <a:latin typeface="CookieRun Regular" panose="020B0600000101010101" pitchFamily="50" charset="-127"/>
+                          <a:ea typeface="CookieRun Regular" panose="020B0600000101010101" pitchFamily="50" charset="-127"/>
+                        </a:rPr>
+                        <a:t>96</a:t>
+                      </a:r>
+                      <a:endParaRPr lang="ko-KR" altLang="en-US" sz="2000" dirty="0">
+                        <a:latin typeface="CookieRun Regular" panose="020B0600000101010101" pitchFamily="50" charset="-127"/>
+                        <a:ea typeface="CookieRun Regular" panose="020B0600000101010101" pitchFamily="50" charset="-127"/>
+                      </a:endParaRPr>
+                    </a:p>
+                  </a:txBody>
+                  <a:tcPr/>
+                </a:tc>
+                <a:extLst>
+                  <a:ext uri="{0D108BD9-81ED-4DB2-BD59-A6C34878D82A}">
+                    <a16:rowId xmlns:a16="http://schemas.microsoft.com/office/drawing/2014/main" val="3381322668"/>
+                  </a:ext>
+                </a:extLst>
+              </a:tr>
+              <a:tr h="370840">
+                <a:tc>
+                  <a:txBody>
+                    <a:bodyPr/>
+                    <a:lstStyle/>
+                    <a:p>
+                      <a:pPr algn="ctr" latinLnBrk="1"/>
+                      <a:r>
+                        <a:rPr lang="en-US" altLang="ko-KR" sz="2000" dirty="0">
+                          <a:latin typeface="CookieRun Regular" panose="020B0600000101010101" pitchFamily="50" charset="-127"/>
+                          <a:ea typeface="CookieRun Regular" panose="020B0600000101010101" pitchFamily="50" charset="-127"/>
+                        </a:rPr>
+                        <a:t>7</a:t>
+                      </a:r>
+                      <a:endParaRPr lang="ko-KR" altLang="en-US" sz="2000" dirty="0">
+                        <a:latin typeface="CookieRun Regular" panose="020B0600000101010101" pitchFamily="50" charset="-127"/>
+                        <a:ea typeface="CookieRun Regular" panose="020B0600000101010101" pitchFamily="50" charset="-127"/>
+                      </a:endParaRPr>
+                    </a:p>
+                  </a:txBody>
+                  <a:tcPr/>
+                </a:tc>
+                <a:tc>
+                  <a:txBody>
+                    <a:bodyPr/>
+                    <a:lstStyle/>
+                    <a:p>
+                      <a:pPr algn="ctr" latinLnBrk="1"/>
+                      <a:r>
+                        <a:rPr lang="en-US" altLang="ko-KR" sz="2000" dirty="0">
+                          <a:latin typeface="CookieRun Regular" panose="020B0600000101010101" pitchFamily="50" charset="-127"/>
+                          <a:ea typeface="CookieRun Regular" panose="020B0600000101010101" pitchFamily="50" charset="-127"/>
+                        </a:rPr>
+                        <a:t>you</a:t>
+                      </a:r>
+                      <a:endParaRPr lang="ko-KR" altLang="en-US" sz="2000" dirty="0">
+                        <a:latin typeface="CookieRun Regular" panose="020B0600000101010101" pitchFamily="50" charset="-127"/>
+                        <a:ea typeface="CookieRun Regular" panose="020B0600000101010101" pitchFamily="50" charset="-127"/>
+                      </a:endParaRPr>
+                    </a:p>
+                  </a:txBody>
+                  <a:tcPr/>
+                </a:tc>
+                <a:tc>
+                  <a:txBody>
+                    <a:bodyPr/>
+                    <a:lstStyle/>
+                    <a:p>
+                      <a:pPr algn="ctr" latinLnBrk="1"/>
+                      <a:r>
+                        <a:rPr lang="en-US" altLang="ko-KR" sz="2000" dirty="0">
+                          <a:latin typeface="CookieRun Regular" panose="020B0600000101010101" pitchFamily="50" charset="-127"/>
+                          <a:ea typeface="CookieRun Regular" panose="020B0600000101010101" pitchFamily="50" charset="-127"/>
+                        </a:rPr>
+                        <a:t>96</a:t>
+                      </a:r>
+                      <a:endParaRPr lang="ko-KR" altLang="en-US" sz="2000" dirty="0">
+                        <a:latin typeface="CookieRun Regular" panose="020B0600000101010101" pitchFamily="50" charset="-127"/>
+                        <a:ea typeface="CookieRun Regular" panose="020B0600000101010101" pitchFamily="50" charset="-127"/>
+                      </a:endParaRPr>
+                    </a:p>
+                  </a:txBody>
+                  <a:tcPr/>
+                </a:tc>
+                <a:extLst>
+                  <a:ext uri="{0D108BD9-81ED-4DB2-BD59-A6C34878D82A}">
+                    <a16:rowId xmlns:a16="http://schemas.microsoft.com/office/drawing/2014/main" val="872466425"/>
+                  </a:ext>
+                </a:extLst>
+              </a:tr>
+              <a:tr h="370840">
+                <a:tc>
+                  <a:txBody>
+                    <a:bodyPr/>
+                    <a:lstStyle/>
+                    <a:p>
+                      <a:pPr algn="ctr" latinLnBrk="1"/>
+                      <a:r>
+                        <a:rPr lang="en-US" altLang="ko-KR" sz="2000" dirty="0">
+                          <a:latin typeface="CookieRun Regular" panose="020B0600000101010101" pitchFamily="50" charset="-127"/>
+                          <a:ea typeface="CookieRun Regular" panose="020B0600000101010101" pitchFamily="50" charset="-127"/>
+                        </a:rPr>
+                        <a:t>8</a:t>
+                      </a:r>
+                      <a:endParaRPr lang="ko-KR" altLang="en-US" sz="2000" dirty="0">
+                        <a:latin typeface="CookieRun Regular" panose="020B0600000101010101" pitchFamily="50" charset="-127"/>
+                        <a:ea typeface="CookieRun Regular" panose="020B0600000101010101" pitchFamily="50" charset="-127"/>
+                      </a:endParaRPr>
+                    </a:p>
+                  </a:txBody>
+                  <a:tcPr/>
+                </a:tc>
+                <a:tc>
+                  <a:txBody>
+                    <a:bodyPr/>
+                    <a:lstStyle/>
+                    <a:p>
+                      <a:pPr algn="ctr" latinLnBrk="1"/>
+                      <a:r>
+                        <a:rPr lang="en-US" altLang="ko-KR" sz="2000" dirty="0">
+                          <a:latin typeface="CookieRun Regular" panose="020B0600000101010101" pitchFamily="50" charset="-127"/>
+                          <a:ea typeface="CookieRun Regular" panose="020B0600000101010101" pitchFamily="50" charset="-127"/>
+                        </a:rPr>
+                        <a:t>today?</a:t>
+                      </a:r>
+                      <a:endParaRPr lang="ko-KR" altLang="en-US" sz="2000" dirty="0">
+                        <a:latin typeface="CookieRun Regular" panose="020B0600000101010101" pitchFamily="50" charset="-127"/>
+                        <a:ea typeface="CookieRun Regular" panose="020B0600000101010101" pitchFamily="50" charset="-127"/>
+                      </a:endParaRPr>
+                    </a:p>
+                  </a:txBody>
+                  <a:tcPr/>
+                </a:tc>
+                <a:tc>
+                  <a:txBody>
+                    <a:bodyPr/>
+                    <a:lstStyle/>
+                    <a:p>
+                      <a:pPr algn="ctr" latinLnBrk="1"/>
+                      <a:r>
+                        <a:rPr lang="en-US" altLang="ko-KR" sz="2000" dirty="0">
+                          <a:latin typeface="CookieRun Regular" panose="020B0600000101010101" pitchFamily="50" charset="-127"/>
+                          <a:ea typeface="CookieRun Regular" panose="020B0600000101010101" pitchFamily="50" charset="-127"/>
+                        </a:rPr>
+                        <a:t>96</a:t>
+                      </a:r>
+                      <a:endParaRPr lang="ko-KR" altLang="en-US" sz="2000" dirty="0">
+                        <a:latin typeface="CookieRun Regular" panose="020B0600000101010101" pitchFamily="50" charset="-127"/>
+                        <a:ea typeface="CookieRun Regular" panose="020B0600000101010101" pitchFamily="50" charset="-127"/>
+                      </a:endParaRPr>
+                    </a:p>
+                  </a:txBody>
+                  <a:tcPr/>
+                </a:tc>
+                <a:extLst>
+                  <a:ext uri="{0D108BD9-81ED-4DB2-BD59-A6C34878D82A}">
+                    <a16:rowId xmlns:a16="http://schemas.microsoft.com/office/drawing/2014/main" val="2566976618"/>
+                  </a:ext>
+                </a:extLst>
+              </a:tr>
+              <a:tr h="370840">
+                <a:tc>
+                  <a:txBody>
+                    <a:bodyPr/>
+                    <a:lstStyle/>
+                    <a:p>
+                      <a:pPr algn="ctr" latinLnBrk="1"/>
+                      <a:r>
+                        <a:rPr lang="en-US" altLang="ko-KR" sz="2000" dirty="0">
+                          <a:latin typeface="CookieRun Regular" panose="020B0600000101010101" pitchFamily="50" charset="-127"/>
+                          <a:ea typeface="CookieRun Regular" panose="020B0600000101010101" pitchFamily="50" charset="-127"/>
+                        </a:rPr>
+                        <a:t>9</a:t>
+                      </a:r>
+                      <a:endParaRPr lang="ko-KR" altLang="en-US" sz="2000" dirty="0">
+                        <a:latin typeface="CookieRun Regular" panose="020B0600000101010101" pitchFamily="50" charset="-127"/>
+                        <a:ea typeface="CookieRun Regular" panose="020B0600000101010101" pitchFamily="50" charset="-127"/>
+                      </a:endParaRPr>
+                    </a:p>
+                  </a:txBody>
+                  <a:tcPr/>
+                </a:tc>
+                <a:tc>
+                  <a:txBody>
+                    <a:bodyPr/>
+                    <a:lstStyle/>
+                    <a:p>
+                      <a:pPr algn="ctr" latinLnBrk="1"/>
+                      <a:endParaRPr lang="ko-KR" altLang="en-US" sz="2000" dirty="0">
+                        <a:latin typeface="CookieRun Regular" panose="020B0600000101010101" pitchFamily="50" charset="-127"/>
+                        <a:ea typeface="CookieRun Regular" panose="020B0600000101010101" pitchFamily="50" charset="-127"/>
+                      </a:endParaRPr>
+                    </a:p>
+                  </a:txBody>
+                  <a:tcPr/>
+                </a:tc>
+                <a:tc>
+                  <a:txBody>
+                    <a:bodyPr/>
+                    <a:lstStyle/>
+                    <a:p>
+                      <a:pPr algn="ctr" latinLnBrk="1"/>
+                      <a:r>
+                        <a:rPr lang="en-US" altLang="ko-KR" sz="2000" dirty="0">
+                          <a:latin typeface="CookieRun Regular" panose="020B0600000101010101" pitchFamily="50" charset="-127"/>
+                          <a:ea typeface="CookieRun Regular" panose="020B0600000101010101" pitchFamily="50" charset="-127"/>
+                        </a:rPr>
+                        <a:t>-1</a:t>
+                      </a:r>
+                      <a:endParaRPr lang="ko-KR" altLang="en-US" sz="2000" dirty="0">
+                        <a:latin typeface="CookieRun Regular" panose="020B0600000101010101" pitchFamily="50" charset="-127"/>
+                        <a:ea typeface="CookieRun Regular" panose="020B0600000101010101" pitchFamily="50" charset="-127"/>
+                      </a:endParaRPr>
+                    </a:p>
+                  </a:txBody>
+                  <a:tcPr/>
+                </a:tc>
+                <a:extLst>
+                  <a:ext uri="{0D108BD9-81ED-4DB2-BD59-A6C34878D82A}">
+                    <a16:rowId xmlns:a16="http://schemas.microsoft.com/office/drawing/2014/main" val="2623417769"/>
+                  </a:ext>
+                </a:extLst>
+              </a:tr>
+              <a:tr h="370840">
+                <a:tc>
+                  <a:txBody>
+                    <a:bodyPr/>
+                    <a:lstStyle/>
+                    <a:p>
+                      <a:pPr algn="ctr" latinLnBrk="1"/>
+                      <a:r>
+                        <a:rPr lang="en-US" altLang="ko-KR" sz="2000" dirty="0">
+                          <a:latin typeface="CookieRun Regular" panose="020B0600000101010101" pitchFamily="50" charset="-127"/>
+                          <a:ea typeface="CookieRun Regular" panose="020B0600000101010101" pitchFamily="50" charset="-127"/>
+                        </a:rPr>
+                        <a:t>10</a:t>
+                      </a:r>
+                      <a:endParaRPr lang="ko-KR" altLang="en-US" sz="2000" dirty="0">
+                        <a:latin typeface="CookieRun Regular" panose="020B0600000101010101" pitchFamily="50" charset="-127"/>
+                        <a:ea typeface="CookieRun Regular" panose="020B0600000101010101" pitchFamily="50" charset="-127"/>
+                      </a:endParaRPr>
+                    </a:p>
+                  </a:txBody>
+                  <a:tcPr/>
+                </a:tc>
+                <a:tc>
+                  <a:txBody>
+                    <a:bodyPr/>
+                    <a:lstStyle/>
+                    <a:p>
+                      <a:pPr algn="ctr" latinLnBrk="1"/>
+                      <a:endParaRPr lang="ko-KR" altLang="en-US" sz="2000" dirty="0">
+                        <a:latin typeface="CookieRun Regular" panose="020B0600000101010101" pitchFamily="50" charset="-127"/>
+                        <a:ea typeface="CookieRun Regular" panose="020B0600000101010101" pitchFamily="50" charset="-127"/>
+                      </a:endParaRPr>
+                    </a:p>
+                  </a:txBody>
+                  <a:tcPr/>
+                </a:tc>
+                <a:tc>
+                  <a:txBody>
+                    <a:bodyPr/>
+                    <a:lstStyle/>
+                    <a:p>
+                      <a:pPr algn="ctr" latinLnBrk="1"/>
+                      <a:r>
+                        <a:rPr lang="en-US" altLang="ko-KR" sz="2000" dirty="0">
+                          <a:latin typeface="CookieRun Regular" panose="020B0600000101010101" pitchFamily="50" charset="-127"/>
+                          <a:ea typeface="CookieRun Regular" panose="020B0600000101010101" pitchFamily="50" charset="-127"/>
+                        </a:rPr>
+                        <a:t>-1</a:t>
+                      </a:r>
+                      <a:endParaRPr lang="ko-KR" altLang="en-US" sz="2000" dirty="0">
+                        <a:latin typeface="CookieRun Regular" panose="020B0600000101010101" pitchFamily="50" charset="-127"/>
+                        <a:ea typeface="CookieRun Regular" panose="020B0600000101010101" pitchFamily="50" charset="-127"/>
+                      </a:endParaRPr>
+                    </a:p>
+                  </a:txBody>
+                  <a:tcPr/>
+                </a:tc>
+                <a:extLst>
+                  <a:ext uri="{0D108BD9-81ED-4DB2-BD59-A6C34878D82A}">
+                    <a16:rowId xmlns:a16="http://schemas.microsoft.com/office/drawing/2014/main" val="4067975712"/>
+                  </a:ext>
+                </a:extLst>
+              </a:tr>
+              <a:tr h="370840">
+                <a:tc>
+                  <a:txBody>
+                    <a:bodyPr/>
+                    <a:lstStyle/>
+                    <a:p>
+                      <a:pPr algn="ctr" latinLnBrk="1"/>
+                      <a:r>
+                        <a:rPr lang="en-US" altLang="ko-KR" sz="2000" dirty="0">
+                          <a:latin typeface="CookieRun Regular" panose="020B0600000101010101" pitchFamily="50" charset="-127"/>
+                          <a:ea typeface="CookieRun Regular" panose="020B0600000101010101" pitchFamily="50" charset="-127"/>
+                        </a:rPr>
+                        <a:t>11</a:t>
+                      </a:r>
+                      <a:endParaRPr lang="ko-KR" altLang="en-US" sz="2000" dirty="0">
+                        <a:latin typeface="CookieRun Regular" panose="020B0600000101010101" pitchFamily="50" charset="-127"/>
+                        <a:ea typeface="CookieRun Regular" panose="020B0600000101010101" pitchFamily="50" charset="-127"/>
+                      </a:endParaRPr>
+                    </a:p>
+                  </a:txBody>
+                  <a:tcPr/>
+                </a:tc>
+                <a:tc>
+                  <a:txBody>
+                    <a:bodyPr/>
+                    <a:lstStyle/>
+                    <a:p>
+                      <a:pPr algn="ctr" latinLnBrk="1"/>
+                      <a:endParaRPr lang="ko-KR" altLang="en-US" sz="2000" dirty="0">
+                        <a:latin typeface="CookieRun Regular" panose="020B0600000101010101" pitchFamily="50" charset="-127"/>
+                        <a:ea typeface="CookieRun Regular" panose="020B0600000101010101" pitchFamily="50" charset="-127"/>
+                      </a:endParaRPr>
+                    </a:p>
+                  </a:txBody>
+                  <a:tcPr/>
+                </a:tc>
+                <a:tc>
+                  <a:txBody>
+                    <a:bodyPr/>
+                    <a:lstStyle/>
+                    <a:p>
+                      <a:pPr algn="ctr" latinLnBrk="1"/>
+                      <a:r>
+                        <a:rPr lang="en-US" altLang="ko-KR" sz="2000" dirty="0">
+                          <a:latin typeface="CookieRun Regular" panose="020B0600000101010101" pitchFamily="50" charset="-127"/>
+                          <a:ea typeface="CookieRun Regular" panose="020B0600000101010101" pitchFamily="50" charset="-127"/>
+                        </a:rPr>
+                        <a:t>-1</a:t>
+                      </a:r>
+                      <a:endParaRPr lang="ko-KR" altLang="en-US" sz="2000" dirty="0">
+                        <a:latin typeface="CookieRun Regular" panose="020B0600000101010101" pitchFamily="50" charset="-127"/>
+                        <a:ea typeface="CookieRun Regular" panose="020B0600000101010101" pitchFamily="50" charset="-127"/>
+                      </a:endParaRPr>
+                    </a:p>
+                  </a:txBody>
+                  <a:tcPr/>
+                </a:tc>
+                <a:extLst>
+                  <a:ext uri="{0D108BD9-81ED-4DB2-BD59-A6C34878D82A}">
+                    <a16:rowId xmlns:a16="http://schemas.microsoft.com/office/drawing/2014/main" val="3997706128"/>
+                  </a:ext>
+                </a:extLst>
+              </a:tr>
+              <a:tr h="370840">
+                <a:tc>
+                  <a:txBody>
+                    <a:bodyPr/>
+                    <a:lstStyle/>
+                    <a:p>
+                      <a:pPr algn="ctr" latinLnBrk="1"/>
+                      <a:r>
+                        <a:rPr lang="en-US" altLang="ko-KR" sz="2000" dirty="0">
+                          <a:latin typeface="CookieRun Regular" panose="020B0600000101010101" pitchFamily="50" charset="-127"/>
+                          <a:ea typeface="CookieRun Regular" panose="020B0600000101010101" pitchFamily="50" charset="-127"/>
+                        </a:rPr>
+                        <a:t>12</a:t>
+                      </a:r>
+                      <a:endParaRPr lang="ko-KR" altLang="en-US" sz="2000" dirty="0">
+                        <a:latin typeface="CookieRun Regular" panose="020B0600000101010101" pitchFamily="50" charset="-127"/>
+                        <a:ea typeface="CookieRun Regular" panose="020B0600000101010101" pitchFamily="50" charset="-127"/>
+                      </a:endParaRPr>
+                    </a:p>
+                  </a:txBody>
+                  <a:tcPr/>
+                </a:tc>
+                <a:tc>
+                  <a:txBody>
+                    <a:bodyPr/>
+                    <a:lstStyle/>
+                    <a:p>
+                      <a:pPr algn="ctr" latinLnBrk="1"/>
+                      <a:r>
+                        <a:rPr lang="en-US" altLang="ko-KR" sz="2000" dirty="0">
+                          <a:latin typeface="CookieRun Regular" panose="020B0600000101010101" pitchFamily="50" charset="-127"/>
+                          <a:ea typeface="CookieRun Regular" panose="020B0600000101010101" pitchFamily="50" charset="-127"/>
+                        </a:rPr>
+                        <a:t>I’m</a:t>
+                      </a:r>
+                      <a:endParaRPr lang="ko-KR" altLang="en-US" sz="2000" dirty="0">
+                        <a:latin typeface="CookieRun Regular" panose="020B0600000101010101" pitchFamily="50" charset="-127"/>
+                        <a:ea typeface="CookieRun Regular" panose="020B0600000101010101" pitchFamily="50" charset="-127"/>
+                      </a:endParaRPr>
+                    </a:p>
+                  </a:txBody>
+                  <a:tcPr/>
+                </a:tc>
+                <a:tc>
+                  <a:txBody>
+                    <a:bodyPr/>
+                    <a:lstStyle/>
+                    <a:p>
+                      <a:pPr algn="ctr" latinLnBrk="1"/>
+                      <a:r>
+                        <a:rPr lang="en-US" altLang="ko-KR" sz="2000" dirty="0">
+                          <a:latin typeface="CookieRun Regular" panose="020B0600000101010101" pitchFamily="50" charset="-127"/>
+                          <a:ea typeface="CookieRun Regular" panose="020B0600000101010101" pitchFamily="50" charset="-127"/>
+                        </a:rPr>
+                        <a:t>84</a:t>
+                      </a:r>
+                      <a:endParaRPr lang="ko-KR" altLang="en-US" sz="2000" dirty="0">
+                        <a:latin typeface="CookieRun Regular" panose="020B0600000101010101" pitchFamily="50" charset="-127"/>
+                        <a:ea typeface="CookieRun Regular" panose="020B0600000101010101" pitchFamily="50" charset="-127"/>
+                      </a:endParaRPr>
+                    </a:p>
+                  </a:txBody>
+                  <a:tcPr/>
+                </a:tc>
+                <a:extLst>
+                  <a:ext uri="{0D108BD9-81ED-4DB2-BD59-A6C34878D82A}">
+                    <a16:rowId xmlns:a16="http://schemas.microsoft.com/office/drawing/2014/main" val="4072392319"/>
+                  </a:ext>
+                </a:extLst>
+              </a:tr>
+              <a:tr h="370840">
+                <a:tc>
+                  <a:txBody>
+                    <a:bodyPr/>
+                    <a:lstStyle/>
+                    <a:p>
+                      <a:pPr algn="ctr" latinLnBrk="1"/>
+                      <a:r>
+                        <a:rPr lang="en-US" altLang="ko-KR" sz="2000" dirty="0">
+                          <a:latin typeface="CookieRun Regular" panose="020B0600000101010101" pitchFamily="50" charset="-127"/>
+                          <a:ea typeface="CookieRun Regular" panose="020B0600000101010101" pitchFamily="50" charset="-127"/>
+                        </a:rPr>
+                        <a:t>13</a:t>
+                      </a:r>
+                      <a:endParaRPr lang="ko-KR" altLang="en-US" sz="2000" dirty="0">
+                        <a:latin typeface="CookieRun Regular" panose="020B0600000101010101" pitchFamily="50" charset="-127"/>
+                        <a:ea typeface="CookieRun Regular" panose="020B0600000101010101" pitchFamily="50" charset="-127"/>
+                      </a:endParaRPr>
+                    </a:p>
+                  </a:txBody>
+                  <a:tcPr/>
+                </a:tc>
+                <a:tc>
+                  <a:txBody>
+                    <a:bodyPr/>
+                    <a:lstStyle/>
+                    <a:p>
+                      <a:pPr algn="ctr" latinLnBrk="1"/>
+                      <a:r>
+                        <a:rPr lang="en-US" altLang="ko-KR" sz="2000" dirty="0">
+                          <a:latin typeface="CookieRun Regular" panose="020B0600000101010101" pitchFamily="50" charset="-127"/>
+                          <a:ea typeface="CookieRun Regular" panose="020B0600000101010101" pitchFamily="50" charset="-127"/>
+                        </a:rPr>
+                        <a:t>fine</a:t>
+                      </a:r>
+                      <a:endParaRPr lang="ko-KR" altLang="en-US" sz="2000" dirty="0">
+                        <a:latin typeface="CookieRun Regular" panose="020B0600000101010101" pitchFamily="50" charset="-127"/>
+                        <a:ea typeface="CookieRun Regular" panose="020B0600000101010101" pitchFamily="50" charset="-127"/>
+                      </a:endParaRPr>
+                    </a:p>
+                  </a:txBody>
+                  <a:tcPr/>
+                </a:tc>
+                <a:tc>
+                  <a:txBody>
+                    <a:bodyPr/>
+                    <a:lstStyle/>
+                    <a:p>
+                      <a:pPr algn="ctr" latinLnBrk="1"/>
+                      <a:r>
+                        <a:rPr lang="en-US" altLang="ko-KR" sz="2000" dirty="0">
+                          <a:latin typeface="CookieRun Regular" panose="020B0600000101010101" pitchFamily="50" charset="-127"/>
+                          <a:ea typeface="CookieRun Regular" panose="020B0600000101010101" pitchFamily="50" charset="-127"/>
+                        </a:rPr>
+                        <a:t>92</a:t>
+                      </a:r>
+                      <a:endParaRPr lang="ko-KR" altLang="en-US" sz="2000" dirty="0">
+                        <a:latin typeface="CookieRun Regular" panose="020B0600000101010101" pitchFamily="50" charset="-127"/>
+                        <a:ea typeface="CookieRun Regular" panose="020B0600000101010101" pitchFamily="50" charset="-127"/>
+                      </a:endParaRPr>
+                    </a:p>
+                  </a:txBody>
+                  <a:tcPr/>
+                </a:tc>
+                <a:extLst>
+                  <a:ext uri="{0D108BD9-81ED-4DB2-BD59-A6C34878D82A}">
+                    <a16:rowId xmlns:a16="http://schemas.microsoft.com/office/drawing/2014/main" val="3853792178"/>
+                  </a:ext>
+                </a:extLst>
+              </a:tr>
+              <a:tr h="370840">
+                <a:tc>
+                  <a:txBody>
+                    <a:bodyPr/>
+                    <a:lstStyle/>
+                    <a:p>
+                      <a:pPr algn="ctr" latinLnBrk="1"/>
+                      <a:r>
+                        <a:rPr lang="en-US" altLang="ko-KR" sz="2000" dirty="0">
+                          <a:latin typeface="CookieRun Regular" panose="020B0600000101010101" pitchFamily="50" charset="-127"/>
+                          <a:ea typeface="CookieRun Regular" panose="020B0600000101010101" pitchFamily="50" charset="-127"/>
+                        </a:rPr>
+                        <a:t>14</a:t>
+                      </a:r>
+                      <a:endParaRPr lang="ko-KR" altLang="en-US" sz="2000" dirty="0">
+                        <a:latin typeface="CookieRun Regular" panose="020B0600000101010101" pitchFamily="50" charset="-127"/>
+                        <a:ea typeface="CookieRun Regular" panose="020B0600000101010101" pitchFamily="50" charset="-127"/>
+                      </a:endParaRPr>
+                    </a:p>
+                  </a:txBody>
+                  <a:tcPr/>
+                </a:tc>
+                <a:tc>
+                  <a:txBody>
+                    <a:bodyPr/>
+                    <a:lstStyle/>
+                    <a:p>
+                      <a:pPr algn="ctr" latinLnBrk="1"/>
+                      <a:r>
+                        <a:rPr lang="en-US" altLang="ko-KR" sz="2000" dirty="0" err="1">
+                          <a:latin typeface="CookieRun Regular" panose="020B0600000101010101" pitchFamily="50" charset="-127"/>
+                          <a:ea typeface="CookieRun Regular" panose="020B0600000101010101" pitchFamily="50" charset="-127"/>
+                        </a:rPr>
+                        <a:t>thanky</a:t>
+                      </a:r>
+                      <a:endParaRPr lang="ko-KR" altLang="en-US" sz="2000" dirty="0">
+                        <a:latin typeface="CookieRun Regular" panose="020B0600000101010101" pitchFamily="50" charset="-127"/>
+                        <a:ea typeface="CookieRun Regular" panose="020B0600000101010101" pitchFamily="50" charset="-127"/>
+                      </a:endParaRPr>
+                    </a:p>
+                  </a:txBody>
+                  <a:tcPr/>
+                </a:tc>
+                <a:tc>
+                  <a:txBody>
+                    <a:bodyPr/>
+                    <a:lstStyle/>
+                    <a:p>
+                      <a:pPr algn="ctr" latinLnBrk="1"/>
+                      <a:r>
+                        <a:rPr lang="en-US" altLang="ko-KR" sz="2000" dirty="0">
+                          <a:latin typeface="CookieRun Regular" panose="020B0600000101010101" pitchFamily="50" charset="-127"/>
+                          <a:ea typeface="CookieRun Regular" panose="020B0600000101010101" pitchFamily="50" charset="-127"/>
+                        </a:rPr>
+                        <a:t>91</a:t>
+                      </a:r>
+                      <a:endParaRPr lang="ko-KR" altLang="en-US" sz="2000" dirty="0">
+                        <a:latin typeface="CookieRun Regular" panose="020B0600000101010101" pitchFamily="50" charset="-127"/>
+                        <a:ea typeface="CookieRun Regular" panose="020B0600000101010101" pitchFamily="50" charset="-127"/>
+                      </a:endParaRPr>
+                    </a:p>
+                  </a:txBody>
+                  <a:tcPr/>
+                </a:tc>
+                <a:extLst>
+                  <a:ext uri="{0D108BD9-81ED-4DB2-BD59-A6C34878D82A}">
+                    <a16:rowId xmlns:a16="http://schemas.microsoft.com/office/drawing/2014/main" val="3596910404"/>
+                  </a:ext>
+                </a:extLst>
+              </a:tr>
+              <a:tr h="370840">
+                <a:tc>
+                  <a:txBody>
+                    <a:bodyPr/>
+                    <a:lstStyle/>
+                    <a:p>
+                      <a:pPr algn="ctr" latinLnBrk="1"/>
+                      <a:r>
+                        <a:rPr lang="en-US" altLang="ko-KR" sz="2000" dirty="0">
+                          <a:latin typeface="CookieRun Regular" panose="020B0600000101010101" pitchFamily="50" charset="-127"/>
+                          <a:ea typeface="CookieRun Regular" panose="020B0600000101010101" pitchFamily="50" charset="-127"/>
+                        </a:rPr>
+                        <a:t>15</a:t>
+                      </a:r>
+                      <a:endParaRPr lang="ko-KR" altLang="en-US" sz="2000" dirty="0">
+                        <a:latin typeface="CookieRun Regular" panose="020B0600000101010101" pitchFamily="50" charset="-127"/>
+                        <a:ea typeface="CookieRun Regular" panose="020B0600000101010101" pitchFamily="50" charset="-127"/>
+                      </a:endParaRPr>
+                    </a:p>
+                  </a:txBody>
+                  <a:tcPr/>
+                </a:tc>
+                <a:tc>
+                  <a:txBody>
+                    <a:bodyPr/>
+                    <a:lstStyle/>
+                    <a:p>
+                      <a:pPr algn="ctr" latinLnBrk="1"/>
+                      <a:r>
+                        <a:rPr lang="en-US" altLang="ko-KR" sz="2000" dirty="0">
+                          <a:latin typeface="CookieRun Regular" panose="020B0600000101010101" pitchFamily="50" charset="-127"/>
+                          <a:ea typeface="CookieRun Regular" panose="020B0600000101010101" pitchFamily="50" charset="-127"/>
+                        </a:rPr>
+                        <a:t>&amp;</a:t>
+                      </a:r>
+                      <a:endParaRPr lang="ko-KR" altLang="en-US" sz="2000" dirty="0">
+                        <a:latin typeface="CookieRun Regular" panose="020B0600000101010101" pitchFamily="50" charset="-127"/>
+                        <a:ea typeface="CookieRun Regular" panose="020B0600000101010101" pitchFamily="50" charset="-127"/>
+                      </a:endParaRPr>
+                    </a:p>
+                  </a:txBody>
+                  <a:tcPr/>
+                </a:tc>
+                <a:tc>
+                  <a:txBody>
+                    <a:bodyPr/>
+                    <a:lstStyle/>
+                    <a:p>
+                      <a:pPr algn="ctr" latinLnBrk="1"/>
+                      <a:r>
+                        <a:rPr lang="en-US" altLang="ko-KR" sz="2000" dirty="0">
+                          <a:latin typeface="CookieRun Regular" panose="020B0600000101010101" pitchFamily="50" charset="-127"/>
+                          <a:ea typeface="CookieRun Regular" panose="020B0600000101010101" pitchFamily="50" charset="-127"/>
+                        </a:rPr>
+                        <a:t>93</a:t>
+                      </a:r>
+                      <a:endParaRPr lang="ko-KR" altLang="en-US" sz="2000" dirty="0">
+                        <a:latin typeface="CookieRun Regular" panose="020B0600000101010101" pitchFamily="50" charset="-127"/>
+                        <a:ea typeface="CookieRun Regular" panose="020B0600000101010101" pitchFamily="50" charset="-127"/>
+                      </a:endParaRPr>
+                    </a:p>
+                  </a:txBody>
+                  <a:tcPr/>
+                </a:tc>
+                <a:extLst>
+                  <a:ext uri="{0D108BD9-81ED-4DB2-BD59-A6C34878D82A}">
+                    <a16:rowId xmlns:a16="http://schemas.microsoft.com/office/drawing/2014/main" val="3483535529"/>
+                  </a:ext>
+                </a:extLst>
+              </a:tr>
+              <a:tr h="370840">
+                <a:tc>
+                  <a:txBody>
+                    <a:bodyPr/>
+                    <a:lstStyle/>
+                    <a:p>
+                      <a:pPr algn="ctr" latinLnBrk="1"/>
+                      <a:r>
+                        <a:rPr lang="en-US" altLang="ko-KR" sz="2000" dirty="0">
+                          <a:latin typeface="CookieRun Regular" panose="020B0600000101010101" pitchFamily="50" charset="-127"/>
+                          <a:ea typeface="CookieRun Regular" panose="020B0600000101010101" pitchFamily="50" charset="-127"/>
+                        </a:rPr>
+                        <a:t>16</a:t>
+                      </a:r>
+                      <a:endParaRPr lang="ko-KR" altLang="en-US" sz="2000" dirty="0">
+                        <a:latin typeface="CookieRun Regular" panose="020B0600000101010101" pitchFamily="50" charset="-127"/>
+                        <a:ea typeface="CookieRun Regular" panose="020B0600000101010101" pitchFamily="50" charset="-127"/>
+                      </a:endParaRPr>
+                    </a:p>
+                  </a:txBody>
+                  <a:tcPr/>
+                </a:tc>
+                <a:tc>
+                  <a:txBody>
+                    <a:bodyPr/>
+                    <a:lstStyle/>
+                    <a:p>
+                      <a:pPr algn="ctr" latinLnBrk="1"/>
+                      <a:r>
+                        <a:rPr lang="en-US" altLang="ko-KR" sz="2000" dirty="0">
+                          <a:latin typeface="CookieRun Regular" panose="020B0600000101010101" pitchFamily="50" charset="-127"/>
+                          <a:ea typeface="CookieRun Regular" panose="020B0600000101010101" pitchFamily="50" charset="-127"/>
+                        </a:rPr>
+                        <a:t>you?</a:t>
+                      </a:r>
+                      <a:endParaRPr lang="ko-KR" altLang="en-US" sz="2000" dirty="0">
+                        <a:latin typeface="CookieRun Regular" panose="020B0600000101010101" pitchFamily="50" charset="-127"/>
+                        <a:ea typeface="CookieRun Regular" panose="020B0600000101010101" pitchFamily="50" charset="-127"/>
+                      </a:endParaRPr>
+                    </a:p>
+                  </a:txBody>
+                  <a:tcPr/>
+                </a:tc>
+                <a:tc>
+                  <a:txBody>
+                    <a:bodyPr/>
+                    <a:lstStyle/>
+                    <a:p>
+                      <a:pPr algn="ctr" latinLnBrk="1"/>
+                      <a:r>
+                        <a:rPr lang="en-US" altLang="ko-KR" sz="2000" dirty="0">
+                          <a:latin typeface="CookieRun Regular" panose="020B0600000101010101" pitchFamily="50" charset="-127"/>
+                          <a:ea typeface="CookieRun Regular" panose="020B0600000101010101" pitchFamily="50" charset="-127"/>
+                        </a:rPr>
+                        <a:t>96</a:t>
+                      </a:r>
+                      <a:endParaRPr lang="ko-KR" altLang="en-US" sz="2000" dirty="0">
+                        <a:latin typeface="CookieRun Regular" panose="020B0600000101010101" pitchFamily="50" charset="-127"/>
+                        <a:ea typeface="CookieRun Regular" panose="020B0600000101010101" pitchFamily="50" charset="-127"/>
+                      </a:endParaRPr>
+                    </a:p>
+                  </a:txBody>
+                  <a:tcPr/>
+                </a:tc>
+                <a:extLst>
+                  <a:ext uri="{0D108BD9-81ED-4DB2-BD59-A6C34878D82A}">
+                    <a16:rowId xmlns:a16="http://schemas.microsoft.com/office/drawing/2014/main" val="3422269083"/>
+                  </a:ext>
+                </a:extLst>
+              </a:tr>
+            </a:tbl>
+          </a:graphicData>
+        </a:graphic>
+      </p:graphicFrame>
+      <p:sp>
+        <p:nvSpPr>
+          <p:cNvPr id="7" name="TextBox 6">
+            <a:extLst>
+              <a:ext uri="{FF2B5EF4-FFF2-40B4-BE49-F238E27FC236}">
+                <a16:creationId xmlns:a16="http://schemas.microsoft.com/office/drawing/2014/main" id="{3E93C3C0-8048-692F-21DD-F2A4C0F93EC2}"/>
+              </a:ext>
+            </a:extLst>
+          </p:cNvPr>
+          <p:cNvSpPr txBox="1"/>
+          <p:nvPr/>
+        </p:nvSpPr>
+        <p:spPr>
+          <a:xfrm>
+            <a:off x="4183264" y="-1590651"/>
+            <a:ext cx="3825471" cy="923330"/>
+          </a:xfrm>
+          <a:prstGeom prst="rect">
+            <a:avLst/>
+          </a:prstGeom>
+          <a:noFill/>
+        </p:spPr>
+        <p:txBody>
+          <a:bodyPr wrap="none" rtlCol="0">
+            <a:spAutoFit/>
+          </a:bodyPr>
+          <a:lstStyle/>
+          <a:p>
+            <a:r>
+              <a:rPr lang="en-US" altLang="ko-KR" sz="5400" dirty="0">
+                <a:latin typeface="CookieRun Regular" panose="020B0600000101010101" pitchFamily="50" charset="-127"/>
+                <a:ea typeface="CookieRun Regular" panose="020B0600000101010101" pitchFamily="50" charset="-127"/>
+              </a:rPr>
+              <a:t>Test Image</a:t>
+            </a:r>
+            <a:endParaRPr lang="ko-KR" altLang="en-US" sz="5400" dirty="0">
+              <a:latin typeface="CookieRun Regular" panose="020B0600000101010101" pitchFamily="50" charset="-127"/>
+              <a:ea typeface="CookieRun Regular" panose="020B0600000101010101" pitchFamily="50" charset="-127"/>
+            </a:endParaRPr>
+          </a:p>
+        </p:txBody>
+      </p:sp>
+      <p:sp>
+        <p:nvSpPr>
+          <p:cNvPr id="8" name="TextBox 7">
+            <a:extLst>
+              <a:ext uri="{FF2B5EF4-FFF2-40B4-BE49-F238E27FC236}">
+                <a16:creationId xmlns:a16="http://schemas.microsoft.com/office/drawing/2014/main" id="{46392AE0-0B1B-345B-DCA4-1BD7C0D0E97E}"/>
+              </a:ext>
+            </a:extLst>
+          </p:cNvPr>
+          <p:cNvSpPr txBox="1"/>
+          <p:nvPr/>
+        </p:nvSpPr>
+        <p:spPr>
+          <a:xfrm>
+            <a:off x="7091487" y="715014"/>
+            <a:ext cx="2976136" cy="923330"/>
+          </a:xfrm>
+          <a:prstGeom prst="rect">
+            <a:avLst/>
+          </a:prstGeom>
+          <a:noFill/>
+        </p:spPr>
+        <p:txBody>
+          <a:bodyPr wrap="none" rtlCol="0">
+            <a:spAutoFit/>
+          </a:bodyPr>
+          <a:lstStyle/>
+          <a:p>
+            <a:r>
+              <a:rPr lang="en-US" altLang="ko-KR" sz="5400" dirty="0">
+                <a:latin typeface="CookieRun Regular" panose="020B0600000101010101" pitchFamily="50" charset="-127"/>
+                <a:ea typeface="CookieRun Regular" panose="020B0600000101010101" pitchFamily="50" charset="-127"/>
+              </a:rPr>
+              <a:t>OCR</a:t>
+            </a:r>
+            <a:r>
+              <a:rPr lang="ko-KR" altLang="en-US" sz="5400" dirty="0">
+                <a:latin typeface="CookieRun Regular" panose="020B0600000101010101" pitchFamily="50" charset="-127"/>
+                <a:ea typeface="CookieRun Regular" panose="020B0600000101010101" pitchFamily="50" charset="-127"/>
+              </a:rPr>
+              <a:t> </a:t>
+            </a:r>
+            <a:r>
+              <a:rPr lang="en-US" altLang="ko-KR" sz="5400" dirty="0">
+                <a:latin typeface="CookieRun Regular" panose="020B0600000101010101" pitchFamily="50" charset="-127"/>
+                <a:ea typeface="CookieRun Regular" panose="020B0600000101010101" pitchFamily="50" charset="-127"/>
+              </a:rPr>
+              <a:t>Box</a:t>
+            </a:r>
+            <a:endParaRPr lang="ko-KR" altLang="en-US" sz="5400" dirty="0">
+              <a:latin typeface="CookieRun Regular" panose="020B0600000101010101" pitchFamily="50" charset="-127"/>
+              <a:ea typeface="CookieRun Regular" panose="020B0600000101010101" pitchFamily="50" charset="-127"/>
+            </a:endParaRPr>
+          </a:p>
+        </p:txBody>
+      </p:sp>
+      <p:pic>
+        <p:nvPicPr>
+          <p:cNvPr id="11" name="그림 10" descr="텍스트, 폰트, 화이트, 대수학이(가) 표시된 사진&#10;&#10;AI 생성 콘텐츠는 정확하지 않을 수 있습니다.">
+            <a:extLst>
+              <a:ext uri="{FF2B5EF4-FFF2-40B4-BE49-F238E27FC236}">
+                <a16:creationId xmlns:a16="http://schemas.microsoft.com/office/drawing/2014/main" id="{879E203B-C837-B9B1-01B8-5AD002AF730A}"/>
+              </a:ext>
+            </a:extLst>
+          </p:cNvPr>
+          <p:cNvPicPr>
+            <a:picLocks noChangeAspect="1"/>
+          </p:cNvPicPr>
+          <p:nvPr/>
+        </p:nvPicPr>
+        <p:blipFill>
+          <a:blip r:embed="rId2">
+            <a:extLst>
+              <a:ext uri="{28A0092B-C50C-407E-A947-70E740481C1C}">
+                <a14:useLocalDpi xmlns:a14="http://schemas.microsoft.com/office/drawing/2010/main" val="0"/>
+              </a:ext>
+            </a:extLst>
+          </a:blip>
+          <a:stretch>
+            <a:fillRect/>
+          </a:stretch>
+        </p:blipFill>
+        <p:spPr>
+          <a:xfrm>
+            <a:off x="5448300" y="2049189"/>
+            <a:ext cx="6400800" cy="3598991"/>
+          </a:xfrm>
+          <a:prstGeom prst="rect">
+            <a:avLst/>
+          </a:prstGeom>
+          <a:ln>
+            <a:noFill/>
+          </a:ln>
+          <a:effectLst>
+            <a:outerShdw blurRad="292100" dist="139700" dir="2700000" algn="tl" rotWithShape="0">
+              <a:srgbClr val="333333">
+                <a:alpha val="65000"/>
+              </a:srgbClr>
+            </a:outerShdw>
+          </a:effectLst>
+        </p:spPr>
+      </p:pic>
+    </p:spTree>
+    <p:extLst>
+      <p:ext uri="{BB962C8B-B14F-4D97-AF65-F5344CB8AC3E}">
+        <p14:creationId xmlns:p14="http://schemas.microsoft.com/office/powerpoint/2010/main" val="1687689415"/>
+      </p:ext>
+    </p:extLst>
+  </p:cSld>
+  <p:clrMapOvr>
+    <a:masterClrMapping/>
+  </p:clrMapOvr>
+  <mc:AlternateContent xmlns:mc="http://schemas.openxmlformats.org/markup-compatibility/2006">
+    <mc:Choice xmlns:p159="http://schemas.microsoft.com/office/powerpoint/2015/09/main" Requires="p159">
+      <p:transition spd="slow">
+        <p159:morph option="byObject"/>
+      </p:transition>
+    </mc:Choice>
+    <mc:Fallback>
+      <p:transition spd="slow">
+        <p:fade/>
+      </p:transition>
+    </mc:Fallback>
+  </mc:AlternateContent>
+</p:sld>
+</file>
+
+<file path=ppt/slides/slide23.xml><?xml version="1.0" encoding="utf-8"?>
+<p:sld xmlns:a="http://schemas.openxmlformats.org/drawingml/2006/main" xmlns:r="http://schemas.openxmlformats.org/officeDocument/2006/relationships" xmlns:p="http://schemas.openxmlformats.org/presentationml/2006/main">
+  <p:cSld>
+    <p:spTree>
+      <p:nvGrpSpPr>
+        <p:cNvPr id="1" name="">
+          <a:extLst>
+            <a:ext uri="{FF2B5EF4-FFF2-40B4-BE49-F238E27FC236}">
+              <a16:creationId xmlns:a16="http://schemas.microsoft.com/office/drawing/2014/main" id="{017B74DB-DA00-F686-77E0-4BD9D148F059}"/>
+            </a:ext>
+          </a:extLst>
+        </p:cNvPr>
+        <p:cNvGrpSpPr/>
+        <p:nvPr/>
+      </p:nvGrpSpPr>
+      <p:grpSpPr>
+        <a:xfrm>
+          <a:off x="0" y="0"/>
+          <a:ext cx="0" cy="0"/>
+          <a:chOff x="0" y="0"/>
+          <a:chExt cx="0" cy="0"/>
+        </a:xfrm>
+      </p:grpSpPr>
+      <p:sp>
+        <p:nvSpPr>
+          <p:cNvPr id="2" name="슬라이드 번호 개체 틀 1">
+            <a:extLst>
+              <a:ext uri="{FF2B5EF4-FFF2-40B4-BE49-F238E27FC236}">
+                <a16:creationId xmlns:a16="http://schemas.microsoft.com/office/drawing/2014/main" id="{9A1EA7A1-BFF1-BC5E-6AB4-6B4D8718FBB8}"/>
+              </a:ext>
+            </a:extLst>
+          </p:cNvPr>
+          <p:cNvSpPr>
+            <a:spLocks noGrp="1"/>
+          </p:cNvSpPr>
+          <p:nvPr>
+            <p:ph type="sldNum" sz="quarter" idx="12"/>
+          </p:nvPr>
+        </p:nvSpPr>
+        <p:spPr/>
+        <p:txBody>
+          <a:bodyPr/>
+          <a:lstStyle/>
+          <a:p>
+            <a:fld id="{C5002163-FFAF-417C-9C20-DC892DFE9806}" type="slidenum">
+              <a:rPr lang="ko-KR" altLang="en-US" smtClean="0"/>
+              <a:pPr/>
+              <a:t>22</a:t>
+            </a:fld>
+            <a:endParaRPr lang="ko-KR" altLang="en-US" dirty="0"/>
+          </a:p>
+        </p:txBody>
+      </p:sp>
+      <p:graphicFrame>
+        <p:nvGraphicFramePr>
+          <p:cNvPr id="3" name="표 2">
+            <a:extLst>
+              <a:ext uri="{FF2B5EF4-FFF2-40B4-BE49-F238E27FC236}">
+                <a16:creationId xmlns:a16="http://schemas.microsoft.com/office/drawing/2014/main" id="{D3B1D4E8-1E89-E4C2-2CC8-E29632B4495B}"/>
+              </a:ext>
+            </a:extLst>
+          </p:cNvPr>
+          <p:cNvGraphicFramePr>
+            <a:graphicFrameLocks noGrp="1"/>
+          </p:cNvGraphicFramePr>
+          <p:nvPr>
+            <p:extLst>
+              <p:ext uri="{D42A27DB-BD31-4B8C-83A1-F6EECF244321}">
+                <p14:modId xmlns:p14="http://schemas.microsoft.com/office/powerpoint/2010/main" val="1202711708"/>
+              </p:ext>
+            </p:extLst>
+          </p:nvPr>
+        </p:nvGraphicFramePr>
+        <p:xfrm>
+          <a:off x="412044" y="3272972"/>
+          <a:ext cx="4397024" cy="7132320"/>
+        </p:xfrm>
+        <a:graphic>
+          <a:graphicData uri="http://schemas.openxmlformats.org/drawingml/2006/table">
+            <a:tbl>
+              <a:tblPr firstRow="1" bandRow="1">
+                <a:tableStyleId>{5940675A-B579-460E-94D1-54222C63F5DA}</a:tableStyleId>
+              </a:tblPr>
+              <a:tblGrid>
+                <a:gridCol w="642546">
+                  <a:extLst>
+                    <a:ext uri="{9D8B030D-6E8A-4147-A177-3AD203B41FA5}">
+                      <a16:colId xmlns:a16="http://schemas.microsoft.com/office/drawing/2014/main" val="3747240666"/>
+                    </a:ext>
+                  </a:extLst>
+                </a:gridCol>
+                <a:gridCol w="1877239">
+                  <a:extLst>
+                    <a:ext uri="{9D8B030D-6E8A-4147-A177-3AD203B41FA5}">
+                      <a16:colId xmlns:a16="http://schemas.microsoft.com/office/drawing/2014/main" val="1865539625"/>
+                    </a:ext>
+                  </a:extLst>
+                </a:gridCol>
+                <a:gridCol w="1877239">
+                  <a:extLst>
+                    <a:ext uri="{9D8B030D-6E8A-4147-A177-3AD203B41FA5}">
+                      <a16:colId xmlns:a16="http://schemas.microsoft.com/office/drawing/2014/main" val="2198382097"/>
+                    </a:ext>
+                  </a:extLst>
+                </a:gridCol>
+              </a:tblGrid>
+              <a:tr h="370840">
+                <a:tc>
+                  <a:txBody>
+                    <a:bodyPr/>
+                    <a:lstStyle/>
+                    <a:p>
+                      <a:pPr algn="ctr" latinLnBrk="1"/>
+                      <a:endParaRPr lang="ko-KR" altLang="en-US" sz="2000" dirty="0">
+                        <a:latin typeface="CookieRun Regular" panose="020B0600000101010101" pitchFamily="50" charset="-127"/>
+                        <a:ea typeface="CookieRun Regular" panose="020B0600000101010101" pitchFamily="50" charset="-127"/>
+                      </a:endParaRPr>
+                    </a:p>
+                  </a:txBody>
+                  <a:tcPr/>
+                </a:tc>
+                <a:tc>
+                  <a:txBody>
+                    <a:bodyPr/>
+                    <a:lstStyle/>
+                    <a:p>
+                      <a:pPr algn="ctr" latinLnBrk="1"/>
+                      <a:r>
+                        <a:rPr lang="en-US" altLang="ko-KR" sz="2000" dirty="0">
+                          <a:latin typeface="CookieRun Regular" panose="020B0600000101010101" pitchFamily="50" charset="-127"/>
+                          <a:ea typeface="CookieRun Regular" panose="020B0600000101010101" pitchFamily="50" charset="-127"/>
+                        </a:rPr>
+                        <a:t>Text</a:t>
+                      </a:r>
+                      <a:endParaRPr lang="ko-KR" altLang="en-US" sz="2000" dirty="0">
+                        <a:latin typeface="CookieRun Regular" panose="020B0600000101010101" pitchFamily="50" charset="-127"/>
+                        <a:ea typeface="CookieRun Regular" panose="020B0600000101010101" pitchFamily="50" charset="-127"/>
+                      </a:endParaRPr>
+                    </a:p>
+                  </a:txBody>
+                  <a:tcPr/>
+                </a:tc>
+                <a:tc>
+                  <a:txBody>
+                    <a:bodyPr/>
+                    <a:lstStyle/>
+                    <a:p>
+                      <a:pPr algn="ctr" latinLnBrk="1"/>
+                      <a:r>
+                        <a:rPr lang="en-US" altLang="ko-KR" sz="2000" dirty="0">
+                          <a:latin typeface="CookieRun Regular" panose="020B0600000101010101" pitchFamily="50" charset="-127"/>
+                          <a:ea typeface="CookieRun Regular" panose="020B0600000101010101" pitchFamily="50" charset="-127"/>
+                        </a:rPr>
+                        <a:t>Confidence</a:t>
+                      </a:r>
+                    </a:p>
+                  </a:txBody>
+                  <a:tcPr/>
+                </a:tc>
+                <a:extLst>
+                  <a:ext uri="{0D108BD9-81ED-4DB2-BD59-A6C34878D82A}">
+                    <a16:rowId xmlns:a16="http://schemas.microsoft.com/office/drawing/2014/main" val="1815166801"/>
+                  </a:ext>
+                </a:extLst>
+              </a:tr>
+              <a:tr h="370840">
+                <a:tc>
+                  <a:txBody>
+                    <a:bodyPr/>
+                    <a:lstStyle/>
+                    <a:p>
+                      <a:pPr algn="ctr" latinLnBrk="1"/>
+                      <a:r>
+                        <a:rPr lang="en-US" altLang="ko-KR" sz="2000" dirty="0">
+                          <a:latin typeface="CookieRun Regular" panose="020B0600000101010101" pitchFamily="50" charset="-127"/>
+                          <a:ea typeface="CookieRun Regular" panose="020B0600000101010101" pitchFamily="50" charset="-127"/>
+                        </a:rPr>
+                        <a:t>0</a:t>
+                      </a:r>
+                      <a:endParaRPr lang="ko-KR" altLang="en-US" sz="2000" dirty="0">
+                        <a:latin typeface="CookieRun Regular" panose="020B0600000101010101" pitchFamily="50" charset="-127"/>
+                        <a:ea typeface="CookieRun Regular" panose="020B0600000101010101" pitchFamily="50" charset="-127"/>
+                      </a:endParaRPr>
+                    </a:p>
+                  </a:txBody>
+                  <a:tcPr/>
+                </a:tc>
+                <a:tc>
+                  <a:txBody>
+                    <a:bodyPr/>
+                    <a:lstStyle/>
+                    <a:p>
+                      <a:pPr algn="ctr" latinLnBrk="1"/>
+                      <a:endParaRPr lang="ko-KR" altLang="en-US" sz="2000" dirty="0">
+                        <a:latin typeface="CookieRun Regular" panose="020B0600000101010101" pitchFamily="50" charset="-127"/>
+                        <a:ea typeface="CookieRun Regular" panose="020B0600000101010101" pitchFamily="50" charset="-127"/>
+                      </a:endParaRPr>
+                    </a:p>
+                  </a:txBody>
+                  <a:tcPr/>
+                </a:tc>
+                <a:tc>
+                  <a:txBody>
+                    <a:bodyPr/>
+                    <a:lstStyle/>
+                    <a:p>
+                      <a:pPr algn="ctr" latinLnBrk="1"/>
+                      <a:r>
+                        <a:rPr lang="en-US" altLang="ko-KR" sz="2000" dirty="0">
+                          <a:latin typeface="CookieRun Regular" panose="020B0600000101010101" pitchFamily="50" charset="-127"/>
+                          <a:ea typeface="CookieRun Regular" panose="020B0600000101010101" pitchFamily="50" charset="-127"/>
+                        </a:rPr>
+                        <a:t>-1</a:t>
+                      </a:r>
+                      <a:endParaRPr lang="ko-KR" altLang="en-US" sz="2000" dirty="0">
+                        <a:latin typeface="CookieRun Regular" panose="020B0600000101010101" pitchFamily="50" charset="-127"/>
+                        <a:ea typeface="CookieRun Regular" panose="020B0600000101010101" pitchFamily="50" charset="-127"/>
+                      </a:endParaRPr>
+                    </a:p>
+                  </a:txBody>
+                  <a:tcPr/>
+                </a:tc>
+                <a:extLst>
+                  <a:ext uri="{0D108BD9-81ED-4DB2-BD59-A6C34878D82A}">
+                    <a16:rowId xmlns:a16="http://schemas.microsoft.com/office/drawing/2014/main" val="1940185174"/>
+                  </a:ext>
+                </a:extLst>
+              </a:tr>
+              <a:tr h="370840">
+                <a:tc>
+                  <a:txBody>
+                    <a:bodyPr/>
+                    <a:lstStyle/>
+                    <a:p>
+                      <a:pPr algn="ctr" latinLnBrk="1"/>
+                      <a:r>
+                        <a:rPr lang="en-US" altLang="ko-KR" sz="2000" dirty="0">
+                          <a:latin typeface="CookieRun Regular" panose="020B0600000101010101" pitchFamily="50" charset="-127"/>
+                          <a:ea typeface="CookieRun Regular" panose="020B0600000101010101" pitchFamily="50" charset="-127"/>
+                        </a:rPr>
+                        <a:t>1</a:t>
+                      </a:r>
+                      <a:endParaRPr lang="ko-KR" altLang="en-US" sz="2000" dirty="0">
+                        <a:latin typeface="CookieRun Regular" panose="020B0600000101010101" pitchFamily="50" charset="-127"/>
+                        <a:ea typeface="CookieRun Regular" panose="020B0600000101010101" pitchFamily="50" charset="-127"/>
+                      </a:endParaRPr>
+                    </a:p>
+                  </a:txBody>
+                  <a:tcPr/>
+                </a:tc>
+                <a:tc>
+                  <a:txBody>
+                    <a:bodyPr/>
+                    <a:lstStyle/>
+                    <a:p>
+                      <a:pPr algn="ctr" latinLnBrk="1"/>
+                      <a:endParaRPr lang="ko-KR" altLang="en-US" sz="2000" dirty="0">
+                        <a:latin typeface="CookieRun Regular" panose="020B0600000101010101" pitchFamily="50" charset="-127"/>
+                        <a:ea typeface="CookieRun Regular" panose="020B0600000101010101" pitchFamily="50" charset="-127"/>
+                      </a:endParaRPr>
+                    </a:p>
+                  </a:txBody>
+                  <a:tcPr/>
+                </a:tc>
+                <a:tc>
+                  <a:txBody>
+                    <a:bodyPr/>
+                    <a:lstStyle/>
+                    <a:p>
+                      <a:pPr algn="ctr" latinLnBrk="1"/>
+                      <a:r>
+                        <a:rPr lang="en-US" altLang="ko-KR" sz="2000" dirty="0">
+                          <a:latin typeface="CookieRun Regular" panose="020B0600000101010101" pitchFamily="50" charset="-127"/>
+                          <a:ea typeface="CookieRun Regular" panose="020B0600000101010101" pitchFamily="50" charset="-127"/>
+                        </a:rPr>
+                        <a:t>-1</a:t>
+                      </a:r>
+                      <a:endParaRPr lang="ko-KR" altLang="en-US" sz="2000" dirty="0">
+                        <a:latin typeface="CookieRun Regular" panose="020B0600000101010101" pitchFamily="50" charset="-127"/>
+                        <a:ea typeface="CookieRun Regular" panose="020B0600000101010101" pitchFamily="50" charset="-127"/>
+                      </a:endParaRPr>
+                    </a:p>
+                  </a:txBody>
+                  <a:tcPr/>
+                </a:tc>
+                <a:extLst>
+                  <a:ext uri="{0D108BD9-81ED-4DB2-BD59-A6C34878D82A}">
+                    <a16:rowId xmlns:a16="http://schemas.microsoft.com/office/drawing/2014/main" val="2586202196"/>
+                  </a:ext>
+                </a:extLst>
+              </a:tr>
+              <a:tr h="370840">
+                <a:tc>
+                  <a:txBody>
+                    <a:bodyPr/>
+                    <a:lstStyle/>
+                    <a:p>
+                      <a:pPr algn="ctr" latinLnBrk="1"/>
+                      <a:r>
+                        <a:rPr lang="en-US" altLang="ko-KR" sz="2000" dirty="0">
+                          <a:latin typeface="CookieRun Regular" panose="020B0600000101010101" pitchFamily="50" charset="-127"/>
+                          <a:ea typeface="CookieRun Regular" panose="020B0600000101010101" pitchFamily="50" charset="-127"/>
+                        </a:rPr>
+                        <a:t>2</a:t>
+                      </a:r>
+                      <a:endParaRPr lang="ko-KR" altLang="en-US" sz="2000" dirty="0">
+                        <a:latin typeface="CookieRun Regular" panose="020B0600000101010101" pitchFamily="50" charset="-127"/>
+                        <a:ea typeface="CookieRun Regular" panose="020B0600000101010101" pitchFamily="50" charset="-127"/>
+                      </a:endParaRPr>
+                    </a:p>
+                  </a:txBody>
+                  <a:tcPr/>
+                </a:tc>
+                <a:tc>
+                  <a:txBody>
+                    <a:bodyPr/>
+                    <a:lstStyle/>
+                    <a:p>
+                      <a:pPr algn="ctr" latinLnBrk="1"/>
+                      <a:endParaRPr lang="ko-KR" altLang="en-US" sz="2000" dirty="0">
+                        <a:latin typeface="CookieRun Regular" panose="020B0600000101010101" pitchFamily="50" charset="-127"/>
+                        <a:ea typeface="CookieRun Regular" panose="020B0600000101010101" pitchFamily="50" charset="-127"/>
+                      </a:endParaRPr>
+                    </a:p>
+                  </a:txBody>
+                  <a:tcPr/>
+                </a:tc>
+                <a:tc>
+                  <a:txBody>
+                    <a:bodyPr/>
+                    <a:lstStyle/>
+                    <a:p>
+                      <a:pPr algn="ctr" latinLnBrk="1"/>
+                      <a:r>
+                        <a:rPr lang="en-US" altLang="ko-KR" sz="2000" dirty="0">
+                          <a:latin typeface="CookieRun Regular" panose="020B0600000101010101" pitchFamily="50" charset="-127"/>
+                          <a:ea typeface="CookieRun Regular" panose="020B0600000101010101" pitchFamily="50" charset="-127"/>
+                        </a:rPr>
+                        <a:t>-1</a:t>
+                      </a:r>
+                      <a:endParaRPr lang="ko-KR" altLang="en-US" sz="2000" dirty="0">
+                        <a:latin typeface="CookieRun Regular" panose="020B0600000101010101" pitchFamily="50" charset="-127"/>
+                        <a:ea typeface="CookieRun Regular" panose="020B0600000101010101" pitchFamily="50" charset="-127"/>
+                      </a:endParaRPr>
+                    </a:p>
+                  </a:txBody>
+                  <a:tcPr/>
+                </a:tc>
+                <a:extLst>
+                  <a:ext uri="{0D108BD9-81ED-4DB2-BD59-A6C34878D82A}">
+                    <a16:rowId xmlns:a16="http://schemas.microsoft.com/office/drawing/2014/main" val="1516008586"/>
+                  </a:ext>
+                </a:extLst>
+              </a:tr>
+              <a:tr h="370840">
+                <a:tc>
+                  <a:txBody>
+                    <a:bodyPr/>
+                    <a:lstStyle/>
+                    <a:p>
+                      <a:pPr algn="ctr" latinLnBrk="1"/>
+                      <a:r>
+                        <a:rPr lang="en-US" altLang="ko-KR" sz="2000" dirty="0">
+                          <a:latin typeface="CookieRun Regular" panose="020B0600000101010101" pitchFamily="50" charset="-127"/>
+                          <a:ea typeface="CookieRun Regular" panose="020B0600000101010101" pitchFamily="50" charset="-127"/>
+                        </a:rPr>
+                        <a:t>3</a:t>
+                      </a:r>
+                      <a:endParaRPr lang="ko-KR" altLang="en-US" sz="2000" dirty="0">
+                        <a:latin typeface="CookieRun Regular" panose="020B0600000101010101" pitchFamily="50" charset="-127"/>
+                        <a:ea typeface="CookieRun Regular" panose="020B0600000101010101" pitchFamily="50" charset="-127"/>
+                      </a:endParaRPr>
+                    </a:p>
+                  </a:txBody>
+                  <a:tcPr/>
+                </a:tc>
+                <a:tc>
+                  <a:txBody>
+                    <a:bodyPr/>
+                    <a:lstStyle/>
+                    <a:p>
+                      <a:pPr algn="ctr" latinLnBrk="1"/>
+                      <a:endParaRPr lang="ko-KR" altLang="en-US" sz="2000" dirty="0">
+                        <a:latin typeface="CookieRun Regular" panose="020B0600000101010101" pitchFamily="50" charset="-127"/>
+                        <a:ea typeface="CookieRun Regular" panose="020B0600000101010101" pitchFamily="50" charset="-127"/>
+                      </a:endParaRPr>
+                    </a:p>
+                  </a:txBody>
+                  <a:tcPr/>
+                </a:tc>
+                <a:tc>
+                  <a:txBody>
+                    <a:bodyPr/>
+                    <a:lstStyle/>
+                    <a:p>
+                      <a:pPr algn="ctr" latinLnBrk="1"/>
+                      <a:r>
+                        <a:rPr lang="en-US" altLang="ko-KR" sz="2000" dirty="0">
+                          <a:latin typeface="CookieRun Regular" panose="020B0600000101010101" pitchFamily="50" charset="-127"/>
+                          <a:ea typeface="CookieRun Regular" panose="020B0600000101010101" pitchFamily="50" charset="-127"/>
+                        </a:rPr>
+                        <a:t>-1</a:t>
+                      </a:r>
+                      <a:endParaRPr lang="ko-KR" altLang="en-US" sz="2000" dirty="0">
+                        <a:latin typeface="CookieRun Regular" panose="020B0600000101010101" pitchFamily="50" charset="-127"/>
+                        <a:ea typeface="CookieRun Regular" panose="020B0600000101010101" pitchFamily="50" charset="-127"/>
+                      </a:endParaRPr>
+                    </a:p>
+                  </a:txBody>
+                  <a:tcPr/>
+                </a:tc>
+                <a:extLst>
+                  <a:ext uri="{0D108BD9-81ED-4DB2-BD59-A6C34878D82A}">
+                    <a16:rowId xmlns:a16="http://schemas.microsoft.com/office/drawing/2014/main" val="3618214638"/>
+                  </a:ext>
+                </a:extLst>
+              </a:tr>
+              <a:tr h="370840">
+                <a:tc>
+                  <a:txBody>
+                    <a:bodyPr/>
+                    <a:lstStyle/>
+                    <a:p>
+                      <a:pPr algn="ctr" latinLnBrk="1"/>
+                      <a:r>
+                        <a:rPr lang="en-US" altLang="ko-KR" sz="2000" dirty="0">
+                          <a:latin typeface="CookieRun Regular" panose="020B0600000101010101" pitchFamily="50" charset="-127"/>
+                          <a:ea typeface="CookieRun Regular" panose="020B0600000101010101" pitchFamily="50" charset="-127"/>
+                        </a:rPr>
+                        <a:t>4</a:t>
+                      </a:r>
+                    </a:p>
+                  </a:txBody>
+                  <a:tcPr/>
+                </a:tc>
+                <a:tc>
+                  <a:txBody>
+                    <a:bodyPr/>
+                    <a:lstStyle/>
+                    <a:p>
+                      <a:pPr algn="ctr" latinLnBrk="1"/>
+                      <a:r>
+                        <a:rPr lang="en-US" altLang="ko-KR" sz="2000" dirty="0">
+                          <a:latin typeface="CookieRun Regular" panose="020B0600000101010101" pitchFamily="50" charset="-127"/>
+                          <a:ea typeface="CookieRun Regular" panose="020B0600000101010101" pitchFamily="50" charset="-127"/>
+                        </a:rPr>
+                        <a:t>Hello,</a:t>
+                      </a:r>
+                      <a:endParaRPr lang="ko-KR" altLang="en-US" sz="2000" dirty="0">
+                        <a:latin typeface="CookieRun Regular" panose="020B0600000101010101" pitchFamily="50" charset="-127"/>
+                        <a:ea typeface="CookieRun Regular" panose="020B0600000101010101" pitchFamily="50" charset="-127"/>
+                      </a:endParaRPr>
+                    </a:p>
+                  </a:txBody>
+                  <a:tcPr/>
+                </a:tc>
+                <a:tc>
+                  <a:txBody>
+                    <a:bodyPr/>
+                    <a:lstStyle/>
+                    <a:p>
+                      <a:pPr algn="ctr" latinLnBrk="1"/>
+                      <a:r>
+                        <a:rPr lang="en-US" altLang="ko-KR" sz="2000" dirty="0">
+                          <a:latin typeface="CookieRun Regular" panose="020B0600000101010101" pitchFamily="50" charset="-127"/>
+                          <a:ea typeface="CookieRun Regular" panose="020B0600000101010101" pitchFamily="50" charset="-127"/>
+                        </a:rPr>
+                        <a:t>95</a:t>
+                      </a:r>
+                      <a:endParaRPr lang="ko-KR" altLang="en-US" sz="2000" dirty="0">
+                        <a:latin typeface="CookieRun Regular" panose="020B0600000101010101" pitchFamily="50" charset="-127"/>
+                        <a:ea typeface="CookieRun Regular" panose="020B0600000101010101" pitchFamily="50" charset="-127"/>
+                      </a:endParaRPr>
+                    </a:p>
+                  </a:txBody>
+                  <a:tcPr/>
+                </a:tc>
+                <a:extLst>
+                  <a:ext uri="{0D108BD9-81ED-4DB2-BD59-A6C34878D82A}">
+                    <a16:rowId xmlns:a16="http://schemas.microsoft.com/office/drawing/2014/main" val="399424880"/>
+                  </a:ext>
+                </a:extLst>
+              </a:tr>
+              <a:tr h="370840">
+                <a:tc>
+                  <a:txBody>
+                    <a:bodyPr/>
+                    <a:lstStyle/>
+                    <a:p>
+                      <a:pPr algn="ctr" latinLnBrk="1"/>
+                      <a:r>
+                        <a:rPr lang="en-US" altLang="ko-KR" sz="2000" dirty="0">
+                          <a:latin typeface="CookieRun Regular" panose="020B0600000101010101" pitchFamily="50" charset="-127"/>
+                          <a:ea typeface="CookieRun Regular" panose="020B0600000101010101" pitchFamily="50" charset="-127"/>
+                        </a:rPr>
+                        <a:t>5</a:t>
+                      </a:r>
+                      <a:endParaRPr lang="ko-KR" altLang="en-US" sz="2000" dirty="0">
+                        <a:latin typeface="CookieRun Regular" panose="020B0600000101010101" pitchFamily="50" charset="-127"/>
+                        <a:ea typeface="CookieRun Regular" panose="020B0600000101010101" pitchFamily="50" charset="-127"/>
+                      </a:endParaRPr>
+                    </a:p>
+                  </a:txBody>
+                  <a:tcPr/>
+                </a:tc>
+                <a:tc>
+                  <a:txBody>
+                    <a:bodyPr/>
+                    <a:lstStyle/>
+                    <a:p>
+                      <a:pPr algn="ctr" latinLnBrk="1"/>
+                      <a:r>
+                        <a:rPr lang="en-US" altLang="ko-KR" sz="2000" dirty="0">
+                          <a:latin typeface="CookieRun Regular" panose="020B0600000101010101" pitchFamily="50" charset="-127"/>
+                          <a:ea typeface="CookieRun Regular" panose="020B0600000101010101" pitchFamily="50" charset="-127"/>
+                        </a:rPr>
+                        <a:t>How</a:t>
+                      </a:r>
+                      <a:endParaRPr lang="ko-KR" altLang="en-US" sz="2000" dirty="0">
+                        <a:latin typeface="CookieRun Regular" panose="020B0600000101010101" pitchFamily="50" charset="-127"/>
+                        <a:ea typeface="CookieRun Regular" panose="020B0600000101010101" pitchFamily="50" charset="-127"/>
+                      </a:endParaRPr>
+                    </a:p>
+                  </a:txBody>
+                  <a:tcPr/>
+                </a:tc>
+                <a:tc>
+                  <a:txBody>
+                    <a:bodyPr/>
+                    <a:lstStyle/>
+                    <a:p>
+                      <a:pPr algn="ctr" latinLnBrk="1"/>
+                      <a:r>
+                        <a:rPr lang="en-US" altLang="ko-KR" sz="2000" dirty="0">
+                          <a:latin typeface="CookieRun Regular" panose="020B0600000101010101" pitchFamily="50" charset="-127"/>
+                          <a:ea typeface="CookieRun Regular" panose="020B0600000101010101" pitchFamily="50" charset="-127"/>
+                        </a:rPr>
+                        <a:t>96</a:t>
+                      </a:r>
+                      <a:endParaRPr lang="ko-KR" altLang="en-US" sz="2000" dirty="0">
+                        <a:latin typeface="CookieRun Regular" panose="020B0600000101010101" pitchFamily="50" charset="-127"/>
+                        <a:ea typeface="CookieRun Regular" panose="020B0600000101010101" pitchFamily="50" charset="-127"/>
+                      </a:endParaRPr>
+                    </a:p>
+                  </a:txBody>
+                  <a:tcPr/>
+                </a:tc>
+                <a:extLst>
+                  <a:ext uri="{0D108BD9-81ED-4DB2-BD59-A6C34878D82A}">
+                    <a16:rowId xmlns:a16="http://schemas.microsoft.com/office/drawing/2014/main" val="2525857998"/>
+                  </a:ext>
+                </a:extLst>
+              </a:tr>
+              <a:tr h="370840">
+                <a:tc>
+                  <a:txBody>
+                    <a:bodyPr/>
+                    <a:lstStyle/>
+                    <a:p>
+                      <a:pPr algn="ctr" latinLnBrk="1"/>
+                      <a:r>
+                        <a:rPr lang="en-US" altLang="ko-KR" sz="2000" dirty="0">
+                          <a:latin typeface="CookieRun Regular" panose="020B0600000101010101" pitchFamily="50" charset="-127"/>
+                          <a:ea typeface="CookieRun Regular" panose="020B0600000101010101" pitchFamily="50" charset="-127"/>
+                        </a:rPr>
+                        <a:t>6</a:t>
+                      </a:r>
+                      <a:endParaRPr lang="ko-KR" altLang="en-US" sz="2000" dirty="0">
+                        <a:latin typeface="CookieRun Regular" panose="020B0600000101010101" pitchFamily="50" charset="-127"/>
+                        <a:ea typeface="CookieRun Regular" panose="020B0600000101010101" pitchFamily="50" charset="-127"/>
+                      </a:endParaRPr>
+                    </a:p>
+                  </a:txBody>
+                  <a:tcPr/>
+                </a:tc>
+                <a:tc>
+                  <a:txBody>
+                    <a:bodyPr/>
+                    <a:lstStyle/>
+                    <a:p>
+                      <a:pPr algn="ctr" latinLnBrk="1"/>
+                      <a:r>
+                        <a:rPr lang="en-US" altLang="ko-KR" sz="2000" dirty="0">
+                          <a:latin typeface="CookieRun Regular" panose="020B0600000101010101" pitchFamily="50" charset="-127"/>
+                          <a:ea typeface="CookieRun Regular" panose="020B0600000101010101" pitchFamily="50" charset="-127"/>
+                        </a:rPr>
+                        <a:t>are</a:t>
+                      </a:r>
+                      <a:endParaRPr lang="ko-KR" altLang="en-US" sz="2000" dirty="0">
+                        <a:latin typeface="CookieRun Regular" panose="020B0600000101010101" pitchFamily="50" charset="-127"/>
+                        <a:ea typeface="CookieRun Regular" panose="020B0600000101010101" pitchFamily="50" charset="-127"/>
+                      </a:endParaRPr>
+                    </a:p>
+                  </a:txBody>
+                  <a:tcPr/>
+                </a:tc>
+                <a:tc>
+                  <a:txBody>
+                    <a:bodyPr/>
+                    <a:lstStyle/>
+                    <a:p>
+                      <a:pPr algn="ctr" latinLnBrk="1"/>
+                      <a:r>
+                        <a:rPr lang="en-US" altLang="ko-KR" sz="2000" dirty="0">
+                          <a:latin typeface="CookieRun Regular" panose="020B0600000101010101" pitchFamily="50" charset="-127"/>
+                          <a:ea typeface="CookieRun Regular" panose="020B0600000101010101" pitchFamily="50" charset="-127"/>
+                        </a:rPr>
+                        <a:t>96</a:t>
+                      </a:r>
+                      <a:endParaRPr lang="ko-KR" altLang="en-US" sz="2000" dirty="0">
+                        <a:latin typeface="CookieRun Regular" panose="020B0600000101010101" pitchFamily="50" charset="-127"/>
+                        <a:ea typeface="CookieRun Regular" panose="020B0600000101010101" pitchFamily="50" charset="-127"/>
+                      </a:endParaRPr>
+                    </a:p>
+                  </a:txBody>
+                  <a:tcPr/>
+                </a:tc>
+                <a:extLst>
+                  <a:ext uri="{0D108BD9-81ED-4DB2-BD59-A6C34878D82A}">
+                    <a16:rowId xmlns:a16="http://schemas.microsoft.com/office/drawing/2014/main" val="3381322668"/>
+                  </a:ext>
+                </a:extLst>
+              </a:tr>
+              <a:tr h="370840">
+                <a:tc>
+                  <a:txBody>
+                    <a:bodyPr/>
+                    <a:lstStyle/>
+                    <a:p>
+                      <a:pPr algn="ctr" latinLnBrk="1"/>
+                      <a:r>
+                        <a:rPr lang="en-US" altLang="ko-KR" sz="2000" dirty="0">
+                          <a:latin typeface="CookieRun Regular" panose="020B0600000101010101" pitchFamily="50" charset="-127"/>
+                          <a:ea typeface="CookieRun Regular" panose="020B0600000101010101" pitchFamily="50" charset="-127"/>
+                        </a:rPr>
+                        <a:t>7</a:t>
+                      </a:r>
+                      <a:endParaRPr lang="ko-KR" altLang="en-US" sz="2000" dirty="0">
+                        <a:latin typeface="CookieRun Regular" panose="020B0600000101010101" pitchFamily="50" charset="-127"/>
+                        <a:ea typeface="CookieRun Regular" panose="020B0600000101010101" pitchFamily="50" charset="-127"/>
+                      </a:endParaRPr>
+                    </a:p>
+                  </a:txBody>
+                  <a:tcPr/>
+                </a:tc>
+                <a:tc>
+                  <a:txBody>
+                    <a:bodyPr/>
+                    <a:lstStyle/>
+                    <a:p>
+                      <a:pPr algn="ctr" latinLnBrk="1"/>
+                      <a:r>
+                        <a:rPr lang="en-US" altLang="ko-KR" sz="2000" dirty="0">
+                          <a:latin typeface="CookieRun Regular" panose="020B0600000101010101" pitchFamily="50" charset="-127"/>
+                          <a:ea typeface="CookieRun Regular" panose="020B0600000101010101" pitchFamily="50" charset="-127"/>
+                        </a:rPr>
+                        <a:t>you</a:t>
+                      </a:r>
+                      <a:endParaRPr lang="ko-KR" altLang="en-US" sz="2000" dirty="0">
+                        <a:latin typeface="CookieRun Regular" panose="020B0600000101010101" pitchFamily="50" charset="-127"/>
+                        <a:ea typeface="CookieRun Regular" panose="020B0600000101010101" pitchFamily="50" charset="-127"/>
+                      </a:endParaRPr>
+                    </a:p>
+                  </a:txBody>
+                  <a:tcPr/>
+                </a:tc>
+                <a:tc>
+                  <a:txBody>
+                    <a:bodyPr/>
+                    <a:lstStyle/>
+                    <a:p>
+                      <a:pPr algn="ctr" latinLnBrk="1"/>
+                      <a:r>
+                        <a:rPr lang="en-US" altLang="ko-KR" sz="2000" dirty="0">
+                          <a:latin typeface="CookieRun Regular" panose="020B0600000101010101" pitchFamily="50" charset="-127"/>
+                          <a:ea typeface="CookieRun Regular" panose="020B0600000101010101" pitchFamily="50" charset="-127"/>
+                        </a:rPr>
+                        <a:t>96</a:t>
+                      </a:r>
+                      <a:endParaRPr lang="ko-KR" altLang="en-US" sz="2000" dirty="0">
+                        <a:latin typeface="CookieRun Regular" panose="020B0600000101010101" pitchFamily="50" charset="-127"/>
+                        <a:ea typeface="CookieRun Regular" panose="020B0600000101010101" pitchFamily="50" charset="-127"/>
+                      </a:endParaRPr>
+                    </a:p>
+                  </a:txBody>
+                  <a:tcPr/>
+                </a:tc>
+                <a:extLst>
+                  <a:ext uri="{0D108BD9-81ED-4DB2-BD59-A6C34878D82A}">
+                    <a16:rowId xmlns:a16="http://schemas.microsoft.com/office/drawing/2014/main" val="872466425"/>
+                  </a:ext>
+                </a:extLst>
+              </a:tr>
+              <a:tr h="370840">
+                <a:tc>
+                  <a:txBody>
+                    <a:bodyPr/>
+                    <a:lstStyle/>
+                    <a:p>
+                      <a:pPr algn="ctr" latinLnBrk="1"/>
+                      <a:r>
+                        <a:rPr lang="en-US" altLang="ko-KR" sz="2000" dirty="0">
+                          <a:latin typeface="CookieRun Regular" panose="020B0600000101010101" pitchFamily="50" charset="-127"/>
+                          <a:ea typeface="CookieRun Regular" panose="020B0600000101010101" pitchFamily="50" charset="-127"/>
+                        </a:rPr>
+                        <a:t>8</a:t>
+                      </a:r>
+                      <a:endParaRPr lang="ko-KR" altLang="en-US" sz="2000" dirty="0">
+                        <a:latin typeface="CookieRun Regular" panose="020B0600000101010101" pitchFamily="50" charset="-127"/>
+                        <a:ea typeface="CookieRun Regular" panose="020B0600000101010101" pitchFamily="50" charset="-127"/>
+                      </a:endParaRPr>
+                    </a:p>
+                  </a:txBody>
+                  <a:tcPr/>
+                </a:tc>
+                <a:tc>
+                  <a:txBody>
+                    <a:bodyPr/>
+                    <a:lstStyle/>
+                    <a:p>
+                      <a:pPr algn="ctr" latinLnBrk="1"/>
+                      <a:r>
+                        <a:rPr lang="en-US" altLang="ko-KR" sz="2000" dirty="0">
+                          <a:latin typeface="CookieRun Regular" panose="020B0600000101010101" pitchFamily="50" charset="-127"/>
+                          <a:ea typeface="CookieRun Regular" panose="020B0600000101010101" pitchFamily="50" charset="-127"/>
+                        </a:rPr>
+                        <a:t>today?</a:t>
+                      </a:r>
+                      <a:endParaRPr lang="ko-KR" altLang="en-US" sz="2000" dirty="0">
+                        <a:latin typeface="CookieRun Regular" panose="020B0600000101010101" pitchFamily="50" charset="-127"/>
+                        <a:ea typeface="CookieRun Regular" panose="020B0600000101010101" pitchFamily="50" charset="-127"/>
+                      </a:endParaRPr>
+                    </a:p>
+                  </a:txBody>
+                  <a:tcPr/>
+                </a:tc>
+                <a:tc>
+                  <a:txBody>
+                    <a:bodyPr/>
+                    <a:lstStyle/>
+                    <a:p>
+                      <a:pPr algn="ctr" latinLnBrk="1"/>
+                      <a:r>
+                        <a:rPr lang="en-US" altLang="ko-KR" sz="2000" dirty="0">
+                          <a:latin typeface="CookieRun Regular" panose="020B0600000101010101" pitchFamily="50" charset="-127"/>
+                          <a:ea typeface="CookieRun Regular" panose="020B0600000101010101" pitchFamily="50" charset="-127"/>
+                        </a:rPr>
+                        <a:t>96</a:t>
+                      </a:r>
+                      <a:endParaRPr lang="ko-KR" altLang="en-US" sz="2000" dirty="0">
+                        <a:latin typeface="CookieRun Regular" panose="020B0600000101010101" pitchFamily="50" charset="-127"/>
+                        <a:ea typeface="CookieRun Regular" panose="020B0600000101010101" pitchFamily="50" charset="-127"/>
+                      </a:endParaRPr>
+                    </a:p>
+                  </a:txBody>
+                  <a:tcPr/>
+                </a:tc>
+                <a:extLst>
+                  <a:ext uri="{0D108BD9-81ED-4DB2-BD59-A6C34878D82A}">
+                    <a16:rowId xmlns:a16="http://schemas.microsoft.com/office/drawing/2014/main" val="2566976618"/>
+                  </a:ext>
+                </a:extLst>
+              </a:tr>
+              <a:tr h="370840">
+                <a:tc>
+                  <a:txBody>
+                    <a:bodyPr/>
+                    <a:lstStyle/>
+                    <a:p>
+                      <a:pPr algn="ctr" latinLnBrk="1"/>
+                      <a:r>
+                        <a:rPr lang="en-US" altLang="ko-KR" sz="2000" dirty="0">
+                          <a:latin typeface="CookieRun Regular" panose="020B0600000101010101" pitchFamily="50" charset="-127"/>
+                          <a:ea typeface="CookieRun Regular" panose="020B0600000101010101" pitchFamily="50" charset="-127"/>
+                        </a:rPr>
+                        <a:t>9</a:t>
+                      </a:r>
+                      <a:endParaRPr lang="ko-KR" altLang="en-US" sz="2000" dirty="0">
+                        <a:latin typeface="CookieRun Regular" panose="020B0600000101010101" pitchFamily="50" charset="-127"/>
+                        <a:ea typeface="CookieRun Regular" panose="020B0600000101010101" pitchFamily="50" charset="-127"/>
+                      </a:endParaRPr>
+                    </a:p>
+                  </a:txBody>
+                  <a:tcPr/>
+                </a:tc>
+                <a:tc>
+                  <a:txBody>
+                    <a:bodyPr/>
+                    <a:lstStyle/>
+                    <a:p>
+                      <a:pPr algn="ctr" latinLnBrk="1"/>
+                      <a:endParaRPr lang="ko-KR" altLang="en-US" sz="2000" dirty="0">
+                        <a:latin typeface="CookieRun Regular" panose="020B0600000101010101" pitchFamily="50" charset="-127"/>
+                        <a:ea typeface="CookieRun Regular" panose="020B0600000101010101" pitchFamily="50" charset="-127"/>
+                      </a:endParaRPr>
+                    </a:p>
+                  </a:txBody>
+                  <a:tcPr/>
+                </a:tc>
+                <a:tc>
+                  <a:txBody>
+                    <a:bodyPr/>
+                    <a:lstStyle/>
+                    <a:p>
+                      <a:pPr algn="ctr" latinLnBrk="1"/>
+                      <a:r>
+                        <a:rPr lang="en-US" altLang="ko-KR" sz="2000" dirty="0">
+                          <a:latin typeface="CookieRun Regular" panose="020B0600000101010101" pitchFamily="50" charset="-127"/>
+                          <a:ea typeface="CookieRun Regular" panose="020B0600000101010101" pitchFamily="50" charset="-127"/>
+                        </a:rPr>
+                        <a:t>-1</a:t>
+                      </a:r>
+                      <a:endParaRPr lang="ko-KR" altLang="en-US" sz="2000" dirty="0">
+                        <a:latin typeface="CookieRun Regular" panose="020B0600000101010101" pitchFamily="50" charset="-127"/>
+                        <a:ea typeface="CookieRun Regular" panose="020B0600000101010101" pitchFamily="50" charset="-127"/>
+                      </a:endParaRPr>
+                    </a:p>
+                  </a:txBody>
+                  <a:tcPr/>
+                </a:tc>
+                <a:extLst>
+                  <a:ext uri="{0D108BD9-81ED-4DB2-BD59-A6C34878D82A}">
+                    <a16:rowId xmlns:a16="http://schemas.microsoft.com/office/drawing/2014/main" val="2623417769"/>
+                  </a:ext>
+                </a:extLst>
+              </a:tr>
+              <a:tr h="370840">
+                <a:tc>
+                  <a:txBody>
+                    <a:bodyPr/>
+                    <a:lstStyle/>
+                    <a:p>
+                      <a:pPr algn="ctr" latinLnBrk="1"/>
+                      <a:r>
+                        <a:rPr lang="en-US" altLang="ko-KR" sz="2000" dirty="0">
+                          <a:latin typeface="CookieRun Regular" panose="020B0600000101010101" pitchFamily="50" charset="-127"/>
+                          <a:ea typeface="CookieRun Regular" panose="020B0600000101010101" pitchFamily="50" charset="-127"/>
+                        </a:rPr>
+                        <a:t>10</a:t>
+                      </a:r>
+                      <a:endParaRPr lang="ko-KR" altLang="en-US" sz="2000" dirty="0">
+                        <a:latin typeface="CookieRun Regular" panose="020B0600000101010101" pitchFamily="50" charset="-127"/>
+                        <a:ea typeface="CookieRun Regular" panose="020B0600000101010101" pitchFamily="50" charset="-127"/>
+                      </a:endParaRPr>
+                    </a:p>
+                  </a:txBody>
+                  <a:tcPr/>
+                </a:tc>
+                <a:tc>
+                  <a:txBody>
+                    <a:bodyPr/>
+                    <a:lstStyle/>
+                    <a:p>
+                      <a:pPr algn="ctr" latinLnBrk="1"/>
+                      <a:endParaRPr lang="ko-KR" altLang="en-US" sz="2000" dirty="0">
+                        <a:latin typeface="CookieRun Regular" panose="020B0600000101010101" pitchFamily="50" charset="-127"/>
+                        <a:ea typeface="CookieRun Regular" panose="020B0600000101010101" pitchFamily="50" charset="-127"/>
+                      </a:endParaRPr>
+                    </a:p>
+                  </a:txBody>
+                  <a:tcPr/>
+                </a:tc>
+                <a:tc>
+                  <a:txBody>
+                    <a:bodyPr/>
+                    <a:lstStyle/>
+                    <a:p>
+                      <a:pPr algn="ctr" latinLnBrk="1"/>
+                      <a:r>
+                        <a:rPr lang="en-US" altLang="ko-KR" sz="2000" dirty="0">
+                          <a:latin typeface="CookieRun Regular" panose="020B0600000101010101" pitchFamily="50" charset="-127"/>
+                          <a:ea typeface="CookieRun Regular" panose="020B0600000101010101" pitchFamily="50" charset="-127"/>
+                        </a:rPr>
+                        <a:t>-1</a:t>
+                      </a:r>
+                      <a:endParaRPr lang="ko-KR" altLang="en-US" sz="2000" dirty="0">
+                        <a:latin typeface="CookieRun Regular" panose="020B0600000101010101" pitchFamily="50" charset="-127"/>
+                        <a:ea typeface="CookieRun Regular" panose="020B0600000101010101" pitchFamily="50" charset="-127"/>
+                      </a:endParaRPr>
+                    </a:p>
+                  </a:txBody>
+                  <a:tcPr/>
+                </a:tc>
+                <a:extLst>
+                  <a:ext uri="{0D108BD9-81ED-4DB2-BD59-A6C34878D82A}">
+                    <a16:rowId xmlns:a16="http://schemas.microsoft.com/office/drawing/2014/main" val="4067975712"/>
+                  </a:ext>
+                </a:extLst>
+              </a:tr>
+              <a:tr h="370840">
+                <a:tc>
+                  <a:txBody>
+                    <a:bodyPr/>
+                    <a:lstStyle/>
+                    <a:p>
+                      <a:pPr algn="ctr" latinLnBrk="1"/>
+                      <a:r>
+                        <a:rPr lang="en-US" altLang="ko-KR" sz="2000" dirty="0">
+                          <a:latin typeface="CookieRun Regular" panose="020B0600000101010101" pitchFamily="50" charset="-127"/>
+                          <a:ea typeface="CookieRun Regular" panose="020B0600000101010101" pitchFamily="50" charset="-127"/>
+                        </a:rPr>
+                        <a:t>11</a:t>
+                      </a:r>
+                      <a:endParaRPr lang="ko-KR" altLang="en-US" sz="2000" dirty="0">
+                        <a:latin typeface="CookieRun Regular" panose="020B0600000101010101" pitchFamily="50" charset="-127"/>
+                        <a:ea typeface="CookieRun Regular" panose="020B0600000101010101" pitchFamily="50" charset="-127"/>
+                      </a:endParaRPr>
+                    </a:p>
+                  </a:txBody>
+                  <a:tcPr/>
+                </a:tc>
+                <a:tc>
+                  <a:txBody>
+                    <a:bodyPr/>
+                    <a:lstStyle/>
+                    <a:p>
+                      <a:pPr algn="ctr" latinLnBrk="1"/>
+                      <a:endParaRPr lang="ko-KR" altLang="en-US" sz="2000" dirty="0">
+                        <a:latin typeface="CookieRun Regular" panose="020B0600000101010101" pitchFamily="50" charset="-127"/>
+                        <a:ea typeface="CookieRun Regular" panose="020B0600000101010101" pitchFamily="50" charset="-127"/>
+                      </a:endParaRPr>
+                    </a:p>
+                  </a:txBody>
+                  <a:tcPr/>
+                </a:tc>
+                <a:tc>
+                  <a:txBody>
+                    <a:bodyPr/>
+                    <a:lstStyle/>
+                    <a:p>
+                      <a:pPr algn="ctr" latinLnBrk="1"/>
+                      <a:r>
+                        <a:rPr lang="en-US" altLang="ko-KR" sz="2000" dirty="0">
+                          <a:latin typeface="CookieRun Regular" panose="020B0600000101010101" pitchFamily="50" charset="-127"/>
+                          <a:ea typeface="CookieRun Regular" panose="020B0600000101010101" pitchFamily="50" charset="-127"/>
+                        </a:rPr>
+                        <a:t>-1</a:t>
+                      </a:r>
+                      <a:endParaRPr lang="ko-KR" altLang="en-US" sz="2000" dirty="0">
+                        <a:latin typeface="CookieRun Regular" panose="020B0600000101010101" pitchFamily="50" charset="-127"/>
+                        <a:ea typeface="CookieRun Regular" panose="020B0600000101010101" pitchFamily="50" charset="-127"/>
+                      </a:endParaRPr>
+                    </a:p>
+                  </a:txBody>
+                  <a:tcPr/>
+                </a:tc>
+                <a:extLst>
+                  <a:ext uri="{0D108BD9-81ED-4DB2-BD59-A6C34878D82A}">
+                    <a16:rowId xmlns:a16="http://schemas.microsoft.com/office/drawing/2014/main" val="3997706128"/>
+                  </a:ext>
+                </a:extLst>
+              </a:tr>
+              <a:tr h="370840">
+                <a:tc>
+                  <a:txBody>
+                    <a:bodyPr/>
+                    <a:lstStyle/>
+                    <a:p>
+                      <a:pPr algn="ctr" latinLnBrk="1"/>
+                      <a:r>
+                        <a:rPr lang="en-US" altLang="ko-KR" sz="2000" dirty="0">
+                          <a:latin typeface="CookieRun Regular" panose="020B0600000101010101" pitchFamily="50" charset="-127"/>
+                          <a:ea typeface="CookieRun Regular" panose="020B0600000101010101" pitchFamily="50" charset="-127"/>
+                        </a:rPr>
+                        <a:t>12</a:t>
+                      </a:r>
+                      <a:endParaRPr lang="ko-KR" altLang="en-US" sz="2000" dirty="0">
+                        <a:latin typeface="CookieRun Regular" panose="020B0600000101010101" pitchFamily="50" charset="-127"/>
+                        <a:ea typeface="CookieRun Regular" panose="020B0600000101010101" pitchFamily="50" charset="-127"/>
+                      </a:endParaRPr>
+                    </a:p>
+                  </a:txBody>
+                  <a:tcPr/>
+                </a:tc>
+                <a:tc>
+                  <a:txBody>
+                    <a:bodyPr/>
+                    <a:lstStyle/>
+                    <a:p>
+                      <a:pPr algn="ctr" latinLnBrk="1"/>
+                      <a:r>
+                        <a:rPr lang="en-US" altLang="ko-KR" sz="2000" dirty="0">
+                          <a:latin typeface="CookieRun Regular" panose="020B0600000101010101" pitchFamily="50" charset="-127"/>
+                          <a:ea typeface="CookieRun Regular" panose="020B0600000101010101" pitchFamily="50" charset="-127"/>
+                        </a:rPr>
+                        <a:t>I’m</a:t>
+                      </a:r>
+                      <a:endParaRPr lang="ko-KR" altLang="en-US" sz="2000" dirty="0">
+                        <a:latin typeface="CookieRun Regular" panose="020B0600000101010101" pitchFamily="50" charset="-127"/>
+                        <a:ea typeface="CookieRun Regular" panose="020B0600000101010101" pitchFamily="50" charset="-127"/>
+                      </a:endParaRPr>
+                    </a:p>
+                  </a:txBody>
+                  <a:tcPr/>
+                </a:tc>
+                <a:tc>
+                  <a:txBody>
+                    <a:bodyPr/>
+                    <a:lstStyle/>
+                    <a:p>
+                      <a:pPr algn="ctr" latinLnBrk="1"/>
+                      <a:r>
+                        <a:rPr lang="en-US" altLang="ko-KR" sz="2000" dirty="0">
+                          <a:latin typeface="CookieRun Regular" panose="020B0600000101010101" pitchFamily="50" charset="-127"/>
+                          <a:ea typeface="CookieRun Regular" panose="020B0600000101010101" pitchFamily="50" charset="-127"/>
+                        </a:rPr>
+                        <a:t>84</a:t>
+                      </a:r>
+                      <a:endParaRPr lang="ko-KR" altLang="en-US" sz="2000" dirty="0">
+                        <a:latin typeface="CookieRun Regular" panose="020B0600000101010101" pitchFamily="50" charset="-127"/>
+                        <a:ea typeface="CookieRun Regular" panose="020B0600000101010101" pitchFamily="50" charset="-127"/>
+                      </a:endParaRPr>
+                    </a:p>
+                  </a:txBody>
+                  <a:tcPr/>
+                </a:tc>
+                <a:extLst>
+                  <a:ext uri="{0D108BD9-81ED-4DB2-BD59-A6C34878D82A}">
+                    <a16:rowId xmlns:a16="http://schemas.microsoft.com/office/drawing/2014/main" val="4072392319"/>
+                  </a:ext>
+                </a:extLst>
+              </a:tr>
+              <a:tr h="370840">
+                <a:tc>
+                  <a:txBody>
+                    <a:bodyPr/>
+                    <a:lstStyle/>
+                    <a:p>
+                      <a:pPr algn="ctr" latinLnBrk="1"/>
+                      <a:r>
+                        <a:rPr lang="en-US" altLang="ko-KR" sz="2000" dirty="0">
+                          <a:latin typeface="CookieRun Regular" panose="020B0600000101010101" pitchFamily="50" charset="-127"/>
+                          <a:ea typeface="CookieRun Regular" panose="020B0600000101010101" pitchFamily="50" charset="-127"/>
+                        </a:rPr>
+                        <a:t>13</a:t>
+                      </a:r>
+                      <a:endParaRPr lang="ko-KR" altLang="en-US" sz="2000" dirty="0">
+                        <a:latin typeface="CookieRun Regular" panose="020B0600000101010101" pitchFamily="50" charset="-127"/>
+                        <a:ea typeface="CookieRun Regular" panose="020B0600000101010101" pitchFamily="50" charset="-127"/>
+                      </a:endParaRPr>
+                    </a:p>
+                  </a:txBody>
+                  <a:tcPr/>
+                </a:tc>
+                <a:tc>
+                  <a:txBody>
+                    <a:bodyPr/>
+                    <a:lstStyle/>
+                    <a:p>
+                      <a:pPr algn="ctr" latinLnBrk="1"/>
+                      <a:r>
+                        <a:rPr lang="en-US" altLang="ko-KR" sz="2000" dirty="0">
+                          <a:latin typeface="CookieRun Regular" panose="020B0600000101010101" pitchFamily="50" charset="-127"/>
+                          <a:ea typeface="CookieRun Regular" panose="020B0600000101010101" pitchFamily="50" charset="-127"/>
+                        </a:rPr>
+                        <a:t>fine</a:t>
+                      </a:r>
+                      <a:endParaRPr lang="ko-KR" altLang="en-US" sz="2000" dirty="0">
+                        <a:latin typeface="CookieRun Regular" panose="020B0600000101010101" pitchFamily="50" charset="-127"/>
+                        <a:ea typeface="CookieRun Regular" panose="020B0600000101010101" pitchFamily="50" charset="-127"/>
+                      </a:endParaRPr>
+                    </a:p>
+                  </a:txBody>
+                  <a:tcPr/>
+                </a:tc>
+                <a:tc>
+                  <a:txBody>
+                    <a:bodyPr/>
+                    <a:lstStyle/>
+                    <a:p>
+                      <a:pPr algn="ctr" latinLnBrk="1"/>
+                      <a:r>
+                        <a:rPr lang="en-US" altLang="ko-KR" sz="2000" dirty="0">
+                          <a:latin typeface="CookieRun Regular" panose="020B0600000101010101" pitchFamily="50" charset="-127"/>
+                          <a:ea typeface="CookieRun Regular" panose="020B0600000101010101" pitchFamily="50" charset="-127"/>
+                        </a:rPr>
+                        <a:t>92</a:t>
+                      </a:r>
+                      <a:endParaRPr lang="ko-KR" altLang="en-US" sz="2000" dirty="0">
+                        <a:latin typeface="CookieRun Regular" panose="020B0600000101010101" pitchFamily="50" charset="-127"/>
+                        <a:ea typeface="CookieRun Regular" panose="020B0600000101010101" pitchFamily="50" charset="-127"/>
+                      </a:endParaRPr>
+                    </a:p>
+                  </a:txBody>
+                  <a:tcPr/>
+                </a:tc>
+                <a:extLst>
+                  <a:ext uri="{0D108BD9-81ED-4DB2-BD59-A6C34878D82A}">
+                    <a16:rowId xmlns:a16="http://schemas.microsoft.com/office/drawing/2014/main" val="3853792178"/>
+                  </a:ext>
+                </a:extLst>
+              </a:tr>
+              <a:tr h="370840">
+                <a:tc>
+                  <a:txBody>
+                    <a:bodyPr/>
+                    <a:lstStyle/>
+                    <a:p>
+                      <a:pPr algn="ctr" latinLnBrk="1"/>
+                      <a:r>
+                        <a:rPr lang="en-US" altLang="ko-KR" sz="2000" dirty="0">
+                          <a:latin typeface="CookieRun Regular" panose="020B0600000101010101" pitchFamily="50" charset="-127"/>
+                          <a:ea typeface="CookieRun Regular" panose="020B0600000101010101" pitchFamily="50" charset="-127"/>
+                        </a:rPr>
+                        <a:t>14</a:t>
+                      </a:r>
+                      <a:endParaRPr lang="ko-KR" altLang="en-US" sz="2000" dirty="0">
+                        <a:latin typeface="CookieRun Regular" panose="020B0600000101010101" pitchFamily="50" charset="-127"/>
+                        <a:ea typeface="CookieRun Regular" panose="020B0600000101010101" pitchFamily="50" charset="-127"/>
+                      </a:endParaRPr>
+                    </a:p>
+                  </a:txBody>
+                  <a:tcPr/>
+                </a:tc>
+                <a:tc>
+                  <a:txBody>
+                    <a:bodyPr/>
+                    <a:lstStyle/>
+                    <a:p>
+                      <a:pPr algn="ctr" latinLnBrk="1"/>
+                      <a:r>
+                        <a:rPr lang="en-US" altLang="ko-KR" sz="2000" dirty="0" err="1">
+                          <a:latin typeface="CookieRun Regular" panose="020B0600000101010101" pitchFamily="50" charset="-127"/>
+                          <a:ea typeface="CookieRun Regular" panose="020B0600000101010101" pitchFamily="50" charset="-127"/>
+                        </a:rPr>
+                        <a:t>thanky</a:t>
+                      </a:r>
+                      <a:endParaRPr lang="ko-KR" altLang="en-US" sz="2000" dirty="0">
+                        <a:latin typeface="CookieRun Regular" panose="020B0600000101010101" pitchFamily="50" charset="-127"/>
+                        <a:ea typeface="CookieRun Regular" panose="020B0600000101010101" pitchFamily="50" charset="-127"/>
+                      </a:endParaRPr>
+                    </a:p>
+                  </a:txBody>
+                  <a:tcPr/>
+                </a:tc>
+                <a:tc>
+                  <a:txBody>
+                    <a:bodyPr/>
+                    <a:lstStyle/>
+                    <a:p>
+                      <a:pPr algn="ctr" latinLnBrk="1"/>
+                      <a:r>
+                        <a:rPr lang="en-US" altLang="ko-KR" sz="2000" dirty="0">
+                          <a:latin typeface="CookieRun Regular" panose="020B0600000101010101" pitchFamily="50" charset="-127"/>
+                          <a:ea typeface="CookieRun Regular" panose="020B0600000101010101" pitchFamily="50" charset="-127"/>
+                        </a:rPr>
+                        <a:t>91</a:t>
+                      </a:r>
+                      <a:endParaRPr lang="ko-KR" altLang="en-US" sz="2000" dirty="0">
+                        <a:latin typeface="CookieRun Regular" panose="020B0600000101010101" pitchFamily="50" charset="-127"/>
+                        <a:ea typeface="CookieRun Regular" panose="020B0600000101010101" pitchFamily="50" charset="-127"/>
+                      </a:endParaRPr>
+                    </a:p>
+                  </a:txBody>
+                  <a:tcPr/>
+                </a:tc>
+                <a:extLst>
+                  <a:ext uri="{0D108BD9-81ED-4DB2-BD59-A6C34878D82A}">
+                    <a16:rowId xmlns:a16="http://schemas.microsoft.com/office/drawing/2014/main" val="3596910404"/>
+                  </a:ext>
+                </a:extLst>
+              </a:tr>
+              <a:tr h="370840">
+                <a:tc>
+                  <a:txBody>
+                    <a:bodyPr/>
+                    <a:lstStyle/>
+                    <a:p>
+                      <a:pPr algn="ctr" latinLnBrk="1"/>
+                      <a:r>
+                        <a:rPr lang="en-US" altLang="ko-KR" sz="2000" dirty="0">
+                          <a:latin typeface="CookieRun Regular" panose="020B0600000101010101" pitchFamily="50" charset="-127"/>
+                          <a:ea typeface="CookieRun Regular" panose="020B0600000101010101" pitchFamily="50" charset="-127"/>
+                        </a:rPr>
+                        <a:t>15</a:t>
+                      </a:r>
+                      <a:endParaRPr lang="ko-KR" altLang="en-US" sz="2000" dirty="0">
+                        <a:latin typeface="CookieRun Regular" panose="020B0600000101010101" pitchFamily="50" charset="-127"/>
+                        <a:ea typeface="CookieRun Regular" panose="020B0600000101010101" pitchFamily="50" charset="-127"/>
+                      </a:endParaRPr>
+                    </a:p>
+                  </a:txBody>
+                  <a:tcPr/>
+                </a:tc>
+                <a:tc>
+                  <a:txBody>
+                    <a:bodyPr/>
+                    <a:lstStyle/>
+                    <a:p>
+                      <a:pPr algn="ctr" latinLnBrk="1"/>
+                      <a:r>
+                        <a:rPr lang="en-US" altLang="ko-KR" sz="2000" dirty="0">
+                          <a:latin typeface="CookieRun Regular" panose="020B0600000101010101" pitchFamily="50" charset="-127"/>
+                          <a:ea typeface="CookieRun Regular" panose="020B0600000101010101" pitchFamily="50" charset="-127"/>
+                        </a:rPr>
+                        <a:t>&amp;</a:t>
+                      </a:r>
+                      <a:endParaRPr lang="ko-KR" altLang="en-US" sz="2000" dirty="0">
+                        <a:latin typeface="CookieRun Regular" panose="020B0600000101010101" pitchFamily="50" charset="-127"/>
+                        <a:ea typeface="CookieRun Regular" panose="020B0600000101010101" pitchFamily="50" charset="-127"/>
+                      </a:endParaRPr>
+                    </a:p>
+                  </a:txBody>
+                  <a:tcPr/>
+                </a:tc>
+                <a:tc>
+                  <a:txBody>
+                    <a:bodyPr/>
+                    <a:lstStyle/>
+                    <a:p>
+                      <a:pPr algn="ctr" latinLnBrk="1"/>
+                      <a:r>
+                        <a:rPr lang="en-US" altLang="ko-KR" sz="2000" dirty="0">
+                          <a:latin typeface="CookieRun Regular" panose="020B0600000101010101" pitchFamily="50" charset="-127"/>
+                          <a:ea typeface="CookieRun Regular" panose="020B0600000101010101" pitchFamily="50" charset="-127"/>
+                        </a:rPr>
+                        <a:t>93</a:t>
+                      </a:r>
+                      <a:endParaRPr lang="ko-KR" altLang="en-US" sz="2000" dirty="0">
+                        <a:latin typeface="CookieRun Regular" panose="020B0600000101010101" pitchFamily="50" charset="-127"/>
+                        <a:ea typeface="CookieRun Regular" panose="020B0600000101010101" pitchFamily="50" charset="-127"/>
+                      </a:endParaRPr>
+                    </a:p>
+                  </a:txBody>
+                  <a:tcPr/>
+                </a:tc>
+                <a:extLst>
+                  <a:ext uri="{0D108BD9-81ED-4DB2-BD59-A6C34878D82A}">
+                    <a16:rowId xmlns:a16="http://schemas.microsoft.com/office/drawing/2014/main" val="3483535529"/>
+                  </a:ext>
+                </a:extLst>
+              </a:tr>
+              <a:tr h="370840">
+                <a:tc>
+                  <a:txBody>
+                    <a:bodyPr/>
+                    <a:lstStyle/>
+                    <a:p>
+                      <a:pPr algn="ctr" latinLnBrk="1"/>
+                      <a:r>
+                        <a:rPr lang="en-US" altLang="ko-KR" sz="2000" dirty="0">
+                          <a:latin typeface="CookieRun Regular" panose="020B0600000101010101" pitchFamily="50" charset="-127"/>
+                          <a:ea typeface="CookieRun Regular" panose="020B0600000101010101" pitchFamily="50" charset="-127"/>
+                        </a:rPr>
+                        <a:t>16</a:t>
+                      </a:r>
+                      <a:endParaRPr lang="ko-KR" altLang="en-US" sz="2000" dirty="0">
+                        <a:latin typeface="CookieRun Regular" panose="020B0600000101010101" pitchFamily="50" charset="-127"/>
+                        <a:ea typeface="CookieRun Regular" panose="020B0600000101010101" pitchFamily="50" charset="-127"/>
+                      </a:endParaRPr>
+                    </a:p>
+                  </a:txBody>
+                  <a:tcPr/>
+                </a:tc>
+                <a:tc>
+                  <a:txBody>
+                    <a:bodyPr/>
+                    <a:lstStyle/>
+                    <a:p>
+                      <a:pPr algn="ctr" latinLnBrk="1"/>
+                      <a:r>
+                        <a:rPr lang="en-US" altLang="ko-KR" sz="2000" dirty="0">
+                          <a:latin typeface="CookieRun Regular" panose="020B0600000101010101" pitchFamily="50" charset="-127"/>
+                          <a:ea typeface="CookieRun Regular" panose="020B0600000101010101" pitchFamily="50" charset="-127"/>
+                        </a:rPr>
+                        <a:t>you?</a:t>
+                      </a:r>
+                      <a:endParaRPr lang="ko-KR" altLang="en-US" sz="2000" dirty="0">
+                        <a:latin typeface="CookieRun Regular" panose="020B0600000101010101" pitchFamily="50" charset="-127"/>
+                        <a:ea typeface="CookieRun Regular" panose="020B0600000101010101" pitchFamily="50" charset="-127"/>
+                      </a:endParaRPr>
+                    </a:p>
+                  </a:txBody>
+                  <a:tcPr/>
+                </a:tc>
+                <a:tc>
+                  <a:txBody>
+                    <a:bodyPr/>
+                    <a:lstStyle/>
+                    <a:p>
+                      <a:pPr algn="ctr" latinLnBrk="1"/>
+                      <a:r>
+                        <a:rPr lang="en-US" altLang="ko-KR" sz="2000" dirty="0">
+                          <a:latin typeface="CookieRun Regular" panose="020B0600000101010101" pitchFamily="50" charset="-127"/>
+                          <a:ea typeface="CookieRun Regular" panose="020B0600000101010101" pitchFamily="50" charset="-127"/>
+                        </a:rPr>
+                        <a:t>96</a:t>
+                      </a:r>
+                      <a:endParaRPr lang="ko-KR" altLang="en-US" sz="2000" dirty="0">
+                        <a:latin typeface="CookieRun Regular" panose="020B0600000101010101" pitchFamily="50" charset="-127"/>
+                        <a:ea typeface="CookieRun Regular" panose="020B0600000101010101" pitchFamily="50" charset="-127"/>
+                      </a:endParaRPr>
+                    </a:p>
+                  </a:txBody>
+                  <a:tcPr/>
+                </a:tc>
+                <a:extLst>
+                  <a:ext uri="{0D108BD9-81ED-4DB2-BD59-A6C34878D82A}">
+                    <a16:rowId xmlns:a16="http://schemas.microsoft.com/office/drawing/2014/main" val="3422269083"/>
+                  </a:ext>
+                </a:extLst>
+              </a:tr>
+            </a:tbl>
+          </a:graphicData>
+        </a:graphic>
+      </p:graphicFrame>
+      <p:sp>
+        <p:nvSpPr>
+          <p:cNvPr id="7" name="TextBox 6">
+            <a:extLst>
+              <a:ext uri="{FF2B5EF4-FFF2-40B4-BE49-F238E27FC236}">
+                <a16:creationId xmlns:a16="http://schemas.microsoft.com/office/drawing/2014/main" id="{CE936031-2EA8-4ABA-F56E-CF24E3DC182C}"/>
+              </a:ext>
+            </a:extLst>
+          </p:cNvPr>
+          <p:cNvSpPr txBox="1"/>
+          <p:nvPr/>
+        </p:nvSpPr>
+        <p:spPr>
+          <a:xfrm>
+            <a:off x="4183264" y="-1590651"/>
+            <a:ext cx="3825471" cy="923330"/>
+          </a:xfrm>
+          <a:prstGeom prst="rect">
+            <a:avLst/>
+          </a:prstGeom>
+          <a:noFill/>
+        </p:spPr>
+        <p:txBody>
+          <a:bodyPr wrap="none" rtlCol="0">
+            <a:spAutoFit/>
+          </a:bodyPr>
+          <a:lstStyle/>
+          <a:p>
+            <a:r>
+              <a:rPr lang="en-US" altLang="ko-KR" sz="5400" dirty="0">
+                <a:latin typeface="CookieRun Regular" panose="020B0600000101010101" pitchFamily="50" charset="-127"/>
+                <a:ea typeface="CookieRun Regular" panose="020B0600000101010101" pitchFamily="50" charset="-127"/>
+              </a:rPr>
+              <a:t>Test Image</a:t>
+            </a:r>
+            <a:endParaRPr lang="ko-KR" altLang="en-US" sz="5400" dirty="0">
+              <a:latin typeface="CookieRun Regular" panose="020B0600000101010101" pitchFamily="50" charset="-127"/>
+              <a:ea typeface="CookieRun Regular" panose="020B0600000101010101" pitchFamily="50" charset="-127"/>
+            </a:endParaRPr>
+          </a:p>
+        </p:txBody>
+      </p:sp>
+      <p:sp>
+        <p:nvSpPr>
+          <p:cNvPr id="8" name="TextBox 7">
+            <a:extLst>
+              <a:ext uri="{FF2B5EF4-FFF2-40B4-BE49-F238E27FC236}">
+                <a16:creationId xmlns:a16="http://schemas.microsoft.com/office/drawing/2014/main" id="{8D5C8291-38A0-D6FF-E331-C3FD703406B1}"/>
+              </a:ext>
+            </a:extLst>
+          </p:cNvPr>
+          <p:cNvSpPr txBox="1"/>
+          <p:nvPr/>
+        </p:nvSpPr>
+        <p:spPr>
+          <a:xfrm>
+            <a:off x="7091487" y="715014"/>
+            <a:ext cx="2976136" cy="923330"/>
+          </a:xfrm>
+          <a:prstGeom prst="rect">
+            <a:avLst/>
+          </a:prstGeom>
+          <a:noFill/>
+        </p:spPr>
+        <p:txBody>
+          <a:bodyPr wrap="none" rtlCol="0">
+            <a:spAutoFit/>
+          </a:bodyPr>
+          <a:lstStyle/>
+          <a:p>
+            <a:r>
+              <a:rPr lang="en-US" altLang="ko-KR" sz="5400" dirty="0">
+                <a:latin typeface="CookieRun Regular" panose="020B0600000101010101" pitchFamily="50" charset="-127"/>
+                <a:ea typeface="CookieRun Regular" panose="020B0600000101010101" pitchFamily="50" charset="-127"/>
+              </a:rPr>
+              <a:t>OCR</a:t>
+            </a:r>
+            <a:r>
+              <a:rPr lang="ko-KR" altLang="en-US" sz="5400" dirty="0">
+                <a:latin typeface="CookieRun Regular" panose="020B0600000101010101" pitchFamily="50" charset="-127"/>
+                <a:ea typeface="CookieRun Regular" panose="020B0600000101010101" pitchFamily="50" charset="-127"/>
+              </a:rPr>
+              <a:t> </a:t>
+            </a:r>
+            <a:r>
+              <a:rPr lang="en-US" altLang="ko-KR" sz="5400" dirty="0">
+                <a:latin typeface="CookieRun Regular" panose="020B0600000101010101" pitchFamily="50" charset="-127"/>
+                <a:ea typeface="CookieRun Regular" panose="020B0600000101010101" pitchFamily="50" charset="-127"/>
+              </a:rPr>
+              <a:t>Box</a:t>
+            </a:r>
+            <a:endParaRPr lang="ko-KR" altLang="en-US" sz="5400" dirty="0">
+              <a:latin typeface="CookieRun Regular" panose="020B0600000101010101" pitchFamily="50" charset="-127"/>
+              <a:ea typeface="CookieRun Regular" panose="020B0600000101010101" pitchFamily="50" charset="-127"/>
+            </a:endParaRPr>
+          </a:p>
+        </p:txBody>
+      </p:sp>
+      <p:sp>
+        <p:nvSpPr>
+          <p:cNvPr id="9" name="직사각형 8">
+            <a:extLst>
+              <a:ext uri="{FF2B5EF4-FFF2-40B4-BE49-F238E27FC236}">
+                <a16:creationId xmlns:a16="http://schemas.microsoft.com/office/drawing/2014/main" id="{91E23BCD-E27C-8555-76F4-5FA4D0CA6ED2}"/>
+              </a:ext>
+            </a:extLst>
+          </p:cNvPr>
+          <p:cNvSpPr/>
+          <p:nvPr/>
+        </p:nvSpPr>
+        <p:spPr>
+          <a:xfrm>
+            <a:off x="228602" y="3585028"/>
+            <a:ext cx="4706256" cy="568153"/>
+          </a:xfrm>
+          <a:prstGeom prst="rect">
+            <a:avLst/>
+          </a:prstGeom>
+          <a:noFill/>
+          <a:ln w="76200">
+            <a:solidFill>
+              <a:srgbClr val="FF0000"/>
+            </a:solidFill>
+          </a:ln>
+        </p:spPr>
+        <p:style>
+          <a:lnRef idx="2">
+            <a:schemeClr val="accent1">
+              <a:shade val="15000"/>
+            </a:schemeClr>
+          </a:lnRef>
+          <a:fillRef idx="1">
+            <a:schemeClr val="accent1"/>
+          </a:fillRef>
+          <a:effectRef idx="0">
+            <a:schemeClr val="accent1"/>
+          </a:effectRef>
+          <a:fontRef idx="minor">
+            <a:schemeClr val="lt1"/>
+          </a:fontRef>
+        </p:style>
+        <p:txBody>
+          <a:bodyPr rtlCol="0" anchor="ctr"/>
+          <a:lstStyle/>
+          <a:p>
+            <a:pPr algn="ctr"/>
+            <a:endParaRPr lang="ko-KR" altLang="en-US" dirty="0"/>
+          </a:p>
+        </p:txBody>
+      </p:sp>
+      <p:pic>
+        <p:nvPicPr>
+          <p:cNvPr id="11" name="그림 10" descr="텍스트, 폰트, 화이트, 대수학이(가) 표시된 사진&#10;&#10;AI 생성 콘텐츠는 정확하지 않을 수 있습니다.">
+            <a:extLst>
+              <a:ext uri="{FF2B5EF4-FFF2-40B4-BE49-F238E27FC236}">
+                <a16:creationId xmlns:a16="http://schemas.microsoft.com/office/drawing/2014/main" id="{EC45CB1B-1E92-F8DE-4471-8924A08F5633}"/>
+              </a:ext>
+            </a:extLst>
+          </p:cNvPr>
+          <p:cNvPicPr>
+            <a:picLocks noChangeAspect="1"/>
+          </p:cNvPicPr>
+          <p:nvPr/>
+        </p:nvPicPr>
+        <p:blipFill>
+          <a:blip r:embed="rId2">
+            <a:extLst>
+              <a:ext uri="{28A0092B-C50C-407E-A947-70E740481C1C}">
+                <a14:useLocalDpi xmlns:a14="http://schemas.microsoft.com/office/drawing/2010/main" val="0"/>
+              </a:ext>
+            </a:extLst>
+          </a:blip>
+          <a:stretch>
+            <a:fillRect/>
+          </a:stretch>
+        </p:blipFill>
+        <p:spPr>
+          <a:xfrm>
+            <a:off x="5448300" y="2049189"/>
+            <a:ext cx="6400800" cy="3598991"/>
+          </a:xfrm>
+          <a:prstGeom prst="rect">
+            <a:avLst/>
+          </a:prstGeom>
+          <a:ln>
+            <a:noFill/>
+          </a:ln>
+          <a:effectLst>
+            <a:outerShdw blurRad="292100" dist="139700" dir="2700000" algn="tl" rotWithShape="0">
+              <a:srgbClr val="333333">
+                <a:alpha val="65000"/>
+              </a:srgbClr>
+            </a:outerShdw>
+          </a:effectLst>
+        </p:spPr>
+      </p:pic>
+    </p:spTree>
+    <p:extLst>
+      <p:ext uri="{BB962C8B-B14F-4D97-AF65-F5344CB8AC3E}">
+        <p14:creationId xmlns:p14="http://schemas.microsoft.com/office/powerpoint/2010/main" val="1679412425"/>
+      </p:ext>
+    </p:extLst>
+  </p:cSld>
+  <p:clrMapOvr>
+    <a:masterClrMapping/>
+  </p:clrMapOvr>
+  <mc:AlternateContent xmlns:mc="http://schemas.openxmlformats.org/markup-compatibility/2006">
+    <mc:Choice xmlns:p159="http://schemas.microsoft.com/office/powerpoint/2015/09/main" Requires="p159">
+      <p:transition spd="slow">
+        <p159:morph option="byObject"/>
+      </p:transition>
+    </mc:Choice>
+    <mc:Fallback>
+      <p:transition spd="slow">
+        <p:fade/>
+      </p:transition>
+    </mc:Fallback>
+  </mc:AlternateContent>
+</p:sld>
+</file>
+
+<file path=ppt/slides/slide24.xml><?xml version="1.0" encoding="utf-8"?>
+<p:sld xmlns:a="http://schemas.openxmlformats.org/drawingml/2006/main" xmlns:r="http://schemas.openxmlformats.org/officeDocument/2006/relationships" xmlns:p="http://schemas.openxmlformats.org/presentationml/2006/main">
+  <p:cSld>
+    <p:spTree>
+      <p:nvGrpSpPr>
+        <p:cNvPr id="1" name="">
+          <a:extLst>
+            <a:ext uri="{FF2B5EF4-FFF2-40B4-BE49-F238E27FC236}">
+              <a16:creationId xmlns:a16="http://schemas.microsoft.com/office/drawing/2014/main" id="{27C9DB2F-EEF8-AFC3-BE51-7644C16237D2}"/>
+            </a:ext>
+          </a:extLst>
+        </p:cNvPr>
+        <p:cNvGrpSpPr/>
+        <p:nvPr/>
+      </p:nvGrpSpPr>
+      <p:grpSpPr>
+        <a:xfrm>
+          <a:off x="0" y="0"/>
+          <a:ext cx="0" cy="0"/>
+          <a:chOff x="0" y="0"/>
+          <a:chExt cx="0" cy="0"/>
+        </a:xfrm>
+      </p:grpSpPr>
+      <p:pic>
+        <p:nvPicPr>
+          <p:cNvPr id="4" name="그림 3">
+            <a:extLst>
+              <a:ext uri="{FF2B5EF4-FFF2-40B4-BE49-F238E27FC236}">
+                <a16:creationId xmlns:a16="http://schemas.microsoft.com/office/drawing/2014/main" id="{FB39959F-DE69-FDCC-7E92-6C8EF6B05912}"/>
+              </a:ext>
+            </a:extLst>
+          </p:cNvPr>
+          <p:cNvPicPr>
+            <a:picLocks noChangeAspect="1"/>
+          </p:cNvPicPr>
+          <p:nvPr/>
+        </p:nvPicPr>
+        <p:blipFill>
+          <a:blip r:embed="rId2">
+            <a:extLst>
+              <a:ext uri="{28A0092B-C50C-407E-A947-70E740481C1C}">
+                <a14:useLocalDpi xmlns:a14="http://schemas.microsoft.com/office/drawing/2010/main" val="0"/>
+              </a:ext>
+            </a:extLst>
+          </a:blip>
+          <a:srcRect/>
+          <a:stretch/>
+        </p:blipFill>
+        <p:spPr>
+          <a:xfrm>
+            <a:off x="5509126" y="2049189"/>
+            <a:ext cx="6279147" cy="3598991"/>
+          </a:xfrm>
+          <a:prstGeom prst="rect">
+            <a:avLst/>
+          </a:prstGeom>
+          <a:ln>
+            <a:noFill/>
+          </a:ln>
+          <a:effectLst>
+            <a:outerShdw blurRad="292100" dist="139700" dir="2700000" algn="tl" rotWithShape="0">
+              <a:srgbClr val="333333">
+                <a:alpha val="65000"/>
+              </a:srgbClr>
+            </a:outerShdw>
+          </a:effectLst>
+        </p:spPr>
+      </p:pic>
+      <p:sp>
+        <p:nvSpPr>
+          <p:cNvPr id="2" name="슬라이드 번호 개체 틀 1">
+            <a:extLst>
+              <a:ext uri="{FF2B5EF4-FFF2-40B4-BE49-F238E27FC236}">
+                <a16:creationId xmlns:a16="http://schemas.microsoft.com/office/drawing/2014/main" id="{C6F6B0E6-C7BC-6EA9-E9FB-59BE7CC5B48A}"/>
+              </a:ext>
+            </a:extLst>
+          </p:cNvPr>
+          <p:cNvSpPr>
+            <a:spLocks noGrp="1"/>
+          </p:cNvSpPr>
+          <p:nvPr>
+            <p:ph type="sldNum" sz="quarter" idx="12"/>
+          </p:nvPr>
+        </p:nvSpPr>
+        <p:spPr/>
+        <p:txBody>
+          <a:bodyPr/>
+          <a:lstStyle/>
+          <a:p>
+            <a:fld id="{C5002163-FFAF-417C-9C20-DC892DFE9806}" type="slidenum">
+              <a:rPr lang="ko-KR" altLang="en-US" smtClean="0"/>
+              <a:pPr/>
+              <a:t>23</a:t>
+            </a:fld>
+            <a:endParaRPr lang="ko-KR" altLang="en-US" dirty="0"/>
+          </a:p>
+        </p:txBody>
+      </p:sp>
+      <p:graphicFrame>
+        <p:nvGraphicFramePr>
+          <p:cNvPr id="3" name="표 2">
+            <a:extLst>
+              <a:ext uri="{FF2B5EF4-FFF2-40B4-BE49-F238E27FC236}">
+                <a16:creationId xmlns:a16="http://schemas.microsoft.com/office/drawing/2014/main" id="{C36AB762-A2DE-C5E5-627A-A0159B1868D7}"/>
+              </a:ext>
+            </a:extLst>
+          </p:cNvPr>
+          <p:cNvGraphicFramePr>
+            <a:graphicFrameLocks noGrp="1"/>
+          </p:cNvGraphicFramePr>
+          <p:nvPr>
+            <p:extLst>
+              <p:ext uri="{D42A27DB-BD31-4B8C-83A1-F6EECF244321}">
+                <p14:modId xmlns:p14="http://schemas.microsoft.com/office/powerpoint/2010/main" val="1670648641"/>
+              </p:ext>
+            </p:extLst>
+          </p:nvPr>
+        </p:nvGraphicFramePr>
+        <p:xfrm>
+          <a:off x="412044" y="2491922"/>
+          <a:ext cx="4397024" cy="7132320"/>
+        </p:xfrm>
+        <a:graphic>
+          <a:graphicData uri="http://schemas.openxmlformats.org/drawingml/2006/table">
+            <a:tbl>
+              <a:tblPr firstRow="1" bandRow="1">
+                <a:tableStyleId>{5940675A-B579-460E-94D1-54222C63F5DA}</a:tableStyleId>
+              </a:tblPr>
+              <a:tblGrid>
+                <a:gridCol w="642546">
+                  <a:extLst>
+                    <a:ext uri="{9D8B030D-6E8A-4147-A177-3AD203B41FA5}">
+                      <a16:colId xmlns:a16="http://schemas.microsoft.com/office/drawing/2014/main" val="3747240666"/>
+                    </a:ext>
+                  </a:extLst>
+                </a:gridCol>
+                <a:gridCol w="1877239">
+                  <a:extLst>
+                    <a:ext uri="{9D8B030D-6E8A-4147-A177-3AD203B41FA5}">
+                      <a16:colId xmlns:a16="http://schemas.microsoft.com/office/drawing/2014/main" val="1865539625"/>
+                    </a:ext>
+                  </a:extLst>
+                </a:gridCol>
+                <a:gridCol w="1877239">
+                  <a:extLst>
+                    <a:ext uri="{9D8B030D-6E8A-4147-A177-3AD203B41FA5}">
+                      <a16:colId xmlns:a16="http://schemas.microsoft.com/office/drawing/2014/main" val="2198382097"/>
+                    </a:ext>
+                  </a:extLst>
+                </a:gridCol>
+              </a:tblGrid>
+              <a:tr h="370840">
+                <a:tc>
+                  <a:txBody>
+                    <a:bodyPr/>
+                    <a:lstStyle/>
+                    <a:p>
+                      <a:pPr algn="ctr" latinLnBrk="1"/>
+                      <a:endParaRPr lang="ko-KR" altLang="en-US" sz="2000" dirty="0">
+                        <a:latin typeface="CookieRun Regular" panose="020B0600000101010101" pitchFamily="50" charset="-127"/>
+                        <a:ea typeface="CookieRun Regular" panose="020B0600000101010101" pitchFamily="50" charset="-127"/>
+                      </a:endParaRPr>
+                    </a:p>
+                  </a:txBody>
+                  <a:tcPr/>
+                </a:tc>
+                <a:tc>
+                  <a:txBody>
+                    <a:bodyPr/>
+                    <a:lstStyle/>
+                    <a:p>
+                      <a:pPr algn="ctr" latinLnBrk="1"/>
+                      <a:r>
+                        <a:rPr lang="en-US" altLang="ko-KR" sz="2000" dirty="0">
+                          <a:latin typeface="CookieRun Regular" panose="020B0600000101010101" pitchFamily="50" charset="-127"/>
+                          <a:ea typeface="CookieRun Regular" panose="020B0600000101010101" pitchFamily="50" charset="-127"/>
+                        </a:rPr>
+                        <a:t>Text</a:t>
+                      </a:r>
+                      <a:endParaRPr lang="ko-KR" altLang="en-US" sz="2000" dirty="0">
+                        <a:latin typeface="CookieRun Regular" panose="020B0600000101010101" pitchFamily="50" charset="-127"/>
+                        <a:ea typeface="CookieRun Regular" panose="020B0600000101010101" pitchFamily="50" charset="-127"/>
+                      </a:endParaRPr>
+                    </a:p>
+                  </a:txBody>
+                  <a:tcPr/>
+                </a:tc>
+                <a:tc>
+                  <a:txBody>
+                    <a:bodyPr/>
+                    <a:lstStyle/>
+                    <a:p>
+                      <a:pPr algn="ctr" latinLnBrk="1"/>
+                      <a:r>
+                        <a:rPr lang="en-US" altLang="ko-KR" sz="2000" dirty="0">
+                          <a:latin typeface="CookieRun Regular" panose="020B0600000101010101" pitchFamily="50" charset="-127"/>
+                          <a:ea typeface="CookieRun Regular" panose="020B0600000101010101" pitchFamily="50" charset="-127"/>
+                        </a:rPr>
+                        <a:t>Confidence</a:t>
+                      </a:r>
+                    </a:p>
+                  </a:txBody>
+                  <a:tcPr/>
+                </a:tc>
+                <a:extLst>
+                  <a:ext uri="{0D108BD9-81ED-4DB2-BD59-A6C34878D82A}">
+                    <a16:rowId xmlns:a16="http://schemas.microsoft.com/office/drawing/2014/main" val="1815166801"/>
+                  </a:ext>
+                </a:extLst>
+              </a:tr>
+              <a:tr h="370840">
+                <a:tc>
+                  <a:txBody>
+                    <a:bodyPr/>
+                    <a:lstStyle/>
+                    <a:p>
+                      <a:pPr algn="ctr" latinLnBrk="1"/>
+                      <a:r>
+                        <a:rPr lang="en-US" altLang="ko-KR" sz="2000" dirty="0">
+                          <a:latin typeface="CookieRun Regular" panose="020B0600000101010101" pitchFamily="50" charset="-127"/>
+                          <a:ea typeface="CookieRun Regular" panose="020B0600000101010101" pitchFamily="50" charset="-127"/>
+                        </a:rPr>
+                        <a:t>0</a:t>
+                      </a:r>
+                      <a:endParaRPr lang="ko-KR" altLang="en-US" sz="2000" dirty="0">
+                        <a:latin typeface="CookieRun Regular" panose="020B0600000101010101" pitchFamily="50" charset="-127"/>
+                        <a:ea typeface="CookieRun Regular" panose="020B0600000101010101" pitchFamily="50" charset="-127"/>
+                      </a:endParaRPr>
+                    </a:p>
+                  </a:txBody>
+                  <a:tcPr/>
+                </a:tc>
+                <a:tc>
+                  <a:txBody>
+                    <a:bodyPr/>
+                    <a:lstStyle/>
+                    <a:p>
+                      <a:pPr algn="ctr" latinLnBrk="1"/>
+                      <a:endParaRPr lang="ko-KR" altLang="en-US" sz="2000" dirty="0">
+                        <a:latin typeface="CookieRun Regular" panose="020B0600000101010101" pitchFamily="50" charset="-127"/>
+                        <a:ea typeface="CookieRun Regular" panose="020B0600000101010101" pitchFamily="50" charset="-127"/>
+                      </a:endParaRPr>
+                    </a:p>
+                  </a:txBody>
+                  <a:tcPr/>
+                </a:tc>
+                <a:tc>
+                  <a:txBody>
+                    <a:bodyPr/>
+                    <a:lstStyle/>
+                    <a:p>
+                      <a:pPr algn="ctr" latinLnBrk="1"/>
+                      <a:r>
+                        <a:rPr lang="en-US" altLang="ko-KR" sz="2000" dirty="0">
+                          <a:latin typeface="CookieRun Regular" panose="020B0600000101010101" pitchFamily="50" charset="-127"/>
+                          <a:ea typeface="CookieRun Regular" panose="020B0600000101010101" pitchFamily="50" charset="-127"/>
+                        </a:rPr>
+                        <a:t>-1</a:t>
+                      </a:r>
+                      <a:endParaRPr lang="ko-KR" altLang="en-US" sz="2000" dirty="0">
+                        <a:latin typeface="CookieRun Regular" panose="020B0600000101010101" pitchFamily="50" charset="-127"/>
+                        <a:ea typeface="CookieRun Regular" panose="020B0600000101010101" pitchFamily="50" charset="-127"/>
+                      </a:endParaRPr>
+                    </a:p>
+                  </a:txBody>
+                  <a:tcPr/>
+                </a:tc>
+                <a:extLst>
+                  <a:ext uri="{0D108BD9-81ED-4DB2-BD59-A6C34878D82A}">
+                    <a16:rowId xmlns:a16="http://schemas.microsoft.com/office/drawing/2014/main" val="1940185174"/>
+                  </a:ext>
+                </a:extLst>
+              </a:tr>
+              <a:tr h="370840">
+                <a:tc>
+                  <a:txBody>
+                    <a:bodyPr/>
+                    <a:lstStyle/>
+                    <a:p>
+                      <a:pPr algn="ctr" latinLnBrk="1"/>
+                      <a:r>
+                        <a:rPr lang="en-US" altLang="ko-KR" sz="2000" dirty="0">
+                          <a:latin typeface="CookieRun Regular" panose="020B0600000101010101" pitchFamily="50" charset="-127"/>
+                          <a:ea typeface="CookieRun Regular" panose="020B0600000101010101" pitchFamily="50" charset="-127"/>
+                        </a:rPr>
+                        <a:t>1</a:t>
+                      </a:r>
+                      <a:endParaRPr lang="ko-KR" altLang="en-US" sz="2000" dirty="0">
+                        <a:latin typeface="CookieRun Regular" panose="020B0600000101010101" pitchFamily="50" charset="-127"/>
+                        <a:ea typeface="CookieRun Regular" panose="020B0600000101010101" pitchFamily="50" charset="-127"/>
+                      </a:endParaRPr>
+                    </a:p>
+                  </a:txBody>
+                  <a:tcPr/>
+                </a:tc>
+                <a:tc>
+                  <a:txBody>
+                    <a:bodyPr/>
+                    <a:lstStyle/>
+                    <a:p>
+                      <a:pPr algn="ctr" latinLnBrk="1"/>
+                      <a:endParaRPr lang="ko-KR" altLang="en-US" sz="2000" dirty="0">
+                        <a:latin typeface="CookieRun Regular" panose="020B0600000101010101" pitchFamily="50" charset="-127"/>
+                        <a:ea typeface="CookieRun Regular" panose="020B0600000101010101" pitchFamily="50" charset="-127"/>
+                      </a:endParaRPr>
+                    </a:p>
+                  </a:txBody>
+                  <a:tcPr/>
+                </a:tc>
+                <a:tc>
+                  <a:txBody>
+                    <a:bodyPr/>
+                    <a:lstStyle/>
+                    <a:p>
+                      <a:pPr algn="ctr" latinLnBrk="1"/>
+                      <a:r>
+                        <a:rPr lang="en-US" altLang="ko-KR" sz="2000" dirty="0">
+                          <a:latin typeface="CookieRun Regular" panose="020B0600000101010101" pitchFamily="50" charset="-127"/>
+                          <a:ea typeface="CookieRun Regular" panose="020B0600000101010101" pitchFamily="50" charset="-127"/>
+                        </a:rPr>
+                        <a:t>-1</a:t>
+                      </a:r>
+                      <a:endParaRPr lang="ko-KR" altLang="en-US" sz="2000" dirty="0">
+                        <a:latin typeface="CookieRun Regular" panose="020B0600000101010101" pitchFamily="50" charset="-127"/>
+                        <a:ea typeface="CookieRun Regular" panose="020B0600000101010101" pitchFamily="50" charset="-127"/>
+                      </a:endParaRPr>
+                    </a:p>
+                  </a:txBody>
+                  <a:tcPr/>
+                </a:tc>
+                <a:extLst>
+                  <a:ext uri="{0D108BD9-81ED-4DB2-BD59-A6C34878D82A}">
+                    <a16:rowId xmlns:a16="http://schemas.microsoft.com/office/drawing/2014/main" val="2586202196"/>
+                  </a:ext>
+                </a:extLst>
+              </a:tr>
+              <a:tr h="370840">
+                <a:tc>
+                  <a:txBody>
+                    <a:bodyPr/>
+                    <a:lstStyle/>
+                    <a:p>
+                      <a:pPr algn="ctr" latinLnBrk="1"/>
+                      <a:r>
+                        <a:rPr lang="en-US" altLang="ko-KR" sz="2000" dirty="0">
+                          <a:latin typeface="CookieRun Regular" panose="020B0600000101010101" pitchFamily="50" charset="-127"/>
+                          <a:ea typeface="CookieRun Regular" panose="020B0600000101010101" pitchFamily="50" charset="-127"/>
+                        </a:rPr>
+                        <a:t>2</a:t>
+                      </a:r>
+                      <a:endParaRPr lang="ko-KR" altLang="en-US" sz="2000" dirty="0">
+                        <a:latin typeface="CookieRun Regular" panose="020B0600000101010101" pitchFamily="50" charset="-127"/>
+                        <a:ea typeface="CookieRun Regular" panose="020B0600000101010101" pitchFamily="50" charset="-127"/>
+                      </a:endParaRPr>
+                    </a:p>
+                  </a:txBody>
+                  <a:tcPr/>
+                </a:tc>
+                <a:tc>
+                  <a:txBody>
+                    <a:bodyPr/>
+                    <a:lstStyle/>
+                    <a:p>
+                      <a:pPr algn="ctr" latinLnBrk="1"/>
+                      <a:endParaRPr lang="ko-KR" altLang="en-US" sz="2000" dirty="0">
+                        <a:latin typeface="CookieRun Regular" panose="020B0600000101010101" pitchFamily="50" charset="-127"/>
+                        <a:ea typeface="CookieRun Regular" panose="020B0600000101010101" pitchFamily="50" charset="-127"/>
+                      </a:endParaRPr>
+                    </a:p>
+                  </a:txBody>
+                  <a:tcPr/>
+                </a:tc>
+                <a:tc>
+                  <a:txBody>
+                    <a:bodyPr/>
+                    <a:lstStyle/>
+                    <a:p>
+                      <a:pPr algn="ctr" latinLnBrk="1"/>
+                      <a:r>
+                        <a:rPr lang="en-US" altLang="ko-KR" sz="2000" dirty="0">
+                          <a:latin typeface="CookieRun Regular" panose="020B0600000101010101" pitchFamily="50" charset="-127"/>
+                          <a:ea typeface="CookieRun Regular" panose="020B0600000101010101" pitchFamily="50" charset="-127"/>
+                        </a:rPr>
+                        <a:t>-1</a:t>
+                      </a:r>
+                      <a:endParaRPr lang="ko-KR" altLang="en-US" sz="2000" dirty="0">
+                        <a:latin typeface="CookieRun Regular" panose="020B0600000101010101" pitchFamily="50" charset="-127"/>
+                        <a:ea typeface="CookieRun Regular" panose="020B0600000101010101" pitchFamily="50" charset="-127"/>
+                      </a:endParaRPr>
+                    </a:p>
+                  </a:txBody>
+                  <a:tcPr/>
+                </a:tc>
+                <a:extLst>
+                  <a:ext uri="{0D108BD9-81ED-4DB2-BD59-A6C34878D82A}">
+                    <a16:rowId xmlns:a16="http://schemas.microsoft.com/office/drawing/2014/main" val="1516008586"/>
+                  </a:ext>
+                </a:extLst>
+              </a:tr>
+              <a:tr h="370840">
+                <a:tc>
+                  <a:txBody>
+                    <a:bodyPr/>
+                    <a:lstStyle/>
+                    <a:p>
+                      <a:pPr algn="ctr" latinLnBrk="1"/>
+                      <a:r>
+                        <a:rPr lang="en-US" altLang="ko-KR" sz="2000" dirty="0">
+                          <a:latin typeface="CookieRun Regular" panose="020B0600000101010101" pitchFamily="50" charset="-127"/>
+                          <a:ea typeface="CookieRun Regular" panose="020B0600000101010101" pitchFamily="50" charset="-127"/>
+                        </a:rPr>
+                        <a:t>3</a:t>
+                      </a:r>
+                      <a:endParaRPr lang="ko-KR" altLang="en-US" sz="2000" dirty="0">
+                        <a:latin typeface="CookieRun Regular" panose="020B0600000101010101" pitchFamily="50" charset="-127"/>
+                        <a:ea typeface="CookieRun Regular" panose="020B0600000101010101" pitchFamily="50" charset="-127"/>
+                      </a:endParaRPr>
+                    </a:p>
+                  </a:txBody>
+                  <a:tcPr/>
+                </a:tc>
+                <a:tc>
+                  <a:txBody>
+                    <a:bodyPr/>
+                    <a:lstStyle/>
+                    <a:p>
+                      <a:pPr algn="ctr" latinLnBrk="1"/>
+                      <a:endParaRPr lang="ko-KR" altLang="en-US" sz="2000" dirty="0">
+                        <a:latin typeface="CookieRun Regular" panose="020B0600000101010101" pitchFamily="50" charset="-127"/>
+                        <a:ea typeface="CookieRun Regular" panose="020B0600000101010101" pitchFamily="50" charset="-127"/>
+                      </a:endParaRPr>
+                    </a:p>
+                  </a:txBody>
+                  <a:tcPr/>
+                </a:tc>
+                <a:tc>
+                  <a:txBody>
+                    <a:bodyPr/>
+                    <a:lstStyle/>
+                    <a:p>
+                      <a:pPr algn="ctr" latinLnBrk="1"/>
+                      <a:r>
+                        <a:rPr lang="en-US" altLang="ko-KR" sz="2000" dirty="0">
+                          <a:latin typeface="CookieRun Regular" panose="020B0600000101010101" pitchFamily="50" charset="-127"/>
+                          <a:ea typeface="CookieRun Regular" panose="020B0600000101010101" pitchFamily="50" charset="-127"/>
+                        </a:rPr>
+                        <a:t>-1</a:t>
+                      </a:r>
+                      <a:endParaRPr lang="ko-KR" altLang="en-US" sz="2000" dirty="0">
+                        <a:latin typeface="CookieRun Regular" panose="020B0600000101010101" pitchFamily="50" charset="-127"/>
+                        <a:ea typeface="CookieRun Regular" panose="020B0600000101010101" pitchFamily="50" charset="-127"/>
+                      </a:endParaRPr>
+                    </a:p>
+                  </a:txBody>
+                  <a:tcPr/>
+                </a:tc>
+                <a:extLst>
+                  <a:ext uri="{0D108BD9-81ED-4DB2-BD59-A6C34878D82A}">
+                    <a16:rowId xmlns:a16="http://schemas.microsoft.com/office/drawing/2014/main" val="3618214638"/>
+                  </a:ext>
+                </a:extLst>
+              </a:tr>
+              <a:tr h="370840">
+                <a:tc>
+                  <a:txBody>
+                    <a:bodyPr/>
+                    <a:lstStyle/>
+                    <a:p>
+                      <a:pPr algn="ctr" latinLnBrk="1"/>
+                      <a:r>
+                        <a:rPr lang="en-US" altLang="ko-KR" sz="2000" dirty="0">
+                          <a:latin typeface="CookieRun Regular" panose="020B0600000101010101" pitchFamily="50" charset="-127"/>
+                          <a:ea typeface="CookieRun Regular" panose="020B0600000101010101" pitchFamily="50" charset="-127"/>
+                        </a:rPr>
+                        <a:t>4</a:t>
+                      </a:r>
+                    </a:p>
+                  </a:txBody>
+                  <a:tcPr/>
+                </a:tc>
+                <a:tc>
+                  <a:txBody>
+                    <a:bodyPr/>
+                    <a:lstStyle/>
+                    <a:p>
+                      <a:pPr algn="ctr" latinLnBrk="1"/>
+                      <a:r>
+                        <a:rPr lang="en-US" altLang="ko-KR" sz="2000" dirty="0">
+                          <a:latin typeface="CookieRun Regular" panose="020B0600000101010101" pitchFamily="50" charset="-127"/>
+                          <a:ea typeface="CookieRun Regular" panose="020B0600000101010101" pitchFamily="50" charset="-127"/>
+                        </a:rPr>
+                        <a:t>Hello,</a:t>
+                      </a:r>
+                      <a:endParaRPr lang="ko-KR" altLang="en-US" sz="2000" dirty="0">
+                        <a:latin typeface="CookieRun Regular" panose="020B0600000101010101" pitchFamily="50" charset="-127"/>
+                        <a:ea typeface="CookieRun Regular" panose="020B0600000101010101" pitchFamily="50" charset="-127"/>
+                      </a:endParaRPr>
+                    </a:p>
+                  </a:txBody>
+                  <a:tcPr/>
+                </a:tc>
+                <a:tc>
+                  <a:txBody>
+                    <a:bodyPr/>
+                    <a:lstStyle/>
+                    <a:p>
+                      <a:pPr algn="ctr" latinLnBrk="1"/>
+                      <a:r>
+                        <a:rPr lang="en-US" altLang="ko-KR" sz="2000" dirty="0">
+                          <a:latin typeface="CookieRun Regular" panose="020B0600000101010101" pitchFamily="50" charset="-127"/>
+                          <a:ea typeface="CookieRun Regular" panose="020B0600000101010101" pitchFamily="50" charset="-127"/>
+                        </a:rPr>
+                        <a:t>95</a:t>
+                      </a:r>
+                      <a:endParaRPr lang="ko-KR" altLang="en-US" sz="2000" dirty="0">
+                        <a:latin typeface="CookieRun Regular" panose="020B0600000101010101" pitchFamily="50" charset="-127"/>
+                        <a:ea typeface="CookieRun Regular" panose="020B0600000101010101" pitchFamily="50" charset="-127"/>
+                      </a:endParaRPr>
+                    </a:p>
+                  </a:txBody>
+                  <a:tcPr/>
+                </a:tc>
+                <a:extLst>
+                  <a:ext uri="{0D108BD9-81ED-4DB2-BD59-A6C34878D82A}">
+                    <a16:rowId xmlns:a16="http://schemas.microsoft.com/office/drawing/2014/main" val="399424880"/>
+                  </a:ext>
+                </a:extLst>
+              </a:tr>
+              <a:tr h="370840">
+                <a:tc>
+                  <a:txBody>
+                    <a:bodyPr/>
+                    <a:lstStyle/>
+                    <a:p>
+                      <a:pPr algn="ctr" latinLnBrk="1"/>
+                      <a:r>
+                        <a:rPr lang="en-US" altLang="ko-KR" sz="2000" dirty="0">
+                          <a:latin typeface="CookieRun Regular" panose="020B0600000101010101" pitchFamily="50" charset="-127"/>
+                          <a:ea typeface="CookieRun Regular" panose="020B0600000101010101" pitchFamily="50" charset="-127"/>
+                        </a:rPr>
+                        <a:t>5</a:t>
+                      </a:r>
+                      <a:endParaRPr lang="ko-KR" altLang="en-US" sz="2000" dirty="0">
+                        <a:latin typeface="CookieRun Regular" panose="020B0600000101010101" pitchFamily="50" charset="-127"/>
+                        <a:ea typeface="CookieRun Regular" panose="020B0600000101010101" pitchFamily="50" charset="-127"/>
+                      </a:endParaRPr>
+                    </a:p>
+                  </a:txBody>
+                  <a:tcPr/>
+                </a:tc>
+                <a:tc>
+                  <a:txBody>
+                    <a:bodyPr/>
+                    <a:lstStyle/>
+                    <a:p>
+                      <a:pPr algn="ctr" latinLnBrk="1"/>
+                      <a:r>
+                        <a:rPr lang="en-US" altLang="ko-KR" sz="2000" dirty="0">
+                          <a:latin typeface="CookieRun Regular" panose="020B0600000101010101" pitchFamily="50" charset="-127"/>
+                          <a:ea typeface="CookieRun Regular" panose="020B0600000101010101" pitchFamily="50" charset="-127"/>
+                        </a:rPr>
+                        <a:t>How</a:t>
+                      </a:r>
+                      <a:endParaRPr lang="ko-KR" altLang="en-US" sz="2000" dirty="0">
+                        <a:latin typeface="CookieRun Regular" panose="020B0600000101010101" pitchFamily="50" charset="-127"/>
+                        <a:ea typeface="CookieRun Regular" panose="020B0600000101010101" pitchFamily="50" charset="-127"/>
+                      </a:endParaRPr>
+                    </a:p>
+                  </a:txBody>
+                  <a:tcPr/>
+                </a:tc>
+                <a:tc>
+                  <a:txBody>
+                    <a:bodyPr/>
+                    <a:lstStyle/>
+                    <a:p>
+                      <a:pPr algn="ctr" latinLnBrk="1"/>
+                      <a:r>
+                        <a:rPr lang="en-US" altLang="ko-KR" sz="2000" dirty="0">
+                          <a:latin typeface="CookieRun Regular" panose="020B0600000101010101" pitchFamily="50" charset="-127"/>
+                          <a:ea typeface="CookieRun Regular" panose="020B0600000101010101" pitchFamily="50" charset="-127"/>
+                        </a:rPr>
+                        <a:t>96</a:t>
+                      </a:r>
+                      <a:endParaRPr lang="ko-KR" altLang="en-US" sz="2000" dirty="0">
+                        <a:latin typeface="CookieRun Regular" panose="020B0600000101010101" pitchFamily="50" charset="-127"/>
+                        <a:ea typeface="CookieRun Regular" panose="020B0600000101010101" pitchFamily="50" charset="-127"/>
+                      </a:endParaRPr>
+                    </a:p>
+                  </a:txBody>
+                  <a:tcPr/>
+                </a:tc>
+                <a:extLst>
+                  <a:ext uri="{0D108BD9-81ED-4DB2-BD59-A6C34878D82A}">
+                    <a16:rowId xmlns:a16="http://schemas.microsoft.com/office/drawing/2014/main" val="2525857998"/>
+                  </a:ext>
+                </a:extLst>
+              </a:tr>
+              <a:tr h="370840">
+                <a:tc>
+                  <a:txBody>
+                    <a:bodyPr/>
+                    <a:lstStyle/>
+                    <a:p>
+                      <a:pPr algn="ctr" latinLnBrk="1"/>
+                      <a:r>
+                        <a:rPr lang="en-US" altLang="ko-KR" sz="2000" dirty="0">
+                          <a:latin typeface="CookieRun Regular" panose="020B0600000101010101" pitchFamily="50" charset="-127"/>
+                          <a:ea typeface="CookieRun Regular" panose="020B0600000101010101" pitchFamily="50" charset="-127"/>
+                        </a:rPr>
+                        <a:t>6</a:t>
+                      </a:r>
+                      <a:endParaRPr lang="ko-KR" altLang="en-US" sz="2000" dirty="0">
+                        <a:latin typeface="CookieRun Regular" panose="020B0600000101010101" pitchFamily="50" charset="-127"/>
+                        <a:ea typeface="CookieRun Regular" panose="020B0600000101010101" pitchFamily="50" charset="-127"/>
+                      </a:endParaRPr>
+                    </a:p>
+                  </a:txBody>
+                  <a:tcPr/>
+                </a:tc>
+                <a:tc>
+                  <a:txBody>
+                    <a:bodyPr/>
+                    <a:lstStyle/>
+                    <a:p>
+                      <a:pPr algn="ctr" latinLnBrk="1"/>
+                      <a:r>
+                        <a:rPr lang="en-US" altLang="ko-KR" sz="2000" dirty="0">
+                          <a:latin typeface="CookieRun Regular" panose="020B0600000101010101" pitchFamily="50" charset="-127"/>
+                          <a:ea typeface="CookieRun Regular" panose="020B0600000101010101" pitchFamily="50" charset="-127"/>
+                        </a:rPr>
+                        <a:t>are</a:t>
+                      </a:r>
+                      <a:endParaRPr lang="ko-KR" altLang="en-US" sz="2000" dirty="0">
+                        <a:latin typeface="CookieRun Regular" panose="020B0600000101010101" pitchFamily="50" charset="-127"/>
+                        <a:ea typeface="CookieRun Regular" panose="020B0600000101010101" pitchFamily="50" charset="-127"/>
+                      </a:endParaRPr>
+                    </a:p>
+                  </a:txBody>
+                  <a:tcPr/>
+                </a:tc>
+                <a:tc>
+                  <a:txBody>
+                    <a:bodyPr/>
+                    <a:lstStyle/>
+                    <a:p>
+                      <a:pPr algn="ctr" latinLnBrk="1"/>
+                      <a:r>
+                        <a:rPr lang="en-US" altLang="ko-KR" sz="2000" dirty="0">
+                          <a:latin typeface="CookieRun Regular" panose="020B0600000101010101" pitchFamily="50" charset="-127"/>
+                          <a:ea typeface="CookieRun Regular" panose="020B0600000101010101" pitchFamily="50" charset="-127"/>
+                        </a:rPr>
+                        <a:t>96</a:t>
+                      </a:r>
+                      <a:endParaRPr lang="ko-KR" altLang="en-US" sz="2000" dirty="0">
+                        <a:latin typeface="CookieRun Regular" panose="020B0600000101010101" pitchFamily="50" charset="-127"/>
+                        <a:ea typeface="CookieRun Regular" panose="020B0600000101010101" pitchFamily="50" charset="-127"/>
+                      </a:endParaRPr>
+                    </a:p>
+                  </a:txBody>
+                  <a:tcPr/>
+                </a:tc>
+                <a:extLst>
+                  <a:ext uri="{0D108BD9-81ED-4DB2-BD59-A6C34878D82A}">
+                    <a16:rowId xmlns:a16="http://schemas.microsoft.com/office/drawing/2014/main" val="3381322668"/>
+                  </a:ext>
+                </a:extLst>
+              </a:tr>
+              <a:tr h="370840">
+                <a:tc>
+                  <a:txBody>
+                    <a:bodyPr/>
+                    <a:lstStyle/>
+                    <a:p>
+                      <a:pPr algn="ctr" latinLnBrk="1"/>
+                      <a:r>
+                        <a:rPr lang="en-US" altLang="ko-KR" sz="2000" dirty="0">
+                          <a:latin typeface="CookieRun Regular" panose="020B0600000101010101" pitchFamily="50" charset="-127"/>
+                          <a:ea typeface="CookieRun Regular" panose="020B0600000101010101" pitchFamily="50" charset="-127"/>
+                        </a:rPr>
+                        <a:t>7</a:t>
+                      </a:r>
+                      <a:endParaRPr lang="ko-KR" altLang="en-US" sz="2000" dirty="0">
+                        <a:latin typeface="CookieRun Regular" panose="020B0600000101010101" pitchFamily="50" charset="-127"/>
+                        <a:ea typeface="CookieRun Regular" panose="020B0600000101010101" pitchFamily="50" charset="-127"/>
+                      </a:endParaRPr>
+                    </a:p>
+                  </a:txBody>
+                  <a:tcPr/>
+                </a:tc>
+                <a:tc>
+                  <a:txBody>
+                    <a:bodyPr/>
+                    <a:lstStyle/>
+                    <a:p>
+                      <a:pPr algn="ctr" latinLnBrk="1"/>
+                      <a:r>
+                        <a:rPr lang="en-US" altLang="ko-KR" sz="2000" dirty="0">
+                          <a:latin typeface="CookieRun Regular" panose="020B0600000101010101" pitchFamily="50" charset="-127"/>
+                          <a:ea typeface="CookieRun Regular" panose="020B0600000101010101" pitchFamily="50" charset="-127"/>
+                        </a:rPr>
+                        <a:t>you</a:t>
+                      </a:r>
+                      <a:endParaRPr lang="ko-KR" altLang="en-US" sz="2000" dirty="0">
+                        <a:latin typeface="CookieRun Regular" panose="020B0600000101010101" pitchFamily="50" charset="-127"/>
+                        <a:ea typeface="CookieRun Regular" panose="020B0600000101010101" pitchFamily="50" charset="-127"/>
+                      </a:endParaRPr>
+                    </a:p>
+                  </a:txBody>
+                  <a:tcPr/>
+                </a:tc>
+                <a:tc>
+                  <a:txBody>
+                    <a:bodyPr/>
+                    <a:lstStyle/>
+                    <a:p>
+                      <a:pPr algn="ctr" latinLnBrk="1"/>
+                      <a:r>
+                        <a:rPr lang="en-US" altLang="ko-KR" sz="2000" dirty="0">
+                          <a:latin typeface="CookieRun Regular" panose="020B0600000101010101" pitchFamily="50" charset="-127"/>
+                          <a:ea typeface="CookieRun Regular" panose="020B0600000101010101" pitchFamily="50" charset="-127"/>
+                        </a:rPr>
+                        <a:t>96</a:t>
+                      </a:r>
+                      <a:endParaRPr lang="ko-KR" altLang="en-US" sz="2000" dirty="0">
+                        <a:latin typeface="CookieRun Regular" panose="020B0600000101010101" pitchFamily="50" charset="-127"/>
+                        <a:ea typeface="CookieRun Regular" panose="020B0600000101010101" pitchFamily="50" charset="-127"/>
+                      </a:endParaRPr>
+                    </a:p>
+                  </a:txBody>
+                  <a:tcPr/>
+                </a:tc>
+                <a:extLst>
+                  <a:ext uri="{0D108BD9-81ED-4DB2-BD59-A6C34878D82A}">
+                    <a16:rowId xmlns:a16="http://schemas.microsoft.com/office/drawing/2014/main" val="872466425"/>
+                  </a:ext>
+                </a:extLst>
+              </a:tr>
+              <a:tr h="370840">
+                <a:tc>
+                  <a:txBody>
+                    <a:bodyPr/>
+                    <a:lstStyle/>
+                    <a:p>
+                      <a:pPr algn="ctr" latinLnBrk="1"/>
+                      <a:r>
+                        <a:rPr lang="en-US" altLang="ko-KR" sz="2000" dirty="0">
+                          <a:latin typeface="CookieRun Regular" panose="020B0600000101010101" pitchFamily="50" charset="-127"/>
+                          <a:ea typeface="CookieRun Regular" panose="020B0600000101010101" pitchFamily="50" charset="-127"/>
+                        </a:rPr>
+                        <a:t>8</a:t>
+                      </a:r>
+                      <a:endParaRPr lang="ko-KR" altLang="en-US" sz="2000" dirty="0">
+                        <a:latin typeface="CookieRun Regular" panose="020B0600000101010101" pitchFamily="50" charset="-127"/>
+                        <a:ea typeface="CookieRun Regular" panose="020B0600000101010101" pitchFamily="50" charset="-127"/>
+                      </a:endParaRPr>
+                    </a:p>
+                  </a:txBody>
+                  <a:tcPr/>
+                </a:tc>
+                <a:tc>
+                  <a:txBody>
+                    <a:bodyPr/>
+                    <a:lstStyle/>
+                    <a:p>
+                      <a:pPr algn="ctr" latinLnBrk="1"/>
+                      <a:r>
+                        <a:rPr lang="en-US" altLang="ko-KR" sz="2000" dirty="0">
+                          <a:latin typeface="CookieRun Regular" panose="020B0600000101010101" pitchFamily="50" charset="-127"/>
+                          <a:ea typeface="CookieRun Regular" panose="020B0600000101010101" pitchFamily="50" charset="-127"/>
+                        </a:rPr>
+                        <a:t>today?</a:t>
+                      </a:r>
+                      <a:endParaRPr lang="ko-KR" altLang="en-US" sz="2000" dirty="0">
+                        <a:latin typeface="CookieRun Regular" panose="020B0600000101010101" pitchFamily="50" charset="-127"/>
+                        <a:ea typeface="CookieRun Regular" panose="020B0600000101010101" pitchFamily="50" charset="-127"/>
+                      </a:endParaRPr>
+                    </a:p>
+                  </a:txBody>
+                  <a:tcPr/>
+                </a:tc>
+                <a:tc>
+                  <a:txBody>
+                    <a:bodyPr/>
+                    <a:lstStyle/>
+                    <a:p>
+                      <a:pPr algn="ctr" latinLnBrk="1"/>
+                      <a:r>
+                        <a:rPr lang="en-US" altLang="ko-KR" sz="2000" dirty="0">
+                          <a:latin typeface="CookieRun Regular" panose="020B0600000101010101" pitchFamily="50" charset="-127"/>
+                          <a:ea typeface="CookieRun Regular" panose="020B0600000101010101" pitchFamily="50" charset="-127"/>
+                        </a:rPr>
+                        <a:t>96</a:t>
+                      </a:r>
+                      <a:endParaRPr lang="ko-KR" altLang="en-US" sz="2000" dirty="0">
+                        <a:latin typeface="CookieRun Regular" panose="020B0600000101010101" pitchFamily="50" charset="-127"/>
+                        <a:ea typeface="CookieRun Regular" panose="020B0600000101010101" pitchFamily="50" charset="-127"/>
+                      </a:endParaRPr>
+                    </a:p>
+                  </a:txBody>
+                  <a:tcPr/>
+                </a:tc>
+                <a:extLst>
+                  <a:ext uri="{0D108BD9-81ED-4DB2-BD59-A6C34878D82A}">
+                    <a16:rowId xmlns:a16="http://schemas.microsoft.com/office/drawing/2014/main" val="2566976618"/>
+                  </a:ext>
+                </a:extLst>
+              </a:tr>
+              <a:tr h="370840">
+                <a:tc>
+                  <a:txBody>
+                    <a:bodyPr/>
+                    <a:lstStyle/>
+                    <a:p>
+                      <a:pPr algn="ctr" latinLnBrk="1"/>
+                      <a:r>
+                        <a:rPr lang="en-US" altLang="ko-KR" sz="2000" dirty="0">
+                          <a:latin typeface="CookieRun Regular" panose="020B0600000101010101" pitchFamily="50" charset="-127"/>
+                          <a:ea typeface="CookieRun Regular" panose="020B0600000101010101" pitchFamily="50" charset="-127"/>
+                        </a:rPr>
+                        <a:t>9</a:t>
+                      </a:r>
+                      <a:endParaRPr lang="ko-KR" altLang="en-US" sz="2000" dirty="0">
+                        <a:latin typeface="CookieRun Regular" panose="020B0600000101010101" pitchFamily="50" charset="-127"/>
+                        <a:ea typeface="CookieRun Regular" panose="020B0600000101010101" pitchFamily="50" charset="-127"/>
+                      </a:endParaRPr>
+                    </a:p>
+                  </a:txBody>
+                  <a:tcPr/>
+                </a:tc>
+                <a:tc>
+                  <a:txBody>
+                    <a:bodyPr/>
+                    <a:lstStyle/>
+                    <a:p>
+                      <a:pPr algn="ctr" latinLnBrk="1"/>
+                      <a:endParaRPr lang="ko-KR" altLang="en-US" sz="2000" dirty="0">
+                        <a:latin typeface="CookieRun Regular" panose="020B0600000101010101" pitchFamily="50" charset="-127"/>
+                        <a:ea typeface="CookieRun Regular" panose="020B0600000101010101" pitchFamily="50" charset="-127"/>
+                      </a:endParaRPr>
+                    </a:p>
+                  </a:txBody>
+                  <a:tcPr/>
+                </a:tc>
+                <a:tc>
+                  <a:txBody>
+                    <a:bodyPr/>
+                    <a:lstStyle/>
+                    <a:p>
+                      <a:pPr algn="ctr" latinLnBrk="1"/>
+                      <a:r>
+                        <a:rPr lang="en-US" altLang="ko-KR" sz="2000" dirty="0">
+                          <a:latin typeface="CookieRun Regular" panose="020B0600000101010101" pitchFamily="50" charset="-127"/>
+                          <a:ea typeface="CookieRun Regular" panose="020B0600000101010101" pitchFamily="50" charset="-127"/>
+                        </a:rPr>
+                        <a:t>-1</a:t>
+                      </a:r>
+                      <a:endParaRPr lang="ko-KR" altLang="en-US" sz="2000" dirty="0">
+                        <a:latin typeface="CookieRun Regular" panose="020B0600000101010101" pitchFamily="50" charset="-127"/>
+                        <a:ea typeface="CookieRun Regular" panose="020B0600000101010101" pitchFamily="50" charset="-127"/>
+                      </a:endParaRPr>
+                    </a:p>
+                  </a:txBody>
+                  <a:tcPr/>
+                </a:tc>
+                <a:extLst>
+                  <a:ext uri="{0D108BD9-81ED-4DB2-BD59-A6C34878D82A}">
+                    <a16:rowId xmlns:a16="http://schemas.microsoft.com/office/drawing/2014/main" val="2623417769"/>
+                  </a:ext>
+                </a:extLst>
+              </a:tr>
+              <a:tr h="370840">
+                <a:tc>
+                  <a:txBody>
+                    <a:bodyPr/>
+                    <a:lstStyle/>
+                    <a:p>
+                      <a:pPr algn="ctr" latinLnBrk="1"/>
+                      <a:r>
+                        <a:rPr lang="en-US" altLang="ko-KR" sz="2000" dirty="0">
+                          <a:latin typeface="CookieRun Regular" panose="020B0600000101010101" pitchFamily="50" charset="-127"/>
+                          <a:ea typeface="CookieRun Regular" panose="020B0600000101010101" pitchFamily="50" charset="-127"/>
+                        </a:rPr>
+                        <a:t>10</a:t>
+                      </a:r>
+                      <a:endParaRPr lang="ko-KR" altLang="en-US" sz="2000" dirty="0">
+                        <a:latin typeface="CookieRun Regular" panose="020B0600000101010101" pitchFamily="50" charset="-127"/>
+                        <a:ea typeface="CookieRun Regular" panose="020B0600000101010101" pitchFamily="50" charset="-127"/>
+                      </a:endParaRPr>
+                    </a:p>
+                  </a:txBody>
+                  <a:tcPr/>
+                </a:tc>
+                <a:tc>
+                  <a:txBody>
+                    <a:bodyPr/>
+                    <a:lstStyle/>
+                    <a:p>
+                      <a:pPr algn="ctr" latinLnBrk="1"/>
+                      <a:endParaRPr lang="ko-KR" altLang="en-US" sz="2000" dirty="0">
+                        <a:latin typeface="CookieRun Regular" panose="020B0600000101010101" pitchFamily="50" charset="-127"/>
+                        <a:ea typeface="CookieRun Regular" panose="020B0600000101010101" pitchFamily="50" charset="-127"/>
+                      </a:endParaRPr>
+                    </a:p>
+                  </a:txBody>
+                  <a:tcPr/>
+                </a:tc>
+                <a:tc>
+                  <a:txBody>
+                    <a:bodyPr/>
+                    <a:lstStyle/>
+                    <a:p>
+                      <a:pPr algn="ctr" latinLnBrk="1"/>
+                      <a:r>
+                        <a:rPr lang="en-US" altLang="ko-KR" sz="2000" dirty="0">
+                          <a:latin typeface="CookieRun Regular" panose="020B0600000101010101" pitchFamily="50" charset="-127"/>
+                          <a:ea typeface="CookieRun Regular" panose="020B0600000101010101" pitchFamily="50" charset="-127"/>
+                        </a:rPr>
+                        <a:t>-1</a:t>
+                      </a:r>
+                      <a:endParaRPr lang="ko-KR" altLang="en-US" sz="2000" dirty="0">
+                        <a:latin typeface="CookieRun Regular" panose="020B0600000101010101" pitchFamily="50" charset="-127"/>
+                        <a:ea typeface="CookieRun Regular" panose="020B0600000101010101" pitchFamily="50" charset="-127"/>
+                      </a:endParaRPr>
+                    </a:p>
+                  </a:txBody>
+                  <a:tcPr/>
+                </a:tc>
+                <a:extLst>
+                  <a:ext uri="{0D108BD9-81ED-4DB2-BD59-A6C34878D82A}">
+                    <a16:rowId xmlns:a16="http://schemas.microsoft.com/office/drawing/2014/main" val="4067975712"/>
+                  </a:ext>
+                </a:extLst>
+              </a:tr>
+              <a:tr h="370840">
+                <a:tc>
+                  <a:txBody>
+                    <a:bodyPr/>
+                    <a:lstStyle/>
+                    <a:p>
+                      <a:pPr algn="ctr" latinLnBrk="1"/>
+                      <a:r>
+                        <a:rPr lang="en-US" altLang="ko-KR" sz="2000" dirty="0">
+                          <a:latin typeface="CookieRun Regular" panose="020B0600000101010101" pitchFamily="50" charset="-127"/>
+                          <a:ea typeface="CookieRun Regular" panose="020B0600000101010101" pitchFamily="50" charset="-127"/>
+                        </a:rPr>
+                        <a:t>11</a:t>
+                      </a:r>
+                      <a:endParaRPr lang="ko-KR" altLang="en-US" sz="2000" dirty="0">
+                        <a:latin typeface="CookieRun Regular" panose="020B0600000101010101" pitchFamily="50" charset="-127"/>
+                        <a:ea typeface="CookieRun Regular" panose="020B0600000101010101" pitchFamily="50" charset="-127"/>
+                      </a:endParaRPr>
+                    </a:p>
+                  </a:txBody>
+                  <a:tcPr/>
+                </a:tc>
+                <a:tc>
+                  <a:txBody>
+                    <a:bodyPr/>
+                    <a:lstStyle/>
+                    <a:p>
+                      <a:pPr algn="ctr" latinLnBrk="1"/>
+                      <a:endParaRPr lang="ko-KR" altLang="en-US" sz="2000" dirty="0">
+                        <a:latin typeface="CookieRun Regular" panose="020B0600000101010101" pitchFamily="50" charset="-127"/>
+                        <a:ea typeface="CookieRun Regular" panose="020B0600000101010101" pitchFamily="50" charset="-127"/>
+                      </a:endParaRPr>
+                    </a:p>
+                  </a:txBody>
+                  <a:tcPr/>
+                </a:tc>
+                <a:tc>
+                  <a:txBody>
+                    <a:bodyPr/>
+                    <a:lstStyle/>
+                    <a:p>
+                      <a:pPr algn="ctr" latinLnBrk="1"/>
+                      <a:r>
+                        <a:rPr lang="en-US" altLang="ko-KR" sz="2000" dirty="0">
+                          <a:latin typeface="CookieRun Regular" panose="020B0600000101010101" pitchFamily="50" charset="-127"/>
+                          <a:ea typeface="CookieRun Regular" panose="020B0600000101010101" pitchFamily="50" charset="-127"/>
+                        </a:rPr>
+                        <a:t>-1</a:t>
+                      </a:r>
+                      <a:endParaRPr lang="ko-KR" altLang="en-US" sz="2000" dirty="0">
+                        <a:latin typeface="CookieRun Regular" panose="020B0600000101010101" pitchFamily="50" charset="-127"/>
+                        <a:ea typeface="CookieRun Regular" panose="020B0600000101010101" pitchFamily="50" charset="-127"/>
+                      </a:endParaRPr>
+                    </a:p>
+                  </a:txBody>
+                  <a:tcPr/>
+                </a:tc>
+                <a:extLst>
+                  <a:ext uri="{0D108BD9-81ED-4DB2-BD59-A6C34878D82A}">
+                    <a16:rowId xmlns:a16="http://schemas.microsoft.com/office/drawing/2014/main" val="3997706128"/>
+                  </a:ext>
+                </a:extLst>
+              </a:tr>
+              <a:tr h="370840">
+                <a:tc>
+                  <a:txBody>
+                    <a:bodyPr/>
+                    <a:lstStyle/>
+                    <a:p>
+                      <a:pPr algn="ctr" latinLnBrk="1"/>
+                      <a:r>
+                        <a:rPr lang="en-US" altLang="ko-KR" sz="2000" dirty="0">
+                          <a:latin typeface="CookieRun Regular" panose="020B0600000101010101" pitchFamily="50" charset="-127"/>
+                          <a:ea typeface="CookieRun Regular" panose="020B0600000101010101" pitchFamily="50" charset="-127"/>
+                        </a:rPr>
+                        <a:t>12</a:t>
+                      </a:r>
+                      <a:endParaRPr lang="ko-KR" altLang="en-US" sz="2000" dirty="0">
+                        <a:latin typeface="CookieRun Regular" panose="020B0600000101010101" pitchFamily="50" charset="-127"/>
+                        <a:ea typeface="CookieRun Regular" panose="020B0600000101010101" pitchFamily="50" charset="-127"/>
+                      </a:endParaRPr>
+                    </a:p>
+                  </a:txBody>
+                  <a:tcPr/>
+                </a:tc>
+                <a:tc>
+                  <a:txBody>
+                    <a:bodyPr/>
+                    <a:lstStyle/>
+                    <a:p>
+                      <a:pPr algn="ctr" latinLnBrk="1"/>
+                      <a:r>
+                        <a:rPr lang="en-US" altLang="ko-KR" sz="2000" dirty="0">
+                          <a:latin typeface="CookieRun Regular" panose="020B0600000101010101" pitchFamily="50" charset="-127"/>
+                          <a:ea typeface="CookieRun Regular" panose="020B0600000101010101" pitchFamily="50" charset="-127"/>
+                        </a:rPr>
+                        <a:t>I’m</a:t>
+                      </a:r>
+                      <a:endParaRPr lang="ko-KR" altLang="en-US" sz="2000" dirty="0">
+                        <a:latin typeface="CookieRun Regular" panose="020B0600000101010101" pitchFamily="50" charset="-127"/>
+                        <a:ea typeface="CookieRun Regular" panose="020B0600000101010101" pitchFamily="50" charset="-127"/>
+                      </a:endParaRPr>
+                    </a:p>
+                  </a:txBody>
+                  <a:tcPr/>
+                </a:tc>
+                <a:tc>
+                  <a:txBody>
+                    <a:bodyPr/>
+                    <a:lstStyle/>
+                    <a:p>
+                      <a:pPr algn="ctr" latinLnBrk="1"/>
+                      <a:r>
+                        <a:rPr lang="en-US" altLang="ko-KR" sz="2000" dirty="0">
+                          <a:latin typeface="CookieRun Regular" panose="020B0600000101010101" pitchFamily="50" charset="-127"/>
+                          <a:ea typeface="CookieRun Regular" panose="020B0600000101010101" pitchFamily="50" charset="-127"/>
+                        </a:rPr>
+                        <a:t>84</a:t>
+                      </a:r>
+                      <a:endParaRPr lang="ko-KR" altLang="en-US" sz="2000" dirty="0">
+                        <a:latin typeface="CookieRun Regular" panose="020B0600000101010101" pitchFamily="50" charset="-127"/>
+                        <a:ea typeface="CookieRun Regular" panose="020B0600000101010101" pitchFamily="50" charset="-127"/>
+                      </a:endParaRPr>
+                    </a:p>
+                  </a:txBody>
+                  <a:tcPr/>
+                </a:tc>
+                <a:extLst>
+                  <a:ext uri="{0D108BD9-81ED-4DB2-BD59-A6C34878D82A}">
+                    <a16:rowId xmlns:a16="http://schemas.microsoft.com/office/drawing/2014/main" val="4072392319"/>
+                  </a:ext>
+                </a:extLst>
+              </a:tr>
+              <a:tr h="370840">
+                <a:tc>
+                  <a:txBody>
+                    <a:bodyPr/>
+                    <a:lstStyle/>
+                    <a:p>
+                      <a:pPr algn="ctr" latinLnBrk="1"/>
+                      <a:r>
+                        <a:rPr lang="en-US" altLang="ko-KR" sz="2000" dirty="0">
+                          <a:latin typeface="CookieRun Regular" panose="020B0600000101010101" pitchFamily="50" charset="-127"/>
+                          <a:ea typeface="CookieRun Regular" panose="020B0600000101010101" pitchFamily="50" charset="-127"/>
+                        </a:rPr>
+                        <a:t>13</a:t>
+                      </a:r>
+                      <a:endParaRPr lang="ko-KR" altLang="en-US" sz="2000" dirty="0">
+                        <a:latin typeface="CookieRun Regular" panose="020B0600000101010101" pitchFamily="50" charset="-127"/>
+                        <a:ea typeface="CookieRun Regular" panose="020B0600000101010101" pitchFamily="50" charset="-127"/>
+                      </a:endParaRPr>
+                    </a:p>
+                  </a:txBody>
+                  <a:tcPr/>
+                </a:tc>
+                <a:tc>
+                  <a:txBody>
+                    <a:bodyPr/>
+                    <a:lstStyle/>
+                    <a:p>
+                      <a:pPr algn="ctr" latinLnBrk="1"/>
+                      <a:r>
+                        <a:rPr lang="en-US" altLang="ko-KR" sz="2000" dirty="0">
+                          <a:latin typeface="CookieRun Regular" panose="020B0600000101010101" pitchFamily="50" charset="-127"/>
+                          <a:ea typeface="CookieRun Regular" panose="020B0600000101010101" pitchFamily="50" charset="-127"/>
+                        </a:rPr>
+                        <a:t>fine</a:t>
+                      </a:r>
+                      <a:endParaRPr lang="ko-KR" altLang="en-US" sz="2000" dirty="0">
+                        <a:latin typeface="CookieRun Regular" panose="020B0600000101010101" pitchFamily="50" charset="-127"/>
+                        <a:ea typeface="CookieRun Regular" panose="020B0600000101010101" pitchFamily="50" charset="-127"/>
+                      </a:endParaRPr>
+                    </a:p>
+                  </a:txBody>
+                  <a:tcPr/>
+                </a:tc>
+                <a:tc>
+                  <a:txBody>
+                    <a:bodyPr/>
+                    <a:lstStyle/>
+                    <a:p>
+                      <a:pPr algn="ctr" latinLnBrk="1"/>
+                      <a:r>
+                        <a:rPr lang="en-US" altLang="ko-KR" sz="2000" dirty="0">
+                          <a:latin typeface="CookieRun Regular" panose="020B0600000101010101" pitchFamily="50" charset="-127"/>
+                          <a:ea typeface="CookieRun Regular" panose="020B0600000101010101" pitchFamily="50" charset="-127"/>
+                        </a:rPr>
+                        <a:t>92</a:t>
+                      </a:r>
+                      <a:endParaRPr lang="ko-KR" altLang="en-US" sz="2000" dirty="0">
+                        <a:latin typeface="CookieRun Regular" panose="020B0600000101010101" pitchFamily="50" charset="-127"/>
+                        <a:ea typeface="CookieRun Regular" panose="020B0600000101010101" pitchFamily="50" charset="-127"/>
+                      </a:endParaRPr>
+                    </a:p>
+                  </a:txBody>
+                  <a:tcPr/>
+                </a:tc>
+                <a:extLst>
+                  <a:ext uri="{0D108BD9-81ED-4DB2-BD59-A6C34878D82A}">
+                    <a16:rowId xmlns:a16="http://schemas.microsoft.com/office/drawing/2014/main" val="3853792178"/>
+                  </a:ext>
+                </a:extLst>
+              </a:tr>
+              <a:tr h="370840">
+                <a:tc>
+                  <a:txBody>
+                    <a:bodyPr/>
+                    <a:lstStyle/>
+                    <a:p>
+                      <a:pPr algn="ctr" latinLnBrk="1"/>
+                      <a:r>
+                        <a:rPr lang="en-US" altLang="ko-KR" sz="2000" dirty="0">
+                          <a:latin typeface="CookieRun Regular" panose="020B0600000101010101" pitchFamily="50" charset="-127"/>
+                          <a:ea typeface="CookieRun Regular" panose="020B0600000101010101" pitchFamily="50" charset="-127"/>
+                        </a:rPr>
+                        <a:t>14</a:t>
+                      </a:r>
+                      <a:endParaRPr lang="ko-KR" altLang="en-US" sz="2000" dirty="0">
+                        <a:latin typeface="CookieRun Regular" panose="020B0600000101010101" pitchFamily="50" charset="-127"/>
+                        <a:ea typeface="CookieRun Regular" panose="020B0600000101010101" pitchFamily="50" charset="-127"/>
+                      </a:endParaRPr>
+                    </a:p>
+                  </a:txBody>
+                  <a:tcPr/>
+                </a:tc>
+                <a:tc>
+                  <a:txBody>
+                    <a:bodyPr/>
+                    <a:lstStyle/>
+                    <a:p>
+                      <a:pPr algn="ctr" latinLnBrk="1"/>
+                      <a:r>
+                        <a:rPr lang="en-US" altLang="ko-KR" sz="2000" dirty="0" err="1">
+                          <a:latin typeface="CookieRun Regular" panose="020B0600000101010101" pitchFamily="50" charset="-127"/>
+                          <a:ea typeface="CookieRun Regular" panose="020B0600000101010101" pitchFamily="50" charset="-127"/>
+                        </a:rPr>
+                        <a:t>thanky</a:t>
+                      </a:r>
+                      <a:endParaRPr lang="ko-KR" altLang="en-US" sz="2000" dirty="0">
+                        <a:latin typeface="CookieRun Regular" panose="020B0600000101010101" pitchFamily="50" charset="-127"/>
+                        <a:ea typeface="CookieRun Regular" panose="020B0600000101010101" pitchFamily="50" charset="-127"/>
+                      </a:endParaRPr>
+                    </a:p>
+                  </a:txBody>
+                  <a:tcPr/>
+                </a:tc>
+                <a:tc>
+                  <a:txBody>
+                    <a:bodyPr/>
+                    <a:lstStyle/>
+                    <a:p>
+                      <a:pPr algn="ctr" latinLnBrk="1"/>
+                      <a:r>
+                        <a:rPr lang="en-US" altLang="ko-KR" sz="2000" dirty="0">
+                          <a:latin typeface="CookieRun Regular" panose="020B0600000101010101" pitchFamily="50" charset="-127"/>
+                          <a:ea typeface="CookieRun Regular" panose="020B0600000101010101" pitchFamily="50" charset="-127"/>
+                        </a:rPr>
+                        <a:t>91</a:t>
+                      </a:r>
+                      <a:endParaRPr lang="ko-KR" altLang="en-US" sz="2000" dirty="0">
+                        <a:latin typeface="CookieRun Regular" panose="020B0600000101010101" pitchFamily="50" charset="-127"/>
+                        <a:ea typeface="CookieRun Regular" panose="020B0600000101010101" pitchFamily="50" charset="-127"/>
+                      </a:endParaRPr>
+                    </a:p>
+                  </a:txBody>
+                  <a:tcPr/>
+                </a:tc>
+                <a:extLst>
+                  <a:ext uri="{0D108BD9-81ED-4DB2-BD59-A6C34878D82A}">
+                    <a16:rowId xmlns:a16="http://schemas.microsoft.com/office/drawing/2014/main" val="3596910404"/>
+                  </a:ext>
+                </a:extLst>
+              </a:tr>
+              <a:tr h="370840">
+                <a:tc>
+                  <a:txBody>
+                    <a:bodyPr/>
+                    <a:lstStyle/>
+                    <a:p>
+                      <a:pPr algn="ctr" latinLnBrk="1"/>
+                      <a:r>
+                        <a:rPr lang="en-US" altLang="ko-KR" sz="2000" dirty="0">
+                          <a:latin typeface="CookieRun Regular" panose="020B0600000101010101" pitchFamily="50" charset="-127"/>
+                          <a:ea typeface="CookieRun Regular" panose="020B0600000101010101" pitchFamily="50" charset="-127"/>
+                        </a:rPr>
+                        <a:t>15</a:t>
+                      </a:r>
+                      <a:endParaRPr lang="ko-KR" altLang="en-US" sz="2000" dirty="0">
+                        <a:latin typeface="CookieRun Regular" panose="020B0600000101010101" pitchFamily="50" charset="-127"/>
+                        <a:ea typeface="CookieRun Regular" panose="020B0600000101010101" pitchFamily="50" charset="-127"/>
+                      </a:endParaRPr>
+                    </a:p>
+                  </a:txBody>
+                  <a:tcPr/>
+                </a:tc>
+                <a:tc>
+                  <a:txBody>
+                    <a:bodyPr/>
+                    <a:lstStyle/>
+                    <a:p>
+                      <a:pPr algn="ctr" latinLnBrk="1"/>
+                      <a:r>
+                        <a:rPr lang="en-US" altLang="ko-KR" sz="2000" dirty="0">
+                          <a:latin typeface="CookieRun Regular" panose="020B0600000101010101" pitchFamily="50" charset="-127"/>
+                          <a:ea typeface="CookieRun Regular" panose="020B0600000101010101" pitchFamily="50" charset="-127"/>
+                        </a:rPr>
+                        <a:t>&amp;</a:t>
+                      </a:r>
+                      <a:endParaRPr lang="ko-KR" altLang="en-US" sz="2000" dirty="0">
+                        <a:latin typeface="CookieRun Regular" panose="020B0600000101010101" pitchFamily="50" charset="-127"/>
+                        <a:ea typeface="CookieRun Regular" panose="020B0600000101010101" pitchFamily="50" charset="-127"/>
+                      </a:endParaRPr>
+                    </a:p>
+                  </a:txBody>
+                  <a:tcPr/>
+                </a:tc>
+                <a:tc>
+                  <a:txBody>
+                    <a:bodyPr/>
+                    <a:lstStyle/>
+                    <a:p>
+                      <a:pPr algn="ctr" latinLnBrk="1"/>
+                      <a:r>
+                        <a:rPr lang="en-US" altLang="ko-KR" sz="2000" dirty="0">
+                          <a:latin typeface="CookieRun Regular" panose="020B0600000101010101" pitchFamily="50" charset="-127"/>
+                          <a:ea typeface="CookieRun Regular" panose="020B0600000101010101" pitchFamily="50" charset="-127"/>
+                        </a:rPr>
+                        <a:t>93</a:t>
+                      </a:r>
+                      <a:endParaRPr lang="ko-KR" altLang="en-US" sz="2000" dirty="0">
+                        <a:latin typeface="CookieRun Regular" panose="020B0600000101010101" pitchFamily="50" charset="-127"/>
+                        <a:ea typeface="CookieRun Regular" panose="020B0600000101010101" pitchFamily="50" charset="-127"/>
+                      </a:endParaRPr>
+                    </a:p>
+                  </a:txBody>
+                  <a:tcPr/>
+                </a:tc>
+                <a:extLst>
+                  <a:ext uri="{0D108BD9-81ED-4DB2-BD59-A6C34878D82A}">
+                    <a16:rowId xmlns:a16="http://schemas.microsoft.com/office/drawing/2014/main" val="3483535529"/>
+                  </a:ext>
+                </a:extLst>
+              </a:tr>
+              <a:tr h="370840">
+                <a:tc>
+                  <a:txBody>
+                    <a:bodyPr/>
+                    <a:lstStyle/>
+                    <a:p>
+                      <a:pPr algn="ctr" latinLnBrk="1"/>
+                      <a:r>
+                        <a:rPr lang="en-US" altLang="ko-KR" sz="2000" dirty="0">
+                          <a:latin typeface="CookieRun Regular" panose="020B0600000101010101" pitchFamily="50" charset="-127"/>
+                          <a:ea typeface="CookieRun Regular" panose="020B0600000101010101" pitchFamily="50" charset="-127"/>
+                        </a:rPr>
+                        <a:t>16</a:t>
+                      </a:r>
+                      <a:endParaRPr lang="ko-KR" altLang="en-US" sz="2000" dirty="0">
+                        <a:latin typeface="CookieRun Regular" panose="020B0600000101010101" pitchFamily="50" charset="-127"/>
+                        <a:ea typeface="CookieRun Regular" panose="020B0600000101010101" pitchFamily="50" charset="-127"/>
+                      </a:endParaRPr>
+                    </a:p>
+                  </a:txBody>
+                  <a:tcPr/>
+                </a:tc>
+                <a:tc>
+                  <a:txBody>
+                    <a:bodyPr/>
+                    <a:lstStyle/>
+                    <a:p>
+                      <a:pPr algn="ctr" latinLnBrk="1"/>
+                      <a:r>
+                        <a:rPr lang="en-US" altLang="ko-KR" sz="2000" dirty="0">
+                          <a:latin typeface="CookieRun Regular" panose="020B0600000101010101" pitchFamily="50" charset="-127"/>
+                          <a:ea typeface="CookieRun Regular" panose="020B0600000101010101" pitchFamily="50" charset="-127"/>
+                        </a:rPr>
+                        <a:t>you?</a:t>
+                      </a:r>
+                      <a:endParaRPr lang="ko-KR" altLang="en-US" sz="2000" dirty="0">
+                        <a:latin typeface="CookieRun Regular" panose="020B0600000101010101" pitchFamily="50" charset="-127"/>
+                        <a:ea typeface="CookieRun Regular" panose="020B0600000101010101" pitchFamily="50" charset="-127"/>
+                      </a:endParaRPr>
+                    </a:p>
+                  </a:txBody>
+                  <a:tcPr/>
+                </a:tc>
+                <a:tc>
+                  <a:txBody>
+                    <a:bodyPr/>
+                    <a:lstStyle/>
+                    <a:p>
+                      <a:pPr algn="ctr" latinLnBrk="1"/>
+                      <a:r>
+                        <a:rPr lang="en-US" altLang="ko-KR" sz="2000" dirty="0">
+                          <a:latin typeface="CookieRun Regular" panose="020B0600000101010101" pitchFamily="50" charset="-127"/>
+                          <a:ea typeface="CookieRun Regular" panose="020B0600000101010101" pitchFamily="50" charset="-127"/>
+                        </a:rPr>
+                        <a:t>96</a:t>
+                      </a:r>
+                      <a:endParaRPr lang="ko-KR" altLang="en-US" sz="2000" dirty="0">
+                        <a:latin typeface="CookieRun Regular" panose="020B0600000101010101" pitchFamily="50" charset="-127"/>
+                        <a:ea typeface="CookieRun Regular" panose="020B0600000101010101" pitchFamily="50" charset="-127"/>
+                      </a:endParaRPr>
+                    </a:p>
+                  </a:txBody>
+                  <a:tcPr/>
+                </a:tc>
+                <a:extLst>
+                  <a:ext uri="{0D108BD9-81ED-4DB2-BD59-A6C34878D82A}">
+                    <a16:rowId xmlns:a16="http://schemas.microsoft.com/office/drawing/2014/main" val="3422269083"/>
+                  </a:ext>
+                </a:extLst>
+              </a:tr>
+            </a:tbl>
+          </a:graphicData>
+        </a:graphic>
+      </p:graphicFrame>
+      <p:sp>
+        <p:nvSpPr>
+          <p:cNvPr id="8" name="TextBox 7">
+            <a:extLst>
+              <a:ext uri="{FF2B5EF4-FFF2-40B4-BE49-F238E27FC236}">
+                <a16:creationId xmlns:a16="http://schemas.microsoft.com/office/drawing/2014/main" id="{C94804A6-44A2-3914-F193-41FE98DC159F}"/>
+              </a:ext>
+            </a:extLst>
+          </p:cNvPr>
+          <p:cNvSpPr txBox="1"/>
+          <p:nvPr/>
+        </p:nvSpPr>
+        <p:spPr>
+          <a:xfrm>
+            <a:off x="7091487" y="715014"/>
+            <a:ext cx="2976136" cy="923330"/>
+          </a:xfrm>
+          <a:prstGeom prst="rect">
+            <a:avLst/>
+          </a:prstGeom>
+          <a:noFill/>
+        </p:spPr>
+        <p:txBody>
+          <a:bodyPr wrap="none" rtlCol="0">
+            <a:spAutoFit/>
+          </a:bodyPr>
+          <a:lstStyle/>
+          <a:p>
+            <a:r>
+              <a:rPr lang="en-US" altLang="ko-KR" sz="5400" dirty="0">
+                <a:latin typeface="CookieRun Regular" panose="020B0600000101010101" pitchFamily="50" charset="-127"/>
+                <a:ea typeface="CookieRun Regular" panose="020B0600000101010101" pitchFamily="50" charset="-127"/>
+              </a:rPr>
+              <a:t>OCR</a:t>
+            </a:r>
+            <a:r>
+              <a:rPr lang="ko-KR" altLang="en-US" sz="5400" dirty="0">
+                <a:latin typeface="CookieRun Regular" panose="020B0600000101010101" pitchFamily="50" charset="-127"/>
+                <a:ea typeface="CookieRun Regular" panose="020B0600000101010101" pitchFamily="50" charset="-127"/>
+              </a:rPr>
+              <a:t> </a:t>
+            </a:r>
+            <a:r>
+              <a:rPr lang="en-US" altLang="ko-KR" sz="5400" dirty="0">
+                <a:latin typeface="CookieRun Regular" panose="020B0600000101010101" pitchFamily="50" charset="-127"/>
+                <a:ea typeface="CookieRun Regular" panose="020B0600000101010101" pitchFamily="50" charset="-127"/>
+              </a:rPr>
+              <a:t>Box</a:t>
+            </a:r>
+            <a:endParaRPr lang="ko-KR" altLang="en-US" sz="5400" dirty="0">
+              <a:latin typeface="CookieRun Regular" panose="020B0600000101010101" pitchFamily="50" charset="-127"/>
+              <a:ea typeface="CookieRun Regular" panose="020B0600000101010101" pitchFamily="50" charset="-127"/>
+            </a:endParaRPr>
+          </a:p>
+        </p:txBody>
+      </p:sp>
+      <p:sp>
+        <p:nvSpPr>
+          <p:cNvPr id="9" name="직사각형 8">
+            <a:extLst>
+              <a:ext uri="{FF2B5EF4-FFF2-40B4-BE49-F238E27FC236}">
+                <a16:creationId xmlns:a16="http://schemas.microsoft.com/office/drawing/2014/main" id="{D0C0C81B-6FD6-FC3E-3169-F7E29212E5D8}"/>
+              </a:ext>
+            </a:extLst>
+          </p:cNvPr>
+          <p:cNvSpPr/>
+          <p:nvPr/>
+        </p:nvSpPr>
+        <p:spPr>
+          <a:xfrm>
+            <a:off x="228602" y="3124201"/>
+            <a:ext cx="4706256" cy="1489808"/>
+          </a:xfrm>
+          <a:prstGeom prst="rect">
+            <a:avLst/>
+          </a:prstGeom>
+          <a:noFill/>
+          <a:ln w="76200">
+            <a:solidFill>
+              <a:srgbClr val="FF0000"/>
+            </a:solidFill>
+          </a:ln>
+        </p:spPr>
+        <p:style>
+          <a:lnRef idx="2">
+            <a:schemeClr val="accent1">
+              <a:shade val="15000"/>
+            </a:schemeClr>
+          </a:lnRef>
+          <a:fillRef idx="1">
+            <a:schemeClr val="accent1"/>
+          </a:fillRef>
+          <a:effectRef idx="0">
+            <a:schemeClr val="accent1"/>
+          </a:effectRef>
+          <a:fontRef idx="minor">
+            <a:schemeClr val="lt1"/>
+          </a:fontRef>
+        </p:style>
+        <p:txBody>
+          <a:bodyPr rtlCol="0" anchor="ctr"/>
+          <a:lstStyle/>
+          <a:p>
+            <a:pPr algn="ctr"/>
+            <a:endParaRPr lang="ko-KR" altLang="en-US" dirty="0"/>
+          </a:p>
+        </p:txBody>
+      </p:sp>
+    </p:spTree>
+    <p:extLst>
+      <p:ext uri="{BB962C8B-B14F-4D97-AF65-F5344CB8AC3E}">
+        <p14:creationId xmlns:p14="http://schemas.microsoft.com/office/powerpoint/2010/main" val="1281389761"/>
+      </p:ext>
+    </p:extLst>
+  </p:cSld>
+  <p:clrMapOvr>
+    <a:masterClrMapping/>
+  </p:clrMapOvr>
+  <mc:AlternateContent xmlns:mc="http://schemas.openxmlformats.org/markup-compatibility/2006">
+    <mc:Choice xmlns:p159="http://schemas.microsoft.com/office/powerpoint/2015/09/main" Requires="p159">
+      <p:transition spd="slow">
+        <p159:morph option="byObject"/>
+      </p:transition>
+    </mc:Choice>
+    <mc:Fallback>
+      <p:transition spd="slow">
+        <p:fade/>
+      </p:transition>
+    </mc:Fallback>
+  </mc:AlternateContent>
+</p:sld>
+</file>
+
+<file path=ppt/slides/slide25.xml><?xml version="1.0" encoding="utf-8"?>
+<p:sld xmlns:a="http://schemas.openxmlformats.org/drawingml/2006/main" xmlns:r="http://schemas.openxmlformats.org/officeDocument/2006/relationships" xmlns:p="http://schemas.openxmlformats.org/presentationml/2006/main">
+  <p:cSld>
+    <p:spTree>
+      <p:nvGrpSpPr>
+        <p:cNvPr id="1" name="">
+          <a:extLst>
+            <a:ext uri="{FF2B5EF4-FFF2-40B4-BE49-F238E27FC236}">
+              <a16:creationId xmlns:a16="http://schemas.microsoft.com/office/drawing/2014/main" id="{0E45E723-BE80-FF5F-2F2D-031C436133CF}"/>
+            </a:ext>
+          </a:extLst>
+        </p:cNvPr>
+        <p:cNvGrpSpPr/>
+        <p:nvPr/>
+      </p:nvGrpSpPr>
+      <p:grpSpPr>
+        <a:xfrm>
+          <a:off x="0" y="0"/>
+          <a:ext cx="0" cy="0"/>
+          <a:chOff x="0" y="0"/>
+          <a:chExt cx="0" cy="0"/>
+        </a:xfrm>
+      </p:grpSpPr>
+      <p:sp>
+        <p:nvSpPr>
+          <p:cNvPr id="2" name="슬라이드 번호 개체 틀 1">
+            <a:extLst>
+              <a:ext uri="{FF2B5EF4-FFF2-40B4-BE49-F238E27FC236}">
+                <a16:creationId xmlns:a16="http://schemas.microsoft.com/office/drawing/2014/main" id="{FEF23C80-69FB-A72F-A034-42BB707C07C1}"/>
+              </a:ext>
+            </a:extLst>
+          </p:cNvPr>
+          <p:cNvSpPr>
+            <a:spLocks noGrp="1"/>
+          </p:cNvSpPr>
+          <p:nvPr>
+            <p:ph type="sldNum" sz="quarter" idx="12"/>
+          </p:nvPr>
+        </p:nvSpPr>
+        <p:spPr/>
+        <p:txBody>
+          <a:bodyPr/>
+          <a:lstStyle/>
+          <a:p>
+            <a:fld id="{C5002163-FFAF-417C-9C20-DC892DFE9806}" type="slidenum">
+              <a:rPr lang="ko-KR" altLang="en-US" smtClean="0"/>
+              <a:pPr/>
+              <a:t>24</a:t>
+            </a:fld>
+            <a:endParaRPr lang="ko-KR" altLang="en-US" dirty="0"/>
+          </a:p>
+        </p:txBody>
+      </p:sp>
+      <p:graphicFrame>
+        <p:nvGraphicFramePr>
+          <p:cNvPr id="3" name="표 2">
+            <a:extLst>
+              <a:ext uri="{FF2B5EF4-FFF2-40B4-BE49-F238E27FC236}">
+                <a16:creationId xmlns:a16="http://schemas.microsoft.com/office/drawing/2014/main" id="{3CCB3063-0DE2-9FB7-1E4E-AACD50221D49}"/>
+              </a:ext>
+            </a:extLst>
+          </p:cNvPr>
+          <p:cNvGraphicFramePr>
+            <a:graphicFrameLocks noGrp="1"/>
+          </p:cNvGraphicFramePr>
+          <p:nvPr>
+            <p:extLst>
+              <p:ext uri="{D42A27DB-BD31-4B8C-83A1-F6EECF244321}">
+                <p14:modId xmlns:p14="http://schemas.microsoft.com/office/powerpoint/2010/main" val="1520910939"/>
+              </p:ext>
+            </p:extLst>
+          </p:nvPr>
+        </p:nvGraphicFramePr>
+        <p:xfrm>
+          <a:off x="412044" y="1676444"/>
+          <a:ext cx="4397024" cy="7132320"/>
+        </p:xfrm>
+        <a:graphic>
+          <a:graphicData uri="http://schemas.openxmlformats.org/drawingml/2006/table">
+            <a:tbl>
+              <a:tblPr firstRow="1" bandRow="1">
+                <a:tableStyleId>{5940675A-B579-460E-94D1-54222C63F5DA}</a:tableStyleId>
+              </a:tblPr>
+              <a:tblGrid>
+                <a:gridCol w="642546">
+                  <a:extLst>
+                    <a:ext uri="{9D8B030D-6E8A-4147-A177-3AD203B41FA5}">
+                      <a16:colId xmlns:a16="http://schemas.microsoft.com/office/drawing/2014/main" val="3747240666"/>
+                    </a:ext>
+                  </a:extLst>
+                </a:gridCol>
+                <a:gridCol w="1877239">
+                  <a:extLst>
+                    <a:ext uri="{9D8B030D-6E8A-4147-A177-3AD203B41FA5}">
+                      <a16:colId xmlns:a16="http://schemas.microsoft.com/office/drawing/2014/main" val="1865539625"/>
+                    </a:ext>
+                  </a:extLst>
+                </a:gridCol>
+                <a:gridCol w="1877239">
+                  <a:extLst>
+                    <a:ext uri="{9D8B030D-6E8A-4147-A177-3AD203B41FA5}">
+                      <a16:colId xmlns:a16="http://schemas.microsoft.com/office/drawing/2014/main" val="2198382097"/>
+                    </a:ext>
+                  </a:extLst>
+                </a:gridCol>
+              </a:tblGrid>
+              <a:tr h="370840">
+                <a:tc>
+                  <a:txBody>
+                    <a:bodyPr/>
+                    <a:lstStyle/>
+                    <a:p>
+                      <a:pPr algn="ctr" latinLnBrk="1"/>
+                      <a:endParaRPr lang="ko-KR" altLang="en-US" sz="2000" dirty="0">
+                        <a:latin typeface="CookieRun Regular" panose="020B0600000101010101" pitchFamily="50" charset="-127"/>
+                        <a:ea typeface="CookieRun Regular" panose="020B0600000101010101" pitchFamily="50" charset="-127"/>
+                      </a:endParaRPr>
+                    </a:p>
+                  </a:txBody>
+                  <a:tcPr/>
+                </a:tc>
+                <a:tc>
+                  <a:txBody>
+                    <a:bodyPr/>
+                    <a:lstStyle/>
+                    <a:p>
+                      <a:pPr algn="ctr" latinLnBrk="1"/>
+                      <a:r>
+                        <a:rPr lang="en-US" altLang="ko-KR" sz="2000" dirty="0">
+                          <a:latin typeface="CookieRun Regular" panose="020B0600000101010101" pitchFamily="50" charset="-127"/>
+                          <a:ea typeface="CookieRun Regular" panose="020B0600000101010101" pitchFamily="50" charset="-127"/>
+                        </a:rPr>
+                        <a:t>Text</a:t>
+                      </a:r>
+                      <a:endParaRPr lang="ko-KR" altLang="en-US" sz="2000" dirty="0">
+                        <a:latin typeface="CookieRun Regular" panose="020B0600000101010101" pitchFamily="50" charset="-127"/>
+                        <a:ea typeface="CookieRun Regular" panose="020B0600000101010101" pitchFamily="50" charset="-127"/>
+                      </a:endParaRPr>
+                    </a:p>
+                  </a:txBody>
+                  <a:tcPr/>
+                </a:tc>
+                <a:tc>
+                  <a:txBody>
+                    <a:bodyPr/>
+                    <a:lstStyle/>
+                    <a:p>
+                      <a:pPr algn="ctr" latinLnBrk="1"/>
+                      <a:r>
+                        <a:rPr lang="en-US" altLang="ko-KR" sz="2000" dirty="0">
+                          <a:latin typeface="CookieRun Regular" panose="020B0600000101010101" pitchFamily="50" charset="-127"/>
+                          <a:ea typeface="CookieRun Regular" panose="020B0600000101010101" pitchFamily="50" charset="-127"/>
+                        </a:rPr>
+                        <a:t>Confidence</a:t>
+                      </a:r>
+                    </a:p>
+                  </a:txBody>
+                  <a:tcPr/>
+                </a:tc>
+                <a:extLst>
+                  <a:ext uri="{0D108BD9-81ED-4DB2-BD59-A6C34878D82A}">
+                    <a16:rowId xmlns:a16="http://schemas.microsoft.com/office/drawing/2014/main" val="1815166801"/>
+                  </a:ext>
+                </a:extLst>
+              </a:tr>
+              <a:tr h="370840">
+                <a:tc>
+                  <a:txBody>
+                    <a:bodyPr/>
+                    <a:lstStyle/>
+                    <a:p>
+                      <a:pPr algn="ctr" latinLnBrk="1"/>
+                      <a:r>
+                        <a:rPr lang="en-US" altLang="ko-KR" sz="2000" dirty="0">
+                          <a:latin typeface="CookieRun Regular" panose="020B0600000101010101" pitchFamily="50" charset="-127"/>
+                          <a:ea typeface="CookieRun Regular" panose="020B0600000101010101" pitchFamily="50" charset="-127"/>
+                        </a:rPr>
+                        <a:t>0</a:t>
+                      </a:r>
+                      <a:endParaRPr lang="ko-KR" altLang="en-US" sz="2000" dirty="0">
+                        <a:latin typeface="CookieRun Regular" panose="020B0600000101010101" pitchFamily="50" charset="-127"/>
+                        <a:ea typeface="CookieRun Regular" panose="020B0600000101010101" pitchFamily="50" charset="-127"/>
+                      </a:endParaRPr>
+                    </a:p>
+                  </a:txBody>
+                  <a:tcPr/>
+                </a:tc>
+                <a:tc>
+                  <a:txBody>
+                    <a:bodyPr/>
+                    <a:lstStyle/>
+                    <a:p>
+                      <a:pPr algn="ctr" latinLnBrk="1"/>
+                      <a:endParaRPr lang="ko-KR" altLang="en-US" sz="2000" dirty="0">
+                        <a:latin typeface="CookieRun Regular" panose="020B0600000101010101" pitchFamily="50" charset="-127"/>
+                        <a:ea typeface="CookieRun Regular" panose="020B0600000101010101" pitchFamily="50" charset="-127"/>
+                      </a:endParaRPr>
+                    </a:p>
+                  </a:txBody>
+                  <a:tcPr/>
+                </a:tc>
+                <a:tc>
+                  <a:txBody>
+                    <a:bodyPr/>
+                    <a:lstStyle/>
+                    <a:p>
+                      <a:pPr algn="ctr" latinLnBrk="1"/>
+                      <a:r>
+                        <a:rPr lang="en-US" altLang="ko-KR" sz="2000" dirty="0">
+                          <a:latin typeface="CookieRun Regular" panose="020B0600000101010101" pitchFamily="50" charset="-127"/>
+                          <a:ea typeface="CookieRun Regular" panose="020B0600000101010101" pitchFamily="50" charset="-127"/>
+                        </a:rPr>
+                        <a:t>-1</a:t>
+                      </a:r>
+                      <a:endParaRPr lang="ko-KR" altLang="en-US" sz="2000" dirty="0">
+                        <a:latin typeface="CookieRun Regular" panose="020B0600000101010101" pitchFamily="50" charset="-127"/>
+                        <a:ea typeface="CookieRun Regular" panose="020B0600000101010101" pitchFamily="50" charset="-127"/>
+                      </a:endParaRPr>
+                    </a:p>
+                  </a:txBody>
+                  <a:tcPr/>
+                </a:tc>
+                <a:extLst>
+                  <a:ext uri="{0D108BD9-81ED-4DB2-BD59-A6C34878D82A}">
+                    <a16:rowId xmlns:a16="http://schemas.microsoft.com/office/drawing/2014/main" val="1940185174"/>
+                  </a:ext>
+                </a:extLst>
+              </a:tr>
+              <a:tr h="370840">
+                <a:tc>
+                  <a:txBody>
+                    <a:bodyPr/>
+                    <a:lstStyle/>
+                    <a:p>
+                      <a:pPr algn="ctr" latinLnBrk="1"/>
+                      <a:r>
+                        <a:rPr lang="en-US" altLang="ko-KR" sz="2000" dirty="0">
+                          <a:latin typeface="CookieRun Regular" panose="020B0600000101010101" pitchFamily="50" charset="-127"/>
+                          <a:ea typeface="CookieRun Regular" panose="020B0600000101010101" pitchFamily="50" charset="-127"/>
+                        </a:rPr>
+                        <a:t>1</a:t>
+                      </a:r>
+                      <a:endParaRPr lang="ko-KR" altLang="en-US" sz="2000" dirty="0">
+                        <a:latin typeface="CookieRun Regular" panose="020B0600000101010101" pitchFamily="50" charset="-127"/>
+                        <a:ea typeface="CookieRun Regular" panose="020B0600000101010101" pitchFamily="50" charset="-127"/>
+                      </a:endParaRPr>
+                    </a:p>
+                  </a:txBody>
+                  <a:tcPr/>
+                </a:tc>
+                <a:tc>
+                  <a:txBody>
+                    <a:bodyPr/>
+                    <a:lstStyle/>
+                    <a:p>
+                      <a:pPr algn="ctr" latinLnBrk="1"/>
+                      <a:endParaRPr lang="ko-KR" altLang="en-US" sz="2000" dirty="0">
+                        <a:latin typeface="CookieRun Regular" panose="020B0600000101010101" pitchFamily="50" charset="-127"/>
+                        <a:ea typeface="CookieRun Regular" panose="020B0600000101010101" pitchFamily="50" charset="-127"/>
+                      </a:endParaRPr>
+                    </a:p>
+                  </a:txBody>
+                  <a:tcPr/>
+                </a:tc>
+                <a:tc>
+                  <a:txBody>
+                    <a:bodyPr/>
+                    <a:lstStyle/>
+                    <a:p>
+                      <a:pPr algn="ctr" latinLnBrk="1"/>
+                      <a:r>
+                        <a:rPr lang="en-US" altLang="ko-KR" sz="2000" dirty="0">
+                          <a:latin typeface="CookieRun Regular" panose="020B0600000101010101" pitchFamily="50" charset="-127"/>
+                          <a:ea typeface="CookieRun Regular" panose="020B0600000101010101" pitchFamily="50" charset="-127"/>
+                        </a:rPr>
+                        <a:t>-1</a:t>
+                      </a:r>
+                      <a:endParaRPr lang="ko-KR" altLang="en-US" sz="2000" dirty="0">
+                        <a:latin typeface="CookieRun Regular" panose="020B0600000101010101" pitchFamily="50" charset="-127"/>
+                        <a:ea typeface="CookieRun Regular" panose="020B0600000101010101" pitchFamily="50" charset="-127"/>
+                      </a:endParaRPr>
+                    </a:p>
+                  </a:txBody>
+                  <a:tcPr/>
+                </a:tc>
+                <a:extLst>
+                  <a:ext uri="{0D108BD9-81ED-4DB2-BD59-A6C34878D82A}">
+                    <a16:rowId xmlns:a16="http://schemas.microsoft.com/office/drawing/2014/main" val="2586202196"/>
+                  </a:ext>
+                </a:extLst>
+              </a:tr>
+              <a:tr h="370840">
+                <a:tc>
+                  <a:txBody>
+                    <a:bodyPr/>
+                    <a:lstStyle/>
+                    <a:p>
+                      <a:pPr algn="ctr" latinLnBrk="1"/>
+                      <a:r>
+                        <a:rPr lang="en-US" altLang="ko-KR" sz="2000" dirty="0">
+                          <a:latin typeface="CookieRun Regular" panose="020B0600000101010101" pitchFamily="50" charset="-127"/>
+                          <a:ea typeface="CookieRun Regular" panose="020B0600000101010101" pitchFamily="50" charset="-127"/>
+                        </a:rPr>
+                        <a:t>2</a:t>
+                      </a:r>
+                      <a:endParaRPr lang="ko-KR" altLang="en-US" sz="2000" dirty="0">
+                        <a:latin typeface="CookieRun Regular" panose="020B0600000101010101" pitchFamily="50" charset="-127"/>
+                        <a:ea typeface="CookieRun Regular" panose="020B0600000101010101" pitchFamily="50" charset="-127"/>
+                      </a:endParaRPr>
+                    </a:p>
+                  </a:txBody>
+                  <a:tcPr/>
+                </a:tc>
+                <a:tc>
+                  <a:txBody>
+                    <a:bodyPr/>
+                    <a:lstStyle/>
+                    <a:p>
+                      <a:pPr algn="ctr" latinLnBrk="1"/>
+                      <a:endParaRPr lang="ko-KR" altLang="en-US" sz="2000" dirty="0">
+                        <a:latin typeface="CookieRun Regular" panose="020B0600000101010101" pitchFamily="50" charset="-127"/>
+                        <a:ea typeface="CookieRun Regular" panose="020B0600000101010101" pitchFamily="50" charset="-127"/>
+                      </a:endParaRPr>
+                    </a:p>
+                  </a:txBody>
+                  <a:tcPr/>
+                </a:tc>
+                <a:tc>
+                  <a:txBody>
+                    <a:bodyPr/>
+                    <a:lstStyle/>
+                    <a:p>
+                      <a:pPr algn="ctr" latinLnBrk="1"/>
+                      <a:r>
+                        <a:rPr lang="en-US" altLang="ko-KR" sz="2000" dirty="0">
+                          <a:latin typeface="CookieRun Regular" panose="020B0600000101010101" pitchFamily="50" charset="-127"/>
+                          <a:ea typeface="CookieRun Regular" panose="020B0600000101010101" pitchFamily="50" charset="-127"/>
+                        </a:rPr>
+                        <a:t>-1</a:t>
+                      </a:r>
+                      <a:endParaRPr lang="ko-KR" altLang="en-US" sz="2000" dirty="0">
+                        <a:latin typeface="CookieRun Regular" panose="020B0600000101010101" pitchFamily="50" charset="-127"/>
+                        <a:ea typeface="CookieRun Regular" panose="020B0600000101010101" pitchFamily="50" charset="-127"/>
+                      </a:endParaRPr>
+                    </a:p>
+                  </a:txBody>
+                  <a:tcPr/>
+                </a:tc>
+                <a:extLst>
+                  <a:ext uri="{0D108BD9-81ED-4DB2-BD59-A6C34878D82A}">
+                    <a16:rowId xmlns:a16="http://schemas.microsoft.com/office/drawing/2014/main" val="1516008586"/>
+                  </a:ext>
+                </a:extLst>
+              </a:tr>
+              <a:tr h="370840">
+                <a:tc>
+                  <a:txBody>
+                    <a:bodyPr/>
+                    <a:lstStyle/>
+                    <a:p>
+                      <a:pPr algn="ctr" latinLnBrk="1"/>
+                      <a:r>
+                        <a:rPr lang="en-US" altLang="ko-KR" sz="2000" dirty="0">
+                          <a:latin typeface="CookieRun Regular" panose="020B0600000101010101" pitchFamily="50" charset="-127"/>
+                          <a:ea typeface="CookieRun Regular" panose="020B0600000101010101" pitchFamily="50" charset="-127"/>
+                        </a:rPr>
+                        <a:t>3</a:t>
+                      </a:r>
+                      <a:endParaRPr lang="ko-KR" altLang="en-US" sz="2000" dirty="0">
+                        <a:latin typeface="CookieRun Regular" panose="020B0600000101010101" pitchFamily="50" charset="-127"/>
+                        <a:ea typeface="CookieRun Regular" panose="020B0600000101010101" pitchFamily="50" charset="-127"/>
+                      </a:endParaRPr>
+                    </a:p>
+                  </a:txBody>
+                  <a:tcPr/>
+                </a:tc>
+                <a:tc>
+                  <a:txBody>
+                    <a:bodyPr/>
+                    <a:lstStyle/>
+                    <a:p>
+                      <a:pPr algn="ctr" latinLnBrk="1"/>
+                      <a:endParaRPr lang="ko-KR" altLang="en-US" sz="2000" dirty="0">
+                        <a:latin typeface="CookieRun Regular" panose="020B0600000101010101" pitchFamily="50" charset="-127"/>
+                        <a:ea typeface="CookieRun Regular" panose="020B0600000101010101" pitchFamily="50" charset="-127"/>
+                      </a:endParaRPr>
+                    </a:p>
+                  </a:txBody>
+                  <a:tcPr/>
+                </a:tc>
+                <a:tc>
+                  <a:txBody>
+                    <a:bodyPr/>
+                    <a:lstStyle/>
+                    <a:p>
+                      <a:pPr algn="ctr" latinLnBrk="1"/>
+                      <a:r>
+                        <a:rPr lang="en-US" altLang="ko-KR" sz="2000" dirty="0">
+                          <a:latin typeface="CookieRun Regular" panose="020B0600000101010101" pitchFamily="50" charset="-127"/>
+                          <a:ea typeface="CookieRun Regular" panose="020B0600000101010101" pitchFamily="50" charset="-127"/>
+                        </a:rPr>
+                        <a:t>-1</a:t>
+                      </a:r>
+                      <a:endParaRPr lang="ko-KR" altLang="en-US" sz="2000" dirty="0">
+                        <a:latin typeface="CookieRun Regular" panose="020B0600000101010101" pitchFamily="50" charset="-127"/>
+                        <a:ea typeface="CookieRun Regular" panose="020B0600000101010101" pitchFamily="50" charset="-127"/>
+                      </a:endParaRPr>
+                    </a:p>
+                  </a:txBody>
+                  <a:tcPr/>
+                </a:tc>
+                <a:extLst>
+                  <a:ext uri="{0D108BD9-81ED-4DB2-BD59-A6C34878D82A}">
+                    <a16:rowId xmlns:a16="http://schemas.microsoft.com/office/drawing/2014/main" val="3618214638"/>
+                  </a:ext>
+                </a:extLst>
+              </a:tr>
+              <a:tr h="370840">
+                <a:tc>
+                  <a:txBody>
+                    <a:bodyPr/>
+                    <a:lstStyle/>
+                    <a:p>
+                      <a:pPr algn="ctr" latinLnBrk="1"/>
+                      <a:r>
+                        <a:rPr lang="en-US" altLang="ko-KR" sz="2000" dirty="0">
+                          <a:latin typeface="CookieRun Regular" panose="020B0600000101010101" pitchFamily="50" charset="-127"/>
+                          <a:ea typeface="CookieRun Regular" panose="020B0600000101010101" pitchFamily="50" charset="-127"/>
+                        </a:rPr>
+                        <a:t>4</a:t>
+                      </a:r>
+                    </a:p>
+                  </a:txBody>
+                  <a:tcPr/>
+                </a:tc>
+                <a:tc>
+                  <a:txBody>
+                    <a:bodyPr/>
+                    <a:lstStyle/>
+                    <a:p>
+                      <a:pPr algn="ctr" latinLnBrk="1"/>
+                      <a:r>
+                        <a:rPr lang="en-US" altLang="ko-KR" sz="2000" dirty="0">
+                          <a:latin typeface="CookieRun Regular" panose="020B0600000101010101" pitchFamily="50" charset="-127"/>
+                          <a:ea typeface="CookieRun Regular" panose="020B0600000101010101" pitchFamily="50" charset="-127"/>
+                        </a:rPr>
+                        <a:t>Hello,</a:t>
+                      </a:r>
+                      <a:endParaRPr lang="ko-KR" altLang="en-US" sz="2000" dirty="0">
+                        <a:latin typeface="CookieRun Regular" panose="020B0600000101010101" pitchFamily="50" charset="-127"/>
+                        <a:ea typeface="CookieRun Regular" panose="020B0600000101010101" pitchFamily="50" charset="-127"/>
+                      </a:endParaRPr>
+                    </a:p>
+                  </a:txBody>
+                  <a:tcPr/>
+                </a:tc>
+                <a:tc>
+                  <a:txBody>
+                    <a:bodyPr/>
+                    <a:lstStyle/>
+                    <a:p>
+                      <a:pPr algn="ctr" latinLnBrk="1"/>
+                      <a:r>
+                        <a:rPr lang="en-US" altLang="ko-KR" sz="2000" dirty="0">
+                          <a:latin typeface="CookieRun Regular" panose="020B0600000101010101" pitchFamily="50" charset="-127"/>
+                          <a:ea typeface="CookieRun Regular" panose="020B0600000101010101" pitchFamily="50" charset="-127"/>
+                        </a:rPr>
+                        <a:t>95</a:t>
+                      </a:r>
+                      <a:endParaRPr lang="ko-KR" altLang="en-US" sz="2000" dirty="0">
+                        <a:latin typeface="CookieRun Regular" panose="020B0600000101010101" pitchFamily="50" charset="-127"/>
+                        <a:ea typeface="CookieRun Regular" panose="020B0600000101010101" pitchFamily="50" charset="-127"/>
+                      </a:endParaRPr>
+                    </a:p>
+                  </a:txBody>
+                  <a:tcPr/>
+                </a:tc>
+                <a:extLst>
+                  <a:ext uri="{0D108BD9-81ED-4DB2-BD59-A6C34878D82A}">
+                    <a16:rowId xmlns:a16="http://schemas.microsoft.com/office/drawing/2014/main" val="399424880"/>
+                  </a:ext>
+                </a:extLst>
+              </a:tr>
+              <a:tr h="370840">
+                <a:tc>
+                  <a:txBody>
+                    <a:bodyPr/>
+                    <a:lstStyle/>
+                    <a:p>
+                      <a:pPr algn="ctr" latinLnBrk="1"/>
+                      <a:r>
+                        <a:rPr lang="en-US" altLang="ko-KR" sz="2000" dirty="0">
+                          <a:latin typeface="CookieRun Regular" panose="020B0600000101010101" pitchFamily="50" charset="-127"/>
+                          <a:ea typeface="CookieRun Regular" panose="020B0600000101010101" pitchFamily="50" charset="-127"/>
+                        </a:rPr>
+                        <a:t>5</a:t>
+                      </a:r>
+                      <a:endParaRPr lang="ko-KR" altLang="en-US" sz="2000" dirty="0">
+                        <a:latin typeface="CookieRun Regular" panose="020B0600000101010101" pitchFamily="50" charset="-127"/>
+                        <a:ea typeface="CookieRun Regular" panose="020B0600000101010101" pitchFamily="50" charset="-127"/>
+                      </a:endParaRPr>
+                    </a:p>
+                  </a:txBody>
+                  <a:tcPr/>
+                </a:tc>
+                <a:tc>
+                  <a:txBody>
+                    <a:bodyPr/>
+                    <a:lstStyle/>
+                    <a:p>
+                      <a:pPr algn="ctr" latinLnBrk="1"/>
+                      <a:r>
+                        <a:rPr lang="en-US" altLang="ko-KR" sz="2000" dirty="0">
+                          <a:latin typeface="CookieRun Regular" panose="020B0600000101010101" pitchFamily="50" charset="-127"/>
+                          <a:ea typeface="CookieRun Regular" panose="020B0600000101010101" pitchFamily="50" charset="-127"/>
+                        </a:rPr>
+                        <a:t>How</a:t>
+                      </a:r>
+                      <a:endParaRPr lang="ko-KR" altLang="en-US" sz="2000" dirty="0">
+                        <a:latin typeface="CookieRun Regular" panose="020B0600000101010101" pitchFamily="50" charset="-127"/>
+                        <a:ea typeface="CookieRun Regular" panose="020B0600000101010101" pitchFamily="50" charset="-127"/>
+                      </a:endParaRPr>
+                    </a:p>
+                  </a:txBody>
+                  <a:tcPr/>
+                </a:tc>
+                <a:tc>
+                  <a:txBody>
+                    <a:bodyPr/>
+                    <a:lstStyle/>
+                    <a:p>
+                      <a:pPr algn="ctr" latinLnBrk="1"/>
+                      <a:r>
+                        <a:rPr lang="en-US" altLang="ko-KR" sz="2000" dirty="0">
+                          <a:latin typeface="CookieRun Regular" panose="020B0600000101010101" pitchFamily="50" charset="-127"/>
+                          <a:ea typeface="CookieRun Regular" panose="020B0600000101010101" pitchFamily="50" charset="-127"/>
+                        </a:rPr>
+                        <a:t>96</a:t>
+                      </a:r>
+                      <a:endParaRPr lang="ko-KR" altLang="en-US" sz="2000" dirty="0">
+                        <a:latin typeface="CookieRun Regular" panose="020B0600000101010101" pitchFamily="50" charset="-127"/>
+                        <a:ea typeface="CookieRun Regular" panose="020B0600000101010101" pitchFamily="50" charset="-127"/>
+                      </a:endParaRPr>
+                    </a:p>
+                  </a:txBody>
+                  <a:tcPr/>
+                </a:tc>
+                <a:extLst>
+                  <a:ext uri="{0D108BD9-81ED-4DB2-BD59-A6C34878D82A}">
+                    <a16:rowId xmlns:a16="http://schemas.microsoft.com/office/drawing/2014/main" val="2525857998"/>
+                  </a:ext>
+                </a:extLst>
+              </a:tr>
+              <a:tr h="370840">
+                <a:tc>
+                  <a:txBody>
+                    <a:bodyPr/>
+                    <a:lstStyle/>
+                    <a:p>
+                      <a:pPr algn="ctr" latinLnBrk="1"/>
+                      <a:r>
+                        <a:rPr lang="en-US" altLang="ko-KR" sz="2000" dirty="0">
+                          <a:latin typeface="CookieRun Regular" panose="020B0600000101010101" pitchFamily="50" charset="-127"/>
+                          <a:ea typeface="CookieRun Regular" panose="020B0600000101010101" pitchFamily="50" charset="-127"/>
+                        </a:rPr>
+                        <a:t>6</a:t>
+                      </a:r>
+                      <a:endParaRPr lang="ko-KR" altLang="en-US" sz="2000" dirty="0">
+                        <a:latin typeface="CookieRun Regular" panose="020B0600000101010101" pitchFamily="50" charset="-127"/>
+                        <a:ea typeface="CookieRun Regular" panose="020B0600000101010101" pitchFamily="50" charset="-127"/>
+                      </a:endParaRPr>
+                    </a:p>
+                  </a:txBody>
+                  <a:tcPr/>
+                </a:tc>
+                <a:tc>
+                  <a:txBody>
+                    <a:bodyPr/>
+                    <a:lstStyle/>
+                    <a:p>
+                      <a:pPr algn="ctr" latinLnBrk="1"/>
+                      <a:r>
+                        <a:rPr lang="en-US" altLang="ko-KR" sz="2000" dirty="0">
+                          <a:latin typeface="CookieRun Regular" panose="020B0600000101010101" pitchFamily="50" charset="-127"/>
+                          <a:ea typeface="CookieRun Regular" panose="020B0600000101010101" pitchFamily="50" charset="-127"/>
+                        </a:rPr>
+                        <a:t>are</a:t>
+                      </a:r>
+                      <a:endParaRPr lang="ko-KR" altLang="en-US" sz="2000" dirty="0">
+                        <a:latin typeface="CookieRun Regular" panose="020B0600000101010101" pitchFamily="50" charset="-127"/>
+                        <a:ea typeface="CookieRun Regular" panose="020B0600000101010101" pitchFamily="50" charset="-127"/>
+                      </a:endParaRPr>
+                    </a:p>
+                  </a:txBody>
+                  <a:tcPr/>
+                </a:tc>
+                <a:tc>
+                  <a:txBody>
+                    <a:bodyPr/>
+                    <a:lstStyle/>
+                    <a:p>
+                      <a:pPr algn="ctr" latinLnBrk="1"/>
+                      <a:r>
+                        <a:rPr lang="en-US" altLang="ko-KR" sz="2000" dirty="0">
+                          <a:latin typeface="CookieRun Regular" panose="020B0600000101010101" pitchFamily="50" charset="-127"/>
+                          <a:ea typeface="CookieRun Regular" panose="020B0600000101010101" pitchFamily="50" charset="-127"/>
+                        </a:rPr>
+                        <a:t>96</a:t>
+                      </a:r>
+                      <a:endParaRPr lang="ko-KR" altLang="en-US" sz="2000" dirty="0">
+                        <a:latin typeface="CookieRun Regular" panose="020B0600000101010101" pitchFamily="50" charset="-127"/>
+                        <a:ea typeface="CookieRun Regular" panose="020B0600000101010101" pitchFamily="50" charset="-127"/>
+                      </a:endParaRPr>
+                    </a:p>
+                  </a:txBody>
+                  <a:tcPr/>
+                </a:tc>
+                <a:extLst>
+                  <a:ext uri="{0D108BD9-81ED-4DB2-BD59-A6C34878D82A}">
+                    <a16:rowId xmlns:a16="http://schemas.microsoft.com/office/drawing/2014/main" val="3381322668"/>
+                  </a:ext>
+                </a:extLst>
+              </a:tr>
+              <a:tr h="370840">
+                <a:tc>
+                  <a:txBody>
+                    <a:bodyPr/>
+                    <a:lstStyle/>
+                    <a:p>
+                      <a:pPr algn="ctr" latinLnBrk="1"/>
+                      <a:r>
+                        <a:rPr lang="en-US" altLang="ko-KR" sz="2000" dirty="0">
+                          <a:latin typeface="CookieRun Regular" panose="020B0600000101010101" pitchFamily="50" charset="-127"/>
+                          <a:ea typeface="CookieRun Regular" panose="020B0600000101010101" pitchFamily="50" charset="-127"/>
+                        </a:rPr>
+                        <a:t>7</a:t>
+                      </a:r>
+                      <a:endParaRPr lang="ko-KR" altLang="en-US" sz="2000" dirty="0">
+                        <a:latin typeface="CookieRun Regular" panose="020B0600000101010101" pitchFamily="50" charset="-127"/>
+                        <a:ea typeface="CookieRun Regular" panose="020B0600000101010101" pitchFamily="50" charset="-127"/>
+                      </a:endParaRPr>
+                    </a:p>
+                  </a:txBody>
+                  <a:tcPr/>
+                </a:tc>
+                <a:tc>
+                  <a:txBody>
+                    <a:bodyPr/>
+                    <a:lstStyle/>
+                    <a:p>
+                      <a:pPr algn="ctr" latinLnBrk="1"/>
+                      <a:r>
+                        <a:rPr lang="en-US" altLang="ko-KR" sz="2000" dirty="0">
+                          <a:latin typeface="CookieRun Regular" panose="020B0600000101010101" pitchFamily="50" charset="-127"/>
+                          <a:ea typeface="CookieRun Regular" panose="020B0600000101010101" pitchFamily="50" charset="-127"/>
+                        </a:rPr>
+                        <a:t>you</a:t>
+                      </a:r>
+                      <a:endParaRPr lang="ko-KR" altLang="en-US" sz="2000" dirty="0">
+                        <a:latin typeface="CookieRun Regular" panose="020B0600000101010101" pitchFamily="50" charset="-127"/>
+                        <a:ea typeface="CookieRun Regular" panose="020B0600000101010101" pitchFamily="50" charset="-127"/>
+                      </a:endParaRPr>
+                    </a:p>
+                  </a:txBody>
+                  <a:tcPr/>
+                </a:tc>
+                <a:tc>
+                  <a:txBody>
+                    <a:bodyPr/>
+                    <a:lstStyle/>
+                    <a:p>
+                      <a:pPr algn="ctr" latinLnBrk="1"/>
+                      <a:r>
+                        <a:rPr lang="en-US" altLang="ko-KR" sz="2000" dirty="0">
+                          <a:latin typeface="CookieRun Regular" panose="020B0600000101010101" pitchFamily="50" charset="-127"/>
+                          <a:ea typeface="CookieRun Regular" panose="020B0600000101010101" pitchFamily="50" charset="-127"/>
+                        </a:rPr>
+                        <a:t>96</a:t>
+                      </a:r>
+                      <a:endParaRPr lang="ko-KR" altLang="en-US" sz="2000" dirty="0">
+                        <a:latin typeface="CookieRun Regular" panose="020B0600000101010101" pitchFamily="50" charset="-127"/>
+                        <a:ea typeface="CookieRun Regular" panose="020B0600000101010101" pitchFamily="50" charset="-127"/>
+                      </a:endParaRPr>
+                    </a:p>
+                  </a:txBody>
+                  <a:tcPr/>
+                </a:tc>
+                <a:extLst>
+                  <a:ext uri="{0D108BD9-81ED-4DB2-BD59-A6C34878D82A}">
+                    <a16:rowId xmlns:a16="http://schemas.microsoft.com/office/drawing/2014/main" val="872466425"/>
+                  </a:ext>
+                </a:extLst>
+              </a:tr>
+              <a:tr h="370840">
+                <a:tc>
+                  <a:txBody>
+                    <a:bodyPr/>
+                    <a:lstStyle/>
+                    <a:p>
+                      <a:pPr algn="ctr" latinLnBrk="1"/>
+                      <a:r>
+                        <a:rPr lang="en-US" altLang="ko-KR" sz="2000" dirty="0">
+                          <a:latin typeface="CookieRun Regular" panose="020B0600000101010101" pitchFamily="50" charset="-127"/>
+                          <a:ea typeface="CookieRun Regular" panose="020B0600000101010101" pitchFamily="50" charset="-127"/>
+                        </a:rPr>
+                        <a:t>8</a:t>
+                      </a:r>
+                      <a:endParaRPr lang="ko-KR" altLang="en-US" sz="2000" dirty="0">
+                        <a:latin typeface="CookieRun Regular" panose="020B0600000101010101" pitchFamily="50" charset="-127"/>
+                        <a:ea typeface="CookieRun Regular" panose="020B0600000101010101" pitchFamily="50" charset="-127"/>
+                      </a:endParaRPr>
+                    </a:p>
+                  </a:txBody>
+                  <a:tcPr/>
+                </a:tc>
+                <a:tc>
+                  <a:txBody>
+                    <a:bodyPr/>
+                    <a:lstStyle/>
+                    <a:p>
+                      <a:pPr algn="ctr" latinLnBrk="1"/>
+                      <a:r>
+                        <a:rPr lang="en-US" altLang="ko-KR" sz="2000" dirty="0">
+                          <a:latin typeface="CookieRun Regular" panose="020B0600000101010101" pitchFamily="50" charset="-127"/>
+                          <a:ea typeface="CookieRun Regular" panose="020B0600000101010101" pitchFamily="50" charset="-127"/>
+                        </a:rPr>
+                        <a:t>today?</a:t>
+                      </a:r>
+                      <a:endParaRPr lang="ko-KR" altLang="en-US" sz="2000" dirty="0">
+                        <a:latin typeface="CookieRun Regular" panose="020B0600000101010101" pitchFamily="50" charset="-127"/>
+                        <a:ea typeface="CookieRun Regular" panose="020B0600000101010101" pitchFamily="50" charset="-127"/>
+                      </a:endParaRPr>
+                    </a:p>
+                  </a:txBody>
+                  <a:tcPr/>
+                </a:tc>
+                <a:tc>
+                  <a:txBody>
+                    <a:bodyPr/>
+                    <a:lstStyle/>
+                    <a:p>
+                      <a:pPr algn="ctr" latinLnBrk="1"/>
+                      <a:r>
+                        <a:rPr lang="en-US" altLang="ko-KR" sz="2000" dirty="0">
+                          <a:latin typeface="CookieRun Regular" panose="020B0600000101010101" pitchFamily="50" charset="-127"/>
+                          <a:ea typeface="CookieRun Regular" panose="020B0600000101010101" pitchFamily="50" charset="-127"/>
+                        </a:rPr>
+                        <a:t>96</a:t>
+                      </a:r>
+                      <a:endParaRPr lang="ko-KR" altLang="en-US" sz="2000" dirty="0">
+                        <a:latin typeface="CookieRun Regular" panose="020B0600000101010101" pitchFamily="50" charset="-127"/>
+                        <a:ea typeface="CookieRun Regular" panose="020B0600000101010101" pitchFamily="50" charset="-127"/>
+                      </a:endParaRPr>
+                    </a:p>
+                  </a:txBody>
+                  <a:tcPr/>
+                </a:tc>
+                <a:extLst>
+                  <a:ext uri="{0D108BD9-81ED-4DB2-BD59-A6C34878D82A}">
+                    <a16:rowId xmlns:a16="http://schemas.microsoft.com/office/drawing/2014/main" val="2566976618"/>
+                  </a:ext>
+                </a:extLst>
+              </a:tr>
+              <a:tr h="370840">
+                <a:tc>
+                  <a:txBody>
+                    <a:bodyPr/>
+                    <a:lstStyle/>
+                    <a:p>
+                      <a:pPr algn="ctr" latinLnBrk="1"/>
+                      <a:r>
+                        <a:rPr lang="en-US" altLang="ko-KR" sz="2000" dirty="0">
+                          <a:latin typeface="CookieRun Regular" panose="020B0600000101010101" pitchFamily="50" charset="-127"/>
+                          <a:ea typeface="CookieRun Regular" panose="020B0600000101010101" pitchFamily="50" charset="-127"/>
+                        </a:rPr>
+                        <a:t>9</a:t>
+                      </a:r>
+                      <a:endParaRPr lang="ko-KR" altLang="en-US" sz="2000" dirty="0">
+                        <a:latin typeface="CookieRun Regular" panose="020B0600000101010101" pitchFamily="50" charset="-127"/>
+                        <a:ea typeface="CookieRun Regular" panose="020B0600000101010101" pitchFamily="50" charset="-127"/>
+                      </a:endParaRPr>
+                    </a:p>
+                  </a:txBody>
+                  <a:tcPr/>
+                </a:tc>
+                <a:tc>
+                  <a:txBody>
+                    <a:bodyPr/>
+                    <a:lstStyle/>
+                    <a:p>
+                      <a:pPr algn="ctr" latinLnBrk="1"/>
+                      <a:endParaRPr lang="ko-KR" altLang="en-US" sz="2000" dirty="0">
+                        <a:latin typeface="CookieRun Regular" panose="020B0600000101010101" pitchFamily="50" charset="-127"/>
+                        <a:ea typeface="CookieRun Regular" panose="020B0600000101010101" pitchFamily="50" charset="-127"/>
+                      </a:endParaRPr>
+                    </a:p>
+                  </a:txBody>
+                  <a:tcPr/>
+                </a:tc>
+                <a:tc>
+                  <a:txBody>
+                    <a:bodyPr/>
+                    <a:lstStyle/>
+                    <a:p>
+                      <a:pPr algn="ctr" latinLnBrk="1"/>
+                      <a:r>
+                        <a:rPr lang="en-US" altLang="ko-KR" sz="2000" dirty="0">
+                          <a:latin typeface="CookieRun Regular" panose="020B0600000101010101" pitchFamily="50" charset="-127"/>
+                          <a:ea typeface="CookieRun Regular" panose="020B0600000101010101" pitchFamily="50" charset="-127"/>
+                        </a:rPr>
+                        <a:t>-1</a:t>
+                      </a:r>
+                      <a:endParaRPr lang="ko-KR" altLang="en-US" sz="2000" dirty="0">
+                        <a:latin typeface="CookieRun Regular" panose="020B0600000101010101" pitchFamily="50" charset="-127"/>
+                        <a:ea typeface="CookieRun Regular" panose="020B0600000101010101" pitchFamily="50" charset="-127"/>
+                      </a:endParaRPr>
+                    </a:p>
+                  </a:txBody>
+                  <a:tcPr/>
+                </a:tc>
+                <a:extLst>
+                  <a:ext uri="{0D108BD9-81ED-4DB2-BD59-A6C34878D82A}">
+                    <a16:rowId xmlns:a16="http://schemas.microsoft.com/office/drawing/2014/main" val="2623417769"/>
+                  </a:ext>
+                </a:extLst>
+              </a:tr>
+              <a:tr h="370840">
+                <a:tc>
+                  <a:txBody>
+                    <a:bodyPr/>
+                    <a:lstStyle/>
+                    <a:p>
+                      <a:pPr algn="ctr" latinLnBrk="1"/>
+                      <a:r>
+                        <a:rPr lang="en-US" altLang="ko-KR" sz="2000" dirty="0">
+                          <a:latin typeface="CookieRun Regular" panose="020B0600000101010101" pitchFamily="50" charset="-127"/>
+                          <a:ea typeface="CookieRun Regular" panose="020B0600000101010101" pitchFamily="50" charset="-127"/>
+                        </a:rPr>
+                        <a:t>10</a:t>
+                      </a:r>
+                      <a:endParaRPr lang="ko-KR" altLang="en-US" sz="2000" dirty="0">
+                        <a:latin typeface="CookieRun Regular" panose="020B0600000101010101" pitchFamily="50" charset="-127"/>
+                        <a:ea typeface="CookieRun Regular" panose="020B0600000101010101" pitchFamily="50" charset="-127"/>
+                      </a:endParaRPr>
+                    </a:p>
+                  </a:txBody>
+                  <a:tcPr/>
+                </a:tc>
+                <a:tc>
+                  <a:txBody>
+                    <a:bodyPr/>
+                    <a:lstStyle/>
+                    <a:p>
+                      <a:pPr algn="ctr" latinLnBrk="1"/>
+                      <a:endParaRPr lang="ko-KR" altLang="en-US" sz="2000" dirty="0">
+                        <a:latin typeface="CookieRun Regular" panose="020B0600000101010101" pitchFamily="50" charset="-127"/>
+                        <a:ea typeface="CookieRun Regular" panose="020B0600000101010101" pitchFamily="50" charset="-127"/>
+                      </a:endParaRPr>
+                    </a:p>
+                  </a:txBody>
+                  <a:tcPr/>
+                </a:tc>
+                <a:tc>
+                  <a:txBody>
+                    <a:bodyPr/>
+                    <a:lstStyle/>
+                    <a:p>
+                      <a:pPr algn="ctr" latinLnBrk="1"/>
+                      <a:r>
+                        <a:rPr lang="en-US" altLang="ko-KR" sz="2000" dirty="0">
+                          <a:latin typeface="CookieRun Regular" panose="020B0600000101010101" pitchFamily="50" charset="-127"/>
+                          <a:ea typeface="CookieRun Regular" panose="020B0600000101010101" pitchFamily="50" charset="-127"/>
+                        </a:rPr>
+                        <a:t>-1</a:t>
+                      </a:r>
+                      <a:endParaRPr lang="ko-KR" altLang="en-US" sz="2000" dirty="0">
+                        <a:latin typeface="CookieRun Regular" panose="020B0600000101010101" pitchFamily="50" charset="-127"/>
+                        <a:ea typeface="CookieRun Regular" panose="020B0600000101010101" pitchFamily="50" charset="-127"/>
+                      </a:endParaRPr>
+                    </a:p>
+                  </a:txBody>
+                  <a:tcPr/>
+                </a:tc>
+                <a:extLst>
+                  <a:ext uri="{0D108BD9-81ED-4DB2-BD59-A6C34878D82A}">
+                    <a16:rowId xmlns:a16="http://schemas.microsoft.com/office/drawing/2014/main" val="4067975712"/>
+                  </a:ext>
+                </a:extLst>
+              </a:tr>
+              <a:tr h="370840">
+                <a:tc>
+                  <a:txBody>
+                    <a:bodyPr/>
+                    <a:lstStyle/>
+                    <a:p>
+                      <a:pPr algn="ctr" latinLnBrk="1"/>
+                      <a:r>
+                        <a:rPr lang="en-US" altLang="ko-KR" sz="2000" dirty="0">
+                          <a:latin typeface="CookieRun Regular" panose="020B0600000101010101" pitchFamily="50" charset="-127"/>
+                          <a:ea typeface="CookieRun Regular" panose="020B0600000101010101" pitchFamily="50" charset="-127"/>
+                        </a:rPr>
+                        <a:t>11</a:t>
+                      </a:r>
+                      <a:endParaRPr lang="ko-KR" altLang="en-US" sz="2000" dirty="0">
+                        <a:latin typeface="CookieRun Regular" panose="020B0600000101010101" pitchFamily="50" charset="-127"/>
+                        <a:ea typeface="CookieRun Regular" panose="020B0600000101010101" pitchFamily="50" charset="-127"/>
+                      </a:endParaRPr>
+                    </a:p>
+                  </a:txBody>
+                  <a:tcPr/>
+                </a:tc>
+                <a:tc>
+                  <a:txBody>
+                    <a:bodyPr/>
+                    <a:lstStyle/>
+                    <a:p>
+                      <a:pPr algn="ctr" latinLnBrk="1"/>
+                      <a:endParaRPr lang="ko-KR" altLang="en-US" sz="2000" dirty="0">
+                        <a:latin typeface="CookieRun Regular" panose="020B0600000101010101" pitchFamily="50" charset="-127"/>
+                        <a:ea typeface="CookieRun Regular" panose="020B0600000101010101" pitchFamily="50" charset="-127"/>
+                      </a:endParaRPr>
+                    </a:p>
+                  </a:txBody>
+                  <a:tcPr/>
+                </a:tc>
+                <a:tc>
+                  <a:txBody>
+                    <a:bodyPr/>
+                    <a:lstStyle/>
+                    <a:p>
+                      <a:pPr algn="ctr" latinLnBrk="1"/>
+                      <a:r>
+                        <a:rPr lang="en-US" altLang="ko-KR" sz="2000" dirty="0">
+                          <a:latin typeface="CookieRun Regular" panose="020B0600000101010101" pitchFamily="50" charset="-127"/>
+                          <a:ea typeface="CookieRun Regular" panose="020B0600000101010101" pitchFamily="50" charset="-127"/>
+                        </a:rPr>
+                        <a:t>-1</a:t>
+                      </a:r>
+                      <a:endParaRPr lang="ko-KR" altLang="en-US" sz="2000" dirty="0">
+                        <a:latin typeface="CookieRun Regular" panose="020B0600000101010101" pitchFamily="50" charset="-127"/>
+                        <a:ea typeface="CookieRun Regular" panose="020B0600000101010101" pitchFamily="50" charset="-127"/>
+                      </a:endParaRPr>
+                    </a:p>
+                  </a:txBody>
+                  <a:tcPr/>
+                </a:tc>
+                <a:extLst>
+                  <a:ext uri="{0D108BD9-81ED-4DB2-BD59-A6C34878D82A}">
+                    <a16:rowId xmlns:a16="http://schemas.microsoft.com/office/drawing/2014/main" val="3997706128"/>
+                  </a:ext>
+                </a:extLst>
+              </a:tr>
+              <a:tr h="370840">
+                <a:tc>
+                  <a:txBody>
+                    <a:bodyPr/>
+                    <a:lstStyle/>
+                    <a:p>
+                      <a:pPr algn="ctr" latinLnBrk="1"/>
+                      <a:r>
+                        <a:rPr lang="en-US" altLang="ko-KR" sz="2000" dirty="0">
+                          <a:latin typeface="CookieRun Regular" panose="020B0600000101010101" pitchFamily="50" charset="-127"/>
+                          <a:ea typeface="CookieRun Regular" panose="020B0600000101010101" pitchFamily="50" charset="-127"/>
+                        </a:rPr>
+                        <a:t>12</a:t>
+                      </a:r>
+                      <a:endParaRPr lang="ko-KR" altLang="en-US" sz="2000" dirty="0">
+                        <a:latin typeface="CookieRun Regular" panose="020B0600000101010101" pitchFamily="50" charset="-127"/>
+                        <a:ea typeface="CookieRun Regular" panose="020B0600000101010101" pitchFamily="50" charset="-127"/>
+                      </a:endParaRPr>
+                    </a:p>
+                  </a:txBody>
+                  <a:tcPr/>
+                </a:tc>
+                <a:tc>
+                  <a:txBody>
+                    <a:bodyPr/>
+                    <a:lstStyle/>
+                    <a:p>
+                      <a:pPr algn="ctr" latinLnBrk="1"/>
+                      <a:r>
+                        <a:rPr lang="en-US" altLang="ko-KR" sz="2000" dirty="0">
+                          <a:latin typeface="CookieRun Regular" panose="020B0600000101010101" pitchFamily="50" charset="-127"/>
+                          <a:ea typeface="CookieRun Regular" panose="020B0600000101010101" pitchFamily="50" charset="-127"/>
+                        </a:rPr>
+                        <a:t>I’m</a:t>
+                      </a:r>
+                      <a:endParaRPr lang="ko-KR" altLang="en-US" sz="2000" dirty="0">
+                        <a:latin typeface="CookieRun Regular" panose="020B0600000101010101" pitchFamily="50" charset="-127"/>
+                        <a:ea typeface="CookieRun Regular" panose="020B0600000101010101" pitchFamily="50" charset="-127"/>
+                      </a:endParaRPr>
+                    </a:p>
+                  </a:txBody>
+                  <a:tcPr/>
+                </a:tc>
+                <a:tc>
+                  <a:txBody>
+                    <a:bodyPr/>
+                    <a:lstStyle/>
+                    <a:p>
+                      <a:pPr algn="ctr" latinLnBrk="1"/>
+                      <a:r>
+                        <a:rPr lang="en-US" altLang="ko-KR" sz="2000" dirty="0">
+                          <a:latin typeface="CookieRun Regular" panose="020B0600000101010101" pitchFamily="50" charset="-127"/>
+                          <a:ea typeface="CookieRun Regular" panose="020B0600000101010101" pitchFamily="50" charset="-127"/>
+                        </a:rPr>
+                        <a:t>84</a:t>
+                      </a:r>
+                      <a:endParaRPr lang="ko-KR" altLang="en-US" sz="2000" dirty="0">
+                        <a:latin typeface="CookieRun Regular" panose="020B0600000101010101" pitchFamily="50" charset="-127"/>
+                        <a:ea typeface="CookieRun Regular" panose="020B0600000101010101" pitchFamily="50" charset="-127"/>
+                      </a:endParaRPr>
+                    </a:p>
+                  </a:txBody>
+                  <a:tcPr/>
+                </a:tc>
+                <a:extLst>
+                  <a:ext uri="{0D108BD9-81ED-4DB2-BD59-A6C34878D82A}">
+                    <a16:rowId xmlns:a16="http://schemas.microsoft.com/office/drawing/2014/main" val="4072392319"/>
+                  </a:ext>
+                </a:extLst>
+              </a:tr>
+              <a:tr h="370840">
+                <a:tc>
+                  <a:txBody>
+                    <a:bodyPr/>
+                    <a:lstStyle/>
+                    <a:p>
+                      <a:pPr algn="ctr" latinLnBrk="1"/>
+                      <a:r>
+                        <a:rPr lang="en-US" altLang="ko-KR" sz="2000" dirty="0">
+                          <a:latin typeface="CookieRun Regular" panose="020B0600000101010101" pitchFamily="50" charset="-127"/>
+                          <a:ea typeface="CookieRun Regular" panose="020B0600000101010101" pitchFamily="50" charset="-127"/>
+                        </a:rPr>
+                        <a:t>13</a:t>
+                      </a:r>
+                      <a:endParaRPr lang="ko-KR" altLang="en-US" sz="2000" dirty="0">
+                        <a:latin typeface="CookieRun Regular" panose="020B0600000101010101" pitchFamily="50" charset="-127"/>
+                        <a:ea typeface="CookieRun Regular" panose="020B0600000101010101" pitchFamily="50" charset="-127"/>
+                      </a:endParaRPr>
+                    </a:p>
+                  </a:txBody>
+                  <a:tcPr/>
+                </a:tc>
+                <a:tc>
+                  <a:txBody>
+                    <a:bodyPr/>
+                    <a:lstStyle/>
+                    <a:p>
+                      <a:pPr algn="ctr" latinLnBrk="1"/>
+                      <a:r>
+                        <a:rPr lang="en-US" altLang="ko-KR" sz="2000" dirty="0">
+                          <a:latin typeface="CookieRun Regular" panose="020B0600000101010101" pitchFamily="50" charset="-127"/>
+                          <a:ea typeface="CookieRun Regular" panose="020B0600000101010101" pitchFamily="50" charset="-127"/>
+                        </a:rPr>
+                        <a:t>fine</a:t>
+                      </a:r>
+                      <a:endParaRPr lang="ko-KR" altLang="en-US" sz="2000" dirty="0">
+                        <a:latin typeface="CookieRun Regular" panose="020B0600000101010101" pitchFamily="50" charset="-127"/>
+                        <a:ea typeface="CookieRun Regular" panose="020B0600000101010101" pitchFamily="50" charset="-127"/>
+                      </a:endParaRPr>
+                    </a:p>
+                  </a:txBody>
+                  <a:tcPr/>
+                </a:tc>
+                <a:tc>
+                  <a:txBody>
+                    <a:bodyPr/>
+                    <a:lstStyle/>
+                    <a:p>
+                      <a:pPr algn="ctr" latinLnBrk="1"/>
+                      <a:r>
+                        <a:rPr lang="en-US" altLang="ko-KR" sz="2000" dirty="0">
+                          <a:latin typeface="CookieRun Regular" panose="020B0600000101010101" pitchFamily="50" charset="-127"/>
+                          <a:ea typeface="CookieRun Regular" panose="020B0600000101010101" pitchFamily="50" charset="-127"/>
+                        </a:rPr>
+                        <a:t>92</a:t>
+                      </a:r>
+                      <a:endParaRPr lang="ko-KR" altLang="en-US" sz="2000" dirty="0">
+                        <a:latin typeface="CookieRun Regular" panose="020B0600000101010101" pitchFamily="50" charset="-127"/>
+                        <a:ea typeface="CookieRun Regular" panose="020B0600000101010101" pitchFamily="50" charset="-127"/>
+                      </a:endParaRPr>
+                    </a:p>
+                  </a:txBody>
+                  <a:tcPr/>
+                </a:tc>
+                <a:extLst>
+                  <a:ext uri="{0D108BD9-81ED-4DB2-BD59-A6C34878D82A}">
+                    <a16:rowId xmlns:a16="http://schemas.microsoft.com/office/drawing/2014/main" val="3853792178"/>
+                  </a:ext>
+                </a:extLst>
+              </a:tr>
+              <a:tr h="370840">
+                <a:tc>
+                  <a:txBody>
+                    <a:bodyPr/>
+                    <a:lstStyle/>
+                    <a:p>
+                      <a:pPr algn="ctr" latinLnBrk="1"/>
+                      <a:r>
+                        <a:rPr lang="en-US" altLang="ko-KR" sz="2000" dirty="0">
+                          <a:latin typeface="CookieRun Regular" panose="020B0600000101010101" pitchFamily="50" charset="-127"/>
+                          <a:ea typeface="CookieRun Regular" panose="020B0600000101010101" pitchFamily="50" charset="-127"/>
+                        </a:rPr>
+                        <a:t>14</a:t>
+                      </a:r>
+                      <a:endParaRPr lang="ko-KR" altLang="en-US" sz="2000" dirty="0">
+                        <a:latin typeface="CookieRun Regular" panose="020B0600000101010101" pitchFamily="50" charset="-127"/>
+                        <a:ea typeface="CookieRun Regular" panose="020B0600000101010101" pitchFamily="50" charset="-127"/>
+                      </a:endParaRPr>
+                    </a:p>
+                  </a:txBody>
+                  <a:tcPr/>
+                </a:tc>
+                <a:tc>
+                  <a:txBody>
+                    <a:bodyPr/>
+                    <a:lstStyle/>
+                    <a:p>
+                      <a:pPr algn="ctr" latinLnBrk="1"/>
+                      <a:r>
+                        <a:rPr lang="en-US" altLang="ko-KR" sz="2000" dirty="0" err="1">
+                          <a:latin typeface="CookieRun Regular" panose="020B0600000101010101" pitchFamily="50" charset="-127"/>
+                          <a:ea typeface="CookieRun Regular" panose="020B0600000101010101" pitchFamily="50" charset="-127"/>
+                        </a:rPr>
+                        <a:t>thanky</a:t>
+                      </a:r>
+                      <a:endParaRPr lang="ko-KR" altLang="en-US" sz="2000" dirty="0">
+                        <a:latin typeface="CookieRun Regular" panose="020B0600000101010101" pitchFamily="50" charset="-127"/>
+                        <a:ea typeface="CookieRun Regular" panose="020B0600000101010101" pitchFamily="50" charset="-127"/>
+                      </a:endParaRPr>
+                    </a:p>
+                  </a:txBody>
+                  <a:tcPr/>
+                </a:tc>
+                <a:tc>
+                  <a:txBody>
+                    <a:bodyPr/>
+                    <a:lstStyle/>
+                    <a:p>
+                      <a:pPr algn="ctr" latinLnBrk="1"/>
+                      <a:r>
+                        <a:rPr lang="en-US" altLang="ko-KR" sz="2000" dirty="0">
+                          <a:latin typeface="CookieRun Regular" panose="020B0600000101010101" pitchFamily="50" charset="-127"/>
+                          <a:ea typeface="CookieRun Regular" panose="020B0600000101010101" pitchFamily="50" charset="-127"/>
+                        </a:rPr>
+                        <a:t>91</a:t>
+                      </a:r>
+                      <a:endParaRPr lang="ko-KR" altLang="en-US" sz="2000" dirty="0">
+                        <a:latin typeface="CookieRun Regular" panose="020B0600000101010101" pitchFamily="50" charset="-127"/>
+                        <a:ea typeface="CookieRun Regular" panose="020B0600000101010101" pitchFamily="50" charset="-127"/>
+                      </a:endParaRPr>
+                    </a:p>
+                  </a:txBody>
+                  <a:tcPr/>
+                </a:tc>
+                <a:extLst>
+                  <a:ext uri="{0D108BD9-81ED-4DB2-BD59-A6C34878D82A}">
+                    <a16:rowId xmlns:a16="http://schemas.microsoft.com/office/drawing/2014/main" val="3596910404"/>
+                  </a:ext>
+                </a:extLst>
+              </a:tr>
+              <a:tr h="370840">
+                <a:tc>
+                  <a:txBody>
+                    <a:bodyPr/>
+                    <a:lstStyle/>
+                    <a:p>
+                      <a:pPr algn="ctr" latinLnBrk="1"/>
+                      <a:r>
+                        <a:rPr lang="en-US" altLang="ko-KR" sz="2000" dirty="0">
+                          <a:latin typeface="CookieRun Regular" panose="020B0600000101010101" pitchFamily="50" charset="-127"/>
+                          <a:ea typeface="CookieRun Regular" panose="020B0600000101010101" pitchFamily="50" charset="-127"/>
+                        </a:rPr>
+                        <a:t>15</a:t>
+                      </a:r>
+                      <a:endParaRPr lang="ko-KR" altLang="en-US" sz="2000" dirty="0">
+                        <a:latin typeface="CookieRun Regular" panose="020B0600000101010101" pitchFamily="50" charset="-127"/>
+                        <a:ea typeface="CookieRun Regular" panose="020B0600000101010101" pitchFamily="50" charset="-127"/>
+                      </a:endParaRPr>
+                    </a:p>
+                  </a:txBody>
+                  <a:tcPr/>
+                </a:tc>
+                <a:tc>
+                  <a:txBody>
+                    <a:bodyPr/>
+                    <a:lstStyle/>
+                    <a:p>
+                      <a:pPr algn="ctr" latinLnBrk="1"/>
+                      <a:r>
+                        <a:rPr lang="en-US" altLang="ko-KR" sz="2000" dirty="0">
+                          <a:latin typeface="CookieRun Regular" panose="020B0600000101010101" pitchFamily="50" charset="-127"/>
+                          <a:ea typeface="CookieRun Regular" panose="020B0600000101010101" pitchFamily="50" charset="-127"/>
+                        </a:rPr>
+                        <a:t>&amp;</a:t>
+                      </a:r>
+                      <a:endParaRPr lang="ko-KR" altLang="en-US" sz="2000" dirty="0">
+                        <a:latin typeface="CookieRun Regular" panose="020B0600000101010101" pitchFamily="50" charset="-127"/>
+                        <a:ea typeface="CookieRun Regular" panose="020B0600000101010101" pitchFamily="50" charset="-127"/>
+                      </a:endParaRPr>
+                    </a:p>
+                  </a:txBody>
+                  <a:tcPr/>
+                </a:tc>
+                <a:tc>
+                  <a:txBody>
+                    <a:bodyPr/>
+                    <a:lstStyle/>
+                    <a:p>
+                      <a:pPr algn="ctr" latinLnBrk="1"/>
+                      <a:r>
+                        <a:rPr lang="en-US" altLang="ko-KR" sz="2000" dirty="0">
+                          <a:latin typeface="CookieRun Regular" panose="020B0600000101010101" pitchFamily="50" charset="-127"/>
+                          <a:ea typeface="CookieRun Regular" panose="020B0600000101010101" pitchFamily="50" charset="-127"/>
+                        </a:rPr>
+                        <a:t>93</a:t>
+                      </a:r>
+                      <a:endParaRPr lang="ko-KR" altLang="en-US" sz="2000" dirty="0">
+                        <a:latin typeface="CookieRun Regular" panose="020B0600000101010101" pitchFamily="50" charset="-127"/>
+                        <a:ea typeface="CookieRun Regular" panose="020B0600000101010101" pitchFamily="50" charset="-127"/>
+                      </a:endParaRPr>
+                    </a:p>
+                  </a:txBody>
+                  <a:tcPr/>
+                </a:tc>
+                <a:extLst>
+                  <a:ext uri="{0D108BD9-81ED-4DB2-BD59-A6C34878D82A}">
+                    <a16:rowId xmlns:a16="http://schemas.microsoft.com/office/drawing/2014/main" val="3483535529"/>
+                  </a:ext>
+                </a:extLst>
+              </a:tr>
+              <a:tr h="370840">
+                <a:tc>
+                  <a:txBody>
+                    <a:bodyPr/>
+                    <a:lstStyle/>
+                    <a:p>
+                      <a:pPr algn="ctr" latinLnBrk="1"/>
+                      <a:r>
+                        <a:rPr lang="en-US" altLang="ko-KR" sz="2000" dirty="0">
+                          <a:latin typeface="CookieRun Regular" panose="020B0600000101010101" pitchFamily="50" charset="-127"/>
+                          <a:ea typeface="CookieRun Regular" panose="020B0600000101010101" pitchFamily="50" charset="-127"/>
+                        </a:rPr>
+                        <a:t>16</a:t>
+                      </a:r>
+                      <a:endParaRPr lang="ko-KR" altLang="en-US" sz="2000" dirty="0">
+                        <a:latin typeface="CookieRun Regular" panose="020B0600000101010101" pitchFamily="50" charset="-127"/>
+                        <a:ea typeface="CookieRun Regular" panose="020B0600000101010101" pitchFamily="50" charset="-127"/>
+                      </a:endParaRPr>
+                    </a:p>
+                  </a:txBody>
+                  <a:tcPr/>
+                </a:tc>
+                <a:tc>
+                  <a:txBody>
+                    <a:bodyPr/>
+                    <a:lstStyle/>
+                    <a:p>
+                      <a:pPr algn="ctr" latinLnBrk="1"/>
+                      <a:r>
+                        <a:rPr lang="en-US" altLang="ko-KR" sz="2000" dirty="0">
+                          <a:latin typeface="CookieRun Regular" panose="020B0600000101010101" pitchFamily="50" charset="-127"/>
+                          <a:ea typeface="CookieRun Regular" panose="020B0600000101010101" pitchFamily="50" charset="-127"/>
+                        </a:rPr>
+                        <a:t>you?</a:t>
+                      </a:r>
+                      <a:endParaRPr lang="ko-KR" altLang="en-US" sz="2000" dirty="0">
+                        <a:latin typeface="CookieRun Regular" panose="020B0600000101010101" pitchFamily="50" charset="-127"/>
+                        <a:ea typeface="CookieRun Regular" panose="020B0600000101010101" pitchFamily="50" charset="-127"/>
+                      </a:endParaRPr>
+                    </a:p>
+                  </a:txBody>
+                  <a:tcPr/>
+                </a:tc>
+                <a:tc>
+                  <a:txBody>
+                    <a:bodyPr/>
+                    <a:lstStyle/>
+                    <a:p>
+                      <a:pPr algn="ctr" latinLnBrk="1"/>
+                      <a:r>
+                        <a:rPr lang="en-US" altLang="ko-KR" sz="2000" dirty="0">
+                          <a:latin typeface="CookieRun Regular" panose="020B0600000101010101" pitchFamily="50" charset="-127"/>
+                          <a:ea typeface="CookieRun Regular" panose="020B0600000101010101" pitchFamily="50" charset="-127"/>
+                        </a:rPr>
+                        <a:t>96</a:t>
+                      </a:r>
+                      <a:endParaRPr lang="ko-KR" altLang="en-US" sz="2000" dirty="0">
+                        <a:latin typeface="CookieRun Regular" panose="020B0600000101010101" pitchFamily="50" charset="-127"/>
+                        <a:ea typeface="CookieRun Regular" panose="020B0600000101010101" pitchFamily="50" charset="-127"/>
+                      </a:endParaRPr>
+                    </a:p>
+                  </a:txBody>
+                  <a:tcPr/>
+                </a:tc>
+                <a:extLst>
+                  <a:ext uri="{0D108BD9-81ED-4DB2-BD59-A6C34878D82A}">
+                    <a16:rowId xmlns:a16="http://schemas.microsoft.com/office/drawing/2014/main" val="3422269083"/>
+                  </a:ext>
+                </a:extLst>
+              </a:tr>
+            </a:tbl>
+          </a:graphicData>
+        </a:graphic>
+      </p:graphicFrame>
+      <p:pic>
+        <p:nvPicPr>
+          <p:cNvPr id="6" name="그림 5">
+            <a:extLst>
+              <a:ext uri="{FF2B5EF4-FFF2-40B4-BE49-F238E27FC236}">
+                <a16:creationId xmlns:a16="http://schemas.microsoft.com/office/drawing/2014/main" id="{C31B11E3-E28C-737D-FD43-52CD05CCC232}"/>
+              </a:ext>
+            </a:extLst>
+          </p:cNvPr>
+          <p:cNvPicPr>
+            <a:picLocks noChangeAspect="1"/>
+          </p:cNvPicPr>
+          <p:nvPr/>
+        </p:nvPicPr>
+        <p:blipFill>
+          <a:blip r:embed="rId2">
+            <a:extLst>
+              <a:ext uri="{28A0092B-C50C-407E-A947-70E740481C1C}">
+                <a14:useLocalDpi xmlns:a14="http://schemas.microsoft.com/office/drawing/2010/main" val="0"/>
+              </a:ext>
+            </a:extLst>
+          </a:blip>
+          <a:srcRect/>
+          <a:stretch/>
+        </p:blipFill>
+        <p:spPr>
+          <a:xfrm>
+            <a:off x="5439982" y="2049189"/>
+            <a:ext cx="6279145" cy="3598990"/>
+          </a:xfrm>
+          <a:prstGeom prst="rect">
+            <a:avLst/>
+          </a:prstGeom>
+          <a:ln>
+            <a:noFill/>
+          </a:ln>
+          <a:effectLst>
+            <a:outerShdw blurRad="292100" dist="139700" dir="2700000" algn="tl" rotWithShape="0">
+              <a:srgbClr val="333333">
+                <a:alpha val="65000"/>
+              </a:srgbClr>
+            </a:outerShdw>
+          </a:effectLst>
+        </p:spPr>
+      </p:pic>
+      <p:sp>
+        <p:nvSpPr>
+          <p:cNvPr id="8" name="TextBox 7">
+            <a:extLst>
+              <a:ext uri="{FF2B5EF4-FFF2-40B4-BE49-F238E27FC236}">
+                <a16:creationId xmlns:a16="http://schemas.microsoft.com/office/drawing/2014/main" id="{81B17B19-4533-A15C-5F0A-AD9F88DDBB58}"/>
+              </a:ext>
+            </a:extLst>
+          </p:cNvPr>
+          <p:cNvSpPr txBox="1"/>
+          <p:nvPr/>
+        </p:nvSpPr>
+        <p:spPr>
+          <a:xfrm>
+            <a:off x="7091487" y="715014"/>
+            <a:ext cx="2976136" cy="923330"/>
+          </a:xfrm>
+          <a:prstGeom prst="rect">
+            <a:avLst/>
+          </a:prstGeom>
+          <a:noFill/>
+        </p:spPr>
+        <p:txBody>
+          <a:bodyPr wrap="none" rtlCol="0">
+            <a:spAutoFit/>
+          </a:bodyPr>
+          <a:lstStyle/>
+          <a:p>
+            <a:r>
+              <a:rPr lang="en-US" altLang="ko-KR" sz="5400" dirty="0">
+                <a:latin typeface="CookieRun Regular" panose="020B0600000101010101" pitchFamily="50" charset="-127"/>
+                <a:ea typeface="CookieRun Regular" panose="020B0600000101010101" pitchFamily="50" charset="-127"/>
+              </a:rPr>
+              <a:t>OCR</a:t>
+            </a:r>
+            <a:r>
+              <a:rPr lang="ko-KR" altLang="en-US" sz="5400" dirty="0">
+                <a:latin typeface="CookieRun Regular" panose="020B0600000101010101" pitchFamily="50" charset="-127"/>
+                <a:ea typeface="CookieRun Regular" panose="020B0600000101010101" pitchFamily="50" charset="-127"/>
+              </a:rPr>
+              <a:t> </a:t>
+            </a:r>
+            <a:r>
+              <a:rPr lang="en-US" altLang="ko-KR" sz="5400" dirty="0">
+                <a:latin typeface="CookieRun Regular" panose="020B0600000101010101" pitchFamily="50" charset="-127"/>
+                <a:ea typeface="CookieRun Regular" panose="020B0600000101010101" pitchFamily="50" charset="-127"/>
+              </a:rPr>
+              <a:t>Box</a:t>
+            </a:r>
+            <a:endParaRPr lang="ko-KR" altLang="en-US" sz="5400" dirty="0">
+              <a:latin typeface="CookieRun Regular" panose="020B0600000101010101" pitchFamily="50" charset="-127"/>
+              <a:ea typeface="CookieRun Regular" panose="020B0600000101010101" pitchFamily="50" charset="-127"/>
+            </a:endParaRPr>
+          </a:p>
+        </p:txBody>
+      </p:sp>
+      <p:sp>
+        <p:nvSpPr>
+          <p:cNvPr id="9" name="직사각형 8">
+            <a:extLst>
+              <a:ext uri="{FF2B5EF4-FFF2-40B4-BE49-F238E27FC236}">
+                <a16:creationId xmlns:a16="http://schemas.microsoft.com/office/drawing/2014/main" id="{52F64BD5-7A41-86ED-C5B9-996DCAD38288}"/>
+              </a:ext>
+            </a:extLst>
+          </p:cNvPr>
+          <p:cNvSpPr/>
+          <p:nvPr/>
+        </p:nvSpPr>
+        <p:spPr>
+          <a:xfrm>
+            <a:off x="228602" y="3585028"/>
+            <a:ext cx="4706256" cy="568153"/>
+          </a:xfrm>
+          <a:prstGeom prst="rect">
+            <a:avLst/>
+          </a:prstGeom>
+          <a:noFill/>
+          <a:ln w="76200">
+            <a:solidFill>
+              <a:srgbClr val="FF0000"/>
+            </a:solidFill>
+          </a:ln>
+        </p:spPr>
+        <p:style>
+          <a:lnRef idx="2">
+            <a:schemeClr val="accent1">
+              <a:shade val="15000"/>
+            </a:schemeClr>
+          </a:lnRef>
+          <a:fillRef idx="1">
+            <a:schemeClr val="accent1"/>
+          </a:fillRef>
+          <a:effectRef idx="0">
+            <a:schemeClr val="accent1"/>
+          </a:effectRef>
+          <a:fontRef idx="minor">
+            <a:schemeClr val="lt1"/>
+          </a:fontRef>
+        </p:style>
+        <p:txBody>
+          <a:bodyPr rtlCol="0" anchor="ctr"/>
+          <a:lstStyle/>
+          <a:p>
+            <a:pPr algn="ctr"/>
+            <a:endParaRPr lang="ko-KR" altLang="en-US" dirty="0"/>
+          </a:p>
+        </p:txBody>
+      </p:sp>
+    </p:spTree>
+    <p:extLst>
+      <p:ext uri="{BB962C8B-B14F-4D97-AF65-F5344CB8AC3E}">
+        <p14:creationId xmlns:p14="http://schemas.microsoft.com/office/powerpoint/2010/main" val="773288552"/>
+      </p:ext>
+    </p:extLst>
+  </p:cSld>
+  <p:clrMapOvr>
+    <a:masterClrMapping/>
+  </p:clrMapOvr>
+  <mc:AlternateContent xmlns:mc="http://schemas.openxmlformats.org/markup-compatibility/2006">
+    <mc:Choice xmlns:p159="http://schemas.microsoft.com/office/powerpoint/2015/09/main" Requires="p159">
+      <p:transition spd="slow">
+        <p159:morph option="byObject"/>
+      </p:transition>
+    </mc:Choice>
+    <mc:Fallback>
+      <p:transition spd="slow">
+        <p:fade/>
+      </p:transition>
+    </mc:Fallback>
+  </mc:AlternateContent>
+</p:sld>
+</file>
+
+<file path=ppt/slides/slide26.xml><?xml version="1.0" encoding="utf-8"?>
+<p:sld xmlns:a="http://schemas.openxmlformats.org/drawingml/2006/main" xmlns:r="http://schemas.openxmlformats.org/officeDocument/2006/relationships" xmlns:p="http://schemas.openxmlformats.org/presentationml/2006/main">
+  <p:cSld>
+    <p:spTree>
+      <p:nvGrpSpPr>
         <p:cNvPr id="1" name="">
           <a:extLst>
             <a:ext uri="{FF2B5EF4-FFF2-40B4-BE49-F238E27FC236}">
@@ -8544,7 +15975,7 @@
           <a:p>
             <a:fld id="{C5002163-FFAF-417C-9C20-DC892DFE9806}" type="slidenum">
               <a:rPr lang="ko-KR" altLang="en-US" smtClean="0"/>
-              <a:t>20</a:t>
+              <a:t>25</a:t>
             </a:fld>
             <a:endParaRPr lang="ko-KR" altLang="en-US"/>
           </a:p>
@@ -8717,7 +16148,7 @@
 </p:sld>
 </file>
 
-<file path=ppt/slides/slide22.xml><?xml version="1.0" encoding="utf-8"?>
+<file path=ppt/slides/slide27.xml><?xml version="1.0" encoding="utf-8"?>
 <p:sld xmlns:a="http://schemas.openxmlformats.org/drawingml/2006/main" xmlns:r="http://schemas.openxmlformats.org/officeDocument/2006/relationships" xmlns:p="http://schemas.openxmlformats.org/presentationml/2006/main">
   <p:cSld>
     <p:spTree>
@@ -8763,7 +16194,7 @@
           <a:p>
             <a:fld id="{C5002163-FFAF-417C-9C20-DC892DFE9806}" type="slidenum">
               <a:rPr lang="ko-KR" altLang="en-US" smtClean="0"/>
-              <a:t>21</a:t>
+              <a:t>26</a:t>
             </a:fld>
             <a:endParaRPr lang="ko-KR" altLang="en-US"/>
           </a:p>
@@ -8972,7 +16403,7 @@
 </p:sld>
 </file>
 
-<file path=ppt/slides/slide23.xml><?xml version="1.0" encoding="utf-8"?>
+<file path=ppt/slides/slide28.xml><?xml version="1.0" encoding="utf-8"?>
 <p:sld xmlns:a="http://schemas.openxmlformats.org/drawingml/2006/main" xmlns:r="http://schemas.openxmlformats.org/officeDocument/2006/relationships" xmlns:p="http://schemas.openxmlformats.org/presentationml/2006/main">
   <p:cSld>
     <p:spTree>
@@ -9018,7 +16449,7 @@
           <a:p>
             <a:fld id="{C5002163-FFAF-417C-9C20-DC892DFE9806}" type="slidenum">
               <a:rPr lang="ko-KR" altLang="en-US" smtClean="0"/>
-              <a:t>22</a:t>
+              <a:t>27</a:t>
             </a:fld>
             <a:endParaRPr lang="ko-KR" altLang="en-US"/>
           </a:p>
@@ -9201,7 +16632,7 @@
 </p:sld>
 </file>
 
-<file path=ppt/slides/slide24.xml><?xml version="1.0" encoding="utf-8"?>
+<file path=ppt/slides/slide29.xml><?xml version="1.0" encoding="utf-8"?>
 <p:sld xmlns:a="http://schemas.openxmlformats.org/drawingml/2006/main" xmlns:r="http://schemas.openxmlformats.org/officeDocument/2006/relationships" xmlns:p="http://schemas.openxmlformats.org/presentationml/2006/main">
   <p:cSld>
     <p:spTree>
@@ -9278,7 +16709,7 @@
             <a:fld id="{C5002163-FFAF-417C-9C20-DC892DFE9806}" type="slidenum">
               <a:rPr lang="ko-KR" altLang="en-US" smtClean="0"/>
               <a:pPr/>
-              <a:t>23</a:t>
+              <a:t>28</a:t>
             </a:fld>
             <a:endParaRPr lang="ko-KR" altLang="en-US"/>
           </a:p>
@@ -9475,820 +16906,6 @@
     <p:extLst>
       <p:ext uri="{BB962C8B-B14F-4D97-AF65-F5344CB8AC3E}">
         <p14:creationId xmlns:p14="http://schemas.microsoft.com/office/powerpoint/2010/main" val="2486295478"/>
-      </p:ext>
-    </p:extLst>
-  </p:cSld>
-  <p:clrMapOvr>
-    <a:masterClrMapping/>
-  </p:clrMapOvr>
-</p:sld>
-</file>
-
-<file path=ppt/slides/slide25.xml><?xml version="1.0" encoding="utf-8"?>
-<p:sld xmlns:a="http://schemas.openxmlformats.org/drawingml/2006/main" xmlns:r="http://schemas.openxmlformats.org/officeDocument/2006/relationships" xmlns:p="http://schemas.openxmlformats.org/presentationml/2006/main">
-  <p:cSld>
-    <p:spTree>
-      <p:nvGrpSpPr>
-        <p:cNvPr id="1" name="">
-          <a:extLst>
-            <a:ext uri="{FF2B5EF4-FFF2-40B4-BE49-F238E27FC236}">
-              <a16:creationId xmlns:a16="http://schemas.microsoft.com/office/drawing/2014/main" id="{50DB6834-FB9D-5517-0998-53D56F1F8161}"/>
-            </a:ext>
-          </a:extLst>
-        </p:cNvPr>
-        <p:cNvGrpSpPr/>
-        <p:nvPr/>
-      </p:nvGrpSpPr>
-      <p:grpSpPr>
-        <a:xfrm>
-          <a:off x="0" y="0"/>
-          <a:ext cx="0" cy="0"/>
-          <a:chOff x="0" y="0"/>
-          <a:chExt cx="0" cy="0"/>
-        </a:xfrm>
-      </p:grpSpPr>
-      <p:sp>
-        <p:nvSpPr>
-          <p:cNvPr id="3" name="슬라이드 번호 개체 틀 2">
-            <a:extLst>
-              <a:ext uri="{FF2B5EF4-FFF2-40B4-BE49-F238E27FC236}">
-                <a16:creationId xmlns:a16="http://schemas.microsoft.com/office/drawing/2014/main" id="{36E03354-FD32-91F0-4E69-1E6CA8655E93}"/>
-              </a:ext>
-            </a:extLst>
-          </p:cNvPr>
-          <p:cNvSpPr>
-            <a:spLocks noGrp="1"/>
-          </p:cNvSpPr>
-          <p:nvPr>
-            <p:ph type="sldNum" sz="quarter" idx="12"/>
-          </p:nvPr>
-        </p:nvSpPr>
-        <p:spPr/>
-        <p:txBody>
-          <a:bodyPr/>
-          <a:lstStyle/>
-          <a:p>
-            <a:fld id="{C5002163-FFAF-417C-9C20-DC892DFE9806}" type="slidenum">
-              <a:rPr lang="ko-KR" altLang="en-US" smtClean="0"/>
-              <a:t>24</a:t>
-            </a:fld>
-            <a:endParaRPr lang="ko-KR" altLang="en-US"/>
-          </a:p>
-        </p:txBody>
-      </p:sp>
-      <p:grpSp>
-        <p:nvGrpSpPr>
-          <p:cNvPr id="12" name="그룹 11">
-            <a:extLst>
-              <a:ext uri="{FF2B5EF4-FFF2-40B4-BE49-F238E27FC236}">
-                <a16:creationId xmlns:a16="http://schemas.microsoft.com/office/drawing/2014/main" id="{23233C6B-70D9-F5FE-9924-13A6408CAA62}"/>
-              </a:ext>
-            </a:extLst>
-          </p:cNvPr>
-          <p:cNvGrpSpPr/>
-          <p:nvPr/>
-        </p:nvGrpSpPr>
-        <p:grpSpPr>
-          <a:xfrm>
-            <a:off x="695325" y="728663"/>
-            <a:ext cx="9001124" cy="936000"/>
-            <a:chOff x="1639161" y="761221"/>
-            <a:chExt cx="9001124" cy="900000"/>
-          </a:xfrm>
-          <a:effectLst>
-            <a:outerShdw blurRad="12700" dist="127000" dir="5400000" algn="t" rotWithShape="0">
-              <a:prstClr val="black">
-                <a:alpha val="10000"/>
-              </a:prstClr>
-            </a:outerShdw>
-          </a:effectLst>
-        </p:grpSpPr>
-        <p:sp>
-          <p:nvSpPr>
-            <p:cNvPr id="4" name="직사각형 3">
-              <a:extLst>
-                <a:ext uri="{FF2B5EF4-FFF2-40B4-BE49-F238E27FC236}">
-                  <a16:creationId xmlns:a16="http://schemas.microsoft.com/office/drawing/2014/main" id="{422BA0DF-05D0-1858-91FF-5F73A531AD43}"/>
-                </a:ext>
-              </a:extLst>
-            </p:cNvPr>
-            <p:cNvSpPr/>
-            <p:nvPr/>
-          </p:nvSpPr>
-          <p:spPr>
-            <a:xfrm>
-              <a:off x="1639161" y="761221"/>
-              <a:ext cx="900000" cy="900000"/>
-            </a:xfrm>
-            <a:prstGeom prst="rect">
-              <a:avLst/>
-            </a:prstGeom>
-            <a:solidFill>
-              <a:srgbClr val="007BC8"/>
-            </a:solidFill>
-            <a:ln w="50800">
-              <a:solidFill>
-                <a:schemeClr val="accent1">
-                  <a:shade val="15000"/>
-                </a:schemeClr>
-              </a:solidFill>
-            </a:ln>
-          </p:spPr>
-          <p:style>
-            <a:lnRef idx="2">
-              <a:schemeClr val="accent1">
-                <a:shade val="15000"/>
-              </a:schemeClr>
-            </a:lnRef>
-            <a:fillRef idx="1">
-              <a:schemeClr val="accent1"/>
-            </a:fillRef>
-            <a:effectRef idx="0">
-              <a:schemeClr val="accent1"/>
-            </a:effectRef>
-            <a:fontRef idx="minor">
-              <a:schemeClr val="lt1"/>
-            </a:fontRef>
-          </p:style>
-          <p:txBody>
-            <a:bodyPr rtlCol="0" anchor="ctr"/>
-            <a:lstStyle/>
-            <a:p>
-              <a:pPr algn="ctr"/>
-              <a:endParaRPr lang="ko-KR" altLang="en-US" dirty="0"/>
-            </a:p>
-          </p:txBody>
-        </p:sp>
-        <p:sp>
-          <p:nvSpPr>
-            <p:cNvPr id="10" name="직사각형 9">
-              <a:extLst>
-                <a:ext uri="{FF2B5EF4-FFF2-40B4-BE49-F238E27FC236}">
-                  <a16:creationId xmlns:a16="http://schemas.microsoft.com/office/drawing/2014/main" id="{6C1653CA-7C6E-DF4E-A5C3-496523946C6F}"/>
-                </a:ext>
-              </a:extLst>
-            </p:cNvPr>
-            <p:cNvSpPr/>
-            <p:nvPr/>
-          </p:nvSpPr>
-          <p:spPr>
-            <a:xfrm>
-              <a:off x="2539160" y="761221"/>
-              <a:ext cx="8101125" cy="900000"/>
-            </a:xfrm>
-            <a:prstGeom prst="rect">
-              <a:avLst/>
-            </a:prstGeom>
-            <a:solidFill>
-              <a:schemeClr val="bg1"/>
-            </a:solidFill>
-            <a:ln w="50800">
-              <a:solidFill>
-                <a:schemeClr val="tx1"/>
-              </a:solidFill>
-            </a:ln>
-          </p:spPr>
-          <p:style>
-            <a:lnRef idx="2">
-              <a:schemeClr val="accent1">
-                <a:shade val="15000"/>
-              </a:schemeClr>
-            </a:lnRef>
-            <a:fillRef idx="1">
-              <a:schemeClr val="accent1"/>
-            </a:fillRef>
-            <a:effectRef idx="0">
-              <a:schemeClr val="accent1"/>
-            </a:effectRef>
-            <a:fontRef idx="minor">
-              <a:schemeClr val="lt1"/>
-            </a:fontRef>
-          </p:style>
-          <p:txBody>
-            <a:bodyPr rtlCol="0" anchor="ctr"/>
-            <a:lstStyle/>
-            <a:p>
-              <a:pPr marL="288000"/>
-              <a:r>
-                <a:rPr lang="ko-KR" altLang="en-US" sz="4000" dirty="0">
-                  <a:solidFill>
-                    <a:schemeClr val="tx1"/>
-                  </a:solidFill>
-                  <a:latin typeface="CookieRun Regular" panose="020B0600000101010101" pitchFamily="50" charset="-127"/>
-                  <a:ea typeface="CookieRun Regular" panose="020B0600000101010101" pitchFamily="50" charset="-127"/>
-                </a:rPr>
-                <a:t>성능 향상을 위한 이미지 </a:t>
-              </a:r>
-              <a:r>
-                <a:rPr lang="ko-KR" altLang="en-US" sz="4000" dirty="0" err="1">
-                  <a:solidFill>
-                    <a:schemeClr val="tx1"/>
-                  </a:solidFill>
-                  <a:latin typeface="CookieRun Regular" panose="020B0600000101010101" pitchFamily="50" charset="-127"/>
-                  <a:ea typeface="CookieRun Regular" panose="020B0600000101010101" pitchFamily="50" charset="-127"/>
-                </a:rPr>
-                <a:t>전처리</a:t>
-              </a:r>
-              <a:endParaRPr lang="ko-KR" altLang="en-US" sz="4000" dirty="0">
-                <a:solidFill>
-                  <a:schemeClr val="tx1"/>
-                </a:solidFill>
-                <a:latin typeface="CookieRun Regular" panose="020B0600000101010101" pitchFamily="50" charset="-127"/>
-                <a:ea typeface="CookieRun Regular" panose="020B0600000101010101" pitchFamily="50" charset="-127"/>
-              </a:endParaRPr>
-            </a:p>
-          </p:txBody>
-        </p:sp>
-      </p:grpSp>
-    </p:spTree>
-    <p:extLst>
-      <p:ext uri="{BB962C8B-B14F-4D97-AF65-F5344CB8AC3E}">
-        <p14:creationId xmlns:p14="http://schemas.microsoft.com/office/powerpoint/2010/main" val="948262531"/>
-      </p:ext>
-    </p:extLst>
-  </p:cSld>
-  <p:clrMapOvr>
-    <a:masterClrMapping/>
-  </p:clrMapOvr>
-</p:sld>
-</file>
-
-<file path=ppt/slides/slide26.xml><?xml version="1.0" encoding="utf-8"?>
-<p:sld xmlns:a="http://schemas.openxmlformats.org/drawingml/2006/main" xmlns:r="http://schemas.openxmlformats.org/officeDocument/2006/relationships" xmlns:p="http://schemas.openxmlformats.org/presentationml/2006/main">
-  <p:cSld>
-    <p:spTree>
-      <p:nvGrpSpPr>
-        <p:cNvPr id="1" name="">
-          <a:extLst>
-            <a:ext uri="{FF2B5EF4-FFF2-40B4-BE49-F238E27FC236}">
-              <a16:creationId xmlns:a16="http://schemas.microsoft.com/office/drawing/2014/main" id="{AD6ACE1D-F7EE-6270-A141-B2C5F5E5BB9C}"/>
-            </a:ext>
-          </a:extLst>
-        </p:cNvPr>
-        <p:cNvGrpSpPr/>
-        <p:nvPr/>
-      </p:nvGrpSpPr>
-      <p:grpSpPr>
-        <a:xfrm>
-          <a:off x="0" y="0"/>
-          <a:ext cx="0" cy="0"/>
-          <a:chOff x="0" y="0"/>
-          <a:chExt cx="0" cy="0"/>
-        </a:xfrm>
-      </p:grpSpPr>
-      <p:sp>
-        <p:nvSpPr>
-          <p:cNvPr id="3" name="슬라이드 번호 개체 틀 2">
-            <a:extLst>
-              <a:ext uri="{FF2B5EF4-FFF2-40B4-BE49-F238E27FC236}">
-                <a16:creationId xmlns:a16="http://schemas.microsoft.com/office/drawing/2014/main" id="{48B5FBB8-8450-1E57-74E5-054B9096EE9F}"/>
-              </a:ext>
-            </a:extLst>
-          </p:cNvPr>
-          <p:cNvSpPr>
-            <a:spLocks noGrp="1"/>
-          </p:cNvSpPr>
-          <p:nvPr>
-            <p:ph type="sldNum" sz="quarter" idx="12"/>
-          </p:nvPr>
-        </p:nvSpPr>
-        <p:spPr/>
-        <p:txBody>
-          <a:bodyPr/>
-          <a:lstStyle/>
-          <a:p>
-            <a:fld id="{C5002163-FFAF-417C-9C20-DC892DFE9806}" type="slidenum">
-              <a:rPr lang="ko-KR" altLang="en-US" smtClean="0"/>
-              <a:t>25</a:t>
-            </a:fld>
-            <a:endParaRPr lang="ko-KR" altLang="en-US"/>
-          </a:p>
-        </p:txBody>
-      </p:sp>
-      <p:grpSp>
-        <p:nvGrpSpPr>
-          <p:cNvPr id="12" name="그룹 11">
-            <a:extLst>
-              <a:ext uri="{FF2B5EF4-FFF2-40B4-BE49-F238E27FC236}">
-                <a16:creationId xmlns:a16="http://schemas.microsoft.com/office/drawing/2014/main" id="{30DA3B42-1C66-087D-92F6-C1A007B64F48}"/>
-              </a:ext>
-            </a:extLst>
-          </p:cNvPr>
-          <p:cNvGrpSpPr/>
-          <p:nvPr/>
-        </p:nvGrpSpPr>
-        <p:grpSpPr>
-          <a:xfrm>
-            <a:off x="695325" y="728663"/>
-            <a:ext cx="9001124" cy="936000"/>
-            <a:chOff x="1639161" y="761221"/>
-            <a:chExt cx="9001124" cy="900000"/>
-          </a:xfrm>
-          <a:effectLst>
-            <a:outerShdw blurRad="12700" dist="127000" dir="5400000" algn="t" rotWithShape="0">
-              <a:prstClr val="black">
-                <a:alpha val="10000"/>
-              </a:prstClr>
-            </a:outerShdw>
-          </a:effectLst>
-        </p:grpSpPr>
-        <p:sp>
-          <p:nvSpPr>
-            <p:cNvPr id="4" name="직사각형 3">
-              <a:extLst>
-                <a:ext uri="{FF2B5EF4-FFF2-40B4-BE49-F238E27FC236}">
-                  <a16:creationId xmlns:a16="http://schemas.microsoft.com/office/drawing/2014/main" id="{91A99F23-7CA1-8459-B2E6-AB6C1C5DA077}"/>
-                </a:ext>
-              </a:extLst>
-            </p:cNvPr>
-            <p:cNvSpPr/>
-            <p:nvPr/>
-          </p:nvSpPr>
-          <p:spPr>
-            <a:xfrm>
-              <a:off x="1639161" y="761221"/>
-              <a:ext cx="900000" cy="900000"/>
-            </a:xfrm>
-            <a:prstGeom prst="rect">
-              <a:avLst/>
-            </a:prstGeom>
-            <a:solidFill>
-              <a:srgbClr val="007BC8"/>
-            </a:solidFill>
-            <a:ln w="50800">
-              <a:solidFill>
-                <a:schemeClr val="accent1">
-                  <a:shade val="15000"/>
-                </a:schemeClr>
-              </a:solidFill>
-            </a:ln>
-          </p:spPr>
-          <p:style>
-            <a:lnRef idx="2">
-              <a:schemeClr val="accent1">
-                <a:shade val="15000"/>
-              </a:schemeClr>
-            </a:lnRef>
-            <a:fillRef idx="1">
-              <a:schemeClr val="accent1"/>
-            </a:fillRef>
-            <a:effectRef idx="0">
-              <a:schemeClr val="accent1"/>
-            </a:effectRef>
-            <a:fontRef idx="minor">
-              <a:schemeClr val="lt1"/>
-            </a:fontRef>
-          </p:style>
-          <p:txBody>
-            <a:bodyPr rtlCol="0" anchor="ctr"/>
-            <a:lstStyle/>
-            <a:p>
-              <a:pPr algn="ctr"/>
-              <a:endParaRPr lang="ko-KR" altLang="en-US" dirty="0"/>
-            </a:p>
-          </p:txBody>
-        </p:sp>
-        <p:sp>
-          <p:nvSpPr>
-            <p:cNvPr id="10" name="직사각형 9">
-              <a:extLst>
-                <a:ext uri="{FF2B5EF4-FFF2-40B4-BE49-F238E27FC236}">
-                  <a16:creationId xmlns:a16="http://schemas.microsoft.com/office/drawing/2014/main" id="{C952342B-3B95-EBBA-78F9-EB57081B4376}"/>
-                </a:ext>
-              </a:extLst>
-            </p:cNvPr>
-            <p:cNvSpPr/>
-            <p:nvPr/>
-          </p:nvSpPr>
-          <p:spPr>
-            <a:xfrm>
-              <a:off x="2539160" y="761221"/>
-              <a:ext cx="8101125" cy="900000"/>
-            </a:xfrm>
-            <a:prstGeom prst="rect">
-              <a:avLst/>
-            </a:prstGeom>
-            <a:solidFill>
-              <a:schemeClr val="bg1"/>
-            </a:solidFill>
-            <a:ln w="50800">
-              <a:solidFill>
-                <a:schemeClr val="tx1"/>
-              </a:solidFill>
-            </a:ln>
-          </p:spPr>
-          <p:style>
-            <a:lnRef idx="2">
-              <a:schemeClr val="accent1">
-                <a:shade val="15000"/>
-              </a:schemeClr>
-            </a:lnRef>
-            <a:fillRef idx="1">
-              <a:schemeClr val="accent1"/>
-            </a:fillRef>
-            <a:effectRef idx="0">
-              <a:schemeClr val="accent1"/>
-            </a:effectRef>
-            <a:fontRef idx="minor">
-              <a:schemeClr val="lt1"/>
-            </a:fontRef>
-          </p:style>
-          <p:txBody>
-            <a:bodyPr rtlCol="0" anchor="ctr"/>
-            <a:lstStyle/>
-            <a:p>
-              <a:pPr marL="288000"/>
-              <a:r>
-                <a:rPr lang="ko-KR" altLang="en-US" sz="4000" dirty="0">
-                  <a:solidFill>
-                    <a:schemeClr val="tx1"/>
-                  </a:solidFill>
-                  <a:latin typeface="CookieRun Regular" panose="020B0600000101010101" pitchFamily="50" charset="-127"/>
-                  <a:ea typeface="CookieRun Regular" panose="020B0600000101010101" pitchFamily="50" charset="-127"/>
-                </a:rPr>
-                <a:t>현재 </a:t>
-              </a:r>
-              <a:r>
-                <a:rPr lang="en-US" altLang="ko-KR" sz="4000" dirty="0">
-                  <a:solidFill>
-                    <a:schemeClr val="tx1"/>
-                  </a:solidFill>
-                  <a:latin typeface="구름 산스 700" pitchFamily="2" charset="-127"/>
-                  <a:ea typeface="구름 산스 700" pitchFamily="2" charset="-127"/>
-                </a:rPr>
-                <a:t>OCR</a:t>
-              </a:r>
-              <a:r>
-                <a:rPr lang="ko-KR" altLang="en-US" sz="4000" dirty="0">
-                  <a:solidFill>
-                    <a:schemeClr val="tx1"/>
-                  </a:solidFill>
-                  <a:latin typeface="CookieRun Regular" panose="020B0600000101010101" pitchFamily="50" charset="-127"/>
-                  <a:ea typeface="CookieRun Regular" panose="020B0600000101010101" pitchFamily="50" charset="-127"/>
-                </a:rPr>
-                <a:t>의 한계점</a:t>
-              </a:r>
-            </a:p>
-          </p:txBody>
-        </p:sp>
-      </p:grpSp>
-    </p:spTree>
-    <p:extLst>
-      <p:ext uri="{BB962C8B-B14F-4D97-AF65-F5344CB8AC3E}">
-        <p14:creationId xmlns:p14="http://schemas.microsoft.com/office/powerpoint/2010/main" val="269322329"/>
-      </p:ext>
-    </p:extLst>
-  </p:cSld>
-  <p:clrMapOvr>
-    <a:masterClrMapping/>
-  </p:clrMapOvr>
-</p:sld>
-</file>
-
-<file path=ppt/slides/slide27.xml><?xml version="1.0" encoding="utf-8"?>
-<p:sld xmlns:a="http://schemas.openxmlformats.org/drawingml/2006/main" xmlns:r="http://schemas.openxmlformats.org/officeDocument/2006/relationships" xmlns:p="http://schemas.openxmlformats.org/presentationml/2006/main">
-  <p:cSld>
-    <p:spTree>
-      <p:nvGrpSpPr>
-        <p:cNvPr id="1" name="">
-          <a:extLst>
-            <a:ext uri="{FF2B5EF4-FFF2-40B4-BE49-F238E27FC236}">
-              <a16:creationId xmlns:a16="http://schemas.microsoft.com/office/drawing/2014/main" id="{143C23F9-8182-EF94-6EDA-C374A489B1FA}"/>
-            </a:ext>
-          </a:extLst>
-        </p:cNvPr>
-        <p:cNvGrpSpPr/>
-        <p:nvPr/>
-      </p:nvGrpSpPr>
-      <p:grpSpPr>
-        <a:xfrm>
-          <a:off x="0" y="0"/>
-          <a:ext cx="0" cy="0"/>
-          <a:chOff x="0" y="0"/>
-          <a:chExt cx="0" cy="0"/>
-        </a:xfrm>
-      </p:grpSpPr>
-      <p:sp>
-        <p:nvSpPr>
-          <p:cNvPr id="3" name="슬라이드 번호 개체 틀 2">
-            <a:extLst>
-              <a:ext uri="{FF2B5EF4-FFF2-40B4-BE49-F238E27FC236}">
-                <a16:creationId xmlns:a16="http://schemas.microsoft.com/office/drawing/2014/main" id="{90229120-73D3-FC5D-0DD0-BDFB46FABB2E}"/>
-              </a:ext>
-            </a:extLst>
-          </p:cNvPr>
-          <p:cNvSpPr>
-            <a:spLocks noGrp="1"/>
-          </p:cNvSpPr>
-          <p:nvPr>
-            <p:ph type="sldNum" sz="quarter" idx="12"/>
-          </p:nvPr>
-        </p:nvSpPr>
-        <p:spPr/>
-        <p:txBody>
-          <a:bodyPr/>
-          <a:lstStyle/>
-          <a:p>
-            <a:fld id="{C5002163-FFAF-417C-9C20-DC892DFE9806}" type="slidenum">
-              <a:rPr lang="ko-KR" altLang="en-US" smtClean="0"/>
-              <a:t>26</a:t>
-            </a:fld>
-            <a:endParaRPr lang="ko-KR" altLang="en-US"/>
-          </a:p>
-        </p:txBody>
-      </p:sp>
-      <p:grpSp>
-        <p:nvGrpSpPr>
-          <p:cNvPr id="12" name="그룹 11">
-            <a:extLst>
-              <a:ext uri="{FF2B5EF4-FFF2-40B4-BE49-F238E27FC236}">
-                <a16:creationId xmlns:a16="http://schemas.microsoft.com/office/drawing/2014/main" id="{9F89B3E1-7B65-8131-792A-1CB8A9902FA4}"/>
-              </a:ext>
-            </a:extLst>
-          </p:cNvPr>
-          <p:cNvGrpSpPr/>
-          <p:nvPr/>
-        </p:nvGrpSpPr>
-        <p:grpSpPr>
-          <a:xfrm>
-            <a:off x="695325" y="728663"/>
-            <a:ext cx="9001124" cy="936000"/>
-            <a:chOff x="1639161" y="761221"/>
-            <a:chExt cx="9001124" cy="900000"/>
-          </a:xfrm>
-          <a:effectLst>
-            <a:outerShdw blurRad="12700" dist="127000" dir="5400000" algn="t" rotWithShape="0">
-              <a:prstClr val="black">
-                <a:alpha val="10000"/>
-              </a:prstClr>
-            </a:outerShdw>
-          </a:effectLst>
-        </p:grpSpPr>
-        <p:sp>
-          <p:nvSpPr>
-            <p:cNvPr id="4" name="직사각형 3">
-              <a:extLst>
-                <a:ext uri="{FF2B5EF4-FFF2-40B4-BE49-F238E27FC236}">
-                  <a16:creationId xmlns:a16="http://schemas.microsoft.com/office/drawing/2014/main" id="{2CE2129B-189C-D3D8-B66A-7A3B4DE4C64F}"/>
-                </a:ext>
-              </a:extLst>
-            </p:cNvPr>
-            <p:cNvSpPr/>
-            <p:nvPr/>
-          </p:nvSpPr>
-          <p:spPr>
-            <a:xfrm>
-              <a:off x="1639161" y="761221"/>
-              <a:ext cx="900000" cy="900000"/>
-            </a:xfrm>
-            <a:prstGeom prst="rect">
-              <a:avLst/>
-            </a:prstGeom>
-            <a:solidFill>
-              <a:srgbClr val="007BC8"/>
-            </a:solidFill>
-            <a:ln w="50800">
-              <a:solidFill>
-                <a:schemeClr val="accent1">
-                  <a:shade val="15000"/>
-                </a:schemeClr>
-              </a:solidFill>
-            </a:ln>
-          </p:spPr>
-          <p:style>
-            <a:lnRef idx="2">
-              <a:schemeClr val="accent1">
-                <a:shade val="15000"/>
-              </a:schemeClr>
-            </a:lnRef>
-            <a:fillRef idx="1">
-              <a:schemeClr val="accent1"/>
-            </a:fillRef>
-            <a:effectRef idx="0">
-              <a:schemeClr val="accent1"/>
-            </a:effectRef>
-            <a:fontRef idx="minor">
-              <a:schemeClr val="lt1"/>
-            </a:fontRef>
-          </p:style>
-          <p:txBody>
-            <a:bodyPr rtlCol="0" anchor="ctr"/>
-            <a:lstStyle/>
-            <a:p>
-              <a:pPr algn="ctr"/>
-              <a:endParaRPr lang="ko-KR" altLang="en-US" dirty="0"/>
-            </a:p>
-          </p:txBody>
-        </p:sp>
-        <p:sp>
-          <p:nvSpPr>
-            <p:cNvPr id="10" name="직사각형 9">
-              <a:extLst>
-                <a:ext uri="{FF2B5EF4-FFF2-40B4-BE49-F238E27FC236}">
-                  <a16:creationId xmlns:a16="http://schemas.microsoft.com/office/drawing/2014/main" id="{0B4F1861-92B9-F7D4-B926-17202BB3E7BE}"/>
-                </a:ext>
-              </a:extLst>
-            </p:cNvPr>
-            <p:cNvSpPr/>
-            <p:nvPr/>
-          </p:nvSpPr>
-          <p:spPr>
-            <a:xfrm>
-              <a:off x="2539160" y="761221"/>
-              <a:ext cx="8101125" cy="900000"/>
-            </a:xfrm>
-            <a:prstGeom prst="rect">
-              <a:avLst/>
-            </a:prstGeom>
-            <a:solidFill>
-              <a:schemeClr val="bg1"/>
-            </a:solidFill>
-            <a:ln w="50800">
-              <a:solidFill>
-                <a:schemeClr val="tx1"/>
-              </a:solidFill>
-            </a:ln>
-          </p:spPr>
-          <p:style>
-            <a:lnRef idx="2">
-              <a:schemeClr val="accent1">
-                <a:shade val="15000"/>
-              </a:schemeClr>
-            </a:lnRef>
-            <a:fillRef idx="1">
-              <a:schemeClr val="accent1"/>
-            </a:fillRef>
-            <a:effectRef idx="0">
-              <a:schemeClr val="accent1"/>
-            </a:effectRef>
-            <a:fontRef idx="minor">
-              <a:schemeClr val="lt1"/>
-            </a:fontRef>
-          </p:style>
-          <p:txBody>
-            <a:bodyPr rtlCol="0" anchor="ctr"/>
-            <a:lstStyle/>
-            <a:p>
-              <a:pPr marL="288000"/>
-              <a:r>
-                <a:rPr lang="ko-KR" altLang="en-US" sz="4000" dirty="0">
-                  <a:solidFill>
-                    <a:schemeClr val="tx1"/>
-                  </a:solidFill>
-                  <a:latin typeface="CookieRun Regular" panose="020B0600000101010101" pitchFamily="50" charset="-127"/>
-                  <a:ea typeface="CookieRun Regular" panose="020B0600000101010101" pitchFamily="50" charset="-127"/>
-                </a:rPr>
-                <a:t>이후</a:t>
-              </a:r>
-              <a:r>
-                <a:rPr lang="en-US" altLang="ko-KR" sz="4000" dirty="0">
-                  <a:solidFill>
-                    <a:schemeClr val="tx1"/>
-                  </a:solidFill>
-                  <a:latin typeface="CookieRun Regular" panose="020B0600000101010101" pitchFamily="50" charset="-127"/>
-                  <a:ea typeface="CookieRun Regular" panose="020B0600000101010101" pitchFamily="50" charset="-127"/>
-                </a:rPr>
-                <a:t>.. </a:t>
-              </a:r>
-              <a:r>
-                <a:rPr lang="ko-KR" altLang="en-US" sz="4000" dirty="0">
-                  <a:solidFill>
-                    <a:schemeClr val="tx1"/>
-                  </a:solidFill>
-                  <a:latin typeface="CookieRun Regular" panose="020B0600000101010101" pitchFamily="50" charset="-127"/>
-                  <a:ea typeface="CookieRun Regular" panose="020B0600000101010101" pitchFamily="50" charset="-127"/>
-                </a:rPr>
-                <a:t>수집한 데이터는</a:t>
-              </a:r>
-              <a:r>
-                <a:rPr lang="en-US" altLang="ko-KR" sz="4000" dirty="0">
-                  <a:solidFill>
-                    <a:schemeClr val="tx1"/>
-                  </a:solidFill>
-                  <a:latin typeface="CookieRun Regular" panose="020B0600000101010101" pitchFamily="50" charset="-127"/>
-                  <a:ea typeface="CookieRun Regular" panose="020B0600000101010101" pitchFamily="50" charset="-127"/>
-                </a:rPr>
-                <a:t>?</a:t>
-              </a:r>
-              <a:endParaRPr lang="ko-KR" altLang="en-US" sz="4000" dirty="0">
-                <a:solidFill>
-                  <a:schemeClr val="tx1"/>
-                </a:solidFill>
-                <a:latin typeface="CookieRun Regular" panose="020B0600000101010101" pitchFamily="50" charset="-127"/>
-                <a:ea typeface="CookieRun Regular" panose="020B0600000101010101" pitchFamily="50" charset="-127"/>
-              </a:endParaRPr>
-            </a:p>
-          </p:txBody>
-        </p:sp>
-      </p:grpSp>
-    </p:spTree>
-    <p:extLst>
-      <p:ext uri="{BB962C8B-B14F-4D97-AF65-F5344CB8AC3E}">
-        <p14:creationId xmlns:p14="http://schemas.microsoft.com/office/powerpoint/2010/main" val="435298459"/>
-      </p:ext>
-    </p:extLst>
-  </p:cSld>
-  <p:clrMapOvr>
-    <a:masterClrMapping/>
-  </p:clrMapOvr>
-</p:sld>
-</file>
-
-<file path=ppt/slides/slide28.xml><?xml version="1.0" encoding="utf-8"?>
-<p:sld xmlns:a="http://schemas.openxmlformats.org/drawingml/2006/main" xmlns:r="http://schemas.openxmlformats.org/officeDocument/2006/relationships" xmlns:p="http://schemas.openxmlformats.org/presentationml/2006/main">
-  <p:cSld>
-    <p:bg>
-      <p:bgPr>
-        <a:solidFill>
-          <a:srgbClr val="25ACFF"/>
-        </a:solidFill>
-        <a:effectLst/>
-      </p:bgPr>
-    </p:bg>
-    <p:spTree>
-      <p:nvGrpSpPr>
-        <p:cNvPr id="1" name=""/>
-        <p:cNvGrpSpPr/>
-        <p:nvPr/>
-      </p:nvGrpSpPr>
-      <p:grpSpPr>
-        <a:xfrm>
-          <a:off x="0" y="0"/>
-          <a:ext cx="0" cy="0"/>
-          <a:chOff x="0" y="0"/>
-          <a:chExt cx="0" cy="0"/>
-        </a:xfrm>
-      </p:grpSpPr>
-      <p:sp>
-        <p:nvSpPr>
-          <p:cNvPr id="3" name="직사각형 2">
-            <a:extLst>
-              <a:ext uri="{FF2B5EF4-FFF2-40B4-BE49-F238E27FC236}">
-                <a16:creationId xmlns:a16="http://schemas.microsoft.com/office/drawing/2014/main" id="{1A7E3834-C4E2-0331-0BCD-0856289A639D}"/>
-              </a:ext>
-            </a:extLst>
-          </p:cNvPr>
-          <p:cNvSpPr/>
-          <p:nvPr/>
-        </p:nvSpPr>
-        <p:spPr>
-          <a:xfrm>
-            <a:off x="3831599" y="2967335"/>
-            <a:ext cx="4528805" cy="923330"/>
-          </a:xfrm>
-          <a:prstGeom prst="rect">
-            <a:avLst/>
-          </a:prstGeom>
-          <a:solidFill>
-            <a:srgbClr val="25ACFF"/>
-          </a:solidFill>
-        </p:spPr>
-        <p:txBody>
-          <a:bodyPr wrap="none" lIns="91440" tIns="45720" rIns="91440" bIns="45720">
-            <a:spAutoFit/>
-          </a:bodyPr>
-          <a:lstStyle/>
-          <a:p>
-            <a:pPr algn="ctr"/>
-            <a:r>
-              <a:rPr lang="ko-KR" altLang="en-US" sz="5400" b="1" cap="none" spc="0" dirty="0">
-                <a:ln w="0"/>
-                <a:solidFill>
-                  <a:schemeClr val="bg1"/>
-                </a:solidFill>
-                <a:effectLst>
-                  <a:outerShdw blurRad="38100" dist="19050" dir="2700000" algn="tl" rotWithShape="0">
-                    <a:schemeClr val="dk1">
-                      <a:alpha val="40000"/>
-                    </a:schemeClr>
-                  </a:outerShdw>
-                </a:effectLst>
-              </a:rPr>
-              <a:t>감사합니다 </a:t>
-            </a:r>
-            <a:r>
-              <a:rPr lang="en-US" altLang="ko-KR" sz="5400" b="1" cap="none" spc="0" dirty="0">
-                <a:ln w="0"/>
-                <a:solidFill>
-                  <a:schemeClr val="bg1"/>
-                </a:solidFill>
-                <a:effectLst>
-                  <a:outerShdw blurRad="38100" dist="19050" dir="2700000" algn="tl" rotWithShape="0">
-                    <a:schemeClr val="dk1">
-                      <a:alpha val="40000"/>
-                    </a:schemeClr>
-                  </a:outerShdw>
-                </a:effectLst>
-              </a:rPr>
-              <a:t>:&gt;</a:t>
-            </a:r>
-          </a:p>
-        </p:txBody>
-      </p:sp>
-    </p:spTree>
-    <p:extLst>
-      <p:ext uri="{BB962C8B-B14F-4D97-AF65-F5344CB8AC3E}">
-        <p14:creationId xmlns:p14="http://schemas.microsoft.com/office/powerpoint/2010/main" val="3994394213"/>
       </p:ext>
     </p:extLst>
   </p:cSld>
@@ -10501,6 +17118,820 @@
     <p:extLst>
       <p:ext uri="{BB962C8B-B14F-4D97-AF65-F5344CB8AC3E}">
         <p14:creationId xmlns:p14="http://schemas.microsoft.com/office/powerpoint/2010/main" val="1498457358"/>
+      </p:ext>
+    </p:extLst>
+  </p:cSld>
+  <p:clrMapOvr>
+    <a:masterClrMapping/>
+  </p:clrMapOvr>
+</p:sld>
+</file>
+
+<file path=ppt/slides/slide30.xml><?xml version="1.0" encoding="utf-8"?>
+<p:sld xmlns:a="http://schemas.openxmlformats.org/drawingml/2006/main" xmlns:r="http://schemas.openxmlformats.org/officeDocument/2006/relationships" xmlns:p="http://schemas.openxmlformats.org/presentationml/2006/main">
+  <p:cSld>
+    <p:spTree>
+      <p:nvGrpSpPr>
+        <p:cNvPr id="1" name="">
+          <a:extLst>
+            <a:ext uri="{FF2B5EF4-FFF2-40B4-BE49-F238E27FC236}">
+              <a16:creationId xmlns:a16="http://schemas.microsoft.com/office/drawing/2014/main" id="{50DB6834-FB9D-5517-0998-53D56F1F8161}"/>
+            </a:ext>
+          </a:extLst>
+        </p:cNvPr>
+        <p:cNvGrpSpPr/>
+        <p:nvPr/>
+      </p:nvGrpSpPr>
+      <p:grpSpPr>
+        <a:xfrm>
+          <a:off x="0" y="0"/>
+          <a:ext cx="0" cy="0"/>
+          <a:chOff x="0" y="0"/>
+          <a:chExt cx="0" cy="0"/>
+        </a:xfrm>
+      </p:grpSpPr>
+      <p:sp>
+        <p:nvSpPr>
+          <p:cNvPr id="3" name="슬라이드 번호 개체 틀 2">
+            <a:extLst>
+              <a:ext uri="{FF2B5EF4-FFF2-40B4-BE49-F238E27FC236}">
+                <a16:creationId xmlns:a16="http://schemas.microsoft.com/office/drawing/2014/main" id="{36E03354-FD32-91F0-4E69-1E6CA8655E93}"/>
+              </a:ext>
+            </a:extLst>
+          </p:cNvPr>
+          <p:cNvSpPr>
+            <a:spLocks noGrp="1"/>
+          </p:cNvSpPr>
+          <p:nvPr>
+            <p:ph type="sldNum" sz="quarter" idx="12"/>
+          </p:nvPr>
+        </p:nvSpPr>
+        <p:spPr/>
+        <p:txBody>
+          <a:bodyPr/>
+          <a:lstStyle/>
+          <a:p>
+            <a:fld id="{C5002163-FFAF-417C-9C20-DC892DFE9806}" type="slidenum">
+              <a:rPr lang="ko-KR" altLang="en-US" smtClean="0"/>
+              <a:t>29</a:t>
+            </a:fld>
+            <a:endParaRPr lang="ko-KR" altLang="en-US"/>
+          </a:p>
+        </p:txBody>
+      </p:sp>
+      <p:grpSp>
+        <p:nvGrpSpPr>
+          <p:cNvPr id="12" name="그룹 11">
+            <a:extLst>
+              <a:ext uri="{FF2B5EF4-FFF2-40B4-BE49-F238E27FC236}">
+                <a16:creationId xmlns:a16="http://schemas.microsoft.com/office/drawing/2014/main" id="{23233C6B-70D9-F5FE-9924-13A6408CAA62}"/>
+              </a:ext>
+            </a:extLst>
+          </p:cNvPr>
+          <p:cNvGrpSpPr/>
+          <p:nvPr/>
+        </p:nvGrpSpPr>
+        <p:grpSpPr>
+          <a:xfrm>
+            <a:off x="695325" y="728663"/>
+            <a:ext cx="9001124" cy="936000"/>
+            <a:chOff x="1639161" y="761221"/>
+            <a:chExt cx="9001124" cy="900000"/>
+          </a:xfrm>
+          <a:effectLst>
+            <a:outerShdw blurRad="12700" dist="127000" dir="5400000" algn="t" rotWithShape="0">
+              <a:prstClr val="black">
+                <a:alpha val="10000"/>
+              </a:prstClr>
+            </a:outerShdw>
+          </a:effectLst>
+        </p:grpSpPr>
+        <p:sp>
+          <p:nvSpPr>
+            <p:cNvPr id="4" name="직사각형 3">
+              <a:extLst>
+                <a:ext uri="{FF2B5EF4-FFF2-40B4-BE49-F238E27FC236}">
+                  <a16:creationId xmlns:a16="http://schemas.microsoft.com/office/drawing/2014/main" id="{422BA0DF-05D0-1858-91FF-5F73A531AD43}"/>
+                </a:ext>
+              </a:extLst>
+            </p:cNvPr>
+            <p:cNvSpPr/>
+            <p:nvPr/>
+          </p:nvSpPr>
+          <p:spPr>
+            <a:xfrm>
+              <a:off x="1639161" y="761221"/>
+              <a:ext cx="900000" cy="900000"/>
+            </a:xfrm>
+            <a:prstGeom prst="rect">
+              <a:avLst/>
+            </a:prstGeom>
+            <a:solidFill>
+              <a:srgbClr val="007BC8"/>
+            </a:solidFill>
+            <a:ln w="50800">
+              <a:solidFill>
+                <a:schemeClr val="accent1">
+                  <a:shade val="15000"/>
+                </a:schemeClr>
+              </a:solidFill>
+            </a:ln>
+          </p:spPr>
+          <p:style>
+            <a:lnRef idx="2">
+              <a:schemeClr val="accent1">
+                <a:shade val="15000"/>
+              </a:schemeClr>
+            </a:lnRef>
+            <a:fillRef idx="1">
+              <a:schemeClr val="accent1"/>
+            </a:fillRef>
+            <a:effectRef idx="0">
+              <a:schemeClr val="accent1"/>
+            </a:effectRef>
+            <a:fontRef idx="minor">
+              <a:schemeClr val="lt1"/>
+            </a:fontRef>
+          </p:style>
+          <p:txBody>
+            <a:bodyPr rtlCol="0" anchor="ctr"/>
+            <a:lstStyle/>
+            <a:p>
+              <a:pPr algn="ctr"/>
+              <a:endParaRPr lang="ko-KR" altLang="en-US" dirty="0"/>
+            </a:p>
+          </p:txBody>
+        </p:sp>
+        <p:sp>
+          <p:nvSpPr>
+            <p:cNvPr id="10" name="직사각형 9">
+              <a:extLst>
+                <a:ext uri="{FF2B5EF4-FFF2-40B4-BE49-F238E27FC236}">
+                  <a16:creationId xmlns:a16="http://schemas.microsoft.com/office/drawing/2014/main" id="{6C1653CA-7C6E-DF4E-A5C3-496523946C6F}"/>
+                </a:ext>
+              </a:extLst>
+            </p:cNvPr>
+            <p:cNvSpPr/>
+            <p:nvPr/>
+          </p:nvSpPr>
+          <p:spPr>
+            <a:xfrm>
+              <a:off x="2539160" y="761221"/>
+              <a:ext cx="8101125" cy="900000"/>
+            </a:xfrm>
+            <a:prstGeom prst="rect">
+              <a:avLst/>
+            </a:prstGeom>
+            <a:solidFill>
+              <a:schemeClr val="bg1"/>
+            </a:solidFill>
+            <a:ln w="50800">
+              <a:solidFill>
+                <a:schemeClr val="tx1"/>
+              </a:solidFill>
+            </a:ln>
+          </p:spPr>
+          <p:style>
+            <a:lnRef idx="2">
+              <a:schemeClr val="accent1">
+                <a:shade val="15000"/>
+              </a:schemeClr>
+            </a:lnRef>
+            <a:fillRef idx="1">
+              <a:schemeClr val="accent1"/>
+            </a:fillRef>
+            <a:effectRef idx="0">
+              <a:schemeClr val="accent1"/>
+            </a:effectRef>
+            <a:fontRef idx="minor">
+              <a:schemeClr val="lt1"/>
+            </a:fontRef>
+          </p:style>
+          <p:txBody>
+            <a:bodyPr rtlCol="0" anchor="ctr"/>
+            <a:lstStyle/>
+            <a:p>
+              <a:pPr marL="288000"/>
+              <a:r>
+                <a:rPr lang="ko-KR" altLang="en-US" sz="4000" dirty="0">
+                  <a:solidFill>
+                    <a:schemeClr val="tx1"/>
+                  </a:solidFill>
+                  <a:latin typeface="CookieRun Regular" panose="020B0600000101010101" pitchFamily="50" charset="-127"/>
+                  <a:ea typeface="CookieRun Regular" panose="020B0600000101010101" pitchFamily="50" charset="-127"/>
+                </a:rPr>
+                <a:t>성능 향상을 위한 이미지 </a:t>
+              </a:r>
+              <a:r>
+                <a:rPr lang="ko-KR" altLang="en-US" sz="4000" dirty="0" err="1">
+                  <a:solidFill>
+                    <a:schemeClr val="tx1"/>
+                  </a:solidFill>
+                  <a:latin typeface="CookieRun Regular" panose="020B0600000101010101" pitchFamily="50" charset="-127"/>
+                  <a:ea typeface="CookieRun Regular" panose="020B0600000101010101" pitchFamily="50" charset="-127"/>
+                </a:rPr>
+                <a:t>전처리</a:t>
+              </a:r>
+              <a:endParaRPr lang="ko-KR" altLang="en-US" sz="4000" dirty="0">
+                <a:solidFill>
+                  <a:schemeClr val="tx1"/>
+                </a:solidFill>
+                <a:latin typeface="CookieRun Regular" panose="020B0600000101010101" pitchFamily="50" charset="-127"/>
+                <a:ea typeface="CookieRun Regular" panose="020B0600000101010101" pitchFamily="50" charset="-127"/>
+              </a:endParaRPr>
+            </a:p>
+          </p:txBody>
+        </p:sp>
+      </p:grpSp>
+    </p:spTree>
+    <p:extLst>
+      <p:ext uri="{BB962C8B-B14F-4D97-AF65-F5344CB8AC3E}">
+        <p14:creationId xmlns:p14="http://schemas.microsoft.com/office/powerpoint/2010/main" val="948262531"/>
+      </p:ext>
+    </p:extLst>
+  </p:cSld>
+  <p:clrMapOvr>
+    <a:masterClrMapping/>
+  </p:clrMapOvr>
+</p:sld>
+</file>
+
+<file path=ppt/slides/slide31.xml><?xml version="1.0" encoding="utf-8"?>
+<p:sld xmlns:a="http://schemas.openxmlformats.org/drawingml/2006/main" xmlns:r="http://schemas.openxmlformats.org/officeDocument/2006/relationships" xmlns:p="http://schemas.openxmlformats.org/presentationml/2006/main">
+  <p:cSld>
+    <p:spTree>
+      <p:nvGrpSpPr>
+        <p:cNvPr id="1" name="">
+          <a:extLst>
+            <a:ext uri="{FF2B5EF4-FFF2-40B4-BE49-F238E27FC236}">
+              <a16:creationId xmlns:a16="http://schemas.microsoft.com/office/drawing/2014/main" id="{AD6ACE1D-F7EE-6270-A141-B2C5F5E5BB9C}"/>
+            </a:ext>
+          </a:extLst>
+        </p:cNvPr>
+        <p:cNvGrpSpPr/>
+        <p:nvPr/>
+      </p:nvGrpSpPr>
+      <p:grpSpPr>
+        <a:xfrm>
+          <a:off x="0" y="0"/>
+          <a:ext cx="0" cy="0"/>
+          <a:chOff x="0" y="0"/>
+          <a:chExt cx="0" cy="0"/>
+        </a:xfrm>
+      </p:grpSpPr>
+      <p:sp>
+        <p:nvSpPr>
+          <p:cNvPr id="3" name="슬라이드 번호 개체 틀 2">
+            <a:extLst>
+              <a:ext uri="{FF2B5EF4-FFF2-40B4-BE49-F238E27FC236}">
+                <a16:creationId xmlns:a16="http://schemas.microsoft.com/office/drawing/2014/main" id="{48B5FBB8-8450-1E57-74E5-054B9096EE9F}"/>
+              </a:ext>
+            </a:extLst>
+          </p:cNvPr>
+          <p:cNvSpPr>
+            <a:spLocks noGrp="1"/>
+          </p:cNvSpPr>
+          <p:nvPr>
+            <p:ph type="sldNum" sz="quarter" idx="12"/>
+          </p:nvPr>
+        </p:nvSpPr>
+        <p:spPr/>
+        <p:txBody>
+          <a:bodyPr/>
+          <a:lstStyle/>
+          <a:p>
+            <a:fld id="{C5002163-FFAF-417C-9C20-DC892DFE9806}" type="slidenum">
+              <a:rPr lang="ko-KR" altLang="en-US" smtClean="0"/>
+              <a:t>30</a:t>
+            </a:fld>
+            <a:endParaRPr lang="ko-KR" altLang="en-US"/>
+          </a:p>
+        </p:txBody>
+      </p:sp>
+      <p:grpSp>
+        <p:nvGrpSpPr>
+          <p:cNvPr id="12" name="그룹 11">
+            <a:extLst>
+              <a:ext uri="{FF2B5EF4-FFF2-40B4-BE49-F238E27FC236}">
+                <a16:creationId xmlns:a16="http://schemas.microsoft.com/office/drawing/2014/main" id="{30DA3B42-1C66-087D-92F6-C1A007B64F48}"/>
+              </a:ext>
+            </a:extLst>
+          </p:cNvPr>
+          <p:cNvGrpSpPr/>
+          <p:nvPr/>
+        </p:nvGrpSpPr>
+        <p:grpSpPr>
+          <a:xfrm>
+            <a:off x="695325" y="728663"/>
+            <a:ext cx="9001124" cy="936000"/>
+            <a:chOff x="1639161" y="761221"/>
+            <a:chExt cx="9001124" cy="900000"/>
+          </a:xfrm>
+          <a:effectLst>
+            <a:outerShdw blurRad="12700" dist="127000" dir="5400000" algn="t" rotWithShape="0">
+              <a:prstClr val="black">
+                <a:alpha val="10000"/>
+              </a:prstClr>
+            </a:outerShdw>
+          </a:effectLst>
+        </p:grpSpPr>
+        <p:sp>
+          <p:nvSpPr>
+            <p:cNvPr id="4" name="직사각형 3">
+              <a:extLst>
+                <a:ext uri="{FF2B5EF4-FFF2-40B4-BE49-F238E27FC236}">
+                  <a16:creationId xmlns:a16="http://schemas.microsoft.com/office/drawing/2014/main" id="{91A99F23-7CA1-8459-B2E6-AB6C1C5DA077}"/>
+                </a:ext>
+              </a:extLst>
+            </p:cNvPr>
+            <p:cNvSpPr/>
+            <p:nvPr/>
+          </p:nvSpPr>
+          <p:spPr>
+            <a:xfrm>
+              <a:off x="1639161" y="761221"/>
+              <a:ext cx="900000" cy="900000"/>
+            </a:xfrm>
+            <a:prstGeom prst="rect">
+              <a:avLst/>
+            </a:prstGeom>
+            <a:solidFill>
+              <a:srgbClr val="007BC8"/>
+            </a:solidFill>
+            <a:ln w="50800">
+              <a:solidFill>
+                <a:schemeClr val="accent1">
+                  <a:shade val="15000"/>
+                </a:schemeClr>
+              </a:solidFill>
+            </a:ln>
+          </p:spPr>
+          <p:style>
+            <a:lnRef idx="2">
+              <a:schemeClr val="accent1">
+                <a:shade val="15000"/>
+              </a:schemeClr>
+            </a:lnRef>
+            <a:fillRef idx="1">
+              <a:schemeClr val="accent1"/>
+            </a:fillRef>
+            <a:effectRef idx="0">
+              <a:schemeClr val="accent1"/>
+            </a:effectRef>
+            <a:fontRef idx="minor">
+              <a:schemeClr val="lt1"/>
+            </a:fontRef>
+          </p:style>
+          <p:txBody>
+            <a:bodyPr rtlCol="0" anchor="ctr"/>
+            <a:lstStyle/>
+            <a:p>
+              <a:pPr algn="ctr"/>
+              <a:endParaRPr lang="ko-KR" altLang="en-US" dirty="0"/>
+            </a:p>
+          </p:txBody>
+        </p:sp>
+        <p:sp>
+          <p:nvSpPr>
+            <p:cNvPr id="10" name="직사각형 9">
+              <a:extLst>
+                <a:ext uri="{FF2B5EF4-FFF2-40B4-BE49-F238E27FC236}">
+                  <a16:creationId xmlns:a16="http://schemas.microsoft.com/office/drawing/2014/main" id="{C952342B-3B95-EBBA-78F9-EB57081B4376}"/>
+                </a:ext>
+              </a:extLst>
+            </p:cNvPr>
+            <p:cNvSpPr/>
+            <p:nvPr/>
+          </p:nvSpPr>
+          <p:spPr>
+            <a:xfrm>
+              <a:off x="2539160" y="761221"/>
+              <a:ext cx="8101125" cy="900000"/>
+            </a:xfrm>
+            <a:prstGeom prst="rect">
+              <a:avLst/>
+            </a:prstGeom>
+            <a:solidFill>
+              <a:schemeClr val="bg1"/>
+            </a:solidFill>
+            <a:ln w="50800">
+              <a:solidFill>
+                <a:schemeClr val="tx1"/>
+              </a:solidFill>
+            </a:ln>
+          </p:spPr>
+          <p:style>
+            <a:lnRef idx="2">
+              <a:schemeClr val="accent1">
+                <a:shade val="15000"/>
+              </a:schemeClr>
+            </a:lnRef>
+            <a:fillRef idx="1">
+              <a:schemeClr val="accent1"/>
+            </a:fillRef>
+            <a:effectRef idx="0">
+              <a:schemeClr val="accent1"/>
+            </a:effectRef>
+            <a:fontRef idx="minor">
+              <a:schemeClr val="lt1"/>
+            </a:fontRef>
+          </p:style>
+          <p:txBody>
+            <a:bodyPr rtlCol="0" anchor="ctr"/>
+            <a:lstStyle/>
+            <a:p>
+              <a:pPr marL="288000"/>
+              <a:r>
+                <a:rPr lang="ko-KR" altLang="en-US" sz="4000" dirty="0">
+                  <a:solidFill>
+                    <a:schemeClr val="tx1"/>
+                  </a:solidFill>
+                  <a:latin typeface="CookieRun Regular" panose="020B0600000101010101" pitchFamily="50" charset="-127"/>
+                  <a:ea typeface="CookieRun Regular" panose="020B0600000101010101" pitchFamily="50" charset="-127"/>
+                </a:rPr>
+                <a:t>현재 </a:t>
+              </a:r>
+              <a:r>
+                <a:rPr lang="en-US" altLang="ko-KR" sz="4000" dirty="0">
+                  <a:solidFill>
+                    <a:schemeClr val="tx1"/>
+                  </a:solidFill>
+                  <a:latin typeface="구름 산스 700" pitchFamily="2" charset="-127"/>
+                  <a:ea typeface="구름 산스 700" pitchFamily="2" charset="-127"/>
+                </a:rPr>
+                <a:t>OCR</a:t>
+              </a:r>
+              <a:r>
+                <a:rPr lang="ko-KR" altLang="en-US" sz="4000" dirty="0">
+                  <a:solidFill>
+                    <a:schemeClr val="tx1"/>
+                  </a:solidFill>
+                  <a:latin typeface="CookieRun Regular" panose="020B0600000101010101" pitchFamily="50" charset="-127"/>
+                  <a:ea typeface="CookieRun Regular" panose="020B0600000101010101" pitchFamily="50" charset="-127"/>
+                </a:rPr>
+                <a:t>의 한계점</a:t>
+              </a:r>
+            </a:p>
+          </p:txBody>
+        </p:sp>
+      </p:grpSp>
+    </p:spTree>
+    <p:extLst>
+      <p:ext uri="{BB962C8B-B14F-4D97-AF65-F5344CB8AC3E}">
+        <p14:creationId xmlns:p14="http://schemas.microsoft.com/office/powerpoint/2010/main" val="269322329"/>
+      </p:ext>
+    </p:extLst>
+  </p:cSld>
+  <p:clrMapOvr>
+    <a:masterClrMapping/>
+  </p:clrMapOvr>
+</p:sld>
+</file>
+
+<file path=ppt/slides/slide32.xml><?xml version="1.0" encoding="utf-8"?>
+<p:sld xmlns:a="http://schemas.openxmlformats.org/drawingml/2006/main" xmlns:r="http://schemas.openxmlformats.org/officeDocument/2006/relationships" xmlns:p="http://schemas.openxmlformats.org/presentationml/2006/main">
+  <p:cSld>
+    <p:spTree>
+      <p:nvGrpSpPr>
+        <p:cNvPr id="1" name="">
+          <a:extLst>
+            <a:ext uri="{FF2B5EF4-FFF2-40B4-BE49-F238E27FC236}">
+              <a16:creationId xmlns:a16="http://schemas.microsoft.com/office/drawing/2014/main" id="{143C23F9-8182-EF94-6EDA-C374A489B1FA}"/>
+            </a:ext>
+          </a:extLst>
+        </p:cNvPr>
+        <p:cNvGrpSpPr/>
+        <p:nvPr/>
+      </p:nvGrpSpPr>
+      <p:grpSpPr>
+        <a:xfrm>
+          <a:off x="0" y="0"/>
+          <a:ext cx="0" cy="0"/>
+          <a:chOff x="0" y="0"/>
+          <a:chExt cx="0" cy="0"/>
+        </a:xfrm>
+      </p:grpSpPr>
+      <p:sp>
+        <p:nvSpPr>
+          <p:cNvPr id="3" name="슬라이드 번호 개체 틀 2">
+            <a:extLst>
+              <a:ext uri="{FF2B5EF4-FFF2-40B4-BE49-F238E27FC236}">
+                <a16:creationId xmlns:a16="http://schemas.microsoft.com/office/drawing/2014/main" id="{90229120-73D3-FC5D-0DD0-BDFB46FABB2E}"/>
+              </a:ext>
+            </a:extLst>
+          </p:cNvPr>
+          <p:cNvSpPr>
+            <a:spLocks noGrp="1"/>
+          </p:cNvSpPr>
+          <p:nvPr>
+            <p:ph type="sldNum" sz="quarter" idx="12"/>
+          </p:nvPr>
+        </p:nvSpPr>
+        <p:spPr/>
+        <p:txBody>
+          <a:bodyPr/>
+          <a:lstStyle/>
+          <a:p>
+            <a:fld id="{C5002163-FFAF-417C-9C20-DC892DFE9806}" type="slidenum">
+              <a:rPr lang="ko-KR" altLang="en-US" smtClean="0"/>
+              <a:t>31</a:t>
+            </a:fld>
+            <a:endParaRPr lang="ko-KR" altLang="en-US"/>
+          </a:p>
+        </p:txBody>
+      </p:sp>
+      <p:grpSp>
+        <p:nvGrpSpPr>
+          <p:cNvPr id="12" name="그룹 11">
+            <a:extLst>
+              <a:ext uri="{FF2B5EF4-FFF2-40B4-BE49-F238E27FC236}">
+                <a16:creationId xmlns:a16="http://schemas.microsoft.com/office/drawing/2014/main" id="{9F89B3E1-7B65-8131-792A-1CB8A9902FA4}"/>
+              </a:ext>
+            </a:extLst>
+          </p:cNvPr>
+          <p:cNvGrpSpPr/>
+          <p:nvPr/>
+        </p:nvGrpSpPr>
+        <p:grpSpPr>
+          <a:xfrm>
+            <a:off x="695325" y="728663"/>
+            <a:ext cx="9001124" cy="936000"/>
+            <a:chOff x="1639161" y="761221"/>
+            <a:chExt cx="9001124" cy="900000"/>
+          </a:xfrm>
+          <a:effectLst>
+            <a:outerShdw blurRad="12700" dist="127000" dir="5400000" algn="t" rotWithShape="0">
+              <a:prstClr val="black">
+                <a:alpha val="10000"/>
+              </a:prstClr>
+            </a:outerShdw>
+          </a:effectLst>
+        </p:grpSpPr>
+        <p:sp>
+          <p:nvSpPr>
+            <p:cNvPr id="4" name="직사각형 3">
+              <a:extLst>
+                <a:ext uri="{FF2B5EF4-FFF2-40B4-BE49-F238E27FC236}">
+                  <a16:creationId xmlns:a16="http://schemas.microsoft.com/office/drawing/2014/main" id="{2CE2129B-189C-D3D8-B66A-7A3B4DE4C64F}"/>
+                </a:ext>
+              </a:extLst>
+            </p:cNvPr>
+            <p:cNvSpPr/>
+            <p:nvPr/>
+          </p:nvSpPr>
+          <p:spPr>
+            <a:xfrm>
+              <a:off x="1639161" y="761221"/>
+              <a:ext cx="900000" cy="900000"/>
+            </a:xfrm>
+            <a:prstGeom prst="rect">
+              <a:avLst/>
+            </a:prstGeom>
+            <a:solidFill>
+              <a:srgbClr val="007BC8"/>
+            </a:solidFill>
+            <a:ln w="50800">
+              <a:solidFill>
+                <a:schemeClr val="accent1">
+                  <a:shade val="15000"/>
+                </a:schemeClr>
+              </a:solidFill>
+            </a:ln>
+          </p:spPr>
+          <p:style>
+            <a:lnRef idx="2">
+              <a:schemeClr val="accent1">
+                <a:shade val="15000"/>
+              </a:schemeClr>
+            </a:lnRef>
+            <a:fillRef idx="1">
+              <a:schemeClr val="accent1"/>
+            </a:fillRef>
+            <a:effectRef idx="0">
+              <a:schemeClr val="accent1"/>
+            </a:effectRef>
+            <a:fontRef idx="minor">
+              <a:schemeClr val="lt1"/>
+            </a:fontRef>
+          </p:style>
+          <p:txBody>
+            <a:bodyPr rtlCol="0" anchor="ctr"/>
+            <a:lstStyle/>
+            <a:p>
+              <a:pPr algn="ctr"/>
+              <a:endParaRPr lang="ko-KR" altLang="en-US" dirty="0"/>
+            </a:p>
+          </p:txBody>
+        </p:sp>
+        <p:sp>
+          <p:nvSpPr>
+            <p:cNvPr id="10" name="직사각형 9">
+              <a:extLst>
+                <a:ext uri="{FF2B5EF4-FFF2-40B4-BE49-F238E27FC236}">
+                  <a16:creationId xmlns:a16="http://schemas.microsoft.com/office/drawing/2014/main" id="{0B4F1861-92B9-F7D4-B926-17202BB3E7BE}"/>
+                </a:ext>
+              </a:extLst>
+            </p:cNvPr>
+            <p:cNvSpPr/>
+            <p:nvPr/>
+          </p:nvSpPr>
+          <p:spPr>
+            <a:xfrm>
+              <a:off x="2539160" y="761221"/>
+              <a:ext cx="8101125" cy="900000"/>
+            </a:xfrm>
+            <a:prstGeom prst="rect">
+              <a:avLst/>
+            </a:prstGeom>
+            <a:solidFill>
+              <a:schemeClr val="bg1"/>
+            </a:solidFill>
+            <a:ln w="50800">
+              <a:solidFill>
+                <a:schemeClr val="tx1"/>
+              </a:solidFill>
+            </a:ln>
+          </p:spPr>
+          <p:style>
+            <a:lnRef idx="2">
+              <a:schemeClr val="accent1">
+                <a:shade val="15000"/>
+              </a:schemeClr>
+            </a:lnRef>
+            <a:fillRef idx="1">
+              <a:schemeClr val="accent1"/>
+            </a:fillRef>
+            <a:effectRef idx="0">
+              <a:schemeClr val="accent1"/>
+            </a:effectRef>
+            <a:fontRef idx="minor">
+              <a:schemeClr val="lt1"/>
+            </a:fontRef>
+          </p:style>
+          <p:txBody>
+            <a:bodyPr rtlCol="0" anchor="ctr"/>
+            <a:lstStyle/>
+            <a:p>
+              <a:pPr marL="288000"/>
+              <a:r>
+                <a:rPr lang="ko-KR" altLang="en-US" sz="4000" dirty="0">
+                  <a:solidFill>
+                    <a:schemeClr val="tx1"/>
+                  </a:solidFill>
+                  <a:latin typeface="CookieRun Regular" panose="020B0600000101010101" pitchFamily="50" charset="-127"/>
+                  <a:ea typeface="CookieRun Regular" panose="020B0600000101010101" pitchFamily="50" charset="-127"/>
+                </a:rPr>
+                <a:t>이후</a:t>
+              </a:r>
+              <a:r>
+                <a:rPr lang="en-US" altLang="ko-KR" sz="4000" dirty="0">
+                  <a:solidFill>
+                    <a:schemeClr val="tx1"/>
+                  </a:solidFill>
+                  <a:latin typeface="CookieRun Regular" panose="020B0600000101010101" pitchFamily="50" charset="-127"/>
+                  <a:ea typeface="CookieRun Regular" panose="020B0600000101010101" pitchFamily="50" charset="-127"/>
+                </a:rPr>
+                <a:t>.. </a:t>
+              </a:r>
+              <a:r>
+                <a:rPr lang="ko-KR" altLang="en-US" sz="4000" dirty="0">
+                  <a:solidFill>
+                    <a:schemeClr val="tx1"/>
+                  </a:solidFill>
+                  <a:latin typeface="CookieRun Regular" panose="020B0600000101010101" pitchFamily="50" charset="-127"/>
+                  <a:ea typeface="CookieRun Regular" panose="020B0600000101010101" pitchFamily="50" charset="-127"/>
+                </a:rPr>
+                <a:t>수집한 데이터는</a:t>
+              </a:r>
+              <a:r>
+                <a:rPr lang="en-US" altLang="ko-KR" sz="4000" dirty="0">
+                  <a:solidFill>
+                    <a:schemeClr val="tx1"/>
+                  </a:solidFill>
+                  <a:latin typeface="CookieRun Regular" panose="020B0600000101010101" pitchFamily="50" charset="-127"/>
+                  <a:ea typeface="CookieRun Regular" panose="020B0600000101010101" pitchFamily="50" charset="-127"/>
+                </a:rPr>
+                <a:t>?</a:t>
+              </a:r>
+              <a:endParaRPr lang="ko-KR" altLang="en-US" sz="4000" dirty="0">
+                <a:solidFill>
+                  <a:schemeClr val="tx1"/>
+                </a:solidFill>
+                <a:latin typeface="CookieRun Regular" panose="020B0600000101010101" pitchFamily="50" charset="-127"/>
+                <a:ea typeface="CookieRun Regular" panose="020B0600000101010101" pitchFamily="50" charset="-127"/>
+              </a:endParaRPr>
+            </a:p>
+          </p:txBody>
+        </p:sp>
+      </p:grpSp>
+    </p:spTree>
+    <p:extLst>
+      <p:ext uri="{BB962C8B-B14F-4D97-AF65-F5344CB8AC3E}">
+        <p14:creationId xmlns:p14="http://schemas.microsoft.com/office/powerpoint/2010/main" val="435298459"/>
+      </p:ext>
+    </p:extLst>
+  </p:cSld>
+  <p:clrMapOvr>
+    <a:masterClrMapping/>
+  </p:clrMapOvr>
+</p:sld>
+</file>
+
+<file path=ppt/slides/slide33.xml><?xml version="1.0" encoding="utf-8"?>
+<p:sld xmlns:a="http://schemas.openxmlformats.org/drawingml/2006/main" xmlns:r="http://schemas.openxmlformats.org/officeDocument/2006/relationships" xmlns:p="http://schemas.openxmlformats.org/presentationml/2006/main">
+  <p:cSld>
+    <p:bg>
+      <p:bgPr>
+        <a:solidFill>
+          <a:srgbClr val="25ACFF"/>
+        </a:solidFill>
+        <a:effectLst/>
+      </p:bgPr>
+    </p:bg>
+    <p:spTree>
+      <p:nvGrpSpPr>
+        <p:cNvPr id="1" name=""/>
+        <p:cNvGrpSpPr/>
+        <p:nvPr/>
+      </p:nvGrpSpPr>
+      <p:grpSpPr>
+        <a:xfrm>
+          <a:off x="0" y="0"/>
+          <a:ext cx="0" cy="0"/>
+          <a:chOff x="0" y="0"/>
+          <a:chExt cx="0" cy="0"/>
+        </a:xfrm>
+      </p:grpSpPr>
+      <p:sp>
+        <p:nvSpPr>
+          <p:cNvPr id="3" name="직사각형 2">
+            <a:extLst>
+              <a:ext uri="{FF2B5EF4-FFF2-40B4-BE49-F238E27FC236}">
+                <a16:creationId xmlns:a16="http://schemas.microsoft.com/office/drawing/2014/main" id="{1A7E3834-C4E2-0331-0BCD-0856289A639D}"/>
+              </a:ext>
+            </a:extLst>
+          </p:cNvPr>
+          <p:cNvSpPr/>
+          <p:nvPr/>
+        </p:nvSpPr>
+        <p:spPr>
+          <a:xfrm>
+            <a:off x="3831599" y="2967335"/>
+            <a:ext cx="4528805" cy="923330"/>
+          </a:xfrm>
+          <a:prstGeom prst="rect">
+            <a:avLst/>
+          </a:prstGeom>
+          <a:solidFill>
+            <a:srgbClr val="25ACFF"/>
+          </a:solidFill>
+        </p:spPr>
+        <p:txBody>
+          <a:bodyPr wrap="none" lIns="91440" tIns="45720" rIns="91440" bIns="45720">
+            <a:spAutoFit/>
+          </a:bodyPr>
+          <a:lstStyle/>
+          <a:p>
+            <a:pPr algn="ctr"/>
+            <a:r>
+              <a:rPr lang="ko-KR" altLang="en-US" sz="5400" b="1" cap="none" spc="0" dirty="0">
+                <a:ln w="0"/>
+                <a:solidFill>
+                  <a:schemeClr val="bg1"/>
+                </a:solidFill>
+                <a:effectLst>
+                  <a:outerShdw blurRad="38100" dist="19050" dir="2700000" algn="tl" rotWithShape="0">
+                    <a:schemeClr val="dk1">
+                      <a:alpha val="40000"/>
+                    </a:schemeClr>
+                  </a:outerShdw>
+                </a:effectLst>
+              </a:rPr>
+              <a:t>감사합니다 </a:t>
+            </a:r>
+            <a:r>
+              <a:rPr lang="en-US" altLang="ko-KR" sz="5400" b="1" cap="none" spc="0" dirty="0">
+                <a:ln w="0"/>
+                <a:solidFill>
+                  <a:schemeClr val="bg1"/>
+                </a:solidFill>
+                <a:effectLst>
+                  <a:outerShdw blurRad="38100" dist="19050" dir="2700000" algn="tl" rotWithShape="0">
+                    <a:schemeClr val="dk1">
+                      <a:alpha val="40000"/>
+                    </a:schemeClr>
+                  </a:outerShdw>
+                </a:effectLst>
+              </a:rPr>
+              <a:t>:&gt;</a:t>
+            </a:r>
+          </a:p>
+        </p:txBody>
+      </p:sp>
+    </p:spTree>
+    <p:extLst>
+      <p:ext uri="{BB962C8B-B14F-4D97-AF65-F5344CB8AC3E}">
+        <p14:creationId xmlns:p14="http://schemas.microsoft.com/office/powerpoint/2010/main" val="3994394213"/>
       </p:ext>
     </p:extLst>
   </p:cSld>
